--- a/bin/algieba.pptx
+++ b/bin/algieba.pptx
@@ -5,13 +5,14 @@
     <p:sldMasterId id="2147483648" r:id="rId1"/>
   </p:sldMasterIdLst>
   <p:notesMasterIdLst>
-    <p:notesMasterId r:id="rId6"/>
+    <p:notesMasterId r:id="rId7"/>
   </p:notesMasterIdLst>
   <p:sldIdLst>
     <p:sldId id="256" r:id="rId2"/>
     <p:sldId id="263" r:id="rId3"/>
     <p:sldId id="266" r:id="rId4"/>
     <p:sldId id="265" r:id="rId5"/>
+    <p:sldId id="267" r:id="rId6"/>
   </p:sldIdLst>
   <p:sldSz cx="9144000" cy="6858000" type="screen4x3"/>
   <p:notesSz cx="6858000" cy="9144000"/>
@@ -195,7 +196,7 @@
           <a:p>
             <a:fld id="{EE82FEE5-269B-9B49-A8C4-823C45BE6055}" type="datetimeFigureOut">
               <a:rPr kumimoji="1" lang="ja-JP" altLang="en-US" smtClean="0"/>
-              <a:t>16/11/04</a:t>
+              <a:t>16/12/07</a:t>
             </a:fld>
             <a:endParaRPr kumimoji="1" lang="ja-JP" altLang="en-US"/>
           </a:p>
@@ -747,6 +748,90 @@
 </p:notes>
 </file>
 
+<file path=ppt/notesSlides/notesSlide4.xml><?xml version="1.0" encoding="utf-8"?>
+<p:notes xmlns:a="http://schemas.openxmlformats.org/drawingml/2006/main" xmlns:r="http://schemas.openxmlformats.org/officeDocument/2006/relationships" xmlns:p="http://schemas.openxmlformats.org/presentationml/2006/main">
+  <p:cSld>
+    <p:spTree>
+      <p:nvGrpSpPr>
+        <p:cNvPr id="1" name=""/>
+        <p:cNvGrpSpPr/>
+        <p:nvPr/>
+      </p:nvGrpSpPr>
+      <p:grpSpPr>
+        <a:xfrm>
+          <a:off x="0" y="0"/>
+          <a:ext cx="0" cy="0"/>
+          <a:chOff x="0" y="0"/>
+          <a:chExt cx="0" cy="0"/>
+        </a:xfrm>
+      </p:grpSpPr>
+      <p:sp>
+        <p:nvSpPr>
+          <p:cNvPr id="2" name="スライド イメージ プレースホルダー 1"/>
+          <p:cNvSpPr>
+            <a:spLocks noGrp="1" noRot="1" noChangeAspect="1"/>
+          </p:cNvSpPr>
+          <p:nvPr>
+            <p:ph type="sldImg"/>
+          </p:nvPr>
+        </p:nvSpPr>
+        <p:spPr/>
+      </p:sp>
+      <p:sp>
+        <p:nvSpPr>
+          <p:cNvPr id="3" name="ノート プレースホルダー 2"/>
+          <p:cNvSpPr>
+            <a:spLocks noGrp="1"/>
+          </p:cNvSpPr>
+          <p:nvPr>
+            <p:ph type="body" idx="1"/>
+          </p:nvPr>
+        </p:nvSpPr>
+        <p:spPr/>
+        <p:txBody>
+          <a:bodyPr/>
+          <a:lstStyle/>
+          <a:p>
+            <a:endParaRPr kumimoji="1" lang="ja-JP" altLang="en-US" dirty="0"/>
+          </a:p>
+        </p:txBody>
+      </p:sp>
+      <p:sp>
+        <p:nvSpPr>
+          <p:cNvPr id="4" name="スライド番号プレースホルダー 3"/>
+          <p:cNvSpPr>
+            <a:spLocks noGrp="1"/>
+          </p:cNvSpPr>
+          <p:nvPr>
+            <p:ph type="sldNum" sz="quarter" idx="10"/>
+          </p:nvPr>
+        </p:nvSpPr>
+        <p:spPr/>
+        <p:txBody>
+          <a:bodyPr/>
+          <a:lstStyle/>
+          <a:p>
+            <a:fld id="{A9E1B25B-30E5-7A42-A56A-DF1A6F86BC06}" type="slidenum">
+              <a:rPr kumimoji="1" lang="ja-JP" altLang="en-US" smtClean="0"/>
+              <a:t>5</a:t>
+            </a:fld>
+            <a:endParaRPr kumimoji="1" lang="ja-JP" altLang="en-US"/>
+          </a:p>
+        </p:txBody>
+      </p:sp>
+    </p:spTree>
+    <p:extLst>
+      <p:ext uri="{BB962C8B-B14F-4D97-AF65-F5344CB8AC3E}">
+        <p14:creationId xmlns:p14="http://schemas.microsoft.com/office/powerpoint/2010/main" val="3631066132"/>
+      </p:ext>
+    </p:extLst>
+  </p:cSld>
+  <p:clrMapOvr>
+    <a:masterClrMapping/>
+  </p:clrMapOvr>
+</p:notes>
+</file>
+
 <file path=ppt/slideLayouts/slideLayout1.xml><?xml version="1.0" encoding="utf-8"?>
 <p:sldLayout xmlns:a="http://schemas.openxmlformats.org/drawingml/2006/main" xmlns:r="http://schemas.openxmlformats.org/officeDocument/2006/relationships" xmlns:p="http://schemas.openxmlformats.org/presentationml/2006/main" type="title" preserve="1">
   <p:cSld name="タイトル スライド">
@@ -928,7 +1013,7 @@
           <a:p>
             <a:fld id="{3ABA01A1-4899-9944-833D-6A66CDE659CB}" type="datetimeFigureOut">
               <a:rPr kumimoji="1" lang="ja-JP" altLang="en-US" smtClean="0"/>
-              <a:t>16/11/04</a:t>
+              <a:t>16/12/07</a:t>
             </a:fld>
             <a:endParaRPr kumimoji="1" lang="ja-JP" altLang="en-US"/>
           </a:p>
@@ -1130,7 +1215,7 @@
           <a:p>
             <a:fld id="{3ABA01A1-4899-9944-833D-6A66CDE659CB}" type="datetimeFigureOut">
               <a:rPr kumimoji="1" lang="ja-JP" altLang="en-US" smtClean="0"/>
-              <a:t>16/11/04</a:t>
+              <a:t>16/12/07</a:t>
             </a:fld>
             <a:endParaRPr kumimoji="1" lang="ja-JP" altLang="en-US"/>
           </a:p>
@@ -1342,7 +1427,7 @@
           <a:p>
             <a:fld id="{3ABA01A1-4899-9944-833D-6A66CDE659CB}" type="datetimeFigureOut">
               <a:rPr kumimoji="1" lang="ja-JP" altLang="en-US" smtClean="0"/>
-              <a:t>16/11/04</a:t>
+              <a:t>16/12/07</a:t>
             </a:fld>
             <a:endParaRPr kumimoji="1" lang="ja-JP" altLang="en-US"/>
           </a:p>
@@ -1544,7 +1629,7 @@
           <a:p>
             <a:fld id="{3ABA01A1-4899-9944-833D-6A66CDE659CB}" type="datetimeFigureOut">
               <a:rPr kumimoji="1" lang="ja-JP" altLang="en-US" smtClean="0"/>
-              <a:t>16/11/04</a:t>
+              <a:t>16/12/07</a:t>
             </a:fld>
             <a:endParaRPr kumimoji="1" lang="ja-JP" altLang="en-US"/>
           </a:p>
@@ -1790,7 +1875,7 @@
           <a:p>
             <a:fld id="{3ABA01A1-4899-9944-833D-6A66CDE659CB}" type="datetimeFigureOut">
               <a:rPr kumimoji="1" lang="ja-JP" altLang="en-US" smtClean="0"/>
-              <a:t>16/11/04</a:t>
+              <a:t>16/12/07</a:t>
             </a:fld>
             <a:endParaRPr kumimoji="1" lang="ja-JP" altLang="en-US"/>
           </a:p>
@@ -2142,7 +2227,7 @@
           <a:p>
             <a:fld id="{3ABA01A1-4899-9944-833D-6A66CDE659CB}" type="datetimeFigureOut">
               <a:rPr kumimoji="1" lang="ja-JP" altLang="en-US" smtClean="0"/>
-              <a:t>16/11/04</a:t>
+              <a:t>16/12/07</a:t>
             </a:fld>
             <a:endParaRPr kumimoji="1" lang="ja-JP" altLang="en-US"/>
           </a:p>
@@ -2628,7 +2713,7 @@
           <a:p>
             <a:fld id="{3ABA01A1-4899-9944-833D-6A66CDE659CB}" type="datetimeFigureOut">
               <a:rPr kumimoji="1" lang="ja-JP" altLang="en-US" smtClean="0"/>
-              <a:t>16/11/04</a:t>
+              <a:t>16/12/07</a:t>
             </a:fld>
             <a:endParaRPr kumimoji="1" lang="ja-JP" altLang="en-US"/>
           </a:p>
@@ -2746,7 +2831,7 @@
           <a:p>
             <a:fld id="{3ABA01A1-4899-9944-833D-6A66CDE659CB}" type="datetimeFigureOut">
               <a:rPr kumimoji="1" lang="ja-JP" altLang="en-US" smtClean="0"/>
-              <a:t>16/11/04</a:t>
+              <a:t>16/12/07</a:t>
             </a:fld>
             <a:endParaRPr kumimoji="1" lang="ja-JP" altLang="en-US"/>
           </a:p>
@@ -2841,7 +2926,7 @@
           <a:p>
             <a:fld id="{3ABA01A1-4899-9944-833D-6A66CDE659CB}" type="datetimeFigureOut">
               <a:rPr kumimoji="1" lang="ja-JP" altLang="en-US" smtClean="0"/>
-              <a:t>16/11/04</a:t>
+              <a:t>16/12/07</a:t>
             </a:fld>
             <a:endParaRPr kumimoji="1" lang="ja-JP" altLang="en-US"/>
           </a:p>
@@ -3150,7 +3235,7 @@
           <a:p>
             <a:fld id="{3ABA01A1-4899-9944-833D-6A66CDE659CB}" type="datetimeFigureOut">
               <a:rPr kumimoji="1" lang="ja-JP" altLang="en-US" smtClean="0"/>
-              <a:t>16/11/04</a:t>
+              <a:t>16/12/07</a:t>
             </a:fld>
             <a:endParaRPr kumimoji="1" lang="ja-JP" altLang="en-US"/>
           </a:p>
@@ -3403,7 +3488,7 @@
           <a:p>
             <a:fld id="{3ABA01A1-4899-9944-833D-6A66CDE659CB}" type="datetimeFigureOut">
               <a:rPr kumimoji="1" lang="ja-JP" altLang="en-US" smtClean="0"/>
-              <a:t>16/11/04</a:t>
+              <a:t>16/12/07</a:t>
             </a:fld>
             <a:endParaRPr kumimoji="1" lang="ja-JP" altLang="en-US"/>
           </a:p>
@@ -3648,7 +3733,7 @@
           <a:p>
             <a:fld id="{3ABA01A1-4899-9944-833D-6A66CDE659CB}" type="datetimeFigureOut">
               <a:rPr kumimoji="1" lang="ja-JP" altLang="en-US" smtClean="0"/>
-              <a:t>16/11/04</a:t>
+              <a:t>16/12/07</a:t>
             </a:fld>
             <a:endParaRPr kumimoji="1" lang="ja-JP" altLang="en-US"/>
           </a:p>
@@ -4092,19 +4177,11 @@
             </a:r>
             <a:r>
               <a:rPr lang="en-US" altLang="ja-JP" sz="2800" dirty="0" smtClean="0"/>
-              <a:t>2016</a:t>
+              <a:t>2016/</a:t>
             </a:r>
             <a:r>
               <a:rPr lang="en-US" altLang="ja-JP" sz="2800" dirty="0" smtClean="0"/>
-              <a:t>/</a:t>
-            </a:r>
-            <a:r>
-              <a:rPr lang="en-US" altLang="ja-JP" sz="2800" dirty="0" smtClean="0"/>
-              <a:t>11</a:t>
-            </a:r>
-            <a:r>
-              <a:rPr lang="en-US" altLang="ja-JP" sz="2800" dirty="0" smtClean="0"/>
-              <a:t>/04</a:t>
+              <a:t>12/10</a:t>
             </a:r>
             <a:r>
               <a:rPr lang="en-US" altLang="ja-JP" sz="2800" dirty="0" smtClean="0"/>
@@ -4123,7 +4200,7 @@
             </a:r>
             <a:r>
               <a:rPr lang="en-US" altLang="ja-JP" sz="2800" dirty="0" smtClean="0"/>
-              <a:t>2.2.0</a:t>
+              <a:t>2.3.0</a:t>
             </a:r>
             <a:endParaRPr kumimoji="1" lang="ja-JP" altLang="en-US" dirty="0"/>
           </a:p>
@@ -4206,7 +4283,7 @@
         <p:spPr>
           <a:xfrm>
             <a:off x="646545" y="969818"/>
-            <a:ext cx="7378943" cy="3416320"/>
+            <a:ext cx="7378943" cy="3693319"/>
           </a:xfrm>
           <a:prstGeom prst="rect">
             <a:avLst/>
@@ -4365,34 +4442,7 @@
                 <a:ea typeface="メイリオ"/>
                 <a:cs typeface="メイリオ"/>
               </a:rPr>
-              <a:t>家計簿</a:t>
-            </a:r>
-            <a:r>
-              <a:rPr lang="ja-JP" altLang="en-US" dirty="0" smtClean="0">
-                <a:latin typeface="メイリオ"/>
-                <a:ea typeface="メイリオ"/>
-                <a:cs typeface="メイリオ"/>
-              </a:rPr>
-              <a:t>情報を入力後、登録ボタンを押すと家計簿が登録される</a:t>
-            </a:r>
-            <a:endParaRPr lang="en-US" altLang="ja-JP" dirty="0" smtClean="0">
-              <a:latin typeface="メイリオ"/>
-              <a:ea typeface="メイリオ"/>
-              <a:cs typeface="メイリオ"/>
-            </a:endParaRPr>
-          </a:p>
-          <a:p>
-            <a:pPr marL="742950" lvl="1" indent="-285750">
-              <a:buFont typeface="Arial"/>
-              <a:buChar char="•"/>
-            </a:pPr>
-            <a:r>
-              <a:rPr lang="ja-JP" altLang="en-US" dirty="0" smtClean="0">
-                <a:latin typeface="メイリオ"/>
-                <a:ea typeface="メイリオ"/>
-                <a:cs typeface="メイリオ"/>
-              </a:rPr>
-              <a:t>登録成功時、画面遷移なしで家計簿表の上部に表示</a:t>
+              <a:t>家計簿情報を入力後、登録ボタンを押すと家計簿が登録</a:t>
             </a:r>
             <a:r>
               <a:rPr lang="ja-JP" altLang="en-US" dirty="0" smtClean="0">
@@ -4401,6 +4451,44 @@
                 <a:cs typeface="メイリオ"/>
               </a:rPr>
               <a:t>される</a:t>
+            </a:r>
+            <a:endParaRPr lang="en-US" altLang="ja-JP" dirty="0" smtClean="0">
+              <a:latin typeface="メイリオ"/>
+              <a:ea typeface="メイリオ"/>
+              <a:cs typeface="メイリオ"/>
+            </a:endParaRPr>
+          </a:p>
+          <a:p>
+            <a:pPr marL="742950" lvl="1" indent="-285750">
+              <a:buFont typeface="Arial"/>
+              <a:buChar char="•"/>
+            </a:pPr>
+            <a:r>
+              <a:rPr lang="ja-JP" altLang="en-US" dirty="0" smtClean="0">
+                <a:latin typeface="メイリオ"/>
+                <a:ea typeface="メイリオ"/>
+                <a:cs typeface="メイリオ"/>
+              </a:rPr>
+              <a:t>家計簿情報が不正な場合、エラーを通知する</a:t>
+            </a:r>
+            <a:endParaRPr lang="en-US" altLang="ja-JP" dirty="0" smtClean="0">
+              <a:latin typeface="メイリオ"/>
+              <a:ea typeface="メイリオ"/>
+              <a:cs typeface="メイリオ"/>
+            </a:endParaRPr>
+          </a:p>
+          <a:p>
+            <a:pPr marL="742950" lvl="1" indent="-285750">
+              <a:buFont typeface="Arial"/>
+              <a:buChar char="•"/>
+            </a:pPr>
+            <a:r>
+              <a:rPr lang="ja-JP" altLang="en-US" dirty="0" smtClean="0">
+                <a:latin typeface="メイリオ"/>
+                <a:ea typeface="メイリオ"/>
+                <a:cs typeface="メイリオ"/>
+              </a:rPr>
+              <a:t>登録成功時、画面遷移なしで家計簿表の上部に表示される</a:t>
             </a:r>
             <a:endParaRPr lang="en-US" altLang="ja-JP" dirty="0">
               <a:latin typeface="メイリオ"/>
@@ -4541,15 +4629,7 @@
                 <a:ea typeface="メイリオ"/>
                 <a:cs typeface="メイリオ"/>
               </a:rPr>
-              <a:t>認証</a:t>
-            </a:r>
-            <a:r>
-              <a:rPr lang="ja-JP" altLang="en-US" sz="2800" dirty="0" smtClean="0">
-                <a:latin typeface="メイリオ"/>
-                <a:ea typeface="メイリオ"/>
-                <a:cs typeface="メイリオ"/>
-              </a:rPr>
-              <a:t>画面</a:t>
+              <a:t>認証画面</a:t>
             </a:r>
             <a:endParaRPr kumimoji="1" lang="ja-JP" altLang="en-US" sz="2000" dirty="0">
               <a:latin typeface="メイリオ"/>
@@ -5081,15 +5161,7 @@
                 <a:ea typeface="メイリオ"/>
                 <a:cs typeface="メイリオ"/>
               </a:rPr>
-              <a:t>管理</a:t>
-            </a:r>
-            <a:r>
-              <a:rPr lang="ja-JP" altLang="en-US" sz="2800" dirty="0" smtClean="0">
-                <a:latin typeface="メイリオ"/>
-                <a:ea typeface="メイリオ"/>
-                <a:cs typeface="メイリオ"/>
-              </a:rPr>
-              <a:t>画面</a:t>
+              <a:t>管理画面</a:t>
             </a:r>
             <a:endParaRPr kumimoji="1" lang="ja-JP" altLang="en-US" sz="2000" dirty="0">
               <a:latin typeface="メイリオ"/>
@@ -5108,7 +5180,7 @@
           <p:nvPr>
             <p:extLst>
               <p:ext uri="{D42A27DB-BD31-4B8C-83A1-F6EECF244321}">
-                <p14:modId xmlns:p14="http://schemas.microsoft.com/office/powerpoint/2010/main" val="841783986"/>
+                <p14:modId xmlns:p14="http://schemas.microsoft.com/office/powerpoint/2010/main" val="1991780575"/>
               </p:ext>
             </p:extLst>
           </p:nvPr>
@@ -6160,7 +6232,7 @@
         </p:nvSpPr>
         <p:spPr>
           <a:xfrm>
-            <a:off x="1249506" y="1630084"/>
+            <a:off x="4124211" y="1630084"/>
             <a:ext cx="296175" cy="307777"/>
           </a:xfrm>
           <a:prstGeom prst="rect">
@@ -6198,7 +6270,7 @@
         </p:nvSpPr>
         <p:spPr>
           <a:xfrm>
-            <a:off x="1481453" y="1632399"/>
+            <a:off x="4356158" y="1632399"/>
             <a:ext cx="296175" cy="307777"/>
           </a:xfrm>
           <a:prstGeom prst="rect">
@@ -6236,7 +6308,7 @@
         </p:nvSpPr>
         <p:spPr>
           <a:xfrm>
-            <a:off x="1722420" y="1632399"/>
+            <a:off x="4597125" y="1632399"/>
             <a:ext cx="494734" cy="307777"/>
           </a:xfrm>
           <a:prstGeom prst="rect">
@@ -6274,7 +6346,7 @@
         </p:nvSpPr>
         <p:spPr>
           <a:xfrm rot="5400000">
-            <a:off x="2564425" y="1683849"/>
+            <a:off x="5439130" y="1683849"/>
             <a:ext cx="179370" cy="181212"/>
           </a:xfrm>
           <a:prstGeom prst="triangle">
@@ -6319,7 +6391,7 @@
         </p:nvSpPr>
         <p:spPr>
           <a:xfrm rot="16200000">
-            <a:off x="1048815" y="1684770"/>
+            <a:off x="3923520" y="1684770"/>
             <a:ext cx="180000" cy="180000"/>
           </a:xfrm>
           <a:prstGeom prst="triangle">
@@ -6364,7 +6436,7 @@
         </p:nvSpPr>
         <p:spPr>
           <a:xfrm>
-            <a:off x="2139180" y="1632399"/>
+            <a:off x="5013885" y="1632399"/>
             <a:ext cx="407684" cy="307777"/>
           </a:xfrm>
           <a:prstGeom prst="rect">
@@ -6394,10 +6466,2105 @@
           </a:p>
         </p:txBody>
       </p:sp>
+      <p:sp>
+        <p:nvSpPr>
+          <p:cNvPr id="21" name="テキスト ボックス 20"/>
+          <p:cNvSpPr txBox="1"/>
+          <p:nvPr/>
+        </p:nvSpPr>
+        <p:spPr>
+          <a:xfrm>
+            <a:off x="993905" y="1630084"/>
+            <a:ext cx="2623046" cy="307777"/>
+          </a:xfrm>
+          <a:prstGeom prst="rect">
+            <a:avLst/>
+          </a:prstGeom>
+          <a:noFill/>
+        </p:spPr>
+        <p:txBody>
+          <a:bodyPr wrap="none" rtlCol="0">
+            <a:spAutoFit/>
+          </a:bodyPr>
+          <a:lstStyle/>
+          <a:p>
+            <a:r>
+              <a:rPr lang="en-US" altLang="ja-JP" sz="1400" dirty="0" smtClean="0">
+                <a:latin typeface="メイリオ"/>
+                <a:ea typeface="メイリオ"/>
+                <a:cs typeface="メイリオ"/>
+              </a:rPr>
+              <a:t>xxx </a:t>
+            </a:r>
+            <a:r>
+              <a:rPr lang="ja-JP" altLang="en-US" sz="1400" dirty="0" smtClean="0">
+                <a:latin typeface="メイリオ"/>
+                <a:ea typeface="メイリオ"/>
+                <a:cs typeface="メイリオ"/>
+              </a:rPr>
+              <a:t>件中</a:t>
+            </a:r>
+            <a:r>
+              <a:rPr lang="en-US" altLang="ja-JP" sz="1400" dirty="0" smtClean="0">
+                <a:latin typeface="メイリオ"/>
+                <a:ea typeface="メイリオ"/>
+                <a:cs typeface="メイリオ"/>
+              </a:rPr>
+              <a:t> </a:t>
+            </a:r>
+            <a:r>
+              <a:rPr lang="en-US" altLang="ja-JP" sz="1400" dirty="0" err="1" smtClean="0">
+                <a:latin typeface="メイリオ"/>
+                <a:ea typeface="メイリオ"/>
+                <a:cs typeface="メイリオ"/>
+              </a:rPr>
+              <a:t>yyy</a:t>
+            </a:r>
+            <a:r>
+              <a:rPr lang="en-US" altLang="ja-JP" sz="1400" dirty="0" smtClean="0">
+                <a:latin typeface="メイリオ"/>
+                <a:ea typeface="メイリオ"/>
+                <a:cs typeface="メイリオ"/>
+              </a:rPr>
+              <a:t> 〜 </a:t>
+            </a:r>
+            <a:r>
+              <a:rPr lang="en-US" altLang="ja-JP" sz="1400" dirty="0" err="1" smtClean="0">
+                <a:latin typeface="メイリオ"/>
+                <a:ea typeface="メイリオ"/>
+                <a:cs typeface="メイリオ"/>
+              </a:rPr>
+              <a:t>zzz</a:t>
+            </a:r>
+            <a:r>
+              <a:rPr lang="en-US" altLang="ja-JP" sz="1400" dirty="0" smtClean="0">
+                <a:latin typeface="メイリオ"/>
+                <a:ea typeface="メイリオ"/>
+                <a:cs typeface="メイリオ"/>
+              </a:rPr>
+              <a:t> </a:t>
+            </a:r>
+            <a:r>
+              <a:rPr lang="ja-JP" altLang="en-US" sz="1400" dirty="0" smtClean="0">
+                <a:latin typeface="メイリオ"/>
+                <a:ea typeface="メイリオ"/>
+                <a:cs typeface="メイリオ"/>
+              </a:rPr>
+              <a:t>件を表示</a:t>
+            </a:r>
+            <a:endParaRPr kumimoji="1" lang="ja-JP" altLang="en-US" sz="1400" dirty="0">
+              <a:latin typeface="メイリオ"/>
+              <a:ea typeface="メイリオ"/>
+              <a:cs typeface="メイリオ"/>
+            </a:endParaRPr>
+          </a:p>
+        </p:txBody>
+      </p:sp>
+      <p:sp>
+        <p:nvSpPr>
+          <p:cNvPr id="22" name="二等辺三角形 21"/>
+          <p:cNvSpPr/>
+          <p:nvPr/>
+        </p:nvSpPr>
+        <p:spPr>
+          <a:xfrm rot="16200000">
+            <a:off x="3596344" y="1684770"/>
+            <a:ext cx="180000" cy="180000"/>
+          </a:xfrm>
+          <a:prstGeom prst="triangle">
+            <a:avLst/>
+          </a:prstGeom>
+          <a:solidFill>
+            <a:srgbClr val="F75D31"/>
+          </a:solidFill>
+          <a:ln>
+            <a:noFill/>
+          </a:ln>
+          <a:effectLst/>
+        </p:spPr>
+        <p:style>
+          <a:lnRef idx="1">
+            <a:schemeClr val="accent1"/>
+          </a:lnRef>
+          <a:fillRef idx="3">
+            <a:schemeClr val="accent1"/>
+          </a:fillRef>
+          <a:effectRef idx="2">
+            <a:schemeClr val="accent1"/>
+          </a:effectRef>
+          <a:fontRef idx="minor">
+            <a:schemeClr val="lt1"/>
+          </a:fontRef>
+        </p:style>
+        <p:txBody>
+          <a:bodyPr rtlCol="0" anchor="ctr"/>
+          <a:lstStyle/>
+          <a:p>
+            <a:pPr algn="ctr"/>
+            <a:endParaRPr kumimoji="1" lang="ja-JP" altLang="en-US"/>
+          </a:p>
+        </p:txBody>
+      </p:sp>
+      <p:sp>
+        <p:nvSpPr>
+          <p:cNvPr id="23" name="二等辺三角形 22"/>
+          <p:cNvSpPr/>
+          <p:nvPr/>
+        </p:nvSpPr>
+        <p:spPr>
+          <a:xfrm rot="16200000">
+            <a:off x="3693379" y="1684140"/>
+            <a:ext cx="180000" cy="180000"/>
+          </a:xfrm>
+          <a:prstGeom prst="triangle">
+            <a:avLst/>
+          </a:prstGeom>
+          <a:solidFill>
+            <a:srgbClr val="F75D31"/>
+          </a:solidFill>
+          <a:ln>
+            <a:noFill/>
+          </a:ln>
+          <a:effectLst/>
+        </p:spPr>
+        <p:style>
+          <a:lnRef idx="1">
+            <a:schemeClr val="accent1"/>
+          </a:lnRef>
+          <a:fillRef idx="3">
+            <a:schemeClr val="accent1"/>
+          </a:fillRef>
+          <a:effectRef idx="2">
+            <a:schemeClr val="accent1"/>
+          </a:effectRef>
+          <a:fontRef idx="minor">
+            <a:schemeClr val="lt1"/>
+          </a:fontRef>
+        </p:style>
+        <p:txBody>
+          <a:bodyPr rtlCol="0" anchor="ctr"/>
+          <a:lstStyle/>
+          <a:p>
+            <a:pPr algn="ctr"/>
+            <a:endParaRPr kumimoji="1" lang="ja-JP" altLang="en-US"/>
+          </a:p>
+        </p:txBody>
+      </p:sp>
+      <p:sp>
+        <p:nvSpPr>
+          <p:cNvPr id="24" name="二等辺三角形 23"/>
+          <p:cNvSpPr/>
+          <p:nvPr/>
+        </p:nvSpPr>
+        <p:spPr>
+          <a:xfrm rot="5400000">
+            <a:off x="5764549" y="1684479"/>
+            <a:ext cx="179370" cy="181212"/>
+          </a:xfrm>
+          <a:prstGeom prst="triangle">
+            <a:avLst/>
+          </a:prstGeom>
+          <a:solidFill>
+            <a:srgbClr val="F75D31"/>
+          </a:solidFill>
+          <a:ln>
+            <a:noFill/>
+          </a:ln>
+          <a:effectLst/>
+        </p:spPr>
+        <p:style>
+          <a:lnRef idx="1">
+            <a:schemeClr val="accent1"/>
+          </a:lnRef>
+          <a:fillRef idx="3">
+            <a:schemeClr val="accent1"/>
+          </a:fillRef>
+          <a:effectRef idx="2">
+            <a:schemeClr val="accent1"/>
+          </a:effectRef>
+          <a:fontRef idx="minor">
+            <a:schemeClr val="lt1"/>
+          </a:fontRef>
+        </p:style>
+        <p:txBody>
+          <a:bodyPr rtlCol="0" anchor="ctr"/>
+          <a:lstStyle/>
+          <a:p>
+            <a:pPr algn="ctr"/>
+            <a:endParaRPr kumimoji="1" lang="ja-JP" altLang="en-US"/>
+          </a:p>
+        </p:txBody>
+      </p:sp>
+      <p:sp>
+        <p:nvSpPr>
+          <p:cNvPr id="25" name="二等辺三角形 24"/>
+          <p:cNvSpPr/>
+          <p:nvPr/>
+        </p:nvSpPr>
+        <p:spPr>
+          <a:xfrm rot="5400000">
+            <a:off x="5673943" y="1684479"/>
+            <a:ext cx="179370" cy="181212"/>
+          </a:xfrm>
+          <a:prstGeom prst="triangle">
+            <a:avLst/>
+          </a:prstGeom>
+          <a:solidFill>
+            <a:srgbClr val="F75D31"/>
+          </a:solidFill>
+          <a:ln>
+            <a:noFill/>
+          </a:ln>
+          <a:effectLst/>
+        </p:spPr>
+        <p:style>
+          <a:lnRef idx="1">
+            <a:schemeClr val="accent1"/>
+          </a:lnRef>
+          <a:fillRef idx="3">
+            <a:schemeClr val="accent1"/>
+          </a:fillRef>
+          <a:effectRef idx="2">
+            <a:schemeClr val="accent1"/>
+          </a:effectRef>
+          <a:fontRef idx="minor">
+            <a:schemeClr val="lt1"/>
+          </a:fontRef>
+        </p:style>
+        <p:txBody>
+          <a:bodyPr rtlCol="0" anchor="ctr"/>
+          <a:lstStyle/>
+          <a:p>
+            <a:pPr algn="ctr"/>
+            <a:endParaRPr kumimoji="1" lang="ja-JP" altLang="en-US"/>
+          </a:p>
+        </p:txBody>
+      </p:sp>
     </p:spTree>
     <p:extLst>
       <p:ext uri="{BB962C8B-B14F-4D97-AF65-F5344CB8AC3E}">
         <p14:creationId xmlns:p14="http://schemas.microsoft.com/office/powerpoint/2010/main" val="376941403"/>
+      </p:ext>
+    </p:extLst>
+  </p:cSld>
+  <p:clrMapOvr>
+    <a:masterClrMapping/>
+  </p:clrMapOvr>
+</p:sld>
+</file>
+
+<file path=ppt/slides/slide5.xml><?xml version="1.0" encoding="utf-8"?>
+<p:sld xmlns:a="http://schemas.openxmlformats.org/drawingml/2006/main" xmlns:r="http://schemas.openxmlformats.org/officeDocument/2006/relationships" xmlns:p="http://schemas.openxmlformats.org/presentationml/2006/main">
+  <p:cSld>
+    <p:spTree>
+      <p:nvGrpSpPr>
+        <p:cNvPr id="1" name=""/>
+        <p:cNvGrpSpPr/>
+        <p:nvPr/>
+      </p:nvGrpSpPr>
+      <p:grpSpPr>
+        <a:xfrm>
+          <a:off x="0" y="0"/>
+          <a:ext cx="0" cy="0"/>
+          <a:chOff x="0" y="0"/>
+          <a:chExt cx="0" cy="0"/>
+        </a:xfrm>
+      </p:grpSpPr>
+      <p:sp>
+        <p:nvSpPr>
+          <p:cNvPr id="4" name="テキスト ボックス 3"/>
+          <p:cNvSpPr txBox="1"/>
+          <p:nvPr/>
+        </p:nvSpPr>
+        <p:spPr>
+          <a:xfrm>
+            <a:off x="200532" y="187161"/>
+            <a:ext cx="4134465" cy="523220"/>
+          </a:xfrm>
+          <a:prstGeom prst="rect">
+            <a:avLst/>
+          </a:prstGeom>
+          <a:noFill/>
+        </p:spPr>
+        <p:txBody>
+          <a:bodyPr wrap="none" rtlCol="0">
+            <a:spAutoFit/>
+          </a:bodyPr>
+          <a:lstStyle/>
+          <a:p>
+            <a:r>
+              <a:rPr lang="ja-JP" altLang="en-US" sz="2800" dirty="0" smtClean="0">
+                <a:latin typeface="メイリオ"/>
+                <a:ea typeface="メイリオ"/>
+                <a:cs typeface="メイリオ"/>
+              </a:rPr>
+              <a:t>管理</a:t>
+            </a:r>
+            <a:r>
+              <a:rPr lang="ja-JP" altLang="en-US" sz="2800" dirty="0" smtClean="0">
+                <a:latin typeface="メイリオ"/>
+                <a:ea typeface="メイリオ"/>
+                <a:cs typeface="メイリオ"/>
+              </a:rPr>
+              <a:t>画面</a:t>
+            </a:r>
+            <a:r>
+              <a:rPr lang="ja-JP" altLang="en-US" sz="2800" dirty="0" smtClean="0">
+                <a:latin typeface="メイリオ"/>
+                <a:ea typeface="メイリオ"/>
+                <a:cs typeface="メイリオ"/>
+              </a:rPr>
+              <a:t>（登録失敗時）</a:t>
+            </a:r>
+            <a:endParaRPr kumimoji="1" lang="ja-JP" altLang="en-US" sz="2000" dirty="0">
+              <a:latin typeface="メイリオ"/>
+              <a:ea typeface="メイリオ"/>
+              <a:cs typeface="メイリオ"/>
+            </a:endParaRPr>
+          </a:p>
+        </p:txBody>
+      </p:sp>
+      <p:graphicFrame>
+        <p:nvGraphicFramePr>
+          <p:cNvPr id="52" name="表 51"/>
+          <p:cNvGraphicFramePr>
+            <a:graphicFrameLocks noGrp="1"/>
+          </p:cNvGraphicFramePr>
+          <p:nvPr>
+            <p:extLst>
+              <p:ext uri="{D42A27DB-BD31-4B8C-83A1-F6EECF244321}">
+                <p14:modId xmlns:p14="http://schemas.microsoft.com/office/powerpoint/2010/main" val="2334421552"/>
+              </p:ext>
+            </p:extLst>
+          </p:nvPr>
+        </p:nvGraphicFramePr>
+        <p:xfrm>
+          <a:off x="993905" y="2031998"/>
+          <a:ext cx="7180276" cy="4248728"/>
+        </p:xfrm>
+        <a:graphic>
+          <a:graphicData uri="http://schemas.openxmlformats.org/drawingml/2006/table">
+            <a:tbl>
+              <a:tblPr firstRow="1" bandRow="1">
+                <a:tableStyleId>{5C22544A-7EE6-4342-B048-85BDC9FD1C3A}</a:tableStyleId>
+              </a:tblPr>
+              <a:tblGrid>
+                <a:gridCol w="1795069"/>
+                <a:gridCol w="1795069"/>
+                <a:gridCol w="1795069"/>
+                <a:gridCol w="1795069"/>
+              </a:tblGrid>
+              <a:tr h="386248">
+                <a:tc>
+                  <a:txBody>
+                    <a:bodyPr/>
+                    <a:lstStyle/>
+                    <a:p>
+                      <a:r>
+                        <a:rPr kumimoji="1" lang="ja-JP" altLang="en-US" dirty="0" smtClean="0">
+                          <a:latin typeface="メイリオ"/>
+                          <a:ea typeface="メイリオ"/>
+                          <a:cs typeface="メイリオ"/>
+                        </a:rPr>
+                        <a:t>日付</a:t>
+                      </a:r>
+                      <a:endParaRPr kumimoji="1" lang="ja-JP" altLang="en-US" dirty="0">
+                        <a:latin typeface="メイリオ"/>
+                        <a:ea typeface="メイリオ"/>
+                        <a:cs typeface="メイリオ"/>
+                      </a:endParaRPr>
+                    </a:p>
+                  </a:txBody>
+                  <a:tcPr/>
+                </a:tc>
+                <a:tc>
+                  <a:txBody>
+                    <a:bodyPr/>
+                    <a:lstStyle/>
+                    <a:p>
+                      <a:r>
+                        <a:rPr kumimoji="1" lang="ja-JP" altLang="en-US" dirty="0" smtClean="0">
+                          <a:latin typeface="メイリオ"/>
+                          <a:ea typeface="メイリオ"/>
+                          <a:cs typeface="メイリオ"/>
+                        </a:rPr>
+                        <a:t>内容</a:t>
+                      </a:r>
+                      <a:endParaRPr kumimoji="1" lang="ja-JP" altLang="en-US" dirty="0">
+                        <a:latin typeface="メイリオ"/>
+                        <a:ea typeface="メイリオ"/>
+                        <a:cs typeface="メイリオ"/>
+                      </a:endParaRPr>
+                    </a:p>
+                  </a:txBody>
+                  <a:tcPr/>
+                </a:tc>
+                <a:tc>
+                  <a:txBody>
+                    <a:bodyPr/>
+                    <a:lstStyle/>
+                    <a:p>
+                      <a:r>
+                        <a:rPr kumimoji="1" lang="ja-JP" altLang="en-US" dirty="0" smtClean="0">
+                          <a:latin typeface="メイリオ"/>
+                          <a:ea typeface="メイリオ"/>
+                          <a:cs typeface="メイリオ"/>
+                        </a:rPr>
+                        <a:t>カテゴリ</a:t>
+                      </a:r>
+                      <a:endParaRPr kumimoji="1" lang="ja-JP" altLang="en-US" dirty="0">
+                        <a:latin typeface="メイリオ"/>
+                        <a:ea typeface="メイリオ"/>
+                        <a:cs typeface="メイリオ"/>
+                      </a:endParaRPr>
+                    </a:p>
+                  </a:txBody>
+                  <a:tcPr/>
+                </a:tc>
+                <a:tc>
+                  <a:txBody>
+                    <a:bodyPr/>
+                    <a:lstStyle/>
+                    <a:p>
+                      <a:r>
+                        <a:rPr kumimoji="1" lang="ja-JP" altLang="en-US" dirty="0" smtClean="0">
+                          <a:latin typeface="メイリオ"/>
+                          <a:ea typeface="メイリオ"/>
+                          <a:cs typeface="メイリオ"/>
+                        </a:rPr>
+                        <a:t>金額</a:t>
+                      </a:r>
+                      <a:endParaRPr kumimoji="1" lang="ja-JP" altLang="en-US" dirty="0">
+                        <a:latin typeface="メイリオ"/>
+                        <a:ea typeface="メイリオ"/>
+                        <a:cs typeface="メイリオ"/>
+                      </a:endParaRPr>
+                    </a:p>
+                  </a:txBody>
+                  <a:tcPr/>
+                </a:tc>
+              </a:tr>
+              <a:tr h="386248">
+                <a:tc>
+                  <a:txBody>
+                    <a:bodyPr/>
+                    <a:lstStyle/>
+                    <a:p>
+                      <a:endParaRPr kumimoji="1" lang="ja-JP" altLang="en-US"/>
+                    </a:p>
+                  </a:txBody>
+                  <a:tcPr/>
+                </a:tc>
+                <a:tc>
+                  <a:txBody>
+                    <a:bodyPr/>
+                    <a:lstStyle/>
+                    <a:p>
+                      <a:endParaRPr kumimoji="1" lang="ja-JP" altLang="en-US"/>
+                    </a:p>
+                  </a:txBody>
+                  <a:tcPr/>
+                </a:tc>
+                <a:tc>
+                  <a:txBody>
+                    <a:bodyPr/>
+                    <a:lstStyle/>
+                    <a:p>
+                      <a:endParaRPr kumimoji="1" lang="ja-JP" altLang="en-US"/>
+                    </a:p>
+                  </a:txBody>
+                  <a:tcPr/>
+                </a:tc>
+                <a:tc>
+                  <a:txBody>
+                    <a:bodyPr/>
+                    <a:lstStyle/>
+                    <a:p>
+                      <a:endParaRPr kumimoji="1" lang="ja-JP" altLang="en-US" dirty="0"/>
+                    </a:p>
+                  </a:txBody>
+                  <a:tcPr/>
+                </a:tc>
+              </a:tr>
+              <a:tr h="386248">
+                <a:tc>
+                  <a:txBody>
+                    <a:bodyPr/>
+                    <a:lstStyle/>
+                    <a:p>
+                      <a:endParaRPr kumimoji="1" lang="ja-JP" altLang="en-US" dirty="0"/>
+                    </a:p>
+                  </a:txBody>
+                  <a:tcPr/>
+                </a:tc>
+                <a:tc>
+                  <a:txBody>
+                    <a:bodyPr/>
+                    <a:lstStyle/>
+                    <a:p>
+                      <a:endParaRPr kumimoji="1" lang="ja-JP" altLang="en-US"/>
+                    </a:p>
+                  </a:txBody>
+                  <a:tcPr/>
+                </a:tc>
+                <a:tc>
+                  <a:txBody>
+                    <a:bodyPr/>
+                    <a:lstStyle/>
+                    <a:p>
+                      <a:endParaRPr kumimoji="1" lang="ja-JP" altLang="en-US"/>
+                    </a:p>
+                  </a:txBody>
+                  <a:tcPr/>
+                </a:tc>
+                <a:tc>
+                  <a:txBody>
+                    <a:bodyPr/>
+                    <a:lstStyle/>
+                    <a:p>
+                      <a:endParaRPr kumimoji="1" lang="ja-JP" altLang="en-US" dirty="0"/>
+                    </a:p>
+                  </a:txBody>
+                  <a:tcPr/>
+                </a:tc>
+              </a:tr>
+              <a:tr h="386248">
+                <a:tc>
+                  <a:txBody>
+                    <a:bodyPr/>
+                    <a:lstStyle/>
+                    <a:p>
+                      <a:endParaRPr kumimoji="1" lang="ja-JP" altLang="en-US" dirty="0"/>
+                    </a:p>
+                  </a:txBody>
+                  <a:tcPr/>
+                </a:tc>
+                <a:tc>
+                  <a:txBody>
+                    <a:bodyPr/>
+                    <a:lstStyle/>
+                    <a:p>
+                      <a:endParaRPr kumimoji="1" lang="ja-JP" altLang="en-US"/>
+                    </a:p>
+                  </a:txBody>
+                  <a:tcPr/>
+                </a:tc>
+                <a:tc>
+                  <a:txBody>
+                    <a:bodyPr/>
+                    <a:lstStyle/>
+                    <a:p>
+                      <a:endParaRPr kumimoji="1" lang="ja-JP" altLang="en-US"/>
+                    </a:p>
+                  </a:txBody>
+                  <a:tcPr/>
+                </a:tc>
+                <a:tc>
+                  <a:txBody>
+                    <a:bodyPr/>
+                    <a:lstStyle/>
+                    <a:p>
+                      <a:endParaRPr kumimoji="1" lang="ja-JP" altLang="en-US" dirty="0"/>
+                    </a:p>
+                  </a:txBody>
+                  <a:tcPr/>
+                </a:tc>
+              </a:tr>
+              <a:tr h="386248">
+                <a:tc>
+                  <a:txBody>
+                    <a:bodyPr/>
+                    <a:lstStyle/>
+                    <a:p>
+                      <a:endParaRPr kumimoji="1" lang="ja-JP" altLang="en-US" dirty="0"/>
+                    </a:p>
+                  </a:txBody>
+                  <a:tcPr/>
+                </a:tc>
+                <a:tc>
+                  <a:txBody>
+                    <a:bodyPr/>
+                    <a:lstStyle/>
+                    <a:p>
+                      <a:endParaRPr kumimoji="1" lang="ja-JP" altLang="en-US" dirty="0"/>
+                    </a:p>
+                  </a:txBody>
+                  <a:tcPr/>
+                </a:tc>
+                <a:tc>
+                  <a:txBody>
+                    <a:bodyPr/>
+                    <a:lstStyle/>
+                    <a:p>
+                      <a:endParaRPr kumimoji="1" lang="ja-JP" altLang="en-US"/>
+                    </a:p>
+                  </a:txBody>
+                  <a:tcPr/>
+                </a:tc>
+                <a:tc>
+                  <a:txBody>
+                    <a:bodyPr/>
+                    <a:lstStyle/>
+                    <a:p>
+                      <a:endParaRPr kumimoji="1" lang="ja-JP" altLang="en-US" dirty="0"/>
+                    </a:p>
+                  </a:txBody>
+                  <a:tcPr/>
+                </a:tc>
+              </a:tr>
+              <a:tr h="386248">
+                <a:tc>
+                  <a:txBody>
+                    <a:bodyPr/>
+                    <a:lstStyle/>
+                    <a:p>
+                      <a:endParaRPr kumimoji="1" lang="ja-JP" altLang="en-US" dirty="0"/>
+                    </a:p>
+                  </a:txBody>
+                  <a:tcPr/>
+                </a:tc>
+                <a:tc>
+                  <a:txBody>
+                    <a:bodyPr/>
+                    <a:lstStyle/>
+                    <a:p>
+                      <a:endParaRPr kumimoji="1" lang="ja-JP" altLang="en-US" dirty="0"/>
+                    </a:p>
+                  </a:txBody>
+                  <a:tcPr/>
+                </a:tc>
+                <a:tc>
+                  <a:txBody>
+                    <a:bodyPr/>
+                    <a:lstStyle/>
+                    <a:p>
+                      <a:endParaRPr kumimoji="1" lang="ja-JP" altLang="en-US"/>
+                    </a:p>
+                  </a:txBody>
+                  <a:tcPr/>
+                </a:tc>
+                <a:tc>
+                  <a:txBody>
+                    <a:bodyPr/>
+                    <a:lstStyle/>
+                    <a:p>
+                      <a:endParaRPr kumimoji="1" lang="ja-JP" altLang="en-US" dirty="0"/>
+                    </a:p>
+                  </a:txBody>
+                  <a:tcPr/>
+                </a:tc>
+              </a:tr>
+              <a:tr h="386248">
+                <a:tc>
+                  <a:txBody>
+                    <a:bodyPr/>
+                    <a:lstStyle/>
+                    <a:p>
+                      <a:endParaRPr kumimoji="1" lang="ja-JP" altLang="en-US" dirty="0"/>
+                    </a:p>
+                  </a:txBody>
+                  <a:tcPr/>
+                </a:tc>
+                <a:tc>
+                  <a:txBody>
+                    <a:bodyPr/>
+                    <a:lstStyle/>
+                    <a:p>
+                      <a:endParaRPr kumimoji="1" lang="ja-JP" altLang="en-US" dirty="0"/>
+                    </a:p>
+                  </a:txBody>
+                  <a:tcPr/>
+                </a:tc>
+                <a:tc>
+                  <a:txBody>
+                    <a:bodyPr/>
+                    <a:lstStyle/>
+                    <a:p>
+                      <a:endParaRPr kumimoji="1" lang="ja-JP" altLang="en-US"/>
+                    </a:p>
+                  </a:txBody>
+                  <a:tcPr/>
+                </a:tc>
+                <a:tc>
+                  <a:txBody>
+                    <a:bodyPr/>
+                    <a:lstStyle/>
+                    <a:p>
+                      <a:endParaRPr kumimoji="1" lang="ja-JP" altLang="en-US" dirty="0"/>
+                    </a:p>
+                  </a:txBody>
+                  <a:tcPr/>
+                </a:tc>
+              </a:tr>
+              <a:tr h="386248">
+                <a:tc>
+                  <a:txBody>
+                    <a:bodyPr/>
+                    <a:lstStyle/>
+                    <a:p>
+                      <a:endParaRPr kumimoji="1" lang="ja-JP" altLang="en-US" dirty="0"/>
+                    </a:p>
+                  </a:txBody>
+                  <a:tcPr/>
+                </a:tc>
+                <a:tc>
+                  <a:txBody>
+                    <a:bodyPr/>
+                    <a:lstStyle/>
+                    <a:p>
+                      <a:endParaRPr kumimoji="1" lang="ja-JP" altLang="en-US"/>
+                    </a:p>
+                  </a:txBody>
+                  <a:tcPr/>
+                </a:tc>
+                <a:tc>
+                  <a:txBody>
+                    <a:bodyPr/>
+                    <a:lstStyle/>
+                    <a:p>
+                      <a:endParaRPr kumimoji="1" lang="ja-JP" altLang="en-US"/>
+                    </a:p>
+                  </a:txBody>
+                  <a:tcPr/>
+                </a:tc>
+                <a:tc>
+                  <a:txBody>
+                    <a:bodyPr/>
+                    <a:lstStyle/>
+                    <a:p>
+                      <a:endParaRPr kumimoji="1" lang="ja-JP" altLang="en-US"/>
+                    </a:p>
+                  </a:txBody>
+                  <a:tcPr/>
+                </a:tc>
+              </a:tr>
+              <a:tr h="386248">
+                <a:tc>
+                  <a:txBody>
+                    <a:bodyPr/>
+                    <a:lstStyle/>
+                    <a:p>
+                      <a:endParaRPr kumimoji="1" lang="ja-JP" altLang="en-US"/>
+                    </a:p>
+                  </a:txBody>
+                  <a:tcPr/>
+                </a:tc>
+                <a:tc>
+                  <a:txBody>
+                    <a:bodyPr/>
+                    <a:lstStyle/>
+                    <a:p>
+                      <a:endParaRPr kumimoji="1" lang="ja-JP" altLang="en-US"/>
+                    </a:p>
+                  </a:txBody>
+                  <a:tcPr/>
+                </a:tc>
+                <a:tc>
+                  <a:txBody>
+                    <a:bodyPr/>
+                    <a:lstStyle/>
+                    <a:p>
+                      <a:endParaRPr kumimoji="1" lang="ja-JP" altLang="en-US"/>
+                    </a:p>
+                  </a:txBody>
+                  <a:tcPr/>
+                </a:tc>
+                <a:tc>
+                  <a:txBody>
+                    <a:bodyPr/>
+                    <a:lstStyle/>
+                    <a:p>
+                      <a:endParaRPr kumimoji="1" lang="ja-JP" altLang="en-US"/>
+                    </a:p>
+                  </a:txBody>
+                  <a:tcPr/>
+                </a:tc>
+              </a:tr>
+              <a:tr h="386248">
+                <a:tc>
+                  <a:txBody>
+                    <a:bodyPr/>
+                    <a:lstStyle/>
+                    <a:p>
+                      <a:endParaRPr kumimoji="1" lang="ja-JP" altLang="en-US"/>
+                    </a:p>
+                  </a:txBody>
+                  <a:tcPr/>
+                </a:tc>
+                <a:tc>
+                  <a:txBody>
+                    <a:bodyPr/>
+                    <a:lstStyle/>
+                    <a:p>
+                      <a:endParaRPr kumimoji="1" lang="ja-JP" altLang="en-US"/>
+                    </a:p>
+                  </a:txBody>
+                  <a:tcPr/>
+                </a:tc>
+                <a:tc>
+                  <a:txBody>
+                    <a:bodyPr/>
+                    <a:lstStyle/>
+                    <a:p>
+                      <a:endParaRPr kumimoji="1" lang="ja-JP" altLang="en-US"/>
+                    </a:p>
+                  </a:txBody>
+                  <a:tcPr/>
+                </a:tc>
+                <a:tc>
+                  <a:txBody>
+                    <a:bodyPr/>
+                    <a:lstStyle/>
+                    <a:p>
+                      <a:endParaRPr kumimoji="1" lang="ja-JP" altLang="en-US"/>
+                    </a:p>
+                  </a:txBody>
+                  <a:tcPr/>
+                </a:tc>
+              </a:tr>
+              <a:tr h="386248">
+                <a:tc>
+                  <a:txBody>
+                    <a:bodyPr/>
+                    <a:lstStyle/>
+                    <a:p>
+                      <a:endParaRPr kumimoji="1" lang="ja-JP" altLang="en-US"/>
+                    </a:p>
+                  </a:txBody>
+                  <a:tcPr/>
+                </a:tc>
+                <a:tc>
+                  <a:txBody>
+                    <a:bodyPr/>
+                    <a:lstStyle/>
+                    <a:p>
+                      <a:endParaRPr kumimoji="1" lang="ja-JP" altLang="en-US" dirty="0"/>
+                    </a:p>
+                  </a:txBody>
+                  <a:tcPr/>
+                </a:tc>
+                <a:tc>
+                  <a:txBody>
+                    <a:bodyPr/>
+                    <a:lstStyle/>
+                    <a:p>
+                      <a:endParaRPr kumimoji="1" lang="ja-JP" altLang="en-US" dirty="0"/>
+                    </a:p>
+                  </a:txBody>
+                  <a:tcPr/>
+                </a:tc>
+                <a:tc>
+                  <a:txBody>
+                    <a:bodyPr/>
+                    <a:lstStyle/>
+                    <a:p>
+                      <a:endParaRPr kumimoji="1" lang="ja-JP" altLang="en-US" dirty="0"/>
+                    </a:p>
+                  </a:txBody>
+                  <a:tcPr/>
+                </a:tc>
+              </a:tr>
+            </a:tbl>
+          </a:graphicData>
+        </a:graphic>
+      </p:graphicFrame>
+      <p:sp>
+        <p:nvSpPr>
+          <p:cNvPr id="53" name="正方形/長方形 52"/>
+          <p:cNvSpPr/>
+          <p:nvPr/>
+        </p:nvSpPr>
+        <p:spPr>
+          <a:xfrm>
+            <a:off x="783269" y="935182"/>
+            <a:ext cx="7575640" cy="5541817"/>
+          </a:xfrm>
+          <a:prstGeom prst="rect">
+            <a:avLst/>
+          </a:prstGeom>
+          <a:noFill/>
+          <a:ln w="25400">
+            <a:solidFill>
+              <a:schemeClr val="tx1"/>
+            </a:solidFill>
+          </a:ln>
+          <a:effectLst/>
+        </p:spPr>
+        <p:style>
+          <a:lnRef idx="1">
+            <a:schemeClr val="accent1"/>
+          </a:lnRef>
+          <a:fillRef idx="3">
+            <a:schemeClr val="accent1"/>
+          </a:fillRef>
+          <a:effectRef idx="2">
+            <a:schemeClr val="accent1"/>
+          </a:effectRef>
+          <a:fontRef idx="minor">
+            <a:schemeClr val="lt1"/>
+          </a:fontRef>
+        </p:style>
+        <p:txBody>
+          <a:bodyPr rtlCol="0" anchor="ctr"/>
+          <a:lstStyle/>
+          <a:p>
+            <a:pPr algn="ctr"/>
+            <a:endParaRPr kumimoji="1" lang="ja-JP" altLang="en-US" sz="2800" dirty="0">
+              <a:solidFill>
+                <a:schemeClr val="tx1"/>
+              </a:solidFill>
+              <a:latin typeface="メイリオ"/>
+              <a:ea typeface="メイリオ"/>
+              <a:cs typeface="メイリオ"/>
+            </a:endParaRPr>
+          </a:p>
+        </p:txBody>
+      </p:sp>
+      <p:sp>
+        <p:nvSpPr>
+          <p:cNvPr id="54" name="角丸四角形 53"/>
+          <p:cNvSpPr/>
+          <p:nvPr/>
+        </p:nvSpPr>
+        <p:spPr>
+          <a:xfrm>
+            <a:off x="1569818" y="1188941"/>
+            <a:ext cx="797002" cy="165946"/>
+          </a:xfrm>
+          <a:prstGeom prst="roundRect">
+            <a:avLst/>
+          </a:prstGeom>
+          <a:noFill/>
+          <a:ln w="25400">
+            <a:solidFill>
+              <a:schemeClr val="tx1"/>
+            </a:solidFill>
+          </a:ln>
+          <a:effectLst/>
+        </p:spPr>
+        <p:style>
+          <a:lnRef idx="1">
+            <a:schemeClr val="accent1"/>
+          </a:lnRef>
+          <a:fillRef idx="3">
+            <a:schemeClr val="accent1"/>
+          </a:fillRef>
+          <a:effectRef idx="2">
+            <a:schemeClr val="accent1"/>
+          </a:effectRef>
+          <a:fontRef idx="minor">
+            <a:schemeClr val="lt1"/>
+          </a:fontRef>
+        </p:style>
+        <p:txBody>
+          <a:bodyPr rtlCol="0" anchor="ctr"/>
+          <a:lstStyle/>
+          <a:p>
+            <a:pPr algn="ctr"/>
+            <a:endParaRPr kumimoji="1" lang="ja-JP" altLang="en-US"/>
+          </a:p>
+        </p:txBody>
+      </p:sp>
+      <p:sp>
+        <p:nvSpPr>
+          <p:cNvPr id="55" name="テキスト ボックス 54"/>
+          <p:cNvSpPr txBox="1"/>
+          <p:nvPr/>
+        </p:nvSpPr>
+        <p:spPr>
+          <a:xfrm>
+            <a:off x="923931" y="1108244"/>
+            <a:ext cx="723275" cy="307777"/>
+          </a:xfrm>
+          <a:prstGeom prst="rect">
+            <a:avLst/>
+          </a:prstGeom>
+          <a:noFill/>
+        </p:spPr>
+        <p:txBody>
+          <a:bodyPr wrap="none" rtlCol="0">
+            <a:spAutoFit/>
+          </a:bodyPr>
+          <a:lstStyle/>
+          <a:p>
+            <a:r>
+              <a:rPr kumimoji="1" lang="ja-JP" altLang="en-US" sz="1400" dirty="0" smtClean="0">
+                <a:latin typeface="メイリオ"/>
+                <a:ea typeface="メイリオ"/>
+                <a:cs typeface="メイリオ"/>
+              </a:rPr>
+              <a:t>日付：</a:t>
+            </a:r>
+            <a:endParaRPr kumimoji="1" lang="ja-JP" altLang="en-US" sz="1400" dirty="0">
+              <a:latin typeface="メイリオ"/>
+              <a:ea typeface="メイリオ"/>
+              <a:cs typeface="メイリオ"/>
+            </a:endParaRPr>
+          </a:p>
+        </p:txBody>
+      </p:sp>
+      <p:sp>
+        <p:nvSpPr>
+          <p:cNvPr id="56" name="角丸四角形 55"/>
+          <p:cNvSpPr/>
+          <p:nvPr/>
+        </p:nvSpPr>
+        <p:spPr>
+          <a:xfrm>
+            <a:off x="3139341" y="1188941"/>
+            <a:ext cx="797002" cy="165946"/>
+          </a:xfrm>
+          <a:prstGeom prst="roundRect">
+            <a:avLst/>
+          </a:prstGeom>
+          <a:noFill/>
+          <a:ln w="25400">
+            <a:solidFill>
+              <a:schemeClr val="tx1"/>
+            </a:solidFill>
+          </a:ln>
+          <a:effectLst/>
+        </p:spPr>
+        <p:style>
+          <a:lnRef idx="1">
+            <a:schemeClr val="accent1"/>
+          </a:lnRef>
+          <a:fillRef idx="3">
+            <a:schemeClr val="accent1"/>
+          </a:fillRef>
+          <a:effectRef idx="2">
+            <a:schemeClr val="accent1"/>
+          </a:effectRef>
+          <a:fontRef idx="minor">
+            <a:schemeClr val="lt1"/>
+          </a:fontRef>
+        </p:style>
+        <p:txBody>
+          <a:bodyPr rtlCol="0" anchor="ctr"/>
+          <a:lstStyle/>
+          <a:p>
+            <a:pPr algn="ctr"/>
+            <a:endParaRPr kumimoji="1" lang="ja-JP" altLang="en-US"/>
+          </a:p>
+        </p:txBody>
+      </p:sp>
+      <p:sp>
+        <p:nvSpPr>
+          <p:cNvPr id="57" name="テキスト ボックス 56"/>
+          <p:cNvSpPr txBox="1"/>
+          <p:nvPr/>
+        </p:nvSpPr>
+        <p:spPr>
+          <a:xfrm>
+            <a:off x="2493454" y="1108244"/>
+            <a:ext cx="723275" cy="307777"/>
+          </a:xfrm>
+          <a:prstGeom prst="rect">
+            <a:avLst/>
+          </a:prstGeom>
+          <a:noFill/>
+        </p:spPr>
+        <p:txBody>
+          <a:bodyPr wrap="none" rtlCol="0">
+            <a:spAutoFit/>
+          </a:bodyPr>
+          <a:lstStyle/>
+          <a:p>
+            <a:r>
+              <a:rPr lang="ja-JP" altLang="en-US" sz="1400" dirty="0" smtClean="0">
+                <a:latin typeface="メイリオ"/>
+                <a:ea typeface="メイリオ"/>
+                <a:cs typeface="メイリオ"/>
+              </a:rPr>
+              <a:t>内容</a:t>
+            </a:r>
+            <a:r>
+              <a:rPr kumimoji="1" lang="ja-JP" altLang="en-US" sz="1400" dirty="0" smtClean="0">
+                <a:latin typeface="メイリオ"/>
+                <a:ea typeface="メイリオ"/>
+                <a:cs typeface="メイリオ"/>
+              </a:rPr>
+              <a:t>：</a:t>
+            </a:r>
+            <a:endParaRPr kumimoji="1" lang="ja-JP" altLang="en-US" sz="1400" dirty="0">
+              <a:latin typeface="メイリオ"/>
+              <a:ea typeface="メイリオ"/>
+              <a:cs typeface="メイリオ"/>
+            </a:endParaRPr>
+          </a:p>
+        </p:txBody>
+      </p:sp>
+      <p:sp>
+        <p:nvSpPr>
+          <p:cNvPr id="58" name="角丸四角形 57"/>
+          <p:cNvSpPr/>
+          <p:nvPr/>
+        </p:nvSpPr>
+        <p:spPr>
+          <a:xfrm>
+            <a:off x="5057232" y="1188941"/>
+            <a:ext cx="797002" cy="165946"/>
+          </a:xfrm>
+          <a:prstGeom prst="roundRect">
+            <a:avLst/>
+          </a:prstGeom>
+          <a:noFill/>
+          <a:ln w="25400">
+            <a:solidFill>
+              <a:schemeClr val="tx1"/>
+            </a:solidFill>
+          </a:ln>
+          <a:effectLst/>
+        </p:spPr>
+        <p:style>
+          <a:lnRef idx="1">
+            <a:schemeClr val="accent1"/>
+          </a:lnRef>
+          <a:fillRef idx="3">
+            <a:schemeClr val="accent1"/>
+          </a:fillRef>
+          <a:effectRef idx="2">
+            <a:schemeClr val="accent1"/>
+          </a:effectRef>
+          <a:fontRef idx="minor">
+            <a:schemeClr val="lt1"/>
+          </a:fontRef>
+        </p:style>
+        <p:txBody>
+          <a:bodyPr rtlCol="0" anchor="ctr"/>
+          <a:lstStyle/>
+          <a:p>
+            <a:pPr algn="ctr"/>
+            <a:endParaRPr kumimoji="1" lang="ja-JP" altLang="en-US"/>
+          </a:p>
+        </p:txBody>
+      </p:sp>
+      <p:sp>
+        <p:nvSpPr>
+          <p:cNvPr id="59" name="テキスト ボックス 58"/>
+          <p:cNvSpPr txBox="1"/>
+          <p:nvPr/>
+        </p:nvSpPr>
+        <p:spPr>
+          <a:xfrm>
+            <a:off x="4041905" y="1108244"/>
+            <a:ext cx="1082348" cy="307777"/>
+          </a:xfrm>
+          <a:prstGeom prst="rect">
+            <a:avLst/>
+          </a:prstGeom>
+          <a:noFill/>
+        </p:spPr>
+        <p:txBody>
+          <a:bodyPr wrap="none" rtlCol="0">
+            <a:spAutoFit/>
+          </a:bodyPr>
+          <a:lstStyle/>
+          <a:p>
+            <a:r>
+              <a:rPr lang="ja-JP" altLang="en-US" sz="1400" dirty="0" smtClean="0">
+                <a:latin typeface="メイリオ"/>
+                <a:ea typeface="メイリオ"/>
+                <a:cs typeface="メイリオ"/>
+              </a:rPr>
+              <a:t>カテゴリ</a:t>
+            </a:r>
+            <a:r>
+              <a:rPr kumimoji="1" lang="ja-JP" altLang="en-US" sz="1400" dirty="0" smtClean="0">
+                <a:latin typeface="メイリオ"/>
+                <a:ea typeface="メイリオ"/>
+                <a:cs typeface="メイリオ"/>
+              </a:rPr>
+              <a:t>：</a:t>
+            </a:r>
+            <a:endParaRPr kumimoji="1" lang="ja-JP" altLang="en-US" sz="1400" dirty="0">
+              <a:latin typeface="メイリオ"/>
+              <a:ea typeface="メイリオ"/>
+              <a:cs typeface="メイリオ"/>
+            </a:endParaRPr>
+          </a:p>
+        </p:txBody>
+      </p:sp>
+      <p:sp>
+        <p:nvSpPr>
+          <p:cNvPr id="60" name="角丸四角形 59"/>
+          <p:cNvSpPr/>
+          <p:nvPr/>
+        </p:nvSpPr>
+        <p:spPr>
+          <a:xfrm>
+            <a:off x="6582196" y="1187842"/>
+            <a:ext cx="797002" cy="165946"/>
+          </a:xfrm>
+          <a:prstGeom prst="roundRect">
+            <a:avLst/>
+          </a:prstGeom>
+          <a:noFill/>
+          <a:ln w="25400">
+            <a:solidFill>
+              <a:schemeClr val="tx1"/>
+            </a:solidFill>
+          </a:ln>
+          <a:effectLst/>
+        </p:spPr>
+        <p:style>
+          <a:lnRef idx="1">
+            <a:schemeClr val="accent1"/>
+          </a:lnRef>
+          <a:fillRef idx="3">
+            <a:schemeClr val="accent1"/>
+          </a:fillRef>
+          <a:effectRef idx="2">
+            <a:schemeClr val="accent1"/>
+          </a:effectRef>
+          <a:fontRef idx="minor">
+            <a:schemeClr val="lt1"/>
+          </a:fontRef>
+        </p:style>
+        <p:txBody>
+          <a:bodyPr rtlCol="0" anchor="ctr"/>
+          <a:lstStyle/>
+          <a:p>
+            <a:pPr algn="ctr"/>
+            <a:endParaRPr kumimoji="1" lang="ja-JP" altLang="en-US"/>
+          </a:p>
+        </p:txBody>
+      </p:sp>
+      <p:sp>
+        <p:nvSpPr>
+          <p:cNvPr id="61" name="テキスト ボックス 60"/>
+          <p:cNvSpPr txBox="1"/>
+          <p:nvPr/>
+        </p:nvSpPr>
+        <p:spPr>
+          <a:xfrm>
+            <a:off x="5936309" y="1107145"/>
+            <a:ext cx="723275" cy="307777"/>
+          </a:xfrm>
+          <a:prstGeom prst="rect">
+            <a:avLst/>
+          </a:prstGeom>
+          <a:noFill/>
+        </p:spPr>
+        <p:txBody>
+          <a:bodyPr wrap="none" rtlCol="0">
+            <a:spAutoFit/>
+          </a:bodyPr>
+          <a:lstStyle/>
+          <a:p>
+            <a:r>
+              <a:rPr lang="ja-JP" altLang="en-US" sz="1400" dirty="0" smtClean="0">
+                <a:latin typeface="メイリオ"/>
+                <a:ea typeface="メイリオ"/>
+                <a:cs typeface="メイリオ"/>
+              </a:rPr>
+              <a:t>金額</a:t>
+            </a:r>
+            <a:r>
+              <a:rPr kumimoji="1" lang="ja-JP" altLang="en-US" sz="1400" dirty="0" smtClean="0">
+                <a:latin typeface="メイリオ"/>
+                <a:ea typeface="メイリオ"/>
+                <a:cs typeface="メイリオ"/>
+              </a:rPr>
+              <a:t>：</a:t>
+            </a:r>
+            <a:endParaRPr kumimoji="1" lang="ja-JP" altLang="en-US" sz="1400" dirty="0">
+              <a:latin typeface="メイリオ"/>
+              <a:ea typeface="メイリオ"/>
+              <a:cs typeface="メイリオ"/>
+            </a:endParaRPr>
+          </a:p>
+        </p:txBody>
+      </p:sp>
+      <p:sp>
+        <p:nvSpPr>
+          <p:cNvPr id="62" name="角丸四角形 61"/>
+          <p:cNvSpPr/>
+          <p:nvPr/>
+        </p:nvSpPr>
+        <p:spPr>
+          <a:xfrm>
+            <a:off x="7623593" y="1118689"/>
+            <a:ext cx="550589" cy="299213"/>
+          </a:xfrm>
+          <a:prstGeom prst="roundRect">
+            <a:avLst/>
+          </a:prstGeom>
+          <a:noFill/>
+          <a:ln w="25400">
+            <a:solidFill>
+              <a:schemeClr val="tx1"/>
+            </a:solidFill>
+          </a:ln>
+          <a:effectLst/>
+        </p:spPr>
+        <p:style>
+          <a:lnRef idx="1">
+            <a:schemeClr val="accent1"/>
+          </a:lnRef>
+          <a:fillRef idx="3">
+            <a:schemeClr val="accent1"/>
+          </a:fillRef>
+          <a:effectRef idx="2">
+            <a:schemeClr val="accent1"/>
+          </a:effectRef>
+          <a:fontRef idx="minor">
+            <a:schemeClr val="lt1"/>
+          </a:fontRef>
+        </p:style>
+        <p:txBody>
+          <a:bodyPr rtlCol="0" anchor="ctr"/>
+          <a:lstStyle/>
+          <a:p>
+            <a:pPr algn="ctr"/>
+            <a:r>
+              <a:rPr kumimoji="1" lang="ja-JP" altLang="en-US" sz="1200" dirty="0" smtClean="0">
+                <a:solidFill>
+                  <a:schemeClr val="tx1"/>
+                </a:solidFill>
+                <a:latin typeface="メイリオ"/>
+                <a:ea typeface="メイリオ"/>
+                <a:cs typeface="メイリオ"/>
+              </a:rPr>
+              <a:t>登録</a:t>
+            </a:r>
+            <a:endParaRPr kumimoji="1" lang="ja-JP" altLang="en-US" sz="1200" dirty="0">
+              <a:solidFill>
+                <a:schemeClr val="tx1"/>
+              </a:solidFill>
+              <a:latin typeface="メイリオ"/>
+              <a:ea typeface="メイリオ"/>
+              <a:cs typeface="メイリオ"/>
+            </a:endParaRPr>
+          </a:p>
+        </p:txBody>
+      </p:sp>
+      <p:cxnSp>
+        <p:nvCxnSpPr>
+          <p:cNvPr id="63" name="直線コネクタ 62"/>
+          <p:cNvCxnSpPr/>
+          <p:nvPr/>
+        </p:nvCxnSpPr>
+        <p:spPr>
+          <a:xfrm>
+            <a:off x="923931" y="1547091"/>
+            <a:ext cx="7250251" cy="0"/>
+          </a:xfrm>
+          <a:prstGeom prst="line">
+            <a:avLst/>
+          </a:prstGeom>
+          <a:ln>
+            <a:solidFill>
+              <a:schemeClr val="bg1">
+                <a:lumMod val="65000"/>
+              </a:schemeClr>
+            </a:solidFill>
+          </a:ln>
+          <a:effectLst/>
+        </p:spPr>
+        <p:style>
+          <a:lnRef idx="2">
+            <a:schemeClr val="accent1"/>
+          </a:lnRef>
+          <a:fillRef idx="0">
+            <a:schemeClr val="accent1"/>
+          </a:fillRef>
+          <a:effectRef idx="1">
+            <a:schemeClr val="accent1"/>
+          </a:effectRef>
+          <a:fontRef idx="minor">
+            <a:schemeClr val="tx1"/>
+          </a:fontRef>
+        </p:style>
+      </p:cxnSp>
+      <p:sp>
+        <p:nvSpPr>
+          <p:cNvPr id="64" name="テキスト ボックス 63"/>
+          <p:cNvSpPr txBox="1"/>
+          <p:nvPr/>
+        </p:nvSpPr>
+        <p:spPr>
+          <a:xfrm>
+            <a:off x="4124211" y="1630084"/>
+            <a:ext cx="296175" cy="307777"/>
+          </a:xfrm>
+          <a:prstGeom prst="rect">
+            <a:avLst/>
+          </a:prstGeom>
+          <a:noFill/>
+        </p:spPr>
+        <p:txBody>
+          <a:bodyPr wrap="none" rtlCol="0">
+            <a:spAutoFit/>
+          </a:bodyPr>
+          <a:lstStyle/>
+          <a:p>
+            <a:r>
+              <a:rPr lang="en-US" altLang="ja-JP" sz="1400" dirty="0">
+                <a:latin typeface="メイリオ"/>
+                <a:ea typeface="メイリオ"/>
+                <a:cs typeface="メイリオ"/>
+              </a:rPr>
+              <a:t>1</a:t>
+            </a:r>
+            <a:endParaRPr kumimoji="1" lang="ja-JP" altLang="en-US" sz="1400" dirty="0">
+              <a:latin typeface="メイリオ"/>
+              <a:ea typeface="メイリオ"/>
+              <a:cs typeface="メイリオ"/>
+            </a:endParaRPr>
+          </a:p>
+        </p:txBody>
+      </p:sp>
+      <p:sp>
+        <p:nvSpPr>
+          <p:cNvPr id="65" name="テキスト ボックス 64"/>
+          <p:cNvSpPr txBox="1"/>
+          <p:nvPr/>
+        </p:nvSpPr>
+        <p:spPr>
+          <a:xfrm>
+            <a:off x="4356158" y="1632399"/>
+            <a:ext cx="296175" cy="307777"/>
+          </a:xfrm>
+          <a:prstGeom prst="rect">
+            <a:avLst/>
+          </a:prstGeom>
+          <a:noFill/>
+        </p:spPr>
+        <p:txBody>
+          <a:bodyPr wrap="none" rtlCol="0">
+            <a:spAutoFit/>
+          </a:bodyPr>
+          <a:lstStyle/>
+          <a:p>
+            <a:r>
+              <a:rPr lang="en-US" altLang="ja-JP" sz="1400" dirty="0" smtClean="0">
+                <a:latin typeface="メイリオ"/>
+                <a:ea typeface="メイリオ"/>
+                <a:cs typeface="メイリオ"/>
+              </a:rPr>
+              <a:t>2</a:t>
+            </a:r>
+            <a:endParaRPr kumimoji="1" lang="ja-JP" altLang="en-US" sz="1400" dirty="0">
+              <a:latin typeface="メイリオ"/>
+              <a:ea typeface="メイリオ"/>
+              <a:cs typeface="メイリオ"/>
+            </a:endParaRPr>
+          </a:p>
+        </p:txBody>
+      </p:sp>
+      <p:sp>
+        <p:nvSpPr>
+          <p:cNvPr id="66" name="テキスト ボックス 65"/>
+          <p:cNvSpPr txBox="1"/>
+          <p:nvPr/>
+        </p:nvSpPr>
+        <p:spPr>
+          <a:xfrm>
+            <a:off x="4597125" y="1632399"/>
+            <a:ext cx="494734" cy="307777"/>
+          </a:xfrm>
+          <a:prstGeom prst="rect">
+            <a:avLst/>
+          </a:prstGeom>
+          <a:noFill/>
+        </p:spPr>
+        <p:txBody>
+          <a:bodyPr wrap="none" rtlCol="0">
+            <a:spAutoFit/>
+          </a:bodyPr>
+          <a:lstStyle/>
+          <a:p>
+            <a:r>
+              <a:rPr lang="en-US" altLang="ja-JP" sz="1400" dirty="0" smtClean="0">
+                <a:latin typeface="メイリオ"/>
+                <a:ea typeface="メイリオ"/>
+                <a:cs typeface="メイリオ"/>
+              </a:rPr>
+              <a:t>. . .</a:t>
+            </a:r>
+            <a:endParaRPr kumimoji="1" lang="ja-JP" altLang="en-US" sz="1400" dirty="0">
+              <a:latin typeface="メイリオ"/>
+              <a:ea typeface="メイリオ"/>
+              <a:cs typeface="メイリオ"/>
+            </a:endParaRPr>
+          </a:p>
+        </p:txBody>
+      </p:sp>
+      <p:sp>
+        <p:nvSpPr>
+          <p:cNvPr id="67" name="二等辺三角形 66"/>
+          <p:cNvSpPr/>
+          <p:nvPr/>
+        </p:nvSpPr>
+        <p:spPr>
+          <a:xfrm rot="5400000">
+            <a:off x="5439130" y="1683849"/>
+            <a:ext cx="179370" cy="181212"/>
+          </a:xfrm>
+          <a:prstGeom prst="triangle">
+            <a:avLst/>
+          </a:prstGeom>
+          <a:solidFill>
+            <a:srgbClr val="F75D31"/>
+          </a:solidFill>
+          <a:ln>
+            <a:noFill/>
+          </a:ln>
+          <a:effectLst/>
+        </p:spPr>
+        <p:style>
+          <a:lnRef idx="1">
+            <a:schemeClr val="accent1"/>
+          </a:lnRef>
+          <a:fillRef idx="3">
+            <a:schemeClr val="accent1"/>
+          </a:fillRef>
+          <a:effectRef idx="2">
+            <a:schemeClr val="accent1"/>
+          </a:effectRef>
+          <a:fontRef idx="minor">
+            <a:schemeClr val="lt1"/>
+          </a:fontRef>
+        </p:style>
+        <p:txBody>
+          <a:bodyPr rtlCol="0" anchor="ctr"/>
+          <a:lstStyle/>
+          <a:p>
+            <a:pPr algn="ctr"/>
+            <a:endParaRPr kumimoji="1" lang="ja-JP" altLang="en-US"/>
+          </a:p>
+        </p:txBody>
+      </p:sp>
+      <p:sp>
+        <p:nvSpPr>
+          <p:cNvPr id="68" name="二等辺三角形 67"/>
+          <p:cNvSpPr/>
+          <p:nvPr/>
+        </p:nvSpPr>
+        <p:spPr>
+          <a:xfrm rot="16200000">
+            <a:off x="3923520" y="1684770"/>
+            <a:ext cx="180000" cy="180000"/>
+          </a:xfrm>
+          <a:prstGeom prst="triangle">
+            <a:avLst/>
+          </a:prstGeom>
+          <a:solidFill>
+            <a:srgbClr val="F75D31"/>
+          </a:solidFill>
+          <a:ln>
+            <a:noFill/>
+          </a:ln>
+          <a:effectLst/>
+        </p:spPr>
+        <p:style>
+          <a:lnRef idx="1">
+            <a:schemeClr val="accent1"/>
+          </a:lnRef>
+          <a:fillRef idx="3">
+            <a:schemeClr val="accent1"/>
+          </a:fillRef>
+          <a:effectRef idx="2">
+            <a:schemeClr val="accent1"/>
+          </a:effectRef>
+          <a:fontRef idx="minor">
+            <a:schemeClr val="lt1"/>
+          </a:fontRef>
+        </p:style>
+        <p:txBody>
+          <a:bodyPr rtlCol="0" anchor="ctr"/>
+          <a:lstStyle/>
+          <a:p>
+            <a:pPr algn="ctr"/>
+            <a:endParaRPr kumimoji="1" lang="ja-JP" altLang="en-US"/>
+          </a:p>
+        </p:txBody>
+      </p:sp>
+      <p:sp>
+        <p:nvSpPr>
+          <p:cNvPr id="69" name="テキスト ボックス 68"/>
+          <p:cNvSpPr txBox="1"/>
+          <p:nvPr/>
+        </p:nvSpPr>
+        <p:spPr>
+          <a:xfrm>
+            <a:off x="5013885" y="1632399"/>
+            <a:ext cx="407684" cy="307777"/>
+          </a:xfrm>
+          <a:prstGeom prst="rect">
+            <a:avLst/>
+          </a:prstGeom>
+          <a:noFill/>
+        </p:spPr>
+        <p:txBody>
+          <a:bodyPr wrap="none" rtlCol="0">
+            <a:spAutoFit/>
+          </a:bodyPr>
+          <a:lstStyle/>
+          <a:p>
+            <a:r>
+              <a:rPr lang="en-US" altLang="ja-JP" sz="1400" dirty="0" smtClean="0">
+                <a:latin typeface="メイリオ"/>
+                <a:ea typeface="メイリオ"/>
+                <a:cs typeface="メイリオ"/>
+              </a:rPr>
+              <a:t>20</a:t>
+            </a:r>
+            <a:endParaRPr kumimoji="1" lang="ja-JP" altLang="en-US" sz="1400" dirty="0">
+              <a:latin typeface="メイリオ"/>
+              <a:ea typeface="メイリオ"/>
+              <a:cs typeface="メイリオ"/>
+            </a:endParaRPr>
+          </a:p>
+        </p:txBody>
+      </p:sp>
+      <p:sp>
+        <p:nvSpPr>
+          <p:cNvPr id="21" name="テキスト ボックス 20"/>
+          <p:cNvSpPr txBox="1"/>
+          <p:nvPr/>
+        </p:nvSpPr>
+        <p:spPr>
+          <a:xfrm>
+            <a:off x="993905" y="1630084"/>
+            <a:ext cx="2623046" cy="307777"/>
+          </a:xfrm>
+          <a:prstGeom prst="rect">
+            <a:avLst/>
+          </a:prstGeom>
+          <a:noFill/>
+        </p:spPr>
+        <p:txBody>
+          <a:bodyPr wrap="none" rtlCol="0">
+            <a:spAutoFit/>
+          </a:bodyPr>
+          <a:lstStyle/>
+          <a:p>
+            <a:r>
+              <a:rPr lang="en-US" altLang="ja-JP" sz="1400" dirty="0" smtClean="0">
+                <a:latin typeface="メイリオ"/>
+                <a:ea typeface="メイリオ"/>
+                <a:cs typeface="メイリオ"/>
+              </a:rPr>
+              <a:t>xxx </a:t>
+            </a:r>
+            <a:r>
+              <a:rPr lang="ja-JP" altLang="en-US" sz="1400" dirty="0" smtClean="0">
+                <a:latin typeface="メイリオ"/>
+                <a:ea typeface="メイリオ"/>
+                <a:cs typeface="メイリオ"/>
+              </a:rPr>
+              <a:t>件中</a:t>
+            </a:r>
+            <a:r>
+              <a:rPr lang="en-US" altLang="ja-JP" sz="1400" dirty="0" smtClean="0">
+                <a:latin typeface="メイリオ"/>
+                <a:ea typeface="メイリオ"/>
+                <a:cs typeface="メイリオ"/>
+              </a:rPr>
+              <a:t> </a:t>
+            </a:r>
+            <a:r>
+              <a:rPr lang="en-US" altLang="ja-JP" sz="1400" dirty="0" err="1" smtClean="0">
+                <a:latin typeface="メイリオ"/>
+                <a:ea typeface="メイリオ"/>
+                <a:cs typeface="メイリオ"/>
+              </a:rPr>
+              <a:t>yyy</a:t>
+            </a:r>
+            <a:r>
+              <a:rPr lang="en-US" altLang="ja-JP" sz="1400" dirty="0" smtClean="0">
+                <a:latin typeface="メイリオ"/>
+                <a:ea typeface="メイリオ"/>
+                <a:cs typeface="メイリオ"/>
+              </a:rPr>
+              <a:t> 〜 </a:t>
+            </a:r>
+            <a:r>
+              <a:rPr lang="en-US" altLang="ja-JP" sz="1400" dirty="0" err="1" smtClean="0">
+                <a:latin typeface="メイリオ"/>
+                <a:ea typeface="メイリオ"/>
+                <a:cs typeface="メイリオ"/>
+              </a:rPr>
+              <a:t>zzz</a:t>
+            </a:r>
+            <a:r>
+              <a:rPr lang="en-US" altLang="ja-JP" sz="1400" dirty="0" smtClean="0">
+                <a:latin typeface="メイリオ"/>
+                <a:ea typeface="メイリオ"/>
+                <a:cs typeface="メイリオ"/>
+              </a:rPr>
+              <a:t> </a:t>
+            </a:r>
+            <a:r>
+              <a:rPr lang="ja-JP" altLang="en-US" sz="1400" dirty="0" smtClean="0">
+                <a:latin typeface="メイリオ"/>
+                <a:ea typeface="メイリオ"/>
+                <a:cs typeface="メイリオ"/>
+              </a:rPr>
+              <a:t>件を表示</a:t>
+            </a:r>
+            <a:endParaRPr kumimoji="1" lang="ja-JP" altLang="en-US" sz="1400" dirty="0">
+              <a:latin typeface="メイリオ"/>
+              <a:ea typeface="メイリオ"/>
+              <a:cs typeface="メイリオ"/>
+            </a:endParaRPr>
+          </a:p>
+        </p:txBody>
+      </p:sp>
+      <p:sp>
+        <p:nvSpPr>
+          <p:cNvPr id="22" name="二等辺三角形 21"/>
+          <p:cNvSpPr/>
+          <p:nvPr/>
+        </p:nvSpPr>
+        <p:spPr>
+          <a:xfrm rot="16200000">
+            <a:off x="3596344" y="1684770"/>
+            <a:ext cx="180000" cy="180000"/>
+          </a:xfrm>
+          <a:prstGeom prst="triangle">
+            <a:avLst/>
+          </a:prstGeom>
+          <a:solidFill>
+            <a:srgbClr val="F75D31"/>
+          </a:solidFill>
+          <a:ln>
+            <a:noFill/>
+          </a:ln>
+          <a:effectLst/>
+        </p:spPr>
+        <p:style>
+          <a:lnRef idx="1">
+            <a:schemeClr val="accent1"/>
+          </a:lnRef>
+          <a:fillRef idx="3">
+            <a:schemeClr val="accent1"/>
+          </a:fillRef>
+          <a:effectRef idx="2">
+            <a:schemeClr val="accent1"/>
+          </a:effectRef>
+          <a:fontRef idx="minor">
+            <a:schemeClr val="lt1"/>
+          </a:fontRef>
+        </p:style>
+        <p:txBody>
+          <a:bodyPr rtlCol="0" anchor="ctr"/>
+          <a:lstStyle/>
+          <a:p>
+            <a:pPr algn="ctr"/>
+            <a:endParaRPr kumimoji="1" lang="ja-JP" altLang="en-US"/>
+          </a:p>
+        </p:txBody>
+      </p:sp>
+      <p:sp>
+        <p:nvSpPr>
+          <p:cNvPr id="23" name="二等辺三角形 22"/>
+          <p:cNvSpPr/>
+          <p:nvPr/>
+        </p:nvSpPr>
+        <p:spPr>
+          <a:xfrm rot="16200000">
+            <a:off x="3693379" y="1684140"/>
+            <a:ext cx="180000" cy="180000"/>
+          </a:xfrm>
+          <a:prstGeom prst="triangle">
+            <a:avLst/>
+          </a:prstGeom>
+          <a:solidFill>
+            <a:srgbClr val="F75D31"/>
+          </a:solidFill>
+          <a:ln>
+            <a:noFill/>
+          </a:ln>
+          <a:effectLst/>
+        </p:spPr>
+        <p:style>
+          <a:lnRef idx="1">
+            <a:schemeClr val="accent1"/>
+          </a:lnRef>
+          <a:fillRef idx="3">
+            <a:schemeClr val="accent1"/>
+          </a:fillRef>
+          <a:effectRef idx="2">
+            <a:schemeClr val="accent1"/>
+          </a:effectRef>
+          <a:fontRef idx="minor">
+            <a:schemeClr val="lt1"/>
+          </a:fontRef>
+        </p:style>
+        <p:txBody>
+          <a:bodyPr rtlCol="0" anchor="ctr"/>
+          <a:lstStyle/>
+          <a:p>
+            <a:pPr algn="ctr"/>
+            <a:endParaRPr kumimoji="1" lang="ja-JP" altLang="en-US"/>
+          </a:p>
+        </p:txBody>
+      </p:sp>
+      <p:sp>
+        <p:nvSpPr>
+          <p:cNvPr id="24" name="二等辺三角形 23"/>
+          <p:cNvSpPr/>
+          <p:nvPr/>
+        </p:nvSpPr>
+        <p:spPr>
+          <a:xfrm rot="5400000">
+            <a:off x="5764549" y="1684479"/>
+            <a:ext cx="179370" cy="181212"/>
+          </a:xfrm>
+          <a:prstGeom prst="triangle">
+            <a:avLst/>
+          </a:prstGeom>
+          <a:solidFill>
+            <a:srgbClr val="F75D31"/>
+          </a:solidFill>
+          <a:ln>
+            <a:noFill/>
+          </a:ln>
+          <a:effectLst/>
+        </p:spPr>
+        <p:style>
+          <a:lnRef idx="1">
+            <a:schemeClr val="accent1"/>
+          </a:lnRef>
+          <a:fillRef idx="3">
+            <a:schemeClr val="accent1"/>
+          </a:fillRef>
+          <a:effectRef idx="2">
+            <a:schemeClr val="accent1"/>
+          </a:effectRef>
+          <a:fontRef idx="minor">
+            <a:schemeClr val="lt1"/>
+          </a:fontRef>
+        </p:style>
+        <p:txBody>
+          <a:bodyPr rtlCol="0" anchor="ctr"/>
+          <a:lstStyle/>
+          <a:p>
+            <a:pPr algn="ctr"/>
+            <a:endParaRPr kumimoji="1" lang="ja-JP" altLang="en-US"/>
+          </a:p>
+        </p:txBody>
+      </p:sp>
+      <p:sp>
+        <p:nvSpPr>
+          <p:cNvPr id="25" name="二等辺三角形 24"/>
+          <p:cNvSpPr/>
+          <p:nvPr/>
+        </p:nvSpPr>
+        <p:spPr>
+          <a:xfrm rot="5400000">
+            <a:off x="5673943" y="1684479"/>
+            <a:ext cx="179370" cy="181212"/>
+          </a:xfrm>
+          <a:prstGeom prst="triangle">
+            <a:avLst/>
+          </a:prstGeom>
+          <a:solidFill>
+            <a:srgbClr val="F75D31"/>
+          </a:solidFill>
+          <a:ln>
+            <a:noFill/>
+          </a:ln>
+          <a:effectLst/>
+        </p:spPr>
+        <p:style>
+          <a:lnRef idx="1">
+            <a:schemeClr val="accent1"/>
+          </a:lnRef>
+          <a:fillRef idx="3">
+            <a:schemeClr val="accent1"/>
+          </a:fillRef>
+          <a:effectRef idx="2">
+            <a:schemeClr val="accent1"/>
+          </a:effectRef>
+          <a:fontRef idx="minor">
+            <a:schemeClr val="lt1"/>
+          </a:fontRef>
+        </p:style>
+        <p:txBody>
+          <a:bodyPr rtlCol="0" anchor="ctr"/>
+          <a:lstStyle/>
+          <a:p>
+            <a:pPr algn="ctr"/>
+            <a:endParaRPr kumimoji="1" lang="ja-JP" altLang="en-US"/>
+          </a:p>
+        </p:txBody>
+      </p:sp>
+      <p:sp>
+        <p:nvSpPr>
+          <p:cNvPr id="26" name="角丸四角形 25"/>
+          <p:cNvSpPr/>
+          <p:nvPr/>
+        </p:nvSpPr>
+        <p:spPr>
+          <a:xfrm>
+            <a:off x="2120718" y="1794677"/>
+            <a:ext cx="4910463" cy="676047"/>
+          </a:xfrm>
+          <a:prstGeom prst="roundRect">
+            <a:avLst/>
+          </a:prstGeom>
+          <a:solidFill>
+            <a:schemeClr val="accent2">
+              <a:lumMod val="40000"/>
+              <a:lumOff val="60000"/>
+            </a:schemeClr>
+          </a:solidFill>
+          <a:ln w="25400">
+            <a:solidFill>
+              <a:schemeClr val="accent2"/>
+            </a:solidFill>
+          </a:ln>
+          <a:effectLst/>
+        </p:spPr>
+        <p:style>
+          <a:lnRef idx="1">
+            <a:schemeClr val="accent1"/>
+          </a:lnRef>
+          <a:fillRef idx="3">
+            <a:schemeClr val="accent1"/>
+          </a:fillRef>
+          <a:effectRef idx="2">
+            <a:schemeClr val="accent1"/>
+          </a:effectRef>
+          <a:fontRef idx="minor">
+            <a:schemeClr val="lt1"/>
+          </a:fontRef>
+        </p:style>
+        <p:txBody>
+          <a:bodyPr rtlCol="0" anchor="ctr"/>
+          <a:lstStyle/>
+          <a:p>
+            <a:r>
+              <a:rPr kumimoji="1" lang="ja-JP" altLang="en-US" dirty="0" smtClean="0">
+                <a:solidFill>
+                  <a:schemeClr val="tx1"/>
+                </a:solidFill>
+                <a:latin typeface="メイリオ"/>
+                <a:ea typeface="メイリオ"/>
+                <a:cs typeface="メイリオ"/>
+              </a:rPr>
+              <a:t>　日付</a:t>
+            </a:r>
+            <a:r>
+              <a:rPr kumimoji="1" lang="en-US" altLang="ja-JP" dirty="0" smtClean="0">
+                <a:solidFill>
+                  <a:schemeClr val="tx1"/>
+                </a:solidFill>
+                <a:latin typeface="メイリオ"/>
+                <a:ea typeface="メイリオ"/>
+                <a:cs typeface="メイリオ"/>
+              </a:rPr>
+              <a:t>,</a:t>
+            </a:r>
+            <a:r>
+              <a:rPr lang="ja-JP" altLang="en-US" dirty="0" smtClean="0">
+                <a:solidFill>
+                  <a:schemeClr val="tx1"/>
+                </a:solidFill>
+                <a:latin typeface="メイリオ"/>
+                <a:ea typeface="メイリオ"/>
+                <a:cs typeface="メイリオ"/>
+              </a:rPr>
+              <a:t>金額</a:t>
+            </a:r>
+            <a:r>
+              <a:rPr kumimoji="1" lang="ja-JP" altLang="en-US" dirty="0" smtClean="0">
+                <a:solidFill>
+                  <a:schemeClr val="tx1"/>
+                </a:solidFill>
+                <a:latin typeface="メイリオ"/>
+                <a:ea typeface="メイリオ"/>
+                <a:cs typeface="メイリオ"/>
+              </a:rPr>
+              <a:t>が不正です</a:t>
+            </a:r>
+            <a:endParaRPr kumimoji="1" lang="ja-JP" altLang="en-US" dirty="0">
+              <a:solidFill>
+                <a:schemeClr val="tx1"/>
+              </a:solidFill>
+              <a:latin typeface="メイリオ"/>
+              <a:ea typeface="メイリオ"/>
+              <a:cs typeface="メイリオ"/>
+            </a:endParaRPr>
+          </a:p>
+        </p:txBody>
+      </p:sp>
+      <p:sp>
+        <p:nvSpPr>
+          <p:cNvPr id="27" name="角丸四角形 26"/>
+          <p:cNvSpPr/>
+          <p:nvPr/>
+        </p:nvSpPr>
+        <p:spPr>
+          <a:xfrm>
+            <a:off x="6245749" y="1974273"/>
+            <a:ext cx="550589" cy="299213"/>
+          </a:xfrm>
+          <a:prstGeom prst="roundRect">
+            <a:avLst/>
+          </a:prstGeom>
+          <a:solidFill>
+            <a:schemeClr val="accent1">
+              <a:lumMod val="40000"/>
+              <a:lumOff val="60000"/>
+            </a:schemeClr>
+          </a:solidFill>
+          <a:ln w="25400">
+            <a:solidFill>
+              <a:schemeClr val="accent1"/>
+            </a:solidFill>
+          </a:ln>
+          <a:effectLst/>
+        </p:spPr>
+        <p:style>
+          <a:lnRef idx="1">
+            <a:schemeClr val="accent1"/>
+          </a:lnRef>
+          <a:fillRef idx="3">
+            <a:schemeClr val="accent1"/>
+          </a:fillRef>
+          <a:effectRef idx="2">
+            <a:schemeClr val="accent1"/>
+          </a:effectRef>
+          <a:fontRef idx="minor">
+            <a:schemeClr val="lt1"/>
+          </a:fontRef>
+        </p:style>
+        <p:txBody>
+          <a:bodyPr rtlCol="0" anchor="ctr"/>
+          <a:lstStyle/>
+          <a:p>
+            <a:pPr algn="ctr"/>
+            <a:r>
+              <a:rPr lang="en-US" altLang="ja-JP" sz="1200" dirty="0" smtClean="0">
+                <a:solidFill>
+                  <a:schemeClr val="tx1"/>
+                </a:solidFill>
+                <a:latin typeface="メイリオ"/>
+                <a:ea typeface="メイリオ"/>
+                <a:cs typeface="メイリオ"/>
+              </a:rPr>
+              <a:t>OK</a:t>
+            </a:r>
+            <a:endParaRPr kumimoji="1" lang="ja-JP" altLang="en-US" sz="1200" dirty="0">
+              <a:solidFill>
+                <a:schemeClr val="tx1"/>
+              </a:solidFill>
+              <a:latin typeface="メイリオ"/>
+              <a:ea typeface="メイリオ"/>
+              <a:cs typeface="メイリオ"/>
+            </a:endParaRPr>
+          </a:p>
+        </p:txBody>
+      </p:sp>
+    </p:spTree>
+    <p:extLst>
+      <p:ext uri="{BB962C8B-B14F-4D97-AF65-F5344CB8AC3E}">
+        <p14:creationId xmlns:p14="http://schemas.microsoft.com/office/powerpoint/2010/main" val="4276026136"/>
       </p:ext>
     </p:extLst>
   </p:cSld>

--- a/bin/algieba.pptx
+++ b/bin/algieba.pptx
@@ -196,7 +196,7 @@
           <a:p>
             <a:fld id="{EE82FEE5-269B-9B49-A8C4-823C45BE6055}" type="datetimeFigureOut">
               <a:rPr kumimoji="1" lang="ja-JP" altLang="en-US" smtClean="0"/>
-              <a:t>16/12/07</a:t>
+              <a:t>16/12/15</a:t>
             </a:fld>
             <a:endParaRPr kumimoji="1" lang="ja-JP" altLang="en-US"/>
           </a:p>
@@ -1013,7 +1013,7 @@
           <a:p>
             <a:fld id="{3ABA01A1-4899-9944-833D-6A66CDE659CB}" type="datetimeFigureOut">
               <a:rPr kumimoji="1" lang="ja-JP" altLang="en-US" smtClean="0"/>
-              <a:t>16/12/07</a:t>
+              <a:t>16/12/15</a:t>
             </a:fld>
             <a:endParaRPr kumimoji="1" lang="ja-JP" altLang="en-US"/>
           </a:p>
@@ -1215,7 +1215,7 @@
           <a:p>
             <a:fld id="{3ABA01A1-4899-9944-833D-6A66CDE659CB}" type="datetimeFigureOut">
               <a:rPr kumimoji="1" lang="ja-JP" altLang="en-US" smtClean="0"/>
-              <a:t>16/12/07</a:t>
+              <a:t>16/12/15</a:t>
             </a:fld>
             <a:endParaRPr kumimoji="1" lang="ja-JP" altLang="en-US"/>
           </a:p>
@@ -1427,7 +1427,7 @@
           <a:p>
             <a:fld id="{3ABA01A1-4899-9944-833D-6A66CDE659CB}" type="datetimeFigureOut">
               <a:rPr kumimoji="1" lang="ja-JP" altLang="en-US" smtClean="0"/>
-              <a:t>16/12/07</a:t>
+              <a:t>16/12/15</a:t>
             </a:fld>
             <a:endParaRPr kumimoji="1" lang="ja-JP" altLang="en-US"/>
           </a:p>
@@ -1629,7 +1629,7 @@
           <a:p>
             <a:fld id="{3ABA01A1-4899-9944-833D-6A66CDE659CB}" type="datetimeFigureOut">
               <a:rPr kumimoji="1" lang="ja-JP" altLang="en-US" smtClean="0"/>
-              <a:t>16/12/07</a:t>
+              <a:t>16/12/15</a:t>
             </a:fld>
             <a:endParaRPr kumimoji="1" lang="ja-JP" altLang="en-US"/>
           </a:p>
@@ -1875,7 +1875,7 @@
           <a:p>
             <a:fld id="{3ABA01A1-4899-9944-833D-6A66CDE659CB}" type="datetimeFigureOut">
               <a:rPr kumimoji="1" lang="ja-JP" altLang="en-US" smtClean="0"/>
-              <a:t>16/12/07</a:t>
+              <a:t>16/12/15</a:t>
             </a:fld>
             <a:endParaRPr kumimoji="1" lang="ja-JP" altLang="en-US"/>
           </a:p>
@@ -2227,7 +2227,7 @@
           <a:p>
             <a:fld id="{3ABA01A1-4899-9944-833D-6A66CDE659CB}" type="datetimeFigureOut">
               <a:rPr kumimoji="1" lang="ja-JP" altLang="en-US" smtClean="0"/>
-              <a:t>16/12/07</a:t>
+              <a:t>16/12/15</a:t>
             </a:fld>
             <a:endParaRPr kumimoji="1" lang="ja-JP" altLang="en-US"/>
           </a:p>
@@ -2713,7 +2713,7 @@
           <a:p>
             <a:fld id="{3ABA01A1-4899-9944-833D-6A66CDE659CB}" type="datetimeFigureOut">
               <a:rPr kumimoji="1" lang="ja-JP" altLang="en-US" smtClean="0"/>
-              <a:t>16/12/07</a:t>
+              <a:t>16/12/15</a:t>
             </a:fld>
             <a:endParaRPr kumimoji="1" lang="ja-JP" altLang="en-US"/>
           </a:p>
@@ -2831,7 +2831,7 @@
           <a:p>
             <a:fld id="{3ABA01A1-4899-9944-833D-6A66CDE659CB}" type="datetimeFigureOut">
               <a:rPr kumimoji="1" lang="ja-JP" altLang="en-US" smtClean="0"/>
-              <a:t>16/12/07</a:t>
+              <a:t>16/12/15</a:t>
             </a:fld>
             <a:endParaRPr kumimoji="1" lang="ja-JP" altLang="en-US"/>
           </a:p>
@@ -2926,7 +2926,7 @@
           <a:p>
             <a:fld id="{3ABA01A1-4899-9944-833D-6A66CDE659CB}" type="datetimeFigureOut">
               <a:rPr kumimoji="1" lang="ja-JP" altLang="en-US" smtClean="0"/>
-              <a:t>16/12/07</a:t>
+              <a:t>16/12/15</a:t>
             </a:fld>
             <a:endParaRPr kumimoji="1" lang="ja-JP" altLang="en-US"/>
           </a:p>
@@ -3235,7 +3235,7 @@
           <a:p>
             <a:fld id="{3ABA01A1-4899-9944-833D-6A66CDE659CB}" type="datetimeFigureOut">
               <a:rPr kumimoji="1" lang="ja-JP" altLang="en-US" smtClean="0"/>
-              <a:t>16/12/07</a:t>
+              <a:t>16/12/15</a:t>
             </a:fld>
             <a:endParaRPr kumimoji="1" lang="ja-JP" altLang="en-US"/>
           </a:p>
@@ -3488,7 +3488,7 @@
           <a:p>
             <a:fld id="{3ABA01A1-4899-9944-833D-6A66CDE659CB}" type="datetimeFigureOut">
               <a:rPr kumimoji="1" lang="ja-JP" altLang="en-US" smtClean="0"/>
-              <a:t>16/12/07</a:t>
+              <a:t>16/12/15</a:t>
             </a:fld>
             <a:endParaRPr kumimoji="1" lang="ja-JP" altLang="en-US"/>
           </a:p>
@@ -3733,7 +3733,7 @@
           <a:p>
             <a:fld id="{3ABA01A1-4899-9944-833D-6A66CDE659CB}" type="datetimeFigureOut">
               <a:rPr kumimoji="1" lang="ja-JP" altLang="en-US" smtClean="0"/>
-              <a:t>16/12/07</a:t>
+              <a:t>16/12/15</a:t>
             </a:fld>
             <a:endParaRPr kumimoji="1" lang="ja-JP" altLang="en-US"/>
           </a:p>
@@ -4177,11 +4177,11 @@
             </a:r>
             <a:r>
               <a:rPr lang="en-US" altLang="ja-JP" sz="2800" dirty="0" smtClean="0"/>
-              <a:t>2016/</a:t>
+              <a:t>2016/12/</a:t>
             </a:r>
             <a:r>
               <a:rPr lang="en-US" altLang="ja-JP" sz="2800" dirty="0" smtClean="0"/>
-              <a:t>12/10</a:t>
+              <a:t>15</a:t>
             </a:r>
             <a:r>
               <a:rPr lang="en-US" altLang="ja-JP" sz="2800" dirty="0" smtClean="0"/>
@@ -4196,11 +4196,7 @@
             </a:r>
             <a:r>
               <a:rPr lang="en-US" altLang="ja-JP" sz="2800" dirty="0" smtClean="0"/>
-              <a:t> </a:t>
-            </a:r>
-            <a:r>
-              <a:rPr lang="en-US" altLang="ja-JP" sz="2800" dirty="0" smtClean="0"/>
-              <a:t>2.3.0</a:t>
+              <a:t> 2.3.0</a:t>
             </a:r>
             <a:endParaRPr kumimoji="1" lang="ja-JP" altLang="en-US" dirty="0"/>
           </a:p>
@@ -4442,15 +4438,7 @@
                 <a:ea typeface="メイリオ"/>
                 <a:cs typeface="メイリオ"/>
               </a:rPr>
-              <a:t>家計簿情報を入力後、登録ボタンを押すと家計簿が登録</a:t>
-            </a:r>
-            <a:r>
-              <a:rPr lang="ja-JP" altLang="en-US" dirty="0" smtClean="0">
-                <a:latin typeface="メイリオ"/>
-                <a:ea typeface="メイリオ"/>
-                <a:cs typeface="メイリオ"/>
-              </a:rPr>
-              <a:t>される</a:t>
+              <a:t>家計簿情報を入力後、登録ボタンを押すと家計簿が登録される</a:t>
             </a:r>
             <a:endParaRPr lang="en-US" altLang="ja-JP" dirty="0" smtClean="0">
               <a:latin typeface="メイリオ"/>
@@ -5775,7 +5763,90 @@
         </p:nvSpPr>
         <p:spPr>
           <a:xfrm>
-            <a:off x="1569818" y="1188941"/>
+            <a:off x="1469168" y="1187601"/>
+            <a:ext cx="562830" cy="165946"/>
+          </a:xfrm>
+          <a:prstGeom prst="roundRect">
+            <a:avLst/>
+          </a:prstGeom>
+          <a:noFill/>
+          <a:ln w="25400">
+            <a:solidFill>
+              <a:schemeClr val="tx1"/>
+            </a:solidFill>
+          </a:ln>
+          <a:effectLst/>
+        </p:spPr>
+        <p:style>
+          <a:lnRef idx="1">
+            <a:schemeClr val="accent1"/>
+          </a:lnRef>
+          <a:fillRef idx="3">
+            <a:schemeClr val="accent1"/>
+          </a:fillRef>
+          <a:effectRef idx="2">
+            <a:schemeClr val="accent1"/>
+          </a:effectRef>
+          <a:fontRef idx="minor">
+            <a:schemeClr val="lt1"/>
+          </a:fontRef>
+        </p:style>
+        <p:txBody>
+          <a:bodyPr rtlCol="0" anchor="ctr"/>
+          <a:lstStyle/>
+          <a:p>
+            <a:pPr algn="ctr"/>
+            <a:endParaRPr kumimoji="1" lang="ja-JP" altLang="en-US"/>
+          </a:p>
+        </p:txBody>
+      </p:sp>
+      <p:sp>
+        <p:nvSpPr>
+          <p:cNvPr id="55" name="テキスト ボックス 54"/>
+          <p:cNvSpPr txBox="1"/>
+          <p:nvPr/>
+        </p:nvSpPr>
+        <p:spPr>
+          <a:xfrm>
+            <a:off x="890993" y="1114621"/>
+            <a:ext cx="646331" cy="276999"/>
+          </a:xfrm>
+          <a:prstGeom prst="rect">
+            <a:avLst/>
+          </a:prstGeom>
+          <a:noFill/>
+        </p:spPr>
+        <p:txBody>
+          <a:bodyPr wrap="none" rtlCol="0">
+            <a:spAutoFit/>
+          </a:bodyPr>
+          <a:lstStyle/>
+          <a:p>
+            <a:r>
+              <a:rPr kumimoji="1" lang="ja-JP" altLang="en-US" sz="1200" dirty="0" smtClean="0">
+                <a:latin typeface="メイリオ"/>
+                <a:ea typeface="メイリオ"/>
+                <a:cs typeface="メイリオ"/>
+              </a:rPr>
+              <a:t>日付：</a:t>
+            </a:r>
+            <a:endParaRPr kumimoji="1" lang="ja-JP" altLang="en-US" sz="1200" dirty="0">
+              <a:latin typeface="メイリオ"/>
+              <a:ea typeface="メイリオ"/>
+              <a:cs typeface="メイリオ"/>
+            </a:endParaRPr>
+          </a:p>
+        </p:txBody>
+      </p:sp>
+      <p:sp>
+        <p:nvSpPr>
+          <p:cNvPr id="56" name="角丸四角形 55"/>
+          <p:cNvSpPr/>
+          <p:nvPr/>
+        </p:nvSpPr>
+        <p:spPr>
+          <a:xfrm>
+            <a:off x="2646774" y="1187601"/>
             <a:ext cx="797002" cy="165946"/>
           </a:xfrm>
           <a:prstGeom prst="roundRect">
@@ -5814,14 +5885,14 @@
       </p:sp>
       <p:sp>
         <p:nvSpPr>
-          <p:cNvPr id="55" name="テキスト ボックス 54"/>
+          <p:cNvPr id="57" name="テキスト ボックス 56"/>
           <p:cNvSpPr txBox="1"/>
           <p:nvPr/>
         </p:nvSpPr>
         <p:spPr>
           <a:xfrm>
-            <a:off x="923931" y="1108244"/>
-            <a:ext cx="723275" cy="307777"/>
+            <a:off x="2046815" y="1111063"/>
+            <a:ext cx="646331" cy="276999"/>
           </a:xfrm>
           <a:prstGeom prst="rect">
             <a:avLst/>
@@ -5835,14 +5906,22 @@
           <a:lstStyle/>
           <a:p>
             <a:r>
-              <a:rPr kumimoji="1" lang="ja-JP" altLang="en-US" sz="1400" dirty="0" smtClean="0">
+              <a:rPr lang="ja-JP" altLang="en-US" sz="1200" dirty="0" smtClean="0">
                 <a:latin typeface="メイリオ"/>
                 <a:ea typeface="メイリオ"/>
                 <a:cs typeface="メイリオ"/>
               </a:rPr>
-              <a:t>日付：</a:t>
-            </a:r>
-            <a:endParaRPr kumimoji="1" lang="ja-JP" altLang="en-US" sz="1400" dirty="0">
+              <a:t>内容</a:t>
+            </a:r>
+            <a:r>
+              <a:rPr kumimoji="1" lang="ja-JP" altLang="en-US" sz="1200" dirty="0" smtClean="0">
+                <a:latin typeface="メイリオ"/>
+                <a:ea typeface="メイリオ"/>
+                <a:cs typeface="メイリオ"/>
+              </a:rPr>
+              <a:t>：</a:t>
+            </a:r>
+            <a:endParaRPr kumimoji="1" lang="ja-JP" altLang="en-US" sz="1200" dirty="0">
               <a:latin typeface="メイリオ"/>
               <a:ea typeface="メイリオ"/>
               <a:cs typeface="メイリオ"/>
@@ -5852,14 +5931,14 @@
       </p:sp>
       <p:sp>
         <p:nvSpPr>
-          <p:cNvPr id="56" name="角丸四角形 55"/>
+          <p:cNvPr id="58" name="角丸四角形 57"/>
           <p:cNvSpPr/>
           <p:nvPr/>
         </p:nvSpPr>
         <p:spPr>
           <a:xfrm>
-            <a:off x="3139341" y="1188941"/>
-            <a:ext cx="797002" cy="165946"/>
+            <a:off x="4369749" y="1187601"/>
+            <a:ext cx="560480" cy="165946"/>
           </a:xfrm>
           <a:prstGeom prst="roundRect">
             <a:avLst/>
@@ -5897,14 +5976,14 @@
       </p:sp>
       <p:sp>
         <p:nvSpPr>
-          <p:cNvPr id="57" name="テキスト ボックス 56"/>
+          <p:cNvPr id="59" name="テキスト ボックス 58"/>
           <p:cNvSpPr txBox="1"/>
           <p:nvPr/>
         </p:nvSpPr>
         <p:spPr>
           <a:xfrm>
-            <a:off x="2493454" y="1108244"/>
-            <a:ext cx="723275" cy="307777"/>
+            <a:off x="3461822" y="1118689"/>
+            <a:ext cx="954107" cy="276999"/>
           </a:xfrm>
           <a:prstGeom prst="rect">
             <a:avLst/>
@@ -5918,22 +5997,22 @@
           <a:lstStyle/>
           <a:p>
             <a:r>
-              <a:rPr lang="ja-JP" altLang="en-US" sz="1400" dirty="0" smtClean="0">
+              <a:rPr lang="ja-JP" altLang="en-US" sz="1200" dirty="0" smtClean="0">
                 <a:latin typeface="メイリオ"/>
                 <a:ea typeface="メイリオ"/>
                 <a:cs typeface="メイリオ"/>
               </a:rPr>
-              <a:t>内容</a:t>
-            </a:r>
-            <a:r>
-              <a:rPr kumimoji="1" lang="ja-JP" altLang="en-US" sz="1400" dirty="0" smtClean="0">
+              <a:t>カテゴリ</a:t>
+            </a:r>
+            <a:r>
+              <a:rPr kumimoji="1" lang="ja-JP" altLang="en-US" sz="1200" dirty="0" smtClean="0">
                 <a:latin typeface="メイリオ"/>
                 <a:ea typeface="メイリオ"/>
                 <a:cs typeface="メイリオ"/>
               </a:rPr>
               <a:t>：</a:t>
             </a:r>
-            <a:endParaRPr kumimoji="1" lang="ja-JP" altLang="en-US" sz="1400" dirty="0">
+            <a:endParaRPr kumimoji="1" lang="ja-JP" altLang="en-US" sz="1200" dirty="0">
               <a:latin typeface="メイリオ"/>
               <a:ea typeface="メイリオ"/>
               <a:cs typeface="メイリオ"/>
@@ -5943,14 +6022,14 @@
       </p:sp>
       <p:sp>
         <p:nvSpPr>
-          <p:cNvPr id="58" name="角丸四角形 57"/>
+          <p:cNvPr id="60" name="角丸四角形 59"/>
           <p:cNvSpPr/>
           <p:nvPr/>
         </p:nvSpPr>
         <p:spPr>
           <a:xfrm>
-            <a:off x="5057232" y="1188941"/>
-            <a:ext cx="797002" cy="165946"/>
+            <a:off x="5569022" y="1187601"/>
+            <a:ext cx="561630" cy="165946"/>
           </a:xfrm>
           <a:prstGeom prst="roundRect">
             <a:avLst/>
@@ -5988,14 +6067,14 @@
       </p:sp>
       <p:sp>
         <p:nvSpPr>
-          <p:cNvPr id="59" name="テキスト ボックス 58"/>
+          <p:cNvPr id="61" name="テキスト ボックス 60"/>
           <p:cNvSpPr txBox="1"/>
           <p:nvPr/>
         </p:nvSpPr>
         <p:spPr>
           <a:xfrm>
-            <a:off x="4041905" y="1108244"/>
-            <a:ext cx="1082348" cy="307777"/>
+            <a:off x="4957326" y="1128924"/>
+            <a:ext cx="646331" cy="276999"/>
           </a:xfrm>
           <a:prstGeom prst="rect">
             <a:avLst/>
@@ -6009,22 +6088,22 @@
           <a:lstStyle/>
           <a:p>
             <a:r>
-              <a:rPr lang="ja-JP" altLang="en-US" sz="1400" dirty="0" smtClean="0">
+              <a:rPr lang="ja-JP" altLang="en-US" sz="1200" dirty="0" smtClean="0">
                 <a:latin typeface="メイリオ"/>
                 <a:ea typeface="メイリオ"/>
                 <a:cs typeface="メイリオ"/>
               </a:rPr>
-              <a:t>カテゴリ</a:t>
-            </a:r>
-            <a:r>
-              <a:rPr kumimoji="1" lang="ja-JP" altLang="en-US" sz="1400" dirty="0" smtClean="0">
+              <a:t>金額</a:t>
+            </a:r>
+            <a:r>
+              <a:rPr kumimoji="1" lang="ja-JP" altLang="en-US" sz="1200" dirty="0" smtClean="0">
                 <a:latin typeface="メイリオ"/>
                 <a:ea typeface="メイリオ"/>
                 <a:cs typeface="メイリオ"/>
               </a:rPr>
               <a:t>：</a:t>
             </a:r>
-            <a:endParaRPr kumimoji="1" lang="ja-JP" altLang="en-US" sz="1400" dirty="0">
+            <a:endParaRPr kumimoji="1" lang="ja-JP" altLang="en-US" sz="1200" dirty="0">
               <a:latin typeface="メイリオ"/>
               <a:ea typeface="メイリオ"/>
               <a:cs typeface="メイリオ"/>
@@ -6034,104 +6113,13 @@
       </p:sp>
       <p:sp>
         <p:nvSpPr>
-          <p:cNvPr id="60" name="角丸四角形 59"/>
-          <p:cNvSpPr/>
-          <p:nvPr/>
-        </p:nvSpPr>
-        <p:spPr>
-          <a:xfrm>
-            <a:off x="6582196" y="1187842"/>
-            <a:ext cx="797002" cy="165946"/>
-          </a:xfrm>
-          <a:prstGeom prst="roundRect">
-            <a:avLst/>
-          </a:prstGeom>
-          <a:noFill/>
-          <a:ln w="25400">
-            <a:solidFill>
-              <a:schemeClr val="tx1"/>
-            </a:solidFill>
-          </a:ln>
-          <a:effectLst/>
-        </p:spPr>
-        <p:style>
-          <a:lnRef idx="1">
-            <a:schemeClr val="accent1"/>
-          </a:lnRef>
-          <a:fillRef idx="3">
-            <a:schemeClr val="accent1"/>
-          </a:fillRef>
-          <a:effectRef idx="2">
-            <a:schemeClr val="accent1"/>
-          </a:effectRef>
-          <a:fontRef idx="minor">
-            <a:schemeClr val="lt1"/>
-          </a:fontRef>
-        </p:style>
-        <p:txBody>
-          <a:bodyPr rtlCol="0" anchor="ctr"/>
-          <a:lstStyle/>
-          <a:p>
-            <a:pPr algn="ctr"/>
-            <a:endParaRPr kumimoji="1" lang="ja-JP" altLang="en-US"/>
-          </a:p>
-        </p:txBody>
-      </p:sp>
-      <p:sp>
-        <p:nvSpPr>
-          <p:cNvPr id="61" name="テキスト ボックス 60"/>
-          <p:cNvSpPr txBox="1"/>
-          <p:nvPr/>
-        </p:nvSpPr>
-        <p:spPr>
-          <a:xfrm>
-            <a:off x="5936309" y="1107145"/>
-            <a:ext cx="723275" cy="307777"/>
-          </a:xfrm>
-          <a:prstGeom prst="rect">
-            <a:avLst/>
-          </a:prstGeom>
-          <a:noFill/>
-        </p:spPr>
-        <p:txBody>
-          <a:bodyPr wrap="none" rtlCol="0">
-            <a:spAutoFit/>
-          </a:bodyPr>
-          <a:lstStyle/>
-          <a:p>
-            <a:r>
-              <a:rPr lang="ja-JP" altLang="en-US" sz="1400" dirty="0" smtClean="0">
-                <a:latin typeface="メイリオ"/>
-                <a:ea typeface="メイリオ"/>
-                <a:cs typeface="メイリオ"/>
-              </a:rPr>
-              <a:t>金額</a:t>
-            </a:r>
-            <a:r>
-              <a:rPr kumimoji="1" lang="ja-JP" altLang="en-US" sz="1400" dirty="0" smtClean="0">
-                <a:latin typeface="メイリオ"/>
-                <a:ea typeface="メイリオ"/>
-                <a:cs typeface="メイリオ"/>
-              </a:rPr>
-              <a:t>：</a:t>
-            </a:r>
-            <a:endParaRPr kumimoji="1" lang="ja-JP" altLang="en-US" sz="1400" dirty="0">
-              <a:latin typeface="メイリオ"/>
-              <a:ea typeface="メイリオ"/>
-              <a:cs typeface="メイリオ"/>
-            </a:endParaRPr>
-          </a:p>
-        </p:txBody>
-      </p:sp>
-      <p:sp>
-        <p:nvSpPr>
           <p:cNvPr id="62" name="角丸四角形 61"/>
           <p:cNvSpPr/>
           <p:nvPr/>
         </p:nvSpPr>
         <p:spPr>
           <a:xfrm>
-            <a:off x="7623593" y="1118689"/>
+            <a:off x="6515245" y="1118689"/>
             <a:ext cx="550589" cy="299213"/>
           </a:xfrm>
           <a:prstGeom prst="roundRect">
@@ -6740,6 +6728,69 @@
           </a:p>
         </p:txBody>
       </p:sp>
+      <p:sp>
+        <p:nvSpPr>
+          <p:cNvPr id="26" name="角丸四角形 25"/>
+          <p:cNvSpPr/>
+          <p:nvPr/>
+        </p:nvSpPr>
+        <p:spPr>
+          <a:xfrm>
+            <a:off x="7239002" y="1121482"/>
+            <a:ext cx="864625" cy="299213"/>
+          </a:xfrm>
+          <a:prstGeom prst="roundRect">
+            <a:avLst/>
+          </a:prstGeom>
+          <a:noFill/>
+          <a:ln w="25400">
+            <a:solidFill>
+              <a:schemeClr val="tx1"/>
+            </a:solidFill>
+          </a:ln>
+          <a:effectLst/>
+        </p:spPr>
+        <p:style>
+          <a:lnRef idx="1">
+            <a:schemeClr val="accent1"/>
+          </a:lnRef>
+          <a:fillRef idx="3">
+            <a:schemeClr val="accent1"/>
+          </a:fillRef>
+          <a:effectRef idx="2">
+            <a:schemeClr val="accent1"/>
+          </a:effectRef>
+          <a:fontRef idx="minor">
+            <a:schemeClr val="lt1"/>
+          </a:fontRef>
+        </p:style>
+        <p:txBody>
+          <a:bodyPr rtlCol="0" anchor="ctr"/>
+          <a:lstStyle/>
+          <a:p>
+            <a:pPr algn="ctr"/>
+            <a:r>
+              <a:rPr lang="en-US" altLang="en-US" sz="1200" dirty="0" smtClean="0">
+                <a:solidFill>
+                  <a:schemeClr val="tx1"/>
+                </a:solidFill>
+                <a:latin typeface="メイリオ"/>
+                <a:ea typeface="メイリオ"/>
+                <a:cs typeface="メイリオ"/>
+              </a:rPr>
+              <a:t>リセット</a:t>
+            </a:r>
+            <a:endParaRPr kumimoji="1" lang="ja-JP" altLang="en-US" sz="1200" dirty="0">
+              <a:solidFill>
+                <a:schemeClr val="tx1"/>
+              </a:solidFill>
+              <a:latin typeface="メイリオ"/>
+              <a:ea typeface="メイリオ"/>
+              <a:cs typeface="メイリオ"/>
+            </a:endParaRPr>
+          </a:p>
+        </p:txBody>
+      </p:sp>
     </p:spTree>
     <p:extLst>
       <p:ext uri="{BB962C8B-B14F-4D97-AF65-F5344CB8AC3E}">
@@ -6798,23 +6849,7 @@
                 <a:ea typeface="メイリオ"/>
                 <a:cs typeface="メイリオ"/>
               </a:rPr>
-              <a:t>管理</a:t>
-            </a:r>
-            <a:r>
-              <a:rPr lang="ja-JP" altLang="en-US" sz="2800" dirty="0" smtClean="0">
-                <a:latin typeface="メイリオ"/>
-                <a:ea typeface="メイリオ"/>
-                <a:cs typeface="メイリオ"/>
-              </a:rPr>
-              <a:t>画面</a:t>
-            </a:r>
-            <a:r>
-              <a:rPr lang="ja-JP" altLang="en-US" sz="2800" dirty="0" smtClean="0">
-                <a:latin typeface="メイリオ"/>
-                <a:ea typeface="メイリオ"/>
-                <a:cs typeface="メイリオ"/>
-              </a:rPr>
-              <a:t>（登録失敗時）</a:t>
+              <a:t>管理画面（登録失敗時）</a:t>
             </a:r>
             <a:endParaRPr kumimoji="1" lang="ja-JP" altLang="en-US" sz="2000" dirty="0">
               <a:latin typeface="メイリオ"/>
@@ -7382,6 +7417,579 @@
           <a:prstGeom prst="rect">
             <a:avLst/>
           </a:prstGeom>
+          <a:solidFill>
+            <a:schemeClr val="bg1">
+              <a:lumMod val="75000"/>
+              <a:alpha val="50000"/>
+            </a:schemeClr>
+          </a:solidFill>
+          <a:ln w="25400">
+            <a:solidFill>
+              <a:schemeClr val="tx1"/>
+            </a:solidFill>
+          </a:ln>
+          <a:effectLst/>
+        </p:spPr>
+        <p:style>
+          <a:lnRef idx="1">
+            <a:schemeClr val="accent1"/>
+          </a:lnRef>
+          <a:fillRef idx="3">
+            <a:schemeClr val="accent1"/>
+          </a:fillRef>
+          <a:effectRef idx="2">
+            <a:schemeClr val="accent1"/>
+          </a:effectRef>
+          <a:fontRef idx="minor">
+            <a:schemeClr val="lt1"/>
+          </a:fontRef>
+        </p:style>
+        <p:txBody>
+          <a:bodyPr rtlCol="0" anchor="ctr"/>
+          <a:lstStyle/>
+          <a:p>
+            <a:pPr algn="ctr"/>
+            <a:endParaRPr kumimoji="1" lang="ja-JP" altLang="en-US" sz="2800" dirty="0">
+              <a:solidFill>
+                <a:schemeClr val="tx1"/>
+              </a:solidFill>
+              <a:latin typeface="メイリオ"/>
+              <a:ea typeface="メイリオ"/>
+              <a:cs typeface="メイリオ"/>
+            </a:endParaRPr>
+          </a:p>
+        </p:txBody>
+      </p:sp>
+      <p:sp>
+        <p:nvSpPr>
+          <p:cNvPr id="64" name="テキスト ボックス 63"/>
+          <p:cNvSpPr txBox="1"/>
+          <p:nvPr/>
+        </p:nvSpPr>
+        <p:spPr>
+          <a:xfrm>
+            <a:off x="4124211" y="1630084"/>
+            <a:ext cx="296175" cy="307777"/>
+          </a:xfrm>
+          <a:prstGeom prst="rect">
+            <a:avLst/>
+          </a:prstGeom>
+          <a:noFill/>
+        </p:spPr>
+        <p:txBody>
+          <a:bodyPr wrap="none" rtlCol="0">
+            <a:spAutoFit/>
+          </a:bodyPr>
+          <a:lstStyle/>
+          <a:p>
+            <a:r>
+              <a:rPr lang="en-US" altLang="ja-JP" sz="1400" dirty="0">
+                <a:latin typeface="メイリオ"/>
+                <a:ea typeface="メイリオ"/>
+                <a:cs typeface="メイリオ"/>
+              </a:rPr>
+              <a:t>1</a:t>
+            </a:r>
+            <a:endParaRPr kumimoji="1" lang="ja-JP" altLang="en-US" sz="1400" dirty="0">
+              <a:latin typeface="メイリオ"/>
+              <a:ea typeface="メイリオ"/>
+              <a:cs typeface="メイリオ"/>
+            </a:endParaRPr>
+          </a:p>
+        </p:txBody>
+      </p:sp>
+      <p:sp>
+        <p:nvSpPr>
+          <p:cNvPr id="65" name="テキスト ボックス 64"/>
+          <p:cNvSpPr txBox="1"/>
+          <p:nvPr/>
+        </p:nvSpPr>
+        <p:spPr>
+          <a:xfrm>
+            <a:off x="4356158" y="1632399"/>
+            <a:ext cx="296175" cy="307777"/>
+          </a:xfrm>
+          <a:prstGeom prst="rect">
+            <a:avLst/>
+          </a:prstGeom>
+          <a:noFill/>
+        </p:spPr>
+        <p:txBody>
+          <a:bodyPr wrap="none" rtlCol="0">
+            <a:spAutoFit/>
+          </a:bodyPr>
+          <a:lstStyle/>
+          <a:p>
+            <a:r>
+              <a:rPr lang="en-US" altLang="ja-JP" sz="1400" dirty="0" smtClean="0">
+                <a:latin typeface="メイリオ"/>
+                <a:ea typeface="メイリオ"/>
+                <a:cs typeface="メイリオ"/>
+              </a:rPr>
+              <a:t>2</a:t>
+            </a:r>
+            <a:endParaRPr kumimoji="1" lang="ja-JP" altLang="en-US" sz="1400" dirty="0">
+              <a:latin typeface="メイリオ"/>
+              <a:ea typeface="メイリオ"/>
+              <a:cs typeface="メイリオ"/>
+            </a:endParaRPr>
+          </a:p>
+        </p:txBody>
+      </p:sp>
+      <p:sp>
+        <p:nvSpPr>
+          <p:cNvPr id="66" name="テキスト ボックス 65"/>
+          <p:cNvSpPr txBox="1"/>
+          <p:nvPr/>
+        </p:nvSpPr>
+        <p:spPr>
+          <a:xfrm>
+            <a:off x="4597125" y="1632399"/>
+            <a:ext cx="494734" cy="307777"/>
+          </a:xfrm>
+          <a:prstGeom prst="rect">
+            <a:avLst/>
+          </a:prstGeom>
+          <a:noFill/>
+        </p:spPr>
+        <p:txBody>
+          <a:bodyPr wrap="none" rtlCol="0">
+            <a:spAutoFit/>
+          </a:bodyPr>
+          <a:lstStyle/>
+          <a:p>
+            <a:r>
+              <a:rPr lang="en-US" altLang="ja-JP" sz="1400" dirty="0" smtClean="0">
+                <a:latin typeface="メイリオ"/>
+                <a:ea typeface="メイリオ"/>
+                <a:cs typeface="メイリオ"/>
+              </a:rPr>
+              <a:t>. . .</a:t>
+            </a:r>
+            <a:endParaRPr kumimoji="1" lang="ja-JP" altLang="en-US" sz="1400" dirty="0">
+              <a:latin typeface="メイリオ"/>
+              <a:ea typeface="メイリオ"/>
+              <a:cs typeface="メイリオ"/>
+            </a:endParaRPr>
+          </a:p>
+        </p:txBody>
+      </p:sp>
+      <p:sp>
+        <p:nvSpPr>
+          <p:cNvPr id="67" name="二等辺三角形 66"/>
+          <p:cNvSpPr/>
+          <p:nvPr/>
+        </p:nvSpPr>
+        <p:spPr>
+          <a:xfrm rot="5400000">
+            <a:off x="5439130" y="1683849"/>
+            <a:ext cx="179370" cy="181212"/>
+          </a:xfrm>
+          <a:prstGeom prst="triangle">
+            <a:avLst/>
+          </a:prstGeom>
+          <a:solidFill>
+            <a:srgbClr val="F75D31"/>
+          </a:solidFill>
+          <a:ln>
+            <a:noFill/>
+          </a:ln>
+          <a:effectLst/>
+        </p:spPr>
+        <p:style>
+          <a:lnRef idx="1">
+            <a:schemeClr val="accent1"/>
+          </a:lnRef>
+          <a:fillRef idx="3">
+            <a:schemeClr val="accent1"/>
+          </a:fillRef>
+          <a:effectRef idx="2">
+            <a:schemeClr val="accent1"/>
+          </a:effectRef>
+          <a:fontRef idx="minor">
+            <a:schemeClr val="lt1"/>
+          </a:fontRef>
+        </p:style>
+        <p:txBody>
+          <a:bodyPr rtlCol="0" anchor="ctr"/>
+          <a:lstStyle/>
+          <a:p>
+            <a:pPr algn="ctr"/>
+            <a:endParaRPr kumimoji="1" lang="ja-JP" altLang="en-US"/>
+          </a:p>
+        </p:txBody>
+      </p:sp>
+      <p:sp>
+        <p:nvSpPr>
+          <p:cNvPr id="68" name="二等辺三角形 67"/>
+          <p:cNvSpPr/>
+          <p:nvPr/>
+        </p:nvSpPr>
+        <p:spPr>
+          <a:xfrm rot="16200000">
+            <a:off x="3923520" y="1684770"/>
+            <a:ext cx="180000" cy="180000"/>
+          </a:xfrm>
+          <a:prstGeom prst="triangle">
+            <a:avLst/>
+          </a:prstGeom>
+          <a:solidFill>
+            <a:srgbClr val="F75D31"/>
+          </a:solidFill>
+          <a:ln>
+            <a:noFill/>
+          </a:ln>
+          <a:effectLst/>
+        </p:spPr>
+        <p:style>
+          <a:lnRef idx="1">
+            <a:schemeClr val="accent1"/>
+          </a:lnRef>
+          <a:fillRef idx="3">
+            <a:schemeClr val="accent1"/>
+          </a:fillRef>
+          <a:effectRef idx="2">
+            <a:schemeClr val="accent1"/>
+          </a:effectRef>
+          <a:fontRef idx="minor">
+            <a:schemeClr val="lt1"/>
+          </a:fontRef>
+        </p:style>
+        <p:txBody>
+          <a:bodyPr rtlCol="0" anchor="ctr"/>
+          <a:lstStyle/>
+          <a:p>
+            <a:pPr algn="ctr"/>
+            <a:endParaRPr kumimoji="1" lang="ja-JP" altLang="en-US"/>
+          </a:p>
+        </p:txBody>
+      </p:sp>
+      <p:sp>
+        <p:nvSpPr>
+          <p:cNvPr id="69" name="テキスト ボックス 68"/>
+          <p:cNvSpPr txBox="1"/>
+          <p:nvPr/>
+        </p:nvSpPr>
+        <p:spPr>
+          <a:xfrm>
+            <a:off x="5013885" y="1632399"/>
+            <a:ext cx="407684" cy="307777"/>
+          </a:xfrm>
+          <a:prstGeom prst="rect">
+            <a:avLst/>
+          </a:prstGeom>
+          <a:noFill/>
+        </p:spPr>
+        <p:txBody>
+          <a:bodyPr wrap="none" rtlCol="0">
+            <a:spAutoFit/>
+          </a:bodyPr>
+          <a:lstStyle/>
+          <a:p>
+            <a:r>
+              <a:rPr lang="en-US" altLang="ja-JP" sz="1400" dirty="0" smtClean="0">
+                <a:latin typeface="メイリオ"/>
+                <a:ea typeface="メイリオ"/>
+                <a:cs typeface="メイリオ"/>
+              </a:rPr>
+              <a:t>20</a:t>
+            </a:r>
+            <a:endParaRPr kumimoji="1" lang="ja-JP" altLang="en-US" sz="1400" dirty="0">
+              <a:latin typeface="メイリオ"/>
+              <a:ea typeface="メイリオ"/>
+              <a:cs typeface="メイリオ"/>
+            </a:endParaRPr>
+          </a:p>
+        </p:txBody>
+      </p:sp>
+      <p:sp>
+        <p:nvSpPr>
+          <p:cNvPr id="21" name="テキスト ボックス 20"/>
+          <p:cNvSpPr txBox="1"/>
+          <p:nvPr/>
+        </p:nvSpPr>
+        <p:spPr>
+          <a:xfrm>
+            <a:off x="993905" y="1630084"/>
+            <a:ext cx="2623046" cy="307777"/>
+          </a:xfrm>
+          <a:prstGeom prst="rect">
+            <a:avLst/>
+          </a:prstGeom>
+          <a:noFill/>
+        </p:spPr>
+        <p:txBody>
+          <a:bodyPr wrap="none" rtlCol="0">
+            <a:spAutoFit/>
+          </a:bodyPr>
+          <a:lstStyle/>
+          <a:p>
+            <a:r>
+              <a:rPr lang="en-US" altLang="ja-JP" sz="1400" dirty="0" smtClean="0">
+                <a:latin typeface="メイリオ"/>
+                <a:ea typeface="メイリオ"/>
+                <a:cs typeface="メイリオ"/>
+              </a:rPr>
+              <a:t>xxx </a:t>
+            </a:r>
+            <a:r>
+              <a:rPr lang="ja-JP" altLang="en-US" sz="1400" dirty="0" smtClean="0">
+                <a:latin typeface="メイリオ"/>
+                <a:ea typeface="メイリオ"/>
+                <a:cs typeface="メイリオ"/>
+              </a:rPr>
+              <a:t>件中</a:t>
+            </a:r>
+            <a:r>
+              <a:rPr lang="en-US" altLang="ja-JP" sz="1400" dirty="0" smtClean="0">
+                <a:latin typeface="メイリオ"/>
+                <a:ea typeface="メイリオ"/>
+                <a:cs typeface="メイリオ"/>
+              </a:rPr>
+              <a:t> </a:t>
+            </a:r>
+            <a:r>
+              <a:rPr lang="en-US" altLang="ja-JP" sz="1400" dirty="0" err="1" smtClean="0">
+                <a:latin typeface="メイリオ"/>
+                <a:ea typeface="メイリオ"/>
+                <a:cs typeface="メイリオ"/>
+              </a:rPr>
+              <a:t>yyy</a:t>
+            </a:r>
+            <a:r>
+              <a:rPr lang="en-US" altLang="ja-JP" sz="1400" dirty="0" smtClean="0">
+                <a:latin typeface="メイリオ"/>
+                <a:ea typeface="メイリオ"/>
+                <a:cs typeface="メイリオ"/>
+              </a:rPr>
+              <a:t> 〜 </a:t>
+            </a:r>
+            <a:r>
+              <a:rPr lang="en-US" altLang="ja-JP" sz="1400" dirty="0" err="1" smtClean="0">
+                <a:latin typeface="メイリオ"/>
+                <a:ea typeface="メイリオ"/>
+                <a:cs typeface="メイリオ"/>
+              </a:rPr>
+              <a:t>zzz</a:t>
+            </a:r>
+            <a:r>
+              <a:rPr lang="en-US" altLang="ja-JP" sz="1400" dirty="0" smtClean="0">
+                <a:latin typeface="メイリオ"/>
+                <a:ea typeface="メイリオ"/>
+                <a:cs typeface="メイリオ"/>
+              </a:rPr>
+              <a:t> </a:t>
+            </a:r>
+            <a:r>
+              <a:rPr lang="ja-JP" altLang="en-US" sz="1400" dirty="0" smtClean="0">
+                <a:latin typeface="メイリオ"/>
+                <a:ea typeface="メイリオ"/>
+                <a:cs typeface="メイリオ"/>
+              </a:rPr>
+              <a:t>件を表示</a:t>
+            </a:r>
+            <a:endParaRPr kumimoji="1" lang="ja-JP" altLang="en-US" sz="1400" dirty="0">
+              <a:latin typeface="メイリオ"/>
+              <a:ea typeface="メイリオ"/>
+              <a:cs typeface="メイリオ"/>
+            </a:endParaRPr>
+          </a:p>
+        </p:txBody>
+      </p:sp>
+      <p:sp>
+        <p:nvSpPr>
+          <p:cNvPr id="22" name="二等辺三角形 21"/>
+          <p:cNvSpPr/>
+          <p:nvPr/>
+        </p:nvSpPr>
+        <p:spPr>
+          <a:xfrm rot="16200000">
+            <a:off x="3596344" y="1684770"/>
+            <a:ext cx="180000" cy="180000"/>
+          </a:xfrm>
+          <a:prstGeom prst="triangle">
+            <a:avLst/>
+          </a:prstGeom>
+          <a:solidFill>
+            <a:srgbClr val="F75D31"/>
+          </a:solidFill>
+          <a:ln>
+            <a:noFill/>
+          </a:ln>
+          <a:effectLst/>
+        </p:spPr>
+        <p:style>
+          <a:lnRef idx="1">
+            <a:schemeClr val="accent1"/>
+          </a:lnRef>
+          <a:fillRef idx="3">
+            <a:schemeClr val="accent1"/>
+          </a:fillRef>
+          <a:effectRef idx="2">
+            <a:schemeClr val="accent1"/>
+          </a:effectRef>
+          <a:fontRef idx="minor">
+            <a:schemeClr val="lt1"/>
+          </a:fontRef>
+        </p:style>
+        <p:txBody>
+          <a:bodyPr rtlCol="0" anchor="ctr"/>
+          <a:lstStyle/>
+          <a:p>
+            <a:pPr algn="ctr"/>
+            <a:endParaRPr kumimoji="1" lang="ja-JP" altLang="en-US"/>
+          </a:p>
+        </p:txBody>
+      </p:sp>
+      <p:sp>
+        <p:nvSpPr>
+          <p:cNvPr id="23" name="二等辺三角形 22"/>
+          <p:cNvSpPr/>
+          <p:nvPr/>
+        </p:nvSpPr>
+        <p:spPr>
+          <a:xfrm rot="16200000">
+            <a:off x="3693379" y="1684140"/>
+            <a:ext cx="180000" cy="180000"/>
+          </a:xfrm>
+          <a:prstGeom prst="triangle">
+            <a:avLst/>
+          </a:prstGeom>
+          <a:solidFill>
+            <a:srgbClr val="F75D31"/>
+          </a:solidFill>
+          <a:ln>
+            <a:noFill/>
+          </a:ln>
+          <a:effectLst/>
+        </p:spPr>
+        <p:style>
+          <a:lnRef idx="1">
+            <a:schemeClr val="accent1"/>
+          </a:lnRef>
+          <a:fillRef idx="3">
+            <a:schemeClr val="accent1"/>
+          </a:fillRef>
+          <a:effectRef idx="2">
+            <a:schemeClr val="accent1"/>
+          </a:effectRef>
+          <a:fontRef idx="minor">
+            <a:schemeClr val="lt1"/>
+          </a:fontRef>
+        </p:style>
+        <p:txBody>
+          <a:bodyPr rtlCol="0" anchor="ctr"/>
+          <a:lstStyle/>
+          <a:p>
+            <a:pPr algn="ctr"/>
+            <a:endParaRPr kumimoji="1" lang="ja-JP" altLang="en-US"/>
+          </a:p>
+        </p:txBody>
+      </p:sp>
+      <p:sp>
+        <p:nvSpPr>
+          <p:cNvPr id="24" name="二等辺三角形 23"/>
+          <p:cNvSpPr/>
+          <p:nvPr/>
+        </p:nvSpPr>
+        <p:spPr>
+          <a:xfrm rot="5400000">
+            <a:off x="5764549" y="1684479"/>
+            <a:ext cx="179370" cy="181212"/>
+          </a:xfrm>
+          <a:prstGeom prst="triangle">
+            <a:avLst/>
+          </a:prstGeom>
+          <a:solidFill>
+            <a:srgbClr val="F75D31"/>
+          </a:solidFill>
+          <a:ln>
+            <a:noFill/>
+          </a:ln>
+          <a:effectLst/>
+        </p:spPr>
+        <p:style>
+          <a:lnRef idx="1">
+            <a:schemeClr val="accent1"/>
+          </a:lnRef>
+          <a:fillRef idx="3">
+            <a:schemeClr val="accent1"/>
+          </a:fillRef>
+          <a:effectRef idx="2">
+            <a:schemeClr val="accent1"/>
+          </a:effectRef>
+          <a:fontRef idx="minor">
+            <a:schemeClr val="lt1"/>
+          </a:fontRef>
+        </p:style>
+        <p:txBody>
+          <a:bodyPr rtlCol="0" anchor="ctr"/>
+          <a:lstStyle/>
+          <a:p>
+            <a:pPr algn="ctr"/>
+            <a:endParaRPr kumimoji="1" lang="ja-JP" altLang="en-US"/>
+          </a:p>
+        </p:txBody>
+      </p:sp>
+      <p:sp>
+        <p:nvSpPr>
+          <p:cNvPr id="25" name="二等辺三角形 24"/>
+          <p:cNvSpPr/>
+          <p:nvPr/>
+        </p:nvSpPr>
+        <p:spPr>
+          <a:xfrm rot="5400000">
+            <a:off x="5673943" y="1684479"/>
+            <a:ext cx="179370" cy="181212"/>
+          </a:xfrm>
+          <a:prstGeom prst="triangle">
+            <a:avLst/>
+          </a:prstGeom>
+          <a:solidFill>
+            <a:srgbClr val="F75D31"/>
+          </a:solidFill>
+          <a:ln>
+            <a:noFill/>
+          </a:ln>
+          <a:effectLst/>
+        </p:spPr>
+        <p:style>
+          <a:lnRef idx="1">
+            <a:schemeClr val="accent1"/>
+          </a:lnRef>
+          <a:fillRef idx="3">
+            <a:schemeClr val="accent1"/>
+          </a:fillRef>
+          <a:effectRef idx="2">
+            <a:schemeClr val="accent1"/>
+          </a:effectRef>
+          <a:fontRef idx="minor">
+            <a:schemeClr val="lt1"/>
+          </a:fontRef>
+        </p:style>
+        <p:txBody>
+          <a:bodyPr rtlCol="0" anchor="ctr"/>
+          <a:lstStyle/>
+          <a:p>
+            <a:pPr algn="ctr"/>
+            <a:endParaRPr kumimoji="1" lang="ja-JP" altLang="en-US"/>
+          </a:p>
+        </p:txBody>
+      </p:sp>
+      <p:sp>
+        <p:nvSpPr>
+          <p:cNvPr id="28" name="角丸四角形 27"/>
+          <p:cNvSpPr/>
+          <p:nvPr/>
+        </p:nvSpPr>
+        <p:spPr>
+          <a:xfrm>
+            <a:off x="1469168" y="1187601"/>
+            <a:ext cx="562830" cy="165946"/>
+          </a:xfrm>
+          <a:prstGeom prst="roundRect">
+            <a:avLst/>
+          </a:prstGeom>
           <a:noFill/>
           <a:ln w="25400">
             <a:solidFill>
@@ -7409,10 +8017,41 @@
           <a:lstStyle/>
           <a:p>
             <a:pPr algn="ctr"/>
-            <a:endParaRPr kumimoji="1" lang="ja-JP" altLang="en-US" sz="2800" dirty="0">
-              <a:solidFill>
-                <a:schemeClr val="tx1"/>
-              </a:solidFill>
+            <a:endParaRPr kumimoji="1" lang="ja-JP" altLang="en-US"/>
+          </a:p>
+        </p:txBody>
+      </p:sp>
+      <p:sp>
+        <p:nvSpPr>
+          <p:cNvPr id="29" name="テキスト ボックス 28"/>
+          <p:cNvSpPr txBox="1"/>
+          <p:nvPr/>
+        </p:nvSpPr>
+        <p:spPr>
+          <a:xfrm>
+            <a:off x="890993" y="1114621"/>
+            <a:ext cx="646331" cy="276999"/>
+          </a:xfrm>
+          <a:prstGeom prst="rect">
+            <a:avLst/>
+          </a:prstGeom>
+          <a:noFill/>
+        </p:spPr>
+        <p:txBody>
+          <a:bodyPr wrap="none" rtlCol="0">
+            <a:spAutoFit/>
+          </a:bodyPr>
+          <a:lstStyle/>
+          <a:p>
+            <a:r>
+              <a:rPr kumimoji="1" lang="ja-JP" altLang="en-US" sz="1200" dirty="0" smtClean="0">
+                <a:latin typeface="メイリオ"/>
+                <a:ea typeface="メイリオ"/>
+                <a:cs typeface="メイリオ"/>
+              </a:rPr>
+              <a:t>日付：</a:t>
+            </a:r>
+            <a:endParaRPr kumimoji="1" lang="ja-JP" altLang="en-US" sz="1200" dirty="0">
               <a:latin typeface="メイリオ"/>
               <a:ea typeface="メイリオ"/>
               <a:cs typeface="メイリオ"/>
@@ -7422,13 +8061,13 @@
       </p:sp>
       <p:sp>
         <p:nvSpPr>
-          <p:cNvPr id="54" name="角丸四角形 53"/>
+          <p:cNvPr id="30" name="角丸四角形 29"/>
           <p:cNvSpPr/>
           <p:nvPr/>
         </p:nvSpPr>
         <p:spPr>
           <a:xfrm>
-            <a:off x="1569818" y="1188941"/>
+            <a:off x="2646774" y="1187601"/>
             <a:ext cx="797002" cy="165946"/>
           </a:xfrm>
           <a:prstGeom prst="roundRect">
@@ -7467,14 +8106,14 @@
       </p:sp>
       <p:sp>
         <p:nvSpPr>
-          <p:cNvPr id="55" name="テキスト ボックス 54"/>
+          <p:cNvPr id="31" name="テキスト ボックス 30"/>
           <p:cNvSpPr txBox="1"/>
           <p:nvPr/>
         </p:nvSpPr>
         <p:spPr>
           <a:xfrm>
-            <a:off x="923931" y="1108244"/>
-            <a:ext cx="723275" cy="307777"/>
+            <a:off x="2046815" y="1111063"/>
+            <a:ext cx="646331" cy="276999"/>
           </a:xfrm>
           <a:prstGeom prst="rect">
             <a:avLst/>
@@ -7488,14 +8127,22 @@
           <a:lstStyle/>
           <a:p>
             <a:r>
-              <a:rPr kumimoji="1" lang="ja-JP" altLang="en-US" sz="1400" dirty="0" smtClean="0">
+              <a:rPr lang="ja-JP" altLang="en-US" sz="1200" dirty="0" smtClean="0">
                 <a:latin typeface="メイリオ"/>
                 <a:ea typeface="メイリオ"/>
                 <a:cs typeface="メイリオ"/>
               </a:rPr>
-              <a:t>日付：</a:t>
-            </a:r>
-            <a:endParaRPr kumimoji="1" lang="ja-JP" altLang="en-US" sz="1400" dirty="0">
+              <a:t>内容</a:t>
+            </a:r>
+            <a:r>
+              <a:rPr kumimoji="1" lang="ja-JP" altLang="en-US" sz="1200" dirty="0" smtClean="0">
+                <a:latin typeface="メイリオ"/>
+                <a:ea typeface="メイリオ"/>
+                <a:cs typeface="メイリオ"/>
+              </a:rPr>
+              <a:t>：</a:t>
+            </a:r>
+            <a:endParaRPr kumimoji="1" lang="ja-JP" altLang="en-US" sz="1200" dirty="0">
               <a:latin typeface="メイリオ"/>
               <a:ea typeface="メイリオ"/>
               <a:cs typeface="メイリオ"/>
@@ -7505,14 +8152,14 @@
       </p:sp>
       <p:sp>
         <p:nvSpPr>
-          <p:cNvPr id="56" name="角丸四角形 55"/>
+          <p:cNvPr id="32" name="角丸四角形 31"/>
           <p:cNvSpPr/>
           <p:nvPr/>
         </p:nvSpPr>
         <p:spPr>
           <a:xfrm>
-            <a:off x="3139341" y="1188941"/>
-            <a:ext cx="797002" cy="165946"/>
+            <a:off x="4369749" y="1187601"/>
+            <a:ext cx="560480" cy="165946"/>
           </a:xfrm>
           <a:prstGeom prst="roundRect">
             <a:avLst/>
@@ -7550,14 +8197,14 @@
       </p:sp>
       <p:sp>
         <p:nvSpPr>
-          <p:cNvPr id="57" name="テキスト ボックス 56"/>
+          <p:cNvPr id="33" name="テキスト ボックス 32"/>
           <p:cNvSpPr txBox="1"/>
           <p:nvPr/>
         </p:nvSpPr>
         <p:spPr>
           <a:xfrm>
-            <a:off x="2493454" y="1108244"/>
-            <a:ext cx="723275" cy="307777"/>
+            <a:off x="3461822" y="1118689"/>
+            <a:ext cx="954107" cy="276999"/>
           </a:xfrm>
           <a:prstGeom prst="rect">
             <a:avLst/>
@@ -7571,22 +8218,22 @@
           <a:lstStyle/>
           <a:p>
             <a:r>
-              <a:rPr lang="ja-JP" altLang="en-US" sz="1400" dirty="0" smtClean="0">
+              <a:rPr lang="ja-JP" altLang="en-US" sz="1200" dirty="0" smtClean="0">
                 <a:latin typeface="メイリオ"/>
                 <a:ea typeface="メイリオ"/>
                 <a:cs typeface="メイリオ"/>
               </a:rPr>
-              <a:t>内容</a:t>
-            </a:r>
-            <a:r>
-              <a:rPr kumimoji="1" lang="ja-JP" altLang="en-US" sz="1400" dirty="0" smtClean="0">
+              <a:t>カテゴリ</a:t>
+            </a:r>
+            <a:r>
+              <a:rPr kumimoji="1" lang="ja-JP" altLang="en-US" sz="1200" dirty="0" smtClean="0">
                 <a:latin typeface="メイリオ"/>
                 <a:ea typeface="メイリオ"/>
                 <a:cs typeface="メイリオ"/>
               </a:rPr>
               <a:t>：</a:t>
             </a:r>
-            <a:endParaRPr kumimoji="1" lang="ja-JP" altLang="en-US" sz="1400" dirty="0">
+            <a:endParaRPr kumimoji="1" lang="ja-JP" altLang="en-US" sz="1200" dirty="0">
               <a:latin typeface="メイリオ"/>
               <a:ea typeface="メイリオ"/>
               <a:cs typeface="メイリオ"/>
@@ -7596,14 +8243,14 @@
       </p:sp>
       <p:sp>
         <p:nvSpPr>
-          <p:cNvPr id="58" name="角丸四角形 57"/>
+          <p:cNvPr id="34" name="角丸四角形 33"/>
           <p:cNvSpPr/>
           <p:nvPr/>
         </p:nvSpPr>
         <p:spPr>
           <a:xfrm>
-            <a:off x="5057232" y="1188941"/>
-            <a:ext cx="797002" cy="165946"/>
+            <a:off x="5569022" y="1187601"/>
+            <a:ext cx="561630" cy="165946"/>
           </a:xfrm>
           <a:prstGeom prst="roundRect">
             <a:avLst/>
@@ -7641,14 +8288,14 @@
       </p:sp>
       <p:sp>
         <p:nvSpPr>
-          <p:cNvPr id="59" name="テキスト ボックス 58"/>
+          <p:cNvPr id="35" name="テキスト ボックス 34"/>
           <p:cNvSpPr txBox="1"/>
           <p:nvPr/>
         </p:nvSpPr>
         <p:spPr>
           <a:xfrm>
-            <a:off x="4041905" y="1108244"/>
-            <a:ext cx="1082348" cy="307777"/>
+            <a:off x="4957326" y="1128924"/>
+            <a:ext cx="646331" cy="276999"/>
           </a:xfrm>
           <a:prstGeom prst="rect">
             <a:avLst/>
@@ -7662,22 +8309,22 @@
           <a:lstStyle/>
           <a:p>
             <a:r>
-              <a:rPr lang="ja-JP" altLang="en-US" sz="1400" dirty="0" smtClean="0">
+              <a:rPr lang="ja-JP" altLang="en-US" sz="1200" dirty="0" smtClean="0">
                 <a:latin typeface="メイリオ"/>
                 <a:ea typeface="メイリオ"/>
                 <a:cs typeface="メイリオ"/>
               </a:rPr>
-              <a:t>カテゴリ</a:t>
-            </a:r>
-            <a:r>
-              <a:rPr kumimoji="1" lang="ja-JP" altLang="en-US" sz="1400" dirty="0" smtClean="0">
+              <a:t>金額</a:t>
+            </a:r>
+            <a:r>
+              <a:rPr kumimoji="1" lang="ja-JP" altLang="en-US" sz="1200" dirty="0" smtClean="0">
                 <a:latin typeface="メイリオ"/>
                 <a:ea typeface="メイリオ"/>
                 <a:cs typeface="メイリオ"/>
               </a:rPr>
               <a:t>：</a:t>
             </a:r>
-            <a:endParaRPr kumimoji="1" lang="ja-JP" altLang="en-US" sz="1400" dirty="0">
+            <a:endParaRPr kumimoji="1" lang="ja-JP" altLang="en-US" sz="1200" dirty="0">
               <a:latin typeface="メイリオ"/>
               <a:ea typeface="メイリオ"/>
               <a:cs typeface="メイリオ"/>
@@ -7687,104 +8334,13 @@
       </p:sp>
       <p:sp>
         <p:nvSpPr>
-          <p:cNvPr id="60" name="角丸四角形 59"/>
+          <p:cNvPr id="36" name="角丸四角形 35"/>
           <p:cNvSpPr/>
           <p:nvPr/>
         </p:nvSpPr>
         <p:spPr>
           <a:xfrm>
-            <a:off x="6582196" y="1187842"/>
-            <a:ext cx="797002" cy="165946"/>
-          </a:xfrm>
-          <a:prstGeom prst="roundRect">
-            <a:avLst/>
-          </a:prstGeom>
-          <a:noFill/>
-          <a:ln w="25400">
-            <a:solidFill>
-              <a:schemeClr val="tx1"/>
-            </a:solidFill>
-          </a:ln>
-          <a:effectLst/>
-        </p:spPr>
-        <p:style>
-          <a:lnRef idx="1">
-            <a:schemeClr val="accent1"/>
-          </a:lnRef>
-          <a:fillRef idx="3">
-            <a:schemeClr val="accent1"/>
-          </a:fillRef>
-          <a:effectRef idx="2">
-            <a:schemeClr val="accent1"/>
-          </a:effectRef>
-          <a:fontRef idx="minor">
-            <a:schemeClr val="lt1"/>
-          </a:fontRef>
-        </p:style>
-        <p:txBody>
-          <a:bodyPr rtlCol="0" anchor="ctr"/>
-          <a:lstStyle/>
-          <a:p>
-            <a:pPr algn="ctr"/>
-            <a:endParaRPr kumimoji="1" lang="ja-JP" altLang="en-US"/>
-          </a:p>
-        </p:txBody>
-      </p:sp>
-      <p:sp>
-        <p:nvSpPr>
-          <p:cNvPr id="61" name="テキスト ボックス 60"/>
-          <p:cNvSpPr txBox="1"/>
-          <p:nvPr/>
-        </p:nvSpPr>
-        <p:spPr>
-          <a:xfrm>
-            <a:off x="5936309" y="1107145"/>
-            <a:ext cx="723275" cy="307777"/>
-          </a:xfrm>
-          <a:prstGeom prst="rect">
-            <a:avLst/>
-          </a:prstGeom>
-          <a:noFill/>
-        </p:spPr>
-        <p:txBody>
-          <a:bodyPr wrap="none" rtlCol="0">
-            <a:spAutoFit/>
-          </a:bodyPr>
-          <a:lstStyle/>
-          <a:p>
-            <a:r>
-              <a:rPr lang="ja-JP" altLang="en-US" sz="1400" dirty="0" smtClean="0">
-                <a:latin typeface="メイリオ"/>
-                <a:ea typeface="メイリオ"/>
-                <a:cs typeface="メイリオ"/>
-              </a:rPr>
-              <a:t>金額</a:t>
-            </a:r>
-            <a:r>
-              <a:rPr kumimoji="1" lang="ja-JP" altLang="en-US" sz="1400" dirty="0" smtClean="0">
-                <a:latin typeface="メイリオ"/>
-                <a:ea typeface="メイリオ"/>
-                <a:cs typeface="メイリオ"/>
-              </a:rPr>
-              <a:t>：</a:t>
-            </a:r>
-            <a:endParaRPr kumimoji="1" lang="ja-JP" altLang="en-US" sz="1400" dirty="0">
-              <a:latin typeface="メイリオ"/>
-              <a:ea typeface="メイリオ"/>
-              <a:cs typeface="メイリオ"/>
-            </a:endParaRPr>
-          </a:p>
-        </p:txBody>
-      </p:sp>
-      <p:sp>
-        <p:nvSpPr>
-          <p:cNvPr id="62" name="角丸四角形 61"/>
-          <p:cNvSpPr/>
-          <p:nvPr/>
-        </p:nvSpPr>
-        <p:spPr>
-          <a:xfrm>
-            <a:off x="7623593" y="1118689"/>
+            <a:off x="6515245" y="1118689"/>
             <a:ext cx="550589" cy="299213"/>
           </a:xfrm>
           <a:prstGeom prst="roundRect">
@@ -7839,9 +8395,72 @@
           </a:p>
         </p:txBody>
       </p:sp>
+      <p:sp>
+        <p:nvSpPr>
+          <p:cNvPr id="37" name="角丸四角形 36"/>
+          <p:cNvSpPr/>
+          <p:nvPr/>
+        </p:nvSpPr>
+        <p:spPr>
+          <a:xfrm>
+            <a:off x="7239002" y="1121482"/>
+            <a:ext cx="864625" cy="299213"/>
+          </a:xfrm>
+          <a:prstGeom prst="roundRect">
+            <a:avLst/>
+          </a:prstGeom>
+          <a:noFill/>
+          <a:ln w="25400">
+            <a:solidFill>
+              <a:schemeClr val="tx1"/>
+            </a:solidFill>
+          </a:ln>
+          <a:effectLst/>
+        </p:spPr>
+        <p:style>
+          <a:lnRef idx="1">
+            <a:schemeClr val="accent1"/>
+          </a:lnRef>
+          <a:fillRef idx="3">
+            <a:schemeClr val="accent1"/>
+          </a:fillRef>
+          <a:effectRef idx="2">
+            <a:schemeClr val="accent1"/>
+          </a:effectRef>
+          <a:fontRef idx="minor">
+            <a:schemeClr val="lt1"/>
+          </a:fontRef>
+        </p:style>
+        <p:txBody>
+          <a:bodyPr rtlCol="0" anchor="ctr"/>
+          <a:lstStyle/>
+          <a:p>
+            <a:pPr algn="ctr"/>
+            <a:r>
+              <a:rPr lang="en-US" altLang="en-US" sz="1200" dirty="0" smtClean="0">
+                <a:solidFill>
+                  <a:schemeClr val="tx1"/>
+                </a:solidFill>
+                <a:latin typeface="メイリオ"/>
+                <a:ea typeface="メイリオ"/>
+                <a:cs typeface="メイリオ"/>
+              </a:rPr>
+              <a:t>リセット</a:t>
+            </a:r>
+            <a:endParaRPr kumimoji="1" lang="ja-JP" altLang="en-US" sz="1200" dirty="0">
+              <a:solidFill>
+                <a:schemeClr val="tx1"/>
+              </a:solidFill>
+              <a:latin typeface="メイリオ"/>
+              <a:ea typeface="メイリオ"/>
+              <a:cs typeface="メイリオ"/>
+            </a:endParaRPr>
+          </a:p>
+        </p:txBody>
+      </p:sp>
       <p:cxnSp>
         <p:nvCxnSpPr>
-          <p:cNvPr id="63" name="直線コネクタ 62"/>
+          <p:cNvPr id="38" name="直線コネクタ 37"/>
           <p:cNvCxnSpPr/>
           <p:nvPr/>
         </p:nvCxnSpPr>
@@ -7877,690 +8496,349 @@
           </a:fontRef>
         </p:style>
       </p:cxnSp>
-      <p:sp>
-        <p:nvSpPr>
-          <p:cNvPr id="64" name="テキスト ボックス 63"/>
-          <p:cNvSpPr txBox="1"/>
+      <p:grpSp>
+        <p:nvGrpSpPr>
+          <p:cNvPr id="6" name="図形グループ 5"/>
+          <p:cNvGrpSpPr/>
           <p:nvPr/>
-        </p:nvSpPr>
-        <p:spPr>
+        </p:nvGrpSpPr>
+        <p:grpSpPr>
           <a:xfrm>
-            <a:off x="4124211" y="1630084"/>
-            <a:ext cx="296175" cy="307777"/>
+            <a:off x="1834387" y="1685648"/>
+            <a:ext cx="5525476" cy="1981328"/>
+            <a:chOff x="1834387" y="2031998"/>
+            <a:chExt cx="5525476" cy="1981328"/>
           </a:xfrm>
-          <a:prstGeom prst="rect">
-            <a:avLst/>
-          </a:prstGeom>
-          <a:noFill/>
-        </p:spPr>
-        <p:txBody>
-          <a:bodyPr wrap="none" rtlCol="0">
-            <a:spAutoFit/>
-          </a:bodyPr>
-          <a:lstStyle/>
-          <a:p>
-            <a:r>
-              <a:rPr lang="en-US" altLang="ja-JP" sz="1400" dirty="0">
-                <a:latin typeface="メイリオ"/>
-                <a:ea typeface="メイリオ"/>
-                <a:cs typeface="メイリオ"/>
-              </a:rPr>
-              <a:t>1</a:t>
-            </a:r>
-            <a:endParaRPr kumimoji="1" lang="ja-JP" altLang="en-US" sz="1400" dirty="0">
-              <a:latin typeface="メイリオ"/>
-              <a:ea typeface="メイリオ"/>
-              <a:cs typeface="メイリオ"/>
-            </a:endParaRPr>
-          </a:p>
-        </p:txBody>
-      </p:sp>
-      <p:sp>
-        <p:nvSpPr>
-          <p:cNvPr id="65" name="テキスト ボックス 64"/>
-          <p:cNvSpPr txBox="1"/>
-          <p:nvPr/>
-        </p:nvSpPr>
-        <p:spPr>
-          <a:xfrm>
-            <a:off x="4356158" y="1632399"/>
-            <a:ext cx="296175" cy="307777"/>
-          </a:xfrm>
-          <a:prstGeom prst="rect">
-            <a:avLst/>
-          </a:prstGeom>
-          <a:noFill/>
-        </p:spPr>
-        <p:txBody>
-          <a:bodyPr wrap="none" rtlCol="0">
-            <a:spAutoFit/>
-          </a:bodyPr>
-          <a:lstStyle/>
-          <a:p>
-            <a:r>
-              <a:rPr lang="en-US" altLang="ja-JP" sz="1400" dirty="0" smtClean="0">
-                <a:latin typeface="メイリオ"/>
-                <a:ea typeface="メイリオ"/>
-                <a:cs typeface="メイリオ"/>
-              </a:rPr>
-              <a:t>2</a:t>
-            </a:r>
-            <a:endParaRPr kumimoji="1" lang="ja-JP" altLang="en-US" sz="1400" dirty="0">
-              <a:latin typeface="メイリオ"/>
-              <a:ea typeface="メイリオ"/>
-              <a:cs typeface="メイリオ"/>
-            </a:endParaRPr>
-          </a:p>
-        </p:txBody>
-      </p:sp>
-      <p:sp>
-        <p:nvSpPr>
-          <p:cNvPr id="66" name="テキスト ボックス 65"/>
-          <p:cNvSpPr txBox="1"/>
-          <p:nvPr/>
-        </p:nvSpPr>
-        <p:spPr>
-          <a:xfrm>
-            <a:off x="4597125" y="1632399"/>
-            <a:ext cx="494734" cy="307777"/>
-          </a:xfrm>
-          <a:prstGeom prst="rect">
-            <a:avLst/>
-          </a:prstGeom>
-          <a:noFill/>
-        </p:spPr>
-        <p:txBody>
-          <a:bodyPr wrap="none" rtlCol="0">
-            <a:spAutoFit/>
-          </a:bodyPr>
-          <a:lstStyle/>
-          <a:p>
-            <a:r>
-              <a:rPr lang="en-US" altLang="ja-JP" sz="1400" dirty="0" smtClean="0">
-                <a:latin typeface="メイリオ"/>
-                <a:ea typeface="メイリオ"/>
-                <a:cs typeface="メイリオ"/>
-              </a:rPr>
-              <a:t>. . .</a:t>
-            </a:r>
-            <a:endParaRPr kumimoji="1" lang="ja-JP" altLang="en-US" sz="1400" dirty="0">
-              <a:latin typeface="メイリオ"/>
-              <a:ea typeface="メイリオ"/>
-              <a:cs typeface="メイリオ"/>
-            </a:endParaRPr>
-          </a:p>
-        </p:txBody>
-      </p:sp>
-      <p:sp>
-        <p:nvSpPr>
-          <p:cNvPr id="67" name="二等辺三角形 66"/>
-          <p:cNvSpPr/>
-          <p:nvPr/>
-        </p:nvSpPr>
-        <p:spPr>
-          <a:xfrm rot="5400000">
-            <a:off x="5439130" y="1683849"/>
-            <a:ext cx="179370" cy="181212"/>
-          </a:xfrm>
-          <a:prstGeom prst="triangle">
-            <a:avLst/>
-          </a:prstGeom>
-          <a:solidFill>
-            <a:srgbClr val="F75D31"/>
-          </a:solidFill>
-          <a:ln>
-            <a:noFill/>
-          </a:ln>
-          <a:effectLst/>
-        </p:spPr>
-        <p:style>
-          <a:lnRef idx="1">
-            <a:schemeClr val="accent1"/>
-          </a:lnRef>
-          <a:fillRef idx="3">
-            <a:schemeClr val="accent1"/>
-          </a:fillRef>
-          <a:effectRef idx="2">
-            <a:schemeClr val="accent1"/>
-          </a:effectRef>
-          <a:fontRef idx="minor">
-            <a:schemeClr val="lt1"/>
-          </a:fontRef>
-        </p:style>
-        <p:txBody>
-          <a:bodyPr rtlCol="0" anchor="ctr"/>
-          <a:lstStyle/>
-          <a:p>
-            <a:pPr algn="ctr"/>
-            <a:endParaRPr kumimoji="1" lang="ja-JP" altLang="en-US"/>
-          </a:p>
-        </p:txBody>
-      </p:sp>
-      <p:sp>
-        <p:nvSpPr>
-          <p:cNvPr id="68" name="二等辺三角形 67"/>
-          <p:cNvSpPr/>
-          <p:nvPr/>
-        </p:nvSpPr>
-        <p:spPr>
-          <a:xfrm rot="16200000">
-            <a:off x="3923520" y="1684770"/>
-            <a:ext cx="180000" cy="180000"/>
-          </a:xfrm>
-          <a:prstGeom prst="triangle">
-            <a:avLst/>
-          </a:prstGeom>
-          <a:solidFill>
-            <a:srgbClr val="F75D31"/>
-          </a:solidFill>
-          <a:ln>
-            <a:noFill/>
-          </a:ln>
-          <a:effectLst/>
-        </p:spPr>
-        <p:style>
-          <a:lnRef idx="1">
-            <a:schemeClr val="accent1"/>
-          </a:lnRef>
-          <a:fillRef idx="3">
-            <a:schemeClr val="accent1"/>
-          </a:fillRef>
-          <a:effectRef idx="2">
-            <a:schemeClr val="accent1"/>
-          </a:effectRef>
-          <a:fontRef idx="minor">
-            <a:schemeClr val="lt1"/>
-          </a:fontRef>
-        </p:style>
-        <p:txBody>
-          <a:bodyPr rtlCol="0" anchor="ctr"/>
-          <a:lstStyle/>
-          <a:p>
-            <a:pPr algn="ctr"/>
-            <a:endParaRPr kumimoji="1" lang="ja-JP" altLang="en-US"/>
-          </a:p>
-        </p:txBody>
-      </p:sp>
-      <p:sp>
-        <p:nvSpPr>
-          <p:cNvPr id="69" name="テキスト ボックス 68"/>
-          <p:cNvSpPr txBox="1"/>
-          <p:nvPr/>
-        </p:nvSpPr>
-        <p:spPr>
-          <a:xfrm>
-            <a:off x="5013885" y="1632399"/>
-            <a:ext cx="407684" cy="307777"/>
-          </a:xfrm>
-          <a:prstGeom prst="rect">
-            <a:avLst/>
-          </a:prstGeom>
-          <a:noFill/>
-        </p:spPr>
-        <p:txBody>
-          <a:bodyPr wrap="none" rtlCol="0">
-            <a:spAutoFit/>
-          </a:bodyPr>
-          <a:lstStyle/>
-          <a:p>
-            <a:r>
-              <a:rPr lang="en-US" altLang="ja-JP" sz="1400" dirty="0" smtClean="0">
-                <a:latin typeface="メイリオ"/>
-                <a:ea typeface="メイリオ"/>
-                <a:cs typeface="メイリオ"/>
-              </a:rPr>
-              <a:t>20</a:t>
-            </a:r>
-            <a:endParaRPr kumimoji="1" lang="ja-JP" altLang="en-US" sz="1400" dirty="0">
-              <a:latin typeface="メイリオ"/>
-              <a:ea typeface="メイリオ"/>
-              <a:cs typeface="メイリオ"/>
-            </a:endParaRPr>
-          </a:p>
-        </p:txBody>
-      </p:sp>
-      <p:sp>
-        <p:nvSpPr>
-          <p:cNvPr id="21" name="テキスト ボックス 20"/>
-          <p:cNvSpPr txBox="1"/>
-          <p:nvPr/>
-        </p:nvSpPr>
-        <p:spPr>
-          <a:xfrm>
-            <a:off x="993905" y="1630084"/>
-            <a:ext cx="2623046" cy="307777"/>
-          </a:xfrm>
-          <a:prstGeom prst="rect">
-            <a:avLst/>
-          </a:prstGeom>
-          <a:noFill/>
-        </p:spPr>
-        <p:txBody>
-          <a:bodyPr wrap="none" rtlCol="0">
-            <a:spAutoFit/>
-          </a:bodyPr>
-          <a:lstStyle/>
-          <a:p>
-            <a:r>
-              <a:rPr lang="en-US" altLang="ja-JP" sz="1400" dirty="0" smtClean="0">
-                <a:latin typeface="メイリオ"/>
-                <a:ea typeface="メイリオ"/>
-                <a:cs typeface="メイリオ"/>
-              </a:rPr>
-              <a:t>xxx </a:t>
-            </a:r>
-            <a:r>
-              <a:rPr lang="ja-JP" altLang="en-US" sz="1400" dirty="0" smtClean="0">
-                <a:latin typeface="メイリオ"/>
-                <a:ea typeface="メイリオ"/>
-                <a:cs typeface="メイリオ"/>
-              </a:rPr>
-              <a:t>件中</a:t>
-            </a:r>
-            <a:r>
-              <a:rPr lang="en-US" altLang="ja-JP" sz="1400" dirty="0" smtClean="0">
-                <a:latin typeface="メイリオ"/>
-                <a:ea typeface="メイリオ"/>
-                <a:cs typeface="メイリオ"/>
-              </a:rPr>
-              <a:t> </a:t>
-            </a:r>
-            <a:r>
-              <a:rPr lang="en-US" altLang="ja-JP" sz="1400" dirty="0" err="1" smtClean="0">
-                <a:latin typeface="メイリオ"/>
-                <a:ea typeface="メイリオ"/>
-                <a:cs typeface="メイリオ"/>
-              </a:rPr>
-              <a:t>yyy</a:t>
-            </a:r>
-            <a:r>
-              <a:rPr lang="en-US" altLang="ja-JP" sz="1400" dirty="0" smtClean="0">
-                <a:latin typeface="メイリオ"/>
-                <a:ea typeface="メイリオ"/>
-                <a:cs typeface="メイリオ"/>
-              </a:rPr>
-              <a:t> 〜 </a:t>
-            </a:r>
-            <a:r>
-              <a:rPr lang="en-US" altLang="ja-JP" sz="1400" dirty="0" err="1" smtClean="0">
-                <a:latin typeface="メイリオ"/>
-                <a:ea typeface="メイリオ"/>
-                <a:cs typeface="メイリオ"/>
-              </a:rPr>
-              <a:t>zzz</a:t>
-            </a:r>
-            <a:r>
-              <a:rPr lang="en-US" altLang="ja-JP" sz="1400" dirty="0" smtClean="0">
-                <a:latin typeface="メイリオ"/>
-                <a:ea typeface="メイリオ"/>
-                <a:cs typeface="メイリオ"/>
-              </a:rPr>
-              <a:t> </a:t>
-            </a:r>
-            <a:r>
-              <a:rPr lang="ja-JP" altLang="en-US" sz="1400" dirty="0" smtClean="0">
-                <a:latin typeface="メイリオ"/>
-                <a:ea typeface="メイリオ"/>
-                <a:cs typeface="メイリオ"/>
-              </a:rPr>
-              <a:t>件を表示</a:t>
-            </a:r>
-            <a:endParaRPr kumimoji="1" lang="ja-JP" altLang="en-US" sz="1400" dirty="0">
-              <a:latin typeface="メイリオ"/>
-              <a:ea typeface="メイリオ"/>
-              <a:cs typeface="メイリオ"/>
-            </a:endParaRPr>
-          </a:p>
-        </p:txBody>
-      </p:sp>
-      <p:sp>
-        <p:nvSpPr>
-          <p:cNvPr id="22" name="二等辺三角形 21"/>
-          <p:cNvSpPr/>
-          <p:nvPr/>
-        </p:nvSpPr>
-        <p:spPr>
-          <a:xfrm rot="16200000">
-            <a:off x="3596344" y="1684770"/>
-            <a:ext cx="180000" cy="180000"/>
-          </a:xfrm>
-          <a:prstGeom prst="triangle">
-            <a:avLst/>
-          </a:prstGeom>
-          <a:solidFill>
-            <a:srgbClr val="F75D31"/>
-          </a:solidFill>
-          <a:ln>
-            <a:noFill/>
-          </a:ln>
-          <a:effectLst/>
-        </p:spPr>
-        <p:style>
-          <a:lnRef idx="1">
-            <a:schemeClr val="accent1"/>
-          </a:lnRef>
-          <a:fillRef idx="3">
-            <a:schemeClr val="accent1"/>
-          </a:fillRef>
-          <a:effectRef idx="2">
-            <a:schemeClr val="accent1"/>
-          </a:effectRef>
-          <a:fontRef idx="minor">
-            <a:schemeClr val="lt1"/>
-          </a:fontRef>
-        </p:style>
-        <p:txBody>
-          <a:bodyPr rtlCol="0" anchor="ctr"/>
-          <a:lstStyle/>
-          <a:p>
-            <a:pPr algn="ctr"/>
-            <a:endParaRPr kumimoji="1" lang="ja-JP" altLang="en-US"/>
-          </a:p>
-        </p:txBody>
-      </p:sp>
-      <p:sp>
-        <p:nvSpPr>
-          <p:cNvPr id="23" name="二等辺三角形 22"/>
-          <p:cNvSpPr/>
-          <p:nvPr/>
-        </p:nvSpPr>
-        <p:spPr>
-          <a:xfrm rot="16200000">
-            <a:off x="3693379" y="1684140"/>
-            <a:ext cx="180000" cy="180000"/>
-          </a:xfrm>
-          <a:prstGeom prst="triangle">
-            <a:avLst/>
-          </a:prstGeom>
-          <a:solidFill>
-            <a:srgbClr val="F75D31"/>
-          </a:solidFill>
-          <a:ln>
-            <a:noFill/>
-          </a:ln>
-          <a:effectLst/>
-        </p:spPr>
-        <p:style>
-          <a:lnRef idx="1">
-            <a:schemeClr val="accent1"/>
-          </a:lnRef>
-          <a:fillRef idx="3">
-            <a:schemeClr val="accent1"/>
-          </a:fillRef>
-          <a:effectRef idx="2">
-            <a:schemeClr val="accent1"/>
-          </a:effectRef>
-          <a:fontRef idx="minor">
-            <a:schemeClr val="lt1"/>
-          </a:fontRef>
-        </p:style>
-        <p:txBody>
-          <a:bodyPr rtlCol="0" anchor="ctr"/>
-          <a:lstStyle/>
-          <a:p>
-            <a:pPr algn="ctr"/>
-            <a:endParaRPr kumimoji="1" lang="ja-JP" altLang="en-US"/>
-          </a:p>
-        </p:txBody>
-      </p:sp>
-      <p:sp>
-        <p:nvSpPr>
-          <p:cNvPr id="24" name="二等辺三角形 23"/>
-          <p:cNvSpPr/>
-          <p:nvPr/>
-        </p:nvSpPr>
-        <p:spPr>
-          <a:xfrm rot="5400000">
-            <a:off x="5764549" y="1684479"/>
-            <a:ext cx="179370" cy="181212"/>
-          </a:xfrm>
-          <a:prstGeom prst="triangle">
-            <a:avLst/>
-          </a:prstGeom>
-          <a:solidFill>
-            <a:srgbClr val="F75D31"/>
-          </a:solidFill>
-          <a:ln>
-            <a:noFill/>
-          </a:ln>
-          <a:effectLst/>
-        </p:spPr>
-        <p:style>
-          <a:lnRef idx="1">
-            <a:schemeClr val="accent1"/>
-          </a:lnRef>
-          <a:fillRef idx="3">
-            <a:schemeClr val="accent1"/>
-          </a:fillRef>
-          <a:effectRef idx="2">
-            <a:schemeClr val="accent1"/>
-          </a:effectRef>
-          <a:fontRef idx="minor">
-            <a:schemeClr val="lt1"/>
-          </a:fontRef>
-        </p:style>
-        <p:txBody>
-          <a:bodyPr rtlCol="0" anchor="ctr"/>
-          <a:lstStyle/>
-          <a:p>
-            <a:pPr algn="ctr"/>
-            <a:endParaRPr kumimoji="1" lang="ja-JP" altLang="en-US"/>
-          </a:p>
-        </p:txBody>
-      </p:sp>
-      <p:sp>
-        <p:nvSpPr>
-          <p:cNvPr id="25" name="二等辺三角形 24"/>
-          <p:cNvSpPr/>
-          <p:nvPr/>
-        </p:nvSpPr>
-        <p:spPr>
-          <a:xfrm rot="5400000">
-            <a:off x="5673943" y="1684479"/>
-            <a:ext cx="179370" cy="181212"/>
-          </a:xfrm>
-          <a:prstGeom prst="triangle">
-            <a:avLst/>
-          </a:prstGeom>
-          <a:solidFill>
-            <a:srgbClr val="F75D31"/>
-          </a:solidFill>
-          <a:ln>
-            <a:noFill/>
-          </a:ln>
-          <a:effectLst/>
-        </p:spPr>
-        <p:style>
-          <a:lnRef idx="1">
-            <a:schemeClr val="accent1"/>
-          </a:lnRef>
-          <a:fillRef idx="3">
-            <a:schemeClr val="accent1"/>
-          </a:fillRef>
-          <a:effectRef idx="2">
-            <a:schemeClr val="accent1"/>
-          </a:effectRef>
-          <a:fontRef idx="minor">
-            <a:schemeClr val="lt1"/>
-          </a:fontRef>
-        </p:style>
-        <p:txBody>
-          <a:bodyPr rtlCol="0" anchor="ctr"/>
-          <a:lstStyle/>
-          <a:p>
-            <a:pPr algn="ctr"/>
-            <a:endParaRPr kumimoji="1" lang="ja-JP" altLang="en-US"/>
-          </a:p>
-        </p:txBody>
-      </p:sp>
-      <p:sp>
-        <p:nvSpPr>
-          <p:cNvPr id="26" name="角丸四角形 25"/>
-          <p:cNvSpPr/>
-          <p:nvPr/>
-        </p:nvSpPr>
-        <p:spPr>
-          <a:xfrm>
-            <a:off x="2120718" y="1794677"/>
-            <a:ext cx="4910463" cy="676047"/>
-          </a:xfrm>
-          <a:prstGeom prst="roundRect">
-            <a:avLst/>
-          </a:prstGeom>
-          <a:solidFill>
-            <a:schemeClr val="accent2">
-              <a:lumMod val="40000"/>
-              <a:lumOff val="60000"/>
-            </a:schemeClr>
-          </a:solidFill>
-          <a:ln w="25400">
+        </p:grpSpPr>
+        <p:sp>
+          <p:nvSpPr>
+            <p:cNvPr id="2" name="角丸四角形 1"/>
+            <p:cNvSpPr/>
+            <p:nvPr/>
+          </p:nvSpPr>
+          <p:spPr>
+            <a:xfrm>
+              <a:off x="1834387" y="2031998"/>
+              <a:ext cx="5525476" cy="1981328"/>
+            </a:xfrm>
+            <a:prstGeom prst="roundRect">
+              <a:avLst/>
+            </a:prstGeom>
             <a:solidFill>
-              <a:schemeClr val="accent2"/>
+              <a:schemeClr val="bg1"/>
             </a:solidFill>
-          </a:ln>
-          <a:effectLst/>
-        </p:spPr>
-        <p:style>
-          <a:lnRef idx="1">
-            <a:schemeClr val="accent1"/>
-          </a:lnRef>
-          <a:fillRef idx="3">
-            <a:schemeClr val="accent1"/>
-          </a:fillRef>
-          <a:effectRef idx="2">
-            <a:schemeClr val="accent1"/>
-          </a:effectRef>
-          <a:fontRef idx="minor">
-            <a:schemeClr val="lt1"/>
-          </a:fontRef>
-        </p:style>
-        <p:txBody>
-          <a:bodyPr rtlCol="0" anchor="ctr"/>
-          <a:lstStyle/>
-          <a:p>
-            <a:r>
-              <a:rPr kumimoji="1" lang="ja-JP" altLang="en-US" dirty="0" smtClean="0">
+            <a:ln>
+              <a:solidFill>
+                <a:schemeClr val="tx1"/>
+              </a:solidFill>
+            </a:ln>
+          </p:spPr>
+          <p:style>
+            <a:lnRef idx="1">
+              <a:schemeClr val="accent1"/>
+            </a:lnRef>
+            <a:fillRef idx="3">
+              <a:schemeClr val="accent1"/>
+            </a:fillRef>
+            <a:effectRef idx="2">
+              <a:schemeClr val="accent1"/>
+            </a:effectRef>
+            <a:fontRef idx="minor">
+              <a:schemeClr val="lt1"/>
+            </a:fontRef>
+          </p:style>
+          <p:txBody>
+            <a:bodyPr rtlCol="0" anchor="ctr"/>
+            <a:lstStyle/>
+            <a:p>
+              <a:pPr algn="ctr"/>
+              <a:endParaRPr kumimoji="1" lang="ja-JP" altLang="en-US"/>
+            </a:p>
+          </p:txBody>
+        </p:sp>
+        <p:sp>
+          <p:nvSpPr>
+            <p:cNvPr id="26" name="角丸四角形 25"/>
+            <p:cNvSpPr/>
+            <p:nvPr/>
+          </p:nvSpPr>
+          <p:spPr>
+            <a:xfrm>
+              <a:off x="2120718" y="2660552"/>
+              <a:ext cx="4910463" cy="676047"/>
+            </a:xfrm>
+            <a:prstGeom prst="roundRect">
+              <a:avLst/>
+            </a:prstGeom>
+            <a:solidFill>
+              <a:schemeClr val="accent2">
+                <a:lumMod val="40000"/>
+                <a:lumOff val="60000"/>
+              </a:schemeClr>
+            </a:solidFill>
+            <a:ln w="25400">
+              <a:solidFill>
+                <a:schemeClr val="accent2"/>
+              </a:solidFill>
+            </a:ln>
+            <a:effectLst/>
+          </p:spPr>
+          <p:style>
+            <a:lnRef idx="1">
+              <a:schemeClr val="accent1"/>
+            </a:lnRef>
+            <a:fillRef idx="3">
+              <a:schemeClr val="accent1"/>
+            </a:fillRef>
+            <a:effectRef idx="2">
+              <a:schemeClr val="accent1"/>
+            </a:effectRef>
+            <a:fontRef idx="minor">
+              <a:schemeClr val="lt1"/>
+            </a:fontRef>
+          </p:style>
+          <p:txBody>
+            <a:bodyPr rtlCol="0" anchor="ctr"/>
+            <a:lstStyle/>
+            <a:p>
+              <a:r>
+                <a:rPr kumimoji="1" lang="ja-JP" altLang="en-US" dirty="0" smtClean="0">
+                  <a:solidFill>
+                    <a:schemeClr val="tx1"/>
+                  </a:solidFill>
+                  <a:latin typeface="メイリオ"/>
+                  <a:ea typeface="メイリオ"/>
+                  <a:cs typeface="メイリオ"/>
+                </a:rPr>
+                <a:t>　日付</a:t>
+              </a:r>
+              <a:r>
+                <a:rPr kumimoji="1" lang="en-US" altLang="ja-JP" dirty="0" smtClean="0">
+                  <a:solidFill>
+                    <a:schemeClr val="tx1"/>
+                  </a:solidFill>
+                  <a:latin typeface="メイリオ"/>
+                  <a:ea typeface="メイリオ"/>
+                  <a:cs typeface="メイリオ"/>
+                </a:rPr>
+                <a:t>,</a:t>
+              </a:r>
+              <a:r>
+                <a:rPr lang="ja-JP" altLang="en-US" dirty="0" smtClean="0">
+                  <a:solidFill>
+                    <a:schemeClr val="tx1"/>
+                  </a:solidFill>
+                  <a:latin typeface="メイリオ"/>
+                  <a:ea typeface="メイリオ"/>
+                  <a:cs typeface="メイリオ"/>
+                </a:rPr>
+                <a:t>金額</a:t>
+              </a:r>
+              <a:r>
+                <a:rPr kumimoji="1" lang="ja-JP" altLang="en-US" dirty="0" smtClean="0">
+                  <a:solidFill>
+                    <a:schemeClr val="tx1"/>
+                  </a:solidFill>
+                  <a:latin typeface="メイリオ"/>
+                  <a:ea typeface="メイリオ"/>
+                  <a:cs typeface="メイリオ"/>
+                </a:rPr>
+                <a:t>が不正です</a:t>
+              </a:r>
+              <a:endParaRPr kumimoji="1" lang="ja-JP" altLang="en-US" dirty="0">
                 <a:solidFill>
                   <a:schemeClr val="tx1"/>
                 </a:solidFill>
                 <a:latin typeface="メイリオ"/>
                 <a:ea typeface="メイリオ"/>
                 <a:cs typeface="メイリオ"/>
-              </a:rPr>
-              <a:t>　日付</a:t>
-            </a:r>
-            <a:r>
-              <a:rPr kumimoji="1" lang="en-US" altLang="ja-JP" dirty="0" smtClean="0">
+              </a:endParaRPr>
+            </a:p>
+          </p:txBody>
+        </p:sp>
+        <p:sp>
+          <p:nvSpPr>
+            <p:cNvPr id="27" name="角丸四角形 26"/>
+            <p:cNvSpPr/>
+            <p:nvPr/>
+          </p:nvSpPr>
+          <p:spPr>
+            <a:xfrm>
+              <a:off x="6239950" y="3613694"/>
+              <a:ext cx="550589" cy="299213"/>
+            </a:xfrm>
+            <a:prstGeom prst="roundRect">
+              <a:avLst/>
+            </a:prstGeom>
+            <a:solidFill>
+              <a:schemeClr val="accent1">
+                <a:lumMod val="40000"/>
+                <a:lumOff val="60000"/>
+              </a:schemeClr>
+            </a:solidFill>
+            <a:ln w="25400">
+              <a:solidFill>
+                <a:schemeClr val="accent1"/>
+              </a:solidFill>
+            </a:ln>
+            <a:effectLst/>
+          </p:spPr>
+          <p:style>
+            <a:lnRef idx="1">
+              <a:schemeClr val="accent1"/>
+            </a:lnRef>
+            <a:fillRef idx="3">
+              <a:schemeClr val="accent1"/>
+            </a:fillRef>
+            <a:effectRef idx="2">
+              <a:schemeClr val="accent1"/>
+            </a:effectRef>
+            <a:fontRef idx="minor">
+              <a:schemeClr val="lt1"/>
+            </a:fontRef>
+          </p:style>
+          <p:txBody>
+            <a:bodyPr rtlCol="0" anchor="ctr"/>
+            <a:lstStyle/>
+            <a:p>
+              <a:pPr algn="ctr"/>
+              <a:r>
+                <a:rPr lang="en-US" altLang="ja-JP" sz="1200" dirty="0" smtClean="0">
+                  <a:solidFill>
+                    <a:schemeClr val="tx1"/>
+                  </a:solidFill>
+                  <a:latin typeface="メイリオ"/>
+                  <a:ea typeface="メイリオ"/>
+                  <a:cs typeface="メイリオ"/>
+                </a:rPr>
+                <a:t>OK</a:t>
+              </a:r>
+              <a:endParaRPr kumimoji="1" lang="ja-JP" altLang="en-US" sz="1200" dirty="0">
                 <a:solidFill>
                   <a:schemeClr val="tx1"/>
                 </a:solidFill>
                 <a:latin typeface="メイリオ"/>
                 <a:ea typeface="メイリオ"/>
                 <a:cs typeface="メイリオ"/>
-              </a:rPr>
-              <a:t>,</a:t>
-            </a:r>
-            <a:r>
-              <a:rPr lang="ja-JP" altLang="en-US" dirty="0" smtClean="0">
-                <a:solidFill>
-                  <a:schemeClr val="tx1"/>
-                </a:solidFill>
+              </a:endParaRPr>
+            </a:p>
+          </p:txBody>
+        </p:sp>
+        <p:cxnSp>
+          <p:nvCxnSpPr>
+            <p:cNvPr id="40" name="直線コネクタ 39"/>
+            <p:cNvCxnSpPr/>
+            <p:nvPr/>
+          </p:nvCxnSpPr>
+          <p:spPr>
+            <a:xfrm>
+              <a:off x="1844210" y="2496127"/>
+              <a:ext cx="5515653" cy="0"/>
+            </a:xfrm>
+            <a:prstGeom prst="line">
+              <a:avLst/>
+            </a:prstGeom>
+            <a:ln>
+              <a:solidFill>
+                <a:schemeClr val="bg1">
+                  <a:lumMod val="65000"/>
+                </a:schemeClr>
+              </a:solidFill>
+            </a:ln>
+            <a:effectLst/>
+          </p:spPr>
+          <p:style>
+            <a:lnRef idx="2">
+              <a:schemeClr val="accent1"/>
+            </a:lnRef>
+            <a:fillRef idx="0">
+              <a:schemeClr val="accent1"/>
+            </a:fillRef>
+            <a:effectRef idx="1">
+              <a:schemeClr val="accent1"/>
+            </a:effectRef>
+            <a:fontRef idx="minor">
+              <a:schemeClr val="tx1"/>
+            </a:fontRef>
+          </p:style>
+        </p:cxnSp>
+        <p:cxnSp>
+          <p:nvCxnSpPr>
+            <p:cNvPr id="43" name="直線コネクタ 42"/>
+            <p:cNvCxnSpPr/>
+            <p:nvPr/>
+          </p:nvCxnSpPr>
+          <p:spPr>
+            <a:xfrm>
+              <a:off x="1834387" y="3514407"/>
+              <a:ext cx="5515653" cy="0"/>
+            </a:xfrm>
+            <a:prstGeom prst="line">
+              <a:avLst/>
+            </a:prstGeom>
+            <a:ln>
+              <a:solidFill>
+                <a:schemeClr val="bg1">
+                  <a:lumMod val="65000"/>
+                </a:schemeClr>
+              </a:solidFill>
+            </a:ln>
+            <a:effectLst/>
+          </p:spPr>
+          <p:style>
+            <a:lnRef idx="2">
+              <a:schemeClr val="accent1"/>
+            </a:lnRef>
+            <a:fillRef idx="0">
+              <a:schemeClr val="accent1"/>
+            </a:fillRef>
+            <a:effectRef idx="1">
+              <a:schemeClr val="accent1"/>
+            </a:effectRef>
+            <a:fontRef idx="minor">
+              <a:schemeClr val="tx1"/>
+            </a:fontRef>
+          </p:style>
+        </p:cxnSp>
+        <p:sp>
+          <p:nvSpPr>
+            <p:cNvPr id="44" name="テキスト ボックス 43"/>
+            <p:cNvSpPr txBox="1"/>
+            <p:nvPr/>
+          </p:nvSpPr>
+          <p:spPr>
+            <a:xfrm>
+              <a:off x="2058312" y="2119080"/>
+              <a:ext cx="723275" cy="307777"/>
+            </a:xfrm>
+            <a:prstGeom prst="rect">
+              <a:avLst/>
+            </a:prstGeom>
+            <a:noFill/>
+          </p:spPr>
+          <p:txBody>
+            <a:bodyPr wrap="none" rtlCol="0">
+              <a:spAutoFit/>
+            </a:bodyPr>
+            <a:lstStyle/>
+            <a:p>
+              <a:r>
+                <a:rPr lang="ja-JP" altLang="en-US" sz="1400" dirty="0" smtClean="0">
+                  <a:latin typeface="メイリオ"/>
+                  <a:ea typeface="メイリオ"/>
+                  <a:cs typeface="メイリオ"/>
+                </a:rPr>
+                <a:t>エラー</a:t>
+              </a:r>
+              <a:endParaRPr kumimoji="1" lang="ja-JP" altLang="en-US" sz="1400" dirty="0">
                 <a:latin typeface="メイリオ"/>
                 <a:ea typeface="メイリオ"/>
                 <a:cs typeface="メイリオ"/>
-              </a:rPr>
-              <a:t>金額</a:t>
-            </a:r>
-            <a:r>
-              <a:rPr kumimoji="1" lang="ja-JP" altLang="en-US" dirty="0" smtClean="0">
-                <a:solidFill>
-                  <a:schemeClr val="tx1"/>
-                </a:solidFill>
-                <a:latin typeface="メイリオ"/>
-                <a:ea typeface="メイリオ"/>
-                <a:cs typeface="メイリオ"/>
-              </a:rPr>
-              <a:t>が不正です</a:t>
-            </a:r>
-            <a:endParaRPr kumimoji="1" lang="ja-JP" altLang="en-US" dirty="0">
-              <a:solidFill>
-                <a:schemeClr val="tx1"/>
-              </a:solidFill>
-              <a:latin typeface="メイリオ"/>
-              <a:ea typeface="メイリオ"/>
-              <a:cs typeface="メイリオ"/>
-            </a:endParaRPr>
-          </a:p>
-        </p:txBody>
-      </p:sp>
-      <p:sp>
-        <p:nvSpPr>
-          <p:cNvPr id="27" name="角丸四角形 26"/>
-          <p:cNvSpPr/>
-          <p:nvPr/>
-        </p:nvSpPr>
-        <p:spPr>
-          <a:xfrm>
-            <a:off x="6245749" y="1974273"/>
-            <a:ext cx="550589" cy="299213"/>
-          </a:xfrm>
-          <a:prstGeom prst="roundRect">
-            <a:avLst/>
-          </a:prstGeom>
-          <a:solidFill>
-            <a:schemeClr val="accent1">
-              <a:lumMod val="40000"/>
-              <a:lumOff val="60000"/>
-            </a:schemeClr>
-          </a:solidFill>
-          <a:ln w="25400">
-            <a:solidFill>
-              <a:schemeClr val="accent1"/>
-            </a:solidFill>
-          </a:ln>
-          <a:effectLst/>
-        </p:spPr>
-        <p:style>
-          <a:lnRef idx="1">
-            <a:schemeClr val="accent1"/>
-          </a:lnRef>
-          <a:fillRef idx="3">
-            <a:schemeClr val="accent1"/>
-          </a:fillRef>
-          <a:effectRef idx="2">
-            <a:schemeClr val="accent1"/>
-          </a:effectRef>
-          <a:fontRef idx="minor">
-            <a:schemeClr val="lt1"/>
-          </a:fontRef>
-        </p:style>
-        <p:txBody>
-          <a:bodyPr rtlCol="0" anchor="ctr"/>
-          <a:lstStyle/>
-          <a:p>
-            <a:pPr algn="ctr"/>
-            <a:r>
-              <a:rPr lang="en-US" altLang="ja-JP" sz="1200" dirty="0" smtClean="0">
-                <a:solidFill>
-                  <a:schemeClr val="tx1"/>
-                </a:solidFill>
-                <a:latin typeface="メイリオ"/>
-                <a:ea typeface="メイリオ"/>
-                <a:cs typeface="メイリオ"/>
-              </a:rPr>
-              <a:t>OK</a:t>
-            </a:r>
-            <a:endParaRPr kumimoji="1" lang="ja-JP" altLang="en-US" sz="1200" dirty="0">
-              <a:solidFill>
-                <a:schemeClr val="tx1"/>
-              </a:solidFill>
-              <a:latin typeface="メイリオ"/>
-              <a:ea typeface="メイリオ"/>
-              <a:cs typeface="メイリオ"/>
-            </a:endParaRPr>
-          </a:p>
-        </p:txBody>
-      </p:sp>
+              </a:endParaRPr>
+            </a:p>
+          </p:txBody>
+        </p:sp>
+      </p:grpSp>
     </p:spTree>
     <p:extLst>
       <p:ext uri="{BB962C8B-B14F-4D97-AF65-F5344CB8AC3E}">

--- a/bin/algieba.pptx
+++ b/bin/algieba.pptx
@@ -4177,15 +4177,7 @@
             </a:r>
             <a:r>
               <a:rPr lang="en-US" altLang="ja-JP" sz="2800" dirty="0" smtClean="0"/>
-              <a:t>2016/12/</a:t>
-            </a:r>
-            <a:r>
-              <a:rPr lang="en-US" altLang="ja-JP" sz="2800" dirty="0" smtClean="0"/>
-              <a:t>15</a:t>
-            </a:r>
-            <a:r>
-              <a:rPr lang="en-US" altLang="ja-JP" sz="2800" dirty="0" smtClean="0"/>
-              <a:t/>
+              <a:t>2016/12/15</a:t>
             </a:r>
             <a:br>
               <a:rPr lang="en-US" altLang="ja-JP" sz="2800" dirty="0" smtClean="0"/>
@@ -5168,7 +5160,7 @@
           <p:nvPr>
             <p:extLst>
               <p:ext uri="{D42A27DB-BD31-4B8C-83A1-F6EECF244321}">
-                <p14:modId xmlns:p14="http://schemas.microsoft.com/office/powerpoint/2010/main" val="1991780575"/>
+                <p14:modId xmlns:p14="http://schemas.microsoft.com/office/powerpoint/2010/main" val="961343904"/>
               </p:ext>
             </p:extLst>
           </p:nvPr>
@@ -6868,7 +6860,7 @@
           <p:nvPr>
             <p:extLst>
               <p:ext uri="{D42A27DB-BD31-4B8C-83A1-F6EECF244321}">
-                <p14:modId xmlns:p14="http://schemas.microsoft.com/office/powerpoint/2010/main" val="2334421552"/>
+                <p14:modId xmlns:p14="http://schemas.microsoft.com/office/powerpoint/2010/main" val="3861043357"/>
               </p:ext>
             </p:extLst>
           </p:nvPr>

--- a/bin/algieba.pptx
+++ b/bin/algieba.pptx
@@ -5,13 +5,14 @@
     <p:sldMasterId id="2147483648" r:id="rId1"/>
   </p:sldMasterIdLst>
   <p:notesMasterIdLst>
-    <p:notesMasterId r:id="rId6"/>
+    <p:notesMasterId r:id="rId7"/>
   </p:notesMasterIdLst>
   <p:sldIdLst>
     <p:sldId id="256" r:id="rId2"/>
     <p:sldId id="263" r:id="rId3"/>
     <p:sldId id="266" r:id="rId4"/>
     <p:sldId id="265" r:id="rId5"/>
+    <p:sldId id="267" r:id="rId6"/>
   </p:sldIdLst>
   <p:sldSz cx="9144000" cy="6858000" type="screen4x3"/>
   <p:notesSz cx="6858000" cy="9144000"/>
@@ -195,7 +196,7 @@
           <a:p>
             <a:fld id="{EE82FEE5-269B-9B49-A8C4-823C45BE6055}" type="datetimeFigureOut">
               <a:rPr kumimoji="1" lang="ja-JP" altLang="en-US" smtClean="0"/>
-              <a:t>16/11/04</a:t>
+              <a:t>16/12/15</a:t>
             </a:fld>
             <a:endParaRPr kumimoji="1" lang="ja-JP" altLang="en-US"/>
           </a:p>
@@ -747,6 +748,90 @@
 </p:notes>
 </file>
 
+<file path=ppt/notesSlides/notesSlide4.xml><?xml version="1.0" encoding="utf-8"?>
+<p:notes xmlns:a="http://schemas.openxmlformats.org/drawingml/2006/main" xmlns:r="http://schemas.openxmlformats.org/officeDocument/2006/relationships" xmlns:p="http://schemas.openxmlformats.org/presentationml/2006/main">
+  <p:cSld>
+    <p:spTree>
+      <p:nvGrpSpPr>
+        <p:cNvPr id="1" name=""/>
+        <p:cNvGrpSpPr/>
+        <p:nvPr/>
+      </p:nvGrpSpPr>
+      <p:grpSpPr>
+        <a:xfrm>
+          <a:off x="0" y="0"/>
+          <a:ext cx="0" cy="0"/>
+          <a:chOff x="0" y="0"/>
+          <a:chExt cx="0" cy="0"/>
+        </a:xfrm>
+      </p:grpSpPr>
+      <p:sp>
+        <p:nvSpPr>
+          <p:cNvPr id="2" name="スライド イメージ プレースホルダー 1"/>
+          <p:cNvSpPr>
+            <a:spLocks noGrp="1" noRot="1" noChangeAspect="1"/>
+          </p:cNvSpPr>
+          <p:nvPr>
+            <p:ph type="sldImg"/>
+          </p:nvPr>
+        </p:nvSpPr>
+        <p:spPr/>
+      </p:sp>
+      <p:sp>
+        <p:nvSpPr>
+          <p:cNvPr id="3" name="ノート プレースホルダー 2"/>
+          <p:cNvSpPr>
+            <a:spLocks noGrp="1"/>
+          </p:cNvSpPr>
+          <p:nvPr>
+            <p:ph type="body" idx="1"/>
+          </p:nvPr>
+        </p:nvSpPr>
+        <p:spPr/>
+        <p:txBody>
+          <a:bodyPr/>
+          <a:lstStyle/>
+          <a:p>
+            <a:endParaRPr kumimoji="1" lang="ja-JP" altLang="en-US" dirty="0"/>
+          </a:p>
+        </p:txBody>
+      </p:sp>
+      <p:sp>
+        <p:nvSpPr>
+          <p:cNvPr id="4" name="スライド番号プレースホルダー 3"/>
+          <p:cNvSpPr>
+            <a:spLocks noGrp="1"/>
+          </p:cNvSpPr>
+          <p:nvPr>
+            <p:ph type="sldNum" sz="quarter" idx="10"/>
+          </p:nvPr>
+        </p:nvSpPr>
+        <p:spPr/>
+        <p:txBody>
+          <a:bodyPr/>
+          <a:lstStyle/>
+          <a:p>
+            <a:fld id="{A9E1B25B-30E5-7A42-A56A-DF1A6F86BC06}" type="slidenum">
+              <a:rPr kumimoji="1" lang="ja-JP" altLang="en-US" smtClean="0"/>
+              <a:t>5</a:t>
+            </a:fld>
+            <a:endParaRPr kumimoji="1" lang="ja-JP" altLang="en-US"/>
+          </a:p>
+        </p:txBody>
+      </p:sp>
+    </p:spTree>
+    <p:extLst>
+      <p:ext uri="{BB962C8B-B14F-4D97-AF65-F5344CB8AC3E}">
+        <p14:creationId xmlns:p14="http://schemas.microsoft.com/office/powerpoint/2010/main" val="3631066132"/>
+      </p:ext>
+    </p:extLst>
+  </p:cSld>
+  <p:clrMapOvr>
+    <a:masterClrMapping/>
+  </p:clrMapOvr>
+</p:notes>
+</file>
+
 <file path=ppt/slideLayouts/slideLayout1.xml><?xml version="1.0" encoding="utf-8"?>
 <p:sldLayout xmlns:a="http://schemas.openxmlformats.org/drawingml/2006/main" xmlns:r="http://schemas.openxmlformats.org/officeDocument/2006/relationships" xmlns:p="http://schemas.openxmlformats.org/presentationml/2006/main" type="title" preserve="1">
   <p:cSld name="タイトル スライド">
@@ -928,7 +1013,7 @@
           <a:p>
             <a:fld id="{3ABA01A1-4899-9944-833D-6A66CDE659CB}" type="datetimeFigureOut">
               <a:rPr kumimoji="1" lang="ja-JP" altLang="en-US" smtClean="0"/>
-              <a:t>16/11/04</a:t>
+              <a:t>16/12/15</a:t>
             </a:fld>
             <a:endParaRPr kumimoji="1" lang="ja-JP" altLang="en-US"/>
           </a:p>
@@ -1130,7 +1215,7 @@
           <a:p>
             <a:fld id="{3ABA01A1-4899-9944-833D-6A66CDE659CB}" type="datetimeFigureOut">
               <a:rPr kumimoji="1" lang="ja-JP" altLang="en-US" smtClean="0"/>
-              <a:t>16/11/04</a:t>
+              <a:t>16/12/15</a:t>
             </a:fld>
             <a:endParaRPr kumimoji="1" lang="ja-JP" altLang="en-US"/>
           </a:p>
@@ -1342,7 +1427,7 @@
           <a:p>
             <a:fld id="{3ABA01A1-4899-9944-833D-6A66CDE659CB}" type="datetimeFigureOut">
               <a:rPr kumimoji="1" lang="ja-JP" altLang="en-US" smtClean="0"/>
-              <a:t>16/11/04</a:t>
+              <a:t>16/12/15</a:t>
             </a:fld>
             <a:endParaRPr kumimoji="1" lang="ja-JP" altLang="en-US"/>
           </a:p>
@@ -1544,7 +1629,7 @@
           <a:p>
             <a:fld id="{3ABA01A1-4899-9944-833D-6A66CDE659CB}" type="datetimeFigureOut">
               <a:rPr kumimoji="1" lang="ja-JP" altLang="en-US" smtClean="0"/>
-              <a:t>16/11/04</a:t>
+              <a:t>16/12/15</a:t>
             </a:fld>
             <a:endParaRPr kumimoji="1" lang="ja-JP" altLang="en-US"/>
           </a:p>
@@ -1790,7 +1875,7 @@
           <a:p>
             <a:fld id="{3ABA01A1-4899-9944-833D-6A66CDE659CB}" type="datetimeFigureOut">
               <a:rPr kumimoji="1" lang="ja-JP" altLang="en-US" smtClean="0"/>
-              <a:t>16/11/04</a:t>
+              <a:t>16/12/15</a:t>
             </a:fld>
             <a:endParaRPr kumimoji="1" lang="ja-JP" altLang="en-US"/>
           </a:p>
@@ -2142,7 +2227,7 @@
           <a:p>
             <a:fld id="{3ABA01A1-4899-9944-833D-6A66CDE659CB}" type="datetimeFigureOut">
               <a:rPr kumimoji="1" lang="ja-JP" altLang="en-US" smtClean="0"/>
-              <a:t>16/11/04</a:t>
+              <a:t>16/12/15</a:t>
             </a:fld>
             <a:endParaRPr kumimoji="1" lang="ja-JP" altLang="en-US"/>
           </a:p>
@@ -2628,7 +2713,7 @@
           <a:p>
             <a:fld id="{3ABA01A1-4899-9944-833D-6A66CDE659CB}" type="datetimeFigureOut">
               <a:rPr kumimoji="1" lang="ja-JP" altLang="en-US" smtClean="0"/>
-              <a:t>16/11/04</a:t>
+              <a:t>16/12/15</a:t>
             </a:fld>
             <a:endParaRPr kumimoji="1" lang="ja-JP" altLang="en-US"/>
           </a:p>
@@ -2746,7 +2831,7 @@
           <a:p>
             <a:fld id="{3ABA01A1-4899-9944-833D-6A66CDE659CB}" type="datetimeFigureOut">
               <a:rPr kumimoji="1" lang="ja-JP" altLang="en-US" smtClean="0"/>
-              <a:t>16/11/04</a:t>
+              <a:t>16/12/15</a:t>
             </a:fld>
             <a:endParaRPr kumimoji="1" lang="ja-JP" altLang="en-US"/>
           </a:p>
@@ -2841,7 +2926,7 @@
           <a:p>
             <a:fld id="{3ABA01A1-4899-9944-833D-6A66CDE659CB}" type="datetimeFigureOut">
               <a:rPr kumimoji="1" lang="ja-JP" altLang="en-US" smtClean="0"/>
-              <a:t>16/11/04</a:t>
+              <a:t>16/12/15</a:t>
             </a:fld>
             <a:endParaRPr kumimoji="1" lang="ja-JP" altLang="en-US"/>
           </a:p>
@@ -3150,7 +3235,7 @@
           <a:p>
             <a:fld id="{3ABA01A1-4899-9944-833D-6A66CDE659CB}" type="datetimeFigureOut">
               <a:rPr kumimoji="1" lang="ja-JP" altLang="en-US" smtClean="0"/>
-              <a:t>16/11/04</a:t>
+              <a:t>16/12/15</a:t>
             </a:fld>
             <a:endParaRPr kumimoji="1" lang="ja-JP" altLang="en-US"/>
           </a:p>
@@ -3403,7 +3488,7 @@
           <a:p>
             <a:fld id="{3ABA01A1-4899-9944-833D-6A66CDE659CB}" type="datetimeFigureOut">
               <a:rPr kumimoji="1" lang="ja-JP" altLang="en-US" smtClean="0"/>
-              <a:t>16/11/04</a:t>
+              <a:t>16/12/15</a:t>
             </a:fld>
             <a:endParaRPr kumimoji="1" lang="ja-JP" altLang="en-US"/>
           </a:p>
@@ -3648,7 +3733,7 @@
           <a:p>
             <a:fld id="{3ABA01A1-4899-9944-833D-6A66CDE659CB}" type="datetimeFigureOut">
               <a:rPr kumimoji="1" lang="ja-JP" altLang="en-US" smtClean="0"/>
-              <a:t>16/11/04</a:t>
+              <a:t>16/12/15</a:t>
             </a:fld>
             <a:endParaRPr kumimoji="1" lang="ja-JP" altLang="en-US"/>
           </a:p>
@@ -4092,23 +4177,7 @@
             </a:r>
             <a:r>
               <a:rPr lang="en-US" altLang="ja-JP" sz="2800" dirty="0" smtClean="0"/>
-              <a:t>2016</a:t>
-            </a:r>
-            <a:r>
-              <a:rPr lang="en-US" altLang="ja-JP" sz="2800" dirty="0" smtClean="0"/>
-              <a:t>/</a:t>
-            </a:r>
-            <a:r>
-              <a:rPr lang="en-US" altLang="ja-JP" sz="2800" dirty="0" smtClean="0"/>
-              <a:t>11</a:t>
-            </a:r>
-            <a:r>
-              <a:rPr lang="en-US" altLang="ja-JP" sz="2800" dirty="0" smtClean="0"/>
-              <a:t>/04</a:t>
-            </a:r>
-            <a:r>
-              <a:rPr lang="en-US" altLang="ja-JP" sz="2800" dirty="0" smtClean="0"/>
-              <a:t/>
+              <a:t>2016/12/15</a:t>
             </a:r>
             <a:br>
               <a:rPr lang="en-US" altLang="ja-JP" sz="2800" dirty="0" smtClean="0"/>
@@ -4119,11 +4188,7 @@
             </a:r>
             <a:r>
               <a:rPr lang="en-US" altLang="ja-JP" sz="2800" dirty="0" smtClean="0"/>
-              <a:t> </a:t>
-            </a:r>
-            <a:r>
-              <a:rPr lang="en-US" altLang="ja-JP" sz="2800" dirty="0" smtClean="0"/>
-              <a:t>2.2.0</a:t>
+              <a:t> 2.3.0</a:t>
             </a:r>
             <a:endParaRPr kumimoji="1" lang="ja-JP" altLang="en-US" dirty="0"/>
           </a:p>
@@ -4206,7 +4271,7 @@
         <p:spPr>
           <a:xfrm>
             <a:off x="646545" y="969818"/>
-            <a:ext cx="7378943" cy="3416320"/>
+            <a:ext cx="7378943" cy="3693319"/>
           </a:xfrm>
           <a:prstGeom prst="rect">
             <a:avLst/>
@@ -4365,15 +4430,26 @@
                 <a:ea typeface="メイリオ"/>
                 <a:cs typeface="メイリオ"/>
               </a:rPr>
-              <a:t>家計簿</a:t>
-            </a:r>
+              <a:t>家計簿情報を入力後、登録ボタンを押すと家計簿が登録される</a:t>
+            </a:r>
+            <a:endParaRPr lang="en-US" altLang="ja-JP" dirty="0" smtClean="0">
+              <a:latin typeface="メイリオ"/>
+              <a:ea typeface="メイリオ"/>
+              <a:cs typeface="メイリオ"/>
+            </a:endParaRPr>
+          </a:p>
+          <a:p>
+            <a:pPr marL="742950" lvl="1" indent="-285750">
+              <a:buFont typeface="Arial"/>
+              <a:buChar char="•"/>
+            </a:pPr>
             <a:r>
               <a:rPr lang="ja-JP" altLang="en-US" dirty="0" smtClean="0">
                 <a:latin typeface="メイリオ"/>
                 <a:ea typeface="メイリオ"/>
                 <a:cs typeface="メイリオ"/>
               </a:rPr>
-              <a:t>情報を入力後、登録ボタンを押すと家計簿が登録される</a:t>
+              <a:t>家計簿情報が不正な場合、エラーを通知する</a:t>
             </a:r>
             <a:endParaRPr lang="en-US" altLang="ja-JP" dirty="0" smtClean="0">
               <a:latin typeface="メイリオ"/>
@@ -4392,15 +4468,7 @@
                 <a:ea typeface="メイリオ"/>
                 <a:cs typeface="メイリオ"/>
               </a:rPr>
-              <a:t>登録成功時、画面遷移なしで家計簿表の上部に表示</a:t>
-            </a:r>
-            <a:r>
-              <a:rPr lang="ja-JP" altLang="en-US" dirty="0" smtClean="0">
-                <a:latin typeface="メイリオ"/>
-                <a:ea typeface="メイリオ"/>
-                <a:cs typeface="メイリオ"/>
-              </a:rPr>
-              <a:t>される</a:t>
+              <a:t>登録成功時、画面遷移なしで家計簿表の上部に表示される</a:t>
             </a:r>
             <a:endParaRPr lang="en-US" altLang="ja-JP" dirty="0">
               <a:latin typeface="メイリオ"/>
@@ -4541,15 +4609,7 @@
                 <a:ea typeface="メイリオ"/>
                 <a:cs typeface="メイリオ"/>
               </a:rPr>
-              <a:t>認証</a:t>
-            </a:r>
-            <a:r>
-              <a:rPr lang="ja-JP" altLang="en-US" sz="2800" dirty="0" smtClean="0">
-                <a:latin typeface="メイリオ"/>
-                <a:ea typeface="メイリオ"/>
-                <a:cs typeface="メイリオ"/>
-              </a:rPr>
-              <a:t>画面</a:t>
+              <a:t>認証画面</a:t>
             </a:r>
             <a:endParaRPr kumimoji="1" lang="ja-JP" altLang="en-US" sz="2000" dirty="0">
               <a:latin typeface="メイリオ"/>
@@ -5081,15 +5141,7 @@
                 <a:ea typeface="メイリオ"/>
                 <a:cs typeface="メイリオ"/>
               </a:rPr>
-              <a:t>管理</a:t>
-            </a:r>
-            <a:r>
-              <a:rPr lang="ja-JP" altLang="en-US" sz="2800" dirty="0" smtClean="0">
-                <a:latin typeface="メイリオ"/>
-                <a:ea typeface="メイリオ"/>
-                <a:cs typeface="メイリオ"/>
-              </a:rPr>
-              <a:t>画面</a:t>
+              <a:t>管理画面</a:t>
             </a:r>
             <a:endParaRPr kumimoji="1" lang="ja-JP" altLang="en-US" sz="2000" dirty="0">
               <a:latin typeface="メイリオ"/>
@@ -5108,7 +5160,7 @@
           <p:nvPr>
             <p:extLst>
               <p:ext uri="{D42A27DB-BD31-4B8C-83A1-F6EECF244321}">
-                <p14:modId xmlns:p14="http://schemas.microsoft.com/office/powerpoint/2010/main" val="841783986"/>
+                <p14:modId xmlns:p14="http://schemas.microsoft.com/office/powerpoint/2010/main" val="961343904"/>
               </p:ext>
             </p:extLst>
           </p:nvPr>
@@ -5703,7 +5755,90 @@
         </p:nvSpPr>
         <p:spPr>
           <a:xfrm>
-            <a:off x="1569818" y="1188941"/>
+            <a:off x="1469168" y="1187601"/>
+            <a:ext cx="562830" cy="165946"/>
+          </a:xfrm>
+          <a:prstGeom prst="roundRect">
+            <a:avLst/>
+          </a:prstGeom>
+          <a:noFill/>
+          <a:ln w="25400">
+            <a:solidFill>
+              <a:schemeClr val="tx1"/>
+            </a:solidFill>
+          </a:ln>
+          <a:effectLst/>
+        </p:spPr>
+        <p:style>
+          <a:lnRef idx="1">
+            <a:schemeClr val="accent1"/>
+          </a:lnRef>
+          <a:fillRef idx="3">
+            <a:schemeClr val="accent1"/>
+          </a:fillRef>
+          <a:effectRef idx="2">
+            <a:schemeClr val="accent1"/>
+          </a:effectRef>
+          <a:fontRef idx="minor">
+            <a:schemeClr val="lt1"/>
+          </a:fontRef>
+        </p:style>
+        <p:txBody>
+          <a:bodyPr rtlCol="0" anchor="ctr"/>
+          <a:lstStyle/>
+          <a:p>
+            <a:pPr algn="ctr"/>
+            <a:endParaRPr kumimoji="1" lang="ja-JP" altLang="en-US"/>
+          </a:p>
+        </p:txBody>
+      </p:sp>
+      <p:sp>
+        <p:nvSpPr>
+          <p:cNvPr id="55" name="テキスト ボックス 54"/>
+          <p:cNvSpPr txBox="1"/>
+          <p:nvPr/>
+        </p:nvSpPr>
+        <p:spPr>
+          <a:xfrm>
+            <a:off x="890993" y="1114621"/>
+            <a:ext cx="646331" cy="276999"/>
+          </a:xfrm>
+          <a:prstGeom prst="rect">
+            <a:avLst/>
+          </a:prstGeom>
+          <a:noFill/>
+        </p:spPr>
+        <p:txBody>
+          <a:bodyPr wrap="none" rtlCol="0">
+            <a:spAutoFit/>
+          </a:bodyPr>
+          <a:lstStyle/>
+          <a:p>
+            <a:r>
+              <a:rPr kumimoji="1" lang="ja-JP" altLang="en-US" sz="1200" dirty="0" smtClean="0">
+                <a:latin typeface="メイリオ"/>
+                <a:ea typeface="メイリオ"/>
+                <a:cs typeface="メイリオ"/>
+              </a:rPr>
+              <a:t>日付：</a:t>
+            </a:r>
+            <a:endParaRPr kumimoji="1" lang="ja-JP" altLang="en-US" sz="1200" dirty="0">
+              <a:latin typeface="メイリオ"/>
+              <a:ea typeface="メイリオ"/>
+              <a:cs typeface="メイリオ"/>
+            </a:endParaRPr>
+          </a:p>
+        </p:txBody>
+      </p:sp>
+      <p:sp>
+        <p:nvSpPr>
+          <p:cNvPr id="56" name="角丸四角形 55"/>
+          <p:cNvSpPr/>
+          <p:nvPr/>
+        </p:nvSpPr>
+        <p:spPr>
+          <a:xfrm>
+            <a:off x="2646774" y="1187601"/>
             <a:ext cx="797002" cy="165946"/>
           </a:xfrm>
           <a:prstGeom prst="roundRect">
@@ -5742,14 +5877,14 @@
       </p:sp>
       <p:sp>
         <p:nvSpPr>
-          <p:cNvPr id="55" name="テキスト ボックス 54"/>
+          <p:cNvPr id="57" name="テキスト ボックス 56"/>
           <p:cNvSpPr txBox="1"/>
           <p:nvPr/>
         </p:nvSpPr>
         <p:spPr>
           <a:xfrm>
-            <a:off x="923931" y="1108244"/>
-            <a:ext cx="723275" cy="307777"/>
+            <a:off x="2046815" y="1111063"/>
+            <a:ext cx="646331" cy="276999"/>
           </a:xfrm>
           <a:prstGeom prst="rect">
             <a:avLst/>
@@ -5763,14 +5898,22 @@
           <a:lstStyle/>
           <a:p>
             <a:r>
-              <a:rPr kumimoji="1" lang="ja-JP" altLang="en-US" sz="1400" dirty="0" smtClean="0">
+              <a:rPr lang="ja-JP" altLang="en-US" sz="1200" dirty="0" smtClean="0">
                 <a:latin typeface="メイリオ"/>
                 <a:ea typeface="メイリオ"/>
                 <a:cs typeface="メイリオ"/>
               </a:rPr>
-              <a:t>日付：</a:t>
-            </a:r>
-            <a:endParaRPr kumimoji="1" lang="ja-JP" altLang="en-US" sz="1400" dirty="0">
+              <a:t>内容</a:t>
+            </a:r>
+            <a:r>
+              <a:rPr kumimoji="1" lang="ja-JP" altLang="en-US" sz="1200" dirty="0" smtClean="0">
+                <a:latin typeface="メイリオ"/>
+                <a:ea typeface="メイリオ"/>
+                <a:cs typeface="メイリオ"/>
+              </a:rPr>
+              <a:t>：</a:t>
+            </a:r>
+            <a:endParaRPr kumimoji="1" lang="ja-JP" altLang="en-US" sz="1200" dirty="0">
               <a:latin typeface="メイリオ"/>
               <a:ea typeface="メイリオ"/>
               <a:cs typeface="メイリオ"/>
@@ -5780,14 +5923,14 @@
       </p:sp>
       <p:sp>
         <p:nvSpPr>
-          <p:cNvPr id="56" name="角丸四角形 55"/>
+          <p:cNvPr id="58" name="角丸四角形 57"/>
           <p:cNvSpPr/>
           <p:nvPr/>
         </p:nvSpPr>
         <p:spPr>
           <a:xfrm>
-            <a:off x="3139341" y="1188941"/>
-            <a:ext cx="797002" cy="165946"/>
+            <a:off x="4369749" y="1187601"/>
+            <a:ext cx="560480" cy="165946"/>
           </a:xfrm>
           <a:prstGeom prst="roundRect">
             <a:avLst/>
@@ -5825,14 +5968,14 @@
       </p:sp>
       <p:sp>
         <p:nvSpPr>
-          <p:cNvPr id="57" name="テキスト ボックス 56"/>
+          <p:cNvPr id="59" name="テキスト ボックス 58"/>
           <p:cNvSpPr txBox="1"/>
           <p:nvPr/>
         </p:nvSpPr>
         <p:spPr>
           <a:xfrm>
-            <a:off x="2493454" y="1108244"/>
-            <a:ext cx="723275" cy="307777"/>
+            <a:off x="3461822" y="1118689"/>
+            <a:ext cx="954107" cy="276999"/>
           </a:xfrm>
           <a:prstGeom prst="rect">
             <a:avLst/>
@@ -5846,22 +5989,22 @@
           <a:lstStyle/>
           <a:p>
             <a:r>
-              <a:rPr lang="ja-JP" altLang="en-US" sz="1400" dirty="0" smtClean="0">
+              <a:rPr lang="ja-JP" altLang="en-US" sz="1200" dirty="0" smtClean="0">
                 <a:latin typeface="メイリオ"/>
                 <a:ea typeface="メイリオ"/>
                 <a:cs typeface="メイリオ"/>
               </a:rPr>
-              <a:t>内容</a:t>
-            </a:r>
-            <a:r>
-              <a:rPr kumimoji="1" lang="ja-JP" altLang="en-US" sz="1400" dirty="0" smtClean="0">
+              <a:t>カテゴリ</a:t>
+            </a:r>
+            <a:r>
+              <a:rPr kumimoji="1" lang="ja-JP" altLang="en-US" sz="1200" dirty="0" smtClean="0">
                 <a:latin typeface="メイリオ"/>
                 <a:ea typeface="メイリオ"/>
                 <a:cs typeface="メイリオ"/>
               </a:rPr>
               <a:t>：</a:t>
             </a:r>
-            <a:endParaRPr kumimoji="1" lang="ja-JP" altLang="en-US" sz="1400" dirty="0">
+            <a:endParaRPr kumimoji="1" lang="ja-JP" altLang="en-US" sz="1200" dirty="0">
               <a:latin typeface="メイリオ"/>
               <a:ea typeface="メイリオ"/>
               <a:cs typeface="メイリオ"/>
@@ -5871,14 +6014,14 @@
       </p:sp>
       <p:sp>
         <p:nvSpPr>
-          <p:cNvPr id="58" name="角丸四角形 57"/>
+          <p:cNvPr id="60" name="角丸四角形 59"/>
           <p:cNvSpPr/>
           <p:nvPr/>
         </p:nvSpPr>
         <p:spPr>
           <a:xfrm>
-            <a:off x="5057232" y="1188941"/>
-            <a:ext cx="797002" cy="165946"/>
+            <a:off x="5569022" y="1187601"/>
+            <a:ext cx="561630" cy="165946"/>
           </a:xfrm>
           <a:prstGeom prst="roundRect">
             <a:avLst/>
@@ -5916,14 +6059,14 @@
       </p:sp>
       <p:sp>
         <p:nvSpPr>
-          <p:cNvPr id="59" name="テキスト ボックス 58"/>
+          <p:cNvPr id="61" name="テキスト ボックス 60"/>
           <p:cNvSpPr txBox="1"/>
           <p:nvPr/>
         </p:nvSpPr>
         <p:spPr>
           <a:xfrm>
-            <a:off x="4041905" y="1108244"/>
-            <a:ext cx="1082348" cy="307777"/>
+            <a:off x="4957326" y="1128924"/>
+            <a:ext cx="646331" cy="276999"/>
           </a:xfrm>
           <a:prstGeom prst="rect">
             <a:avLst/>
@@ -5937,22 +6080,22 @@
           <a:lstStyle/>
           <a:p>
             <a:r>
-              <a:rPr lang="ja-JP" altLang="en-US" sz="1400" dirty="0" smtClean="0">
+              <a:rPr lang="ja-JP" altLang="en-US" sz="1200" dirty="0" smtClean="0">
                 <a:latin typeface="メイリオ"/>
                 <a:ea typeface="メイリオ"/>
                 <a:cs typeface="メイリオ"/>
               </a:rPr>
-              <a:t>カテゴリ</a:t>
-            </a:r>
-            <a:r>
-              <a:rPr kumimoji="1" lang="ja-JP" altLang="en-US" sz="1400" dirty="0" smtClean="0">
+              <a:t>金額</a:t>
+            </a:r>
+            <a:r>
+              <a:rPr kumimoji="1" lang="ja-JP" altLang="en-US" sz="1200" dirty="0" smtClean="0">
                 <a:latin typeface="メイリオ"/>
                 <a:ea typeface="メイリオ"/>
                 <a:cs typeface="メイリオ"/>
               </a:rPr>
               <a:t>：</a:t>
             </a:r>
-            <a:endParaRPr kumimoji="1" lang="ja-JP" altLang="en-US" sz="1400" dirty="0">
+            <a:endParaRPr kumimoji="1" lang="ja-JP" altLang="en-US" sz="1200" dirty="0">
               <a:latin typeface="メイリオ"/>
               <a:ea typeface="メイリオ"/>
               <a:cs typeface="メイリオ"/>
@@ -5962,104 +6105,13 @@
       </p:sp>
       <p:sp>
         <p:nvSpPr>
-          <p:cNvPr id="60" name="角丸四角形 59"/>
-          <p:cNvSpPr/>
-          <p:nvPr/>
-        </p:nvSpPr>
-        <p:spPr>
-          <a:xfrm>
-            <a:off x="6582196" y="1187842"/>
-            <a:ext cx="797002" cy="165946"/>
-          </a:xfrm>
-          <a:prstGeom prst="roundRect">
-            <a:avLst/>
-          </a:prstGeom>
-          <a:noFill/>
-          <a:ln w="25400">
-            <a:solidFill>
-              <a:schemeClr val="tx1"/>
-            </a:solidFill>
-          </a:ln>
-          <a:effectLst/>
-        </p:spPr>
-        <p:style>
-          <a:lnRef idx="1">
-            <a:schemeClr val="accent1"/>
-          </a:lnRef>
-          <a:fillRef idx="3">
-            <a:schemeClr val="accent1"/>
-          </a:fillRef>
-          <a:effectRef idx="2">
-            <a:schemeClr val="accent1"/>
-          </a:effectRef>
-          <a:fontRef idx="minor">
-            <a:schemeClr val="lt1"/>
-          </a:fontRef>
-        </p:style>
-        <p:txBody>
-          <a:bodyPr rtlCol="0" anchor="ctr"/>
-          <a:lstStyle/>
-          <a:p>
-            <a:pPr algn="ctr"/>
-            <a:endParaRPr kumimoji="1" lang="ja-JP" altLang="en-US"/>
-          </a:p>
-        </p:txBody>
-      </p:sp>
-      <p:sp>
-        <p:nvSpPr>
-          <p:cNvPr id="61" name="テキスト ボックス 60"/>
-          <p:cNvSpPr txBox="1"/>
-          <p:nvPr/>
-        </p:nvSpPr>
-        <p:spPr>
-          <a:xfrm>
-            <a:off x="5936309" y="1107145"/>
-            <a:ext cx="723275" cy="307777"/>
-          </a:xfrm>
-          <a:prstGeom prst="rect">
-            <a:avLst/>
-          </a:prstGeom>
-          <a:noFill/>
-        </p:spPr>
-        <p:txBody>
-          <a:bodyPr wrap="none" rtlCol="0">
-            <a:spAutoFit/>
-          </a:bodyPr>
-          <a:lstStyle/>
-          <a:p>
-            <a:r>
-              <a:rPr lang="ja-JP" altLang="en-US" sz="1400" dirty="0" smtClean="0">
-                <a:latin typeface="メイリオ"/>
-                <a:ea typeface="メイリオ"/>
-                <a:cs typeface="メイリオ"/>
-              </a:rPr>
-              <a:t>金額</a:t>
-            </a:r>
-            <a:r>
-              <a:rPr kumimoji="1" lang="ja-JP" altLang="en-US" sz="1400" dirty="0" smtClean="0">
-                <a:latin typeface="メイリオ"/>
-                <a:ea typeface="メイリオ"/>
-                <a:cs typeface="メイリオ"/>
-              </a:rPr>
-              <a:t>：</a:t>
-            </a:r>
-            <a:endParaRPr kumimoji="1" lang="ja-JP" altLang="en-US" sz="1400" dirty="0">
-              <a:latin typeface="メイリオ"/>
-              <a:ea typeface="メイリオ"/>
-              <a:cs typeface="メイリオ"/>
-            </a:endParaRPr>
-          </a:p>
-        </p:txBody>
-      </p:sp>
-      <p:sp>
-        <p:nvSpPr>
           <p:cNvPr id="62" name="角丸四角形 61"/>
           <p:cNvSpPr/>
           <p:nvPr/>
         </p:nvSpPr>
         <p:spPr>
           <a:xfrm>
-            <a:off x="7623593" y="1118689"/>
+            <a:off x="6515245" y="1118689"/>
             <a:ext cx="550589" cy="299213"/>
           </a:xfrm>
           <a:prstGeom prst="roundRect">
@@ -6160,7 +6212,7 @@
         </p:nvSpPr>
         <p:spPr>
           <a:xfrm>
-            <a:off x="1249506" y="1630084"/>
+            <a:off x="4124211" y="1630084"/>
             <a:ext cx="296175" cy="307777"/>
           </a:xfrm>
           <a:prstGeom prst="rect">
@@ -6198,7 +6250,7 @@
         </p:nvSpPr>
         <p:spPr>
           <a:xfrm>
-            <a:off x="1481453" y="1632399"/>
+            <a:off x="4356158" y="1632399"/>
             <a:ext cx="296175" cy="307777"/>
           </a:xfrm>
           <a:prstGeom prst="rect">
@@ -6236,7 +6288,7 @@
         </p:nvSpPr>
         <p:spPr>
           <a:xfrm>
-            <a:off x="1722420" y="1632399"/>
+            <a:off x="4597125" y="1632399"/>
             <a:ext cx="494734" cy="307777"/>
           </a:xfrm>
           <a:prstGeom prst="rect">
@@ -6274,7 +6326,7 @@
         </p:nvSpPr>
         <p:spPr>
           <a:xfrm rot="5400000">
-            <a:off x="2564425" y="1683849"/>
+            <a:off x="5439130" y="1683849"/>
             <a:ext cx="179370" cy="181212"/>
           </a:xfrm>
           <a:prstGeom prst="triangle">
@@ -6319,7 +6371,7 @@
         </p:nvSpPr>
         <p:spPr>
           <a:xfrm rot="16200000">
-            <a:off x="1048815" y="1684770"/>
+            <a:off x="3923520" y="1684770"/>
             <a:ext cx="180000" cy="180000"/>
           </a:xfrm>
           <a:prstGeom prst="triangle">
@@ -6364,7 +6416,7 @@
         </p:nvSpPr>
         <p:spPr>
           <a:xfrm>
-            <a:off x="2139180" y="1632399"/>
+            <a:off x="5013885" y="1632399"/>
             <a:ext cx="407684" cy="307777"/>
           </a:xfrm>
           <a:prstGeom prst="rect">
@@ -6394,10 +6446,2395 @@
           </a:p>
         </p:txBody>
       </p:sp>
+      <p:sp>
+        <p:nvSpPr>
+          <p:cNvPr id="21" name="テキスト ボックス 20"/>
+          <p:cNvSpPr txBox="1"/>
+          <p:nvPr/>
+        </p:nvSpPr>
+        <p:spPr>
+          <a:xfrm>
+            <a:off x="993905" y="1630084"/>
+            <a:ext cx="2623046" cy="307777"/>
+          </a:xfrm>
+          <a:prstGeom prst="rect">
+            <a:avLst/>
+          </a:prstGeom>
+          <a:noFill/>
+        </p:spPr>
+        <p:txBody>
+          <a:bodyPr wrap="none" rtlCol="0">
+            <a:spAutoFit/>
+          </a:bodyPr>
+          <a:lstStyle/>
+          <a:p>
+            <a:r>
+              <a:rPr lang="en-US" altLang="ja-JP" sz="1400" dirty="0" smtClean="0">
+                <a:latin typeface="メイリオ"/>
+                <a:ea typeface="メイリオ"/>
+                <a:cs typeface="メイリオ"/>
+              </a:rPr>
+              <a:t>xxx </a:t>
+            </a:r>
+            <a:r>
+              <a:rPr lang="ja-JP" altLang="en-US" sz="1400" dirty="0" smtClean="0">
+                <a:latin typeface="メイリオ"/>
+                <a:ea typeface="メイリオ"/>
+                <a:cs typeface="メイリオ"/>
+              </a:rPr>
+              <a:t>件中</a:t>
+            </a:r>
+            <a:r>
+              <a:rPr lang="en-US" altLang="ja-JP" sz="1400" dirty="0" smtClean="0">
+                <a:latin typeface="メイリオ"/>
+                <a:ea typeface="メイリオ"/>
+                <a:cs typeface="メイリオ"/>
+              </a:rPr>
+              <a:t> </a:t>
+            </a:r>
+            <a:r>
+              <a:rPr lang="en-US" altLang="ja-JP" sz="1400" dirty="0" err="1" smtClean="0">
+                <a:latin typeface="メイリオ"/>
+                <a:ea typeface="メイリオ"/>
+                <a:cs typeface="メイリオ"/>
+              </a:rPr>
+              <a:t>yyy</a:t>
+            </a:r>
+            <a:r>
+              <a:rPr lang="en-US" altLang="ja-JP" sz="1400" dirty="0" smtClean="0">
+                <a:latin typeface="メイリオ"/>
+                <a:ea typeface="メイリオ"/>
+                <a:cs typeface="メイリオ"/>
+              </a:rPr>
+              <a:t> 〜 </a:t>
+            </a:r>
+            <a:r>
+              <a:rPr lang="en-US" altLang="ja-JP" sz="1400" dirty="0" err="1" smtClean="0">
+                <a:latin typeface="メイリオ"/>
+                <a:ea typeface="メイリオ"/>
+                <a:cs typeface="メイリオ"/>
+              </a:rPr>
+              <a:t>zzz</a:t>
+            </a:r>
+            <a:r>
+              <a:rPr lang="en-US" altLang="ja-JP" sz="1400" dirty="0" smtClean="0">
+                <a:latin typeface="メイリオ"/>
+                <a:ea typeface="メイリオ"/>
+                <a:cs typeface="メイリオ"/>
+              </a:rPr>
+              <a:t> </a:t>
+            </a:r>
+            <a:r>
+              <a:rPr lang="ja-JP" altLang="en-US" sz="1400" dirty="0" smtClean="0">
+                <a:latin typeface="メイリオ"/>
+                <a:ea typeface="メイリオ"/>
+                <a:cs typeface="メイリオ"/>
+              </a:rPr>
+              <a:t>件を表示</a:t>
+            </a:r>
+            <a:endParaRPr kumimoji="1" lang="ja-JP" altLang="en-US" sz="1400" dirty="0">
+              <a:latin typeface="メイリオ"/>
+              <a:ea typeface="メイリオ"/>
+              <a:cs typeface="メイリオ"/>
+            </a:endParaRPr>
+          </a:p>
+        </p:txBody>
+      </p:sp>
+      <p:sp>
+        <p:nvSpPr>
+          <p:cNvPr id="22" name="二等辺三角形 21"/>
+          <p:cNvSpPr/>
+          <p:nvPr/>
+        </p:nvSpPr>
+        <p:spPr>
+          <a:xfrm rot="16200000">
+            <a:off x="3596344" y="1684770"/>
+            <a:ext cx="180000" cy="180000"/>
+          </a:xfrm>
+          <a:prstGeom prst="triangle">
+            <a:avLst/>
+          </a:prstGeom>
+          <a:solidFill>
+            <a:srgbClr val="F75D31"/>
+          </a:solidFill>
+          <a:ln>
+            <a:noFill/>
+          </a:ln>
+          <a:effectLst/>
+        </p:spPr>
+        <p:style>
+          <a:lnRef idx="1">
+            <a:schemeClr val="accent1"/>
+          </a:lnRef>
+          <a:fillRef idx="3">
+            <a:schemeClr val="accent1"/>
+          </a:fillRef>
+          <a:effectRef idx="2">
+            <a:schemeClr val="accent1"/>
+          </a:effectRef>
+          <a:fontRef idx="minor">
+            <a:schemeClr val="lt1"/>
+          </a:fontRef>
+        </p:style>
+        <p:txBody>
+          <a:bodyPr rtlCol="0" anchor="ctr"/>
+          <a:lstStyle/>
+          <a:p>
+            <a:pPr algn="ctr"/>
+            <a:endParaRPr kumimoji="1" lang="ja-JP" altLang="en-US"/>
+          </a:p>
+        </p:txBody>
+      </p:sp>
+      <p:sp>
+        <p:nvSpPr>
+          <p:cNvPr id="23" name="二等辺三角形 22"/>
+          <p:cNvSpPr/>
+          <p:nvPr/>
+        </p:nvSpPr>
+        <p:spPr>
+          <a:xfrm rot="16200000">
+            <a:off x="3693379" y="1684140"/>
+            <a:ext cx="180000" cy="180000"/>
+          </a:xfrm>
+          <a:prstGeom prst="triangle">
+            <a:avLst/>
+          </a:prstGeom>
+          <a:solidFill>
+            <a:srgbClr val="F75D31"/>
+          </a:solidFill>
+          <a:ln>
+            <a:noFill/>
+          </a:ln>
+          <a:effectLst/>
+        </p:spPr>
+        <p:style>
+          <a:lnRef idx="1">
+            <a:schemeClr val="accent1"/>
+          </a:lnRef>
+          <a:fillRef idx="3">
+            <a:schemeClr val="accent1"/>
+          </a:fillRef>
+          <a:effectRef idx="2">
+            <a:schemeClr val="accent1"/>
+          </a:effectRef>
+          <a:fontRef idx="minor">
+            <a:schemeClr val="lt1"/>
+          </a:fontRef>
+        </p:style>
+        <p:txBody>
+          <a:bodyPr rtlCol="0" anchor="ctr"/>
+          <a:lstStyle/>
+          <a:p>
+            <a:pPr algn="ctr"/>
+            <a:endParaRPr kumimoji="1" lang="ja-JP" altLang="en-US"/>
+          </a:p>
+        </p:txBody>
+      </p:sp>
+      <p:sp>
+        <p:nvSpPr>
+          <p:cNvPr id="24" name="二等辺三角形 23"/>
+          <p:cNvSpPr/>
+          <p:nvPr/>
+        </p:nvSpPr>
+        <p:spPr>
+          <a:xfrm rot="5400000">
+            <a:off x="5764549" y="1684479"/>
+            <a:ext cx="179370" cy="181212"/>
+          </a:xfrm>
+          <a:prstGeom prst="triangle">
+            <a:avLst/>
+          </a:prstGeom>
+          <a:solidFill>
+            <a:srgbClr val="F75D31"/>
+          </a:solidFill>
+          <a:ln>
+            <a:noFill/>
+          </a:ln>
+          <a:effectLst/>
+        </p:spPr>
+        <p:style>
+          <a:lnRef idx="1">
+            <a:schemeClr val="accent1"/>
+          </a:lnRef>
+          <a:fillRef idx="3">
+            <a:schemeClr val="accent1"/>
+          </a:fillRef>
+          <a:effectRef idx="2">
+            <a:schemeClr val="accent1"/>
+          </a:effectRef>
+          <a:fontRef idx="minor">
+            <a:schemeClr val="lt1"/>
+          </a:fontRef>
+        </p:style>
+        <p:txBody>
+          <a:bodyPr rtlCol="0" anchor="ctr"/>
+          <a:lstStyle/>
+          <a:p>
+            <a:pPr algn="ctr"/>
+            <a:endParaRPr kumimoji="1" lang="ja-JP" altLang="en-US"/>
+          </a:p>
+        </p:txBody>
+      </p:sp>
+      <p:sp>
+        <p:nvSpPr>
+          <p:cNvPr id="25" name="二等辺三角形 24"/>
+          <p:cNvSpPr/>
+          <p:nvPr/>
+        </p:nvSpPr>
+        <p:spPr>
+          <a:xfrm rot="5400000">
+            <a:off x="5673943" y="1684479"/>
+            <a:ext cx="179370" cy="181212"/>
+          </a:xfrm>
+          <a:prstGeom prst="triangle">
+            <a:avLst/>
+          </a:prstGeom>
+          <a:solidFill>
+            <a:srgbClr val="F75D31"/>
+          </a:solidFill>
+          <a:ln>
+            <a:noFill/>
+          </a:ln>
+          <a:effectLst/>
+        </p:spPr>
+        <p:style>
+          <a:lnRef idx="1">
+            <a:schemeClr val="accent1"/>
+          </a:lnRef>
+          <a:fillRef idx="3">
+            <a:schemeClr val="accent1"/>
+          </a:fillRef>
+          <a:effectRef idx="2">
+            <a:schemeClr val="accent1"/>
+          </a:effectRef>
+          <a:fontRef idx="minor">
+            <a:schemeClr val="lt1"/>
+          </a:fontRef>
+        </p:style>
+        <p:txBody>
+          <a:bodyPr rtlCol="0" anchor="ctr"/>
+          <a:lstStyle/>
+          <a:p>
+            <a:pPr algn="ctr"/>
+            <a:endParaRPr kumimoji="1" lang="ja-JP" altLang="en-US"/>
+          </a:p>
+        </p:txBody>
+      </p:sp>
+      <p:sp>
+        <p:nvSpPr>
+          <p:cNvPr id="26" name="角丸四角形 25"/>
+          <p:cNvSpPr/>
+          <p:nvPr/>
+        </p:nvSpPr>
+        <p:spPr>
+          <a:xfrm>
+            <a:off x="7239002" y="1121482"/>
+            <a:ext cx="864625" cy="299213"/>
+          </a:xfrm>
+          <a:prstGeom prst="roundRect">
+            <a:avLst/>
+          </a:prstGeom>
+          <a:noFill/>
+          <a:ln w="25400">
+            <a:solidFill>
+              <a:schemeClr val="tx1"/>
+            </a:solidFill>
+          </a:ln>
+          <a:effectLst/>
+        </p:spPr>
+        <p:style>
+          <a:lnRef idx="1">
+            <a:schemeClr val="accent1"/>
+          </a:lnRef>
+          <a:fillRef idx="3">
+            <a:schemeClr val="accent1"/>
+          </a:fillRef>
+          <a:effectRef idx="2">
+            <a:schemeClr val="accent1"/>
+          </a:effectRef>
+          <a:fontRef idx="minor">
+            <a:schemeClr val="lt1"/>
+          </a:fontRef>
+        </p:style>
+        <p:txBody>
+          <a:bodyPr rtlCol="0" anchor="ctr"/>
+          <a:lstStyle/>
+          <a:p>
+            <a:pPr algn="ctr"/>
+            <a:r>
+              <a:rPr lang="en-US" altLang="en-US" sz="1200" dirty="0" smtClean="0">
+                <a:solidFill>
+                  <a:schemeClr val="tx1"/>
+                </a:solidFill>
+                <a:latin typeface="メイリオ"/>
+                <a:ea typeface="メイリオ"/>
+                <a:cs typeface="メイリオ"/>
+              </a:rPr>
+              <a:t>リセット</a:t>
+            </a:r>
+            <a:endParaRPr kumimoji="1" lang="ja-JP" altLang="en-US" sz="1200" dirty="0">
+              <a:solidFill>
+                <a:schemeClr val="tx1"/>
+              </a:solidFill>
+              <a:latin typeface="メイリオ"/>
+              <a:ea typeface="メイリオ"/>
+              <a:cs typeface="メイリオ"/>
+            </a:endParaRPr>
+          </a:p>
+        </p:txBody>
+      </p:sp>
     </p:spTree>
     <p:extLst>
       <p:ext uri="{BB962C8B-B14F-4D97-AF65-F5344CB8AC3E}">
         <p14:creationId xmlns:p14="http://schemas.microsoft.com/office/powerpoint/2010/main" val="376941403"/>
+      </p:ext>
+    </p:extLst>
+  </p:cSld>
+  <p:clrMapOvr>
+    <a:masterClrMapping/>
+  </p:clrMapOvr>
+</p:sld>
+</file>
+
+<file path=ppt/slides/slide5.xml><?xml version="1.0" encoding="utf-8"?>
+<p:sld xmlns:a="http://schemas.openxmlformats.org/drawingml/2006/main" xmlns:r="http://schemas.openxmlformats.org/officeDocument/2006/relationships" xmlns:p="http://schemas.openxmlformats.org/presentationml/2006/main">
+  <p:cSld>
+    <p:spTree>
+      <p:nvGrpSpPr>
+        <p:cNvPr id="1" name=""/>
+        <p:cNvGrpSpPr/>
+        <p:nvPr/>
+      </p:nvGrpSpPr>
+      <p:grpSpPr>
+        <a:xfrm>
+          <a:off x="0" y="0"/>
+          <a:ext cx="0" cy="0"/>
+          <a:chOff x="0" y="0"/>
+          <a:chExt cx="0" cy="0"/>
+        </a:xfrm>
+      </p:grpSpPr>
+      <p:sp>
+        <p:nvSpPr>
+          <p:cNvPr id="4" name="テキスト ボックス 3"/>
+          <p:cNvSpPr txBox="1"/>
+          <p:nvPr/>
+        </p:nvSpPr>
+        <p:spPr>
+          <a:xfrm>
+            <a:off x="200532" y="187161"/>
+            <a:ext cx="4134465" cy="523220"/>
+          </a:xfrm>
+          <a:prstGeom prst="rect">
+            <a:avLst/>
+          </a:prstGeom>
+          <a:noFill/>
+        </p:spPr>
+        <p:txBody>
+          <a:bodyPr wrap="none" rtlCol="0">
+            <a:spAutoFit/>
+          </a:bodyPr>
+          <a:lstStyle/>
+          <a:p>
+            <a:r>
+              <a:rPr lang="ja-JP" altLang="en-US" sz="2800" dirty="0" smtClean="0">
+                <a:latin typeface="メイリオ"/>
+                <a:ea typeface="メイリオ"/>
+                <a:cs typeface="メイリオ"/>
+              </a:rPr>
+              <a:t>管理画面（登録失敗時）</a:t>
+            </a:r>
+            <a:endParaRPr kumimoji="1" lang="ja-JP" altLang="en-US" sz="2000" dirty="0">
+              <a:latin typeface="メイリオ"/>
+              <a:ea typeface="メイリオ"/>
+              <a:cs typeface="メイリオ"/>
+            </a:endParaRPr>
+          </a:p>
+        </p:txBody>
+      </p:sp>
+      <p:graphicFrame>
+        <p:nvGraphicFramePr>
+          <p:cNvPr id="52" name="表 51"/>
+          <p:cNvGraphicFramePr>
+            <a:graphicFrameLocks noGrp="1"/>
+          </p:cNvGraphicFramePr>
+          <p:nvPr>
+            <p:extLst>
+              <p:ext uri="{D42A27DB-BD31-4B8C-83A1-F6EECF244321}">
+                <p14:modId xmlns:p14="http://schemas.microsoft.com/office/powerpoint/2010/main" val="3861043357"/>
+              </p:ext>
+            </p:extLst>
+          </p:nvPr>
+        </p:nvGraphicFramePr>
+        <p:xfrm>
+          <a:off x="993905" y="2031998"/>
+          <a:ext cx="7180276" cy="4248728"/>
+        </p:xfrm>
+        <a:graphic>
+          <a:graphicData uri="http://schemas.openxmlformats.org/drawingml/2006/table">
+            <a:tbl>
+              <a:tblPr firstRow="1" bandRow="1">
+                <a:tableStyleId>{5C22544A-7EE6-4342-B048-85BDC9FD1C3A}</a:tableStyleId>
+              </a:tblPr>
+              <a:tblGrid>
+                <a:gridCol w="1795069"/>
+                <a:gridCol w="1795069"/>
+                <a:gridCol w="1795069"/>
+                <a:gridCol w="1795069"/>
+              </a:tblGrid>
+              <a:tr h="386248">
+                <a:tc>
+                  <a:txBody>
+                    <a:bodyPr/>
+                    <a:lstStyle/>
+                    <a:p>
+                      <a:r>
+                        <a:rPr kumimoji="1" lang="ja-JP" altLang="en-US" dirty="0" smtClean="0">
+                          <a:latin typeface="メイリオ"/>
+                          <a:ea typeface="メイリオ"/>
+                          <a:cs typeface="メイリオ"/>
+                        </a:rPr>
+                        <a:t>日付</a:t>
+                      </a:r>
+                      <a:endParaRPr kumimoji="1" lang="ja-JP" altLang="en-US" dirty="0">
+                        <a:latin typeface="メイリオ"/>
+                        <a:ea typeface="メイリオ"/>
+                        <a:cs typeface="メイリオ"/>
+                      </a:endParaRPr>
+                    </a:p>
+                  </a:txBody>
+                  <a:tcPr/>
+                </a:tc>
+                <a:tc>
+                  <a:txBody>
+                    <a:bodyPr/>
+                    <a:lstStyle/>
+                    <a:p>
+                      <a:r>
+                        <a:rPr kumimoji="1" lang="ja-JP" altLang="en-US" dirty="0" smtClean="0">
+                          <a:latin typeface="メイリオ"/>
+                          <a:ea typeface="メイリオ"/>
+                          <a:cs typeface="メイリオ"/>
+                        </a:rPr>
+                        <a:t>内容</a:t>
+                      </a:r>
+                      <a:endParaRPr kumimoji="1" lang="ja-JP" altLang="en-US" dirty="0">
+                        <a:latin typeface="メイリオ"/>
+                        <a:ea typeface="メイリオ"/>
+                        <a:cs typeface="メイリオ"/>
+                      </a:endParaRPr>
+                    </a:p>
+                  </a:txBody>
+                  <a:tcPr/>
+                </a:tc>
+                <a:tc>
+                  <a:txBody>
+                    <a:bodyPr/>
+                    <a:lstStyle/>
+                    <a:p>
+                      <a:r>
+                        <a:rPr kumimoji="1" lang="ja-JP" altLang="en-US" dirty="0" smtClean="0">
+                          <a:latin typeface="メイリオ"/>
+                          <a:ea typeface="メイリオ"/>
+                          <a:cs typeface="メイリオ"/>
+                        </a:rPr>
+                        <a:t>カテゴリ</a:t>
+                      </a:r>
+                      <a:endParaRPr kumimoji="1" lang="ja-JP" altLang="en-US" dirty="0">
+                        <a:latin typeface="メイリオ"/>
+                        <a:ea typeface="メイリオ"/>
+                        <a:cs typeface="メイリオ"/>
+                      </a:endParaRPr>
+                    </a:p>
+                  </a:txBody>
+                  <a:tcPr/>
+                </a:tc>
+                <a:tc>
+                  <a:txBody>
+                    <a:bodyPr/>
+                    <a:lstStyle/>
+                    <a:p>
+                      <a:r>
+                        <a:rPr kumimoji="1" lang="ja-JP" altLang="en-US" dirty="0" smtClean="0">
+                          <a:latin typeface="メイリオ"/>
+                          <a:ea typeface="メイリオ"/>
+                          <a:cs typeface="メイリオ"/>
+                        </a:rPr>
+                        <a:t>金額</a:t>
+                      </a:r>
+                      <a:endParaRPr kumimoji="1" lang="ja-JP" altLang="en-US" dirty="0">
+                        <a:latin typeface="メイリオ"/>
+                        <a:ea typeface="メイリオ"/>
+                        <a:cs typeface="メイリオ"/>
+                      </a:endParaRPr>
+                    </a:p>
+                  </a:txBody>
+                  <a:tcPr/>
+                </a:tc>
+              </a:tr>
+              <a:tr h="386248">
+                <a:tc>
+                  <a:txBody>
+                    <a:bodyPr/>
+                    <a:lstStyle/>
+                    <a:p>
+                      <a:endParaRPr kumimoji="1" lang="ja-JP" altLang="en-US"/>
+                    </a:p>
+                  </a:txBody>
+                  <a:tcPr/>
+                </a:tc>
+                <a:tc>
+                  <a:txBody>
+                    <a:bodyPr/>
+                    <a:lstStyle/>
+                    <a:p>
+                      <a:endParaRPr kumimoji="1" lang="ja-JP" altLang="en-US"/>
+                    </a:p>
+                  </a:txBody>
+                  <a:tcPr/>
+                </a:tc>
+                <a:tc>
+                  <a:txBody>
+                    <a:bodyPr/>
+                    <a:lstStyle/>
+                    <a:p>
+                      <a:endParaRPr kumimoji="1" lang="ja-JP" altLang="en-US"/>
+                    </a:p>
+                  </a:txBody>
+                  <a:tcPr/>
+                </a:tc>
+                <a:tc>
+                  <a:txBody>
+                    <a:bodyPr/>
+                    <a:lstStyle/>
+                    <a:p>
+                      <a:endParaRPr kumimoji="1" lang="ja-JP" altLang="en-US" dirty="0"/>
+                    </a:p>
+                  </a:txBody>
+                  <a:tcPr/>
+                </a:tc>
+              </a:tr>
+              <a:tr h="386248">
+                <a:tc>
+                  <a:txBody>
+                    <a:bodyPr/>
+                    <a:lstStyle/>
+                    <a:p>
+                      <a:endParaRPr kumimoji="1" lang="ja-JP" altLang="en-US" dirty="0"/>
+                    </a:p>
+                  </a:txBody>
+                  <a:tcPr/>
+                </a:tc>
+                <a:tc>
+                  <a:txBody>
+                    <a:bodyPr/>
+                    <a:lstStyle/>
+                    <a:p>
+                      <a:endParaRPr kumimoji="1" lang="ja-JP" altLang="en-US"/>
+                    </a:p>
+                  </a:txBody>
+                  <a:tcPr/>
+                </a:tc>
+                <a:tc>
+                  <a:txBody>
+                    <a:bodyPr/>
+                    <a:lstStyle/>
+                    <a:p>
+                      <a:endParaRPr kumimoji="1" lang="ja-JP" altLang="en-US"/>
+                    </a:p>
+                  </a:txBody>
+                  <a:tcPr/>
+                </a:tc>
+                <a:tc>
+                  <a:txBody>
+                    <a:bodyPr/>
+                    <a:lstStyle/>
+                    <a:p>
+                      <a:endParaRPr kumimoji="1" lang="ja-JP" altLang="en-US" dirty="0"/>
+                    </a:p>
+                  </a:txBody>
+                  <a:tcPr/>
+                </a:tc>
+              </a:tr>
+              <a:tr h="386248">
+                <a:tc>
+                  <a:txBody>
+                    <a:bodyPr/>
+                    <a:lstStyle/>
+                    <a:p>
+                      <a:endParaRPr kumimoji="1" lang="ja-JP" altLang="en-US" dirty="0"/>
+                    </a:p>
+                  </a:txBody>
+                  <a:tcPr/>
+                </a:tc>
+                <a:tc>
+                  <a:txBody>
+                    <a:bodyPr/>
+                    <a:lstStyle/>
+                    <a:p>
+                      <a:endParaRPr kumimoji="1" lang="ja-JP" altLang="en-US"/>
+                    </a:p>
+                  </a:txBody>
+                  <a:tcPr/>
+                </a:tc>
+                <a:tc>
+                  <a:txBody>
+                    <a:bodyPr/>
+                    <a:lstStyle/>
+                    <a:p>
+                      <a:endParaRPr kumimoji="1" lang="ja-JP" altLang="en-US"/>
+                    </a:p>
+                  </a:txBody>
+                  <a:tcPr/>
+                </a:tc>
+                <a:tc>
+                  <a:txBody>
+                    <a:bodyPr/>
+                    <a:lstStyle/>
+                    <a:p>
+                      <a:endParaRPr kumimoji="1" lang="ja-JP" altLang="en-US" dirty="0"/>
+                    </a:p>
+                  </a:txBody>
+                  <a:tcPr/>
+                </a:tc>
+              </a:tr>
+              <a:tr h="386248">
+                <a:tc>
+                  <a:txBody>
+                    <a:bodyPr/>
+                    <a:lstStyle/>
+                    <a:p>
+                      <a:endParaRPr kumimoji="1" lang="ja-JP" altLang="en-US" dirty="0"/>
+                    </a:p>
+                  </a:txBody>
+                  <a:tcPr/>
+                </a:tc>
+                <a:tc>
+                  <a:txBody>
+                    <a:bodyPr/>
+                    <a:lstStyle/>
+                    <a:p>
+                      <a:endParaRPr kumimoji="1" lang="ja-JP" altLang="en-US" dirty="0"/>
+                    </a:p>
+                  </a:txBody>
+                  <a:tcPr/>
+                </a:tc>
+                <a:tc>
+                  <a:txBody>
+                    <a:bodyPr/>
+                    <a:lstStyle/>
+                    <a:p>
+                      <a:endParaRPr kumimoji="1" lang="ja-JP" altLang="en-US"/>
+                    </a:p>
+                  </a:txBody>
+                  <a:tcPr/>
+                </a:tc>
+                <a:tc>
+                  <a:txBody>
+                    <a:bodyPr/>
+                    <a:lstStyle/>
+                    <a:p>
+                      <a:endParaRPr kumimoji="1" lang="ja-JP" altLang="en-US" dirty="0"/>
+                    </a:p>
+                  </a:txBody>
+                  <a:tcPr/>
+                </a:tc>
+              </a:tr>
+              <a:tr h="386248">
+                <a:tc>
+                  <a:txBody>
+                    <a:bodyPr/>
+                    <a:lstStyle/>
+                    <a:p>
+                      <a:endParaRPr kumimoji="1" lang="ja-JP" altLang="en-US" dirty="0"/>
+                    </a:p>
+                  </a:txBody>
+                  <a:tcPr/>
+                </a:tc>
+                <a:tc>
+                  <a:txBody>
+                    <a:bodyPr/>
+                    <a:lstStyle/>
+                    <a:p>
+                      <a:endParaRPr kumimoji="1" lang="ja-JP" altLang="en-US" dirty="0"/>
+                    </a:p>
+                  </a:txBody>
+                  <a:tcPr/>
+                </a:tc>
+                <a:tc>
+                  <a:txBody>
+                    <a:bodyPr/>
+                    <a:lstStyle/>
+                    <a:p>
+                      <a:endParaRPr kumimoji="1" lang="ja-JP" altLang="en-US"/>
+                    </a:p>
+                  </a:txBody>
+                  <a:tcPr/>
+                </a:tc>
+                <a:tc>
+                  <a:txBody>
+                    <a:bodyPr/>
+                    <a:lstStyle/>
+                    <a:p>
+                      <a:endParaRPr kumimoji="1" lang="ja-JP" altLang="en-US" dirty="0"/>
+                    </a:p>
+                  </a:txBody>
+                  <a:tcPr/>
+                </a:tc>
+              </a:tr>
+              <a:tr h="386248">
+                <a:tc>
+                  <a:txBody>
+                    <a:bodyPr/>
+                    <a:lstStyle/>
+                    <a:p>
+                      <a:endParaRPr kumimoji="1" lang="ja-JP" altLang="en-US" dirty="0"/>
+                    </a:p>
+                  </a:txBody>
+                  <a:tcPr/>
+                </a:tc>
+                <a:tc>
+                  <a:txBody>
+                    <a:bodyPr/>
+                    <a:lstStyle/>
+                    <a:p>
+                      <a:endParaRPr kumimoji="1" lang="ja-JP" altLang="en-US" dirty="0"/>
+                    </a:p>
+                  </a:txBody>
+                  <a:tcPr/>
+                </a:tc>
+                <a:tc>
+                  <a:txBody>
+                    <a:bodyPr/>
+                    <a:lstStyle/>
+                    <a:p>
+                      <a:endParaRPr kumimoji="1" lang="ja-JP" altLang="en-US"/>
+                    </a:p>
+                  </a:txBody>
+                  <a:tcPr/>
+                </a:tc>
+                <a:tc>
+                  <a:txBody>
+                    <a:bodyPr/>
+                    <a:lstStyle/>
+                    <a:p>
+                      <a:endParaRPr kumimoji="1" lang="ja-JP" altLang="en-US" dirty="0"/>
+                    </a:p>
+                  </a:txBody>
+                  <a:tcPr/>
+                </a:tc>
+              </a:tr>
+              <a:tr h="386248">
+                <a:tc>
+                  <a:txBody>
+                    <a:bodyPr/>
+                    <a:lstStyle/>
+                    <a:p>
+                      <a:endParaRPr kumimoji="1" lang="ja-JP" altLang="en-US" dirty="0"/>
+                    </a:p>
+                  </a:txBody>
+                  <a:tcPr/>
+                </a:tc>
+                <a:tc>
+                  <a:txBody>
+                    <a:bodyPr/>
+                    <a:lstStyle/>
+                    <a:p>
+                      <a:endParaRPr kumimoji="1" lang="ja-JP" altLang="en-US"/>
+                    </a:p>
+                  </a:txBody>
+                  <a:tcPr/>
+                </a:tc>
+                <a:tc>
+                  <a:txBody>
+                    <a:bodyPr/>
+                    <a:lstStyle/>
+                    <a:p>
+                      <a:endParaRPr kumimoji="1" lang="ja-JP" altLang="en-US"/>
+                    </a:p>
+                  </a:txBody>
+                  <a:tcPr/>
+                </a:tc>
+                <a:tc>
+                  <a:txBody>
+                    <a:bodyPr/>
+                    <a:lstStyle/>
+                    <a:p>
+                      <a:endParaRPr kumimoji="1" lang="ja-JP" altLang="en-US"/>
+                    </a:p>
+                  </a:txBody>
+                  <a:tcPr/>
+                </a:tc>
+              </a:tr>
+              <a:tr h="386248">
+                <a:tc>
+                  <a:txBody>
+                    <a:bodyPr/>
+                    <a:lstStyle/>
+                    <a:p>
+                      <a:endParaRPr kumimoji="1" lang="ja-JP" altLang="en-US"/>
+                    </a:p>
+                  </a:txBody>
+                  <a:tcPr/>
+                </a:tc>
+                <a:tc>
+                  <a:txBody>
+                    <a:bodyPr/>
+                    <a:lstStyle/>
+                    <a:p>
+                      <a:endParaRPr kumimoji="1" lang="ja-JP" altLang="en-US"/>
+                    </a:p>
+                  </a:txBody>
+                  <a:tcPr/>
+                </a:tc>
+                <a:tc>
+                  <a:txBody>
+                    <a:bodyPr/>
+                    <a:lstStyle/>
+                    <a:p>
+                      <a:endParaRPr kumimoji="1" lang="ja-JP" altLang="en-US"/>
+                    </a:p>
+                  </a:txBody>
+                  <a:tcPr/>
+                </a:tc>
+                <a:tc>
+                  <a:txBody>
+                    <a:bodyPr/>
+                    <a:lstStyle/>
+                    <a:p>
+                      <a:endParaRPr kumimoji="1" lang="ja-JP" altLang="en-US"/>
+                    </a:p>
+                  </a:txBody>
+                  <a:tcPr/>
+                </a:tc>
+              </a:tr>
+              <a:tr h="386248">
+                <a:tc>
+                  <a:txBody>
+                    <a:bodyPr/>
+                    <a:lstStyle/>
+                    <a:p>
+                      <a:endParaRPr kumimoji="1" lang="ja-JP" altLang="en-US"/>
+                    </a:p>
+                  </a:txBody>
+                  <a:tcPr/>
+                </a:tc>
+                <a:tc>
+                  <a:txBody>
+                    <a:bodyPr/>
+                    <a:lstStyle/>
+                    <a:p>
+                      <a:endParaRPr kumimoji="1" lang="ja-JP" altLang="en-US"/>
+                    </a:p>
+                  </a:txBody>
+                  <a:tcPr/>
+                </a:tc>
+                <a:tc>
+                  <a:txBody>
+                    <a:bodyPr/>
+                    <a:lstStyle/>
+                    <a:p>
+                      <a:endParaRPr kumimoji="1" lang="ja-JP" altLang="en-US"/>
+                    </a:p>
+                  </a:txBody>
+                  <a:tcPr/>
+                </a:tc>
+                <a:tc>
+                  <a:txBody>
+                    <a:bodyPr/>
+                    <a:lstStyle/>
+                    <a:p>
+                      <a:endParaRPr kumimoji="1" lang="ja-JP" altLang="en-US"/>
+                    </a:p>
+                  </a:txBody>
+                  <a:tcPr/>
+                </a:tc>
+              </a:tr>
+              <a:tr h="386248">
+                <a:tc>
+                  <a:txBody>
+                    <a:bodyPr/>
+                    <a:lstStyle/>
+                    <a:p>
+                      <a:endParaRPr kumimoji="1" lang="ja-JP" altLang="en-US"/>
+                    </a:p>
+                  </a:txBody>
+                  <a:tcPr/>
+                </a:tc>
+                <a:tc>
+                  <a:txBody>
+                    <a:bodyPr/>
+                    <a:lstStyle/>
+                    <a:p>
+                      <a:endParaRPr kumimoji="1" lang="ja-JP" altLang="en-US" dirty="0"/>
+                    </a:p>
+                  </a:txBody>
+                  <a:tcPr/>
+                </a:tc>
+                <a:tc>
+                  <a:txBody>
+                    <a:bodyPr/>
+                    <a:lstStyle/>
+                    <a:p>
+                      <a:endParaRPr kumimoji="1" lang="ja-JP" altLang="en-US" dirty="0"/>
+                    </a:p>
+                  </a:txBody>
+                  <a:tcPr/>
+                </a:tc>
+                <a:tc>
+                  <a:txBody>
+                    <a:bodyPr/>
+                    <a:lstStyle/>
+                    <a:p>
+                      <a:endParaRPr kumimoji="1" lang="ja-JP" altLang="en-US" dirty="0"/>
+                    </a:p>
+                  </a:txBody>
+                  <a:tcPr/>
+                </a:tc>
+              </a:tr>
+            </a:tbl>
+          </a:graphicData>
+        </a:graphic>
+      </p:graphicFrame>
+      <p:sp>
+        <p:nvSpPr>
+          <p:cNvPr id="53" name="正方形/長方形 52"/>
+          <p:cNvSpPr/>
+          <p:nvPr/>
+        </p:nvSpPr>
+        <p:spPr>
+          <a:xfrm>
+            <a:off x="783269" y="935182"/>
+            <a:ext cx="7575640" cy="5541817"/>
+          </a:xfrm>
+          <a:prstGeom prst="rect">
+            <a:avLst/>
+          </a:prstGeom>
+          <a:solidFill>
+            <a:schemeClr val="bg1">
+              <a:lumMod val="75000"/>
+              <a:alpha val="50000"/>
+            </a:schemeClr>
+          </a:solidFill>
+          <a:ln w="25400">
+            <a:solidFill>
+              <a:schemeClr val="tx1"/>
+            </a:solidFill>
+          </a:ln>
+          <a:effectLst/>
+        </p:spPr>
+        <p:style>
+          <a:lnRef idx="1">
+            <a:schemeClr val="accent1"/>
+          </a:lnRef>
+          <a:fillRef idx="3">
+            <a:schemeClr val="accent1"/>
+          </a:fillRef>
+          <a:effectRef idx="2">
+            <a:schemeClr val="accent1"/>
+          </a:effectRef>
+          <a:fontRef idx="minor">
+            <a:schemeClr val="lt1"/>
+          </a:fontRef>
+        </p:style>
+        <p:txBody>
+          <a:bodyPr rtlCol="0" anchor="ctr"/>
+          <a:lstStyle/>
+          <a:p>
+            <a:pPr algn="ctr"/>
+            <a:endParaRPr kumimoji="1" lang="ja-JP" altLang="en-US" sz="2800" dirty="0">
+              <a:solidFill>
+                <a:schemeClr val="tx1"/>
+              </a:solidFill>
+              <a:latin typeface="メイリオ"/>
+              <a:ea typeface="メイリオ"/>
+              <a:cs typeface="メイリオ"/>
+            </a:endParaRPr>
+          </a:p>
+        </p:txBody>
+      </p:sp>
+      <p:sp>
+        <p:nvSpPr>
+          <p:cNvPr id="64" name="テキスト ボックス 63"/>
+          <p:cNvSpPr txBox="1"/>
+          <p:nvPr/>
+        </p:nvSpPr>
+        <p:spPr>
+          <a:xfrm>
+            <a:off x="4124211" y="1630084"/>
+            <a:ext cx="296175" cy="307777"/>
+          </a:xfrm>
+          <a:prstGeom prst="rect">
+            <a:avLst/>
+          </a:prstGeom>
+          <a:noFill/>
+        </p:spPr>
+        <p:txBody>
+          <a:bodyPr wrap="none" rtlCol="0">
+            <a:spAutoFit/>
+          </a:bodyPr>
+          <a:lstStyle/>
+          <a:p>
+            <a:r>
+              <a:rPr lang="en-US" altLang="ja-JP" sz="1400" dirty="0">
+                <a:latin typeface="メイリオ"/>
+                <a:ea typeface="メイリオ"/>
+                <a:cs typeface="メイリオ"/>
+              </a:rPr>
+              <a:t>1</a:t>
+            </a:r>
+            <a:endParaRPr kumimoji="1" lang="ja-JP" altLang="en-US" sz="1400" dirty="0">
+              <a:latin typeface="メイリオ"/>
+              <a:ea typeface="メイリオ"/>
+              <a:cs typeface="メイリオ"/>
+            </a:endParaRPr>
+          </a:p>
+        </p:txBody>
+      </p:sp>
+      <p:sp>
+        <p:nvSpPr>
+          <p:cNvPr id="65" name="テキスト ボックス 64"/>
+          <p:cNvSpPr txBox="1"/>
+          <p:nvPr/>
+        </p:nvSpPr>
+        <p:spPr>
+          <a:xfrm>
+            <a:off x="4356158" y="1632399"/>
+            <a:ext cx="296175" cy="307777"/>
+          </a:xfrm>
+          <a:prstGeom prst="rect">
+            <a:avLst/>
+          </a:prstGeom>
+          <a:noFill/>
+        </p:spPr>
+        <p:txBody>
+          <a:bodyPr wrap="none" rtlCol="0">
+            <a:spAutoFit/>
+          </a:bodyPr>
+          <a:lstStyle/>
+          <a:p>
+            <a:r>
+              <a:rPr lang="en-US" altLang="ja-JP" sz="1400" dirty="0" smtClean="0">
+                <a:latin typeface="メイリオ"/>
+                <a:ea typeface="メイリオ"/>
+                <a:cs typeface="メイリオ"/>
+              </a:rPr>
+              <a:t>2</a:t>
+            </a:r>
+            <a:endParaRPr kumimoji="1" lang="ja-JP" altLang="en-US" sz="1400" dirty="0">
+              <a:latin typeface="メイリオ"/>
+              <a:ea typeface="メイリオ"/>
+              <a:cs typeface="メイリオ"/>
+            </a:endParaRPr>
+          </a:p>
+        </p:txBody>
+      </p:sp>
+      <p:sp>
+        <p:nvSpPr>
+          <p:cNvPr id="66" name="テキスト ボックス 65"/>
+          <p:cNvSpPr txBox="1"/>
+          <p:nvPr/>
+        </p:nvSpPr>
+        <p:spPr>
+          <a:xfrm>
+            <a:off x="4597125" y="1632399"/>
+            <a:ext cx="494734" cy="307777"/>
+          </a:xfrm>
+          <a:prstGeom prst="rect">
+            <a:avLst/>
+          </a:prstGeom>
+          <a:noFill/>
+        </p:spPr>
+        <p:txBody>
+          <a:bodyPr wrap="none" rtlCol="0">
+            <a:spAutoFit/>
+          </a:bodyPr>
+          <a:lstStyle/>
+          <a:p>
+            <a:r>
+              <a:rPr lang="en-US" altLang="ja-JP" sz="1400" dirty="0" smtClean="0">
+                <a:latin typeface="メイリオ"/>
+                <a:ea typeface="メイリオ"/>
+                <a:cs typeface="メイリオ"/>
+              </a:rPr>
+              <a:t>. . .</a:t>
+            </a:r>
+            <a:endParaRPr kumimoji="1" lang="ja-JP" altLang="en-US" sz="1400" dirty="0">
+              <a:latin typeface="メイリオ"/>
+              <a:ea typeface="メイリオ"/>
+              <a:cs typeface="メイリオ"/>
+            </a:endParaRPr>
+          </a:p>
+        </p:txBody>
+      </p:sp>
+      <p:sp>
+        <p:nvSpPr>
+          <p:cNvPr id="67" name="二等辺三角形 66"/>
+          <p:cNvSpPr/>
+          <p:nvPr/>
+        </p:nvSpPr>
+        <p:spPr>
+          <a:xfrm rot="5400000">
+            <a:off x="5439130" y="1683849"/>
+            <a:ext cx="179370" cy="181212"/>
+          </a:xfrm>
+          <a:prstGeom prst="triangle">
+            <a:avLst/>
+          </a:prstGeom>
+          <a:solidFill>
+            <a:srgbClr val="F75D31"/>
+          </a:solidFill>
+          <a:ln>
+            <a:noFill/>
+          </a:ln>
+          <a:effectLst/>
+        </p:spPr>
+        <p:style>
+          <a:lnRef idx="1">
+            <a:schemeClr val="accent1"/>
+          </a:lnRef>
+          <a:fillRef idx="3">
+            <a:schemeClr val="accent1"/>
+          </a:fillRef>
+          <a:effectRef idx="2">
+            <a:schemeClr val="accent1"/>
+          </a:effectRef>
+          <a:fontRef idx="minor">
+            <a:schemeClr val="lt1"/>
+          </a:fontRef>
+        </p:style>
+        <p:txBody>
+          <a:bodyPr rtlCol="0" anchor="ctr"/>
+          <a:lstStyle/>
+          <a:p>
+            <a:pPr algn="ctr"/>
+            <a:endParaRPr kumimoji="1" lang="ja-JP" altLang="en-US"/>
+          </a:p>
+        </p:txBody>
+      </p:sp>
+      <p:sp>
+        <p:nvSpPr>
+          <p:cNvPr id="68" name="二等辺三角形 67"/>
+          <p:cNvSpPr/>
+          <p:nvPr/>
+        </p:nvSpPr>
+        <p:spPr>
+          <a:xfrm rot="16200000">
+            <a:off x="3923520" y="1684770"/>
+            <a:ext cx="180000" cy="180000"/>
+          </a:xfrm>
+          <a:prstGeom prst="triangle">
+            <a:avLst/>
+          </a:prstGeom>
+          <a:solidFill>
+            <a:srgbClr val="F75D31"/>
+          </a:solidFill>
+          <a:ln>
+            <a:noFill/>
+          </a:ln>
+          <a:effectLst/>
+        </p:spPr>
+        <p:style>
+          <a:lnRef idx="1">
+            <a:schemeClr val="accent1"/>
+          </a:lnRef>
+          <a:fillRef idx="3">
+            <a:schemeClr val="accent1"/>
+          </a:fillRef>
+          <a:effectRef idx="2">
+            <a:schemeClr val="accent1"/>
+          </a:effectRef>
+          <a:fontRef idx="minor">
+            <a:schemeClr val="lt1"/>
+          </a:fontRef>
+        </p:style>
+        <p:txBody>
+          <a:bodyPr rtlCol="0" anchor="ctr"/>
+          <a:lstStyle/>
+          <a:p>
+            <a:pPr algn="ctr"/>
+            <a:endParaRPr kumimoji="1" lang="ja-JP" altLang="en-US"/>
+          </a:p>
+        </p:txBody>
+      </p:sp>
+      <p:sp>
+        <p:nvSpPr>
+          <p:cNvPr id="69" name="テキスト ボックス 68"/>
+          <p:cNvSpPr txBox="1"/>
+          <p:nvPr/>
+        </p:nvSpPr>
+        <p:spPr>
+          <a:xfrm>
+            <a:off x="5013885" y="1632399"/>
+            <a:ext cx="407684" cy="307777"/>
+          </a:xfrm>
+          <a:prstGeom prst="rect">
+            <a:avLst/>
+          </a:prstGeom>
+          <a:noFill/>
+        </p:spPr>
+        <p:txBody>
+          <a:bodyPr wrap="none" rtlCol="0">
+            <a:spAutoFit/>
+          </a:bodyPr>
+          <a:lstStyle/>
+          <a:p>
+            <a:r>
+              <a:rPr lang="en-US" altLang="ja-JP" sz="1400" dirty="0" smtClean="0">
+                <a:latin typeface="メイリオ"/>
+                <a:ea typeface="メイリオ"/>
+                <a:cs typeface="メイリオ"/>
+              </a:rPr>
+              <a:t>20</a:t>
+            </a:r>
+            <a:endParaRPr kumimoji="1" lang="ja-JP" altLang="en-US" sz="1400" dirty="0">
+              <a:latin typeface="メイリオ"/>
+              <a:ea typeface="メイリオ"/>
+              <a:cs typeface="メイリオ"/>
+            </a:endParaRPr>
+          </a:p>
+        </p:txBody>
+      </p:sp>
+      <p:sp>
+        <p:nvSpPr>
+          <p:cNvPr id="21" name="テキスト ボックス 20"/>
+          <p:cNvSpPr txBox="1"/>
+          <p:nvPr/>
+        </p:nvSpPr>
+        <p:spPr>
+          <a:xfrm>
+            <a:off x="993905" y="1630084"/>
+            <a:ext cx="2623046" cy="307777"/>
+          </a:xfrm>
+          <a:prstGeom prst="rect">
+            <a:avLst/>
+          </a:prstGeom>
+          <a:noFill/>
+        </p:spPr>
+        <p:txBody>
+          <a:bodyPr wrap="none" rtlCol="0">
+            <a:spAutoFit/>
+          </a:bodyPr>
+          <a:lstStyle/>
+          <a:p>
+            <a:r>
+              <a:rPr lang="en-US" altLang="ja-JP" sz="1400" dirty="0" smtClean="0">
+                <a:latin typeface="メイリオ"/>
+                <a:ea typeface="メイリオ"/>
+                <a:cs typeface="メイリオ"/>
+              </a:rPr>
+              <a:t>xxx </a:t>
+            </a:r>
+            <a:r>
+              <a:rPr lang="ja-JP" altLang="en-US" sz="1400" dirty="0" smtClean="0">
+                <a:latin typeface="メイリオ"/>
+                <a:ea typeface="メイリオ"/>
+                <a:cs typeface="メイリオ"/>
+              </a:rPr>
+              <a:t>件中</a:t>
+            </a:r>
+            <a:r>
+              <a:rPr lang="en-US" altLang="ja-JP" sz="1400" dirty="0" smtClean="0">
+                <a:latin typeface="メイリオ"/>
+                <a:ea typeface="メイリオ"/>
+                <a:cs typeface="メイリオ"/>
+              </a:rPr>
+              <a:t> </a:t>
+            </a:r>
+            <a:r>
+              <a:rPr lang="en-US" altLang="ja-JP" sz="1400" dirty="0" err="1" smtClean="0">
+                <a:latin typeface="メイリオ"/>
+                <a:ea typeface="メイリオ"/>
+                <a:cs typeface="メイリオ"/>
+              </a:rPr>
+              <a:t>yyy</a:t>
+            </a:r>
+            <a:r>
+              <a:rPr lang="en-US" altLang="ja-JP" sz="1400" dirty="0" smtClean="0">
+                <a:latin typeface="メイリオ"/>
+                <a:ea typeface="メイリオ"/>
+                <a:cs typeface="メイリオ"/>
+              </a:rPr>
+              <a:t> 〜 </a:t>
+            </a:r>
+            <a:r>
+              <a:rPr lang="en-US" altLang="ja-JP" sz="1400" dirty="0" err="1" smtClean="0">
+                <a:latin typeface="メイリオ"/>
+                <a:ea typeface="メイリオ"/>
+                <a:cs typeface="メイリオ"/>
+              </a:rPr>
+              <a:t>zzz</a:t>
+            </a:r>
+            <a:r>
+              <a:rPr lang="en-US" altLang="ja-JP" sz="1400" dirty="0" smtClean="0">
+                <a:latin typeface="メイリオ"/>
+                <a:ea typeface="メイリオ"/>
+                <a:cs typeface="メイリオ"/>
+              </a:rPr>
+              <a:t> </a:t>
+            </a:r>
+            <a:r>
+              <a:rPr lang="ja-JP" altLang="en-US" sz="1400" dirty="0" smtClean="0">
+                <a:latin typeface="メイリオ"/>
+                <a:ea typeface="メイリオ"/>
+                <a:cs typeface="メイリオ"/>
+              </a:rPr>
+              <a:t>件を表示</a:t>
+            </a:r>
+            <a:endParaRPr kumimoji="1" lang="ja-JP" altLang="en-US" sz="1400" dirty="0">
+              <a:latin typeface="メイリオ"/>
+              <a:ea typeface="メイリオ"/>
+              <a:cs typeface="メイリオ"/>
+            </a:endParaRPr>
+          </a:p>
+        </p:txBody>
+      </p:sp>
+      <p:sp>
+        <p:nvSpPr>
+          <p:cNvPr id="22" name="二等辺三角形 21"/>
+          <p:cNvSpPr/>
+          <p:nvPr/>
+        </p:nvSpPr>
+        <p:spPr>
+          <a:xfrm rot="16200000">
+            <a:off x="3596344" y="1684770"/>
+            <a:ext cx="180000" cy="180000"/>
+          </a:xfrm>
+          <a:prstGeom prst="triangle">
+            <a:avLst/>
+          </a:prstGeom>
+          <a:solidFill>
+            <a:srgbClr val="F75D31"/>
+          </a:solidFill>
+          <a:ln>
+            <a:noFill/>
+          </a:ln>
+          <a:effectLst/>
+        </p:spPr>
+        <p:style>
+          <a:lnRef idx="1">
+            <a:schemeClr val="accent1"/>
+          </a:lnRef>
+          <a:fillRef idx="3">
+            <a:schemeClr val="accent1"/>
+          </a:fillRef>
+          <a:effectRef idx="2">
+            <a:schemeClr val="accent1"/>
+          </a:effectRef>
+          <a:fontRef idx="minor">
+            <a:schemeClr val="lt1"/>
+          </a:fontRef>
+        </p:style>
+        <p:txBody>
+          <a:bodyPr rtlCol="0" anchor="ctr"/>
+          <a:lstStyle/>
+          <a:p>
+            <a:pPr algn="ctr"/>
+            <a:endParaRPr kumimoji="1" lang="ja-JP" altLang="en-US"/>
+          </a:p>
+        </p:txBody>
+      </p:sp>
+      <p:sp>
+        <p:nvSpPr>
+          <p:cNvPr id="23" name="二等辺三角形 22"/>
+          <p:cNvSpPr/>
+          <p:nvPr/>
+        </p:nvSpPr>
+        <p:spPr>
+          <a:xfrm rot="16200000">
+            <a:off x="3693379" y="1684140"/>
+            <a:ext cx="180000" cy="180000"/>
+          </a:xfrm>
+          <a:prstGeom prst="triangle">
+            <a:avLst/>
+          </a:prstGeom>
+          <a:solidFill>
+            <a:srgbClr val="F75D31"/>
+          </a:solidFill>
+          <a:ln>
+            <a:noFill/>
+          </a:ln>
+          <a:effectLst/>
+        </p:spPr>
+        <p:style>
+          <a:lnRef idx="1">
+            <a:schemeClr val="accent1"/>
+          </a:lnRef>
+          <a:fillRef idx="3">
+            <a:schemeClr val="accent1"/>
+          </a:fillRef>
+          <a:effectRef idx="2">
+            <a:schemeClr val="accent1"/>
+          </a:effectRef>
+          <a:fontRef idx="minor">
+            <a:schemeClr val="lt1"/>
+          </a:fontRef>
+        </p:style>
+        <p:txBody>
+          <a:bodyPr rtlCol="0" anchor="ctr"/>
+          <a:lstStyle/>
+          <a:p>
+            <a:pPr algn="ctr"/>
+            <a:endParaRPr kumimoji="1" lang="ja-JP" altLang="en-US"/>
+          </a:p>
+        </p:txBody>
+      </p:sp>
+      <p:sp>
+        <p:nvSpPr>
+          <p:cNvPr id="24" name="二等辺三角形 23"/>
+          <p:cNvSpPr/>
+          <p:nvPr/>
+        </p:nvSpPr>
+        <p:spPr>
+          <a:xfrm rot="5400000">
+            <a:off x="5764549" y="1684479"/>
+            <a:ext cx="179370" cy="181212"/>
+          </a:xfrm>
+          <a:prstGeom prst="triangle">
+            <a:avLst/>
+          </a:prstGeom>
+          <a:solidFill>
+            <a:srgbClr val="F75D31"/>
+          </a:solidFill>
+          <a:ln>
+            <a:noFill/>
+          </a:ln>
+          <a:effectLst/>
+        </p:spPr>
+        <p:style>
+          <a:lnRef idx="1">
+            <a:schemeClr val="accent1"/>
+          </a:lnRef>
+          <a:fillRef idx="3">
+            <a:schemeClr val="accent1"/>
+          </a:fillRef>
+          <a:effectRef idx="2">
+            <a:schemeClr val="accent1"/>
+          </a:effectRef>
+          <a:fontRef idx="minor">
+            <a:schemeClr val="lt1"/>
+          </a:fontRef>
+        </p:style>
+        <p:txBody>
+          <a:bodyPr rtlCol="0" anchor="ctr"/>
+          <a:lstStyle/>
+          <a:p>
+            <a:pPr algn="ctr"/>
+            <a:endParaRPr kumimoji="1" lang="ja-JP" altLang="en-US"/>
+          </a:p>
+        </p:txBody>
+      </p:sp>
+      <p:sp>
+        <p:nvSpPr>
+          <p:cNvPr id="25" name="二等辺三角形 24"/>
+          <p:cNvSpPr/>
+          <p:nvPr/>
+        </p:nvSpPr>
+        <p:spPr>
+          <a:xfrm rot="5400000">
+            <a:off x="5673943" y="1684479"/>
+            <a:ext cx="179370" cy="181212"/>
+          </a:xfrm>
+          <a:prstGeom prst="triangle">
+            <a:avLst/>
+          </a:prstGeom>
+          <a:solidFill>
+            <a:srgbClr val="F75D31"/>
+          </a:solidFill>
+          <a:ln>
+            <a:noFill/>
+          </a:ln>
+          <a:effectLst/>
+        </p:spPr>
+        <p:style>
+          <a:lnRef idx="1">
+            <a:schemeClr val="accent1"/>
+          </a:lnRef>
+          <a:fillRef idx="3">
+            <a:schemeClr val="accent1"/>
+          </a:fillRef>
+          <a:effectRef idx="2">
+            <a:schemeClr val="accent1"/>
+          </a:effectRef>
+          <a:fontRef idx="minor">
+            <a:schemeClr val="lt1"/>
+          </a:fontRef>
+        </p:style>
+        <p:txBody>
+          <a:bodyPr rtlCol="0" anchor="ctr"/>
+          <a:lstStyle/>
+          <a:p>
+            <a:pPr algn="ctr"/>
+            <a:endParaRPr kumimoji="1" lang="ja-JP" altLang="en-US"/>
+          </a:p>
+        </p:txBody>
+      </p:sp>
+      <p:sp>
+        <p:nvSpPr>
+          <p:cNvPr id="28" name="角丸四角形 27"/>
+          <p:cNvSpPr/>
+          <p:nvPr/>
+        </p:nvSpPr>
+        <p:spPr>
+          <a:xfrm>
+            <a:off x="1469168" y="1187601"/>
+            <a:ext cx="562830" cy="165946"/>
+          </a:xfrm>
+          <a:prstGeom prst="roundRect">
+            <a:avLst/>
+          </a:prstGeom>
+          <a:noFill/>
+          <a:ln w="25400">
+            <a:solidFill>
+              <a:schemeClr val="tx1"/>
+            </a:solidFill>
+          </a:ln>
+          <a:effectLst/>
+        </p:spPr>
+        <p:style>
+          <a:lnRef idx="1">
+            <a:schemeClr val="accent1"/>
+          </a:lnRef>
+          <a:fillRef idx="3">
+            <a:schemeClr val="accent1"/>
+          </a:fillRef>
+          <a:effectRef idx="2">
+            <a:schemeClr val="accent1"/>
+          </a:effectRef>
+          <a:fontRef idx="minor">
+            <a:schemeClr val="lt1"/>
+          </a:fontRef>
+        </p:style>
+        <p:txBody>
+          <a:bodyPr rtlCol="0" anchor="ctr"/>
+          <a:lstStyle/>
+          <a:p>
+            <a:pPr algn="ctr"/>
+            <a:endParaRPr kumimoji="1" lang="ja-JP" altLang="en-US"/>
+          </a:p>
+        </p:txBody>
+      </p:sp>
+      <p:sp>
+        <p:nvSpPr>
+          <p:cNvPr id="29" name="テキスト ボックス 28"/>
+          <p:cNvSpPr txBox="1"/>
+          <p:nvPr/>
+        </p:nvSpPr>
+        <p:spPr>
+          <a:xfrm>
+            <a:off x="890993" y="1114621"/>
+            <a:ext cx="646331" cy="276999"/>
+          </a:xfrm>
+          <a:prstGeom prst="rect">
+            <a:avLst/>
+          </a:prstGeom>
+          <a:noFill/>
+        </p:spPr>
+        <p:txBody>
+          <a:bodyPr wrap="none" rtlCol="0">
+            <a:spAutoFit/>
+          </a:bodyPr>
+          <a:lstStyle/>
+          <a:p>
+            <a:r>
+              <a:rPr kumimoji="1" lang="ja-JP" altLang="en-US" sz="1200" dirty="0" smtClean="0">
+                <a:latin typeface="メイリオ"/>
+                <a:ea typeface="メイリオ"/>
+                <a:cs typeface="メイリオ"/>
+              </a:rPr>
+              <a:t>日付：</a:t>
+            </a:r>
+            <a:endParaRPr kumimoji="1" lang="ja-JP" altLang="en-US" sz="1200" dirty="0">
+              <a:latin typeface="メイリオ"/>
+              <a:ea typeface="メイリオ"/>
+              <a:cs typeface="メイリオ"/>
+            </a:endParaRPr>
+          </a:p>
+        </p:txBody>
+      </p:sp>
+      <p:sp>
+        <p:nvSpPr>
+          <p:cNvPr id="30" name="角丸四角形 29"/>
+          <p:cNvSpPr/>
+          <p:nvPr/>
+        </p:nvSpPr>
+        <p:spPr>
+          <a:xfrm>
+            <a:off x="2646774" y="1187601"/>
+            <a:ext cx="797002" cy="165946"/>
+          </a:xfrm>
+          <a:prstGeom prst="roundRect">
+            <a:avLst/>
+          </a:prstGeom>
+          <a:noFill/>
+          <a:ln w="25400">
+            <a:solidFill>
+              <a:schemeClr val="tx1"/>
+            </a:solidFill>
+          </a:ln>
+          <a:effectLst/>
+        </p:spPr>
+        <p:style>
+          <a:lnRef idx="1">
+            <a:schemeClr val="accent1"/>
+          </a:lnRef>
+          <a:fillRef idx="3">
+            <a:schemeClr val="accent1"/>
+          </a:fillRef>
+          <a:effectRef idx="2">
+            <a:schemeClr val="accent1"/>
+          </a:effectRef>
+          <a:fontRef idx="minor">
+            <a:schemeClr val="lt1"/>
+          </a:fontRef>
+        </p:style>
+        <p:txBody>
+          <a:bodyPr rtlCol="0" anchor="ctr"/>
+          <a:lstStyle/>
+          <a:p>
+            <a:pPr algn="ctr"/>
+            <a:endParaRPr kumimoji="1" lang="ja-JP" altLang="en-US"/>
+          </a:p>
+        </p:txBody>
+      </p:sp>
+      <p:sp>
+        <p:nvSpPr>
+          <p:cNvPr id="31" name="テキスト ボックス 30"/>
+          <p:cNvSpPr txBox="1"/>
+          <p:nvPr/>
+        </p:nvSpPr>
+        <p:spPr>
+          <a:xfrm>
+            <a:off x="2046815" y="1111063"/>
+            <a:ext cx="646331" cy="276999"/>
+          </a:xfrm>
+          <a:prstGeom prst="rect">
+            <a:avLst/>
+          </a:prstGeom>
+          <a:noFill/>
+        </p:spPr>
+        <p:txBody>
+          <a:bodyPr wrap="none" rtlCol="0">
+            <a:spAutoFit/>
+          </a:bodyPr>
+          <a:lstStyle/>
+          <a:p>
+            <a:r>
+              <a:rPr lang="ja-JP" altLang="en-US" sz="1200" dirty="0" smtClean="0">
+                <a:latin typeface="メイリオ"/>
+                <a:ea typeface="メイリオ"/>
+                <a:cs typeface="メイリオ"/>
+              </a:rPr>
+              <a:t>内容</a:t>
+            </a:r>
+            <a:r>
+              <a:rPr kumimoji="1" lang="ja-JP" altLang="en-US" sz="1200" dirty="0" smtClean="0">
+                <a:latin typeface="メイリオ"/>
+                <a:ea typeface="メイリオ"/>
+                <a:cs typeface="メイリオ"/>
+              </a:rPr>
+              <a:t>：</a:t>
+            </a:r>
+            <a:endParaRPr kumimoji="1" lang="ja-JP" altLang="en-US" sz="1200" dirty="0">
+              <a:latin typeface="メイリオ"/>
+              <a:ea typeface="メイリオ"/>
+              <a:cs typeface="メイリオ"/>
+            </a:endParaRPr>
+          </a:p>
+        </p:txBody>
+      </p:sp>
+      <p:sp>
+        <p:nvSpPr>
+          <p:cNvPr id="32" name="角丸四角形 31"/>
+          <p:cNvSpPr/>
+          <p:nvPr/>
+        </p:nvSpPr>
+        <p:spPr>
+          <a:xfrm>
+            <a:off x="4369749" y="1187601"/>
+            <a:ext cx="560480" cy="165946"/>
+          </a:xfrm>
+          <a:prstGeom prst="roundRect">
+            <a:avLst/>
+          </a:prstGeom>
+          <a:noFill/>
+          <a:ln w="25400">
+            <a:solidFill>
+              <a:schemeClr val="tx1"/>
+            </a:solidFill>
+          </a:ln>
+          <a:effectLst/>
+        </p:spPr>
+        <p:style>
+          <a:lnRef idx="1">
+            <a:schemeClr val="accent1"/>
+          </a:lnRef>
+          <a:fillRef idx="3">
+            <a:schemeClr val="accent1"/>
+          </a:fillRef>
+          <a:effectRef idx="2">
+            <a:schemeClr val="accent1"/>
+          </a:effectRef>
+          <a:fontRef idx="minor">
+            <a:schemeClr val="lt1"/>
+          </a:fontRef>
+        </p:style>
+        <p:txBody>
+          <a:bodyPr rtlCol="0" anchor="ctr"/>
+          <a:lstStyle/>
+          <a:p>
+            <a:pPr algn="ctr"/>
+            <a:endParaRPr kumimoji="1" lang="ja-JP" altLang="en-US"/>
+          </a:p>
+        </p:txBody>
+      </p:sp>
+      <p:sp>
+        <p:nvSpPr>
+          <p:cNvPr id="33" name="テキスト ボックス 32"/>
+          <p:cNvSpPr txBox="1"/>
+          <p:nvPr/>
+        </p:nvSpPr>
+        <p:spPr>
+          <a:xfrm>
+            <a:off x="3461822" y="1118689"/>
+            <a:ext cx="954107" cy="276999"/>
+          </a:xfrm>
+          <a:prstGeom prst="rect">
+            <a:avLst/>
+          </a:prstGeom>
+          <a:noFill/>
+        </p:spPr>
+        <p:txBody>
+          <a:bodyPr wrap="none" rtlCol="0">
+            <a:spAutoFit/>
+          </a:bodyPr>
+          <a:lstStyle/>
+          <a:p>
+            <a:r>
+              <a:rPr lang="ja-JP" altLang="en-US" sz="1200" dirty="0" smtClean="0">
+                <a:latin typeface="メイリオ"/>
+                <a:ea typeface="メイリオ"/>
+                <a:cs typeface="メイリオ"/>
+              </a:rPr>
+              <a:t>カテゴリ</a:t>
+            </a:r>
+            <a:r>
+              <a:rPr kumimoji="1" lang="ja-JP" altLang="en-US" sz="1200" dirty="0" smtClean="0">
+                <a:latin typeface="メイリオ"/>
+                <a:ea typeface="メイリオ"/>
+                <a:cs typeface="メイリオ"/>
+              </a:rPr>
+              <a:t>：</a:t>
+            </a:r>
+            <a:endParaRPr kumimoji="1" lang="ja-JP" altLang="en-US" sz="1200" dirty="0">
+              <a:latin typeface="メイリオ"/>
+              <a:ea typeface="メイリオ"/>
+              <a:cs typeface="メイリオ"/>
+            </a:endParaRPr>
+          </a:p>
+        </p:txBody>
+      </p:sp>
+      <p:sp>
+        <p:nvSpPr>
+          <p:cNvPr id="34" name="角丸四角形 33"/>
+          <p:cNvSpPr/>
+          <p:nvPr/>
+        </p:nvSpPr>
+        <p:spPr>
+          <a:xfrm>
+            <a:off x="5569022" y="1187601"/>
+            <a:ext cx="561630" cy="165946"/>
+          </a:xfrm>
+          <a:prstGeom prst="roundRect">
+            <a:avLst/>
+          </a:prstGeom>
+          <a:noFill/>
+          <a:ln w="25400">
+            <a:solidFill>
+              <a:schemeClr val="tx1"/>
+            </a:solidFill>
+          </a:ln>
+          <a:effectLst/>
+        </p:spPr>
+        <p:style>
+          <a:lnRef idx="1">
+            <a:schemeClr val="accent1"/>
+          </a:lnRef>
+          <a:fillRef idx="3">
+            <a:schemeClr val="accent1"/>
+          </a:fillRef>
+          <a:effectRef idx="2">
+            <a:schemeClr val="accent1"/>
+          </a:effectRef>
+          <a:fontRef idx="minor">
+            <a:schemeClr val="lt1"/>
+          </a:fontRef>
+        </p:style>
+        <p:txBody>
+          <a:bodyPr rtlCol="0" anchor="ctr"/>
+          <a:lstStyle/>
+          <a:p>
+            <a:pPr algn="ctr"/>
+            <a:endParaRPr kumimoji="1" lang="ja-JP" altLang="en-US"/>
+          </a:p>
+        </p:txBody>
+      </p:sp>
+      <p:sp>
+        <p:nvSpPr>
+          <p:cNvPr id="35" name="テキスト ボックス 34"/>
+          <p:cNvSpPr txBox="1"/>
+          <p:nvPr/>
+        </p:nvSpPr>
+        <p:spPr>
+          <a:xfrm>
+            <a:off x="4957326" y="1128924"/>
+            <a:ext cx="646331" cy="276999"/>
+          </a:xfrm>
+          <a:prstGeom prst="rect">
+            <a:avLst/>
+          </a:prstGeom>
+          <a:noFill/>
+        </p:spPr>
+        <p:txBody>
+          <a:bodyPr wrap="none" rtlCol="0">
+            <a:spAutoFit/>
+          </a:bodyPr>
+          <a:lstStyle/>
+          <a:p>
+            <a:r>
+              <a:rPr lang="ja-JP" altLang="en-US" sz="1200" dirty="0" smtClean="0">
+                <a:latin typeface="メイリオ"/>
+                <a:ea typeface="メイリオ"/>
+                <a:cs typeface="メイリオ"/>
+              </a:rPr>
+              <a:t>金額</a:t>
+            </a:r>
+            <a:r>
+              <a:rPr kumimoji="1" lang="ja-JP" altLang="en-US" sz="1200" dirty="0" smtClean="0">
+                <a:latin typeface="メイリオ"/>
+                <a:ea typeface="メイリオ"/>
+                <a:cs typeface="メイリオ"/>
+              </a:rPr>
+              <a:t>：</a:t>
+            </a:r>
+            <a:endParaRPr kumimoji="1" lang="ja-JP" altLang="en-US" sz="1200" dirty="0">
+              <a:latin typeface="メイリオ"/>
+              <a:ea typeface="メイリオ"/>
+              <a:cs typeface="メイリオ"/>
+            </a:endParaRPr>
+          </a:p>
+        </p:txBody>
+      </p:sp>
+      <p:sp>
+        <p:nvSpPr>
+          <p:cNvPr id="36" name="角丸四角形 35"/>
+          <p:cNvSpPr/>
+          <p:nvPr/>
+        </p:nvSpPr>
+        <p:spPr>
+          <a:xfrm>
+            <a:off x="6515245" y="1118689"/>
+            <a:ext cx="550589" cy="299213"/>
+          </a:xfrm>
+          <a:prstGeom prst="roundRect">
+            <a:avLst/>
+          </a:prstGeom>
+          <a:noFill/>
+          <a:ln w="25400">
+            <a:solidFill>
+              <a:schemeClr val="tx1"/>
+            </a:solidFill>
+          </a:ln>
+          <a:effectLst/>
+        </p:spPr>
+        <p:style>
+          <a:lnRef idx="1">
+            <a:schemeClr val="accent1"/>
+          </a:lnRef>
+          <a:fillRef idx="3">
+            <a:schemeClr val="accent1"/>
+          </a:fillRef>
+          <a:effectRef idx="2">
+            <a:schemeClr val="accent1"/>
+          </a:effectRef>
+          <a:fontRef idx="minor">
+            <a:schemeClr val="lt1"/>
+          </a:fontRef>
+        </p:style>
+        <p:txBody>
+          <a:bodyPr rtlCol="0" anchor="ctr"/>
+          <a:lstStyle/>
+          <a:p>
+            <a:pPr algn="ctr"/>
+            <a:r>
+              <a:rPr kumimoji="1" lang="ja-JP" altLang="en-US" sz="1200" dirty="0" smtClean="0">
+                <a:solidFill>
+                  <a:schemeClr val="tx1"/>
+                </a:solidFill>
+                <a:latin typeface="メイリオ"/>
+                <a:ea typeface="メイリオ"/>
+                <a:cs typeface="メイリオ"/>
+              </a:rPr>
+              <a:t>登録</a:t>
+            </a:r>
+            <a:endParaRPr kumimoji="1" lang="ja-JP" altLang="en-US" sz="1200" dirty="0">
+              <a:solidFill>
+                <a:schemeClr val="tx1"/>
+              </a:solidFill>
+              <a:latin typeface="メイリオ"/>
+              <a:ea typeface="メイリオ"/>
+              <a:cs typeface="メイリオ"/>
+            </a:endParaRPr>
+          </a:p>
+        </p:txBody>
+      </p:sp>
+      <p:sp>
+        <p:nvSpPr>
+          <p:cNvPr id="37" name="角丸四角形 36"/>
+          <p:cNvSpPr/>
+          <p:nvPr/>
+        </p:nvSpPr>
+        <p:spPr>
+          <a:xfrm>
+            <a:off x="7239002" y="1121482"/>
+            <a:ext cx="864625" cy="299213"/>
+          </a:xfrm>
+          <a:prstGeom prst="roundRect">
+            <a:avLst/>
+          </a:prstGeom>
+          <a:noFill/>
+          <a:ln w="25400">
+            <a:solidFill>
+              <a:schemeClr val="tx1"/>
+            </a:solidFill>
+          </a:ln>
+          <a:effectLst/>
+        </p:spPr>
+        <p:style>
+          <a:lnRef idx="1">
+            <a:schemeClr val="accent1"/>
+          </a:lnRef>
+          <a:fillRef idx="3">
+            <a:schemeClr val="accent1"/>
+          </a:fillRef>
+          <a:effectRef idx="2">
+            <a:schemeClr val="accent1"/>
+          </a:effectRef>
+          <a:fontRef idx="minor">
+            <a:schemeClr val="lt1"/>
+          </a:fontRef>
+        </p:style>
+        <p:txBody>
+          <a:bodyPr rtlCol="0" anchor="ctr"/>
+          <a:lstStyle/>
+          <a:p>
+            <a:pPr algn="ctr"/>
+            <a:r>
+              <a:rPr lang="en-US" altLang="en-US" sz="1200" dirty="0" smtClean="0">
+                <a:solidFill>
+                  <a:schemeClr val="tx1"/>
+                </a:solidFill>
+                <a:latin typeface="メイリオ"/>
+                <a:ea typeface="メイリオ"/>
+                <a:cs typeface="メイリオ"/>
+              </a:rPr>
+              <a:t>リセット</a:t>
+            </a:r>
+            <a:endParaRPr kumimoji="1" lang="ja-JP" altLang="en-US" sz="1200" dirty="0">
+              <a:solidFill>
+                <a:schemeClr val="tx1"/>
+              </a:solidFill>
+              <a:latin typeface="メイリオ"/>
+              <a:ea typeface="メイリオ"/>
+              <a:cs typeface="メイリオ"/>
+            </a:endParaRPr>
+          </a:p>
+        </p:txBody>
+      </p:sp>
+      <p:cxnSp>
+        <p:nvCxnSpPr>
+          <p:cNvPr id="38" name="直線コネクタ 37"/>
+          <p:cNvCxnSpPr/>
+          <p:nvPr/>
+        </p:nvCxnSpPr>
+        <p:spPr>
+          <a:xfrm>
+            <a:off x="923931" y="1547091"/>
+            <a:ext cx="7250251" cy="0"/>
+          </a:xfrm>
+          <a:prstGeom prst="line">
+            <a:avLst/>
+          </a:prstGeom>
+          <a:ln>
+            <a:solidFill>
+              <a:schemeClr val="bg1">
+                <a:lumMod val="65000"/>
+              </a:schemeClr>
+            </a:solidFill>
+          </a:ln>
+          <a:effectLst/>
+        </p:spPr>
+        <p:style>
+          <a:lnRef idx="2">
+            <a:schemeClr val="accent1"/>
+          </a:lnRef>
+          <a:fillRef idx="0">
+            <a:schemeClr val="accent1"/>
+          </a:fillRef>
+          <a:effectRef idx="1">
+            <a:schemeClr val="accent1"/>
+          </a:effectRef>
+          <a:fontRef idx="minor">
+            <a:schemeClr val="tx1"/>
+          </a:fontRef>
+        </p:style>
+      </p:cxnSp>
+      <p:grpSp>
+        <p:nvGrpSpPr>
+          <p:cNvPr id="6" name="図形グループ 5"/>
+          <p:cNvGrpSpPr/>
+          <p:nvPr/>
+        </p:nvGrpSpPr>
+        <p:grpSpPr>
+          <a:xfrm>
+            <a:off x="1834387" y="1685648"/>
+            <a:ext cx="5525476" cy="1981328"/>
+            <a:chOff x="1834387" y="2031998"/>
+            <a:chExt cx="5525476" cy="1981328"/>
+          </a:xfrm>
+        </p:grpSpPr>
+        <p:sp>
+          <p:nvSpPr>
+            <p:cNvPr id="2" name="角丸四角形 1"/>
+            <p:cNvSpPr/>
+            <p:nvPr/>
+          </p:nvSpPr>
+          <p:spPr>
+            <a:xfrm>
+              <a:off x="1834387" y="2031998"/>
+              <a:ext cx="5525476" cy="1981328"/>
+            </a:xfrm>
+            <a:prstGeom prst="roundRect">
+              <a:avLst/>
+            </a:prstGeom>
+            <a:solidFill>
+              <a:schemeClr val="bg1"/>
+            </a:solidFill>
+            <a:ln>
+              <a:solidFill>
+                <a:schemeClr val="tx1"/>
+              </a:solidFill>
+            </a:ln>
+          </p:spPr>
+          <p:style>
+            <a:lnRef idx="1">
+              <a:schemeClr val="accent1"/>
+            </a:lnRef>
+            <a:fillRef idx="3">
+              <a:schemeClr val="accent1"/>
+            </a:fillRef>
+            <a:effectRef idx="2">
+              <a:schemeClr val="accent1"/>
+            </a:effectRef>
+            <a:fontRef idx="minor">
+              <a:schemeClr val="lt1"/>
+            </a:fontRef>
+          </p:style>
+          <p:txBody>
+            <a:bodyPr rtlCol="0" anchor="ctr"/>
+            <a:lstStyle/>
+            <a:p>
+              <a:pPr algn="ctr"/>
+              <a:endParaRPr kumimoji="1" lang="ja-JP" altLang="en-US"/>
+            </a:p>
+          </p:txBody>
+        </p:sp>
+        <p:sp>
+          <p:nvSpPr>
+            <p:cNvPr id="26" name="角丸四角形 25"/>
+            <p:cNvSpPr/>
+            <p:nvPr/>
+          </p:nvSpPr>
+          <p:spPr>
+            <a:xfrm>
+              <a:off x="2120718" y="2660552"/>
+              <a:ext cx="4910463" cy="676047"/>
+            </a:xfrm>
+            <a:prstGeom prst="roundRect">
+              <a:avLst/>
+            </a:prstGeom>
+            <a:solidFill>
+              <a:schemeClr val="accent2">
+                <a:lumMod val="40000"/>
+                <a:lumOff val="60000"/>
+              </a:schemeClr>
+            </a:solidFill>
+            <a:ln w="25400">
+              <a:solidFill>
+                <a:schemeClr val="accent2"/>
+              </a:solidFill>
+            </a:ln>
+            <a:effectLst/>
+          </p:spPr>
+          <p:style>
+            <a:lnRef idx="1">
+              <a:schemeClr val="accent1"/>
+            </a:lnRef>
+            <a:fillRef idx="3">
+              <a:schemeClr val="accent1"/>
+            </a:fillRef>
+            <a:effectRef idx="2">
+              <a:schemeClr val="accent1"/>
+            </a:effectRef>
+            <a:fontRef idx="minor">
+              <a:schemeClr val="lt1"/>
+            </a:fontRef>
+          </p:style>
+          <p:txBody>
+            <a:bodyPr rtlCol="0" anchor="ctr"/>
+            <a:lstStyle/>
+            <a:p>
+              <a:r>
+                <a:rPr kumimoji="1" lang="ja-JP" altLang="en-US" dirty="0" smtClean="0">
+                  <a:solidFill>
+                    <a:schemeClr val="tx1"/>
+                  </a:solidFill>
+                  <a:latin typeface="メイリオ"/>
+                  <a:ea typeface="メイリオ"/>
+                  <a:cs typeface="メイリオ"/>
+                </a:rPr>
+                <a:t>　日付</a:t>
+              </a:r>
+              <a:r>
+                <a:rPr kumimoji="1" lang="en-US" altLang="ja-JP" dirty="0" smtClean="0">
+                  <a:solidFill>
+                    <a:schemeClr val="tx1"/>
+                  </a:solidFill>
+                  <a:latin typeface="メイリオ"/>
+                  <a:ea typeface="メイリオ"/>
+                  <a:cs typeface="メイリオ"/>
+                </a:rPr>
+                <a:t>,</a:t>
+              </a:r>
+              <a:r>
+                <a:rPr lang="ja-JP" altLang="en-US" dirty="0" smtClean="0">
+                  <a:solidFill>
+                    <a:schemeClr val="tx1"/>
+                  </a:solidFill>
+                  <a:latin typeface="メイリオ"/>
+                  <a:ea typeface="メイリオ"/>
+                  <a:cs typeface="メイリオ"/>
+                </a:rPr>
+                <a:t>金額</a:t>
+              </a:r>
+              <a:r>
+                <a:rPr kumimoji="1" lang="ja-JP" altLang="en-US" dirty="0" smtClean="0">
+                  <a:solidFill>
+                    <a:schemeClr val="tx1"/>
+                  </a:solidFill>
+                  <a:latin typeface="メイリオ"/>
+                  <a:ea typeface="メイリオ"/>
+                  <a:cs typeface="メイリオ"/>
+                </a:rPr>
+                <a:t>が不正です</a:t>
+              </a:r>
+              <a:endParaRPr kumimoji="1" lang="ja-JP" altLang="en-US" dirty="0">
+                <a:solidFill>
+                  <a:schemeClr val="tx1"/>
+                </a:solidFill>
+                <a:latin typeface="メイリオ"/>
+                <a:ea typeface="メイリオ"/>
+                <a:cs typeface="メイリオ"/>
+              </a:endParaRPr>
+            </a:p>
+          </p:txBody>
+        </p:sp>
+        <p:sp>
+          <p:nvSpPr>
+            <p:cNvPr id="27" name="角丸四角形 26"/>
+            <p:cNvSpPr/>
+            <p:nvPr/>
+          </p:nvSpPr>
+          <p:spPr>
+            <a:xfrm>
+              <a:off x="6239950" y="3613694"/>
+              <a:ext cx="550589" cy="299213"/>
+            </a:xfrm>
+            <a:prstGeom prst="roundRect">
+              <a:avLst/>
+            </a:prstGeom>
+            <a:solidFill>
+              <a:schemeClr val="accent1">
+                <a:lumMod val="40000"/>
+                <a:lumOff val="60000"/>
+              </a:schemeClr>
+            </a:solidFill>
+            <a:ln w="25400">
+              <a:solidFill>
+                <a:schemeClr val="accent1"/>
+              </a:solidFill>
+            </a:ln>
+            <a:effectLst/>
+          </p:spPr>
+          <p:style>
+            <a:lnRef idx="1">
+              <a:schemeClr val="accent1"/>
+            </a:lnRef>
+            <a:fillRef idx="3">
+              <a:schemeClr val="accent1"/>
+            </a:fillRef>
+            <a:effectRef idx="2">
+              <a:schemeClr val="accent1"/>
+            </a:effectRef>
+            <a:fontRef idx="minor">
+              <a:schemeClr val="lt1"/>
+            </a:fontRef>
+          </p:style>
+          <p:txBody>
+            <a:bodyPr rtlCol="0" anchor="ctr"/>
+            <a:lstStyle/>
+            <a:p>
+              <a:pPr algn="ctr"/>
+              <a:r>
+                <a:rPr lang="en-US" altLang="ja-JP" sz="1200" dirty="0" smtClean="0">
+                  <a:solidFill>
+                    <a:schemeClr val="tx1"/>
+                  </a:solidFill>
+                  <a:latin typeface="メイリオ"/>
+                  <a:ea typeface="メイリオ"/>
+                  <a:cs typeface="メイリオ"/>
+                </a:rPr>
+                <a:t>OK</a:t>
+              </a:r>
+              <a:endParaRPr kumimoji="1" lang="ja-JP" altLang="en-US" sz="1200" dirty="0">
+                <a:solidFill>
+                  <a:schemeClr val="tx1"/>
+                </a:solidFill>
+                <a:latin typeface="メイリオ"/>
+                <a:ea typeface="メイリオ"/>
+                <a:cs typeface="メイリオ"/>
+              </a:endParaRPr>
+            </a:p>
+          </p:txBody>
+        </p:sp>
+        <p:cxnSp>
+          <p:nvCxnSpPr>
+            <p:cNvPr id="40" name="直線コネクタ 39"/>
+            <p:cNvCxnSpPr/>
+            <p:nvPr/>
+          </p:nvCxnSpPr>
+          <p:spPr>
+            <a:xfrm>
+              <a:off x="1844210" y="2496127"/>
+              <a:ext cx="5515653" cy="0"/>
+            </a:xfrm>
+            <a:prstGeom prst="line">
+              <a:avLst/>
+            </a:prstGeom>
+            <a:ln>
+              <a:solidFill>
+                <a:schemeClr val="bg1">
+                  <a:lumMod val="65000"/>
+                </a:schemeClr>
+              </a:solidFill>
+            </a:ln>
+            <a:effectLst/>
+          </p:spPr>
+          <p:style>
+            <a:lnRef idx="2">
+              <a:schemeClr val="accent1"/>
+            </a:lnRef>
+            <a:fillRef idx="0">
+              <a:schemeClr val="accent1"/>
+            </a:fillRef>
+            <a:effectRef idx="1">
+              <a:schemeClr val="accent1"/>
+            </a:effectRef>
+            <a:fontRef idx="minor">
+              <a:schemeClr val="tx1"/>
+            </a:fontRef>
+          </p:style>
+        </p:cxnSp>
+        <p:cxnSp>
+          <p:nvCxnSpPr>
+            <p:cNvPr id="43" name="直線コネクタ 42"/>
+            <p:cNvCxnSpPr/>
+            <p:nvPr/>
+          </p:nvCxnSpPr>
+          <p:spPr>
+            <a:xfrm>
+              <a:off x="1834387" y="3514407"/>
+              <a:ext cx="5515653" cy="0"/>
+            </a:xfrm>
+            <a:prstGeom prst="line">
+              <a:avLst/>
+            </a:prstGeom>
+            <a:ln>
+              <a:solidFill>
+                <a:schemeClr val="bg1">
+                  <a:lumMod val="65000"/>
+                </a:schemeClr>
+              </a:solidFill>
+            </a:ln>
+            <a:effectLst/>
+          </p:spPr>
+          <p:style>
+            <a:lnRef idx="2">
+              <a:schemeClr val="accent1"/>
+            </a:lnRef>
+            <a:fillRef idx="0">
+              <a:schemeClr val="accent1"/>
+            </a:fillRef>
+            <a:effectRef idx="1">
+              <a:schemeClr val="accent1"/>
+            </a:effectRef>
+            <a:fontRef idx="minor">
+              <a:schemeClr val="tx1"/>
+            </a:fontRef>
+          </p:style>
+        </p:cxnSp>
+        <p:sp>
+          <p:nvSpPr>
+            <p:cNvPr id="44" name="テキスト ボックス 43"/>
+            <p:cNvSpPr txBox="1"/>
+            <p:nvPr/>
+          </p:nvSpPr>
+          <p:spPr>
+            <a:xfrm>
+              <a:off x="2058312" y="2119080"/>
+              <a:ext cx="723275" cy="307777"/>
+            </a:xfrm>
+            <a:prstGeom prst="rect">
+              <a:avLst/>
+            </a:prstGeom>
+            <a:noFill/>
+          </p:spPr>
+          <p:txBody>
+            <a:bodyPr wrap="none" rtlCol="0">
+              <a:spAutoFit/>
+            </a:bodyPr>
+            <a:lstStyle/>
+            <a:p>
+              <a:r>
+                <a:rPr lang="ja-JP" altLang="en-US" sz="1400" dirty="0" smtClean="0">
+                  <a:latin typeface="メイリオ"/>
+                  <a:ea typeface="メイリオ"/>
+                  <a:cs typeface="メイリオ"/>
+                </a:rPr>
+                <a:t>エラー</a:t>
+              </a:r>
+              <a:endParaRPr kumimoji="1" lang="ja-JP" altLang="en-US" sz="1400" dirty="0">
+                <a:latin typeface="メイリオ"/>
+                <a:ea typeface="メイリオ"/>
+                <a:cs typeface="メイリオ"/>
+              </a:endParaRPr>
+            </a:p>
+          </p:txBody>
+        </p:sp>
+      </p:grpSp>
+    </p:spTree>
+    <p:extLst>
+      <p:ext uri="{BB962C8B-B14F-4D97-AF65-F5344CB8AC3E}">
+        <p14:creationId xmlns:p14="http://schemas.microsoft.com/office/powerpoint/2010/main" val="4276026136"/>
       </p:ext>
     </p:extLst>
   </p:cSld>

--- a/bin/algieba.pptx
+++ b/bin/algieba.pptx
@@ -196,7 +196,7 @@
           <a:p>
             <a:fld id="{EE82FEE5-269B-9B49-A8C4-823C45BE6055}" type="datetimeFigureOut">
               <a:rPr kumimoji="1" lang="ja-JP" altLang="en-US" smtClean="0"/>
-              <a:t>16/12/15</a:t>
+              <a:t>17/02/12</a:t>
             </a:fld>
             <a:endParaRPr kumimoji="1" lang="ja-JP" altLang="en-US"/>
           </a:p>
@@ -1013,7 +1013,7 @@
           <a:p>
             <a:fld id="{3ABA01A1-4899-9944-833D-6A66CDE659CB}" type="datetimeFigureOut">
               <a:rPr kumimoji="1" lang="ja-JP" altLang="en-US" smtClean="0"/>
-              <a:t>16/12/15</a:t>
+              <a:t>17/02/12</a:t>
             </a:fld>
             <a:endParaRPr kumimoji="1" lang="ja-JP" altLang="en-US"/>
           </a:p>
@@ -1215,7 +1215,7 @@
           <a:p>
             <a:fld id="{3ABA01A1-4899-9944-833D-6A66CDE659CB}" type="datetimeFigureOut">
               <a:rPr kumimoji="1" lang="ja-JP" altLang="en-US" smtClean="0"/>
-              <a:t>16/12/15</a:t>
+              <a:t>17/02/12</a:t>
             </a:fld>
             <a:endParaRPr kumimoji="1" lang="ja-JP" altLang="en-US"/>
           </a:p>
@@ -1427,7 +1427,7 @@
           <a:p>
             <a:fld id="{3ABA01A1-4899-9944-833D-6A66CDE659CB}" type="datetimeFigureOut">
               <a:rPr kumimoji="1" lang="ja-JP" altLang="en-US" smtClean="0"/>
-              <a:t>16/12/15</a:t>
+              <a:t>17/02/12</a:t>
             </a:fld>
             <a:endParaRPr kumimoji="1" lang="ja-JP" altLang="en-US"/>
           </a:p>
@@ -1629,7 +1629,7 @@
           <a:p>
             <a:fld id="{3ABA01A1-4899-9944-833D-6A66CDE659CB}" type="datetimeFigureOut">
               <a:rPr kumimoji="1" lang="ja-JP" altLang="en-US" smtClean="0"/>
-              <a:t>16/12/15</a:t>
+              <a:t>17/02/12</a:t>
             </a:fld>
             <a:endParaRPr kumimoji="1" lang="ja-JP" altLang="en-US"/>
           </a:p>
@@ -1875,7 +1875,7 @@
           <a:p>
             <a:fld id="{3ABA01A1-4899-9944-833D-6A66CDE659CB}" type="datetimeFigureOut">
               <a:rPr kumimoji="1" lang="ja-JP" altLang="en-US" smtClean="0"/>
-              <a:t>16/12/15</a:t>
+              <a:t>17/02/12</a:t>
             </a:fld>
             <a:endParaRPr kumimoji="1" lang="ja-JP" altLang="en-US"/>
           </a:p>
@@ -2227,7 +2227,7 @@
           <a:p>
             <a:fld id="{3ABA01A1-4899-9944-833D-6A66CDE659CB}" type="datetimeFigureOut">
               <a:rPr kumimoji="1" lang="ja-JP" altLang="en-US" smtClean="0"/>
-              <a:t>16/12/15</a:t>
+              <a:t>17/02/12</a:t>
             </a:fld>
             <a:endParaRPr kumimoji="1" lang="ja-JP" altLang="en-US"/>
           </a:p>
@@ -2713,7 +2713,7 @@
           <a:p>
             <a:fld id="{3ABA01A1-4899-9944-833D-6A66CDE659CB}" type="datetimeFigureOut">
               <a:rPr kumimoji="1" lang="ja-JP" altLang="en-US" smtClean="0"/>
-              <a:t>16/12/15</a:t>
+              <a:t>17/02/12</a:t>
             </a:fld>
             <a:endParaRPr kumimoji="1" lang="ja-JP" altLang="en-US"/>
           </a:p>
@@ -2831,7 +2831,7 @@
           <a:p>
             <a:fld id="{3ABA01A1-4899-9944-833D-6A66CDE659CB}" type="datetimeFigureOut">
               <a:rPr kumimoji="1" lang="ja-JP" altLang="en-US" smtClean="0"/>
-              <a:t>16/12/15</a:t>
+              <a:t>17/02/12</a:t>
             </a:fld>
             <a:endParaRPr kumimoji="1" lang="ja-JP" altLang="en-US"/>
           </a:p>
@@ -2926,7 +2926,7 @@
           <a:p>
             <a:fld id="{3ABA01A1-4899-9944-833D-6A66CDE659CB}" type="datetimeFigureOut">
               <a:rPr kumimoji="1" lang="ja-JP" altLang="en-US" smtClean="0"/>
-              <a:t>16/12/15</a:t>
+              <a:t>17/02/12</a:t>
             </a:fld>
             <a:endParaRPr kumimoji="1" lang="ja-JP" altLang="en-US"/>
           </a:p>
@@ -3235,7 +3235,7 @@
           <a:p>
             <a:fld id="{3ABA01A1-4899-9944-833D-6A66CDE659CB}" type="datetimeFigureOut">
               <a:rPr kumimoji="1" lang="ja-JP" altLang="en-US" smtClean="0"/>
-              <a:t>16/12/15</a:t>
+              <a:t>17/02/12</a:t>
             </a:fld>
             <a:endParaRPr kumimoji="1" lang="ja-JP" altLang="en-US"/>
           </a:p>
@@ -3488,7 +3488,7 @@
           <a:p>
             <a:fld id="{3ABA01A1-4899-9944-833D-6A66CDE659CB}" type="datetimeFigureOut">
               <a:rPr kumimoji="1" lang="ja-JP" altLang="en-US" smtClean="0"/>
-              <a:t>16/12/15</a:t>
+              <a:t>17/02/12</a:t>
             </a:fld>
             <a:endParaRPr kumimoji="1" lang="ja-JP" altLang="en-US"/>
           </a:p>
@@ -3733,7 +3733,7 @@
           <a:p>
             <a:fld id="{3ABA01A1-4899-9944-833D-6A66CDE659CB}" type="datetimeFigureOut">
               <a:rPr kumimoji="1" lang="ja-JP" altLang="en-US" smtClean="0"/>
-              <a:t>16/12/15</a:t>
+              <a:t>17/02/12</a:t>
             </a:fld>
             <a:endParaRPr kumimoji="1" lang="ja-JP" altLang="en-US"/>
           </a:p>
@@ -4177,7 +4177,11 @@
             </a:r>
             <a:r>
               <a:rPr lang="en-US" altLang="ja-JP" sz="2800" dirty="0" smtClean="0"/>
-              <a:t>2016/12/15</a:t>
+              <a:t>2017/02/12</a:t>
+            </a:r>
+            <a:r>
+              <a:rPr lang="en-US" altLang="ja-JP" sz="2800" dirty="0" smtClean="0"/>
+              <a:t/>
             </a:r>
             <a:br>
               <a:rPr lang="en-US" altLang="ja-JP" sz="2800" dirty="0" smtClean="0"/>
@@ -4188,7 +4192,11 @@
             </a:r>
             <a:r>
               <a:rPr lang="en-US" altLang="ja-JP" sz="2800" dirty="0" smtClean="0"/>
-              <a:t> 2.3.0</a:t>
+              <a:t> </a:t>
+            </a:r>
+            <a:r>
+              <a:rPr lang="en-US" altLang="ja-JP" sz="2800" dirty="0" smtClean="0"/>
+              <a:t>2.4.0</a:t>
             </a:r>
             <a:endParaRPr kumimoji="1" lang="ja-JP" altLang="en-US" dirty="0"/>
           </a:p>
@@ -4271,7 +4279,7 @@
         <p:spPr>
           <a:xfrm>
             <a:off x="646545" y="969818"/>
-            <a:ext cx="7378943" cy="3693319"/>
+            <a:ext cx="7378943" cy="3970318"/>
           </a:xfrm>
           <a:prstGeom prst="rect">
             <a:avLst/>
@@ -4546,8 +4554,40 @@
                 <a:ea typeface="メイリオ"/>
                 <a:cs typeface="メイリオ"/>
               </a:rPr>
-              <a:t>から順番に表示される</a:t>
-            </a:r>
+              <a:t>から順番に表示</a:t>
+            </a:r>
+            <a:r>
+              <a:rPr lang="ja-JP" altLang="en-US" dirty="0" smtClean="0">
+                <a:latin typeface="メイリオ"/>
+                <a:ea typeface="メイリオ"/>
+                <a:cs typeface="メイリオ"/>
+              </a:rPr>
+              <a:t>される</a:t>
+            </a:r>
+            <a:endParaRPr lang="en-US" altLang="ja-JP" dirty="0" smtClean="0">
+              <a:latin typeface="メイリオ"/>
+              <a:ea typeface="メイリオ"/>
+              <a:cs typeface="メイリオ"/>
+            </a:endParaRPr>
+          </a:p>
+          <a:p>
+            <a:pPr marL="742950" lvl="1" indent="-285750">
+              <a:buFont typeface="Arial"/>
+              <a:buChar char="•"/>
+            </a:pPr>
+            <a:r>
+              <a:rPr lang="ja-JP" altLang="en-US" dirty="0" smtClean="0">
+                <a:latin typeface="メイリオ"/>
+                <a:ea typeface="メイリオ"/>
+                <a:cs typeface="メイリオ"/>
+              </a:rPr>
+              <a:t>削除ボタンを押すと、対応する家計簿が削除される</a:t>
+            </a:r>
+            <a:endParaRPr lang="ja-JP" altLang="en-US" dirty="0">
+              <a:latin typeface="メイリオ"/>
+              <a:ea typeface="メイリオ"/>
+              <a:cs typeface="メイリオ"/>
+            </a:endParaRPr>
           </a:p>
         </p:txBody>
       </p:sp>
@@ -5160,14 +5200,14 @@
           <p:nvPr>
             <p:extLst>
               <p:ext uri="{D42A27DB-BD31-4B8C-83A1-F6EECF244321}">
-                <p14:modId xmlns:p14="http://schemas.microsoft.com/office/powerpoint/2010/main" val="961343904"/>
+                <p14:modId xmlns:p14="http://schemas.microsoft.com/office/powerpoint/2010/main" val="636032545"/>
               </p:ext>
             </p:extLst>
           </p:nvPr>
         </p:nvGraphicFramePr>
         <p:xfrm>
           <a:off x="993905" y="2031998"/>
-          <a:ext cx="7180276" cy="4248728"/>
+          <a:ext cx="6891640" cy="4248728"/>
         </p:xfrm>
         <a:graphic>
           <a:graphicData uri="http://schemas.openxmlformats.org/drawingml/2006/table">
@@ -5176,10 +5216,3196 @@
                 <a:tableStyleId>{5C22544A-7EE6-4342-B048-85BDC9FD1C3A}</a:tableStyleId>
               </a:tblPr>
               <a:tblGrid>
-                <a:gridCol w="1795069"/>
-                <a:gridCol w="1795069"/>
-                <a:gridCol w="1795069"/>
-                <a:gridCol w="1795069"/>
+                <a:gridCol w="1722910"/>
+                <a:gridCol w="1722910"/>
+                <a:gridCol w="1722910"/>
+                <a:gridCol w="1722910"/>
+              </a:tblGrid>
+              <a:tr h="386248">
+                <a:tc>
+                  <a:txBody>
+                    <a:bodyPr/>
+                    <a:lstStyle/>
+                    <a:p>
+                      <a:r>
+                        <a:rPr kumimoji="1" lang="ja-JP" altLang="en-US" dirty="0" smtClean="0">
+                          <a:latin typeface="メイリオ"/>
+                          <a:ea typeface="メイリオ"/>
+                          <a:cs typeface="メイリオ"/>
+                        </a:rPr>
+                        <a:t>日付</a:t>
+                      </a:r>
+                      <a:endParaRPr kumimoji="1" lang="ja-JP" altLang="en-US" dirty="0">
+                        <a:latin typeface="メイリオ"/>
+                        <a:ea typeface="メイリオ"/>
+                        <a:cs typeface="メイリオ"/>
+                      </a:endParaRPr>
+                    </a:p>
+                  </a:txBody>
+                  <a:tcPr/>
+                </a:tc>
+                <a:tc>
+                  <a:txBody>
+                    <a:bodyPr/>
+                    <a:lstStyle/>
+                    <a:p>
+                      <a:r>
+                        <a:rPr kumimoji="1" lang="ja-JP" altLang="en-US" dirty="0" smtClean="0">
+                          <a:latin typeface="メイリオ"/>
+                          <a:ea typeface="メイリオ"/>
+                          <a:cs typeface="メイリオ"/>
+                        </a:rPr>
+                        <a:t>内容</a:t>
+                      </a:r>
+                      <a:endParaRPr kumimoji="1" lang="ja-JP" altLang="en-US" dirty="0">
+                        <a:latin typeface="メイリオ"/>
+                        <a:ea typeface="メイリオ"/>
+                        <a:cs typeface="メイリオ"/>
+                      </a:endParaRPr>
+                    </a:p>
+                  </a:txBody>
+                  <a:tcPr/>
+                </a:tc>
+                <a:tc>
+                  <a:txBody>
+                    <a:bodyPr/>
+                    <a:lstStyle/>
+                    <a:p>
+                      <a:r>
+                        <a:rPr kumimoji="1" lang="ja-JP" altLang="en-US" dirty="0" smtClean="0">
+                          <a:latin typeface="メイリオ"/>
+                          <a:ea typeface="メイリオ"/>
+                          <a:cs typeface="メイリオ"/>
+                        </a:rPr>
+                        <a:t>カテゴリ</a:t>
+                      </a:r>
+                      <a:endParaRPr kumimoji="1" lang="ja-JP" altLang="en-US" dirty="0">
+                        <a:latin typeface="メイリオ"/>
+                        <a:ea typeface="メイリオ"/>
+                        <a:cs typeface="メイリオ"/>
+                      </a:endParaRPr>
+                    </a:p>
+                  </a:txBody>
+                  <a:tcPr/>
+                </a:tc>
+                <a:tc>
+                  <a:txBody>
+                    <a:bodyPr/>
+                    <a:lstStyle/>
+                    <a:p>
+                      <a:r>
+                        <a:rPr kumimoji="1" lang="ja-JP" altLang="en-US" dirty="0" smtClean="0">
+                          <a:latin typeface="メイリオ"/>
+                          <a:ea typeface="メイリオ"/>
+                          <a:cs typeface="メイリオ"/>
+                        </a:rPr>
+                        <a:t>金額</a:t>
+                      </a:r>
+                      <a:endParaRPr kumimoji="1" lang="ja-JP" altLang="en-US" dirty="0">
+                        <a:latin typeface="メイリオ"/>
+                        <a:ea typeface="メイリオ"/>
+                        <a:cs typeface="メイリオ"/>
+                      </a:endParaRPr>
+                    </a:p>
+                  </a:txBody>
+                  <a:tcPr/>
+                </a:tc>
+              </a:tr>
+              <a:tr h="386248">
+                <a:tc>
+                  <a:txBody>
+                    <a:bodyPr/>
+                    <a:lstStyle/>
+                    <a:p>
+                      <a:endParaRPr kumimoji="1" lang="ja-JP" altLang="en-US"/>
+                    </a:p>
+                  </a:txBody>
+                  <a:tcPr/>
+                </a:tc>
+                <a:tc>
+                  <a:txBody>
+                    <a:bodyPr/>
+                    <a:lstStyle/>
+                    <a:p>
+                      <a:endParaRPr kumimoji="1" lang="ja-JP" altLang="en-US"/>
+                    </a:p>
+                  </a:txBody>
+                  <a:tcPr/>
+                </a:tc>
+                <a:tc>
+                  <a:txBody>
+                    <a:bodyPr/>
+                    <a:lstStyle/>
+                    <a:p>
+                      <a:endParaRPr kumimoji="1" lang="ja-JP" altLang="en-US"/>
+                    </a:p>
+                  </a:txBody>
+                  <a:tcPr/>
+                </a:tc>
+                <a:tc>
+                  <a:txBody>
+                    <a:bodyPr/>
+                    <a:lstStyle/>
+                    <a:p>
+                      <a:endParaRPr kumimoji="1" lang="ja-JP" altLang="en-US" dirty="0"/>
+                    </a:p>
+                  </a:txBody>
+                  <a:tcPr/>
+                </a:tc>
+              </a:tr>
+              <a:tr h="386248">
+                <a:tc>
+                  <a:txBody>
+                    <a:bodyPr/>
+                    <a:lstStyle/>
+                    <a:p>
+                      <a:endParaRPr kumimoji="1" lang="ja-JP" altLang="en-US" dirty="0"/>
+                    </a:p>
+                  </a:txBody>
+                  <a:tcPr/>
+                </a:tc>
+                <a:tc>
+                  <a:txBody>
+                    <a:bodyPr/>
+                    <a:lstStyle/>
+                    <a:p>
+                      <a:endParaRPr kumimoji="1" lang="ja-JP" altLang="en-US"/>
+                    </a:p>
+                  </a:txBody>
+                  <a:tcPr/>
+                </a:tc>
+                <a:tc>
+                  <a:txBody>
+                    <a:bodyPr/>
+                    <a:lstStyle/>
+                    <a:p>
+                      <a:endParaRPr kumimoji="1" lang="ja-JP" altLang="en-US"/>
+                    </a:p>
+                  </a:txBody>
+                  <a:tcPr/>
+                </a:tc>
+                <a:tc>
+                  <a:txBody>
+                    <a:bodyPr/>
+                    <a:lstStyle/>
+                    <a:p>
+                      <a:endParaRPr kumimoji="1" lang="ja-JP" altLang="en-US" dirty="0"/>
+                    </a:p>
+                  </a:txBody>
+                  <a:tcPr/>
+                </a:tc>
+              </a:tr>
+              <a:tr h="386248">
+                <a:tc>
+                  <a:txBody>
+                    <a:bodyPr/>
+                    <a:lstStyle/>
+                    <a:p>
+                      <a:endParaRPr kumimoji="1" lang="ja-JP" altLang="en-US" dirty="0"/>
+                    </a:p>
+                  </a:txBody>
+                  <a:tcPr/>
+                </a:tc>
+                <a:tc>
+                  <a:txBody>
+                    <a:bodyPr/>
+                    <a:lstStyle/>
+                    <a:p>
+                      <a:endParaRPr kumimoji="1" lang="ja-JP" altLang="en-US"/>
+                    </a:p>
+                  </a:txBody>
+                  <a:tcPr/>
+                </a:tc>
+                <a:tc>
+                  <a:txBody>
+                    <a:bodyPr/>
+                    <a:lstStyle/>
+                    <a:p>
+                      <a:endParaRPr kumimoji="1" lang="ja-JP" altLang="en-US"/>
+                    </a:p>
+                  </a:txBody>
+                  <a:tcPr/>
+                </a:tc>
+                <a:tc>
+                  <a:txBody>
+                    <a:bodyPr/>
+                    <a:lstStyle/>
+                    <a:p>
+                      <a:endParaRPr kumimoji="1" lang="ja-JP" altLang="en-US" dirty="0"/>
+                    </a:p>
+                  </a:txBody>
+                  <a:tcPr/>
+                </a:tc>
+              </a:tr>
+              <a:tr h="386248">
+                <a:tc>
+                  <a:txBody>
+                    <a:bodyPr/>
+                    <a:lstStyle/>
+                    <a:p>
+                      <a:endParaRPr kumimoji="1" lang="ja-JP" altLang="en-US" dirty="0"/>
+                    </a:p>
+                  </a:txBody>
+                  <a:tcPr/>
+                </a:tc>
+                <a:tc>
+                  <a:txBody>
+                    <a:bodyPr/>
+                    <a:lstStyle/>
+                    <a:p>
+                      <a:endParaRPr kumimoji="1" lang="ja-JP" altLang="en-US" dirty="0"/>
+                    </a:p>
+                  </a:txBody>
+                  <a:tcPr/>
+                </a:tc>
+                <a:tc>
+                  <a:txBody>
+                    <a:bodyPr/>
+                    <a:lstStyle/>
+                    <a:p>
+                      <a:endParaRPr kumimoji="1" lang="ja-JP" altLang="en-US"/>
+                    </a:p>
+                  </a:txBody>
+                  <a:tcPr/>
+                </a:tc>
+                <a:tc>
+                  <a:txBody>
+                    <a:bodyPr/>
+                    <a:lstStyle/>
+                    <a:p>
+                      <a:endParaRPr kumimoji="1" lang="ja-JP" altLang="en-US" dirty="0"/>
+                    </a:p>
+                  </a:txBody>
+                  <a:tcPr/>
+                </a:tc>
+              </a:tr>
+              <a:tr h="386248">
+                <a:tc>
+                  <a:txBody>
+                    <a:bodyPr/>
+                    <a:lstStyle/>
+                    <a:p>
+                      <a:endParaRPr kumimoji="1" lang="ja-JP" altLang="en-US" dirty="0"/>
+                    </a:p>
+                  </a:txBody>
+                  <a:tcPr/>
+                </a:tc>
+                <a:tc>
+                  <a:txBody>
+                    <a:bodyPr/>
+                    <a:lstStyle/>
+                    <a:p>
+                      <a:endParaRPr kumimoji="1" lang="ja-JP" altLang="en-US" dirty="0"/>
+                    </a:p>
+                  </a:txBody>
+                  <a:tcPr/>
+                </a:tc>
+                <a:tc>
+                  <a:txBody>
+                    <a:bodyPr/>
+                    <a:lstStyle/>
+                    <a:p>
+                      <a:endParaRPr kumimoji="1" lang="ja-JP" altLang="en-US"/>
+                    </a:p>
+                  </a:txBody>
+                  <a:tcPr/>
+                </a:tc>
+                <a:tc>
+                  <a:txBody>
+                    <a:bodyPr/>
+                    <a:lstStyle/>
+                    <a:p>
+                      <a:endParaRPr kumimoji="1" lang="ja-JP" altLang="en-US" dirty="0"/>
+                    </a:p>
+                  </a:txBody>
+                  <a:tcPr/>
+                </a:tc>
+              </a:tr>
+              <a:tr h="386248">
+                <a:tc>
+                  <a:txBody>
+                    <a:bodyPr/>
+                    <a:lstStyle/>
+                    <a:p>
+                      <a:endParaRPr kumimoji="1" lang="ja-JP" altLang="en-US" dirty="0"/>
+                    </a:p>
+                  </a:txBody>
+                  <a:tcPr/>
+                </a:tc>
+                <a:tc>
+                  <a:txBody>
+                    <a:bodyPr/>
+                    <a:lstStyle/>
+                    <a:p>
+                      <a:endParaRPr kumimoji="1" lang="ja-JP" altLang="en-US" dirty="0"/>
+                    </a:p>
+                  </a:txBody>
+                  <a:tcPr/>
+                </a:tc>
+                <a:tc>
+                  <a:txBody>
+                    <a:bodyPr/>
+                    <a:lstStyle/>
+                    <a:p>
+                      <a:endParaRPr kumimoji="1" lang="ja-JP" altLang="en-US"/>
+                    </a:p>
+                  </a:txBody>
+                  <a:tcPr/>
+                </a:tc>
+                <a:tc>
+                  <a:txBody>
+                    <a:bodyPr/>
+                    <a:lstStyle/>
+                    <a:p>
+                      <a:endParaRPr kumimoji="1" lang="ja-JP" altLang="en-US" dirty="0"/>
+                    </a:p>
+                  </a:txBody>
+                  <a:tcPr/>
+                </a:tc>
+              </a:tr>
+              <a:tr h="386248">
+                <a:tc>
+                  <a:txBody>
+                    <a:bodyPr/>
+                    <a:lstStyle/>
+                    <a:p>
+                      <a:endParaRPr kumimoji="1" lang="ja-JP" altLang="en-US" dirty="0"/>
+                    </a:p>
+                  </a:txBody>
+                  <a:tcPr/>
+                </a:tc>
+                <a:tc>
+                  <a:txBody>
+                    <a:bodyPr/>
+                    <a:lstStyle/>
+                    <a:p>
+                      <a:endParaRPr kumimoji="1" lang="ja-JP" altLang="en-US"/>
+                    </a:p>
+                  </a:txBody>
+                  <a:tcPr/>
+                </a:tc>
+                <a:tc>
+                  <a:txBody>
+                    <a:bodyPr/>
+                    <a:lstStyle/>
+                    <a:p>
+                      <a:endParaRPr kumimoji="1" lang="ja-JP" altLang="en-US"/>
+                    </a:p>
+                  </a:txBody>
+                  <a:tcPr/>
+                </a:tc>
+                <a:tc>
+                  <a:txBody>
+                    <a:bodyPr/>
+                    <a:lstStyle/>
+                    <a:p>
+                      <a:endParaRPr kumimoji="1" lang="ja-JP" altLang="en-US" dirty="0"/>
+                    </a:p>
+                  </a:txBody>
+                  <a:tcPr/>
+                </a:tc>
+              </a:tr>
+              <a:tr h="386248">
+                <a:tc>
+                  <a:txBody>
+                    <a:bodyPr/>
+                    <a:lstStyle/>
+                    <a:p>
+                      <a:endParaRPr kumimoji="1" lang="ja-JP" altLang="en-US"/>
+                    </a:p>
+                  </a:txBody>
+                  <a:tcPr/>
+                </a:tc>
+                <a:tc>
+                  <a:txBody>
+                    <a:bodyPr/>
+                    <a:lstStyle/>
+                    <a:p>
+                      <a:endParaRPr kumimoji="1" lang="ja-JP" altLang="en-US"/>
+                    </a:p>
+                  </a:txBody>
+                  <a:tcPr/>
+                </a:tc>
+                <a:tc>
+                  <a:txBody>
+                    <a:bodyPr/>
+                    <a:lstStyle/>
+                    <a:p>
+                      <a:endParaRPr kumimoji="1" lang="ja-JP" altLang="en-US"/>
+                    </a:p>
+                  </a:txBody>
+                  <a:tcPr/>
+                </a:tc>
+                <a:tc>
+                  <a:txBody>
+                    <a:bodyPr/>
+                    <a:lstStyle/>
+                    <a:p>
+                      <a:endParaRPr kumimoji="1" lang="ja-JP" altLang="en-US" dirty="0"/>
+                    </a:p>
+                  </a:txBody>
+                  <a:tcPr/>
+                </a:tc>
+              </a:tr>
+              <a:tr h="386248">
+                <a:tc>
+                  <a:txBody>
+                    <a:bodyPr/>
+                    <a:lstStyle/>
+                    <a:p>
+                      <a:endParaRPr kumimoji="1" lang="ja-JP" altLang="en-US"/>
+                    </a:p>
+                  </a:txBody>
+                  <a:tcPr/>
+                </a:tc>
+                <a:tc>
+                  <a:txBody>
+                    <a:bodyPr/>
+                    <a:lstStyle/>
+                    <a:p>
+                      <a:endParaRPr kumimoji="1" lang="ja-JP" altLang="en-US"/>
+                    </a:p>
+                  </a:txBody>
+                  <a:tcPr/>
+                </a:tc>
+                <a:tc>
+                  <a:txBody>
+                    <a:bodyPr/>
+                    <a:lstStyle/>
+                    <a:p>
+                      <a:endParaRPr kumimoji="1" lang="ja-JP" altLang="en-US"/>
+                    </a:p>
+                  </a:txBody>
+                  <a:tcPr/>
+                </a:tc>
+                <a:tc>
+                  <a:txBody>
+                    <a:bodyPr/>
+                    <a:lstStyle/>
+                    <a:p>
+                      <a:endParaRPr kumimoji="1" lang="ja-JP" altLang="en-US"/>
+                    </a:p>
+                  </a:txBody>
+                  <a:tcPr/>
+                </a:tc>
+              </a:tr>
+              <a:tr h="386248">
+                <a:tc>
+                  <a:txBody>
+                    <a:bodyPr/>
+                    <a:lstStyle/>
+                    <a:p>
+                      <a:endParaRPr kumimoji="1" lang="ja-JP" altLang="en-US"/>
+                    </a:p>
+                  </a:txBody>
+                  <a:tcPr/>
+                </a:tc>
+                <a:tc>
+                  <a:txBody>
+                    <a:bodyPr/>
+                    <a:lstStyle/>
+                    <a:p>
+                      <a:endParaRPr kumimoji="1" lang="ja-JP" altLang="en-US" dirty="0"/>
+                    </a:p>
+                  </a:txBody>
+                  <a:tcPr/>
+                </a:tc>
+                <a:tc>
+                  <a:txBody>
+                    <a:bodyPr/>
+                    <a:lstStyle/>
+                    <a:p>
+                      <a:endParaRPr kumimoji="1" lang="ja-JP" altLang="en-US" dirty="0"/>
+                    </a:p>
+                  </a:txBody>
+                  <a:tcPr/>
+                </a:tc>
+                <a:tc>
+                  <a:txBody>
+                    <a:bodyPr/>
+                    <a:lstStyle/>
+                    <a:p>
+                      <a:endParaRPr kumimoji="1" lang="ja-JP" altLang="en-US" dirty="0"/>
+                    </a:p>
+                  </a:txBody>
+                  <a:tcPr/>
+                </a:tc>
+              </a:tr>
+            </a:tbl>
+          </a:graphicData>
+        </a:graphic>
+      </p:graphicFrame>
+      <p:sp>
+        <p:nvSpPr>
+          <p:cNvPr id="53" name="正方形/長方形 52"/>
+          <p:cNvSpPr/>
+          <p:nvPr/>
+        </p:nvSpPr>
+        <p:spPr>
+          <a:xfrm>
+            <a:off x="783269" y="935182"/>
+            <a:ext cx="7575640" cy="5541817"/>
+          </a:xfrm>
+          <a:prstGeom prst="rect">
+            <a:avLst/>
+          </a:prstGeom>
+          <a:noFill/>
+          <a:ln w="25400">
+            <a:solidFill>
+              <a:schemeClr val="tx1"/>
+            </a:solidFill>
+          </a:ln>
+          <a:effectLst/>
+        </p:spPr>
+        <p:style>
+          <a:lnRef idx="1">
+            <a:schemeClr val="accent1"/>
+          </a:lnRef>
+          <a:fillRef idx="3">
+            <a:schemeClr val="accent1"/>
+          </a:fillRef>
+          <a:effectRef idx="2">
+            <a:schemeClr val="accent1"/>
+          </a:effectRef>
+          <a:fontRef idx="minor">
+            <a:schemeClr val="lt1"/>
+          </a:fontRef>
+        </p:style>
+        <p:txBody>
+          <a:bodyPr rtlCol="0" anchor="ctr"/>
+          <a:lstStyle/>
+          <a:p>
+            <a:pPr algn="ctr"/>
+            <a:endParaRPr kumimoji="1" lang="ja-JP" altLang="en-US" sz="2800" dirty="0">
+              <a:solidFill>
+                <a:schemeClr val="tx1"/>
+              </a:solidFill>
+              <a:latin typeface="メイリオ"/>
+              <a:ea typeface="メイリオ"/>
+              <a:cs typeface="メイリオ"/>
+            </a:endParaRPr>
+          </a:p>
+        </p:txBody>
+      </p:sp>
+      <p:sp>
+        <p:nvSpPr>
+          <p:cNvPr id="54" name="角丸四角形 53"/>
+          <p:cNvSpPr/>
+          <p:nvPr/>
+        </p:nvSpPr>
+        <p:spPr>
+          <a:xfrm>
+            <a:off x="1469168" y="1187601"/>
+            <a:ext cx="562830" cy="165946"/>
+          </a:xfrm>
+          <a:prstGeom prst="roundRect">
+            <a:avLst/>
+          </a:prstGeom>
+          <a:noFill/>
+          <a:ln w="25400">
+            <a:solidFill>
+              <a:schemeClr val="tx1"/>
+            </a:solidFill>
+          </a:ln>
+          <a:effectLst/>
+        </p:spPr>
+        <p:style>
+          <a:lnRef idx="1">
+            <a:schemeClr val="accent1"/>
+          </a:lnRef>
+          <a:fillRef idx="3">
+            <a:schemeClr val="accent1"/>
+          </a:fillRef>
+          <a:effectRef idx="2">
+            <a:schemeClr val="accent1"/>
+          </a:effectRef>
+          <a:fontRef idx="minor">
+            <a:schemeClr val="lt1"/>
+          </a:fontRef>
+        </p:style>
+        <p:txBody>
+          <a:bodyPr rtlCol="0" anchor="ctr"/>
+          <a:lstStyle/>
+          <a:p>
+            <a:pPr algn="ctr"/>
+            <a:endParaRPr kumimoji="1" lang="ja-JP" altLang="en-US"/>
+          </a:p>
+        </p:txBody>
+      </p:sp>
+      <p:sp>
+        <p:nvSpPr>
+          <p:cNvPr id="55" name="テキスト ボックス 54"/>
+          <p:cNvSpPr txBox="1"/>
+          <p:nvPr/>
+        </p:nvSpPr>
+        <p:spPr>
+          <a:xfrm>
+            <a:off x="890993" y="1114621"/>
+            <a:ext cx="646331" cy="276999"/>
+          </a:xfrm>
+          <a:prstGeom prst="rect">
+            <a:avLst/>
+          </a:prstGeom>
+          <a:noFill/>
+        </p:spPr>
+        <p:txBody>
+          <a:bodyPr wrap="none" rtlCol="0">
+            <a:spAutoFit/>
+          </a:bodyPr>
+          <a:lstStyle/>
+          <a:p>
+            <a:r>
+              <a:rPr kumimoji="1" lang="ja-JP" altLang="en-US" sz="1200" dirty="0" smtClean="0">
+                <a:latin typeface="メイリオ"/>
+                <a:ea typeface="メイリオ"/>
+                <a:cs typeface="メイリオ"/>
+              </a:rPr>
+              <a:t>日付：</a:t>
+            </a:r>
+            <a:endParaRPr kumimoji="1" lang="ja-JP" altLang="en-US" sz="1200" dirty="0">
+              <a:latin typeface="メイリオ"/>
+              <a:ea typeface="メイリオ"/>
+              <a:cs typeface="メイリオ"/>
+            </a:endParaRPr>
+          </a:p>
+        </p:txBody>
+      </p:sp>
+      <p:sp>
+        <p:nvSpPr>
+          <p:cNvPr id="56" name="角丸四角形 55"/>
+          <p:cNvSpPr/>
+          <p:nvPr/>
+        </p:nvSpPr>
+        <p:spPr>
+          <a:xfrm>
+            <a:off x="2646774" y="1187601"/>
+            <a:ext cx="797002" cy="165946"/>
+          </a:xfrm>
+          <a:prstGeom prst="roundRect">
+            <a:avLst/>
+          </a:prstGeom>
+          <a:noFill/>
+          <a:ln w="25400">
+            <a:solidFill>
+              <a:schemeClr val="tx1"/>
+            </a:solidFill>
+          </a:ln>
+          <a:effectLst/>
+        </p:spPr>
+        <p:style>
+          <a:lnRef idx="1">
+            <a:schemeClr val="accent1"/>
+          </a:lnRef>
+          <a:fillRef idx="3">
+            <a:schemeClr val="accent1"/>
+          </a:fillRef>
+          <a:effectRef idx="2">
+            <a:schemeClr val="accent1"/>
+          </a:effectRef>
+          <a:fontRef idx="minor">
+            <a:schemeClr val="lt1"/>
+          </a:fontRef>
+        </p:style>
+        <p:txBody>
+          <a:bodyPr rtlCol="0" anchor="ctr"/>
+          <a:lstStyle/>
+          <a:p>
+            <a:pPr algn="ctr"/>
+            <a:endParaRPr kumimoji="1" lang="ja-JP" altLang="en-US"/>
+          </a:p>
+        </p:txBody>
+      </p:sp>
+      <p:sp>
+        <p:nvSpPr>
+          <p:cNvPr id="57" name="テキスト ボックス 56"/>
+          <p:cNvSpPr txBox="1"/>
+          <p:nvPr/>
+        </p:nvSpPr>
+        <p:spPr>
+          <a:xfrm>
+            <a:off x="2046815" y="1111063"/>
+            <a:ext cx="646331" cy="276999"/>
+          </a:xfrm>
+          <a:prstGeom prst="rect">
+            <a:avLst/>
+          </a:prstGeom>
+          <a:noFill/>
+        </p:spPr>
+        <p:txBody>
+          <a:bodyPr wrap="none" rtlCol="0">
+            <a:spAutoFit/>
+          </a:bodyPr>
+          <a:lstStyle/>
+          <a:p>
+            <a:r>
+              <a:rPr lang="ja-JP" altLang="en-US" sz="1200" dirty="0" smtClean="0">
+                <a:latin typeface="メイリオ"/>
+                <a:ea typeface="メイリオ"/>
+                <a:cs typeface="メイリオ"/>
+              </a:rPr>
+              <a:t>内容</a:t>
+            </a:r>
+            <a:r>
+              <a:rPr kumimoji="1" lang="ja-JP" altLang="en-US" sz="1200" dirty="0" smtClean="0">
+                <a:latin typeface="メイリオ"/>
+                <a:ea typeface="メイリオ"/>
+                <a:cs typeface="メイリオ"/>
+              </a:rPr>
+              <a:t>：</a:t>
+            </a:r>
+            <a:endParaRPr kumimoji="1" lang="ja-JP" altLang="en-US" sz="1200" dirty="0">
+              <a:latin typeface="メイリオ"/>
+              <a:ea typeface="メイリオ"/>
+              <a:cs typeface="メイリオ"/>
+            </a:endParaRPr>
+          </a:p>
+        </p:txBody>
+      </p:sp>
+      <p:sp>
+        <p:nvSpPr>
+          <p:cNvPr id="58" name="角丸四角形 57"/>
+          <p:cNvSpPr/>
+          <p:nvPr/>
+        </p:nvSpPr>
+        <p:spPr>
+          <a:xfrm>
+            <a:off x="4369749" y="1187601"/>
+            <a:ext cx="560480" cy="165946"/>
+          </a:xfrm>
+          <a:prstGeom prst="roundRect">
+            <a:avLst/>
+          </a:prstGeom>
+          <a:noFill/>
+          <a:ln w="25400">
+            <a:solidFill>
+              <a:schemeClr val="tx1"/>
+            </a:solidFill>
+          </a:ln>
+          <a:effectLst/>
+        </p:spPr>
+        <p:style>
+          <a:lnRef idx="1">
+            <a:schemeClr val="accent1"/>
+          </a:lnRef>
+          <a:fillRef idx="3">
+            <a:schemeClr val="accent1"/>
+          </a:fillRef>
+          <a:effectRef idx="2">
+            <a:schemeClr val="accent1"/>
+          </a:effectRef>
+          <a:fontRef idx="minor">
+            <a:schemeClr val="lt1"/>
+          </a:fontRef>
+        </p:style>
+        <p:txBody>
+          <a:bodyPr rtlCol="0" anchor="ctr"/>
+          <a:lstStyle/>
+          <a:p>
+            <a:pPr algn="ctr"/>
+            <a:endParaRPr kumimoji="1" lang="ja-JP" altLang="en-US"/>
+          </a:p>
+        </p:txBody>
+      </p:sp>
+      <p:sp>
+        <p:nvSpPr>
+          <p:cNvPr id="59" name="テキスト ボックス 58"/>
+          <p:cNvSpPr txBox="1"/>
+          <p:nvPr/>
+        </p:nvSpPr>
+        <p:spPr>
+          <a:xfrm>
+            <a:off x="3461822" y="1118689"/>
+            <a:ext cx="954107" cy="276999"/>
+          </a:xfrm>
+          <a:prstGeom prst="rect">
+            <a:avLst/>
+          </a:prstGeom>
+          <a:noFill/>
+        </p:spPr>
+        <p:txBody>
+          <a:bodyPr wrap="none" rtlCol="0">
+            <a:spAutoFit/>
+          </a:bodyPr>
+          <a:lstStyle/>
+          <a:p>
+            <a:r>
+              <a:rPr lang="ja-JP" altLang="en-US" sz="1200" dirty="0" smtClean="0">
+                <a:latin typeface="メイリオ"/>
+                <a:ea typeface="メイリオ"/>
+                <a:cs typeface="メイリオ"/>
+              </a:rPr>
+              <a:t>カテゴリ</a:t>
+            </a:r>
+            <a:r>
+              <a:rPr kumimoji="1" lang="ja-JP" altLang="en-US" sz="1200" dirty="0" smtClean="0">
+                <a:latin typeface="メイリオ"/>
+                <a:ea typeface="メイリオ"/>
+                <a:cs typeface="メイリオ"/>
+              </a:rPr>
+              <a:t>：</a:t>
+            </a:r>
+            <a:endParaRPr kumimoji="1" lang="ja-JP" altLang="en-US" sz="1200" dirty="0">
+              <a:latin typeface="メイリオ"/>
+              <a:ea typeface="メイリオ"/>
+              <a:cs typeface="メイリオ"/>
+            </a:endParaRPr>
+          </a:p>
+        </p:txBody>
+      </p:sp>
+      <p:sp>
+        <p:nvSpPr>
+          <p:cNvPr id="60" name="角丸四角形 59"/>
+          <p:cNvSpPr/>
+          <p:nvPr/>
+        </p:nvSpPr>
+        <p:spPr>
+          <a:xfrm>
+            <a:off x="5569022" y="1187601"/>
+            <a:ext cx="561630" cy="165946"/>
+          </a:xfrm>
+          <a:prstGeom prst="roundRect">
+            <a:avLst/>
+          </a:prstGeom>
+          <a:noFill/>
+          <a:ln w="25400">
+            <a:solidFill>
+              <a:schemeClr val="tx1"/>
+            </a:solidFill>
+          </a:ln>
+          <a:effectLst/>
+        </p:spPr>
+        <p:style>
+          <a:lnRef idx="1">
+            <a:schemeClr val="accent1"/>
+          </a:lnRef>
+          <a:fillRef idx="3">
+            <a:schemeClr val="accent1"/>
+          </a:fillRef>
+          <a:effectRef idx="2">
+            <a:schemeClr val="accent1"/>
+          </a:effectRef>
+          <a:fontRef idx="minor">
+            <a:schemeClr val="lt1"/>
+          </a:fontRef>
+        </p:style>
+        <p:txBody>
+          <a:bodyPr rtlCol="0" anchor="ctr"/>
+          <a:lstStyle/>
+          <a:p>
+            <a:pPr algn="ctr"/>
+            <a:endParaRPr kumimoji="1" lang="ja-JP" altLang="en-US"/>
+          </a:p>
+        </p:txBody>
+      </p:sp>
+      <p:sp>
+        <p:nvSpPr>
+          <p:cNvPr id="61" name="テキスト ボックス 60"/>
+          <p:cNvSpPr txBox="1"/>
+          <p:nvPr/>
+        </p:nvSpPr>
+        <p:spPr>
+          <a:xfrm>
+            <a:off x="4957326" y="1128924"/>
+            <a:ext cx="646331" cy="276999"/>
+          </a:xfrm>
+          <a:prstGeom prst="rect">
+            <a:avLst/>
+          </a:prstGeom>
+          <a:noFill/>
+        </p:spPr>
+        <p:txBody>
+          <a:bodyPr wrap="none" rtlCol="0">
+            <a:spAutoFit/>
+          </a:bodyPr>
+          <a:lstStyle/>
+          <a:p>
+            <a:r>
+              <a:rPr lang="ja-JP" altLang="en-US" sz="1200" dirty="0" smtClean="0">
+                <a:latin typeface="メイリオ"/>
+                <a:ea typeface="メイリオ"/>
+                <a:cs typeface="メイリオ"/>
+              </a:rPr>
+              <a:t>金額</a:t>
+            </a:r>
+            <a:r>
+              <a:rPr kumimoji="1" lang="ja-JP" altLang="en-US" sz="1200" dirty="0" smtClean="0">
+                <a:latin typeface="メイリオ"/>
+                <a:ea typeface="メイリオ"/>
+                <a:cs typeface="メイリオ"/>
+              </a:rPr>
+              <a:t>：</a:t>
+            </a:r>
+            <a:endParaRPr kumimoji="1" lang="ja-JP" altLang="en-US" sz="1200" dirty="0">
+              <a:latin typeface="メイリオ"/>
+              <a:ea typeface="メイリオ"/>
+              <a:cs typeface="メイリオ"/>
+            </a:endParaRPr>
+          </a:p>
+        </p:txBody>
+      </p:sp>
+      <p:sp>
+        <p:nvSpPr>
+          <p:cNvPr id="62" name="角丸四角形 61"/>
+          <p:cNvSpPr/>
+          <p:nvPr/>
+        </p:nvSpPr>
+        <p:spPr>
+          <a:xfrm>
+            <a:off x="6515245" y="1118689"/>
+            <a:ext cx="550589" cy="299213"/>
+          </a:xfrm>
+          <a:prstGeom prst="roundRect">
+            <a:avLst/>
+          </a:prstGeom>
+          <a:noFill/>
+          <a:ln w="25400">
+            <a:solidFill>
+              <a:schemeClr val="tx1"/>
+            </a:solidFill>
+          </a:ln>
+          <a:effectLst/>
+        </p:spPr>
+        <p:style>
+          <a:lnRef idx="1">
+            <a:schemeClr val="accent1"/>
+          </a:lnRef>
+          <a:fillRef idx="3">
+            <a:schemeClr val="accent1"/>
+          </a:fillRef>
+          <a:effectRef idx="2">
+            <a:schemeClr val="accent1"/>
+          </a:effectRef>
+          <a:fontRef idx="minor">
+            <a:schemeClr val="lt1"/>
+          </a:fontRef>
+        </p:style>
+        <p:txBody>
+          <a:bodyPr rtlCol="0" anchor="ctr"/>
+          <a:lstStyle/>
+          <a:p>
+            <a:pPr algn="ctr"/>
+            <a:r>
+              <a:rPr kumimoji="1" lang="ja-JP" altLang="en-US" sz="1200" dirty="0" smtClean="0">
+                <a:solidFill>
+                  <a:schemeClr val="tx1"/>
+                </a:solidFill>
+                <a:latin typeface="メイリオ"/>
+                <a:ea typeface="メイリオ"/>
+                <a:cs typeface="メイリオ"/>
+              </a:rPr>
+              <a:t>登録</a:t>
+            </a:r>
+            <a:endParaRPr kumimoji="1" lang="ja-JP" altLang="en-US" sz="1200" dirty="0">
+              <a:solidFill>
+                <a:schemeClr val="tx1"/>
+              </a:solidFill>
+              <a:latin typeface="メイリオ"/>
+              <a:ea typeface="メイリオ"/>
+              <a:cs typeface="メイリオ"/>
+            </a:endParaRPr>
+          </a:p>
+        </p:txBody>
+      </p:sp>
+      <p:cxnSp>
+        <p:nvCxnSpPr>
+          <p:cNvPr id="63" name="直線コネクタ 62"/>
+          <p:cNvCxnSpPr/>
+          <p:nvPr/>
+        </p:nvCxnSpPr>
+        <p:spPr>
+          <a:xfrm>
+            <a:off x="923931" y="1547091"/>
+            <a:ext cx="7250251" cy="0"/>
+          </a:xfrm>
+          <a:prstGeom prst="line">
+            <a:avLst/>
+          </a:prstGeom>
+          <a:ln>
+            <a:solidFill>
+              <a:schemeClr val="bg1">
+                <a:lumMod val="65000"/>
+              </a:schemeClr>
+            </a:solidFill>
+          </a:ln>
+          <a:effectLst/>
+        </p:spPr>
+        <p:style>
+          <a:lnRef idx="2">
+            <a:schemeClr val="accent1"/>
+          </a:lnRef>
+          <a:fillRef idx="0">
+            <a:schemeClr val="accent1"/>
+          </a:fillRef>
+          <a:effectRef idx="1">
+            <a:schemeClr val="accent1"/>
+          </a:effectRef>
+          <a:fontRef idx="minor">
+            <a:schemeClr val="tx1"/>
+          </a:fontRef>
+        </p:style>
+      </p:cxnSp>
+      <p:sp>
+        <p:nvSpPr>
+          <p:cNvPr id="64" name="テキスト ボックス 63"/>
+          <p:cNvSpPr txBox="1"/>
+          <p:nvPr/>
+        </p:nvSpPr>
+        <p:spPr>
+          <a:xfrm>
+            <a:off x="4124211" y="1630084"/>
+            <a:ext cx="296175" cy="307777"/>
+          </a:xfrm>
+          <a:prstGeom prst="rect">
+            <a:avLst/>
+          </a:prstGeom>
+          <a:noFill/>
+        </p:spPr>
+        <p:txBody>
+          <a:bodyPr wrap="none" rtlCol="0">
+            <a:spAutoFit/>
+          </a:bodyPr>
+          <a:lstStyle/>
+          <a:p>
+            <a:r>
+              <a:rPr lang="en-US" altLang="ja-JP" sz="1400" dirty="0">
+                <a:latin typeface="メイリオ"/>
+                <a:ea typeface="メイリオ"/>
+                <a:cs typeface="メイリオ"/>
+              </a:rPr>
+              <a:t>1</a:t>
+            </a:r>
+            <a:endParaRPr kumimoji="1" lang="ja-JP" altLang="en-US" sz="1400" dirty="0">
+              <a:latin typeface="メイリオ"/>
+              <a:ea typeface="メイリオ"/>
+              <a:cs typeface="メイリオ"/>
+            </a:endParaRPr>
+          </a:p>
+        </p:txBody>
+      </p:sp>
+      <p:sp>
+        <p:nvSpPr>
+          <p:cNvPr id="65" name="テキスト ボックス 64"/>
+          <p:cNvSpPr txBox="1"/>
+          <p:nvPr/>
+        </p:nvSpPr>
+        <p:spPr>
+          <a:xfrm>
+            <a:off x="4356158" y="1632399"/>
+            <a:ext cx="296175" cy="307777"/>
+          </a:xfrm>
+          <a:prstGeom prst="rect">
+            <a:avLst/>
+          </a:prstGeom>
+          <a:noFill/>
+        </p:spPr>
+        <p:txBody>
+          <a:bodyPr wrap="none" rtlCol="0">
+            <a:spAutoFit/>
+          </a:bodyPr>
+          <a:lstStyle/>
+          <a:p>
+            <a:r>
+              <a:rPr lang="en-US" altLang="ja-JP" sz="1400" dirty="0" smtClean="0">
+                <a:latin typeface="メイリオ"/>
+                <a:ea typeface="メイリオ"/>
+                <a:cs typeface="メイリオ"/>
+              </a:rPr>
+              <a:t>2</a:t>
+            </a:r>
+            <a:endParaRPr kumimoji="1" lang="ja-JP" altLang="en-US" sz="1400" dirty="0">
+              <a:latin typeface="メイリオ"/>
+              <a:ea typeface="メイリオ"/>
+              <a:cs typeface="メイリオ"/>
+            </a:endParaRPr>
+          </a:p>
+        </p:txBody>
+      </p:sp>
+      <p:sp>
+        <p:nvSpPr>
+          <p:cNvPr id="66" name="テキスト ボックス 65"/>
+          <p:cNvSpPr txBox="1"/>
+          <p:nvPr/>
+        </p:nvSpPr>
+        <p:spPr>
+          <a:xfrm>
+            <a:off x="4597125" y="1632399"/>
+            <a:ext cx="494734" cy="307777"/>
+          </a:xfrm>
+          <a:prstGeom prst="rect">
+            <a:avLst/>
+          </a:prstGeom>
+          <a:noFill/>
+        </p:spPr>
+        <p:txBody>
+          <a:bodyPr wrap="none" rtlCol="0">
+            <a:spAutoFit/>
+          </a:bodyPr>
+          <a:lstStyle/>
+          <a:p>
+            <a:r>
+              <a:rPr lang="en-US" altLang="ja-JP" sz="1400" dirty="0" smtClean="0">
+                <a:latin typeface="メイリオ"/>
+                <a:ea typeface="メイリオ"/>
+                <a:cs typeface="メイリオ"/>
+              </a:rPr>
+              <a:t>. . .</a:t>
+            </a:r>
+            <a:endParaRPr kumimoji="1" lang="ja-JP" altLang="en-US" sz="1400" dirty="0">
+              <a:latin typeface="メイリオ"/>
+              <a:ea typeface="メイリオ"/>
+              <a:cs typeface="メイリオ"/>
+            </a:endParaRPr>
+          </a:p>
+        </p:txBody>
+      </p:sp>
+      <p:sp>
+        <p:nvSpPr>
+          <p:cNvPr id="67" name="二等辺三角形 66"/>
+          <p:cNvSpPr/>
+          <p:nvPr/>
+        </p:nvSpPr>
+        <p:spPr>
+          <a:xfrm rot="5400000">
+            <a:off x="5439130" y="1683849"/>
+            <a:ext cx="179370" cy="181212"/>
+          </a:xfrm>
+          <a:prstGeom prst="triangle">
+            <a:avLst/>
+          </a:prstGeom>
+          <a:solidFill>
+            <a:srgbClr val="F75D31"/>
+          </a:solidFill>
+          <a:ln>
+            <a:noFill/>
+          </a:ln>
+          <a:effectLst/>
+        </p:spPr>
+        <p:style>
+          <a:lnRef idx="1">
+            <a:schemeClr val="accent1"/>
+          </a:lnRef>
+          <a:fillRef idx="3">
+            <a:schemeClr val="accent1"/>
+          </a:fillRef>
+          <a:effectRef idx="2">
+            <a:schemeClr val="accent1"/>
+          </a:effectRef>
+          <a:fontRef idx="minor">
+            <a:schemeClr val="lt1"/>
+          </a:fontRef>
+        </p:style>
+        <p:txBody>
+          <a:bodyPr rtlCol="0" anchor="ctr"/>
+          <a:lstStyle/>
+          <a:p>
+            <a:pPr algn="ctr"/>
+            <a:endParaRPr kumimoji="1" lang="ja-JP" altLang="en-US"/>
+          </a:p>
+        </p:txBody>
+      </p:sp>
+      <p:sp>
+        <p:nvSpPr>
+          <p:cNvPr id="68" name="二等辺三角形 67"/>
+          <p:cNvSpPr/>
+          <p:nvPr/>
+        </p:nvSpPr>
+        <p:spPr>
+          <a:xfrm rot="16200000">
+            <a:off x="3923520" y="1684770"/>
+            <a:ext cx="180000" cy="180000"/>
+          </a:xfrm>
+          <a:prstGeom prst="triangle">
+            <a:avLst/>
+          </a:prstGeom>
+          <a:solidFill>
+            <a:srgbClr val="F75D31"/>
+          </a:solidFill>
+          <a:ln>
+            <a:noFill/>
+          </a:ln>
+          <a:effectLst/>
+        </p:spPr>
+        <p:style>
+          <a:lnRef idx="1">
+            <a:schemeClr val="accent1"/>
+          </a:lnRef>
+          <a:fillRef idx="3">
+            <a:schemeClr val="accent1"/>
+          </a:fillRef>
+          <a:effectRef idx="2">
+            <a:schemeClr val="accent1"/>
+          </a:effectRef>
+          <a:fontRef idx="minor">
+            <a:schemeClr val="lt1"/>
+          </a:fontRef>
+        </p:style>
+        <p:txBody>
+          <a:bodyPr rtlCol="0" anchor="ctr"/>
+          <a:lstStyle/>
+          <a:p>
+            <a:pPr algn="ctr"/>
+            <a:endParaRPr kumimoji="1" lang="ja-JP" altLang="en-US"/>
+          </a:p>
+        </p:txBody>
+      </p:sp>
+      <p:sp>
+        <p:nvSpPr>
+          <p:cNvPr id="69" name="テキスト ボックス 68"/>
+          <p:cNvSpPr txBox="1"/>
+          <p:nvPr/>
+        </p:nvSpPr>
+        <p:spPr>
+          <a:xfrm>
+            <a:off x="5013885" y="1632399"/>
+            <a:ext cx="407684" cy="307777"/>
+          </a:xfrm>
+          <a:prstGeom prst="rect">
+            <a:avLst/>
+          </a:prstGeom>
+          <a:noFill/>
+        </p:spPr>
+        <p:txBody>
+          <a:bodyPr wrap="none" rtlCol="0">
+            <a:spAutoFit/>
+          </a:bodyPr>
+          <a:lstStyle/>
+          <a:p>
+            <a:r>
+              <a:rPr lang="en-US" altLang="ja-JP" sz="1400" dirty="0" smtClean="0">
+                <a:latin typeface="メイリオ"/>
+                <a:ea typeface="メイリオ"/>
+                <a:cs typeface="メイリオ"/>
+              </a:rPr>
+              <a:t>20</a:t>
+            </a:r>
+            <a:endParaRPr kumimoji="1" lang="ja-JP" altLang="en-US" sz="1400" dirty="0">
+              <a:latin typeface="メイリオ"/>
+              <a:ea typeface="メイリオ"/>
+              <a:cs typeface="メイリオ"/>
+            </a:endParaRPr>
+          </a:p>
+        </p:txBody>
+      </p:sp>
+      <p:sp>
+        <p:nvSpPr>
+          <p:cNvPr id="21" name="テキスト ボックス 20"/>
+          <p:cNvSpPr txBox="1"/>
+          <p:nvPr/>
+        </p:nvSpPr>
+        <p:spPr>
+          <a:xfrm>
+            <a:off x="993905" y="1630084"/>
+            <a:ext cx="2623046" cy="307777"/>
+          </a:xfrm>
+          <a:prstGeom prst="rect">
+            <a:avLst/>
+          </a:prstGeom>
+          <a:noFill/>
+        </p:spPr>
+        <p:txBody>
+          <a:bodyPr wrap="none" rtlCol="0">
+            <a:spAutoFit/>
+          </a:bodyPr>
+          <a:lstStyle/>
+          <a:p>
+            <a:r>
+              <a:rPr lang="en-US" altLang="ja-JP" sz="1400" dirty="0" smtClean="0">
+                <a:latin typeface="メイリオ"/>
+                <a:ea typeface="メイリオ"/>
+                <a:cs typeface="メイリオ"/>
+              </a:rPr>
+              <a:t>xxx </a:t>
+            </a:r>
+            <a:r>
+              <a:rPr lang="ja-JP" altLang="en-US" sz="1400" dirty="0" smtClean="0">
+                <a:latin typeface="メイリオ"/>
+                <a:ea typeface="メイリオ"/>
+                <a:cs typeface="メイリオ"/>
+              </a:rPr>
+              <a:t>件中</a:t>
+            </a:r>
+            <a:r>
+              <a:rPr lang="en-US" altLang="ja-JP" sz="1400" dirty="0" smtClean="0">
+                <a:latin typeface="メイリオ"/>
+                <a:ea typeface="メイリオ"/>
+                <a:cs typeface="メイリオ"/>
+              </a:rPr>
+              <a:t> </a:t>
+            </a:r>
+            <a:r>
+              <a:rPr lang="en-US" altLang="ja-JP" sz="1400" dirty="0" err="1" smtClean="0">
+                <a:latin typeface="メイリオ"/>
+                <a:ea typeface="メイリオ"/>
+                <a:cs typeface="メイリオ"/>
+              </a:rPr>
+              <a:t>yyy</a:t>
+            </a:r>
+            <a:r>
+              <a:rPr lang="en-US" altLang="ja-JP" sz="1400" dirty="0" smtClean="0">
+                <a:latin typeface="メイリオ"/>
+                <a:ea typeface="メイリオ"/>
+                <a:cs typeface="メイリオ"/>
+              </a:rPr>
+              <a:t> 〜 </a:t>
+            </a:r>
+            <a:r>
+              <a:rPr lang="en-US" altLang="ja-JP" sz="1400" dirty="0" err="1" smtClean="0">
+                <a:latin typeface="メイリオ"/>
+                <a:ea typeface="メイリオ"/>
+                <a:cs typeface="メイリオ"/>
+              </a:rPr>
+              <a:t>zzz</a:t>
+            </a:r>
+            <a:r>
+              <a:rPr lang="en-US" altLang="ja-JP" sz="1400" dirty="0" smtClean="0">
+                <a:latin typeface="メイリオ"/>
+                <a:ea typeface="メイリオ"/>
+                <a:cs typeface="メイリオ"/>
+              </a:rPr>
+              <a:t> </a:t>
+            </a:r>
+            <a:r>
+              <a:rPr lang="ja-JP" altLang="en-US" sz="1400" dirty="0" smtClean="0">
+                <a:latin typeface="メイリオ"/>
+                <a:ea typeface="メイリオ"/>
+                <a:cs typeface="メイリオ"/>
+              </a:rPr>
+              <a:t>件を表示</a:t>
+            </a:r>
+            <a:endParaRPr kumimoji="1" lang="ja-JP" altLang="en-US" sz="1400" dirty="0">
+              <a:latin typeface="メイリオ"/>
+              <a:ea typeface="メイリオ"/>
+              <a:cs typeface="メイリオ"/>
+            </a:endParaRPr>
+          </a:p>
+        </p:txBody>
+      </p:sp>
+      <p:sp>
+        <p:nvSpPr>
+          <p:cNvPr id="22" name="二等辺三角形 21"/>
+          <p:cNvSpPr/>
+          <p:nvPr/>
+        </p:nvSpPr>
+        <p:spPr>
+          <a:xfrm rot="16200000">
+            <a:off x="3596344" y="1684770"/>
+            <a:ext cx="180000" cy="180000"/>
+          </a:xfrm>
+          <a:prstGeom prst="triangle">
+            <a:avLst/>
+          </a:prstGeom>
+          <a:solidFill>
+            <a:srgbClr val="F75D31"/>
+          </a:solidFill>
+          <a:ln>
+            <a:noFill/>
+          </a:ln>
+          <a:effectLst/>
+        </p:spPr>
+        <p:style>
+          <a:lnRef idx="1">
+            <a:schemeClr val="accent1"/>
+          </a:lnRef>
+          <a:fillRef idx="3">
+            <a:schemeClr val="accent1"/>
+          </a:fillRef>
+          <a:effectRef idx="2">
+            <a:schemeClr val="accent1"/>
+          </a:effectRef>
+          <a:fontRef idx="minor">
+            <a:schemeClr val="lt1"/>
+          </a:fontRef>
+        </p:style>
+        <p:txBody>
+          <a:bodyPr rtlCol="0" anchor="ctr"/>
+          <a:lstStyle/>
+          <a:p>
+            <a:pPr algn="ctr"/>
+            <a:endParaRPr kumimoji="1" lang="ja-JP" altLang="en-US"/>
+          </a:p>
+        </p:txBody>
+      </p:sp>
+      <p:sp>
+        <p:nvSpPr>
+          <p:cNvPr id="23" name="二等辺三角形 22"/>
+          <p:cNvSpPr/>
+          <p:nvPr/>
+        </p:nvSpPr>
+        <p:spPr>
+          <a:xfrm rot="16200000">
+            <a:off x="3693379" y="1684140"/>
+            <a:ext cx="180000" cy="180000"/>
+          </a:xfrm>
+          <a:prstGeom prst="triangle">
+            <a:avLst/>
+          </a:prstGeom>
+          <a:solidFill>
+            <a:srgbClr val="F75D31"/>
+          </a:solidFill>
+          <a:ln>
+            <a:noFill/>
+          </a:ln>
+          <a:effectLst/>
+        </p:spPr>
+        <p:style>
+          <a:lnRef idx="1">
+            <a:schemeClr val="accent1"/>
+          </a:lnRef>
+          <a:fillRef idx="3">
+            <a:schemeClr val="accent1"/>
+          </a:fillRef>
+          <a:effectRef idx="2">
+            <a:schemeClr val="accent1"/>
+          </a:effectRef>
+          <a:fontRef idx="minor">
+            <a:schemeClr val="lt1"/>
+          </a:fontRef>
+        </p:style>
+        <p:txBody>
+          <a:bodyPr rtlCol="0" anchor="ctr"/>
+          <a:lstStyle/>
+          <a:p>
+            <a:pPr algn="ctr"/>
+            <a:endParaRPr kumimoji="1" lang="ja-JP" altLang="en-US"/>
+          </a:p>
+        </p:txBody>
+      </p:sp>
+      <p:sp>
+        <p:nvSpPr>
+          <p:cNvPr id="24" name="二等辺三角形 23"/>
+          <p:cNvSpPr/>
+          <p:nvPr/>
+        </p:nvSpPr>
+        <p:spPr>
+          <a:xfrm rot="5400000">
+            <a:off x="5764549" y="1684479"/>
+            <a:ext cx="179370" cy="181212"/>
+          </a:xfrm>
+          <a:prstGeom prst="triangle">
+            <a:avLst/>
+          </a:prstGeom>
+          <a:solidFill>
+            <a:srgbClr val="F75D31"/>
+          </a:solidFill>
+          <a:ln>
+            <a:noFill/>
+          </a:ln>
+          <a:effectLst/>
+        </p:spPr>
+        <p:style>
+          <a:lnRef idx="1">
+            <a:schemeClr val="accent1"/>
+          </a:lnRef>
+          <a:fillRef idx="3">
+            <a:schemeClr val="accent1"/>
+          </a:fillRef>
+          <a:effectRef idx="2">
+            <a:schemeClr val="accent1"/>
+          </a:effectRef>
+          <a:fontRef idx="minor">
+            <a:schemeClr val="lt1"/>
+          </a:fontRef>
+        </p:style>
+        <p:txBody>
+          <a:bodyPr rtlCol="0" anchor="ctr"/>
+          <a:lstStyle/>
+          <a:p>
+            <a:pPr algn="ctr"/>
+            <a:endParaRPr kumimoji="1" lang="ja-JP" altLang="en-US"/>
+          </a:p>
+        </p:txBody>
+      </p:sp>
+      <p:sp>
+        <p:nvSpPr>
+          <p:cNvPr id="25" name="二等辺三角形 24"/>
+          <p:cNvSpPr/>
+          <p:nvPr/>
+        </p:nvSpPr>
+        <p:spPr>
+          <a:xfrm rot="5400000">
+            <a:off x="5673943" y="1684479"/>
+            <a:ext cx="179370" cy="181212"/>
+          </a:xfrm>
+          <a:prstGeom prst="triangle">
+            <a:avLst/>
+          </a:prstGeom>
+          <a:solidFill>
+            <a:srgbClr val="F75D31"/>
+          </a:solidFill>
+          <a:ln>
+            <a:noFill/>
+          </a:ln>
+          <a:effectLst/>
+        </p:spPr>
+        <p:style>
+          <a:lnRef idx="1">
+            <a:schemeClr val="accent1"/>
+          </a:lnRef>
+          <a:fillRef idx="3">
+            <a:schemeClr val="accent1"/>
+          </a:fillRef>
+          <a:effectRef idx="2">
+            <a:schemeClr val="accent1"/>
+          </a:effectRef>
+          <a:fontRef idx="minor">
+            <a:schemeClr val="lt1"/>
+          </a:fontRef>
+        </p:style>
+        <p:txBody>
+          <a:bodyPr rtlCol="0" anchor="ctr"/>
+          <a:lstStyle/>
+          <a:p>
+            <a:pPr algn="ctr"/>
+            <a:endParaRPr kumimoji="1" lang="ja-JP" altLang="en-US"/>
+          </a:p>
+        </p:txBody>
+      </p:sp>
+      <p:sp>
+        <p:nvSpPr>
+          <p:cNvPr id="26" name="角丸四角形 25"/>
+          <p:cNvSpPr/>
+          <p:nvPr/>
+        </p:nvSpPr>
+        <p:spPr>
+          <a:xfrm>
+            <a:off x="7239002" y="1121482"/>
+            <a:ext cx="864625" cy="299213"/>
+          </a:xfrm>
+          <a:prstGeom prst="roundRect">
+            <a:avLst/>
+          </a:prstGeom>
+          <a:noFill/>
+          <a:ln w="25400">
+            <a:solidFill>
+              <a:schemeClr val="tx1"/>
+            </a:solidFill>
+          </a:ln>
+          <a:effectLst/>
+        </p:spPr>
+        <p:style>
+          <a:lnRef idx="1">
+            <a:schemeClr val="accent1"/>
+          </a:lnRef>
+          <a:fillRef idx="3">
+            <a:schemeClr val="accent1"/>
+          </a:fillRef>
+          <a:effectRef idx="2">
+            <a:schemeClr val="accent1"/>
+          </a:effectRef>
+          <a:fontRef idx="minor">
+            <a:schemeClr val="lt1"/>
+          </a:fontRef>
+        </p:style>
+        <p:txBody>
+          <a:bodyPr rtlCol="0" anchor="ctr"/>
+          <a:lstStyle/>
+          <a:p>
+            <a:pPr algn="ctr"/>
+            <a:r>
+              <a:rPr lang="en-US" altLang="en-US" sz="1200" dirty="0" smtClean="0">
+                <a:solidFill>
+                  <a:schemeClr val="tx1"/>
+                </a:solidFill>
+                <a:latin typeface="メイリオ"/>
+                <a:ea typeface="メイリオ"/>
+                <a:cs typeface="メイリオ"/>
+              </a:rPr>
+              <a:t>リセット</a:t>
+            </a:r>
+            <a:endParaRPr kumimoji="1" lang="ja-JP" altLang="en-US" sz="1200" dirty="0">
+              <a:solidFill>
+                <a:schemeClr val="tx1"/>
+              </a:solidFill>
+              <a:latin typeface="メイリオ"/>
+              <a:ea typeface="メイリオ"/>
+              <a:cs typeface="メイリオ"/>
+            </a:endParaRPr>
+          </a:p>
+        </p:txBody>
+      </p:sp>
+      <p:sp>
+        <p:nvSpPr>
+          <p:cNvPr id="2" name="円柱 1"/>
+          <p:cNvSpPr/>
+          <p:nvPr/>
+        </p:nvSpPr>
+        <p:spPr>
+          <a:xfrm>
+            <a:off x="8017036" y="2447634"/>
+            <a:ext cx="173182" cy="288636"/>
+          </a:xfrm>
+          <a:prstGeom prst="can">
+            <a:avLst/>
+          </a:prstGeom>
+          <a:noFill/>
+          <a:ln w="25400">
+            <a:solidFill>
+              <a:schemeClr val="tx1"/>
+            </a:solidFill>
+          </a:ln>
+          <a:effectLst/>
+        </p:spPr>
+        <p:style>
+          <a:lnRef idx="1">
+            <a:schemeClr val="accent1"/>
+          </a:lnRef>
+          <a:fillRef idx="3">
+            <a:schemeClr val="accent1"/>
+          </a:fillRef>
+          <a:effectRef idx="2">
+            <a:schemeClr val="accent1"/>
+          </a:effectRef>
+          <a:fontRef idx="minor">
+            <a:schemeClr val="lt1"/>
+          </a:fontRef>
+        </p:style>
+        <p:txBody>
+          <a:bodyPr rtlCol="0" anchor="ctr"/>
+          <a:lstStyle/>
+          <a:p>
+            <a:pPr algn="ctr"/>
+            <a:endParaRPr kumimoji="1" lang="ja-JP" altLang="en-US"/>
+          </a:p>
+        </p:txBody>
+      </p:sp>
+      <p:sp>
+        <p:nvSpPr>
+          <p:cNvPr id="29" name="円柱 28"/>
+          <p:cNvSpPr/>
+          <p:nvPr/>
+        </p:nvSpPr>
+        <p:spPr>
+          <a:xfrm>
+            <a:off x="8017036" y="2856340"/>
+            <a:ext cx="173182" cy="288636"/>
+          </a:xfrm>
+          <a:prstGeom prst="can">
+            <a:avLst/>
+          </a:prstGeom>
+          <a:noFill/>
+          <a:ln w="25400">
+            <a:solidFill>
+              <a:schemeClr val="tx1"/>
+            </a:solidFill>
+          </a:ln>
+          <a:effectLst/>
+        </p:spPr>
+        <p:style>
+          <a:lnRef idx="1">
+            <a:schemeClr val="accent1"/>
+          </a:lnRef>
+          <a:fillRef idx="3">
+            <a:schemeClr val="accent1"/>
+          </a:fillRef>
+          <a:effectRef idx="2">
+            <a:schemeClr val="accent1"/>
+          </a:effectRef>
+          <a:fontRef idx="minor">
+            <a:schemeClr val="lt1"/>
+          </a:fontRef>
+        </p:style>
+        <p:txBody>
+          <a:bodyPr rtlCol="0" anchor="ctr"/>
+          <a:lstStyle/>
+          <a:p>
+            <a:pPr algn="ctr"/>
+            <a:endParaRPr kumimoji="1" lang="ja-JP" altLang="en-US"/>
+          </a:p>
+        </p:txBody>
+      </p:sp>
+      <p:sp>
+        <p:nvSpPr>
+          <p:cNvPr id="30" name="円柱 29"/>
+          <p:cNvSpPr/>
+          <p:nvPr/>
+        </p:nvSpPr>
+        <p:spPr>
+          <a:xfrm>
+            <a:off x="8017036" y="3235027"/>
+            <a:ext cx="173182" cy="288636"/>
+          </a:xfrm>
+          <a:prstGeom prst="can">
+            <a:avLst/>
+          </a:prstGeom>
+          <a:noFill/>
+          <a:ln w="25400">
+            <a:solidFill>
+              <a:schemeClr val="tx1"/>
+            </a:solidFill>
+          </a:ln>
+          <a:effectLst/>
+        </p:spPr>
+        <p:style>
+          <a:lnRef idx="1">
+            <a:schemeClr val="accent1"/>
+          </a:lnRef>
+          <a:fillRef idx="3">
+            <a:schemeClr val="accent1"/>
+          </a:fillRef>
+          <a:effectRef idx="2">
+            <a:schemeClr val="accent1"/>
+          </a:effectRef>
+          <a:fontRef idx="minor">
+            <a:schemeClr val="lt1"/>
+          </a:fontRef>
+        </p:style>
+        <p:txBody>
+          <a:bodyPr rtlCol="0" anchor="ctr"/>
+          <a:lstStyle/>
+          <a:p>
+            <a:pPr algn="ctr"/>
+            <a:endParaRPr kumimoji="1" lang="ja-JP" altLang="en-US"/>
+          </a:p>
+        </p:txBody>
+      </p:sp>
+      <p:sp>
+        <p:nvSpPr>
+          <p:cNvPr id="31" name="円柱 30"/>
+          <p:cNvSpPr/>
+          <p:nvPr/>
+        </p:nvSpPr>
+        <p:spPr>
+          <a:xfrm>
+            <a:off x="8017036" y="3624105"/>
+            <a:ext cx="173182" cy="288636"/>
+          </a:xfrm>
+          <a:prstGeom prst="can">
+            <a:avLst/>
+          </a:prstGeom>
+          <a:noFill/>
+          <a:ln w="25400">
+            <a:solidFill>
+              <a:schemeClr val="tx1"/>
+            </a:solidFill>
+          </a:ln>
+          <a:effectLst/>
+        </p:spPr>
+        <p:style>
+          <a:lnRef idx="1">
+            <a:schemeClr val="accent1"/>
+          </a:lnRef>
+          <a:fillRef idx="3">
+            <a:schemeClr val="accent1"/>
+          </a:fillRef>
+          <a:effectRef idx="2">
+            <a:schemeClr val="accent1"/>
+          </a:effectRef>
+          <a:fontRef idx="minor">
+            <a:schemeClr val="lt1"/>
+          </a:fontRef>
+        </p:style>
+        <p:txBody>
+          <a:bodyPr rtlCol="0" anchor="ctr"/>
+          <a:lstStyle/>
+          <a:p>
+            <a:pPr algn="ctr"/>
+            <a:endParaRPr kumimoji="1" lang="ja-JP" altLang="en-US"/>
+          </a:p>
+        </p:txBody>
+      </p:sp>
+      <p:sp>
+        <p:nvSpPr>
+          <p:cNvPr id="32" name="円柱 31"/>
+          <p:cNvSpPr/>
+          <p:nvPr/>
+        </p:nvSpPr>
+        <p:spPr>
+          <a:xfrm>
+            <a:off x="8017036" y="4008555"/>
+            <a:ext cx="173182" cy="288636"/>
+          </a:xfrm>
+          <a:prstGeom prst="can">
+            <a:avLst/>
+          </a:prstGeom>
+          <a:noFill/>
+          <a:ln w="25400">
+            <a:solidFill>
+              <a:schemeClr val="tx1"/>
+            </a:solidFill>
+          </a:ln>
+          <a:effectLst/>
+        </p:spPr>
+        <p:style>
+          <a:lnRef idx="1">
+            <a:schemeClr val="accent1"/>
+          </a:lnRef>
+          <a:fillRef idx="3">
+            <a:schemeClr val="accent1"/>
+          </a:fillRef>
+          <a:effectRef idx="2">
+            <a:schemeClr val="accent1"/>
+          </a:effectRef>
+          <a:fontRef idx="minor">
+            <a:schemeClr val="lt1"/>
+          </a:fontRef>
+        </p:style>
+        <p:txBody>
+          <a:bodyPr rtlCol="0" anchor="ctr"/>
+          <a:lstStyle/>
+          <a:p>
+            <a:pPr algn="ctr"/>
+            <a:endParaRPr kumimoji="1" lang="ja-JP" altLang="en-US"/>
+          </a:p>
+        </p:txBody>
+      </p:sp>
+      <p:sp>
+        <p:nvSpPr>
+          <p:cNvPr id="33" name="円柱 32"/>
+          <p:cNvSpPr/>
+          <p:nvPr/>
+        </p:nvSpPr>
+        <p:spPr>
+          <a:xfrm>
+            <a:off x="8017036" y="4397633"/>
+            <a:ext cx="173182" cy="288636"/>
+          </a:xfrm>
+          <a:prstGeom prst="can">
+            <a:avLst/>
+          </a:prstGeom>
+          <a:noFill/>
+          <a:ln w="25400">
+            <a:solidFill>
+              <a:schemeClr val="tx1"/>
+            </a:solidFill>
+          </a:ln>
+          <a:effectLst/>
+        </p:spPr>
+        <p:style>
+          <a:lnRef idx="1">
+            <a:schemeClr val="accent1"/>
+          </a:lnRef>
+          <a:fillRef idx="3">
+            <a:schemeClr val="accent1"/>
+          </a:fillRef>
+          <a:effectRef idx="2">
+            <a:schemeClr val="accent1"/>
+          </a:effectRef>
+          <a:fontRef idx="minor">
+            <a:schemeClr val="lt1"/>
+          </a:fontRef>
+        </p:style>
+        <p:txBody>
+          <a:bodyPr rtlCol="0" anchor="ctr"/>
+          <a:lstStyle/>
+          <a:p>
+            <a:pPr algn="ctr"/>
+            <a:endParaRPr kumimoji="1" lang="ja-JP" altLang="en-US"/>
+          </a:p>
+        </p:txBody>
+      </p:sp>
+      <p:sp>
+        <p:nvSpPr>
+          <p:cNvPr id="34" name="円柱 33"/>
+          <p:cNvSpPr/>
+          <p:nvPr/>
+        </p:nvSpPr>
+        <p:spPr>
+          <a:xfrm>
+            <a:off x="8017036" y="4782067"/>
+            <a:ext cx="173182" cy="288636"/>
+          </a:xfrm>
+          <a:prstGeom prst="can">
+            <a:avLst/>
+          </a:prstGeom>
+          <a:noFill/>
+          <a:ln w="25400">
+            <a:solidFill>
+              <a:schemeClr val="tx1"/>
+            </a:solidFill>
+          </a:ln>
+          <a:effectLst/>
+        </p:spPr>
+        <p:style>
+          <a:lnRef idx="1">
+            <a:schemeClr val="accent1"/>
+          </a:lnRef>
+          <a:fillRef idx="3">
+            <a:schemeClr val="accent1"/>
+          </a:fillRef>
+          <a:effectRef idx="2">
+            <a:schemeClr val="accent1"/>
+          </a:effectRef>
+          <a:fontRef idx="minor">
+            <a:schemeClr val="lt1"/>
+          </a:fontRef>
+        </p:style>
+        <p:txBody>
+          <a:bodyPr rtlCol="0" anchor="ctr"/>
+          <a:lstStyle/>
+          <a:p>
+            <a:pPr algn="ctr"/>
+            <a:endParaRPr kumimoji="1" lang="ja-JP" altLang="en-US"/>
+          </a:p>
+        </p:txBody>
+      </p:sp>
+      <p:sp>
+        <p:nvSpPr>
+          <p:cNvPr id="35" name="円柱 34"/>
+          <p:cNvSpPr/>
+          <p:nvPr/>
+        </p:nvSpPr>
+        <p:spPr>
+          <a:xfrm>
+            <a:off x="8017036" y="5169935"/>
+            <a:ext cx="173182" cy="288636"/>
+          </a:xfrm>
+          <a:prstGeom prst="can">
+            <a:avLst/>
+          </a:prstGeom>
+          <a:noFill/>
+          <a:ln w="25400">
+            <a:solidFill>
+              <a:schemeClr val="tx1"/>
+            </a:solidFill>
+          </a:ln>
+          <a:effectLst/>
+        </p:spPr>
+        <p:style>
+          <a:lnRef idx="1">
+            <a:schemeClr val="accent1"/>
+          </a:lnRef>
+          <a:fillRef idx="3">
+            <a:schemeClr val="accent1"/>
+          </a:fillRef>
+          <a:effectRef idx="2">
+            <a:schemeClr val="accent1"/>
+          </a:effectRef>
+          <a:fontRef idx="minor">
+            <a:schemeClr val="lt1"/>
+          </a:fontRef>
+        </p:style>
+        <p:txBody>
+          <a:bodyPr rtlCol="0" anchor="ctr"/>
+          <a:lstStyle/>
+          <a:p>
+            <a:pPr algn="ctr"/>
+            <a:endParaRPr kumimoji="1" lang="ja-JP" altLang="en-US"/>
+          </a:p>
+        </p:txBody>
+      </p:sp>
+      <p:sp>
+        <p:nvSpPr>
+          <p:cNvPr id="36" name="円柱 35"/>
+          <p:cNvSpPr/>
+          <p:nvPr/>
+        </p:nvSpPr>
+        <p:spPr>
+          <a:xfrm>
+            <a:off x="8017036" y="5559013"/>
+            <a:ext cx="173182" cy="288636"/>
+          </a:xfrm>
+          <a:prstGeom prst="can">
+            <a:avLst/>
+          </a:prstGeom>
+          <a:noFill/>
+          <a:ln w="25400">
+            <a:solidFill>
+              <a:schemeClr val="tx1"/>
+            </a:solidFill>
+          </a:ln>
+          <a:effectLst/>
+        </p:spPr>
+        <p:style>
+          <a:lnRef idx="1">
+            <a:schemeClr val="accent1"/>
+          </a:lnRef>
+          <a:fillRef idx="3">
+            <a:schemeClr val="accent1"/>
+          </a:fillRef>
+          <a:effectRef idx="2">
+            <a:schemeClr val="accent1"/>
+          </a:effectRef>
+          <a:fontRef idx="minor">
+            <a:schemeClr val="lt1"/>
+          </a:fontRef>
+        </p:style>
+        <p:txBody>
+          <a:bodyPr rtlCol="0" anchor="ctr"/>
+          <a:lstStyle/>
+          <a:p>
+            <a:pPr algn="ctr"/>
+            <a:endParaRPr kumimoji="1" lang="ja-JP" altLang="en-US"/>
+          </a:p>
+        </p:txBody>
+      </p:sp>
+      <p:sp>
+        <p:nvSpPr>
+          <p:cNvPr id="37" name="円柱 36"/>
+          <p:cNvSpPr/>
+          <p:nvPr/>
+        </p:nvSpPr>
+        <p:spPr>
+          <a:xfrm>
+            <a:off x="8017036" y="5930778"/>
+            <a:ext cx="173182" cy="288636"/>
+          </a:xfrm>
+          <a:prstGeom prst="can">
+            <a:avLst/>
+          </a:prstGeom>
+          <a:noFill/>
+          <a:ln w="25400">
+            <a:solidFill>
+              <a:schemeClr val="tx1"/>
+            </a:solidFill>
+          </a:ln>
+          <a:effectLst/>
+        </p:spPr>
+        <p:style>
+          <a:lnRef idx="1">
+            <a:schemeClr val="accent1"/>
+          </a:lnRef>
+          <a:fillRef idx="3">
+            <a:schemeClr val="accent1"/>
+          </a:fillRef>
+          <a:effectRef idx="2">
+            <a:schemeClr val="accent1"/>
+          </a:effectRef>
+          <a:fontRef idx="minor">
+            <a:schemeClr val="lt1"/>
+          </a:fontRef>
+        </p:style>
+        <p:txBody>
+          <a:bodyPr rtlCol="0" anchor="ctr"/>
+          <a:lstStyle/>
+          <a:p>
+            <a:pPr algn="ctr"/>
+            <a:endParaRPr kumimoji="1" lang="ja-JP" altLang="en-US"/>
+          </a:p>
+        </p:txBody>
+      </p:sp>
+    </p:spTree>
+    <p:extLst>
+      <p:ext uri="{BB962C8B-B14F-4D97-AF65-F5344CB8AC3E}">
+        <p14:creationId xmlns:p14="http://schemas.microsoft.com/office/powerpoint/2010/main" val="376941403"/>
+      </p:ext>
+    </p:extLst>
+  </p:cSld>
+  <p:clrMapOvr>
+    <a:masterClrMapping/>
+  </p:clrMapOvr>
+</p:sld>
+</file>
+
+<file path=ppt/slides/slide5.xml><?xml version="1.0" encoding="utf-8"?>
+<p:sld xmlns:a="http://schemas.openxmlformats.org/drawingml/2006/main" xmlns:r="http://schemas.openxmlformats.org/officeDocument/2006/relationships" xmlns:p="http://schemas.openxmlformats.org/presentationml/2006/main">
+  <p:cSld>
+    <p:spTree>
+      <p:nvGrpSpPr>
+        <p:cNvPr id="1" name=""/>
+        <p:cNvGrpSpPr/>
+        <p:nvPr/>
+      </p:nvGrpSpPr>
+      <p:grpSpPr>
+        <a:xfrm>
+          <a:off x="0" y="0"/>
+          <a:ext cx="0" cy="0"/>
+          <a:chOff x="0" y="0"/>
+          <a:chExt cx="0" cy="0"/>
+        </a:xfrm>
+      </p:grpSpPr>
+      <p:sp>
+        <p:nvSpPr>
+          <p:cNvPr id="4" name="テキスト ボックス 3"/>
+          <p:cNvSpPr txBox="1"/>
+          <p:nvPr/>
+        </p:nvSpPr>
+        <p:spPr>
+          <a:xfrm>
+            <a:off x="200532" y="187161"/>
+            <a:ext cx="4134465" cy="523220"/>
+          </a:xfrm>
+          <a:prstGeom prst="rect">
+            <a:avLst/>
+          </a:prstGeom>
+          <a:noFill/>
+        </p:spPr>
+        <p:txBody>
+          <a:bodyPr wrap="none" rtlCol="0">
+            <a:spAutoFit/>
+          </a:bodyPr>
+          <a:lstStyle/>
+          <a:p>
+            <a:r>
+              <a:rPr lang="ja-JP" altLang="en-US" sz="2800" dirty="0" smtClean="0">
+                <a:latin typeface="メイリオ"/>
+                <a:ea typeface="メイリオ"/>
+                <a:cs typeface="メイリオ"/>
+              </a:rPr>
+              <a:t>管理画面（登録失敗時）</a:t>
+            </a:r>
+            <a:endParaRPr kumimoji="1" lang="ja-JP" altLang="en-US" sz="2000" dirty="0">
+              <a:latin typeface="メイリオ"/>
+              <a:ea typeface="メイリオ"/>
+              <a:cs typeface="メイリオ"/>
+            </a:endParaRPr>
+          </a:p>
+        </p:txBody>
+      </p:sp>
+      <p:sp>
+        <p:nvSpPr>
+          <p:cNvPr id="64" name="テキスト ボックス 63"/>
+          <p:cNvSpPr txBox="1"/>
+          <p:nvPr/>
+        </p:nvSpPr>
+        <p:spPr>
+          <a:xfrm>
+            <a:off x="4124211" y="1630084"/>
+            <a:ext cx="296175" cy="307777"/>
+          </a:xfrm>
+          <a:prstGeom prst="rect">
+            <a:avLst/>
+          </a:prstGeom>
+          <a:noFill/>
+        </p:spPr>
+        <p:txBody>
+          <a:bodyPr wrap="none" rtlCol="0">
+            <a:spAutoFit/>
+          </a:bodyPr>
+          <a:lstStyle/>
+          <a:p>
+            <a:r>
+              <a:rPr lang="en-US" altLang="ja-JP" sz="1400" dirty="0">
+                <a:latin typeface="メイリオ"/>
+                <a:ea typeface="メイリオ"/>
+                <a:cs typeface="メイリオ"/>
+              </a:rPr>
+              <a:t>1</a:t>
+            </a:r>
+            <a:endParaRPr kumimoji="1" lang="ja-JP" altLang="en-US" sz="1400" dirty="0">
+              <a:latin typeface="メイリオ"/>
+              <a:ea typeface="メイリオ"/>
+              <a:cs typeface="メイリオ"/>
+            </a:endParaRPr>
+          </a:p>
+        </p:txBody>
+      </p:sp>
+      <p:sp>
+        <p:nvSpPr>
+          <p:cNvPr id="65" name="テキスト ボックス 64"/>
+          <p:cNvSpPr txBox="1"/>
+          <p:nvPr/>
+        </p:nvSpPr>
+        <p:spPr>
+          <a:xfrm>
+            <a:off x="4356158" y="1632399"/>
+            <a:ext cx="296175" cy="307777"/>
+          </a:xfrm>
+          <a:prstGeom prst="rect">
+            <a:avLst/>
+          </a:prstGeom>
+          <a:noFill/>
+        </p:spPr>
+        <p:txBody>
+          <a:bodyPr wrap="none" rtlCol="0">
+            <a:spAutoFit/>
+          </a:bodyPr>
+          <a:lstStyle/>
+          <a:p>
+            <a:r>
+              <a:rPr lang="en-US" altLang="ja-JP" sz="1400" dirty="0" smtClean="0">
+                <a:latin typeface="メイリオ"/>
+                <a:ea typeface="メイリオ"/>
+                <a:cs typeface="メイリオ"/>
+              </a:rPr>
+              <a:t>2</a:t>
+            </a:r>
+            <a:endParaRPr kumimoji="1" lang="ja-JP" altLang="en-US" sz="1400" dirty="0">
+              <a:latin typeface="メイリオ"/>
+              <a:ea typeface="メイリオ"/>
+              <a:cs typeface="メイリオ"/>
+            </a:endParaRPr>
+          </a:p>
+        </p:txBody>
+      </p:sp>
+      <p:sp>
+        <p:nvSpPr>
+          <p:cNvPr id="66" name="テキスト ボックス 65"/>
+          <p:cNvSpPr txBox="1"/>
+          <p:nvPr/>
+        </p:nvSpPr>
+        <p:spPr>
+          <a:xfrm>
+            <a:off x="4597125" y="1632399"/>
+            <a:ext cx="494734" cy="307777"/>
+          </a:xfrm>
+          <a:prstGeom prst="rect">
+            <a:avLst/>
+          </a:prstGeom>
+          <a:noFill/>
+        </p:spPr>
+        <p:txBody>
+          <a:bodyPr wrap="none" rtlCol="0">
+            <a:spAutoFit/>
+          </a:bodyPr>
+          <a:lstStyle/>
+          <a:p>
+            <a:r>
+              <a:rPr lang="en-US" altLang="ja-JP" sz="1400" dirty="0" smtClean="0">
+                <a:latin typeface="メイリオ"/>
+                <a:ea typeface="メイリオ"/>
+                <a:cs typeface="メイリオ"/>
+              </a:rPr>
+              <a:t>. . .</a:t>
+            </a:r>
+            <a:endParaRPr kumimoji="1" lang="ja-JP" altLang="en-US" sz="1400" dirty="0">
+              <a:latin typeface="メイリオ"/>
+              <a:ea typeface="メイリオ"/>
+              <a:cs typeface="メイリオ"/>
+            </a:endParaRPr>
+          </a:p>
+        </p:txBody>
+      </p:sp>
+      <p:sp>
+        <p:nvSpPr>
+          <p:cNvPr id="67" name="二等辺三角形 66"/>
+          <p:cNvSpPr/>
+          <p:nvPr/>
+        </p:nvSpPr>
+        <p:spPr>
+          <a:xfrm rot="5400000">
+            <a:off x="5439130" y="1683849"/>
+            <a:ext cx="179370" cy="181212"/>
+          </a:xfrm>
+          <a:prstGeom prst="triangle">
+            <a:avLst/>
+          </a:prstGeom>
+          <a:solidFill>
+            <a:srgbClr val="F75D31"/>
+          </a:solidFill>
+          <a:ln>
+            <a:noFill/>
+          </a:ln>
+          <a:effectLst/>
+        </p:spPr>
+        <p:style>
+          <a:lnRef idx="1">
+            <a:schemeClr val="accent1"/>
+          </a:lnRef>
+          <a:fillRef idx="3">
+            <a:schemeClr val="accent1"/>
+          </a:fillRef>
+          <a:effectRef idx="2">
+            <a:schemeClr val="accent1"/>
+          </a:effectRef>
+          <a:fontRef idx="minor">
+            <a:schemeClr val="lt1"/>
+          </a:fontRef>
+        </p:style>
+        <p:txBody>
+          <a:bodyPr rtlCol="0" anchor="ctr"/>
+          <a:lstStyle/>
+          <a:p>
+            <a:pPr algn="ctr"/>
+            <a:endParaRPr kumimoji="1" lang="ja-JP" altLang="en-US"/>
+          </a:p>
+        </p:txBody>
+      </p:sp>
+      <p:sp>
+        <p:nvSpPr>
+          <p:cNvPr id="68" name="二等辺三角形 67"/>
+          <p:cNvSpPr/>
+          <p:nvPr/>
+        </p:nvSpPr>
+        <p:spPr>
+          <a:xfrm rot="16200000">
+            <a:off x="3923520" y="1684770"/>
+            <a:ext cx="180000" cy="180000"/>
+          </a:xfrm>
+          <a:prstGeom prst="triangle">
+            <a:avLst/>
+          </a:prstGeom>
+          <a:solidFill>
+            <a:srgbClr val="F75D31"/>
+          </a:solidFill>
+          <a:ln>
+            <a:noFill/>
+          </a:ln>
+          <a:effectLst/>
+        </p:spPr>
+        <p:style>
+          <a:lnRef idx="1">
+            <a:schemeClr val="accent1"/>
+          </a:lnRef>
+          <a:fillRef idx="3">
+            <a:schemeClr val="accent1"/>
+          </a:fillRef>
+          <a:effectRef idx="2">
+            <a:schemeClr val="accent1"/>
+          </a:effectRef>
+          <a:fontRef idx="minor">
+            <a:schemeClr val="lt1"/>
+          </a:fontRef>
+        </p:style>
+        <p:txBody>
+          <a:bodyPr rtlCol="0" anchor="ctr"/>
+          <a:lstStyle/>
+          <a:p>
+            <a:pPr algn="ctr"/>
+            <a:endParaRPr kumimoji="1" lang="ja-JP" altLang="en-US"/>
+          </a:p>
+        </p:txBody>
+      </p:sp>
+      <p:sp>
+        <p:nvSpPr>
+          <p:cNvPr id="69" name="テキスト ボックス 68"/>
+          <p:cNvSpPr txBox="1"/>
+          <p:nvPr/>
+        </p:nvSpPr>
+        <p:spPr>
+          <a:xfrm>
+            <a:off x="5013885" y="1632399"/>
+            <a:ext cx="407684" cy="307777"/>
+          </a:xfrm>
+          <a:prstGeom prst="rect">
+            <a:avLst/>
+          </a:prstGeom>
+          <a:noFill/>
+        </p:spPr>
+        <p:txBody>
+          <a:bodyPr wrap="none" rtlCol="0">
+            <a:spAutoFit/>
+          </a:bodyPr>
+          <a:lstStyle/>
+          <a:p>
+            <a:r>
+              <a:rPr lang="en-US" altLang="ja-JP" sz="1400" dirty="0" smtClean="0">
+                <a:latin typeface="メイリオ"/>
+                <a:ea typeface="メイリオ"/>
+                <a:cs typeface="メイリオ"/>
+              </a:rPr>
+              <a:t>20</a:t>
+            </a:r>
+            <a:endParaRPr kumimoji="1" lang="ja-JP" altLang="en-US" sz="1400" dirty="0">
+              <a:latin typeface="メイリオ"/>
+              <a:ea typeface="メイリオ"/>
+              <a:cs typeface="メイリオ"/>
+            </a:endParaRPr>
+          </a:p>
+        </p:txBody>
+      </p:sp>
+      <p:sp>
+        <p:nvSpPr>
+          <p:cNvPr id="21" name="テキスト ボックス 20"/>
+          <p:cNvSpPr txBox="1"/>
+          <p:nvPr/>
+        </p:nvSpPr>
+        <p:spPr>
+          <a:xfrm>
+            <a:off x="993905" y="1630084"/>
+            <a:ext cx="2623046" cy="307777"/>
+          </a:xfrm>
+          <a:prstGeom prst="rect">
+            <a:avLst/>
+          </a:prstGeom>
+          <a:noFill/>
+        </p:spPr>
+        <p:txBody>
+          <a:bodyPr wrap="none" rtlCol="0">
+            <a:spAutoFit/>
+          </a:bodyPr>
+          <a:lstStyle/>
+          <a:p>
+            <a:r>
+              <a:rPr lang="en-US" altLang="ja-JP" sz="1400" dirty="0" smtClean="0">
+                <a:latin typeface="メイリオ"/>
+                <a:ea typeface="メイリオ"/>
+                <a:cs typeface="メイリオ"/>
+              </a:rPr>
+              <a:t>xxx </a:t>
+            </a:r>
+            <a:r>
+              <a:rPr lang="ja-JP" altLang="en-US" sz="1400" dirty="0" smtClean="0">
+                <a:latin typeface="メイリオ"/>
+                <a:ea typeface="メイリオ"/>
+                <a:cs typeface="メイリオ"/>
+              </a:rPr>
+              <a:t>件中</a:t>
+            </a:r>
+            <a:r>
+              <a:rPr lang="en-US" altLang="ja-JP" sz="1400" dirty="0" smtClean="0">
+                <a:latin typeface="メイリオ"/>
+                <a:ea typeface="メイリオ"/>
+                <a:cs typeface="メイリオ"/>
+              </a:rPr>
+              <a:t> </a:t>
+            </a:r>
+            <a:r>
+              <a:rPr lang="en-US" altLang="ja-JP" sz="1400" dirty="0" err="1" smtClean="0">
+                <a:latin typeface="メイリオ"/>
+                <a:ea typeface="メイリオ"/>
+                <a:cs typeface="メイリオ"/>
+              </a:rPr>
+              <a:t>yyy</a:t>
+            </a:r>
+            <a:r>
+              <a:rPr lang="en-US" altLang="ja-JP" sz="1400" dirty="0" smtClean="0">
+                <a:latin typeface="メイリオ"/>
+                <a:ea typeface="メイリオ"/>
+                <a:cs typeface="メイリオ"/>
+              </a:rPr>
+              <a:t> 〜 </a:t>
+            </a:r>
+            <a:r>
+              <a:rPr lang="en-US" altLang="ja-JP" sz="1400" dirty="0" err="1" smtClean="0">
+                <a:latin typeface="メイリオ"/>
+                <a:ea typeface="メイリオ"/>
+                <a:cs typeface="メイリオ"/>
+              </a:rPr>
+              <a:t>zzz</a:t>
+            </a:r>
+            <a:r>
+              <a:rPr lang="en-US" altLang="ja-JP" sz="1400" dirty="0" smtClean="0">
+                <a:latin typeface="メイリオ"/>
+                <a:ea typeface="メイリオ"/>
+                <a:cs typeface="メイリオ"/>
+              </a:rPr>
+              <a:t> </a:t>
+            </a:r>
+            <a:r>
+              <a:rPr lang="ja-JP" altLang="en-US" sz="1400" dirty="0" smtClean="0">
+                <a:latin typeface="メイリオ"/>
+                <a:ea typeface="メイリオ"/>
+                <a:cs typeface="メイリオ"/>
+              </a:rPr>
+              <a:t>件を表示</a:t>
+            </a:r>
+            <a:endParaRPr kumimoji="1" lang="ja-JP" altLang="en-US" sz="1400" dirty="0">
+              <a:latin typeface="メイリオ"/>
+              <a:ea typeface="メイリオ"/>
+              <a:cs typeface="メイリオ"/>
+            </a:endParaRPr>
+          </a:p>
+        </p:txBody>
+      </p:sp>
+      <p:sp>
+        <p:nvSpPr>
+          <p:cNvPr id="22" name="二等辺三角形 21"/>
+          <p:cNvSpPr/>
+          <p:nvPr/>
+        </p:nvSpPr>
+        <p:spPr>
+          <a:xfrm rot="16200000">
+            <a:off x="3596344" y="1684770"/>
+            <a:ext cx="180000" cy="180000"/>
+          </a:xfrm>
+          <a:prstGeom prst="triangle">
+            <a:avLst/>
+          </a:prstGeom>
+          <a:solidFill>
+            <a:srgbClr val="F75D31"/>
+          </a:solidFill>
+          <a:ln>
+            <a:noFill/>
+          </a:ln>
+          <a:effectLst/>
+        </p:spPr>
+        <p:style>
+          <a:lnRef idx="1">
+            <a:schemeClr val="accent1"/>
+          </a:lnRef>
+          <a:fillRef idx="3">
+            <a:schemeClr val="accent1"/>
+          </a:fillRef>
+          <a:effectRef idx="2">
+            <a:schemeClr val="accent1"/>
+          </a:effectRef>
+          <a:fontRef idx="minor">
+            <a:schemeClr val="lt1"/>
+          </a:fontRef>
+        </p:style>
+        <p:txBody>
+          <a:bodyPr rtlCol="0" anchor="ctr"/>
+          <a:lstStyle/>
+          <a:p>
+            <a:pPr algn="ctr"/>
+            <a:endParaRPr kumimoji="1" lang="ja-JP" altLang="en-US"/>
+          </a:p>
+        </p:txBody>
+      </p:sp>
+      <p:sp>
+        <p:nvSpPr>
+          <p:cNvPr id="23" name="二等辺三角形 22"/>
+          <p:cNvSpPr/>
+          <p:nvPr/>
+        </p:nvSpPr>
+        <p:spPr>
+          <a:xfrm rot="16200000">
+            <a:off x="3693379" y="1684140"/>
+            <a:ext cx="180000" cy="180000"/>
+          </a:xfrm>
+          <a:prstGeom prst="triangle">
+            <a:avLst/>
+          </a:prstGeom>
+          <a:solidFill>
+            <a:srgbClr val="F75D31"/>
+          </a:solidFill>
+          <a:ln>
+            <a:noFill/>
+          </a:ln>
+          <a:effectLst/>
+        </p:spPr>
+        <p:style>
+          <a:lnRef idx="1">
+            <a:schemeClr val="accent1"/>
+          </a:lnRef>
+          <a:fillRef idx="3">
+            <a:schemeClr val="accent1"/>
+          </a:fillRef>
+          <a:effectRef idx="2">
+            <a:schemeClr val="accent1"/>
+          </a:effectRef>
+          <a:fontRef idx="minor">
+            <a:schemeClr val="lt1"/>
+          </a:fontRef>
+        </p:style>
+        <p:txBody>
+          <a:bodyPr rtlCol="0" anchor="ctr"/>
+          <a:lstStyle/>
+          <a:p>
+            <a:pPr algn="ctr"/>
+            <a:endParaRPr kumimoji="1" lang="ja-JP" altLang="en-US"/>
+          </a:p>
+        </p:txBody>
+      </p:sp>
+      <p:sp>
+        <p:nvSpPr>
+          <p:cNvPr id="24" name="二等辺三角形 23"/>
+          <p:cNvSpPr/>
+          <p:nvPr/>
+        </p:nvSpPr>
+        <p:spPr>
+          <a:xfrm rot="5400000">
+            <a:off x="5764549" y="1684479"/>
+            <a:ext cx="179370" cy="181212"/>
+          </a:xfrm>
+          <a:prstGeom prst="triangle">
+            <a:avLst/>
+          </a:prstGeom>
+          <a:solidFill>
+            <a:srgbClr val="F75D31"/>
+          </a:solidFill>
+          <a:ln>
+            <a:noFill/>
+          </a:ln>
+          <a:effectLst/>
+        </p:spPr>
+        <p:style>
+          <a:lnRef idx="1">
+            <a:schemeClr val="accent1"/>
+          </a:lnRef>
+          <a:fillRef idx="3">
+            <a:schemeClr val="accent1"/>
+          </a:fillRef>
+          <a:effectRef idx="2">
+            <a:schemeClr val="accent1"/>
+          </a:effectRef>
+          <a:fontRef idx="minor">
+            <a:schemeClr val="lt1"/>
+          </a:fontRef>
+        </p:style>
+        <p:txBody>
+          <a:bodyPr rtlCol="0" anchor="ctr"/>
+          <a:lstStyle/>
+          <a:p>
+            <a:pPr algn="ctr"/>
+            <a:endParaRPr kumimoji="1" lang="ja-JP" altLang="en-US"/>
+          </a:p>
+        </p:txBody>
+      </p:sp>
+      <p:sp>
+        <p:nvSpPr>
+          <p:cNvPr id="25" name="二等辺三角形 24"/>
+          <p:cNvSpPr/>
+          <p:nvPr/>
+        </p:nvSpPr>
+        <p:spPr>
+          <a:xfrm rot="5400000">
+            <a:off x="5673943" y="1684479"/>
+            <a:ext cx="179370" cy="181212"/>
+          </a:xfrm>
+          <a:prstGeom prst="triangle">
+            <a:avLst/>
+          </a:prstGeom>
+          <a:solidFill>
+            <a:srgbClr val="F75D31"/>
+          </a:solidFill>
+          <a:ln>
+            <a:noFill/>
+          </a:ln>
+          <a:effectLst/>
+        </p:spPr>
+        <p:style>
+          <a:lnRef idx="1">
+            <a:schemeClr val="accent1"/>
+          </a:lnRef>
+          <a:fillRef idx="3">
+            <a:schemeClr val="accent1"/>
+          </a:fillRef>
+          <a:effectRef idx="2">
+            <a:schemeClr val="accent1"/>
+          </a:effectRef>
+          <a:fontRef idx="minor">
+            <a:schemeClr val="lt1"/>
+          </a:fontRef>
+        </p:style>
+        <p:txBody>
+          <a:bodyPr rtlCol="0" anchor="ctr"/>
+          <a:lstStyle/>
+          <a:p>
+            <a:pPr algn="ctr"/>
+            <a:endParaRPr kumimoji="1" lang="ja-JP" altLang="en-US"/>
+          </a:p>
+        </p:txBody>
+      </p:sp>
+      <p:sp>
+        <p:nvSpPr>
+          <p:cNvPr id="28" name="角丸四角形 27"/>
+          <p:cNvSpPr/>
+          <p:nvPr/>
+        </p:nvSpPr>
+        <p:spPr>
+          <a:xfrm>
+            <a:off x="1469168" y="1187601"/>
+            <a:ext cx="562830" cy="165946"/>
+          </a:xfrm>
+          <a:prstGeom prst="roundRect">
+            <a:avLst/>
+          </a:prstGeom>
+          <a:noFill/>
+          <a:ln w="25400">
+            <a:solidFill>
+              <a:schemeClr val="tx1"/>
+            </a:solidFill>
+          </a:ln>
+          <a:effectLst/>
+        </p:spPr>
+        <p:style>
+          <a:lnRef idx="1">
+            <a:schemeClr val="accent1"/>
+          </a:lnRef>
+          <a:fillRef idx="3">
+            <a:schemeClr val="accent1"/>
+          </a:fillRef>
+          <a:effectRef idx="2">
+            <a:schemeClr val="accent1"/>
+          </a:effectRef>
+          <a:fontRef idx="minor">
+            <a:schemeClr val="lt1"/>
+          </a:fontRef>
+        </p:style>
+        <p:txBody>
+          <a:bodyPr rtlCol="0" anchor="ctr"/>
+          <a:lstStyle/>
+          <a:p>
+            <a:pPr algn="ctr"/>
+            <a:endParaRPr kumimoji="1" lang="ja-JP" altLang="en-US"/>
+          </a:p>
+        </p:txBody>
+      </p:sp>
+      <p:sp>
+        <p:nvSpPr>
+          <p:cNvPr id="29" name="テキスト ボックス 28"/>
+          <p:cNvSpPr txBox="1"/>
+          <p:nvPr/>
+        </p:nvSpPr>
+        <p:spPr>
+          <a:xfrm>
+            <a:off x="890993" y="1114621"/>
+            <a:ext cx="646331" cy="276999"/>
+          </a:xfrm>
+          <a:prstGeom prst="rect">
+            <a:avLst/>
+          </a:prstGeom>
+          <a:noFill/>
+        </p:spPr>
+        <p:txBody>
+          <a:bodyPr wrap="none" rtlCol="0">
+            <a:spAutoFit/>
+          </a:bodyPr>
+          <a:lstStyle/>
+          <a:p>
+            <a:r>
+              <a:rPr kumimoji="1" lang="ja-JP" altLang="en-US" sz="1200" dirty="0" smtClean="0">
+                <a:latin typeface="メイリオ"/>
+                <a:ea typeface="メイリオ"/>
+                <a:cs typeface="メイリオ"/>
+              </a:rPr>
+              <a:t>日付：</a:t>
+            </a:r>
+            <a:endParaRPr kumimoji="1" lang="ja-JP" altLang="en-US" sz="1200" dirty="0">
+              <a:latin typeface="メイリオ"/>
+              <a:ea typeface="メイリオ"/>
+              <a:cs typeface="メイリオ"/>
+            </a:endParaRPr>
+          </a:p>
+        </p:txBody>
+      </p:sp>
+      <p:sp>
+        <p:nvSpPr>
+          <p:cNvPr id="30" name="角丸四角形 29"/>
+          <p:cNvSpPr/>
+          <p:nvPr/>
+        </p:nvSpPr>
+        <p:spPr>
+          <a:xfrm>
+            <a:off x="2646774" y="1187601"/>
+            <a:ext cx="797002" cy="165946"/>
+          </a:xfrm>
+          <a:prstGeom prst="roundRect">
+            <a:avLst/>
+          </a:prstGeom>
+          <a:noFill/>
+          <a:ln w="25400">
+            <a:solidFill>
+              <a:schemeClr val="tx1"/>
+            </a:solidFill>
+          </a:ln>
+          <a:effectLst/>
+        </p:spPr>
+        <p:style>
+          <a:lnRef idx="1">
+            <a:schemeClr val="accent1"/>
+          </a:lnRef>
+          <a:fillRef idx="3">
+            <a:schemeClr val="accent1"/>
+          </a:fillRef>
+          <a:effectRef idx="2">
+            <a:schemeClr val="accent1"/>
+          </a:effectRef>
+          <a:fontRef idx="minor">
+            <a:schemeClr val="lt1"/>
+          </a:fontRef>
+        </p:style>
+        <p:txBody>
+          <a:bodyPr rtlCol="0" anchor="ctr"/>
+          <a:lstStyle/>
+          <a:p>
+            <a:pPr algn="ctr"/>
+            <a:endParaRPr kumimoji="1" lang="ja-JP" altLang="en-US"/>
+          </a:p>
+        </p:txBody>
+      </p:sp>
+      <p:sp>
+        <p:nvSpPr>
+          <p:cNvPr id="31" name="テキスト ボックス 30"/>
+          <p:cNvSpPr txBox="1"/>
+          <p:nvPr/>
+        </p:nvSpPr>
+        <p:spPr>
+          <a:xfrm>
+            <a:off x="2046815" y="1111063"/>
+            <a:ext cx="646331" cy="276999"/>
+          </a:xfrm>
+          <a:prstGeom prst="rect">
+            <a:avLst/>
+          </a:prstGeom>
+          <a:noFill/>
+        </p:spPr>
+        <p:txBody>
+          <a:bodyPr wrap="none" rtlCol="0">
+            <a:spAutoFit/>
+          </a:bodyPr>
+          <a:lstStyle/>
+          <a:p>
+            <a:r>
+              <a:rPr lang="ja-JP" altLang="en-US" sz="1200" dirty="0" smtClean="0">
+                <a:latin typeface="メイリオ"/>
+                <a:ea typeface="メイリオ"/>
+                <a:cs typeface="メイリオ"/>
+              </a:rPr>
+              <a:t>内容</a:t>
+            </a:r>
+            <a:r>
+              <a:rPr kumimoji="1" lang="ja-JP" altLang="en-US" sz="1200" dirty="0" smtClean="0">
+                <a:latin typeface="メイリオ"/>
+                <a:ea typeface="メイリオ"/>
+                <a:cs typeface="メイリオ"/>
+              </a:rPr>
+              <a:t>：</a:t>
+            </a:r>
+            <a:endParaRPr kumimoji="1" lang="ja-JP" altLang="en-US" sz="1200" dirty="0">
+              <a:latin typeface="メイリオ"/>
+              <a:ea typeface="メイリオ"/>
+              <a:cs typeface="メイリオ"/>
+            </a:endParaRPr>
+          </a:p>
+        </p:txBody>
+      </p:sp>
+      <p:sp>
+        <p:nvSpPr>
+          <p:cNvPr id="32" name="角丸四角形 31"/>
+          <p:cNvSpPr/>
+          <p:nvPr/>
+        </p:nvSpPr>
+        <p:spPr>
+          <a:xfrm>
+            <a:off x="4369749" y="1187601"/>
+            <a:ext cx="560480" cy="165946"/>
+          </a:xfrm>
+          <a:prstGeom prst="roundRect">
+            <a:avLst/>
+          </a:prstGeom>
+          <a:noFill/>
+          <a:ln w="25400">
+            <a:solidFill>
+              <a:schemeClr val="tx1"/>
+            </a:solidFill>
+          </a:ln>
+          <a:effectLst/>
+        </p:spPr>
+        <p:style>
+          <a:lnRef idx="1">
+            <a:schemeClr val="accent1"/>
+          </a:lnRef>
+          <a:fillRef idx="3">
+            <a:schemeClr val="accent1"/>
+          </a:fillRef>
+          <a:effectRef idx="2">
+            <a:schemeClr val="accent1"/>
+          </a:effectRef>
+          <a:fontRef idx="minor">
+            <a:schemeClr val="lt1"/>
+          </a:fontRef>
+        </p:style>
+        <p:txBody>
+          <a:bodyPr rtlCol="0" anchor="ctr"/>
+          <a:lstStyle/>
+          <a:p>
+            <a:pPr algn="ctr"/>
+            <a:endParaRPr kumimoji="1" lang="ja-JP" altLang="en-US"/>
+          </a:p>
+        </p:txBody>
+      </p:sp>
+      <p:sp>
+        <p:nvSpPr>
+          <p:cNvPr id="33" name="テキスト ボックス 32"/>
+          <p:cNvSpPr txBox="1"/>
+          <p:nvPr/>
+        </p:nvSpPr>
+        <p:spPr>
+          <a:xfrm>
+            <a:off x="3461822" y="1118689"/>
+            <a:ext cx="954107" cy="276999"/>
+          </a:xfrm>
+          <a:prstGeom prst="rect">
+            <a:avLst/>
+          </a:prstGeom>
+          <a:noFill/>
+        </p:spPr>
+        <p:txBody>
+          <a:bodyPr wrap="none" rtlCol="0">
+            <a:spAutoFit/>
+          </a:bodyPr>
+          <a:lstStyle/>
+          <a:p>
+            <a:r>
+              <a:rPr lang="ja-JP" altLang="en-US" sz="1200" dirty="0" smtClean="0">
+                <a:latin typeface="メイリオ"/>
+                <a:ea typeface="メイリオ"/>
+                <a:cs typeface="メイリオ"/>
+              </a:rPr>
+              <a:t>カテゴリ</a:t>
+            </a:r>
+            <a:r>
+              <a:rPr kumimoji="1" lang="ja-JP" altLang="en-US" sz="1200" dirty="0" smtClean="0">
+                <a:latin typeface="メイリオ"/>
+                <a:ea typeface="メイリオ"/>
+                <a:cs typeface="メイリオ"/>
+              </a:rPr>
+              <a:t>：</a:t>
+            </a:r>
+            <a:endParaRPr kumimoji="1" lang="ja-JP" altLang="en-US" sz="1200" dirty="0">
+              <a:latin typeface="メイリオ"/>
+              <a:ea typeface="メイリオ"/>
+              <a:cs typeface="メイリオ"/>
+            </a:endParaRPr>
+          </a:p>
+        </p:txBody>
+      </p:sp>
+      <p:sp>
+        <p:nvSpPr>
+          <p:cNvPr id="34" name="角丸四角形 33"/>
+          <p:cNvSpPr/>
+          <p:nvPr/>
+        </p:nvSpPr>
+        <p:spPr>
+          <a:xfrm>
+            <a:off x="5569022" y="1187601"/>
+            <a:ext cx="561630" cy="165946"/>
+          </a:xfrm>
+          <a:prstGeom prst="roundRect">
+            <a:avLst/>
+          </a:prstGeom>
+          <a:noFill/>
+          <a:ln w="25400">
+            <a:solidFill>
+              <a:schemeClr val="tx1"/>
+            </a:solidFill>
+          </a:ln>
+          <a:effectLst/>
+        </p:spPr>
+        <p:style>
+          <a:lnRef idx="1">
+            <a:schemeClr val="accent1"/>
+          </a:lnRef>
+          <a:fillRef idx="3">
+            <a:schemeClr val="accent1"/>
+          </a:fillRef>
+          <a:effectRef idx="2">
+            <a:schemeClr val="accent1"/>
+          </a:effectRef>
+          <a:fontRef idx="minor">
+            <a:schemeClr val="lt1"/>
+          </a:fontRef>
+        </p:style>
+        <p:txBody>
+          <a:bodyPr rtlCol="0" anchor="ctr"/>
+          <a:lstStyle/>
+          <a:p>
+            <a:pPr algn="ctr"/>
+            <a:endParaRPr kumimoji="1" lang="ja-JP" altLang="en-US"/>
+          </a:p>
+        </p:txBody>
+      </p:sp>
+      <p:sp>
+        <p:nvSpPr>
+          <p:cNvPr id="35" name="テキスト ボックス 34"/>
+          <p:cNvSpPr txBox="1"/>
+          <p:nvPr/>
+        </p:nvSpPr>
+        <p:spPr>
+          <a:xfrm>
+            <a:off x="4957326" y="1128924"/>
+            <a:ext cx="646331" cy="276999"/>
+          </a:xfrm>
+          <a:prstGeom prst="rect">
+            <a:avLst/>
+          </a:prstGeom>
+          <a:noFill/>
+        </p:spPr>
+        <p:txBody>
+          <a:bodyPr wrap="none" rtlCol="0">
+            <a:spAutoFit/>
+          </a:bodyPr>
+          <a:lstStyle/>
+          <a:p>
+            <a:r>
+              <a:rPr lang="ja-JP" altLang="en-US" sz="1200" dirty="0" smtClean="0">
+                <a:latin typeface="メイリオ"/>
+                <a:ea typeface="メイリオ"/>
+                <a:cs typeface="メイリオ"/>
+              </a:rPr>
+              <a:t>金額</a:t>
+            </a:r>
+            <a:r>
+              <a:rPr kumimoji="1" lang="ja-JP" altLang="en-US" sz="1200" dirty="0" smtClean="0">
+                <a:latin typeface="メイリオ"/>
+                <a:ea typeface="メイリオ"/>
+                <a:cs typeface="メイリオ"/>
+              </a:rPr>
+              <a:t>：</a:t>
+            </a:r>
+            <a:endParaRPr kumimoji="1" lang="ja-JP" altLang="en-US" sz="1200" dirty="0">
+              <a:latin typeface="メイリオ"/>
+              <a:ea typeface="メイリオ"/>
+              <a:cs typeface="メイリオ"/>
+            </a:endParaRPr>
+          </a:p>
+        </p:txBody>
+      </p:sp>
+      <p:sp>
+        <p:nvSpPr>
+          <p:cNvPr id="36" name="角丸四角形 35"/>
+          <p:cNvSpPr/>
+          <p:nvPr/>
+        </p:nvSpPr>
+        <p:spPr>
+          <a:xfrm>
+            <a:off x="6515245" y="1118689"/>
+            <a:ext cx="550589" cy="299213"/>
+          </a:xfrm>
+          <a:prstGeom prst="roundRect">
+            <a:avLst/>
+          </a:prstGeom>
+          <a:noFill/>
+          <a:ln w="25400">
+            <a:solidFill>
+              <a:schemeClr val="tx1"/>
+            </a:solidFill>
+          </a:ln>
+          <a:effectLst/>
+        </p:spPr>
+        <p:style>
+          <a:lnRef idx="1">
+            <a:schemeClr val="accent1"/>
+          </a:lnRef>
+          <a:fillRef idx="3">
+            <a:schemeClr val="accent1"/>
+          </a:fillRef>
+          <a:effectRef idx="2">
+            <a:schemeClr val="accent1"/>
+          </a:effectRef>
+          <a:fontRef idx="minor">
+            <a:schemeClr val="lt1"/>
+          </a:fontRef>
+        </p:style>
+        <p:txBody>
+          <a:bodyPr rtlCol="0" anchor="ctr"/>
+          <a:lstStyle/>
+          <a:p>
+            <a:pPr algn="ctr"/>
+            <a:r>
+              <a:rPr kumimoji="1" lang="ja-JP" altLang="en-US" sz="1200" dirty="0" smtClean="0">
+                <a:solidFill>
+                  <a:schemeClr val="tx1"/>
+                </a:solidFill>
+                <a:latin typeface="メイリオ"/>
+                <a:ea typeface="メイリオ"/>
+                <a:cs typeface="メイリオ"/>
+              </a:rPr>
+              <a:t>登録</a:t>
+            </a:r>
+            <a:endParaRPr kumimoji="1" lang="ja-JP" altLang="en-US" sz="1200" dirty="0">
+              <a:solidFill>
+                <a:schemeClr val="tx1"/>
+              </a:solidFill>
+              <a:latin typeface="メイリオ"/>
+              <a:ea typeface="メイリオ"/>
+              <a:cs typeface="メイリオ"/>
+            </a:endParaRPr>
+          </a:p>
+        </p:txBody>
+      </p:sp>
+      <p:sp>
+        <p:nvSpPr>
+          <p:cNvPr id="37" name="角丸四角形 36"/>
+          <p:cNvSpPr/>
+          <p:nvPr/>
+        </p:nvSpPr>
+        <p:spPr>
+          <a:xfrm>
+            <a:off x="7239002" y="1121482"/>
+            <a:ext cx="864625" cy="299213"/>
+          </a:xfrm>
+          <a:prstGeom prst="roundRect">
+            <a:avLst/>
+          </a:prstGeom>
+          <a:noFill/>
+          <a:ln w="25400">
+            <a:solidFill>
+              <a:schemeClr val="tx1"/>
+            </a:solidFill>
+          </a:ln>
+          <a:effectLst/>
+        </p:spPr>
+        <p:style>
+          <a:lnRef idx="1">
+            <a:schemeClr val="accent1"/>
+          </a:lnRef>
+          <a:fillRef idx="3">
+            <a:schemeClr val="accent1"/>
+          </a:fillRef>
+          <a:effectRef idx="2">
+            <a:schemeClr val="accent1"/>
+          </a:effectRef>
+          <a:fontRef idx="minor">
+            <a:schemeClr val="lt1"/>
+          </a:fontRef>
+        </p:style>
+        <p:txBody>
+          <a:bodyPr rtlCol="0" anchor="ctr"/>
+          <a:lstStyle/>
+          <a:p>
+            <a:pPr algn="ctr"/>
+            <a:r>
+              <a:rPr lang="en-US" altLang="en-US" sz="1200" dirty="0" smtClean="0">
+                <a:solidFill>
+                  <a:schemeClr val="tx1"/>
+                </a:solidFill>
+                <a:latin typeface="メイリオ"/>
+                <a:ea typeface="メイリオ"/>
+                <a:cs typeface="メイリオ"/>
+              </a:rPr>
+              <a:t>リセット</a:t>
+            </a:r>
+            <a:endParaRPr kumimoji="1" lang="ja-JP" altLang="en-US" sz="1200" dirty="0">
+              <a:solidFill>
+                <a:schemeClr val="tx1"/>
+              </a:solidFill>
+              <a:latin typeface="メイリオ"/>
+              <a:ea typeface="メイリオ"/>
+              <a:cs typeface="メイリオ"/>
+            </a:endParaRPr>
+          </a:p>
+        </p:txBody>
+      </p:sp>
+      <p:cxnSp>
+        <p:nvCxnSpPr>
+          <p:cNvPr id="38" name="直線コネクタ 37"/>
+          <p:cNvCxnSpPr/>
+          <p:nvPr/>
+        </p:nvCxnSpPr>
+        <p:spPr>
+          <a:xfrm>
+            <a:off x="923931" y="1547091"/>
+            <a:ext cx="7250251" cy="0"/>
+          </a:xfrm>
+          <a:prstGeom prst="line">
+            <a:avLst/>
+          </a:prstGeom>
+          <a:ln>
+            <a:solidFill>
+              <a:schemeClr val="bg1">
+                <a:lumMod val="65000"/>
+              </a:schemeClr>
+            </a:solidFill>
+          </a:ln>
+          <a:effectLst/>
+        </p:spPr>
+        <p:style>
+          <a:lnRef idx="2">
+            <a:schemeClr val="accent1"/>
+          </a:lnRef>
+          <a:fillRef idx="0">
+            <a:schemeClr val="accent1"/>
+          </a:fillRef>
+          <a:effectRef idx="1">
+            <a:schemeClr val="accent1"/>
+          </a:effectRef>
+          <a:fontRef idx="minor">
+            <a:schemeClr val="tx1"/>
+          </a:fontRef>
+        </p:style>
+      </p:cxnSp>
+      <p:graphicFrame>
+        <p:nvGraphicFramePr>
+          <p:cNvPr id="39" name="表 38"/>
+          <p:cNvGraphicFramePr>
+            <a:graphicFrameLocks noGrp="1"/>
+          </p:cNvGraphicFramePr>
+          <p:nvPr>
+            <p:extLst>
+              <p:ext uri="{D42A27DB-BD31-4B8C-83A1-F6EECF244321}">
+                <p14:modId xmlns:p14="http://schemas.microsoft.com/office/powerpoint/2010/main" val="3126585566"/>
+              </p:ext>
+            </p:extLst>
+          </p:nvPr>
+        </p:nvGraphicFramePr>
+        <p:xfrm>
+          <a:off x="993905" y="2031998"/>
+          <a:ext cx="6891640" cy="4248728"/>
+        </p:xfrm>
+        <a:graphic>
+          <a:graphicData uri="http://schemas.openxmlformats.org/drawingml/2006/table">
+            <a:tbl>
+              <a:tblPr firstRow="1" bandRow="1">
+                <a:tableStyleId>{5C22544A-7EE6-4342-B048-85BDC9FD1C3A}</a:tableStyleId>
+              </a:tblPr>
+              <a:tblGrid>
+                <a:gridCol w="1722910"/>
+                <a:gridCol w="1722910"/>
+                <a:gridCol w="1722910"/>
+                <a:gridCol w="1722910"/>
               </a:tblGrid>
               <a:tr h="386248">
                 <a:tc>
@@ -5697,16 +8923,16 @@
       </p:graphicFrame>
       <p:sp>
         <p:nvSpPr>
-          <p:cNvPr id="53" name="正方形/長方形 52"/>
+          <p:cNvPr id="41" name="円柱 40"/>
           <p:cNvSpPr/>
           <p:nvPr/>
         </p:nvSpPr>
         <p:spPr>
           <a:xfrm>
-            <a:off x="783269" y="935182"/>
-            <a:ext cx="7575640" cy="5541817"/>
+            <a:off x="8017036" y="2447634"/>
+            <a:ext cx="173182" cy="288636"/>
           </a:xfrm>
-          <a:prstGeom prst="rect">
+          <a:prstGeom prst="can">
             <a:avLst/>
           </a:prstGeom>
           <a:noFill/>
@@ -5736,29 +8962,22 @@
           <a:lstStyle/>
           <a:p>
             <a:pPr algn="ctr"/>
-            <a:endParaRPr kumimoji="1" lang="ja-JP" altLang="en-US" sz="2800" dirty="0">
-              <a:solidFill>
-                <a:schemeClr val="tx1"/>
-              </a:solidFill>
-              <a:latin typeface="メイリオ"/>
-              <a:ea typeface="メイリオ"/>
-              <a:cs typeface="メイリオ"/>
-            </a:endParaRPr>
-          </a:p>
-        </p:txBody>
-      </p:sp>
-      <p:sp>
-        <p:nvSpPr>
-          <p:cNvPr id="54" name="角丸四角形 53"/>
+            <a:endParaRPr kumimoji="1" lang="ja-JP" altLang="en-US"/>
+          </a:p>
+        </p:txBody>
+      </p:sp>
+      <p:sp>
+        <p:nvSpPr>
+          <p:cNvPr id="42" name="円柱 41"/>
           <p:cNvSpPr/>
           <p:nvPr/>
         </p:nvSpPr>
         <p:spPr>
           <a:xfrm>
-            <a:off x="1469168" y="1187601"/>
-            <a:ext cx="562830" cy="165946"/>
+            <a:off x="8017036" y="2856340"/>
+            <a:ext cx="173182" cy="288636"/>
           </a:xfrm>
-          <a:prstGeom prst="roundRect">
+          <a:prstGeom prst="can">
             <a:avLst/>
           </a:prstGeom>
           <a:noFill/>
@@ -5794,54 +9013,16 @@
       </p:sp>
       <p:sp>
         <p:nvSpPr>
-          <p:cNvPr id="55" name="テキスト ボックス 54"/>
-          <p:cNvSpPr txBox="1"/>
+          <p:cNvPr id="45" name="円柱 44"/>
+          <p:cNvSpPr/>
           <p:nvPr/>
         </p:nvSpPr>
         <p:spPr>
           <a:xfrm>
-            <a:off x="890993" y="1114621"/>
-            <a:ext cx="646331" cy="276999"/>
+            <a:off x="8017036" y="3235027"/>
+            <a:ext cx="173182" cy="288636"/>
           </a:xfrm>
-          <a:prstGeom prst="rect">
-            <a:avLst/>
-          </a:prstGeom>
-          <a:noFill/>
-        </p:spPr>
-        <p:txBody>
-          <a:bodyPr wrap="none" rtlCol="0">
-            <a:spAutoFit/>
-          </a:bodyPr>
-          <a:lstStyle/>
-          <a:p>
-            <a:r>
-              <a:rPr kumimoji="1" lang="ja-JP" altLang="en-US" sz="1200" dirty="0" smtClean="0">
-                <a:latin typeface="メイリオ"/>
-                <a:ea typeface="メイリオ"/>
-                <a:cs typeface="メイリオ"/>
-              </a:rPr>
-              <a:t>日付：</a:t>
-            </a:r>
-            <a:endParaRPr kumimoji="1" lang="ja-JP" altLang="en-US" sz="1200" dirty="0">
-              <a:latin typeface="メイリオ"/>
-              <a:ea typeface="メイリオ"/>
-              <a:cs typeface="メイリオ"/>
-            </a:endParaRPr>
-          </a:p>
-        </p:txBody>
-      </p:sp>
-      <p:sp>
-        <p:nvSpPr>
-          <p:cNvPr id="56" name="角丸四角形 55"/>
-          <p:cNvSpPr/>
-          <p:nvPr/>
-        </p:nvSpPr>
-        <p:spPr>
-          <a:xfrm>
-            <a:off x="2646774" y="1187601"/>
-            <a:ext cx="797002" cy="165946"/>
-          </a:xfrm>
-          <a:prstGeom prst="roundRect">
+          <a:prstGeom prst="can">
             <a:avLst/>
           </a:prstGeom>
           <a:noFill/>
@@ -5877,62 +9058,16 @@
       </p:sp>
       <p:sp>
         <p:nvSpPr>
-          <p:cNvPr id="57" name="テキスト ボックス 56"/>
-          <p:cNvSpPr txBox="1"/>
+          <p:cNvPr id="46" name="円柱 45"/>
+          <p:cNvSpPr/>
           <p:nvPr/>
         </p:nvSpPr>
         <p:spPr>
           <a:xfrm>
-            <a:off x="2046815" y="1111063"/>
-            <a:ext cx="646331" cy="276999"/>
+            <a:off x="8017036" y="3624105"/>
+            <a:ext cx="173182" cy="288636"/>
           </a:xfrm>
-          <a:prstGeom prst="rect">
-            <a:avLst/>
-          </a:prstGeom>
-          <a:noFill/>
-        </p:spPr>
-        <p:txBody>
-          <a:bodyPr wrap="none" rtlCol="0">
-            <a:spAutoFit/>
-          </a:bodyPr>
-          <a:lstStyle/>
-          <a:p>
-            <a:r>
-              <a:rPr lang="ja-JP" altLang="en-US" sz="1200" dirty="0" smtClean="0">
-                <a:latin typeface="メイリオ"/>
-                <a:ea typeface="メイリオ"/>
-                <a:cs typeface="メイリオ"/>
-              </a:rPr>
-              <a:t>内容</a:t>
-            </a:r>
-            <a:r>
-              <a:rPr kumimoji="1" lang="ja-JP" altLang="en-US" sz="1200" dirty="0" smtClean="0">
-                <a:latin typeface="メイリオ"/>
-                <a:ea typeface="メイリオ"/>
-                <a:cs typeface="メイリオ"/>
-              </a:rPr>
-              <a:t>：</a:t>
-            </a:r>
-            <a:endParaRPr kumimoji="1" lang="ja-JP" altLang="en-US" sz="1200" dirty="0">
-              <a:latin typeface="メイリオ"/>
-              <a:ea typeface="メイリオ"/>
-              <a:cs typeface="メイリオ"/>
-            </a:endParaRPr>
-          </a:p>
-        </p:txBody>
-      </p:sp>
-      <p:sp>
-        <p:nvSpPr>
-          <p:cNvPr id="58" name="角丸四角形 57"/>
-          <p:cNvSpPr/>
-          <p:nvPr/>
-        </p:nvSpPr>
-        <p:spPr>
-          <a:xfrm>
-            <a:off x="4369749" y="1187601"/>
-            <a:ext cx="560480" cy="165946"/>
-          </a:xfrm>
-          <a:prstGeom prst="roundRect">
+          <a:prstGeom prst="can">
             <a:avLst/>
           </a:prstGeom>
           <a:noFill/>
@@ -5968,62 +9103,16 @@
       </p:sp>
       <p:sp>
         <p:nvSpPr>
-          <p:cNvPr id="59" name="テキスト ボックス 58"/>
-          <p:cNvSpPr txBox="1"/>
+          <p:cNvPr id="47" name="円柱 46"/>
+          <p:cNvSpPr/>
           <p:nvPr/>
         </p:nvSpPr>
         <p:spPr>
           <a:xfrm>
-            <a:off x="3461822" y="1118689"/>
-            <a:ext cx="954107" cy="276999"/>
+            <a:off x="8017036" y="4008555"/>
+            <a:ext cx="173182" cy="288636"/>
           </a:xfrm>
-          <a:prstGeom prst="rect">
-            <a:avLst/>
-          </a:prstGeom>
-          <a:noFill/>
-        </p:spPr>
-        <p:txBody>
-          <a:bodyPr wrap="none" rtlCol="0">
-            <a:spAutoFit/>
-          </a:bodyPr>
-          <a:lstStyle/>
-          <a:p>
-            <a:r>
-              <a:rPr lang="ja-JP" altLang="en-US" sz="1200" dirty="0" smtClean="0">
-                <a:latin typeface="メイリオ"/>
-                <a:ea typeface="メイリオ"/>
-                <a:cs typeface="メイリオ"/>
-              </a:rPr>
-              <a:t>カテゴリ</a:t>
-            </a:r>
-            <a:r>
-              <a:rPr kumimoji="1" lang="ja-JP" altLang="en-US" sz="1200" dirty="0" smtClean="0">
-                <a:latin typeface="メイリオ"/>
-                <a:ea typeface="メイリオ"/>
-                <a:cs typeface="メイリオ"/>
-              </a:rPr>
-              <a:t>：</a:t>
-            </a:r>
-            <a:endParaRPr kumimoji="1" lang="ja-JP" altLang="en-US" sz="1200" dirty="0">
-              <a:latin typeface="メイリオ"/>
-              <a:ea typeface="メイリオ"/>
-              <a:cs typeface="メイリオ"/>
-            </a:endParaRPr>
-          </a:p>
-        </p:txBody>
-      </p:sp>
-      <p:sp>
-        <p:nvSpPr>
-          <p:cNvPr id="60" name="角丸四角形 59"/>
-          <p:cNvSpPr/>
-          <p:nvPr/>
-        </p:nvSpPr>
-        <p:spPr>
-          <a:xfrm>
-            <a:off x="5569022" y="1187601"/>
-            <a:ext cx="561630" cy="165946"/>
-          </a:xfrm>
-          <a:prstGeom prst="roundRect">
+          <a:prstGeom prst="can">
             <a:avLst/>
           </a:prstGeom>
           <a:noFill/>
@@ -6059,62 +9148,16 @@
       </p:sp>
       <p:sp>
         <p:nvSpPr>
-          <p:cNvPr id="61" name="テキスト ボックス 60"/>
-          <p:cNvSpPr txBox="1"/>
+          <p:cNvPr id="48" name="円柱 47"/>
+          <p:cNvSpPr/>
           <p:nvPr/>
         </p:nvSpPr>
         <p:spPr>
           <a:xfrm>
-            <a:off x="4957326" y="1128924"/>
-            <a:ext cx="646331" cy="276999"/>
+            <a:off x="8017036" y="4397633"/>
+            <a:ext cx="173182" cy="288636"/>
           </a:xfrm>
-          <a:prstGeom prst="rect">
-            <a:avLst/>
-          </a:prstGeom>
-          <a:noFill/>
-        </p:spPr>
-        <p:txBody>
-          <a:bodyPr wrap="none" rtlCol="0">
-            <a:spAutoFit/>
-          </a:bodyPr>
-          <a:lstStyle/>
-          <a:p>
-            <a:r>
-              <a:rPr lang="ja-JP" altLang="en-US" sz="1200" dirty="0" smtClean="0">
-                <a:latin typeface="メイリオ"/>
-                <a:ea typeface="メイリオ"/>
-                <a:cs typeface="メイリオ"/>
-              </a:rPr>
-              <a:t>金額</a:t>
-            </a:r>
-            <a:r>
-              <a:rPr kumimoji="1" lang="ja-JP" altLang="en-US" sz="1200" dirty="0" smtClean="0">
-                <a:latin typeface="メイリオ"/>
-                <a:ea typeface="メイリオ"/>
-                <a:cs typeface="メイリオ"/>
-              </a:rPr>
-              <a:t>：</a:t>
-            </a:r>
-            <a:endParaRPr kumimoji="1" lang="ja-JP" altLang="en-US" sz="1200" dirty="0">
-              <a:latin typeface="メイリオ"/>
-              <a:ea typeface="メイリオ"/>
-              <a:cs typeface="メイリオ"/>
-            </a:endParaRPr>
-          </a:p>
-        </p:txBody>
-      </p:sp>
-      <p:sp>
-        <p:nvSpPr>
-          <p:cNvPr id="62" name="角丸四角形 61"/>
-          <p:cNvSpPr/>
-          <p:nvPr/>
-        </p:nvSpPr>
-        <p:spPr>
-          <a:xfrm>
-            <a:off x="6515245" y="1118689"/>
-            <a:ext cx="550589" cy="299213"/>
-          </a:xfrm>
-          <a:prstGeom prst="roundRect">
+          <a:prstGeom prst="can">
             <a:avLst/>
           </a:prstGeom>
           <a:noFill/>
@@ -6144,594 +9187,22 @@
           <a:lstStyle/>
           <a:p>
             <a:pPr algn="ctr"/>
-            <a:r>
-              <a:rPr kumimoji="1" lang="ja-JP" altLang="en-US" sz="1200" dirty="0" smtClean="0">
-                <a:solidFill>
-                  <a:schemeClr val="tx1"/>
-                </a:solidFill>
-                <a:latin typeface="メイリオ"/>
-                <a:ea typeface="メイリオ"/>
-                <a:cs typeface="メイリオ"/>
-              </a:rPr>
-              <a:t>登録</a:t>
-            </a:r>
-            <a:endParaRPr kumimoji="1" lang="ja-JP" altLang="en-US" sz="1200" dirty="0">
-              <a:solidFill>
-                <a:schemeClr val="tx1"/>
-              </a:solidFill>
-              <a:latin typeface="メイリオ"/>
-              <a:ea typeface="メイリオ"/>
-              <a:cs typeface="メイリオ"/>
-            </a:endParaRPr>
-          </a:p>
-        </p:txBody>
-      </p:sp>
-      <p:cxnSp>
-        <p:nvCxnSpPr>
-          <p:cNvPr id="63" name="直線コネクタ 62"/>
-          <p:cNvCxnSpPr/>
+            <a:endParaRPr kumimoji="1" lang="ja-JP" altLang="en-US"/>
+          </a:p>
+        </p:txBody>
+      </p:sp>
+      <p:sp>
+        <p:nvSpPr>
+          <p:cNvPr id="49" name="円柱 48"/>
+          <p:cNvSpPr/>
           <p:nvPr/>
-        </p:nvCxnSpPr>
+        </p:nvSpPr>
         <p:spPr>
           <a:xfrm>
-            <a:off x="923931" y="1547091"/>
-            <a:ext cx="7250251" cy="0"/>
+            <a:off x="8017036" y="4782067"/>
+            <a:ext cx="173182" cy="288636"/>
           </a:xfrm>
-          <a:prstGeom prst="line">
-            <a:avLst/>
-          </a:prstGeom>
-          <a:ln>
-            <a:solidFill>
-              <a:schemeClr val="bg1">
-                <a:lumMod val="65000"/>
-              </a:schemeClr>
-            </a:solidFill>
-          </a:ln>
-          <a:effectLst/>
-        </p:spPr>
-        <p:style>
-          <a:lnRef idx="2">
-            <a:schemeClr val="accent1"/>
-          </a:lnRef>
-          <a:fillRef idx="0">
-            <a:schemeClr val="accent1"/>
-          </a:fillRef>
-          <a:effectRef idx="1">
-            <a:schemeClr val="accent1"/>
-          </a:effectRef>
-          <a:fontRef idx="minor">
-            <a:schemeClr val="tx1"/>
-          </a:fontRef>
-        </p:style>
-      </p:cxnSp>
-      <p:sp>
-        <p:nvSpPr>
-          <p:cNvPr id="64" name="テキスト ボックス 63"/>
-          <p:cNvSpPr txBox="1"/>
-          <p:nvPr/>
-        </p:nvSpPr>
-        <p:spPr>
-          <a:xfrm>
-            <a:off x="4124211" y="1630084"/>
-            <a:ext cx="296175" cy="307777"/>
-          </a:xfrm>
-          <a:prstGeom prst="rect">
-            <a:avLst/>
-          </a:prstGeom>
-          <a:noFill/>
-        </p:spPr>
-        <p:txBody>
-          <a:bodyPr wrap="none" rtlCol="0">
-            <a:spAutoFit/>
-          </a:bodyPr>
-          <a:lstStyle/>
-          <a:p>
-            <a:r>
-              <a:rPr lang="en-US" altLang="ja-JP" sz="1400" dirty="0">
-                <a:latin typeface="メイリオ"/>
-                <a:ea typeface="メイリオ"/>
-                <a:cs typeface="メイリオ"/>
-              </a:rPr>
-              <a:t>1</a:t>
-            </a:r>
-            <a:endParaRPr kumimoji="1" lang="ja-JP" altLang="en-US" sz="1400" dirty="0">
-              <a:latin typeface="メイリオ"/>
-              <a:ea typeface="メイリオ"/>
-              <a:cs typeface="メイリオ"/>
-            </a:endParaRPr>
-          </a:p>
-        </p:txBody>
-      </p:sp>
-      <p:sp>
-        <p:nvSpPr>
-          <p:cNvPr id="65" name="テキスト ボックス 64"/>
-          <p:cNvSpPr txBox="1"/>
-          <p:nvPr/>
-        </p:nvSpPr>
-        <p:spPr>
-          <a:xfrm>
-            <a:off x="4356158" y="1632399"/>
-            <a:ext cx="296175" cy="307777"/>
-          </a:xfrm>
-          <a:prstGeom prst="rect">
-            <a:avLst/>
-          </a:prstGeom>
-          <a:noFill/>
-        </p:spPr>
-        <p:txBody>
-          <a:bodyPr wrap="none" rtlCol="0">
-            <a:spAutoFit/>
-          </a:bodyPr>
-          <a:lstStyle/>
-          <a:p>
-            <a:r>
-              <a:rPr lang="en-US" altLang="ja-JP" sz="1400" dirty="0" smtClean="0">
-                <a:latin typeface="メイリオ"/>
-                <a:ea typeface="メイリオ"/>
-                <a:cs typeface="メイリオ"/>
-              </a:rPr>
-              <a:t>2</a:t>
-            </a:r>
-            <a:endParaRPr kumimoji="1" lang="ja-JP" altLang="en-US" sz="1400" dirty="0">
-              <a:latin typeface="メイリオ"/>
-              <a:ea typeface="メイリオ"/>
-              <a:cs typeface="メイリオ"/>
-            </a:endParaRPr>
-          </a:p>
-        </p:txBody>
-      </p:sp>
-      <p:sp>
-        <p:nvSpPr>
-          <p:cNvPr id="66" name="テキスト ボックス 65"/>
-          <p:cNvSpPr txBox="1"/>
-          <p:nvPr/>
-        </p:nvSpPr>
-        <p:spPr>
-          <a:xfrm>
-            <a:off x="4597125" y="1632399"/>
-            <a:ext cx="494734" cy="307777"/>
-          </a:xfrm>
-          <a:prstGeom prst="rect">
-            <a:avLst/>
-          </a:prstGeom>
-          <a:noFill/>
-        </p:spPr>
-        <p:txBody>
-          <a:bodyPr wrap="none" rtlCol="0">
-            <a:spAutoFit/>
-          </a:bodyPr>
-          <a:lstStyle/>
-          <a:p>
-            <a:r>
-              <a:rPr lang="en-US" altLang="ja-JP" sz="1400" dirty="0" smtClean="0">
-                <a:latin typeface="メイリオ"/>
-                <a:ea typeface="メイリオ"/>
-                <a:cs typeface="メイリオ"/>
-              </a:rPr>
-              <a:t>. . .</a:t>
-            </a:r>
-            <a:endParaRPr kumimoji="1" lang="ja-JP" altLang="en-US" sz="1400" dirty="0">
-              <a:latin typeface="メイリオ"/>
-              <a:ea typeface="メイリオ"/>
-              <a:cs typeface="メイリオ"/>
-            </a:endParaRPr>
-          </a:p>
-        </p:txBody>
-      </p:sp>
-      <p:sp>
-        <p:nvSpPr>
-          <p:cNvPr id="67" name="二等辺三角形 66"/>
-          <p:cNvSpPr/>
-          <p:nvPr/>
-        </p:nvSpPr>
-        <p:spPr>
-          <a:xfrm rot="5400000">
-            <a:off x="5439130" y="1683849"/>
-            <a:ext cx="179370" cy="181212"/>
-          </a:xfrm>
-          <a:prstGeom prst="triangle">
-            <a:avLst/>
-          </a:prstGeom>
-          <a:solidFill>
-            <a:srgbClr val="F75D31"/>
-          </a:solidFill>
-          <a:ln>
-            <a:noFill/>
-          </a:ln>
-          <a:effectLst/>
-        </p:spPr>
-        <p:style>
-          <a:lnRef idx="1">
-            <a:schemeClr val="accent1"/>
-          </a:lnRef>
-          <a:fillRef idx="3">
-            <a:schemeClr val="accent1"/>
-          </a:fillRef>
-          <a:effectRef idx="2">
-            <a:schemeClr val="accent1"/>
-          </a:effectRef>
-          <a:fontRef idx="minor">
-            <a:schemeClr val="lt1"/>
-          </a:fontRef>
-        </p:style>
-        <p:txBody>
-          <a:bodyPr rtlCol="0" anchor="ctr"/>
-          <a:lstStyle/>
-          <a:p>
-            <a:pPr algn="ctr"/>
-            <a:endParaRPr kumimoji="1" lang="ja-JP" altLang="en-US"/>
-          </a:p>
-        </p:txBody>
-      </p:sp>
-      <p:sp>
-        <p:nvSpPr>
-          <p:cNvPr id="68" name="二等辺三角形 67"/>
-          <p:cNvSpPr/>
-          <p:nvPr/>
-        </p:nvSpPr>
-        <p:spPr>
-          <a:xfrm rot="16200000">
-            <a:off x="3923520" y="1684770"/>
-            <a:ext cx="180000" cy="180000"/>
-          </a:xfrm>
-          <a:prstGeom prst="triangle">
-            <a:avLst/>
-          </a:prstGeom>
-          <a:solidFill>
-            <a:srgbClr val="F75D31"/>
-          </a:solidFill>
-          <a:ln>
-            <a:noFill/>
-          </a:ln>
-          <a:effectLst/>
-        </p:spPr>
-        <p:style>
-          <a:lnRef idx="1">
-            <a:schemeClr val="accent1"/>
-          </a:lnRef>
-          <a:fillRef idx="3">
-            <a:schemeClr val="accent1"/>
-          </a:fillRef>
-          <a:effectRef idx="2">
-            <a:schemeClr val="accent1"/>
-          </a:effectRef>
-          <a:fontRef idx="minor">
-            <a:schemeClr val="lt1"/>
-          </a:fontRef>
-        </p:style>
-        <p:txBody>
-          <a:bodyPr rtlCol="0" anchor="ctr"/>
-          <a:lstStyle/>
-          <a:p>
-            <a:pPr algn="ctr"/>
-            <a:endParaRPr kumimoji="1" lang="ja-JP" altLang="en-US"/>
-          </a:p>
-        </p:txBody>
-      </p:sp>
-      <p:sp>
-        <p:nvSpPr>
-          <p:cNvPr id="69" name="テキスト ボックス 68"/>
-          <p:cNvSpPr txBox="1"/>
-          <p:nvPr/>
-        </p:nvSpPr>
-        <p:spPr>
-          <a:xfrm>
-            <a:off x="5013885" y="1632399"/>
-            <a:ext cx="407684" cy="307777"/>
-          </a:xfrm>
-          <a:prstGeom prst="rect">
-            <a:avLst/>
-          </a:prstGeom>
-          <a:noFill/>
-        </p:spPr>
-        <p:txBody>
-          <a:bodyPr wrap="none" rtlCol="0">
-            <a:spAutoFit/>
-          </a:bodyPr>
-          <a:lstStyle/>
-          <a:p>
-            <a:r>
-              <a:rPr lang="en-US" altLang="ja-JP" sz="1400" dirty="0" smtClean="0">
-                <a:latin typeface="メイリオ"/>
-                <a:ea typeface="メイリオ"/>
-                <a:cs typeface="メイリオ"/>
-              </a:rPr>
-              <a:t>20</a:t>
-            </a:r>
-            <a:endParaRPr kumimoji="1" lang="ja-JP" altLang="en-US" sz="1400" dirty="0">
-              <a:latin typeface="メイリオ"/>
-              <a:ea typeface="メイリオ"/>
-              <a:cs typeface="メイリオ"/>
-            </a:endParaRPr>
-          </a:p>
-        </p:txBody>
-      </p:sp>
-      <p:sp>
-        <p:nvSpPr>
-          <p:cNvPr id="21" name="テキスト ボックス 20"/>
-          <p:cNvSpPr txBox="1"/>
-          <p:nvPr/>
-        </p:nvSpPr>
-        <p:spPr>
-          <a:xfrm>
-            <a:off x="993905" y="1630084"/>
-            <a:ext cx="2623046" cy="307777"/>
-          </a:xfrm>
-          <a:prstGeom prst="rect">
-            <a:avLst/>
-          </a:prstGeom>
-          <a:noFill/>
-        </p:spPr>
-        <p:txBody>
-          <a:bodyPr wrap="none" rtlCol="0">
-            <a:spAutoFit/>
-          </a:bodyPr>
-          <a:lstStyle/>
-          <a:p>
-            <a:r>
-              <a:rPr lang="en-US" altLang="ja-JP" sz="1400" dirty="0" smtClean="0">
-                <a:latin typeface="メイリオ"/>
-                <a:ea typeface="メイリオ"/>
-                <a:cs typeface="メイリオ"/>
-              </a:rPr>
-              <a:t>xxx </a:t>
-            </a:r>
-            <a:r>
-              <a:rPr lang="ja-JP" altLang="en-US" sz="1400" dirty="0" smtClean="0">
-                <a:latin typeface="メイリオ"/>
-                <a:ea typeface="メイリオ"/>
-                <a:cs typeface="メイリオ"/>
-              </a:rPr>
-              <a:t>件中</a:t>
-            </a:r>
-            <a:r>
-              <a:rPr lang="en-US" altLang="ja-JP" sz="1400" dirty="0" smtClean="0">
-                <a:latin typeface="メイリオ"/>
-                <a:ea typeface="メイリオ"/>
-                <a:cs typeface="メイリオ"/>
-              </a:rPr>
-              <a:t> </a:t>
-            </a:r>
-            <a:r>
-              <a:rPr lang="en-US" altLang="ja-JP" sz="1400" dirty="0" err="1" smtClean="0">
-                <a:latin typeface="メイリオ"/>
-                <a:ea typeface="メイリオ"/>
-                <a:cs typeface="メイリオ"/>
-              </a:rPr>
-              <a:t>yyy</a:t>
-            </a:r>
-            <a:r>
-              <a:rPr lang="en-US" altLang="ja-JP" sz="1400" dirty="0" smtClean="0">
-                <a:latin typeface="メイリオ"/>
-                <a:ea typeface="メイリオ"/>
-                <a:cs typeface="メイリオ"/>
-              </a:rPr>
-              <a:t> 〜 </a:t>
-            </a:r>
-            <a:r>
-              <a:rPr lang="en-US" altLang="ja-JP" sz="1400" dirty="0" err="1" smtClean="0">
-                <a:latin typeface="メイリオ"/>
-                <a:ea typeface="メイリオ"/>
-                <a:cs typeface="メイリオ"/>
-              </a:rPr>
-              <a:t>zzz</a:t>
-            </a:r>
-            <a:r>
-              <a:rPr lang="en-US" altLang="ja-JP" sz="1400" dirty="0" smtClean="0">
-                <a:latin typeface="メイリオ"/>
-                <a:ea typeface="メイリオ"/>
-                <a:cs typeface="メイリオ"/>
-              </a:rPr>
-              <a:t> </a:t>
-            </a:r>
-            <a:r>
-              <a:rPr lang="ja-JP" altLang="en-US" sz="1400" dirty="0" smtClean="0">
-                <a:latin typeface="メイリオ"/>
-                <a:ea typeface="メイリオ"/>
-                <a:cs typeface="メイリオ"/>
-              </a:rPr>
-              <a:t>件を表示</a:t>
-            </a:r>
-            <a:endParaRPr kumimoji="1" lang="ja-JP" altLang="en-US" sz="1400" dirty="0">
-              <a:latin typeface="メイリオ"/>
-              <a:ea typeface="メイリオ"/>
-              <a:cs typeface="メイリオ"/>
-            </a:endParaRPr>
-          </a:p>
-        </p:txBody>
-      </p:sp>
-      <p:sp>
-        <p:nvSpPr>
-          <p:cNvPr id="22" name="二等辺三角形 21"/>
-          <p:cNvSpPr/>
-          <p:nvPr/>
-        </p:nvSpPr>
-        <p:spPr>
-          <a:xfrm rot="16200000">
-            <a:off x="3596344" y="1684770"/>
-            <a:ext cx="180000" cy="180000"/>
-          </a:xfrm>
-          <a:prstGeom prst="triangle">
-            <a:avLst/>
-          </a:prstGeom>
-          <a:solidFill>
-            <a:srgbClr val="F75D31"/>
-          </a:solidFill>
-          <a:ln>
-            <a:noFill/>
-          </a:ln>
-          <a:effectLst/>
-        </p:spPr>
-        <p:style>
-          <a:lnRef idx="1">
-            <a:schemeClr val="accent1"/>
-          </a:lnRef>
-          <a:fillRef idx="3">
-            <a:schemeClr val="accent1"/>
-          </a:fillRef>
-          <a:effectRef idx="2">
-            <a:schemeClr val="accent1"/>
-          </a:effectRef>
-          <a:fontRef idx="minor">
-            <a:schemeClr val="lt1"/>
-          </a:fontRef>
-        </p:style>
-        <p:txBody>
-          <a:bodyPr rtlCol="0" anchor="ctr"/>
-          <a:lstStyle/>
-          <a:p>
-            <a:pPr algn="ctr"/>
-            <a:endParaRPr kumimoji="1" lang="ja-JP" altLang="en-US"/>
-          </a:p>
-        </p:txBody>
-      </p:sp>
-      <p:sp>
-        <p:nvSpPr>
-          <p:cNvPr id="23" name="二等辺三角形 22"/>
-          <p:cNvSpPr/>
-          <p:nvPr/>
-        </p:nvSpPr>
-        <p:spPr>
-          <a:xfrm rot="16200000">
-            <a:off x="3693379" y="1684140"/>
-            <a:ext cx="180000" cy="180000"/>
-          </a:xfrm>
-          <a:prstGeom prst="triangle">
-            <a:avLst/>
-          </a:prstGeom>
-          <a:solidFill>
-            <a:srgbClr val="F75D31"/>
-          </a:solidFill>
-          <a:ln>
-            <a:noFill/>
-          </a:ln>
-          <a:effectLst/>
-        </p:spPr>
-        <p:style>
-          <a:lnRef idx="1">
-            <a:schemeClr val="accent1"/>
-          </a:lnRef>
-          <a:fillRef idx="3">
-            <a:schemeClr val="accent1"/>
-          </a:fillRef>
-          <a:effectRef idx="2">
-            <a:schemeClr val="accent1"/>
-          </a:effectRef>
-          <a:fontRef idx="minor">
-            <a:schemeClr val="lt1"/>
-          </a:fontRef>
-        </p:style>
-        <p:txBody>
-          <a:bodyPr rtlCol="0" anchor="ctr"/>
-          <a:lstStyle/>
-          <a:p>
-            <a:pPr algn="ctr"/>
-            <a:endParaRPr kumimoji="1" lang="ja-JP" altLang="en-US"/>
-          </a:p>
-        </p:txBody>
-      </p:sp>
-      <p:sp>
-        <p:nvSpPr>
-          <p:cNvPr id="24" name="二等辺三角形 23"/>
-          <p:cNvSpPr/>
-          <p:nvPr/>
-        </p:nvSpPr>
-        <p:spPr>
-          <a:xfrm rot="5400000">
-            <a:off x="5764549" y="1684479"/>
-            <a:ext cx="179370" cy="181212"/>
-          </a:xfrm>
-          <a:prstGeom prst="triangle">
-            <a:avLst/>
-          </a:prstGeom>
-          <a:solidFill>
-            <a:srgbClr val="F75D31"/>
-          </a:solidFill>
-          <a:ln>
-            <a:noFill/>
-          </a:ln>
-          <a:effectLst/>
-        </p:spPr>
-        <p:style>
-          <a:lnRef idx="1">
-            <a:schemeClr val="accent1"/>
-          </a:lnRef>
-          <a:fillRef idx="3">
-            <a:schemeClr val="accent1"/>
-          </a:fillRef>
-          <a:effectRef idx="2">
-            <a:schemeClr val="accent1"/>
-          </a:effectRef>
-          <a:fontRef idx="minor">
-            <a:schemeClr val="lt1"/>
-          </a:fontRef>
-        </p:style>
-        <p:txBody>
-          <a:bodyPr rtlCol="0" anchor="ctr"/>
-          <a:lstStyle/>
-          <a:p>
-            <a:pPr algn="ctr"/>
-            <a:endParaRPr kumimoji="1" lang="ja-JP" altLang="en-US"/>
-          </a:p>
-        </p:txBody>
-      </p:sp>
-      <p:sp>
-        <p:nvSpPr>
-          <p:cNvPr id="25" name="二等辺三角形 24"/>
-          <p:cNvSpPr/>
-          <p:nvPr/>
-        </p:nvSpPr>
-        <p:spPr>
-          <a:xfrm rot="5400000">
-            <a:off x="5673943" y="1684479"/>
-            <a:ext cx="179370" cy="181212"/>
-          </a:xfrm>
-          <a:prstGeom prst="triangle">
-            <a:avLst/>
-          </a:prstGeom>
-          <a:solidFill>
-            <a:srgbClr val="F75D31"/>
-          </a:solidFill>
-          <a:ln>
-            <a:noFill/>
-          </a:ln>
-          <a:effectLst/>
-        </p:spPr>
-        <p:style>
-          <a:lnRef idx="1">
-            <a:schemeClr val="accent1"/>
-          </a:lnRef>
-          <a:fillRef idx="3">
-            <a:schemeClr val="accent1"/>
-          </a:fillRef>
-          <a:effectRef idx="2">
-            <a:schemeClr val="accent1"/>
-          </a:effectRef>
-          <a:fontRef idx="minor">
-            <a:schemeClr val="lt1"/>
-          </a:fontRef>
-        </p:style>
-        <p:txBody>
-          <a:bodyPr rtlCol="0" anchor="ctr"/>
-          <a:lstStyle/>
-          <a:p>
-            <a:pPr algn="ctr"/>
-            <a:endParaRPr kumimoji="1" lang="ja-JP" altLang="en-US"/>
-          </a:p>
-        </p:txBody>
-      </p:sp>
-      <p:sp>
-        <p:nvSpPr>
-          <p:cNvPr id="26" name="角丸四角形 25"/>
-          <p:cNvSpPr/>
-          <p:nvPr/>
-        </p:nvSpPr>
-        <p:spPr>
-          <a:xfrm>
-            <a:off x="7239002" y="1121482"/>
-            <a:ext cx="864625" cy="299213"/>
-          </a:xfrm>
-          <a:prstGeom prst="roundRect">
+          <a:prstGeom prst="can">
             <a:avLst/>
           </a:prstGeom>
           <a:noFill/>
@@ -6761,643 +9232,148 @@
           <a:lstStyle/>
           <a:p>
             <a:pPr algn="ctr"/>
-            <a:r>
-              <a:rPr lang="en-US" altLang="en-US" sz="1200" dirty="0" smtClean="0">
-                <a:solidFill>
-                  <a:schemeClr val="tx1"/>
-                </a:solidFill>
-                <a:latin typeface="メイリオ"/>
-                <a:ea typeface="メイリオ"/>
-                <a:cs typeface="メイリオ"/>
-              </a:rPr>
-              <a:t>リセット</a:t>
-            </a:r>
-            <a:endParaRPr kumimoji="1" lang="ja-JP" altLang="en-US" sz="1200" dirty="0">
-              <a:solidFill>
-                <a:schemeClr val="tx1"/>
-              </a:solidFill>
-              <a:latin typeface="メイリオ"/>
-              <a:ea typeface="メイリオ"/>
-              <a:cs typeface="メイリオ"/>
-            </a:endParaRPr>
-          </a:p>
-        </p:txBody>
-      </p:sp>
-    </p:spTree>
-    <p:extLst>
-      <p:ext uri="{BB962C8B-B14F-4D97-AF65-F5344CB8AC3E}">
-        <p14:creationId xmlns:p14="http://schemas.microsoft.com/office/powerpoint/2010/main" val="376941403"/>
-      </p:ext>
-    </p:extLst>
-  </p:cSld>
-  <p:clrMapOvr>
-    <a:masterClrMapping/>
-  </p:clrMapOvr>
-</p:sld>
-</file>
-
-<file path=ppt/slides/slide5.xml><?xml version="1.0" encoding="utf-8"?>
-<p:sld xmlns:a="http://schemas.openxmlformats.org/drawingml/2006/main" xmlns:r="http://schemas.openxmlformats.org/officeDocument/2006/relationships" xmlns:p="http://schemas.openxmlformats.org/presentationml/2006/main">
-  <p:cSld>
-    <p:spTree>
-      <p:nvGrpSpPr>
-        <p:cNvPr id="1" name=""/>
-        <p:cNvGrpSpPr/>
-        <p:nvPr/>
-      </p:nvGrpSpPr>
-      <p:grpSpPr>
-        <a:xfrm>
-          <a:off x="0" y="0"/>
-          <a:ext cx="0" cy="0"/>
-          <a:chOff x="0" y="0"/>
-          <a:chExt cx="0" cy="0"/>
-        </a:xfrm>
-      </p:grpSpPr>
-      <p:sp>
-        <p:nvSpPr>
-          <p:cNvPr id="4" name="テキスト ボックス 3"/>
-          <p:cNvSpPr txBox="1"/>
+            <a:endParaRPr kumimoji="1" lang="ja-JP" altLang="en-US"/>
+          </a:p>
+        </p:txBody>
+      </p:sp>
+      <p:sp>
+        <p:nvSpPr>
+          <p:cNvPr id="50" name="円柱 49"/>
+          <p:cNvSpPr/>
           <p:nvPr/>
         </p:nvSpPr>
         <p:spPr>
           <a:xfrm>
-            <a:off x="200532" y="187161"/>
-            <a:ext cx="4134465" cy="523220"/>
+            <a:off x="8017036" y="5169935"/>
+            <a:ext cx="173182" cy="288636"/>
           </a:xfrm>
-          <a:prstGeom prst="rect">
+          <a:prstGeom prst="can">
             <a:avLst/>
           </a:prstGeom>
           <a:noFill/>
+          <a:ln w="25400">
+            <a:solidFill>
+              <a:schemeClr val="tx1"/>
+            </a:solidFill>
+          </a:ln>
+          <a:effectLst/>
         </p:spPr>
-        <p:txBody>
-          <a:bodyPr wrap="none" rtlCol="0">
-            <a:spAutoFit/>
-          </a:bodyPr>
-          <a:lstStyle/>
-          <a:p>
-            <a:r>
-              <a:rPr lang="ja-JP" altLang="en-US" sz="2800" dirty="0" smtClean="0">
-                <a:latin typeface="メイリオ"/>
-                <a:ea typeface="メイリオ"/>
-                <a:cs typeface="メイリオ"/>
-              </a:rPr>
-              <a:t>管理画面（登録失敗時）</a:t>
-            </a:r>
-            <a:endParaRPr kumimoji="1" lang="ja-JP" altLang="en-US" sz="2000" dirty="0">
-              <a:latin typeface="メイリオ"/>
-              <a:ea typeface="メイリオ"/>
-              <a:cs typeface="メイリオ"/>
-            </a:endParaRPr>
-          </a:p>
-        </p:txBody>
-      </p:sp>
-      <p:graphicFrame>
-        <p:nvGraphicFramePr>
-          <p:cNvPr id="52" name="表 51"/>
-          <p:cNvGraphicFramePr>
-            <a:graphicFrameLocks noGrp="1"/>
-          </p:cNvGraphicFramePr>
-          <p:nvPr>
-            <p:extLst>
-              <p:ext uri="{D42A27DB-BD31-4B8C-83A1-F6EECF244321}">
-                <p14:modId xmlns:p14="http://schemas.microsoft.com/office/powerpoint/2010/main" val="3861043357"/>
-              </p:ext>
-            </p:extLst>
-          </p:nvPr>
-        </p:nvGraphicFramePr>
-        <p:xfrm>
-          <a:off x="993905" y="2031998"/>
-          <a:ext cx="7180276" cy="4248728"/>
-        </p:xfrm>
-        <a:graphic>
-          <a:graphicData uri="http://schemas.openxmlformats.org/drawingml/2006/table">
-            <a:tbl>
-              <a:tblPr firstRow="1" bandRow="1">
-                <a:tableStyleId>{5C22544A-7EE6-4342-B048-85BDC9FD1C3A}</a:tableStyleId>
-              </a:tblPr>
-              <a:tblGrid>
-                <a:gridCol w="1795069"/>
-                <a:gridCol w="1795069"/>
-                <a:gridCol w="1795069"/>
-                <a:gridCol w="1795069"/>
-              </a:tblGrid>
-              <a:tr h="386248">
-                <a:tc>
-                  <a:txBody>
-                    <a:bodyPr/>
-                    <a:lstStyle/>
-                    <a:p>
-                      <a:r>
-                        <a:rPr kumimoji="1" lang="ja-JP" altLang="en-US" dirty="0" smtClean="0">
-                          <a:latin typeface="メイリオ"/>
-                          <a:ea typeface="メイリオ"/>
-                          <a:cs typeface="メイリオ"/>
-                        </a:rPr>
-                        <a:t>日付</a:t>
-                      </a:r>
-                      <a:endParaRPr kumimoji="1" lang="ja-JP" altLang="en-US" dirty="0">
-                        <a:latin typeface="メイリオ"/>
-                        <a:ea typeface="メイリオ"/>
-                        <a:cs typeface="メイリオ"/>
-                      </a:endParaRPr>
-                    </a:p>
-                  </a:txBody>
-                  <a:tcPr/>
-                </a:tc>
-                <a:tc>
-                  <a:txBody>
-                    <a:bodyPr/>
-                    <a:lstStyle/>
-                    <a:p>
-                      <a:r>
-                        <a:rPr kumimoji="1" lang="ja-JP" altLang="en-US" dirty="0" smtClean="0">
-                          <a:latin typeface="メイリオ"/>
-                          <a:ea typeface="メイリオ"/>
-                          <a:cs typeface="メイリオ"/>
-                        </a:rPr>
-                        <a:t>内容</a:t>
-                      </a:r>
-                      <a:endParaRPr kumimoji="1" lang="ja-JP" altLang="en-US" dirty="0">
-                        <a:latin typeface="メイリオ"/>
-                        <a:ea typeface="メイリオ"/>
-                        <a:cs typeface="メイリオ"/>
-                      </a:endParaRPr>
-                    </a:p>
-                  </a:txBody>
-                  <a:tcPr/>
-                </a:tc>
-                <a:tc>
-                  <a:txBody>
-                    <a:bodyPr/>
-                    <a:lstStyle/>
-                    <a:p>
-                      <a:r>
-                        <a:rPr kumimoji="1" lang="ja-JP" altLang="en-US" dirty="0" smtClean="0">
-                          <a:latin typeface="メイリオ"/>
-                          <a:ea typeface="メイリオ"/>
-                          <a:cs typeface="メイリオ"/>
-                        </a:rPr>
-                        <a:t>カテゴリ</a:t>
-                      </a:r>
-                      <a:endParaRPr kumimoji="1" lang="ja-JP" altLang="en-US" dirty="0">
-                        <a:latin typeface="メイリオ"/>
-                        <a:ea typeface="メイリオ"/>
-                        <a:cs typeface="メイリオ"/>
-                      </a:endParaRPr>
-                    </a:p>
-                  </a:txBody>
-                  <a:tcPr/>
-                </a:tc>
-                <a:tc>
-                  <a:txBody>
-                    <a:bodyPr/>
-                    <a:lstStyle/>
-                    <a:p>
-                      <a:r>
-                        <a:rPr kumimoji="1" lang="ja-JP" altLang="en-US" dirty="0" smtClean="0">
-                          <a:latin typeface="メイリオ"/>
-                          <a:ea typeface="メイリオ"/>
-                          <a:cs typeface="メイリオ"/>
-                        </a:rPr>
-                        <a:t>金額</a:t>
-                      </a:r>
-                      <a:endParaRPr kumimoji="1" lang="ja-JP" altLang="en-US" dirty="0">
-                        <a:latin typeface="メイリオ"/>
-                        <a:ea typeface="メイリオ"/>
-                        <a:cs typeface="メイリオ"/>
-                      </a:endParaRPr>
-                    </a:p>
-                  </a:txBody>
-                  <a:tcPr/>
-                </a:tc>
-              </a:tr>
-              <a:tr h="386248">
-                <a:tc>
-                  <a:txBody>
-                    <a:bodyPr/>
-                    <a:lstStyle/>
-                    <a:p>
-                      <a:endParaRPr kumimoji="1" lang="ja-JP" altLang="en-US"/>
-                    </a:p>
-                  </a:txBody>
-                  <a:tcPr/>
-                </a:tc>
-                <a:tc>
-                  <a:txBody>
-                    <a:bodyPr/>
-                    <a:lstStyle/>
-                    <a:p>
-                      <a:endParaRPr kumimoji="1" lang="ja-JP" altLang="en-US"/>
-                    </a:p>
-                  </a:txBody>
-                  <a:tcPr/>
-                </a:tc>
-                <a:tc>
-                  <a:txBody>
-                    <a:bodyPr/>
-                    <a:lstStyle/>
-                    <a:p>
-                      <a:endParaRPr kumimoji="1" lang="ja-JP" altLang="en-US"/>
-                    </a:p>
-                  </a:txBody>
-                  <a:tcPr/>
-                </a:tc>
-                <a:tc>
-                  <a:txBody>
-                    <a:bodyPr/>
-                    <a:lstStyle/>
-                    <a:p>
-                      <a:endParaRPr kumimoji="1" lang="ja-JP" altLang="en-US" dirty="0"/>
-                    </a:p>
-                  </a:txBody>
-                  <a:tcPr/>
-                </a:tc>
-              </a:tr>
-              <a:tr h="386248">
-                <a:tc>
-                  <a:txBody>
-                    <a:bodyPr/>
-                    <a:lstStyle/>
-                    <a:p>
-                      <a:endParaRPr kumimoji="1" lang="ja-JP" altLang="en-US" dirty="0"/>
-                    </a:p>
-                  </a:txBody>
-                  <a:tcPr/>
-                </a:tc>
-                <a:tc>
-                  <a:txBody>
-                    <a:bodyPr/>
-                    <a:lstStyle/>
-                    <a:p>
-                      <a:endParaRPr kumimoji="1" lang="ja-JP" altLang="en-US"/>
-                    </a:p>
-                  </a:txBody>
-                  <a:tcPr/>
-                </a:tc>
-                <a:tc>
-                  <a:txBody>
-                    <a:bodyPr/>
-                    <a:lstStyle/>
-                    <a:p>
-                      <a:endParaRPr kumimoji="1" lang="ja-JP" altLang="en-US"/>
-                    </a:p>
-                  </a:txBody>
-                  <a:tcPr/>
-                </a:tc>
-                <a:tc>
-                  <a:txBody>
-                    <a:bodyPr/>
-                    <a:lstStyle/>
-                    <a:p>
-                      <a:endParaRPr kumimoji="1" lang="ja-JP" altLang="en-US" dirty="0"/>
-                    </a:p>
-                  </a:txBody>
-                  <a:tcPr/>
-                </a:tc>
-              </a:tr>
-              <a:tr h="386248">
-                <a:tc>
-                  <a:txBody>
-                    <a:bodyPr/>
-                    <a:lstStyle/>
-                    <a:p>
-                      <a:endParaRPr kumimoji="1" lang="ja-JP" altLang="en-US" dirty="0"/>
-                    </a:p>
-                  </a:txBody>
-                  <a:tcPr/>
-                </a:tc>
-                <a:tc>
-                  <a:txBody>
-                    <a:bodyPr/>
-                    <a:lstStyle/>
-                    <a:p>
-                      <a:endParaRPr kumimoji="1" lang="ja-JP" altLang="en-US"/>
-                    </a:p>
-                  </a:txBody>
-                  <a:tcPr/>
-                </a:tc>
-                <a:tc>
-                  <a:txBody>
-                    <a:bodyPr/>
-                    <a:lstStyle/>
-                    <a:p>
-                      <a:endParaRPr kumimoji="1" lang="ja-JP" altLang="en-US"/>
-                    </a:p>
-                  </a:txBody>
-                  <a:tcPr/>
-                </a:tc>
-                <a:tc>
-                  <a:txBody>
-                    <a:bodyPr/>
-                    <a:lstStyle/>
-                    <a:p>
-                      <a:endParaRPr kumimoji="1" lang="ja-JP" altLang="en-US" dirty="0"/>
-                    </a:p>
-                  </a:txBody>
-                  <a:tcPr/>
-                </a:tc>
-              </a:tr>
-              <a:tr h="386248">
-                <a:tc>
-                  <a:txBody>
-                    <a:bodyPr/>
-                    <a:lstStyle/>
-                    <a:p>
-                      <a:endParaRPr kumimoji="1" lang="ja-JP" altLang="en-US" dirty="0"/>
-                    </a:p>
-                  </a:txBody>
-                  <a:tcPr/>
-                </a:tc>
-                <a:tc>
-                  <a:txBody>
-                    <a:bodyPr/>
-                    <a:lstStyle/>
-                    <a:p>
-                      <a:endParaRPr kumimoji="1" lang="ja-JP" altLang="en-US" dirty="0"/>
-                    </a:p>
-                  </a:txBody>
-                  <a:tcPr/>
-                </a:tc>
-                <a:tc>
-                  <a:txBody>
-                    <a:bodyPr/>
-                    <a:lstStyle/>
-                    <a:p>
-                      <a:endParaRPr kumimoji="1" lang="ja-JP" altLang="en-US"/>
-                    </a:p>
-                  </a:txBody>
-                  <a:tcPr/>
-                </a:tc>
-                <a:tc>
-                  <a:txBody>
-                    <a:bodyPr/>
-                    <a:lstStyle/>
-                    <a:p>
-                      <a:endParaRPr kumimoji="1" lang="ja-JP" altLang="en-US" dirty="0"/>
-                    </a:p>
-                  </a:txBody>
-                  <a:tcPr/>
-                </a:tc>
-              </a:tr>
-              <a:tr h="386248">
-                <a:tc>
-                  <a:txBody>
-                    <a:bodyPr/>
-                    <a:lstStyle/>
-                    <a:p>
-                      <a:endParaRPr kumimoji="1" lang="ja-JP" altLang="en-US" dirty="0"/>
-                    </a:p>
-                  </a:txBody>
-                  <a:tcPr/>
-                </a:tc>
-                <a:tc>
-                  <a:txBody>
-                    <a:bodyPr/>
-                    <a:lstStyle/>
-                    <a:p>
-                      <a:endParaRPr kumimoji="1" lang="ja-JP" altLang="en-US" dirty="0"/>
-                    </a:p>
-                  </a:txBody>
-                  <a:tcPr/>
-                </a:tc>
-                <a:tc>
-                  <a:txBody>
-                    <a:bodyPr/>
-                    <a:lstStyle/>
-                    <a:p>
-                      <a:endParaRPr kumimoji="1" lang="ja-JP" altLang="en-US"/>
-                    </a:p>
-                  </a:txBody>
-                  <a:tcPr/>
-                </a:tc>
-                <a:tc>
-                  <a:txBody>
-                    <a:bodyPr/>
-                    <a:lstStyle/>
-                    <a:p>
-                      <a:endParaRPr kumimoji="1" lang="ja-JP" altLang="en-US" dirty="0"/>
-                    </a:p>
-                  </a:txBody>
-                  <a:tcPr/>
-                </a:tc>
-              </a:tr>
-              <a:tr h="386248">
-                <a:tc>
-                  <a:txBody>
-                    <a:bodyPr/>
-                    <a:lstStyle/>
-                    <a:p>
-                      <a:endParaRPr kumimoji="1" lang="ja-JP" altLang="en-US" dirty="0"/>
-                    </a:p>
-                  </a:txBody>
-                  <a:tcPr/>
-                </a:tc>
-                <a:tc>
-                  <a:txBody>
-                    <a:bodyPr/>
-                    <a:lstStyle/>
-                    <a:p>
-                      <a:endParaRPr kumimoji="1" lang="ja-JP" altLang="en-US" dirty="0"/>
-                    </a:p>
-                  </a:txBody>
-                  <a:tcPr/>
-                </a:tc>
-                <a:tc>
-                  <a:txBody>
-                    <a:bodyPr/>
-                    <a:lstStyle/>
-                    <a:p>
-                      <a:endParaRPr kumimoji="1" lang="ja-JP" altLang="en-US"/>
-                    </a:p>
-                  </a:txBody>
-                  <a:tcPr/>
-                </a:tc>
-                <a:tc>
-                  <a:txBody>
-                    <a:bodyPr/>
-                    <a:lstStyle/>
-                    <a:p>
-                      <a:endParaRPr kumimoji="1" lang="ja-JP" altLang="en-US" dirty="0"/>
-                    </a:p>
-                  </a:txBody>
-                  <a:tcPr/>
-                </a:tc>
-              </a:tr>
-              <a:tr h="386248">
-                <a:tc>
-                  <a:txBody>
-                    <a:bodyPr/>
-                    <a:lstStyle/>
-                    <a:p>
-                      <a:endParaRPr kumimoji="1" lang="ja-JP" altLang="en-US" dirty="0"/>
-                    </a:p>
-                  </a:txBody>
-                  <a:tcPr/>
-                </a:tc>
-                <a:tc>
-                  <a:txBody>
-                    <a:bodyPr/>
-                    <a:lstStyle/>
-                    <a:p>
-                      <a:endParaRPr kumimoji="1" lang="ja-JP" altLang="en-US"/>
-                    </a:p>
-                  </a:txBody>
-                  <a:tcPr/>
-                </a:tc>
-                <a:tc>
-                  <a:txBody>
-                    <a:bodyPr/>
-                    <a:lstStyle/>
-                    <a:p>
-                      <a:endParaRPr kumimoji="1" lang="ja-JP" altLang="en-US"/>
-                    </a:p>
-                  </a:txBody>
-                  <a:tcPr/>
-                </a:tc>
-                <a:tc>
-                  <a:txBody>
-                    <a:bodyPr/>
-                    <a:lstStyle/>
-                    <a:p>
-                      <a:endParaRPr kumimoji="1" lang="ja-JP" altLang="en-US"/>
-                    </a:p>
-                  </a:txBody>
-                  <a:tcPr/>
-                </a:tc>
-              </a:tr>
-              <a:tr h="386248">
-                <a:tc>
-                  <a:txBody>
-                    <a:bodyPr/>
-                    <a:lstStyle/>
-                    <a:p>
-                      <a:endParaRPr kumimoji="1" lang="ja-JP" altLang="en-US"/>
-                    </a:p>
-                  </a:txBody>
-                  <a:tcPr/>
-                </a:tc>
-                <a:tc>
-                  <a:txBody>
-                    <a:bodyPr/>
-                    <a:lstStyle/>
-                    <a:p>
-                      <a:endParaRPr kumimoji="1" lang="ja-JP" altLang="en-US"/>
-                    </a:p>
-                  </a:txBody>
-                  <a:tcPr/>
-                </a:tc>
-                <a:tc>
-                  <a:txBody>
-                    <a:bodyPr/>
-                    <a:lstStyle/>
-                    <a:p>
-                      <a:endParaRPr kumimoji="1" lang="ja-JP" altLang="en-US"/>
-                    </a:p>
-                  </a:txBody>
-                  <a:tcPr/>
-                </a:tc>
-                <a:tc>
-                  <a:txBody>
-                    <a:bodyPr/>
-                    <a:lstStyle/>
-                    <a:p>
-                      <a:endParaRPr kumimoji="1" lang="ja-JP" altLang="en-US"/>
-                    </a:p>
-                  </a:txBody>
-                  <a:tcPr/>
-                </a:tc>
-              </a:tr>
-              <a:tr h="386248">
-                <a:tc>
-                  <a:txBody>
-                    <a:bodyPr/>
-                    <a:lstStyle/>
-                    <a:p>
-                      <a:endParaRPr kumimoji="1" lang="ja-JP" altLang="en-US"/>
-                    </a:p>
-                  </a:txBody>
-                  <a:tcPr/>
-                </a:tc>
-                <a:tc>
-                  <a:txBody>
-                    <a:bodyPr/>
-                    <a:lstStyle/>
-                    <a:p>
-                      <a:endParaRPr kumimoji="1" lang="ja-JP" altLang="en-US"/>
-                    </a:p>
-                  </a:txBody>
-                  <a:tcPr/>
-                </a:tc>
-                <a:tc>
-                  <a:txBody>
-                    <a:bodyPr/>
-                    <a:lstStyle/>
-                    <a:p>
-                      <a:endParaRPr kumimoji="1" lang="ja-JP" altLang="en-US"/>
-                    </a:p>
-                  </a:txBody>
-                  <a:tcPr/>
-                </a:tc>
-                <a:tc>
-                  <a:txBody>
-                    <a:bodyPr/>
-                    <a:lstStyle/>
-                    <a:p>
-                      <a:endParaRPr kumimoji="1" lang="ja-JP" altLang="en-US"/>
-                    </a:p>
-                  </a:txBody>
-                  <a:tcPr/>
-                </a:tc>
-              </a:tr>
-              <a:tr h="386248">
-                <a:tc>
-                  <a:txBody>
-                    <a:bodyPr/>
-                    <a:lstStyle/>
-                    <a:p>
-                      <a:endParaRPr kumimoji="1" lang="ja-JP" altLang="en-US"/>
-                    </a:p>
-                  </a:txBody>
-                  <a:tcPr/>
-                </a:tc>
-                <a:tc>
-                  <a:txBody>
-                    <a:bodyPr/>
-                    <a:lstStyle/>
-                    <a:p>
-                      <a:endParaRPr kumimoji="1" lang="ja-JP" altLang="en-US" dirty="0"/>
-                    </a:p>
-                  </a:txBody>
-                  <a:tcPr/>
-                </a:tc>
-                <a:tc>
-                  <a:txBody>
-                    <a:bodyPr/>
-                    <a:lstStyle/>
-                    <a:p>
-                      <a:endParaRPr kumimoji="1" lang="ja-JP" altLang="en-US" dirty="0"/>
-                    </a:p>
-                  </a:txBody>
-                  <a:tcPr/>
-                </a:tc>
-                <a:tc>
-                  <a:txBody>
-                    <a:bodyPr/>
-                    <a:lstStyle/>
-                    <a:p>
-                      <a:endParaRPr kumimoji="1" lang="ja-JP" altLang="en-US" dirty="0"/>
-                    </a:p>
-                  </a:txBody>
-                  <a:tcPr/>
-                </a:tc>
-              </a:tr>
-            </a:tbl>
-          </a:graphicData>
-        </a:graphic>
-      </p:graphicFrame>
-      <p:sp>
-        <p:nvSpPr>
-          <p:cNvPr id="53" name="正方形/長方形 52"/>
+        <p:style>
+          <a:lnRef idx="1">
+            <a:schemeClr val="accent1"/>
+          </a:lnRef>
+          <a:fillRef idx="3">
+            <a:schemeClr val="accent1"/>
+          </a:fillRef>
+          <a:effectRef idx="2">
+            <a:schemeClr val="accent1"/>
+          </a:effectRef>
+          <a:fontRef idx="minor">
+            <a:schemeClr val="lt1"/>
+          </a:fontRef>
+        </p:style>
+        <p:txBody>
+          <a:bodyPr rtlCol="0" anchor="ctr"/>
+          <a:lstStyle/>
+          <a:p>
+            <a:pPr algn="ctr"/>
+            <a:endParaRPr kumimoji="1" lang="ja-JP" altLang="en-US"/>
+          </a:p>
+        </p:txBody>
+      </p:sp>
+      <p:sp>
+        <p:nvSpPr>
+          <p:cNvPr id="51" name="円柱 50"/>
+          <p:cNvSpPr/>
+          <p:nvPr/>
+        </p:nvSpPr>
+        <p:spPr>
+          <a:xfrm>
+            <a:off x="8017036" y="5559013"/>
+            <a:ext cx="173182" cy="288636"/>
+          </a:xfrm>
+          <a:prstGeom prst="can">
+            <a:avLst/>
+          </a:prstGeom>
+          <a:noFill/>
+          <a:ln w="25400">
+            <a:solidFill>
+              <a:schemeClr val="tx1"/>
+            </a:solidFill>
+          </a:ln>
+          <a:effectLst/>
+        </p:spPr>
+        <p:style>
+          <a:lnRef idx="1">
+            <a:schemeClr val="accent1"/>
+          </a:lnRef>
+          <a:fillRef idx="3">
+            <a:schemeClr val="accent1"/>
+          </a:fillRef>
+          <a:effectRef idx="2">
+            <a:schemeClr val="accent1"/>
+          </a:effectRef>
+          <a:fontRef idx="minor">
+            <a:schemeClr val="lt1"/>
+          </a:fontRef>
+        </p:style>
+        <p:txBody>
+          <a:bodyPr rtlCol="0" anchor="ctr"/>
+          <a:lstStyle/>
+          <a:p>
+            <a:pPr algn="ctr"/>
+            <a:endParaRPr kumimoji="1" lang="ja-JP" altLang="en-US"/>
+          </a:p>
+        </p:txBody>
+      </p:sp>
+      <p:sp>
+        <p:nvSpPr>
+          <p:cNvPr id="54" name="円柱 53"/>
+          <p:cNvSpPr/>
+          <p:nvPr/>
+        </p:nvSpPr>
+        <p:spPr>
+          <a:xfrm>
+            <a:off x="8017036" y="5930778"/>
+            <a:ext cx="173182" cy="288636"/>
+          </a:xfrm>
+          <a:prstGeom prst="can">
+            <a:avLst/>
+          </a:prstGeom>
+          <a:noFill/>
+          <a:ln w="25400">
+            <a:solidFill>
+              <a:schemeClr val="tx1"/>
+            </a:solidFill>
+          </a:ln>
+          <a:effectLst/>
+        </p:spPr>
+        <p:style>
+          <a:lnRef idx="1">
+            <a:schemeClr val="accent1"/>
+          </a:lnRef>
+          <a:fillRef idx="3">
+            <a:schemeClr val="accent1"/>
+          </a:fillRef>
+          <a:effectRef idx="2">
+            <a:schemeClr val="accent1"/>
+          </a:effectRef>
+          <a:fontRef idx="minor">
+            <a:schemeClr val="lt1"/>
+          </a:fontRef>
+        </p:style>
+        <p:txBody>
+          <a:bodyPr rtlCol="0" anchor="ctr"/>
+          <a:lstStyle/>
+          <a:p>
+            <a:pPr algn="ctr"/>
+            <a:endParaRPr kumimoji="1" lang="ja-JP" altLang="en-US"/>
+          </a:p>
+        </p:txBody>
+      </p:sp>
+      <p:sp>
+        <p:nvSpPr>
+          <p:cNvPr id="55" name="正方形/長方形 54"/>
           <p:cNvSpPr/>
           <p:nvPr/>
         </p:nvSpPr>
@@ -7452,1042 +9428,6 @@
           </a:p>
         </p:txBody>
       </p:sp>
-      <p:sp>
-        <p:nvSpPr>
-          <p:cNvPr id="64" name="テキスト ボックス 63"/>
-          <p:cNvSpPr txBox="1"/>
-          <p:nvPr/>
-        </p:nvSpPr>
-        <p:spPr>
-          <a:xfrm>
-            <a:off x="4124211" y="1630084"/>
-            <a:ext cx="296175" cy="307777"/>
-          </a:xfrm>
-          <a:prstGeom prst="rect">
-            <a:avLst/>
-          </a:prstGeom>
-          <a:noFill/>
-        </p:spPr>
-        <p:txBody>
-          <a:bodyPr wrap="none" rtlCol="0">
-            <a:spAutoFit/>
-          </a:bodyPr>
-          <a:lstStyle/>
-          <a:p>
-            <a:r>
-              <a:rPr lang="en-US" altLang="ja-JP" sz="1400" dirty="0">
-                <a:latin typeface="メイリオ"/>
-                <a:ea typeface="メイリオ"/>
-                <a:cs typeface="メイリオ"/>
-              </a:rPr>
-              <a:t>1</a:t>
-            </a:r>
-            <a:endParaRPr kumimoji="1" lang="ja-JP" altLang="en-US" sz="1400" dirty="0">
-              <a:latin typeface="メイリオ"/>
-              <a:ea typeface="メイリオ"/>
-              <a:cs typeface="メイリオ"/>
-            </a:endParaRPr>
-          </a:p>
-        </p:txBody>
-      </p:sp>
-      <p:sp>
-        <p:nvSpPr>
-          <p:cNvPr id="65" name="テキスト ボックス 64"/>
-          <p:cNvSpPr txBox="1"/>
-          <p:nvPr/>
-        </p:nvSpPr>
-        <p:spPr>
-          <a:xfrm>
-            <a:off x="4356158" y="1632399"/>
-            <a:ext cx="296175" cy="307777"/>
-          </a:xfrm>
-          <a:prstGeom prst="rect">
-            <a:avLst/>
-          </a:prstGeom>
-          <a:noFill/>
-        </p:spPr>
-        <p:txBody>
-          <a:bodyPr wrap="none" rtlCol="0">
-            <a:spAutoFit/>
-          </a:bodyPr>
-          <a:lstStyle/>
-          <a:p>
-            <a:r>
-              <a:rPr lang="en-US" altLang="ja-JP" sz="1400" dirty="0" smtClean="0">
-                <a:latin typeface="メイリオ"/>
-                <a:ea typeface="メイリオ"/>
-                <a:cs typeface="メイリオ"/>
-              </a:rPr>
-              <a:t>2</a:t>
-            </a:r>
-            <a:endParaRPr kumimoji="1" lang="ja-JP" altLang="en-US" sz="1400" dirty="0">
-              <a:latin typeface="メイリオ"/>
-              <a:ea typeface="メイリオ"/>
-              <a:cs typeface="メイリオ"/>
-            </a:endParaRPr>
-          </a:p>
-        </p:txBody>
-      </p:sp>
-      <p:sp>
-        <p:nvSpPr>
-          <p:cNvPr id="66" name="テキスト ボックス 65"/>
-          <p:cNvSpPr txBox="1"/>
-          <p:nvPr/>
-        </p:nvSpPr>
-        <p:spPr>
-          <a:xfrm>
-            <a:off x="4597125" y="1632399"/>
-            <a:ext cx="494734" cy="307777"/>
-          </a:xfrm>
-          <a:prstGeom prst="rect">
-            <a:avLst/>
-          </a:prstGeom>
-          <a:noFill/>
-        </p:spPr>
-        <p:txBody>
-          <a:bodyPr wrap="none" rtlCol="0">
-            <a:spAutoFit/>
-          </a:bodyPr>
-          <a:lstStyle/>
-          <a:p>
-            <a:r>
-              <a:rPr lang="en-US" altLang="ja-JP" sz="1400" dirty="0" smtClean="0">
-                <a:latin typeface="メイリオ"/>
-                <a:ea typeface="メイリオ"/>
-                <a:cs typeface="メイリオ"/>
-              </a:rPr>
-              <a:t>. . .</a:t>
-            </a:r>
-            <a:endParaRPr kumimoji="1" lang="ja-JP" altLang="en-US" sz="1400" dirty="0">
-              <a:latin typeface="メイリオ"/>
-              <a:ea typeface="メイリオ"/>
-              <a:cs typeface="メイリオ"/>
-            </a:endParaRPr>
-          </a:p>
-        </p:txBody>
-      </p:sp>
-      <p:sp>
-        <p:nvSpPr>
-          <p:cNvPr id="67" name="二等辺三角形 66"/>
-          <p:cNvSpPr/>
-          <p:nvPr/>
-        </p:nvSpPr>
-        <p:spPr>
-          <a:xfrm rot="5400000">
-            <a:off x="5439130" y="1683849"/>
-            <a:ext cx="179370" cy="181212"/>
-          </a:xfrm>
-          <a:prstGeom prst="triangle">
-            <a:avLst/>
-          </a:prstGeom>
-          <a:solidFill>
-            <a:srgbClr val="F75D31"/>
-          </a:solidFill>
-          <a:ln>
-            <a:noFill/>
-          </a:ln>
-          <a:effectLst/>
-        </p:spPr>
-        <p:style>
-          <a:lnRef idx="1">
-            <a:schemeClr val="accent1"/>
-          </a:lnRef>
-          <a:fillRef idx="3">
-            <a:schemeClr val="accent1"/>
-          </a:fillRef>
-          <a:effectRef idx="2">
-            <a:schemeClr val="accent1"/>
-          </a:effectRef>
-          <a:fontRef idx="minor">
-            <a:schemeClr val="lt1"/>
-          </a:fontRef>
-        </p:style>
-        <p:txBody>
-          <a:bodyPr rtlCol="0" anchor="ctr"/>
-          <a:lstStyle/>
-          <a:p>
-            <a:pPr algn="ctr"/>
-            <a:endParaRPr kumimoji="1" lang="ja-JP" altLang="en-US"/>
-          </a:p>
-        </p:txBody>
-      </p:sp>
-      <p:sp>
-        <p:nvSpPr>
-          <p:cNvPr id="68" name="二等辺三角形 67"/>
-          <p:cNvSpPr/>
-          <p:nvPr/>
-        </p:nvSpPr>
-        <p:spPr>
-          <a:xfrm rot="16200000">
-            <a:off x="3923520" y="1684770"/>
-            <a:ext cx="180000" cy="180000"/>
-          </a:xfrm>
-          <a:prstGeom prst="triangle">
-            <a:avLst/>
-          </a:prstGeom>
-          <a:solidFill>
-            <a:srgbClr val="F75D31"/>
-          </a:solidFill>
-          <a:ln>
-            <a:noFill/>
-          </a:ln>
-          <a:effectLst/>
-        </p:spPr>
-        <p:style>
-          <a:lnRef idx="1">
-            <a:schemeClr val="accent1"/>
-          </a:lnRef>
-          <a:fillRef idx="3">
-            <a:schemeClr val="accent1"/>
-          </a:fillRef>
-          <a:effectRef idx="2">
-            <a:schemeClr val="accent1"/>
-          </a:effectRef>
-          <a:fontRef idx="minor">
-            <a:schemeClr val="lt1"/>
-          </a:fontRef>
-        </p:style>
-        <p:txBody>
-          <a:bodyPr rtlCol="0" anchor="ctr"/>
-          <a:lstStyle/>
-          <a:p>
-            <a:pPr algn="ctr"/>
-            <a:endParaRPr kumimoji="1" lang="ja-JP" altLang="en-US"/>
-          </a:p>
-        </p:txBody>
-      </p:sp>
-      <p:sp>
-        <p:nvSpPr>
-          <p:cNvPr id="69" name="テキスト ボックス 68"/>
-          <p:cNvSpPr txBox="1"/>
-          <p:nvPr/>
-        </p:nvSpPr>
-        <p:spPr>
-          <a:xfrm>
-            <a:off x="5013885" y="1632399"/>
-            <a:ext cx="407684" cy="307777"/>
-          </a:xfrm>
-          <a:prstGeom prst="rect">
-            <a:avLst/>
-          </a:prstGeom>
-          <a:noFill/>
-        </p:spPr>
-        <p:txBody>
-          <a:bodyPr wrap="none" rtlCol="0">
-            <a:spAutoFit/>
-          </a:bodyPr>
-          <a:lstStyle/>
-          <a:p>
-            <a:r>
-              <a:rPr lang="en-US" altLang="ja-JP" sz="1400" dirty="0" smtClean="0">
-                <a:latin typeface="メイリオ"/>
-                <a:ea typeface="メイリオ"/>
-                <a:cs typeface="メイリオ"/>
-              </a:rPr>
-              <a:t>20</a:t>
-            </a:r>
-            <a:endParaRPr kumimoji="1" lang="ja-JP" altLang="en-US" sz="1400" dirty="0">
-              <a:latin typeface="メイリオ"/>
-              <a:ea typeface="メイリオ"/>
-              <a:cs typeface="メイリオ"/>
-            </a:endParaRPr>
-          </a:p>
-        </p:txBody>
-      </p:sp>
-      <p:sp>
-        <p:nvSpPr>
-          <p:cNvPr id="21" name="テキスト ボックス 20"/>
-          <p:cNvSpPr txBox="1"/>
-          <p:nvPr/>
-        </p:nvSpPr>
-        <p:spPr>
-          <a:xfrm>
-            <a:off x="993905" y="1630084"/>
-            <a:ext cx="2623046" cy="307777"/>
-          </a:xfrm>
-          <a:prstGeom prst="rect">
-            <a:avLst/>
-          </a:prstGeom>
-          <a:noFill/>
-        </p:spPr>
-        <p:txBody>
-          <a:bodyPr wrap="none" rtlCol="0">
-            <a:spAutoFit/>
-          </a:bodyPr>
-          <a:lstStyle/>
-          <a:p>
-            <a:r>
-              <a:rPr lang="en-US" altLang="ja-JP" sz="1400" dirty="0" smtClean="0">
-                <a:latin typeface="メイリオ"/>
-                <a:ea typeface="メイリオ"/>
-                <a:cs typeface="メイリオ"/>
-              </a:rPr>
-              <a:t>xxx </a:t>
-            </a:r>
-            <a:r>
-              <a:rPr lang="ja-JP" altLang="en-US" sz="1400" dirty="0" smtClean="0">
-                <a:latin typeface="メイリオ"/>
-                <a:ea typeface="メイリオ"/>
-                <a:cs typeface="メイリオ"/>
-              </a:rPr>
-              <a:t>件中</a:t>
-            </a:r>
-            <a:r>
-              <a:rPr lang="en-US" altLang="ja-JP" sz="1400" dirty="0" smtClean="0">
-                <a:latin typeface="メイリオ"/>
-                <a:ea typeface="メイリオ"/>
-                <a:cs typeface="メイリオ"/>
-              </a:rPr>
-              <a:t> </a:t>
-            </a:r>
-            <a:r>
-              <a:rPr lang="en-US" altLang="ja-JP" sz="1400" dirty="0" err="1" smtClean="0">
-                <a:latin typeface="メイリオ"/>
-                <a:ea typeface="メイリオ"/>
-                <a:cs typeface="メイリオ"/>
-              </a:rPr>
-              <a:t>yyy</a:t>
-            </a:r>
-            <a:r>
-              <a:rPr lang="en-US" altLang="ja-JP" sz="1400" dirty="0" smtClean="0">
-                <a:latin typeface="メイリオ"/>
-                <a:ea typeface="メイリオ"/>
-                <a:cs typeface="メイリオ"/>
-              </a:rPr>
-              <a:t> 〜 </a:t>
-            </a:r>
-            <a:r>
-              <a:rPr lang="en-US" altLang="ja-JP" sz="1400" dirty="0" err="1" smtClean="0">
-                <a:latin typeface="メイリオ"/>
-                <a:ea typeface="メイリオ"/>
-                <a:cs typeface="メイリオ"/>
-              </a:rPr>
-              <a:t>zzz</a:t>
-            </a:r>
-            <a:r>
-              <a:rPr lang="en-US" altLang="ja-JP" sz="1400" dirty="0" smtClean="0">
-                <a:latin typeface="メイリオ"/>
-                <a:ea typeface="メイリオ"/>
-                <a:cs typeface="メイリオ"/>
-              </a:rPr>
-              <a:t> </a:t>
-            </a:r>
-            <a:r>
-              <a:rPr lang="ja-JP" altLang="en-US" sz="1400" dirty="0" smtClean="0">
-                <a:latin typeface="メイリオ"/>
-                <a:ea typeface="メイリオ"/>
-                <a:cs typeface="メイリオ"/>
-              </a:rPr>
-              <a:t>件を表示</a:t>
-            </a:r>
-            <a:endParaRPr kumimoji="1" lang="ja-JP" altLang="en-US" sz="1400" dirty="0">
-              <a:latin typeface="メイリオ"/>
-              <a:ea typeface="メイリオ"/>
-              <a:cs typeface="メイリオ"/>
-            </a:endParaRPr>
-          </a:p>
-        </p:txBody>
-      </p:sp>
-      <p:sp>
-        <p:nvSpPr>
-          <p:cNvPr id="22" name="二等辺三角形 21"/>
-          <p:cNvSpPr/>
-          <p:nvPr/>
-        </p:nvSpPr>
-        <p:spPr>
-          <a:xfrm rot="16200000">
-            <a:off x="3596344" y="1684770"/>
-            <a:ext cx="180000" cy="180000"/>
-          </a:xfrm>
-          <a:prstGeom prst="triangle">
-            <a:avLst/>
-          </a:prstGeom>
-          <a:solidFill>
-            <a:srgbClr val="F75D31"/>
-          </a:solidFill>
-          <a:ln>
-            <a:noFill/>
-          </a:ln>
-          <a:effectLst/>
-        </p:spPr>
-        <p:style>
-          <a:lnRef idx="1">
-            <a:schemeClr val="accent1"/>
-          </a:lnRef>
-          <a:fillRef idx="3">
-            <a:schemeClr val="accent1"/>
-          </a:fillRef>
-          <a:effectRef idx="2">
-            <a:schemeClr val="accent1"/>
-          </a:effectRef>
-          <a:fontRef idx="minor">
-            <a:schemeClr val="lt1"/>
-          </a:fontRef>
-        </p:style>
-        <p:txBody>
-          <a:bodyPr rtlCol="0" anchor="ctr"/>
-          <a:lstStyle/>
-          <a:p>
-            <a:pPr algn="ctr"/>
-            <a:endParaRPr kumimoji="1" lang="ja-JP" altLang="en-US"/>
-          </a:p>
-        </p:txBody>
-      </p:sp>
-      <p:sp>
-        <p:nvSpPr>
-          <p:cNvPr id="23" name="二等辺三角形 22"/>
-          <p:cNvSpPr/>
-          <p:nvPr/>
-        </p:nvSpPr>
-        <p:spPr>
-          <a:xfrm rot="16200000">
-            <a:off x="3693379" y="1684140"/>
-            <a:ext cx="180000" cy="180000"/>
-          </a:xfrm>
-          <a:prstGeom prst="triangle">
-            <a:avLst/>
-          </a:prstGeom>
-          <a:solidFill>
-            <a:srgbClr val="F75D31"/>
-          </a:solidFill>
-          <a:ln>
-            <a:noFill/>
-          </a:ln>
-          <a:effectLst/>
-        </p:spPr>
-        <p:style>
-          <a:lnRef idx="1">
-            <a:schemeClr val="accent1"/>
-          </a:lnRef>
-          <a:fillRef idx="3">
-            <a:schemeClr val="accent1"/>
-          </a:fillRef>
-          <a:effectRef idx="2">
-            <a:schemeClr val="accent1"/>
-          </a:effectRef>
-          <a:fontRef idx="minor">
-            <a:schemeClr val="lt1"/>
-          </a:fontRef>
-        </p:style>
-        <p:txBody>
-          <a:bodyPr rtlCol="0" anchor="ctr"/>
-          <a:lstStyle/>
-          <a:p>
-            <a:pPr algn="ctr"/>
-            <a:endParaRPr kumimoji="1" lang="ja-JP" altLang="en-US"/>
-          </a:p>
-        </p:txBody>
-      </p:sp>
-      <p:sp>
-        <p:nvSpPr>
-          <p:cNvPr id="24" name="二等辺三角形 23"/>
-          <p:cNvSpPr/>
-          <p:nvPr/>
-        </p:nvSpPr>
-        <p:spPr>
-          <a:xfrm rot="5400000">
-            <a:off x="5764549" y="1684479"/>
-            <a:ext cx="179370" cy="181212"/>
-          </a:xfrm>
-          <a:prstGeom prst="triangle">
-            <a:avLst/>
-          </a:prstGeom>
-          <a:solidFill>
-            <a:srgbClr val="F75D31"/>
-          </a:solidFill>
-          <a:ln>
-            <a:noFill/>
-          </a:ln>
-          <a:effectLst/>
-        </p:spPr>
-        <p:style>
-          <a:lnRef idx="1">
-            <a:schemeClr val="accent1"/>
-          </a:lnRef>
-          <a:fillRef idx="3">
-            <a:schemeClr val="accent1"/>
-          </a:fillRef>
-          <a:effectRef idx="2">
-            <a:schemeClr val="accent1"/>
-          </a:effectRef>
-          <a:fontRef idx="minor">
-            <a:schemeClr val="lt1"/>
-          </a:fontRef>
-        </p:style>
-        <p:txBody>
-          <a:bodyPr rtlCol="0" anchor="ctr"/>
-          <a:lstStyle/>
-          <a:p>
-            <a:pPr algn="ctr"/>
-            <a:endParaRPr kumimoji="1" lang="ja-JP" altLang="en-US"/>
-          </a:p>
-        </p:txBody>
-      </p:sp>
-      <p:sp>
-        <p:nvSpPr>
-          <p:cNvPr id="25" name="二等辺三角形 24"/>
-          <p:cNvSpPr/>
-          <p:nvPr/>
-        </p:nvSpPr>
-        <p:spPr>
-          <a:xfrm rot="5400000">
-            <a:off x="5673943" y="1684479"/>
-            <a:ext cx="179370" cy="181212"/>
-          </a:xfrm>
-          <a:prstGeom prst="triangle">
-            <a:avLst/>
-          </a:prstGeom>
-          <a:solidFill>
-            <a:srgbClr val="F75D31"/>
-          </a:solidFill>
-          <a:ln>
-            <a:noFill/>
-          </a:ln>
-          <a:effectLst/>
-        </p:spPr>
-        <p:style>
-          <a:lnRef idx="1">
-            <a:schemeClr val="accent1"/>
-          </a:lnRef>
-          <a:fillRef idx="3">
-            <a:schemeClr val="accent1"/>
-          </a:fillRef>
-          <a:effectRef idx="2">
-            <a:schemeClr val="accent1"/>
-          </a:effectRef>
-          <a:fontRef idx="minor">
-            <a:schemeClr val="lt1"/>
-          </a:fontRef>
-        </p:style>
-        <p:txBody>
-          <a:bodyPr rtlCol="0" anchor="ctr"/>
-          <a:lstStyle/>
-          <a:p>
-            <a:pPr algn="ctr"/>
-            <a:endParaRPr kumimoji="1" lang="ja-JP" altLang="en-US"/>
-          </a:p>
-        </p:txBody>
-      </p:sp>
-      <p:sp>
-        <p:nvSpPr>
-          <p:cNvPr id="28" name="角丸四角形 27"/>
-          <p:cNvSpPr/>
-          <p:nvPr/>
-        </p:nvSpPr>
-        <p:spPr>
-          <a:xfrm>
-            <a:off x="1469168" y="1187601"/>
-            <a:ext cx="562830" cy="165946"/>
-          </a:xfrm>
-          <a:prstGeom prst="roundRect">
-            <a:avLst/>
-          </a:prstGeom>
-          <a:noFill/>
-          <a:ln w="25400">
-            <a:solidFill>
-              <a:schemeClr val="tx1"/>
-            </a:solidFill>
-          </a:ln>
-          <a:effectLst/>
-        </p:spPr>
-        <p:style>
-          <a:lnRef idx="1">
-            <a:schemeClr val="accent1"/>
-          </a:lnRef>
-          <a:fillRef idx="3">
-            <a:schemeClr val="accent1"/>
-          </a:fillRef>
-          <a:effectRef idx="2">
-            <a:schemeClr val="accent1"/>
-          </a:effectRef>
-          <a:fontRef idx="minor">
-            <a:schemeClr val="lt1"/>
-          </a:fontRef>
-        </p:style>
-        <p:txBody>
-          <a:bodyPr rtlCol="0" anchor="ctr"/>
-          <a:lstStyle/>
-          <a:p>
-            <a:pPr algn="ctr"/>
-            <a:endParaRPr kumimoji="1" lang="ja-JP" altLang="en-US"/>
-          </a:p>
-        </p:txBody>
-      </p:sp>
-      <p:sp>
-        <p:nvSpPr>
-          <p:cNvPr id="29" name="テキスト ボックス 28"/>
-          <p:cNvSpPr txBox="1"/>
-          <p:nvPr/>
-        </p:nvSpPr>
-        <p:spPr>
-          <a:xfrm>
-            <a:off x="890993" y="1114621"/>
-            <a:ext cx="646331" cy="276999"/>
-          </a:xfrm>
-          <a:prstGeom prst="rect">
-            <a:avLst/>
-          </a:prstGeom>
-          <a:noFill/>
-        </p:spPr>
-        <p:txBody>
-          <a:bodyPr wrap="none" rtlCol="0">
-            <a:spAutoFit/>
-          </a:bodyPr>
-          <a:lstStyle/>
-          <a:p>
-            <a:r>
-              <a:rPr kumimoji="1" lang="ja-JP" altLang="en-US" sz="1200" dirty="0" smtClean="0">
-                <a:latin typeface="メイリオ"/>
-                <a:ea typeface="メイリオ"/>
-                <a:cs typeface="メイリオ"/>
-              </a:rPr>
-              <a:t>日付：</a:t>
-            </a:r>
-            <a:endParaRPr kumimoji="1" lang="ja-JP" altLang="en-US" sz="1200" dirty="0">
-              <a:latin typeface="メイリオ"/>
-              <a:ea typeface="メイリオ"/>
-              <a:cs typeface="メイリオ"/>
-            </a:endParaRPr>
-          </a:p>
-        </p:txBody>
-      </p:sp>
-      <p:sp>
-        <p:nvSpPr>
-          <p:cNvPr id="30" name="角丸四角形 29"/>
-          <p:cNvSpPr/>
-          <p:nvPr/>
-        </p:nvSpPr>
-        <p:spPr>
-          <a:xfrm>
-            <a:off x="2646774" y="1187601"/>
-            <a:ext cx="797002" cy="165946"/>
-          </a:xfrm>
-          <a:prstGeom prst="roundRect">
-            <a:avLst/>
-          </a:prstGeom>
-          <a:noFill/>
-          <a:ln w="25400">
-            <a:solidFill>
-              <a:schemeClr val="tx1"/>
-            </a:solidFill>
-          </a:ln>
-          <a:effectLst/>
-        </p:spPr>
-        <p:style>
-          <a:lnRef idx="1">
-            <a:schemeClr val="accent1"/>
-          </a:lnRef>
-          <a:fillRef idx="3">
-            <a:schemeClr val="accent1"/>
-          </a:fillRef>
-          <a:effectRef idx="2">
-            <a:schemeClr val="accent1"/>
-          </a:effectRef>
-          <a:fontRef idx="minor">
-            <a:schemeClr val="lt1"/>
-          </a:fontRef>
-        </p:style>
-        <p:txBody>
-          <a:bodyPr rtlCol="0" anchor="ctr"/>
-          <a:lstStyle/>
-          <a:p>
-            <a:pPr algn="ctr"/>
-            <a:endParaRPr kumimoji="1" lang="ja-JP" altLang="en-US"/>
-          </a:p>
-        </p:txBody>
-      </p:sp>
-      <p:sp>
-        <p:nvSpPr>
-          <p:cNvPr id="31" name="テキスト ボックス 30"/>
-          <p:cNvSpPr txBox="1"/>
-          <p:nvPr/>
-        </p:nvSpPr>
-        <p:spPr>
-          <a:xfrm>
-            <a:off x="2046815" y="1111063"/>
-            <a:ext cx="646331" cy="276999"/>
-          </a:xfrm>
-          <a:prstGeom prst="rect">
-            <a:avLst/>
-          </a:prstGeom>
-          <a:noFill/>
-        </p:spPr>
-        <p:txBody>
-          <a:bodyPr wrap="none" rtlCol="0">
-            <a:spAutoFit/>
-          </a:bodyPr>
-          <a:lstStyle/>
-          <a:p>
-            <a:r>
-              <a:rPr lang="ja-JP" altLang="en-US" sz="1200" dirty="0" smtClean="0">
-                <a:latin typeface="メイリオ"/>
-                <a:ea typeface="メイリオ"/>
-                <a:cs typeface="メイリオ"/>
-              </a:rPr>
-              <a:t>内容</a:t>
-            </a:r>
-            <a:r>
-              <a:rPr kumimoji="1" lang="ja-JP" altLang="en-US" sz="1200" dirty="0" smtClean="0">
-                <a:latin typeface="メイリオ"/>
-                <a:ea typeface="メイリオ"/>
-                <a:cs typeface="メイリオ"/>
-              </a:rPr>
-              <a:t>：</a:t>
-            </a:r>
-            <a:endParaRPr kumimoji="1" lang="ja-JP" altLang="en-US" sz="1200" dirty="0">
-              <a:latin typeface="メイリオ"/>
-              <a:ea typeface="メイリオ"/>
-              <a:cs typeface="メイリオ"/>
-            </a:endParaRPr>
-          </a:p>
-        </p:txBody>
-      </p:sp>
-      <p:sp>
-        <p:nvSpPr>
-          <p:cNvPr id="32" name="角丸四角形 31"/>
-          <p:cNvSpPr/>
-          <p:nvPr/>
-        </p:nvSpPr>
-        <p:spPr>
-          <a:xfrm>
-            <a:off x="4369749" y="1187601"/>
-            <a:ext cx="560480" cy="165946"/>
-          </a:xfrm>
-          <a:prstGeom prst="roundRect">
-            <a:avLst/>
-          </a:prstGeom>
-          <a:noFill/>
-          <a:ln w="25400">
-            <a:solidFill>
-              <a:schemeClr val="tx1"/>
-            </a:solidFill>
-          </a:ln>
-          <a:effectLst/>
-        </p:spPr>
-        <p:style>
-          <a:lnRef idx="1">
-            <a:schemeClr val="accent1"/>
-          </a:lnRef>
-          <a:fillRef idx="3">
-            <a:schemeClr val="accent1"/>
-          </a:fillRef>
-          <a:effectRef idx="2">
-            <a:schemeClr val="accent1"/>
-          </a:effectRef>
-          <a:fontRef idx="minor">
-            <a:schemeClr val="lt1"/>
-          </a:fontRef>
-        </p:style>
-        <p:txBody>
-          <a:bodyPr rtlCol="0" anchor="ctr"/>
-          <a:lstStyle/>
-          <a:p>
-            <a:pPr algn="ctr"/>
-            <a:endParaRPr kumimoji="1" lang="ja-JP" altLang="en-US"/>
-          </a:p>
-        </p:txBody>
-      </p:sp>
-      <p:sp>
-        <p:nvSpPr>
-          <p:cNvPr id="33" name="テキスト ボックス 32"/>
-          <p:cNvSpPr txBox="1"/>
-          <p:nvPr/>
-        </p:nvSpPr>
-        <p:spPr>
-          <a:xfrm>
-            <a:off x="3461822" y="1118689"/>
-            <a:ext cx="954107" cy="276999"/>
-          </a:xfrm>
-          <a:prstGeom prst="rect">
-            <a:avLst/>
-          </a:prstGeom>
-          <a:noFill/>
-        </p:spPr>
-        <p:txBody>
-          <a:bodyPr wrap="none" rtlCol="0">
-            <a:spAutoFit/>
-          </a:bodyPr>
-          <a:lstStyle/>
-          <a:p>
-            <a:r>
-              <a:rPr lang="ja-JP" altLang="en-US" sz="1200" dirty="0" smtClean="0">
-                <a:latin typeface="メイリオ"/>
-                <a:ea typeface="メイリオ"/>
-                <a:cs typeface="メイリオ"/>
-              </a:rPr>
-              <a:t>カテゴリ</a:t>
-            </a:r>
-            <a:r>
-              <a:rPr kumimoji="1" lang="ja-JP" altLang="en-US" sz="1200" dirty="0" smtClean="0">
-                <a:latin typeface="メイリオ"/>
-                <a:ea typeface="メイリオ"/>
-                <a:cs typeface="メイリオ"/>
-              </a:rPr>
-              <a:t>：</a:t>
-            </a:r>
-            <a:endParaRPr kumimoji="1" lang="ja-JP" altLang="en-US" sz="1200" dirty="0">
-              <a:latin typeface="メイリオ"/>
-              <a:ea typeface="メイリオ"/>
-              <a:cs typeface="メイリオ"/>
-            </a:endParaRPr>
-          </a:p>
-        </p:txBody>
-      </p:sp>
-      <p:sp>
-        <p:nvSpPr>
-          <p:cNvPr id="34" name="角丸四角形 33"/>
-          <p:cNvSpPr/>
-          <p:nvPr/>
-        </p:nvSpPr>
-        <p:spPr>
-          <a:xfrm>
-            <a:off x="5569022" y="1187601"/>
-            <a:ext cx="561630" cy="165946"/>
-          </a:xfrm>
-          <a:prstGeom prst="roundRect">
-            <a:avLst/>
-          </a:prstGeom>
-          <a:noFill/>
-          <a:ln w="25400">
-            <a:solidFill>
-              <a:schemeClr val="tx1"/>
-            </a:solidFill>
-          </a:ln>
-          <a:effectLst/>
-        </p:spPr>
-        <p:style>
-          <a:lnRef idx="1">
-            <a:schemeClr val="accent1"/>
-          </a:lnRef>
-          <a:fillRef idx="3">
-            <a:schemeClr val="accent1"/>
-          </a:fillRef>
-          <a:effectRef idx="2">
-            <a:schemeClr val="accent1"/>
-          </a:effectRef>
-          <a:fontRef idx="minor">
-            <a:schemeClr val="lt1"/>
-          </a:fontRef>
-        </p:style>
-        <p:txBody>
-          <a:bodyPr rtlCol="0" anchor="ctr"/>
-          <a:lstStyle/>
-          <a:p>
-            <a:pPr algn="ctr"/>
-            <a:endParaRPr kumimoji="1" lang="ja-JP" altLang="en-US"/>
-          </a:p>
-        </p:txBody>
-      </p:sp>
-      <p:sp>
-        <p:nvSpPr>
-          <p:cNvPr id="35" name="テキスト ボックス 34"/>
-          <p:cNvSpPr txBox="1"/>
-          <p:nvPr/>
-        </p:nvSpPr>
-        <p:spPr>
-          <a:xfrm>
-            <a:off x="4957326" y="1128924"/>
-            <a:ext cx="646331" cy="276999"/>
-          </a:xfrm>
-          <a:prstGeom prst="rect">
-            <a:avLst/>
-          </a:prstGeom>
-          <a:noFill/>
-        </p:spPr>
-        <p:txBody>
-          <a:bodyPr wrap="none" rtlCol="0">
-            <a:spAutoFit/>
-          </a:bodyPr>
-          <a:lstStyle/>
-          <a:p>
-            <a:r>
-              <a:rPr lang="ja-JP" altLang="en-US" sz="1200" dirty="0" smtClean="0">
-                <a:latin typeface="メイリオ"/>
-                <a:ea typeface="メイリオ"/>
-                <a:cs typeface="メイリオ"/>
-              </a:rPr>
-              <a:t>金額</a:t>
-            </a:r>
-            <a:r>
-              <a:rPr kumimoji="1" lang="ja-JP" altLang="en-US" sz="1200" dirty="0" smtClean="0">
-                <a:latin typeface="メイリオ"/>
-                <a:ea typeface="メイリオ"/>
-                <a:cs typeface="メイリオ"/>
-              </a:rPr>
-              <a:t>：</a:t>
-            </a:r>
-            <a:endParaRPr kumimoji="1" lang="ja-JP" altLang="en-US" sz="1200" dirty="0">
-              <a:latin typeface="メイリオ"/>
-              <a:ea typeface="メイリオ"/>
-              <a:cs typeface="メイリオ"/>
-            </a:endParaRPr>
-          </a:p>
-        </p:txBody>
-      </p:sp>
-      <p:sp>
-        <p:nvSpPr>
-          <p:cNvPr id="36" name="角丸四角形 35"/>
-          <p:cNvSpPr/>
-          <p:nvPr/>
-        </p:nvSpPr>
-        <p:spPr>
-          <a:xfrm>
-            <a:off x="6515245" y="1118689"/>
-            <a:ext cx="550589" cy="299213"/>
-          </a:xfrm>
-          <a:prstGeom prst="roundRect">
-            <a:avLst/>
-          </a:prstGeom>
-          <a:noFill/>
-          <a:ln w="25400">
-            <a:solidFill>
-              <a:schemeClr val="tx1"/>
-            </a:solidFill>
-          </a:ln>
-          <a:effectLst/>
-        </p:spPr>
-        <p:style>
-          <a:lnRef idx="1">
-            <a:schemeClr val="accent1"/>
-          </a:lnRef>
-          <a:fillRef idx="3">
-            <a:schemeClr val="accent1"/>
-          </a:fillRef>
-          <a:effectRef idx="2">
-            <a:schemeClr val="accent1"/>
-          </a:effectRef>
-          <a:fontRef idx="minor">
-            <a:schemeClr val="lt1"/>
-          </a:fontRef>
-        </p:style>
-        <p:txBody>
-          <a:bodyPr rtlCol="0" anchor="ctr"/>
-          <a:lstStyle/>
-          <a:p>
-            <a:pPr algn="ctr"/>
-            <a:r>
-              <a:rPr kumimoji="1" lang="ja-JP" altLang="en-US" sz="1200" dirty="0" smtClean="0">
-                <a:solidFill>
-                  <a:schemeClr val="tx1"/>
-                </a:solidFill>
-                <a:latin typeface="メイリオ"/>
-                <a:ea typeface="メイリオ"/>
-                <a:cs typeface="メイリオ"/>
-              </a:rPr>
-              <a:t>登録</a:t>
-            </a:r>
-            <a:endParaRPr kumimoji="1" lang="ja-JP" altLang="en-US" sz="1200" dirty="0">
-              <a:solidFill>
-                <a:schemeClr val="tx1"/>
-              </a:solidFill>
-              <a:latin typeface="メイリオ"/>
-              <a:ea typeface="メイリオ"/>
-              <a:cs typeface="メイリオ"/>
-            </a:endParaRPr>
-          </a:p>
-        </p:txBody>
-      </p:sp>
-      <p:sp>
-        <p:nvSpPr>
-          <p:cNvPr id="37" name="角丸四角形 36"/>
-          <p:cNvSpPr/>
-          <p:nvPr/>
-        </p:nvSpPr>
-        <p:spPr>
-          <a:xfrm>
-            <a:off x="7239002" y="1121482"/>
-            <a:ext cx="864625" cy="299213"/>
-          </a:xfrm>
-          <a:prstGeom prst="roundRect">
-            <a:avLst/>
-          </a:prstGeom>
-          <a:noFill/>
-          <a:ln w="25400">
-            <a:solidFill>
-              <a:schemeClr val="tx1"/>
-            </a:solidFill>
-          </a:ln>
-          <a:effectLst/>
-        </p:spPr>
-        <p:style>
-          <a:lnRef idx="1">
-            <a:schemeClr val="accent1"/>
-          </a:lnRef>
-          <a:fillRef idx="3">
-            <a:schemeClr val="accent1"/>
-          </a:fillRef>
-          <a:effectRef idx="2">
-            <a:schemeClr val="accent1"/>
-          </a:effectRef>
-          <a:fontRef idx="minor">
-            <a:schemeClr val="lt1"/>
-          </a:fontRef>
-        </p:style>
-        <p:txBody>
-          <a:bodyPr rtlCol="0" anchor="ctr"/>
-          <a:lstStyle/>
-          <a:p>
-            <a:pPr algn="ctr"/>
-            <a:r>
-              <a:rPr lang="en-US" altLang="en-US" sz="1200" dirty="0" smtClean="0">
-                <a:solidFill>
-                  <a:schemeClr val="tx1"/>
-                </a:solidFill>
-                <a:latin typeface="メイリオ"/>
-                <a:ea typeface="メイリオ"/>
-                <a:cs typeface="メイリオ"/>
-              </a:rPr>
-              <a:t>リセット</a:t>
-            </a:r>
-            <a:endParaRPr kumimoji="1" lang="ja-JP" altLang="en-US" sz="1200" dirty="0">
-              <a:solidFill>
-                <a:schemeClr val="tx1"/>
-              </a:solidFill>
-              <a:latin typeface="メイリオ"/>
-              <a:ea typeface="メイリオ"/>
-              <a:cs typeface="メイリオ"/>
-            </a:endParaRPr>
-          </a:p>
-        </p:txBody>
-      </p:sp>
-      <p:cxnSp>
-        <p:nvCxnSpPr>
-          <p:cNvPr id="38" name="直線コネクタ 37"/>
-          <p:cNvCxnSpPr/>
-          <p:nvPr/>
-        </p:nvCxnSpPr>
-        <p:spPr>
-          <a:xfrm>
-            <a:off x="923931" y="1547091"/>
-            <a:ext cx="7250251" cy="0"/>
-          </a:xfrm>
-          <a:prstGeom prst="line">
-            <a:avLst/>
-          </a:prstGeom>
-          <a:ln>
-            <a:solidFill>
-              <a:schemeClr val="bg1">
-                <a:lumMod val="65000"/>
-              </a:schemeClr>
-            </a:solidFill>
-          </a:ln>
-          <a:effectLst/>
-        </p:spPr>
-        <p:style>
-          <a:lnRef idx="2">
-            <a:schemeClr val="accent1"/>
-          </a:lnRef>
-          <a:fillRef idx="0">
-            <a:schemeClr val="accent1"/>
-          </a:fillRef>
-          <a:effectRef idx="1">
-            <a:schemeClr val="accent1"/>
-          </a:effectRef>
-          <a:fontRef idx="minor">
-            <a:schemeClr val="tx1"/>
-          </a:fontRef>
-        </p:style>
-      </p:cxnSp>
       <p:grpSp>
         <p:nvGrpSpPr>
           <p:cNvPr id="6" name="図形グループ 5"/>
@@ -8496,7 +9436,7 @@
         </p:nvGrpSpPr>
         <p:grpSpPr>
           <a:xfrm>
-            <a:off x="1834387" y="1685648"/>
+            <a:off x="1824564" y="1861028"/>
             <a:ext cx="5525476" cy="1981328"/>
             <a:chOff x="1834387" y="2031998"/>
             <a:chExt cx="5525476" cy="1981328"/>

--- a/bin/algieba.pptx
+++ b/bin/algieba.pptx
@@ -5,7 +5,7 @@
     <p:sldMasterId id="2147483648" r:id="rId1"/>
   </p:sldMasterIdLst>
   <p:notesMasterIdLst>
-    <p:notesMasterId r:id="rId7"/>
+    <p:notesMasterId r:id="rId8"/>
   </p:notesMasterIdLst>
   <p:sldIdLst>
     <p:sldId id="256" r:id="rId2"/>
@@ -13,6 +13,7 @@
     <p:sldId id="266" r:id="rId4"/>
     <p:sldId id="265" r:id="rId5"/>
     <p:sldId id="267" r:id="rId6"/>
+    <p:sldId id="268" r:id="rId7"/>
   </p:sldIdLst>
   <p:sldSz cx="9144000" cy="6858000" type="screen4x3"/>
   <p:notesSz cx="6858000" cy="9144000"/>
@@ -196,7 +197,7 @@
           <a:p>
             <a:fld id="{EE82FEE5-269B-9B49-A8C4-823C45BE6055}" type="datetimeFigureOut">
               <a:rPr kumimoji="1" lang="ja-JP" altLang="en-US" smtClean="0"/>
-              <a:t>17/02/12</a:t>
+              <a:t>17/07/02</a:t>
             </a:fld>
             <a:endParaRPr kumimoji="1" lang="ja-JP" altLang="en-US"/>
           </a:p>
@@ -832,6 +833,90 @@
 </p:notes>
 </file>
 
+<file path=ppt/notesSlides/notesSlide5.xml><?xml version="1.0" encoding="utf-8"?>
+<p:notes xmlns:a="http://schemas.openxmlformats.org/drawingml/2006/main" xmlns:r="http://schemas.openxmlformats.org/officeDocument/2006/relationships" xmlns:p="http://schemas.openxmlformats.org/presentationml/2006/main">
+  <p:cSld>
+    <p:spTree>
+      <p:nvGrpSpPr>
+        <p:cNvPr id="1" name=""/>
+        <p:cNvGrpSpPr/>
+        <p:nvPr/>
+      </p:nvGrpSpPr>
+      <p:grpSpPr>
+        <a:xfrm>
+          <a:off x="0" y="0"/>
+          <a:ext cx="0" cy="0"/>
+          <a:chOff x="0" y="0"/>
+          <a:chExt cx="0" cy="0"/>
+        </a:xfrm>
+      </p:grpSpPr>
+      <p:sp>
+        <p:nvSpPr>
+          <p:cNvPr id="2" name="スライド イメージ プレースホルダー 1"/>
+          <p:cNvSpPr>
+            <a:spLocks noGrp="1" noRot="1" noChangeAspect="1"/>
+          </p:cNvSpPr>
+          <p:nvPr>
+            <p:ph type="sldImg"/>
+          </p:nvPr>
+        </p:nvSpPr>
+        <p:spPr/>
+      </p:sp>
+      <p:sp>
+        <p:nvSpPr>
+          <p:cNvPr id="3" name="ノート プレースホルダー 2"/>
+          <p:cNvSpPr>
+            <a:spLocks noGrp="1"/>
+          </p:cNvSpPr>
+          <p:nvPr>
+            <p:ph type="body" idx="1"/>
+          </p:nvPr>
+        </p:nvSpPr>
+        <p:spPr/>
+        <p:txBody>
+          <a:bodyPr/>
+          <a:lstStyle/>
+          <a:p>
+            <a:endParaRPr kumimoji="1" lang="ja-JP" altLang="en-US" dirty="0"/>
+          </a:p>
+        </p:txBody>
+      </p:sp>
+      <p:sp>
+        <p:nvSpPr>
+          <p:cNvPr id="4" name="スライド番号プレースホルダー 3"/>
+          <p:cNvSpPr>
+            <a:spLocks noGrp="1"/>
+          </p:cNvSpPr>
+          <p:nvPr>
+            <p:ph type="sldNum" sz="quarter" idx="10"/>
+          </p:nvPr>
+        </p:nvSpPr>
+        <p:spPr/>
+        <p:txBody>
+          <a:bodyPr/>
+          <a:lstStyle/>
+          <a:p>
+            <a:fld id="{A9E1B25B-30E5-7A42-A56A-DF1A6F86BC06}" type="slidenum">
+              <a:rPr kumimoji="1" lang="ja-JP" altLang="en-US" smtClean="0"/>
+              <a:t>6</a:t>
+            </a:fld>
+            <a:endParaRPr kumimoji="1" lang="ja-JP" altLang="en-US"/>
+          </a:p>
+        </p:txBody>
+      </p:sp>
+    </p:spTree>
+    <p:extLst>
+      <p:ext uri="{BB962C8B-B14F-4D97-AF65-F5344CB8AC3E}">
+        <p14:creationId xmlns:p14="http://schemas.microsoft.com/office/powerpoint/2010/main" val="3631066132"/>
+      </p:ext>
+    </p:extLst>
+  </p:cSld>
+  <p:clrMapOvr>
+    <a:masterClrMapping/>
+  </p:clrMapOvr>
+</p:notes>
+</file>
+
 <file path=ppt/slideLayouts/slideLayout1.xml><?xml version="1.0" encoding="utf-8"?>
 <p:sldLayout xmlns:a="http://schemas.openxmlformats.org/drawingml/2006/main" xmlns:r="http://schemas.openxmlformats.org/officeDocument/2006/relationships" xmlns:p="http://schemas.openxmlformats.org/presentationml/2006/main" type="title" preserve="1">
   <p:cSld name="タイトル スライド">
@@ -1013,7 +1098,7 @@
           <a:p>
             <a:fld id="{3ABA01A1-4899-9944-833D-6A66CDE659CB}" type="datetimeFigureOut">
               <a:rPr kumimoji="1" lang="ja-JP" altLang="en-US" smtClean="0"/>
-              <a:t>17/02/12</a:t>
+              <a:t>17/07/02</a:t>
             </a:fld>
             <a:endParaRPr kumimoji="1" lang="ja-JP" altLang="en-US"/>
           </a:p>
@@ -1215,7 +1300,7 @@
           <a:p>
             <a:fld id="{3ABA01A1-4899-9944-833D-6A66CDE659CB}" type="datetimeFigureOut">
               <a:rPr kumimoji="1" lang="ja-JP" altLang="en-US" smtClean="0"/>
-              <a:t>17/02/12</a:t>
+              <a:t>17/07/02</a:t>
             </a:fld>
             <a:endParaRPr kumimoji="1" lang="ja-JP" altLang="en-US"/>
           </a:p>
@@ -1427,7 +1512,7 @@
           <a:p>
             <a:fld id="{3ABA01A1-4899-9944-833D-6A66CDE659CB}" type="datetimeFigureOut">
               <a:rPr kumimoji="1" lang="ja-JP" altLang="en-US" smtClean="0"/>
-              <a:t>17/02/12</a:t>
+              <a:t>17/07/02</a:t>
             </a:fld>
             <a:endParaRPr kumimoji="1" lang="ja-JP" altLang="en-US"/>
           </a:p>
@@ -1629,7 +1714,7 @@
           <a:p>
             <a:fld id="{3ABA01A1-4899-9944-833D-6A66CDE659CB}" type="datetimeFigureOut">
               <a:rPr kumimoji="1" lang="ja-JP" altLang="en-US" smtClean="0"/>
-              <a:t>17/02/12</a:t>
+              <a:t>17/07/02</a:t>
             </a:fld>
             <a:endParaRPr kumimoji="1" lang="ja-JP" altLang="en-US"/>
           </a:p>
@@ -1875,7 +1960,7 @@
           <a:p>
             <a:fld id="{3ABA01A1-4899-9944-833D-6A66CDE659CB}" type="datetimeFigureOut">
               <a:rPr kumimoji="1" lang="ja-JP" altLang="en-US" smtClean="0"/>
-              <a:t>17/02/12</a:t>
+              <a:t>17/07/02</a:t>
             </a:fld>
             <a:endParaRPr kumimoji="1" lang="ja-JP" altLang="en-US"/>
           </a:p>
@@ -2227,7 +2312,7 @@
           <a:p>
             <a:fld id="{3ABA01A1-4899-9944-833D-6A66CDE659CB}" type="datetimeFigureOut">
               <a:rPr kumimoji="1" lang="ja-JP" altLang="en-US" smtClean="0"/>
-              <a:t>17/02/12</a:t>
+              <a:t>17/07/02</a:t>
             </a:fld>
             <a:endParaRPr kumimoji="1" lang="ja-JP" altLang="en-US"/>
           </a:p>
@@ -2713,7 +2798,7 @@
           <a:p>
             <a:fld id="{3ABA01A1-4899-9944-833D-6A66CDE659CB}" type="datetimeFigureOut">
               <a:rPr kumimoji="1" lang="ja-JP" altLang="en-US" smtClean="0"/>
-              <a:t>17/02/12</a:t>
+              <a:t>17/07/02</a:t>
             </a:fld>
             <a:endParaRPr kumimoji="1" lang="ja-JP" altLang="en-US"/>
           </a:p>
@@ -2831,7 +2916,7 @@
           <a:p>
             <a:fld id="{3ABA01A1-4899-9944-833D-6A66CDE659CB}" type="datetimeFigureOut">
               <a:rPr kumimoji="1" lang="ja-JP" altLang="en-US" smtClean="0"/>
-              <a:t>17/02/12</a:t>
+              <a:t>17/07/02</a:t>
             </a:fld>
             <a:endParaRPr kumimoji="1" lang="ja-JP" altLang="en-US"/>
           </a:p>
@@ -2926,7 +3011,7 @@
           <a:p>
             <a:fld id="{3ABA01A1-4899-9944-833D-6A66CDE659CB}" type="datetimeFigureOut">
               <a:rPr kumimoji="1" lang="ja-JP" altLang="en-US" smtClean="0"/>
-              <a:t>17/02/12</a:t>
+              <a:t>17/07/02</a:t>
             </a:fld>
             <a:endParaRPr kumimoji="1" lang="ja-JP" altLang="en-US"/>
           </a:p>
@@ -3235,7 +3320,7 @@
           <a:p>
             <a:fld id="{3ABA01A1-4899-9944-833D-6A66CDE659CB}" type="datetimeFigureOut">
               <a:rPr kumimoji="1" lang="ja-JP" altLang="en-US" smtClean="0"/>
-              <a:t>17/02/12</a:t>
+              <a:t>17/07/02</a:t>
             </a:fld>
             <a:endParaRPr kumimoji="1" lang="ja-JP" altLang="en-US"/>
           </a:p>
@@ -3488,7 +3573,7 @@
           <a:p>
             <a:fld id="{3ABA01A1-4899-9944-833D-6A66CDE659CB}" type="datetimeFigureOut">
               <a:rPr kumimoji="1" lang="ja-JP" altLang="en-US" smtClean="0"/>
-              <a:t>17/02/12</a:t>
+              <a:t>17/07/02</a:t>
             </a:fld>
             <a:endParaRPr kumimoji="1" lang="ja-JP" altLang="en-US"/>
           </a:p>
@@ -3733,7 +3818,7 @@
           <a:p>
             <a:fld id="{3ABA01A1-4899-9944-833D-6A66CDE659CB}" type="datetimeFigureOut">
               <a:rPr kumimoji="1" lang="ja-JP" altLang="en-US" smtClean="0"/>
-              <a:t>17/02/12</a:t>
+              <a:t>17/07/02</a:t>
             </a:fld>
             <a:endParaRPr kumimoji="1" lang="ja-JP" altLang="en-US"/>
           </a:p>
@@ -4177,7 +4262,19 @@
             </a:r>
             <a:r>
               <a:rPr lang="en-US" altLang="ja-JP" sz="2800" dirty="0" smtClean="0"/>
-              <a:t>2017/02/12</a:t>
+              <a:t>2017/</a:t>
+            </a:r>
+            <a:r>
+              <a:rPr lang="en-US" altLang="ja-JP" sz="2800" dirty="0" smtClean="0"/>
+              <a:t>07/</a:t>
+            </a:r>
+            <a:r>
+              <a:rPr lang="en-US" altLang="ja-JP" sz="2800" dirty="0"/>
+              <a:t>0</a:t>
+            </a:r>
+            <a:r>
+              <a:rPr lang="en-US" altLang="ja-JP" sz="2800" dirty="0" smtClean="0"/>
+              <a:t>2</a:t>
             </a:r>
             <a:r>
               <a:rPr lang="en-US" altLang="ja-JP" sz="2800" dirty="0" smtClean="0"/>
@@ -4196,7 +4293,7 @@
             </a:r>
             <a:r>
               <a:rPr lang="en-US" altLang="ja-JP" sz="2800" dirty="0" smtClean="0"/>
-              <a:t>2.4.0</a:t>
+              <a:t>2.5.0</a:t>
             </a:r>
             <a:endParaRPr kumimoji="1" lang="ja-JP" altLang="en-US" dirty="0"/>
           </a:p>
@@ -4279,7 +4376,7 @@
         <p:spPr>
           <a:xfrm>
             <a:off x="646545" y="969818"/>
-            <a:ext cx="7378943" cy="3970318"/>
+            <a:ext cx="8071440" cy="4524316"/>
           </a:xfrm>
           <a:prstGeom prst="rect">
             <a:avLst/>
@@ -4419,7 +4516,39 @@
                 <a:ea typeface="メイリオ"/>
                 <a:cs typeface="メイリオ"/>
               </a:rPr>
-              <a:t>画面上部の入力フォームから家計簿を入力する</a:t>
+              <a:t>画面上部の入力フォーム</a:t>
+            </a:r>
+            <a:r>
+              <a:rPr lang="ja-JP" altLang="en-US" dirty="0" smtClean="0">
+                <a:latin typeface="メイリオ"/>
+                <a:ea typeface="メイリオ"/>
+                <a:cs typeface="メイリオ"/>
+              </a:rPr>
+              <a:t>から</a:t>
+            </a:r>
+            <a:r>
+              <a:rPr lang="ja-JP" altLang="en-US" dirty="0" smtClean="0">
+                <a:latin typeface="メイリオ"/>
+                <a:ea typeface="メイリオ"/>
+                <a:cs typeface="メイリオ"/>
+              </a:rPr>
+              <a:t>収支情報</a:t>
+            </a:r>
+            <a:r>
+              <a:rPr lang="ja-JP" altLang="en-US" dirty="0" smtClean="0">
+                <a:latin typeface="メイリオ"/>
+                <a:ea typeface="メイリオ"/>
+                <a:cs typeface="メイリオ"/>
+              </a:rPr>
+              <a:t>を</a:t>
+            </a:r>
+            <a:r>
+              <a:rPr lang="ja-JP" altLang="en-US" dirty="0" smtClean="0">
+                <a:latin typeface="メイリオ"/>
+                <a:ea typeface="メイリオ"/>
+                <a:cs typeface="メイリオ"/>
+              </a:rPr>
+              <a:t>入力する</a:t>
             </a:r>
             <a:endParaRPr lang="en-US" altLang="ja-JP" dirty="0">
               <a:latin typeface="メイリオ"/>
@@ -4438,7 +4567,102 @@
                 <a:ea typeface="メイリオ"/>
                 <a:cs typeface="メイリオ"/>
               </a:rPr>
-              <a:t>家計簿情報を入力後、登録ボタンを押すと家計簿が登録される</a:t>
+              <a:t>収支</a:t>
+            </a:r>
+            <a:r>
+              <a:rPr lang="ja-JP" altLang="en-US" dirty="0" smtClean="0">
+                <a:latin typeface="メイリオ"/>
+                <a:ea typeface="メイリオ"/>
+                <a:cs typeface="メイリオ"/>
+              </a:rPr>
+              <a:t>情報</a:t>
+            </a:r>
+            <a:r>
+              <a:rPr lang="ja-JP" altLang="en-US" dirty="0" smtClean="0">
+                <a:latin typeface="メイリオ"/>
+                <a:ea typeface="メイリオ"/>
+                <a:cs typeface="メイリオ"/>
+              </a:rPr>
+              <a:t>を入力後、登録ボタンを押す</a:t>
+            </a:r>
+            <a:r>
+              <a:rPr lang="ja-JP" altLang="en-US" dirty="0">
+                <a:latin typeface="メイリオ"/>
+                <a:ea typeface="メイリオ"/>
+                <a:cs typeface="メイリオ"/>
+              </a:rPr>
+              <a:t>と</a:t>
+            </a:r>
+            <a:r>
+              <a:rPr lang="ja-JP" altLang="en-US" dirty="0" smtClean="0">
+                <a:latin typeface="メイリオ"/>
+                <a:ea typeface="メイリオ"/>
+                <a:cs typeface="メイリオ"/>
+              </a:rPr>
+              <a:t>収支</a:t>
+            </a:r>
+            <a:r>
+              <a:rPr lang="ja-JP" altLang="en-US" dirty="0" smtClean="0">
+                <a:latin typeface="メイリオ"/>
+                <a:ea typeface="メイリオ"/>
+                <a:cs typeface="メイリオ"/>
+              </a:rPr>
+              <a:t>情報</a:t>
+            </a:r>
+            <a:r>
+              <a:rPr lang="ja-JP" altLang="en-US" dirty="0" smtClean="0">
+                <a:latin typeface="メイリオ"/>
+                <a:ea typeface="メイリオ"/>
+                <a:cs typeface="メイリオ"/>
+              </a:rPr>
+              <a:t>が</a:t>
+            </a:r>
+            <a:r>
+              <a:rPr lang="ja-JP" altLang="en-US" dirty="0" smtClean="0">
+                <a:latin typeface="メイリオ"/>
+                <a:ea typeface="メイリオ"/>
+                <a:cs typeface="メイリオ"/>
+              </a:rPr>
+              <a:t>登録</a:t>
+            </a:r>
+            <a:r>
+              <a:rPr lang="ja-JP" altLang="en-US" dirty="0" smtClean="0">
+                <a:latin typeface="メイリオ"/>
+                <a:ea typeface="メイリオ"/>
+                <a:cs typeface="メイリオ"/>
+              </a:rPr>
+              <a:t>され</a:t>
+            </a:r>
+            <a:r>
+              <a:rPr lang="ja-JP" altLang="en-US" dirty="0" smtClean="0">
+                <a:latin typeface="メイリオ"/>
+                <a:ea typeface="メイリオ"/>
+                <a:cs typeface="メイリオ"/>
+              </a:rPr>
+              <a:t>、表が</a:t>
+            </a:r>
+            <a:r>
+              <a:rPr lang="en-US" altLang="ja-JP" dirty="0">
+                <a:latin typeface="メイリオ"/>
+                <a:ea typeface="メイリオ"/>
+                <a:cs typeface="メイリオ"/>
+              </a:rPr>
+              <a:t/>
+            </a:r>
+            <a:br>
+              <a:rPr lang="en-US" altLang="ja-JP" dirty="0">
+                <a:latin typeface="メイリオ"/>
+                <a:ea typeface="メイリオ"/>
+                <a:cs typeface="メイリオ"/>
+              </a:rPr>
+            </a:br>
+            <a:r>
+              <a:rPr lang="ja-JP" altLang="en-US" dirty="0" smtClean="0">
+                <a:latin typeface="メイリオ"/>
+                <a:ea typeface="メイリオ"/>
+                <a:cs typeface="メイリオ"/>
+              </a:rPr>
+              <a:t>更新される</a:t>
             </a:r>
             <a:endParaRPr lang="en-US" altLang="ja-JP" dirty="0" smtClean="0">
               <a:latin typeface="メイリオ"/>
@@ -4452,33 +4676,22 @@
               <a:buChar char="•"/>
             </a:pPr>
             <a:r>
+              <a:rPr lang="ja-JP" altLang="en-US" dirty="0">
+                <a:latin typeface="メイリオ"/>
+                <a:ea typeface="メイリオ"/>
+                <a:cs typeface="メイリオ"/>
+              </a:rPr>
+              <a:t>収支情報</a:t>
+            </a:r>
+            <a:r>
               <a:rPr lang="ja-JP" altLang="en-US" dirty="0" smtClean="0">
                 <a:latin typeface="メイリオ"/>
                 <a:ea typeface="メイリオ"/>
                 <a:cs typeface="メイリオ"/>
               </a:rPr>
-              <a:t>家計簿情報が不正な場合、エラーを通知する</a:t>
+              <a:t>が不正な場合、エラーを通知する</a:t>
             </a:r>
             <a:endParaRPr lang="en-US" altLang="ja-JP" dirty="0" smtClean="0">
-              <a:latin typeface="メイリオ"/>
-              <a:ea typeface="メイリオ"/>
-              <a:cs typeface="メイリオ"/>
-            </a:endParaRPr>
-          </a:p>
-          <a:p>
-            <a:pPr marL="742950" lvl="1" indent="-285750">
-              <a:buFont typeface="Arial"/>
-              <a:buChar char="•"/>
-            </a:pPr>
-            <a:r>
-              <a:rPr lang="ja-JP" altLang="en-US" dirty="0" smtClean="0">
-                <a:latin typeface="メイリオ"/>
-                <a:ea typeface="メイリオ"/>
-                <a:cs typeface="メイリオ"/>
-              </a:rPr>
-              <a:t>登録成功時、画面遷移なしで家計簿表の上部に表示される</a:t>
-            </a:r>
-            <a:endParaRPr lang="en-US" altLang="ja-JP" dirty="0">
               <a:latin typeface="メイリオ"/>
               <a:ea typeface="メイリオ"/>
               <a:cs typeface="メイリオ"/>
@@ -4498,28 +4711,52 @@
               <a:t>１ページ</a:t>
             </a:r>
             <a:r>
+              <a:rPr lang="ja-JP" altLang="en-US" dirty="0" smtClean="0">
+                <a:latin typeface="メイリオ"/>
+                <a:ea typeface="メイリオ"/>
+                <a:cs typeface="メイリオ"/>
+              </a:rPr>
+              <a:t>あたり</a:t>
+            </a:r>
+            <a:r>
+              <a:rPr lang="en-US" altLang="ja-JP" dirty="0" smtClean="0">
+                <a:latin typeface="メイリオ"/>
+                <a:ea typeface="メイリオ"/>
+                <a:cs typeface="メイリオ"/>
+              </a:rPr>
+              <a:t>50</a:t>
+            </a:r>
+            <a:r>
+              <a:rPr lang="ja-JP" altLang="en-US" dirty="0" smtClean="0">
+                <a:latin typeface="メイリオ"/>
+                <a:ea typeface="メイリオ"/>
+                <a:cs typeface="メイリオ"/>
+              </a:rPr>
+              <a:t>件の</a:t>
+            </a:r>
+            <a:r>
+              <a:rPr lang="ja-JP" altLang="en-US" dirty="0" smtClean="0">
+                <a:latin typeface="メイリオ"/>
+                <a:ea typeface="メイリオ"/>
+                <a:cs typeface="メイリオ"/>
+              </a:rPr>
+              <a:t>収支情報</a:t>
+            </a:r>
+            <a:r>
+              <a:rPr lang="ja-JP" altLang="en-US" dirty="0" smtClean="0">
+                <a:latin typeface="メイリオ"/>
+                <a:ea typeface="メイリオ"/>
+                <a:cs typeface="メイリオ"/>
+              </a:rPr>
+              <a:t>が</a:t>
+            </a:r>
+            <a:r>
               <a:rPr lang="ja-JP" altLang="en-US" dirty="0">
                 <a:latin typeface="メイリオ"/>
                 <a:ea typeface="メイリオ"/>
                 <a:cs typeface="メイリオ"/>
               </a:rPr>
-              <a:t>に</a:t>
-            </a:r>
-            <a:r>
-              <a:rPr lang="en-US" altLang="ja-JP" dirty="0">
-                <a:latin typeface="メイリオ"/>
-                <a:ea typeface="メイリオ"/>
-                <a:cs typeface="メイリオ"/>
-              </a:rPr>
-              <a:t>50</a:t>
-            </a:r>
-            <a:r>
-              <a:rPr lang="ja-JP" altLang="en-US" dirty="0">
-                <a:latin typeface="メイリオ"/>
-                <a:ea typeface="メイリオ"/>
-                <a:cs typeface="メイリオ"/>
-              </a:rPr>
-              <a:t>件の家計簿が表示</a:t>
+              <a:t>表示</a:t>
             </a:r>
             <a:r>
               <a:rPr lang="ja-JP" altLang="en-US" dirty="0" smtClean="0">
@@ -4581,7 +4818,101 @@
                 <a:ea typeface="メイリオ"/>
                 <a:cs typeface="メイリオ"/>
               </a:rPr>
-              <a:t>削除ボタンを押すと、対応する家計簿が削除される</a:t>
+              <a:t>削除ボタンを押すと</a:t>
+            </a:r>
+            <a:r>
+              <a:rPr lang="ja-JP" altLang="en-US" dirty="0" smtClean="0">
+                <a:latin typeface="メイリオ"/>
+                <a:ea typeface="メイリオ"/>
+                <a:cs typeface="メイリオ"/>
+              </a:rPr>
+              <a:t>、</a:t>
+            </a:r>
+            <a:r>
+              <a:rPr lang="ja-JP" altLang="en-US" dirty="0" smtClean="0">
+                <a:latin typeface="メイリオ"/>
+                <a:ea typeface="メイリオ"/>
+                <a:cs typeface="メイリオ"/>
+              </a:rPr>
+              <a:t>削除確認画面が表示される</a:t>
+            </a:r>
+            <a:endParaRPr lang="en-US" altLang="ja-JP" dirty="0" smtClean="0">
+              <a:latin typeface="メイリオ"/>
+              <a:ea typeface="メイリオ"/>
+              <a:cs typeface="メイリオ"/>
+            </a:endParaRPr>
+          </a:p>
+          <a:p>
+            <a:pPr marL="1200150" lvl="2" indent="-285750">
+              <a:buFont typeface="Arial"/>
+              <a:buChar char="•"/>
+            </a:pPr>
+            <a:r>
+              <a:rPr lang="ja-JP" altLang="en-US" dirty="0" smtClean="0">
+                <a:latin typeface="メイリオ"/>
+                <a:ea typeface="メイリオ"/>
+                <a:cs typeface="メイリオ"/>
+              </a:rPr>
+              <a:t>「はい」を選択すると</a:t>
+            </a:r>
+            <a:r>
+              <a:rPr lang="ja-JP" altLang="en-US" dirty="0" smtClean="0">
+                <a:latin typeface="メイリオ"/>
+                <a:ea typeface="メイリオ"/>
+                <a:cs typeface="メイリオ"/>
+              </a:rPr>
+              <a:t>対応する</a:t>
+            </a:r>
+            <a:r>
+              <a:rPr lang="ja-JP" altLang="en-US" dirty="0" smtClean="0">
+                <a:latin typeface="メイリオ"/>
+                <a:ea typeface="メイリオ"/>
+                <a:cs typeface="メイリオ"/>
+              </a:rPr>
+              <a:t>収支情報</a:t>
+            </a:r>
+            <a:r>
+              <a:rPr lang="ja-JP" altLang="en-US" dirty="0" smtClean="0">
+                <a:latin typeface="メイリオ"/>
+                <a:ea typeface="メイリオ"/>
+                <a:cs typeface="メイリオ"/>
+              </a:rPr>
+              <a:t>が</a:t>
+            </a:r>
+            <a:r>
+              <a:rPr lang="ja-JP" altLang="en-US" dirty="0" smtClean="0">
+                <a:latin typeface="メイリオ"/>
+                <a:ea typeface="メイリオ"/>
+                <a:cs typeface="メイリオ"/>
+              </a:rPr>
+              <a:t>削除</a:t>
+            </a:r>
+            <a:r>
+              <a:rPr lang="ja-JP" altLang="en-US" dirty="0" smtClean="0">
+                <a:latin typeface="メイリオ"/>
+                <a:ea typeface="メイリオ"/>
+                <a:cs typeface="メイリオ"/>
+              </a:rPr>
+              <a:t>される</a:t>
+            </a:r>
+            <a:endParaRPr lang="en-US" altLang="ja-JP" dirty="0" smtClean="0">
+              <a:latin typeface="メイリオ"/>
+              <a:ea typeface="メイリオ"/>
+              <a:cs typeface="メイリオ"/>
+            </a:endParaRPr>
+          </a:p>
+          <a:p>
+            <a:pPr marL="1200150" lvl="2" indent="-285750">
+              <a:buFont typeface="Arial"/>
+              <a:buChar char="•"/>
+            </a:pPr>
+            <a:r>
+              <a:rPr lang="ja-JP" altLang="en-US" dirty="0" smtClean="0">
+                <a:latin typeface="メイリオ"/>
+                <a:ea typeface="メイリオ"/>
+                <a:cs typeface="メイリオ"/>
+              </a:rPr>
+              <a:t>「いいえ」を選択すると管理画面に戻る</a:t>
             </a:r>
             <a:endParaRPr lang="ja-JP" altLang="en-US" dirty="0">
               <a:latin typeface="メイリオ"/>
@@ -9775,6 +10106,2443 @@
     <p:extLst>
       <p:ext uri="{BB962C8B-B14F-4D97-AF65-F5344CB8AC3E}">
         <p14:creationId xmlns:p14="http://schemas.microsoft.com/office/powerpoint/2010/main" val="4276026136"/>
+      </p:ext>
+    </p:extLst>
+  </p:cSld>
+  <p:clrMapOvr>
+    <a:masterClrMapping/>
+  </p:clrMapOvr>
+</p:sld>
+</file>
+
+<file path=ppt/slides/slide6.xml><?xml version="1.0" encoding="utf-8"?>
+<p:sld xmlns:a="http://schemas.openxmlformats.org/drawingml/2006/main" xmlns:r="http://schemas.openxmlformats.org/officeDocument/2006/relationships" xmlns:p="http://schemas.openxmlformats.org/presentationml/2006/main">
+  <p:cSld>
+    <p:spTree>
+      <p:nvGrpSpPr>
+        <p:cNvPr id="1" name=""/>
+        <p:cNvGrpSpPr/>
+        <p:nvPr/>
+      </p:nvGrpSpPr>
+      <p:grpSpPr>
+        <a:xfrm>
+          <a:off x="0" y="0"/>
+          <a:ext cx="0" cy="0"/>
+          <a:chOff x="0" y="0"/>
+          <a:chExt cx="0" cy="0"/>
+        </a:xfrm>
+      </p:grpSpPr>
+      <p:sp>
+        <p:nvSpPr>
+          <p:cNvPr id="4" name="テキスト ボックス 3"/>
+          <p:cNvSpPr txBox="1"/>
+          <p:nvPr/>
+        </p:nvSpPr>
+        <p:spPr>
+          <a:xfrm>
+            <a:off x="200532" y="187161"/>
+            <a:ext cx="4134465" cy="523220"/>
+          </a:xfrm>
+          <a:prstGeom prst="rect">
+            <a:avLst/>
+          </a:prstGeom>
+          <a:noFill/>
+        </p:spPr>
+        <p:txBody>
+          <a:bodyPr wrap="none" rtlCol="0">
+            <a:spAutoFit/>
+          </a:bodyPr>
+          <a:lstStyle/>
+          <a:p>
+            <a:r>
+              <a:rPr lang="ja-JP" altLang="en-US" sz="2800" dirty="0" smtClean="0">
+                <a:latin typeface="メイリオ"/>
+                <a:ea typeface="メイリオ"/>
+                <a:cs typeface="メイリオ"/>
+              </a:rPr>
+              <a:t>管理画面</a:t>
+            </a:r>
+            <a:r>
+              <a:rPr lang="ja-JP" altLang="en-US" sz="2800" dirty="0" smtClean="0">
+                <a:latin typeface="メイリオ"/>
+                <a:ea typeface="メイリオ"/>
+                <a:cs typeface="メイリオ"/>
+              </a:rPr>
+              <a:t>（</a:t>
+            </a:r>
+            <a:r>
+              <a:rPr lang="en-US" altLang="en-US" sz="2800" dirty="0" smtClean="0">
+                <a:latin typeface="メイリオ"/>
+                <a:ea typeface="メイリオ"/>
+                <a:cs typeface="メイリオ"/>
+              </a:rPr>
+              <a:t>削除確認</a:t>
+            </a:r>
+            <a:r>
+              <a:rPr lang="ja-JP" altLang="en-US" sz="2800" dirty="0" smtClean="0">
+                <a:latin typeface="メイリオ"/>
+                <a:ea typeface="メイリオ"/>
+                <a:cs typeface="メイリオ"/>
+              </a:rPr>
+              <a:t>時</a:t>
+            </a:r>
+            <a:r>
+              <a:rPr lang="ja-JP" altLang="en-US" sz="2800" dirty="0" smtClean="0">
+                <a:latin typeface="メイリオ"/>
+                <a:ea typeface="メイリオ"/>
+                <a:cs typeface="メイリオ"/>
+              </a:rPr>
+              <a:t>）</a:t>
+            </a:r>
+            <a:endParaRPr kumimoji="1" lang="ja-JP" altLang="en-US" sz="2000" dirty="0">
+              <a:latin typeface="メイリオ"/>
+              <a:ea typeface="メイリオ"/>
+              <a:cs typeface="メイリオ"/>
+            </a:endParaRPr>
+          </a:p>
+        </p:txBody>
+      </p:sp>
+      <p:sp>
+        <p:nvSpPr>
+          <p:cNvPr id="64" name="テキスト ボックス 63"/>
+          <p:cNvSpPr txBox="1"/>
+          <p:nvPr/>
+        </p:nvSpPr>
+        <p:spPr>
+          <a:xfrm>
+            <a:off x="4124211" y="1630084"/>
+            <a:ext cx="296175" cy="307777"/>
+          </a:xfrm>
+          <a:prstGeom prst="rect">
+            <a:avLst/>
+          </a:prstGeom>
+          <a:noFill/>
+        </p:spPr>
+        <p:txBody>
+          <a:bodyPr wrap="none" rtlCol="0">
+            <a:spAutoFit/>
+          </a:bodyPr>
+          <a:lstStyle/>
+          <a:p>
+            <a:r>
+              <a:rPr lang="en-US" altLang="ja-JP" sz="1400" dirty="0">
+                <a:latin typeface="メイリオ"/>
+                <a:ea typeface="メイリオ"/>
+                <a:cs typeface="メイリオ"/>
+              </a:rPr>
+              <a:t>1</a:t>
+            </a:r>
+            <a:endParaRPr kumimoji="1" lang="ja-JP" altLang="en-US" sz="1400" dirty="0">
+              <a:latin typeface="メイリオ"/>
+              <a:ea typeface="メイリオ"/>
+              <a:cs typeface="メイリオ"/>
+            </a:endParaRPr>
+          </a:p>
+        </p:txBody>
+      </p:sp>
+      <p:sp>
+        <p:nvSpPr>
+          <p:cNvPr id="65" name="テキスト ボックス 64"/>
+          <p:cNvSpPr txBox="1"/>
+          <p:nvPr/>
+        </p:nvSpPr>
+        <p:spPr>
+          <a:xfrm>
+            <a:off x="4356158" y="1632399"/>
+            <a:ext cx="296175" cy="307777"/>
+          </a:xfrm>
+          <a:prstGeom prst="rect">
+            <a:avLst/>
+          </a:prstGeom>
+          <a:noFill/>
+        </p:spPr>
+        <p:txBody>
+          <a:bodyPr wrap="none" rtlCol="0">
+            <a:spAutoFit/>
+          </a:bodyPr>
+          <a:lstStyle/>
+          <a:p>
+            <a:r>
+              <a:rPr lang="en-US" altLang="ja-JP" sz="1400" dirty="0" smtClean="0">
+                <a:latin typeface="メイリオ"/>
+                <a:ea typeface="メイリオ"/>
+                <a:cs typeface="メイリオ"/>
+              </a:rPr>
+              <a:t>2</a:t>
+            </a:r>
+            <a:endParaRPr kumimoji="1" lang="ja-JP" altLang="en-US" sz="1400" dirty="0">
+              <a:latin typeface="メイリオ"/>
+              <a:ea typeface="メイリオ"/>
+              <a:cs typeface="メイリオ"/>
+            </a:endParaRPr>
+          </a:p>
+        </p:txBody>
+      </p:sp>
+      <p:sp>
+        <p:nvSpPr>
+          <p:cNvPr id="66" name="テキスト ボックス 65"/>
+          <p:cNvSpPr txBox="1"/>
+          <p:nvPr/>
+        </p:nvSpPr>
+        <p:spPr>
+          <a:xfrm>
+            <a:off x="4597125" y="1632399"/>
+            <a:ext cx="494734" cy="307777"/>
+          </a:xfrm>
+          <a:prstGeom prst="rect">
+            <a:avLst/>
+          </a:prstGeom>
+          <a:noFill/>
+        </p:spPr>
+        <p:txBody>
+          <a:bodyPr wrap="none" rtlCol="0">
+            <a:spAutoFit/>
+          </a:bodyPr>
+          <a:lstStyle/>
+          <a:p>
+            <a:r>
+              <a:rPr lang="en-US" altLang="ja-JP" sz="1400" dirty="0" smtClean="0">
+                <a:latin typeface="メイリオ"/>
+                <a:ea typeface="メイリオ"/>
+                <a:cs typeface="メイリオ"/>
+              </a:rPr>
+              <a:t>. . .</a:t>
+            </a:r>
+            <a:endParaRPr kumimoji="1" lang="ja-JP" altLang="en-US" sz="1400" dirty="0">
+              <a:latin typeface="メイリオ"/>
+              <a:ea typeface="メイリオ"/>
+              <a:cs typeface="メイリオ"/>
+            </a:endParaRPr>
+          </a:p>
+        </p:txBody>
+      </p:sp>
+      <p:sp>
+        <p:nvSpPr>
+          <p:cNvPr id="67" name="二等辺三角形 66"/>
+          <p:cNvSpPr/>
+          <p:nvPr/>
+        </p:nvSpPr>
+        <p:spPr>
+          <a:xfrm rot="5400000">
+            <a:off x="5439130" y="1683849"/>
+            <a:ext cx="179370" cy="181212"/>
+          </a:xfrm>
+          <a:prstGeom prst="triangle">
+            <a:avLst/>
+          </a:prstGeom>
+          <a:solidFill>
+            <a:srgbClr val="F75D31"/>
+          </a:solidFill>
+          <a:ln>
+            <a:noFill/>
+          </a:ln>
+          <a:effectLst/>
+        </p:spPr>
+        <p:style>
+          <a:lnRef idx="1">
+            <a:schemeClr val="accent1"/>
+          </a:lnRef>
+          <a:fillRef idx="3">
+            <a:schemeClr val="accent1"/>
+          </a:fillRef>
+          <a:effectRef idx="2">
+            <a:schemeClr val="accent1"/>
+          </a:effectRef>
+          <a:fontRef idx="minor">
+            <a:schemeClr val="lt1"/>
+          </a:fontRef>
+        </p:style>
+        <p:txBody>
+          <a:bodyPr rtlCol="0" anchor="ctr"/>
+          <a:lstStyle/>
+          <a:p>
+            <a:pPr algn="ctr"/>
+            <a:endParaRPr kumimoji="1" lang="ja-JP" altLang="en-US"/>
+          </a:p>
+        </p:txBody>
+      </p:sp>
+      <p:sp>
+        <p:nvSpPr>
+          <p:cNvPr id="68" name="二等辺三角形 67"/>
+          <p:cNvSpPr/>
+          <p:nvPr/>
+        </p:nvSpPr>
+        <p:spPr>
+          <a:xfrm rot="16200000">
+            <a:off x="3923520" y="1684770"/>
+            <a:ext cx="180000" cy="180000"/>
+          </a:xfrm>
+          <a:prstGeom prst="triangle">
+            <a:avLst/>
+          </a:prstGeom>
+          <a:solidFill>
+            <a:srgbClr val="F75D31"/>
+          </a:solidFill>
+          <a:ln>
+            <a:noFill/>
+          </a:ln>
+          <a:effectLst/>
+        </p:spPr>
+        <p:style>
+          <a:lnRef idx="1">
+            <a:schemeClr val="accent1"/>
+          </a:lnRef>
+          <a:fillRef idx="3">
+            <a:schemeClr val="accent1"/>
+          </a:fillRef>
+          <a:effectRef idx="2">
+            <a:schemeClr val="accent1"/>
+          </a:effectRef>
+          <a:fontRef idx="minor">
+            <a:schemeClr val="lt1"/>
+          </a:fontRef>
+        </p:style>
+        <p:txBody>
+          <a:bodyPr rtlCol="0" anchor="ctr"/>
+          <a:lstStyle/>
+          <a:p>
+            <a:pPr algn="ctr"/>
+            <a:endParaRPr kumimoji="1" lang="ja-JP" altLang="en-US"/>
+          </a:p>
+        </p:txBody>
+      </p:sp>
+      <p:sp>
+        <p:nvSpPr>
+          <p:cNvPr id="69" name="テキスト ボックス 68"/>
+          <p:cNvSpPr txBox="1"/>
+          <p:nvPr/>
+        </p:nvSpPr>
+        <p:spPr>
+          <a:xfrm>
+            <a:off x="5013885" y="1632399"/>
+            <a:ext cx="407684" cy="307777"/>
+          </a:xfrm>
+          <a:prstGeom prst="rect">
+            <a:avLst/>
+          </a:prstGeom>
+          <a:noFill/>
+        </p:spPr>
+        <p:txBody>
+          <a:bodyPr wrap="none" rtlCol="0">
+            <a:spAutoFit/>
+          </a:bodyPr>
+          <a:lstStyle/>
+          <a:p>
+            <a:r>
+              <a:rPr lang="en-US" altLang="ja-JP" sz="1400" dirty="0" smtClean="0">
+                <a:latin typeface="メイリオ"/>
+                <a:ea typeface="メイリオ"/>
+                <a:cs typeface="メイリオ"/>
+              </a:rPr>
+              <a:t>20</a:t>
+            </a:r>
+            <a:endParaRPr kumimoji="1" lang="ja-JP" altLang="en-US" sz="1400" dirty="0">
+              <a:latin typeface="メイリオ"/>
+              <a:ea typeface="メイリオ"/>
+              <a:cs typeface="メイリオ"/>
+            </a:endParaRPr>
+          </a:p>
+        </p:txBody>
+      </p:sp>
+      <p:sp>
+        <p:nvSpPr>
+          <p:cNvPr id="21" name="テキスト ボックス 20"/>
+          <p:cNvSpPr txBox="1"/>
+          <p:nvPr/>
+        </p:nvSpPr>
+        <p:spPr>
+          <a:xfrm>
+            <a:off x="993905" y="1630084"/>
+            <a:ext cx="2623046" cy="307777"/>
+          </a:xfrm>
+          <a:prstGeom prst="rect">
+            <a:avLst/>
+          </a:prstGeom>
+          <a:noFill/>
+        </p:spPr>
+        <p:txBody>
+          <a:bodyPr wrap="none" rtlCol="0">
+            <a:spAutoFit/>
+          </a:bodyPr>
+          <a:lstStyle/>
+          <a:p>
+            <a:r>
+              <a:rPr lang="en-US" altLang="ja-JP" sz="1400" dirty="0" smtClean="0">
+                <a:latin typeface="メイリオ"/>
+                <a:ea typeface="メイリオ"/>
+                <a:cs typeface="メイリオ"/>
+              </a:rPr>
+              <a:t>xxx </a:t>
+            </a:r>
+            <a:r>
+              <a:rPr lang="ja-JP" altLang="en-US" sz="1400" dirty="0" smtClean="0">
+                <a:latin typeface="メイリオ"/>
+                <a:ea typeface="メイリオ"/>
+                <a:cs typeface="メイリオ"/>
+              </a:rPr>
+              <a:t>件中</a:t>
+            </a:r>
+            <a:r>
+              <a:rPr lang="en-US" altLang="ja-JP" sz="1400" dirty="0" smtClean="0">
+                <a:latin typeface="メイリオ"/>
+                <a:ea typeface="メイリオ"/>
+                <a:cs typeface="メイリオ"/>
+              </a:rPr>
+              <a:t> </a:t>
+            </a:r>
+            <a:r>
+              <a:rPr lang="en-US" altLang="ja-JP" sz="1400" dirty="0" err="1" smtClean="0">
+                <a:latin typeface="メイリオ"/>
+                <a:ea typeface="メイリオ"/>
+                <a:cs typeface="メイリオ"/>
+              </a:rPr>
+              <a:t>yyy</a:t>
+            </a:r>
+            <a:r>
+              <a:rPr lang="en-US" altLang="ja-JP" sz="1400" dirty="0" smtClean="0">
+                <a:latin typeface="メイリオ"/>
+                <a:ea typeface="メイリオ"/>
+                <a:cs typeface="メイリオ"/>
+              </a:rPr>
+              <a:t> 〜 </a:t>
+            </a:r>
+            <a:r>
+              <a:rPr lang="en-US" altLang="ja-JP" sz="1400" dirty="0" err="1" smtClean="0">
+                <a:latin typeface="メイリオ"/>
+                <a:ea typeface="メイリオ"/>
+                <a:cs typeface="メイリオ"/>
+              </a:rPr>
+              <a:t>zzz</a:t>
+            </a:r>
+            <a:r>
+              <a:rPr lang="en-US" altLang="ja-JP" sz="1400" dirty="0" smtClean="0">
+                <a:latin typeface="メイリオ"/>
+                <a:ea typeface="メイリオ"/>
+                <a:cs typeface="メイリオ"/>
+              </a:rPr>
+              <a:t> </a:t>
+            </a:r>
+            <a:r>
+              <a:rPr lang="ja-JP" altLang="en-US" sz="1400" dirty="0" smtClean="0">
+                <a:latin typeface="メイリオ"/>
+                <a:ea typeface="メイリオ"/>
+                <a:cs typeface="メイリオ"/>
+              </a:rPr>
+              <a:t>件を表示</a:t>
+            </a:r>
+            <a:endParaRPr kumimoji="1" lang="ja-JP" altLang="en-US" sz="1400" dirty="0">
+              <a:latin typeface="メイリオ"/>
+              <a:ea typeface="メイリオ"/>
+              <a:cs typeface="メイリオ"/>
+            </a:endParaRPr>
+          </a:p>
+        </p:txBody>
+      </p:sp>
+      <p:sp>
+        <p:nvSpPr>
+          <p:cNvPr id="22" name="二等辺三角形 21"/>
+          <p:cNvSpPr/>
+          <p:nvPr/>
+        </p:nvSpPr>
+        <p:spPr>
+          <a:xfrm rot="16200000">
+            <a:off x="3596344" y="1684770"/>
+            <a:ext cx="180000" cy="180000"/>
+          </a:xfrm>
+          <a:prstGeom prst="triangle">
+            <a:avLst/>
+          </a:prstGeom>
+          <a:solidFill>
+            <a:srgbClr val="F75D31"/>
+          </a:solidFill>
+          <a:ln>
+            <a:noFill/>
+          </a:ln>
+          <a:effectLst/>
+        </p:spPr>
+        <p:style>
+          <a:lnRef idx="1">
+            <a:schemeClr val="accent1"/>
+          </a:lnRef>
+          <a:fillRef idx="3">
+            <a:schemeClr val="accent1"/>
+          </a:fillRef>
+          <a:effectRef idx="2">
+            <a:schemeClr val="accent1"/>
+          </a:effectRef>
+          <a:fontRef idx="minor">
+            <a:schemeClr val="lt1"/>
+          </a:fontRef>
+        </p:style>
+        <p:txBody>
+          <a:bodyPr rtlCol="0" anchor="ctr"/>
+          <a:lstStyle/>
+          <a:p>
+            <a:pPr algn="ctr"/>
+            <a:endParaRPr kumimoji="1" lang="ja-JP" altLang="en-US"/>
+          </a:p>
+        </p:txBody>
+      </p:sp>
+      <p:sp>
+        <p:nvSpPr>
+          <p:cNvPr id="23" name="二等辺三角形 22"/>
+          <p:cNvSpPr/>
+          <p:nvPr/>
+        </p:nvSpPr>
+        <p:spPr>
+          <a:xfrm rot="16200000">
+            <a:off x="3693379" y="1684140"/>
+            <a:ext cx="180000" cy="180000"/>
+          </a:xfrm>
+          <a:prstGeom prst="triangle">
+            <a:avLst/>
+          </a:prstGeom>
+          <a:solidFill>
+            <a:srgbClr val="F75D31"/>
+          </a:solidFill>
+          <a:ln>
+            <a:noFill/>
+          </a:ln>
+          <a:effectLst/>
+        </p:spPr>
+        <p:style>
+          <a:lnRef idx="1">
+            <a:schemeClr val="accent1"/>
+          </a:lnRef>
+          <a:fillRef idx="3">
+            <a:schemeClr val="accent1"/>
+          </a:fillRef>
+          <a:effectRef idx="2">
+            <a:schemeClr val="accent1"/>
+          </a:effectRef>
+          <a:fontRef idx="minor">
+            <a:schemeClr val="lt1"/>
+          </a:fontRef>
+        </p:style>
+        <p:txBody>
+          <a:bodyPr rtlCol="0" anchor="ctr"/>
+          <a:lstStyle/>
+          <a:p>
+            <a:pPr algn="ctr"/>
+            <a:endParaRPr kumimoji="1" lang="ja-JP" altLang="en-US"/>
+          </a:p>
+        </p:txBody>
+      </p:sp>
+      <p:sp>
+        <p:nvSpPr>
+          <p:cNvPr id="24" name="二等辺三角形 23"/>
+          <p:cNvSpPr/>
+          <p:nvPr/>
+        </p:nvSpPr>
+        <p:spPr>
+          <a:xfrm rot="5400000">
+            <a:off x="5764549" y="1684479"/>
+            <a:ext cx="179370" cy="181212"/>
+          </a:xfrm>
+          <a:prstGeom prst="triangle">
+            <a:avLst/>
+          </a:prstGeom>
+          <a:solidFill>
+            <a:srgbClr val="F75D31"/>
+          </a:solidFill>
+          <a:ln>
+            <a:noFill/>
+          </a:ln>
+          <a:effectLst/>
+        </p:spPr>
+        <p:style>
+          <a:lnRef idx="1">
+            <a:schemeClr val="accent1"/>
+          </a:lnRef>
+          <a:fillRef idx="3">
+            <a:schemeClr val="accent1"/>
+          </a:fillRef>
+          <a:effectRef idx="2">
+            <a:schemeClr val="accent1"/>
+          </a:effectRef>
+          <a:fontRef idx="minor">
+            <a:schemeClr val="lt1"/>
+          </a:fontRef>
+        </p:style>
+        <p:txBody>
+          <a:bodyPr rtlCol="0" anchor="ctr"/>
+          <a:lstStyle/>
+          <a:p>
+            <a:pPr algn="ctr"/>
+            <a:endParaRPr kumimoji="1" lang="ja-JP" altLang="en-US"/>
+          </a:p>
+        </p:txBody>
+      </p:sp>
+      <p:sp>
+        <p:nvSpPr>
+          <p:cNvPr id="25" name="二等辺三角形 24"/>
+          <p:cNvSpPr/>
+          <p:nvPr/>
+        </p:nvSpPr>
+        <p:spPr>
+          <a:xfrm rot="5400000">
+            <a:off x="5673943" y="1684479"/>
+            <a:ext cx="179370" cy="181212"/>
+          </a:xfrm>
+          <a:prstGeom prst="triangle">
+            <a:avLst/>
+          </a:prstGeom>
+          <a:solidFill>
+            <a:srgbClr val="F75D31"/>
+          </a:solidFill>
+          <a:ln>
+            <a:noFill/>
+          </a:ln>
+          <a:effectLst/>
+        </p:spPr>
+        <p:style>
+          <a:lnRef idx="1">
+            <a:schemeClr val="accent1"/>
+          </a:lnRef>
+          <a:fillRef idx="3">
+            <a:schemeClr val="accent1"/>
+          </a:fillRef>
+          <a:effectRef idx="2">
+            <a:schemeClr val="accent1"/>
+          </a:effectRef>
+          <a:fontRef idx="minor">
+            <a:schemeClr val="lt1"/>
+          </a:fontRef>
+        </p:style>
+        <p:txBody>
+          <a:bodyPr rtlCol="0" anchor="ctr"/>
+          <a:lstStyle/>
+          <a:p>
+            <a:pPr algn="ctr"/>
+            <a:endParaRPr kumimoji="1" lang="ja-JP" altLang="en-US"/>
+          </a:p>
+        </p:txBody>
+      </p:sp>
+      <p:sp>
+        <p:nvSpPr>
+          <p:cNvPr id="28" name="角丸四角形 27"/>
+          <p:cNvSpPr/>
+          <p:nvPr/>
+        </p:nvSpPr>
+        <p:spPr>
+          <a:xfrm>
+            <a:off x="1469168" y="1187601"/>
+            <a:ext cx="562830" cy="165946"/>
+          </a:xfrm>
+          <a:prstGeom prst="roundRect">
+            <a:avLst/>
+          </a:prstGeom>
+          <a:noFill/>
+          <a:ln w="25400">
+            <a:solidFill>
+              <a:schemeClr val="tx1"/>
+            </a:solidFill>
+          </a:ln>
+          <a:effectLst/>
+        </p:spPr>
+        <p:style>
+          <a:lnRef idx="1">
+            <a:schemeClr val="accent1"/>
+          </a:lnRef>
+          <a:fillRef idx="3">
+            <a:schemeClr val="accent1"/>
+          </a:fillRef>
+          <a:effectRef idx="2">
+            <a:schemeClr val="accent1"/>
+          </a:effectRef>
+          <a:fontRef idx="minor">
+            <a:schemeClr val="lt1"/>
+          </a:fontRef>
+        </p:style>
+        <p:txBody>
+          <a:bodyPr rtlCol="0" anchor="ctr"/>
+          <a:lstStyle/>
+          <a:p>
+            <a:pPr algn="ctr"/>
+            <a:endParaRPr kumimoji="1" lang="ja-JP" altLang="en-US"/>
+          </a:p>
+        </p:txBody>
+      </p:sp>
+      <p:sp>
+        <p:nvSpPr>
+          <p:cNvPr id="29" name="テキスト ボックス 28"/>
+          <p:cNvSpPr txBox="1"/>
+          <p:nvPr/>
+        </p:nvSpPr>
+        <p:spPr>
+          <a:xfrm>
+            <a:off x="890993" y="1114621"/>
+            <a:ext cx="646331" cy="276999"/>
+          </a:xfrm>
+          <a:prstGeom prst="rect">
+            <a:avLst/>
+          </a:prstGeom>
+          <a:noFill/>
+        </p:spPr>
+        <p:txBody>
+          <a:bodyPr wrap="none" rtlCol="0">
+            <a:spAutoFit/>
+          </a:bodyPr>
+          <a:lstStyle/>
+          <a:p>
+            <a:r>
+              <a:rPr kumimoji="1" lang="ja-JP" altLang="en-US" sz="1200" dirty="0" smtClean="0">
+                <a:latin typeface="メイリオ"/>
+                <a:ea typeface="メイリオ"/>
+                <a:cs typeface="メイリオ"/>
+              </a:rPr>
+              <a:t>日付：</a:t>
+            </a:r>
+            <a:endParaRPr kumimoji="1" lang="ja-JP" altLang="en-US" sz="1200" dirty="0">
+              <a:latin typeface="メイリオ"/>
+              <a:ea typeface="メイリオ"/>
+              <a:cs typeface="メイリオ"/>
+            </a:endParaRPr>
+          </a:p>
+        </p:txBody>
+      </p:sp>
+      <p:sp>
+        <p:nvSpPr>
+          <p:cNvPr id="30" name="角丸四角形 29"/>
+          <p:cNvSpPr/>
+          <p:nvPr/>
+        </p:nvSpPr>
+        <p:spPr>
+          <a:xfrm>
+            <a:off x="2646774" y="1187601"/>
+            <a:ext cx="797002" cy="165946"/>
+          </a:xfrm>
+          <a:prstGeom prst="roundRect">
+            <a:avLst/>
+          </a:prstGeom>
+          <a:noFill/>
+          <a:ln w="25400">
+            <a:solidFill>
+              <a:schemeClr val="tx1"/>
+            </a:solidFill>
+          </a:ln>
+          <a:effectLst/>
+        </p:spPr>
+        <p:style>
+          <a:lnRef idx="1">
+            <a:schemeClr val="accent1"/>
+          </a:lnRef>
+          <a:fillRef idx="3">
+            <a:schemeClr val="accent1"/>
+          </a:fillRef>
+          <a:effectRef idx="2">
+            <a:schemeClr val="accent1"/>
+          </a:effectRef>
+          <a:fontRef idx="minor">
+            <a:schemeClr val="lt1"/>
+          </a:fontRef>
+        </p:style>
+        <p:txBody>
+          <a:bodyPr rtlCol="0" anchor="ctr"/>
+          <a:lstStyle/>
+          <a:p>
+            <a:pPr algn="ctr"/>
+            <a:endParaRPr kumimoji="1" lang="ja-JP" altLang="en-US"/>
+          </a:p>
+        </p:txBody>
+      </p:sp>
+      <p:sp>
+        <p:nvSpPr>
+          <p:cNvPr id="31" name="テキスト ボックス 30"/>
+          <p:cNvSpPr txBox="1"/>
+          <p:nvPr/>
+        </p:nvSpPr>
+        <p:spPr>
+          <a:xfrm>
+            <a:off x="2046815" y="1111063"/>
+            <a:ext cx="646331" cy="276999"/>
+          </a:xfrm>
+          <a:prstGeom prst="rect">
+            <a:avLst/>
+          </a:prstGeom>
+          <a:noFill/>
+        </p:spPr>
+        <p:txBody>
+          <a:bodyPr wrap="none" rtlCol="0">
+            <a:spAutoFit/>
+          </a:bodyPr>
+          <a:lstStyle/>
+          <a:p>
+            <a:r>
+              <a:rPr lang="ja-JP" altLang="en-US" sz="1200" dirty="0" smtClean="0">
+                <a:latin typeface="メイリオ"/>
+                <a:ea typeface="メイリオ"/>
+                <a:cs typeface="メイリオ"/>
+              </a:rPr>
+              <a:t>内容</a:t>
+            </a:r>
+            <a:r>
+              <a:rPr kumimoji="1" lang="ja-JP" altLang="en-US" sz="1200" dirty="0" smtClean="0">
+                <a:latin typeface="メイリオ"/>
+                <a:ea typeface="メイリオ"/>
+                <a:cs typeface="メイリオ"/>
+              </a:rPr>
+              <a:t>：</a:t>
+            </a:r>
+            <a:endParaRPr kumimoji="1" lang="ja-JP" altLang="en-US" sz="1200" dirty="0">
+              <a:latin typeface="メイリオ"/>
+              <a:ea typeface="メイリオ"/>
+              <a:cs typeface="メイリオ"/>
+            </a:endParaRPr>
+          </a:p>
+        </p:txBody>
+      </p:sp>
+      <p:sp>
+        <p:nvSpPr>
+          <p:cNvPr id="32" name="角丸四角形 31"/>
+          <p:cNvSpPr/>
+          <p:nvPr/>
+        </p:nvSpPr>
+        <p:spPr>
+          <a:xfrm>
+            <a:off x="4369749" y="1187601"/>
+            <a:ext cx="560480" cy="165946"/>
+          </a:xfrm>
+          <a:prstGeom prst="roundRect">
+            <a:avLst/>
+          </a:prstGeom>
+          <a:noFill/>
+          <a:ln w="25400">
+            <a:solidFill>
+              <a:schemeClr val="tx1"/>
+            </a:solidFill>
+          </a:ln>
+          <a:effectLst/>
+        </p:spPr>
+        <p:style>
+          <a:lnRef idx="1">
+            <a:schemeClr val="accent1"/>
+          </a:lnRef>
+          <a:fillRef idx="3">
+            <a:schemeClr val="accent1"/>
+          </a:fillRef>
+          <a:effectRef idx="2">
+            <a:schemeClr val="accent1"/>
+          </a:effectRef>
+          <a:fontRef idx="minor">
+            <a:schemeClr val="lt1"/>
+          </a:fontRef>
+        </p:style>
+        <p:txBody>
+          <a:bodyPr rtlCol="0" anchor="ctr"/>
+          <a:lstStyle/>
+          <a:p>
+            <a:pPr algn="ctr"/>
+            <a:endParaRPr kumimoji="1" lang="ja-JP" altLang="en-US"/>
+          </a:p>
+        </p:txBody>
+      </p:sp>
+      <p:sp>
+        <p:nvSpPr>
+          <p:cNvPr id="33" name="テキスト ボックス 32"/>
+          <p:cNvSpPr txBox="1"/>
+          <p:nvPr/>
+        </p:nvSpPr>
+        <p:spPr>
+          <a:xfrm>
+            <a:off x="3461822" y="1118689"/>
+            <a:ext cx="954107" cy="276999"/>
+          </a:xfrm>
+          <a:prstGeom prst="rect">
+            <a:avLst/>
+          </a:prstGeom>
+          <a:noFill/>
+        </p:spPr>
+        <p:txBody>
+          <a:bodyPr wrap="none" rtlCol="0">
+            <a:spAutoFit/>
+          </a:bodyPr>
+          <a:lstStyle/>
+          <a:p>
+            <a:r>
+              <a:rPr lang="ja-JP" altLang="en-US" sz="1200" dirty="0" smtClean="0">
+                <a:latin typeface="メイリオ"/>
+                <a:ea typeface="メイリオ"/>
+                <a:cs typeface="メイリオ"/>
+              </a:rPr>
+              <a:t>カテゴリ</a:t>
+            </a:r>
+            <a:r>
+              <a:rPr kumimoji="1" lang="ja-JP" altLang="en-US" sz="1200" dirty="0" smtClean="0">
+                <a:latin typeface="メイリオ"/>
+                <a:ea typeface="メイリオ"/>
+                <a:cs typeface="メイリオ"/>
+              </a:rPr>
+              <a:t>：</a:t>
+            </a:r>
+            <a:endParaRPr kumimoji="1" lang="ja-JP" altLang="en-US" sz="1200" dirty="0">
+              <a:latin typeface="メイリオ"/>
+              <a:ea typeface="メイリオ"/>
+              <a:cs typeface="メイリオ"/>
+            </a:endParaRPr>
+          </a:p>
+        </p:txBody>
+      </p:sp>
+      <p:sp>
+        <p:nvSpPr>
+          <p:cNvPr id="34" name="角丸四角形 33"/>
+          <p:cNvSpPr/>
+          <p:nvPr/>
+        </p:nvSpPr>
+        <p:spPr>
+          <a:xfrm>
+            <a:off x="5569022" y="1187601"/>
+            <a:ext cx="561630" cy="165946"/>
+          </a:xfrm>
+          <a:prstGeom prst="roundRect">
+            <a:avLst/>
+          </a:prstGeom>
+          <a:noFill/>
+          <a:ln w="25400">
+            <a:solidFill>
+              <a:schemeClr val="tx1"/>
+            </a:solidFill>
+          </a:ln>
+          <a:effectLst/>
+        </p:spPr>
+        <p:style>
+          <a:lnRef idx="1">
+            <a:schemeClr val="accent1"/>
+          </a:lnRef>
+          <a:fillRef idx="3">
+            <a:schemeClr val="accent1"/>
+          </a:fillRef>
+          <a:effectRef idx="2">
+            <a:schemeClr val="accent1"/>
+          </a:effectRef>
+          <a:fontRef idx="minor">
+            <a:schemeClr val="lt1"/>
+          </a:fontRef>
+        </p:style>
+        <p:txBody>
+          <a:bodyPr rtlCol="0" anchor="ctr"/>
+          <a:lstStyle/>
+          <a:p>
+            <a:pPr algn="ctr"/>
+            <a:endParaRPr kumimoji="1" lang="ja-JP" altLang="en-US"/>
+          </a:p>
+        </p:txBody>
+      </p:sp>
+      <p:sp>
+        <p:nvSpPr>
+          <p:cNvPr id="35" name="テキスト ボックス 34"/>
+          <p:cNvSpPr txBox="1"/>
+          <p:nvPr/>
+        </p:nvSpPr>
+        <p:spPr>
+          <a:xfrm>
+            <a:off x="4957326" y="1128924"/>
+            <a:ext cx="646331" cy="276999"/>
+          </a:xfrm>
+          <a:prstGeom prst="rect">
+            <a:avLst/>
+          </a:prstGeom>
+          <a:noFill/>
+        </p:spPr>
+        <p:txBody>
+          <a:bodyPr wrap="none" rtlCol="0">
+            <a:spAutoFit/>
+          </a:bodyPr>
+          <a:lstStyle/>
+          <a:p>
+            <a:r>
+              <a:rPr lang="ja-JP" altLang="en-US" sz="1200" dirty="0" smtClean="0">
+                <a:latin typeface="メイリオ"/>
+                <a:ea typeface="メイリオ"/>
+                <a:cs typeface="メイリオ"/>
+              </a:rPr>
+              <a:t>金額</a:t>
+            </a:r>
+            <a:r>
+              <a:rPr kumimoji="1" lang="ja-JP" altLang="en-US" sz="1200" dirty="0" smtClean="0">
+                <a:latin typeface="メイリオ"/>
+                <a:ea typeface="メイリオ"/>
+                <a:cs typeface="メイリオ"/>
+              </a:rPr>
+              <a:t>：</a:t>
+            </a:r>
+            <a:endParaRPr kumimoji="1" lang="ja-JP" altLang="en-US" sz="1200" dirty="0">
+              <a:latin typeface="メイリオ"/>
+              <a:ea typeface="メイリオ"/>
+              <a:cs typeface="メイリオ"/>
+            </a:endParaRPr>
+          </a:p>
+        </p:txBody>
+      </p:sp>
+      <p:sp>
+        <p:nvSpPr>
+          <p:cNvPr id="36" name="角丸四角形 35"/>
+          <p:cNvSpPr/>
+          <p:nvPr/>
+        </p:nvSpPr>
+        <p:spPr>
+          <a:xfrm>
+            <a:off x="6515245" y="1118689"/>
+            <a:ext cx="550589" cy="299213"/>
+          </a:xfrm>
+          <a:prstGeom prst="roundRect">
+            <a:avLst/>
+          </a:prstGeom>
+          <a:noFill/>
+          <a:ln w="25400">
+            <a:solidFill>
+              <a:schemeClr val="tx1"/>
+            </a:solidFill>
+          </a:ln>
+          <a:effectLst/>
+        </p:spPr>
+        <p:style>
+          <a:lnRef idx="1">
+            <a:schemeClr val="accent1"/>
+          </a:lnRef>
+          <a:fillRef idx="3">
+            <a:schemeClr val="accent1"/>
+          </a:fillRef>
+          <a:effectRef idx="2">
+            <a:schemeClr val="accent1"/>
+          </a:effectRef>
+          <a:fontRef idx="minor">
+            <a:schemeClr val="lt1"/>
+          </a:fontRef>
+        </p:style>
+        <p:txBody>
+          <a:bodyPr rtlCol="0" anchor="ctr"/>
+          <a:lstStyle/>
+          <a:p>
+            <a:pPr algn="ctr"/>
+            <a:r>
+              <a:rPr kumimoji="1" lang="ja-JP" altLang="en-US" sz="1200" dirty="0" smtClean="0">
+                <a:solidFill>
+                  <a:schemeClr val="tx1"/>
+                </a:solidFill>
+                <a:latin typeface="メイリオ"/>
+                <a:ea typeface="メイリオ"/>
+                <a:cs typeface="メイリオ"/>
+              </a:rPr>
+              <a:t>登録</a:t>
+            </a:r>
+            <a:endParaRPr kumimoji="1" lang="ja-JP" altLang="en-US" sz="1200" dirty="0">
+              <a:solidFill>
+                <a:schemeClr val="tx1"/>
+              </a:solidFill>
+              <a:latin typeface="メイリオ"/>
+              <a:ea typeface="メイリオ"/>
+              <a:cs typeface="メイリオ"/>
+            </a:endParaRPr>
+          </a:p>
+        </p:txBody>
+      </p:sp>
+      <p:sp>
+        <p:nvSpPr>
+          <p:cNvPr id="37" name="角丸四角形 36"/>
+          <p:cNvSpPr/>
+          <p:nvPr/>
+        </p:nvSpPr>
+        <p:spPr>
+          <a:xfrm>
+            <a:off x="7239002" y="1121482"/>
+            <a:ext cx="864625" cy="299213"/>
+          </a:xfrm>
+          <a:prstGeom prst="roundRect">
+            <a:avLst/>
+          </a:prstGeom>
+          <a:noFill/>
+          <a:ln w="25400">
+            <a:solidFill>
+              <a:schemeClr val="tx1"/>
+            </a:solidFill>
+          </a:ln>
+          <a:effectLst/>
+        </p:spPr>
+        <p:style>
+          <a:lnRef idx="1">
+            <a:schemeClr val="accent1"/>
+          </a:lnRef>
+          <a:fillRef idx="3">
+            <a:schemeClr val="accent1"/>
+          </a:fillRef>
+          <a:effectRef idx="2">
+            <a:schemeClr val="accent1"/>
+          </a:effectRef>
+          <a:fontRef idx="minor">
+            <a:schemeClr val="lt1"/>
+          </a:fontRef>
+        </p:style>
+        <p:txBody>
+          <a:bodyPr rtlCol="0" anchor="ctr"/>
+          <a:lstStyle/>
+          <a:p>
+            <a:pPr algn="ctr"/>
+            <a:r>
+              <a:rPr lang="en-US" altLang="en-US" sz="1200" dirty="0" smtClean="0">
+                <a:solidFill>
+                  <a:schemeClr val="tx1"/>
+                </a:solidFill>
+                <a:latin typeface="メイリオ"/>
+                <a:ea typeface="メイリオ"/>
+                <a:cs typeface="メイリオ"/>
+              </a:rPr>
+              <a:t>リセット</a:t>
+            </a:r>
+            <a:endParaRPr kumimoji="1" lang="ja-JP" altLang="en-US" sz="1200" dirty="0">
+              <a:solidFill>
+                <a:schemeClr val="tx1"/>
+              </a:solidFill>
+              <a:latin typeface="メイリオ"/>
+              <a:ea typeface="メイリオ"/>
+              <a:cs typeface="メイリオ"/>
+            </a:endParaRPr>
+          </a:p>
+        </p:txBody>
+      </p:sp>
+      <p:cxnSp>
+        <p:nvCxnSpPr>
+          <p:cNvPr id="38" name="直線コネクタ 37"/>
+          <p:cNvCxnSpPr/>
+          <p:nvPr/>
+        </p:nvCxnSpPr>
+        <p:spPr>
+          <a:xfrm>
+            <a:off x="923931" y="1547091"/>
+            <a:ext cx="7250251" cy="0"/>
+          </a:xfrm>
+          <a:prstGeom prst="line">
+            <a:avLst/>
+          </a:prstGeom>
+          <a:ln>
+            <a:solidFill>
+              <a:schemeClr val="bg1">
+                <a:lumMod val="65000"/>
+              </a:schemeClr>
+            </a:solidFill>
+          </a:ln>
+          <a:effectLst/>
+        </p:spPr>
+        <p:style>
+          <a:lnRef idx="2">
+            <a:schemeClr val="accent1"/>
+          </a:lnRef>
+          <a:fillRef idx="0">
+            <a:schemeClr val="accent1"/>
+          </a:fillRef>
+          <a:effectRef idx="1">
+            <a:schemeClr val="accent1"/>
+          </a:effectRef>
+          <a:fontRef idx="minor">
+            <a:schemeClr val="tx1"/>
+          </a:fontRef>
+        </p:style>
+      </p:cxnSp>
+      <p:graphicFrame>
+        <p:nvGraphicFramePr>
+          <p:cNvPr id="39" name="表 38"/>
+          <p:cNvGraphicFramePr>
+            <a:graphicFrameLocks noGrp="1"/>
+          </p:cNvGraphicFramePr>
+          <p:nvPr>
+            <p:extLst>
+              <p:ext uri="{D42A27DB-BD31-4B8C-83A1-F6EECF244321}">
+                <p14:modId xmlns:p14="http://schemas.microsoft.com/office/powerpoint/2010/main" val="1452285320"/>
+              </p:ext>
+            </p:extLst>
+          </p:nvPr>
+        </p:nvGraphicFramePr>
+        <p:xfrm>
+          <a:off x="993905" y="2031998"/>
+          <a:ext cx="6891640" cy="4248728"/>
+        </p:xfrm>
+        <a:graphic>
+          <a:graphicData uri="http://schemas.openxmlformats.org/drawingml/2006/table">
+            <a:tbl>
+              <a:tblPr firstRow="1" bandRow="1">
+                <a:tableStyleId>{5C22544A-7EE6-4342-B048-85BDC9FD1C3A}</a:tableStyleId>
+              </a:tblPr>
+              <a:tblGrid>
+                <a:gridCol w="1722910"/>
+                <a:gridCol w="1722910"/>
+                <a:gridCol w="1722910"/>
+                <a:gridCol w="1722910"/>
+              </a:tblGrid>
+              <a:tr h="386248">
+                <a:tc>
+                  <a:txBody>
+                    <a:bodyPr/>
+                    <a:lstStyle/>
+                    <a:p>
+                      <a:r>
+                        <a:rPr kumimoji="1" lang="ja-JP" altLang="en-US" dirty="0" smtClean="0">
+                          <a:latin typeface="メイリオ"/>
+                          <a:ea typeface="メイリオ"/>
+                          <a:cs typeface="メイリオ"/>
+                        </a:rPr>
+                        <a:t>日付</a:t>
+                      </a:r>
+                      <a:endParaRPr kumimoji="1" lang="ja-JP" altLang="en-US" dirty="0">
+                        <a:latin typeface="メイリオ"/>
+                        <a:ea typeface="メイリオ"/>
+                        <a:cs typeface="メイリオ"/>
+                      </a:endParaRPr>
+                    </a:p>
+                  </a:txBody>
+                  <a:tcPr/>
+                </a:tc>
+                <a:tc>
+                  <a:txBody>
+                    <a:bodyPr/>
+                    <a:lstStyle/>
+                    <a:p>
+                      <a:r>
+                        <a:rPr kumimoji="1" lang="ja-JP" altLang="en-US" dirty="0" smtClean="0">
+                          <a:latin typeface="メイリオ"/>
+                          <a:ea typeface="メイリオ"/>
+                          <a:cs typeface="メイリオ"/>
+                        </a:rPr>
+                        <a:t>内容</a:t>
+                      </a:r>
+                      <a:endParaRPr kumimoji="1" lang="ja-JP" altLang="en-US" dirty="0">
+                        <a:latin typeface="メイリオ"/>
+                        <a:ea typeface="メイリオ"/>
+                        <a:cs typeface="メイリオ"/>
+                      </a:endParaRPr>
+                    </a:p>
+                  </a:txBody>
+                  <a:tcPr/>
+                </a:tc>
+                <a:tc>
+                  <a:txBody>
+                    <a:bodyPr/>
+                    <a:lstStyle/>
+                    <a:p>
+                      <a:r>
+                        <a:rPr kumimoji="1" lang="ja-JP" altLang="en-US" dirty="0" smtClean="0">
+                          <a:latin typeface="メイリオ"/>
+                          <a:ea typeface="メイリオ"/>
+                          <a:cs typeface="メイリオ"/>
+                        </a:rPr>
+                        <a:t>カテゴリ</a:t>
+                      </a:r>
+                      <a:endParaRPr kumimoji="1" lang="ja-JP" altLang="en-US" dirty="0">
+                        <a:latin typeface="メイリオ"/>
+                        <a:ea typeface="メイリオ"/>
+                        <a:cs typeface="メイリオ"/>
+                      </a:endParaRPr>
+                    </a:p>
+                  </a:txBody>
+                  <a:tcPr/>
+                </a:tc>
+                <a:tc>
+                  <a:txBody>
+                    <a:bodyPr/>
+                    <a:lstStyle/>
+                    <a:p>
+                      <a:r>
+                        <a:rPr kumimoji="1" lang="ja-JP" altLang="en-US" dirty="0" smtClean="0">
+                          <a:latin typeface="メイリオ"/>
+                          <a:ea typeface="メイリオ"/>
+                          <a:cs typeface="メイリオ"/>
+                        </a:rPr>
+                        <a:t>金額</a:t>
+                      </a:r>
+                      <a:endParaRPr kumimoji="1" lang="ja-JP" altLang="en-US" dirty="0">
+                        <a:latin typeface="メイリオ"/>
+                        <a:ea typeface="メイリオ"/>
+                        <a:cs typeface="メイリオ"/>
+                      </a:endParaRPr>
+                    </a:p>
+                  </a:txBody>
+                  <a:tcPr/>
+                </a:tc>
+              </a:tr>
+              <a:tr h="386248">
+                <a:tc>
+                  <a:txBody>
+                    <a:bodyPr/>
+                    <a:lstStyle/>
+                    <a:p>
+                      <a:endParaRPr kumimoji="1" lang="ja-JP" altLang="en-US"/>
+                    </a:p>
+                  </a:txBody>
+                  <a:tcPr/>
+                </a:tc>
+                <a:tc>
+                  <a:txBody>
+                    <a:bodyPr/>
+                    <a:lstStyle/>
+                    <a:p>
+                      <a:endParaRPr kumimoji="1" lang="ja-JP" altLang="en-US"/>
+                    </a:p>
+                  </a:txBody>
+                  <a:tcPr/>
+                </a:tc>
+                <a:tc>
+                  <a:txBody>
+                    <a:bodyPr/>
+                    <a:lstStyle/>
+                    <a:p>
+                      <a:endParaRPr kumimoji="1" lang="ja-JP" altLang="en-US"/>
+                    </a:p>
+                  </a:txBody>
+                  <a:tcPr/>
+                </a:tc>
+                <a:tc>
+                  <a:txBody>
+                    <a:bodyPr/>
+                    <a:lstStyle/>
+                    <a:p>
+                      <a:endParaRPr kumimoji="1" lang="ja-JP" altLang="en-US" dirty="0"/>
+                    </a:p>
+                  </a:txBody>
+                  <a:tcPr/>
+                </a:tc>
+              </a:tr>
+              <a:tr h="386248">
+                <a:tc>
+                  <a:txBody>
+                    <a:bodyPr/>
+                    <a:lstStyle/>
+                    <a:p>
+                      <a:endParaRPr kumimoji="1" lang="ja-JP" altLang="en-US" dirty="0"/>
+                    </a:p>
+                  </a:txBody>
+                  <a:tcPr/>
+                </a:tc>
+                <a:tc>
+                  <a:txBody>
+                    <a:bodyPr/>
+                    <a:lstStyle/>
+                    <a:p>
+                      <a:endParaRPr kumimoji="1" lang="ja-JP" altLang="en-US"/>
+                    </a:p>
+                  </a:txBody>
+                  <a:tcPr/>
+                </a:tc>
+                <a:tc>
+                  <a:txBody>
+                    <a:bodyPr/>
+                    <a:lstStyle/>
+                    <a:p>
+                      <a:endParaRPr kumimoji="1" lang="ja-JP" altLang="en-US"/>
+                    </a:p>
+                  </a:txBody>
+                  <a:tcPr/>
+                </a:tc>
+                <a:tc>
+                  <a:txBody>
+                    <a:bodyPr/>
+                    <a:lstStyle/>
+                    <a:p>
+                      <a:endParaRPr kumimoji="1" lang="ja-JP" altLang="en-US" dirty="0"/>
+                    </a:p>
+                  </a:txBody>
+                  <a:tcPr/>
+                </a:tc>
+              </a:tr>
+              <a:tr h="386248">
+                <a:tc>
+                  <a:txBody>
+                    <a:bodyPr/>
+                    <a:lstStyle/>
+                    <a:p>
+                      <a:endParaRPr kumimoji="1" lang="ja-JP" altLang="en-US" dirty="0"/>
+                    </a:p>
+                  </a:txBody>
+                  <a:tcPr/>
+                </a:tc>
+                <a:tc>
+                  <a:txBody>
+                    <a:bodyPr/>
+                    <a:lstStyle/>
+                    <a:p>
+                      <a:endParaRPr kumimoji="1" lang="ja-JP" altLang="en-US"/>
+                    </a:p>
+                  </a:txBody>
+                  <a:tcPr/>
+                </a:tc>
+                <a:tc>
+                  <a:txBody>
+                    <a:bodyPr/>
+                    <a:lstStyle/>
+                    <a:p>
+                      <a:endParaRPr kumimoji="1" lang="ja-JP" altLang="en-US"/>
+                    </a:p>
+                  </a:txBody>
+                  <a:tcPr/>
+                </a:tc>
+                <a:tc>
+                  <a:txBody>
+                    <a:bodyPr/>
+                    <a:lstStyle/>
+                    <a:p>
+                      <a:endParaRPr kumimoji="1" lang="ja-JP" altLang="en-US" dirty="0"/>
+                    </a:p>
+                  </a:txBody>
+                  <a:tcPr/>
+                </a:tc>
+              </a:tr>
+              <a:tr h="386248">
+                <a:tc>
+                  <a:txBody>
+                    <a:bodyPr/>
+                    <a:lstStyle/>
+                    <a:p>
+                      <a:endParaRPr kumimoji="1" lang="ja-JP" altLang="en-US" dirty="0"/>
+                    </a:p>
+                  </a:txBody>
+                  <a:tcPr/>
+                </a:tc>
+                <a:tc>
+                  <a:txBody>
+                    <a:bodyPr/>
+                    <a:lstStyle/>
+                    <a:p>
+                      <a:endParaRPr kumimoji="1" lang="ja-JP" altLang="en-US" dirty="0"/>
+                    </a:p>
+                  </a:txBody>
+                  <a:tcPr/>
+                </a:tc>
+                <a:tc>
+                  <a:txBody>
+                    <a:bodyPr/>
+                    <a:lstStyle/>
+                    <a:p>
+                      <a:endParaRPr kumimoji="1" lang="ja-JP" altLang="en-US"/>
+                    </a:p>
+                  </a:txBody>
+                  <a:tcPr/>
+                </a:tc>
+                <a:tc>
+                  <a:txBody>
+                    <a:bodyPr/>
+                    <a:lstStyle/>
+                    <a:p>
+                      <a:endParaRPr kumimoji="1" lang="ja-JP" altLang="en-US" dirty="0"/>
+                    </a:p>
+                  </a:txBody>
+                  <a:tcPr/>
+                </a:tc>
+              </a:tr>
+              <a:tr h="386248">
+                <a:tc>
+                  <a:txBody>
+                    <a:bodyPr/>
+                    <a:lstStyle/>
+                    <a:p>
+                      <a:endParaRPr kumimoji="1" lang="ja-JP" altLang="en-US" dirty="0"/>
+                    </a:p>
+                  </a:txBody>
+                  <a:tcPr/>
+                </a:tc>
+                <a:tc>
+                  <a:txBody>
+                    <a:bodyPr/>
+                    <a:lstStyle/>
+                    <a:p>
+                      <a:endParaRPr kumimoji="1" lang="ja-JP" altLang="en-US" dirty="0"/>
+                    </a:p>
+                  </a:txBody>
+                  <a:tcPr/>
+                </a:tc>
+                <a:tc>
+                  <a:txBody>
+                    <a:bodyPr/>
+                    <a:lstStyle/>
+                    <a:p>
+                      <a:endParaRPr kumimoji="1" lang="ja-JP" altLang="en-US"/>
+                    </a:p>
+                  </a:txBody>
+                  <a:tcPr/>
+                </a:tc>
+                <a:tc>
+                  <a:txBody>
+                    <a:bodyPr/>
+                    <a:lstStyle/>
+                    <a:p>
+                      <a:endParaRPr kumimoji="1" lang="ja-JP" altLang="en-US" dirty="0"/>
+                    </a:p>
+                  </a:txBody>
+                  <a:tcPr/>
+                </a:tc>
+              </a:tr>
+              <a:tr h="386248">
+                <a:tc>
+                  <a:txBody>
+                    <a:bodyPr/>
+                    <a:lstStyle/>
+                    <a:p>
+                      <a:endParaRPr kumimoji="1" lang="ja-JP" altLang="en-US" dirty="0"/>
+                    </a:p>
+                  </a:txBody>
+                  <a:tcPr/>
+                </a:tc>
+                <a:tc>
+                  <a:txBody>
+                    <a:bodyPr/>
+                    <a:lstStyle/>
+                    <a:p>
+                      <a:endParaRPr kumimoji="1" lang="ja-JP" altLang="en-US" dirty="0"/>
+                    </a:p>
+                  </a:txBody>
+                  <a:tcPr/>
+                </a:tc>
+                <a:tc>
+                  <a:txBody>
+                    <a:bodyPr/>
+                    <a:lstStyle/>
+                    <a:p>
+                      <a:endParaRPr kumimoji="1" lang="ja-JP" altLang="en-US"/>
+                    </a:p>
+                  </a:txBody>
+                  <a:tcPr/>
+                </a:tc>
+                <a:tc>
+                  <a:txBody>
+                    <a:bodyPr/>
+                    <a:lstStyle/>
+                    <a:p>
+                      <a:endParaRPr kumimoji="1" lang="ja-JP" altLang="en-US" dirty="0"/>
+                    </a:p>
+                  </a:txBody>
+                  <a:tcPr/>
+                </a:tc>
+              </a:tr>
+              <a:tr h="386248">
+                <a:tc>
+                  <a:txBody>
+                    <a:bodyPr/>
+                    <a:lstStyle/>
+                    <a:p>
+                      <a:endParaRPr kumimoji="1" lang="ja-JP" altLang="en-US" dirty="0"/>
+                    </a:p>
+                  </a:txBody>
+                  <a:tcPr/>
+                </a:tc>
+                <a:tc>
+                  <a:txBody>
+                    <a:bodyPr/>
+                    <a:lstStyle/>
+                    <a:p>
+                      <a:endParaRPr kumimoji="1" lang="ja-JP" altLang="en-US"/>
+                    </a:p>
+                  </a:txBody>
+                  <a:tcPr/>
+                </a:tc>
+                <a:tc>
+                  <a:txBody>
+                    <a:bodyPr/>
+                    <a:lstStyle/>
+                    <a:p>
+                      <a:endParaRPr kumimoji="1" lang="ja-JP" altLang="en-US"/>
+                    </a:p>
+                  </a:txBody>
+                  <a:tcPr/>
+                </a:tc>
+                <a:tc>
+                  <a:txBody>
+                    <a:bodyPr/>
+                    <a:lstStyle/>
+                    <a:p>
+                      <a:endParaRPr kumimoji="1" lang="ja-JP" altLang="en-US"/>
+                    </a:p>
+                  </a:txBody>
+                  <a:tcPr/>
+                </a:tc>
+              </a:tr>
+              <a:tr h="386248">
+                <a:tc>
+                  <a:txBody>
+                    <a:bodyPr/>
+                    <a:lstStyle/>
+                    <a:p>
+                      <a:endParaRPr kumimoji="1" lang="ja-JP" altLang="en-US"/>
+                    </a:p>
+                  </a:txBody>
+                  <a:tcPr/>
+                </a:tc>
+                <a:tc>
+                  <a:txBody>
+                    <a:bodyPr/>
+                    <a:lstStyle/>
+                    <a:p>
+                      <a:endParaRPr kumimoji="1" lang="ja-JP" altLang="en-US"/>
+                    </a:p>
+                  </a:txBody>
+                  <a:tcPr/>
+                </a:tc>
+                <a:tc>
+                  <a:txBody>
+                    <a:bodyPr/>
+                    <a:lstStyle/>
+                    <a:p>
+                      <a:endParaRPr kumimoji="1" lang="ja-JP" altLang="en-US"/>
+                    </a:p>
+                  </a:txBody>
+                  <a:tcPr/>
+                </a:tc>
+                <a:tc>
+                  <a:txBody>
+                    <a:bodyPr/>
+                    <a:lstStyle/>
+                    <a:p>
+                      <a:endParaRPr kumimoji="1" lang="ja-JP" altLang="en-US"/>
+                    </a:p>
+                  </a:txBody>
+                  <a:tcPr/>
+                </a:tc>
+              </a:tr>
+              <a:tr h="386248">
+                <a:tc>
+                  <a:txBody>
+                    <a:bodyPr/>
+                    <a:lstStyle/>
+                    <a:p>
+                      <a:endParaRPr kumimoji="1" lang="ja-JP" altLang="en-US"/>
+                    </a:p>
+                  </a:txBody>
+                  <a:tcPr/>
+                </a:tc>
+                <a:tc>
+                  <a:txBody>
+                    <a:bodyPr/>
+                    <a:lstStyle/>
+                    <a:p>
+                      <a:endParaRPr kumimoji="1" lang="ja-JP" altLang="en-US"/>
+                    </a:p>
+                  </a:txBody>
+                  <a:tcPr/>
+                </a:tc>
+                <a:tc>
+                  <a:txBody>
+                    <a:bodyPr/>
+                    <a:lstStyle/>
+                    <a:p>
+                      <a:endParaRPr kumimoji="1" lang="ja-JP" altLang="en-US"/>
+                    </a:p>
+                  </a:txBody>
+                  <a:tcPr/>
+                </a:tc>
+                <a:tc>
+                  <a:txBody>
+                    <a:bodyPr/>
+                    <a:lstStyle/>
+                    <a:p>
+                      <a:endParaRPr kumimoji="1" lang="ja-JP" altLang="en-US"/>
+                    </a:p>
+                  </a:txBody>
+                  <a:tcPr/>
+                </a:tc>
+              </a:tr>
+              <a:tr h="386248">
+                <a:tc>
+                  <a:txBody>
+                    <a:bodyPr/>
+                    <a:lstStyle/>
+                    <a:p>
+                      <a:endParaRPr kumimoji="1" lang="ja-JP" altLang="en-US"/>
+                    </a:p>
+                  </a:txBody>
+                  <a:tcPr/>
+                </a:tc>
+                <a:tc>
+                  <a:txBody>
+                    <a:bodyPr/>
+                    <a:lstStyle/>
+                    <a:p>
+                      <a:endParaRPr kumimoji="1" lang="ja-JP" altLang="en-US" dirty="0"/>
+                    </a:p>
+                  </a:txBody>
+                  <a:tcPr/>
+                </a:tc>
+                <a:tc>
+                  <a:txBody>
+                    <a:bodyPr/>
+                    <a:lstStyle/>
+                    <a:p>
+                      <a:endParaRPr kumimoji="1" lang="ja-JP" altLang="en-US" dirty="0"/>
+                    </a:p>
+                  </a:txBody>
+                  <a:tcPr/>
+                </a:tc>
+                <a:tc>
+                  <a:txBody>
+                    <a:bodyPr/>
+                    <a:lstStyle/>
+                    <a:p>
+                      <a:endParaRPr kumimoji="1" lang="ja-JP" altLang="en-US" dirty="0"/>
+                    </a:p>
+                  </a:txBody>
+                  <a:tcPr/>
+                </a:tc>
+              </a:tr>
+            </a:tbl>
+          </a:graphicData>
+        </a:graphic>
+      </p:graphicFrame>
+      <p:sp>
+        <p:nvSpPr>
+          <p:cNvPr id="41" name="円柱 40"/>
+          <p:cNvSpPr/>
+          <p:nvPr/>
+        </p:nvSpPr>
+        <p:spPr>
+          <a:xfrm>
+            <a:off x="8017036" y="2447634"/>
+            <a:ext cx="173182" cy="288636"/>
+          </a:xfrm>
+          <a:prstGeom prst="can">
+            <a:avLst/>
+          </a:prstGeom>
+          <a:noFill/>
+          <a:ln w="25400">
+            <a:solidFill>
+              <a:schemeClr val="tx1"/>
+            </a:solidFill>
+          </a:ln>
+          <a:effectLst/>
+        </p:spPr>
+        <p:style>
+          <a:lnRef idx="1">
+            <a:schemeClr val="accent1"/>
+          </a:lnRef>
+          <a:fillRef idx="3">
+            <a:schemeClr val="accent1"/>
+          </a:fillRef>
+          <a:effectRef idx="2">
+            <a:schemeClr val="accent1"/>
+          </a:effectRef>
+          <a:fontRef idx="minor">
+            <a:schemeClr val="lt1"/>
+          </a:fontRef>
+        </p:style>
+        <p:txBody>
+          <a:bodyPr rtlCol="0" anchor="ctr"/>
+          <a:lstStyle/>
+          <a:p>
+            <a:pPr algn="ctr"/>
+            <a:endParaRPr kumimoji="1" lang="ja-JP" altLang="en-US"/>
+          </a:p>
+        </p:txBody>
+      </p:sp>
+      <p:sp>
+        <p:nvSpPr>
+          <p:cNvPr id="42" name="円柱 41"/>
+          <p:cNvSpPr/>
+          <p:nvPr/>
+        </p:nvSpPr>
+        <p:spPr>
+          <a:xfrm>
+            <a:off x="8017036" y="2856340"/>
+            <a:ext cx="173182" cy="288636"/>
+          </a:xfrm>
+          <a:prstGeom prst="can">
+            <a:avLst/>
+          </a:prstGeom>
+          <a:noFill/>
+          <a:ln w="25400">
+            <a:solidFill>
+              <a:schemeClr val="tx1"/>
+            </a:solidFill>
+          </a:ln>
+          <a:effectLst/>
+        </p:spPr>
+        <p:style>
+          <a:lnRef idx="1">
+            <a:schemeClr val="accent1"/>
+          </a:lnRef>
+          <a:fillRef idx="3">
+            <a:schemeClr val="accent1"/>
+          </a:fillRef>
+          <a:effectRef idx="2">
+            <a:schemeClr val="accent1"/>
+          </a:effectRef>
+          <a:fontRef idx="minor">
+            <a:schemeClr val="lt1"/>
+          </a:fontRef>
+        </p:style>
+        <p:txBody>
+          <a:bodyPr rtlCol="0" anchor="ctr"/>
+          <a:lstStyle/>
+          <a:p>
+            <a:pPr algn="ctr"/>
+            <a:endParaRPr kumimoji="1" lang="ja-JP" altLang="en-US"/>
+          </a:p>
+        </p:txBody>
+      </p:sp>
+      <p:sp>
+        <p:nvSpPr>
+          <p:cNvPr id="45" name="円柱 44"/>
+          <p:cNvSpPr/>
+          <p:nvPr/>
+        </p:nvSpPr>
+        <p:spPr>
+          <a:xfrm>
+            <a:off x="8017036" y="3235027"/>
+            <a:ext cx="173182" cy="288636"/>
+          </a:xfrm>
+          <a:prstGeom prst="can">
+            <a:avLst/>
+          </a:prstGeom>
+          <a:noFill/>
+          <a:ln w="25400">
+            <a:solidFill>
+              <a:schemeClr val="tx1"/>
+            </a:solidFill>
+          </a:ln>
+          <a:effectLst/>
+        </p:spPr>
+        <p:style>
+          <a:lnRef idx="1">
+            <a:schemeClr val="accent1"/>
+          </a:lnRef>
+          <a:fillRef idx="3">
+            <a:schemeClr val="accent1"/>
+          </a:fillRef>
+          <a:effectRef idx="2">
+            <a:schemeClr val="accent1"/>
+          </a:effectRef>
+          <a:fontRef idx="minor">
+            <a:schemeClr val="lt1"/>
+          </a:fontRef>
+        </p:style>
+        <p:txBody>
+          <a:bodyPr rtlCol="0" anchor="ctr"/>
+          <a:lstStyle/>
+          <a:p>
+            <a:pPr algn="ctr"/>
+            <a:endParaRPr kumimoji="1" lang="ja-JP" altLang="en-US"/>
+          </a:p>
+        </p:txBody>
+      </p:sp>
+      <p:sp>
+        <p:nvSpPr>
+          <p:cNvPr id="46" name="円柱 45"/>
+          <p:cNvSpPr/>
+          <p:nvPr/>
+        </p:nvSpPr>
+        <p:spPr>
+          <a:xfrm>
+            <a:off x="8017036" y="3624105"/>
+            <a:ext cx="173182" cy="288636"/>
+          </a:xfrm>
+          <a:prstGeom prst="can">
+            <a:avLst/>
+          </a:prstGeom>
+          <a:noFill/>
+          <a:ln w="25400">
+            <a:solidFill>
+              <a:schemeClr val="tx1"/>
+            </a:solidFill>
+          </a:ln>
+          <a:effectLst/>
+        </p:spPr>
+        <p:style>
+          <a:lnRef idx="1">
+            <a:schemeClr val="accent1"/>
+          </a:lnRef>
+          <a:fillRef idx="3">
+            <a:schemeClr val="accent1"/>
+          </a:fillRef>
+          <a:effectRef idx="2">
+            <a:schemeClr val="accent1"/>
+          </a:effectRef>
+          <a:fontRef idx="minor">
+            <a:schemeClr val="lt1"/>
+          </a:fontRef>
+        </p:style>
+        <p:txBody>
+          <a:bodyPr rtlCol="0" anchor="ctr"/>
+          <a:lstStyle/>
+          <a:p>
+            <a:pPr algn="ctr"/>
+            <a:endParaRPr kumimoji="1" lang="ja-JP" altLang="en-US"/>
+          </a:p>
+        </p:txBody>
+      </p:sp>
+      <p:sp>
+        <p:nvSpPr>
+          <p:cNvPr id="47" name="円柱 46"/>
+          <p:cNvSpPr/>
+          <p:nvPr/>
+        </p:nvSpPr>
+        <p:spPr>
+          <a:xfrm>
+            <a:off x="8017036" y="4008555"/>
+            <a:ext cx="173182" cy="288636"/>
+          </a:xfrm>
+          <a:prstGeom prst="can">
+            <a:avLst/>
+          </a:prstGeom>
+          <a:noFill/>
+          <a:ln w="25400">
+            <a:solidFill>
+              <a:schemeClr val="tx1"/>
+            </a:solidFill>
+          </a:ln>
+          <a:effectLst/>
+        </p:spPr>
+        <p:style>
+          <a:lnRef idx="1">
+            <a:schemeClr val="accent1"/>
+          </a:lnRef>
+          <a:fillRef idx="3">
+            <a:schemeClr val="accent1"/>
+          </a:fillRef>
+          <a:effectRef idx="2">
+            <a:schemeClr val="accent1"/>
+          </a:effectRef>
+          <a:fontRef idx="minor">
+            <a:schemeClr val="lt1"/>
+          </a:fontRef>
+        </p:style>
+        <p:txBody>
+          <a:bodyPr rtlCol="0" anchor="ctr"/>
+          <a:lstStyle/>
+          <a:p>
+            <a:pPr algn="ctr"/>
+            <a:endParaRPr kumimoji="1" lang="ja-JP" altLang="en-US"/>
+          </a:p>
+        </p:txBody>
+      </p:sp>
+      <p:sp>
+        <p:nvSpPr>
+          <p:cNvPr id="48" name="円柱 47"/>
+          <p:cNvSpPr/>
+          <p:nvPr/>
+        </p:nvSpPr>
+        <p:spPr>
+          <a:xfrm>
+            <a:off x="8017036" y="4397633"/>
+            <a:ext cx="173182" cy="288636"/>
+          </a:xfrm>
+          <a:prstGeom prst="can">
+            <a:avLst/>
+          </a:prstGeom>
+          <a:noFill/>
+          <a:ln w="25400">
+            <a:solidFill>
+              <a:schemeClr val="tx1"/>
+            </a:solidFill>
+          </a:ln>
+          <a:effectLst/>
+        </p:spPr>
+        <p:style>
+          <a:lnRef idx="1">
+            <a:schemeClr val="accent1"/>
+          </a:lnRef>
+          <a:fillRef idx="3">
+            <a:schemeClr val="accent1"/>
+          </a:fillRef>
+          <a:effectRef idx="2">
+            <a:schemeClr val="accent1"/>
+          </a:effectRef>
+          <a:fontRef idx="minor">
+            <a:schemeClr val="lt1"/>
+          </a:fontRef>
+        </p:style>
+        <p:txBody>
+          <a:bodyPr rtlCol="0" anchor="ctr"/>
+          <a:lstStyle/>
+          <a:p>
+            <a:pPr algn="ctr"/>
+            <a:endParaRPr kumimoji="1" lang="ja-JP" altLang="en-US"/>
+          </a:p>
+        </p:txBody>
+      </p:sp>
+      <p:sp>
+        <p:nvSpPr>
+          <p:cNvPr id="49" name="円柱 48"/>
+          <p:cNvSpPr/>
+          <p:nvPr/>
+        </p:nvSpPr>
+        <p:spPr>
+          <a:xfrm>
+            <a:off x="8017036" y="4782067"/>
+            <a:ext cx="173182" cy="288636"/>
+          </a:xfrm>
+          <a:prstGeom prst="can">
+            <a:avLst/>
+          </a:prstGeom>
+          <a:noFill/>
+          <a:ln w="25400">
+            <a:solidFill>
+              <a:schemeClr val="tx1"/>
+            </a:solidFill>
+          </a:ln>
+          <a:effectLst/>
+        </p:spPr>
+        <p:style>
+          <a:lnRef idx="1">
+            <a:schemeClr val="accent1"/>
+          </a:lnRef>
+          <a:fillRef idx="3">
+            <a:schemeClr val="accent1"/>
+          </a:fillRef>
+          <a:effectRef idx="2">
+            <a:schemeClr val="accent1"/>
+          </a:effectRef>
+          <a:fontRef idx="minor">
+            <a:schemeClr val="lt1"/>
+          </a:fontRef>
+        </p:style>
+        <p:txBody>
+          <a:bodyPr rtlCol="0" anchor="ctr"/>
+          <a:lstStyle/>
+          <a:p>
+            <a:pPr algn="ctr"/>
+            <a:endParaRPr kumimoji="1" lang="ja-JP" altLang="en-US"/>
+          </a:p>
+        </p:txBody>
+      </p:sp>
+      <p:sp>
+        <p:nvSpPr>
+          <p:cNvPr id="50" name="円柱 49"/>
+          <p:cNvSpPr/>
+          <p:nvPr/>
+        </p:nvSpPr>
+        <p:spPr>
+          <a:xfrm>
+            <a:off x="8017036" y="5169935"/>
+            <a:ext cx="173182" cy="288636"/>
+          </a:xfrm>
+          <a:prstGeom prst="can">
+            <a:avLst/>
+          </a:prstGeom>
+          <a:noFill/>
+          <a:ln w="25400">
+            <a:solidFill>
+              <a:schemeClr val="tx1"/>
+            </a:solidFill>
+          </a:ln>
+          <a:effectLst/>
+        </p:spPr>
+        <p:style>
+          <a:lnRef idx="1">
+            <a:schemeClr val="accent1"/>
+          </a:lnRef>
+          <a:fillRef idx="3">
+            <a:schemeClr val="accent1"/>
+          </a:fillRef>
+          <a:effectRef idx="2">
+            <a:schemeClr val="accent1"/>
+          </a:effectRef>
+          <a:fontRef idx="minor">
+            <a:schemeClr val="lt1"/>
+          </a:fontRef>
+        </p:style>
+        <p:txBody>
+          <a:bodyPr rtlCol="0" anchor="ctr"/>
+          <a:lstStyle/>
+          <a:p>
+            <a:pPr algn="ctr"/>
+            <a:endParaRPr kumimoji="1" lang="ja-JP" altLang="en-US"/>
+          </a:p>
+        </p:txBody>
+      </p:sp>
+      <p:sp>
+        <p:nvSpPr>
+          <p:cNvPr id="51" name="円柱 50"/>
+          <p:cNvSpPr/>
+          <p:nvPr/>
+        </p:nvSpPr>
+        <p:spPr>
+          <a:xfrm>
+            <a:off x="8017036" y="5559013"/>
+            <a:ext cx="173182" cy="288636"/>
+          </a:xfrm>
+          <a:prstGeom prst="can">
+            <a:avLst/>
+          </a:prstGeom>
+          <a:noFill/>
+          <a:ln w="25400">
+            <a:solidFill>
+              <a:schemeClr val="tx1"/>
+            </a:solidFill>
+          </a:ln>
+          <a:effectLst/>
+        </p:spPr>
+        <p:style>
+          <a:lnRef idx="1">
+            <a:schemeClr val="accent1"/>
+          </a:lnRef>
+          <a:fillRef idx="3">
+            <a:schemeClr val="accent1"/>
+          </a:fillRef>
+          <a:effectRef idx="2">
+            <a:schemeClr val="accent1"/>
+          </a:effectRef>
+          <a:fontRef idx="minor">
+            <a:schemeClr val="lt1"/>
+          </a:fontRef>
+        </p:style>
+        <p:txBody>
+          <a:bodyPr rtlCol="0" anchor="ctr"/>
+          <a:lstStyle/>
+          <a:p>
+            <a:pPr algn="ctr"/>
+            <a:endParaRPr kumimoji="1" lang="ja-JP" altLang="en-US"/>
+          </a:p>
+        </p:txBody>
+      </p:sp>
+      <p:sp>
+        <p:nvSpPr>
+          <p:cNvPr id="54" name="円柱 53"/>
+          <p:cNvSpPr/>
+          <p:nvPr/>
+        </p:nvSpPr>
+        <p:spPr>
+          <a:xfrm>
+            <a:off x="8017036" y="5930778"/>
+            <a:ext cx="173182" cy="288636"/>
+          </a:xfrm>
+          <a:prstGeom prst="can">
+            <a:avLst/>
+          </a:prstGeom>
+          <a:noFill/>
+          <a:ln w="25400">
+            <a:solidFill>
+              <a:schemeClr val="tx1"/>
+            </a:solidFill>
+          </a:ln>
+          <a:effectLst/>
+        </p:spPr>
+        <p:style>
+          <a:lnRef idx="1">
+            <a:schemeClr val="accent1"/>
+          </a:lnRef>
+          <a:fillRef idx="3">
+            <a:schemeClr val="accent1"/>
+          </a:fillRef>
+          <a:effectRef idx="2">
+            <a:schemeClr val="accent1"/>
+          </a:effectRef>
+          <a:fontRef idx="minor">
+            <a:schemeClr val="lt1"/>
+          </a:fontRef>
+        </p:style>
+        <p:txBody>
+          <a:bodyPr rtlCol="0" anchor="ctr"/>
+          <a:lstStyle/>
+          <a:p>
+            <a:pPr algn="ctr"/>
+            <a:endParaRPr kumimoji="1" lang="ja-JP" altLang="en-US"/>
+          </a:p>
+        </p:txBody>
+      </p:sp>
+      <p:sp>
+        <p:nvSpPr>
+          <p:cNvPr id="55" name="正方形/長方形 54"/>
+          <p:cNvSpPr/>
+          <p:nvPr/>
+        </p:nvSpPr>
+        <p:spPr>
+          <a:xfrm>
+            <a:off x="783269" y="935182"/>
+            <a:ext cx="7575640" cy="5541817"/>
+          </a:xfrm>
+          <a:prstGeom prst="rect">
+            <a:avLst/>
+          </a:prstGeom>
+          <a:solidFill>
+            <a:schemeClr val="bg1">
+              <a:lumMod val="75000"/>
+              <a:alpha val="50000"/>
+            </a:schemeClr>
+          </a:solidFill>
+          <a:ln w="25400">
+            <a:solidFill>
+              <a:schemeClr val="tx1"/>
+            </a:solidFill>
+          </a:ln>
+          <a:effectLst/>
+        </p:spPr>
+        <p:style>
+          <a:lnRef idx="1">
+            <a:schemeClr val="accent1"/>
+          </a:lnRef>
+          <a:fillRef idx="3">
+            <a:schemeClr val="accent1"/>
+          </a:fillRef>
+          <a:effectRef idx="2">
+            <a:schemeClr val="accent1"/>
+          </a:effectRef>
+          <a:fontRef idx="minor">
+            <a:schemeClr val="lt1"/>
+          </a:fontRef>
+        </p:style>
+        <p:txBody>
+          <a:bodyPr rtlCol="0" anchor="ctr"/>
+          <a:lstStyle/>
+          <a:p>
+            <a:pPr algn="ctr"/>
+            <a:endParaRPr kumimoji="1" lang="ja-JP" altLang="en-US" sz="2800" dirty="0">
+              <a:solidFill>
+                <a:schemeClr val="tx1"/>
+              </a:solidFill>
+              <a:latin typeface="メイリオ"/>
+              <a:ea typeface="メイリオ"/>
+              <a:cs typeface="メイリオ"/>
+            </a:endParaRPr>
+          </a:p>
+        </p:txBody>
+      </p:sp>
+      <p:grpSp>
+        <p:nvGrpSpPr>
+          <p:cNvPr id="5" name="図形グループ 4"/>
+          <p:cNvGrpSpPr/>
+          <p:nvPr/>
+        </p:nvGrpSpPr>
+        <p:grpSpPr>
+          <a:xfrm>
+            <a:off x="3017146" y="2447634"/>
+            <a:ext cx="2989891" cy="875242"/>
+            <a:chOff x="3017146" y="2447634"/>
+            <a:chExt cx="2989891" cy="875242"/>
+          </a:xfrm>
+        </p:grpSpPr>
+        <p:grpSp>
+          <p:nvGrpSpPr>
+            <p:cNvPr id="6" name="図形グループ 5"/>
+            <p:cNvGrpSpPr/>
+            <p:nvPr/>
+          </p:nvGrpSpPr>
+          <p:grpSpPr>
+            <a:xfrm>
+              <a:off x="3017146" y="2447634"/>
+              <a:ext cx="2989891" cy="875242"/>
+              <a:chOff x="1834387" y="2031998"/>
+              <a:chExt cx="5525476" cy="1981328"/>
+            </a:xfrm>
+          </p:grpSpPr>
+          <p:sp>
+            <p:nvSpPr>
+              <p:cNvPr id="2" name="角丸四角形 1"/>
+              <p:cNvSpPr/>
+              <p:nvPr/>
+            </p:nvSpPr>
+            <p:spPr>
+              <a:xfrm>
+                <a:off x="1834387" y="2031998"/>
+                <a:ext cx="5525476" cy="1981328"/>
+              </a:xfrm>
+              <a:prstGeom prst="roundRect">
+                <a:avLst/>
+              </a:prstGeom>
+              <a:solidFill>
+                <a:schemeClr val="bg1"/>
+              </a:solidFill>
+              <a:ln>
+                <a:solidFill>
+                  <a:schemeClr val="tx1"/>
+                </a:solidFill>
+              </a:ln>
+            </p:spPr>
+            <p:style>
+              <a:lnRef idx="1">
+                <a:schemeClr val="accent1"/>
+              </a:lnRef>
+              <a:fillRef idx="3">
+                <a:schemeClr val="accent1"/>
+              </a:fillRef>
+              <a:effectRef idx="2">
+                <a:schemeClr val="accent1"/>
+              </a:effectRef>
+              <a:fontRef idx="minor">
+                <a:schemeClr val="lt1"/>
+              </a:fontRef>
+            </p:style>
+            <p:txBody>
+              <a:bodyPr rtlCol="0" anchor="ctr"/>
+              <a:lstStyle/>
+              <a:p>
+                <a:pPr algn="ctr"/>
+                <a:endParaRPr kumimoji="1" lang="ja-JP" altLang="en-US"/>
+              </a:p>
+            </p:txBody>
+          </p:sp>
+          <p:sp>
+            <p:nvSpPr>
+              <p:cNvPr id="27" name="角丸四角形 26"/>
+              <p:cNvSpPr/>
+              <p:nvPr/>
+            </p:nvSpPr>
+            <p:spPr>
+              <a:xfrm>
+                <a:off x="2935935" y="3094434"/>
+                <a:ext cx="1522149" cy="552982"/>
+              </a:xfrm>
+              <a:prstGeom prst="roundRect">
+                <a:avLst/>
+              </a:prstGeom>
+              <a:solidFill>
+                <a:schemeClr val="accent1">
+                  <a:lumMod val="40000"/>
+                  <a:lumOff val="60000"/>
+                </a:schemeClr>
+              </a:solidFill>
+              <a:ln w="25400">
+                <a:solidFill>
+                  <a:schemeClr val="accent1"/>
+                </a:solidFill>
+              </a:ln>
+              <a:effectLst/>
+            </p:spPr>
+            <p:style>
+              <a:lnRef idx="1">
+                <a:schemeClr val="accent1"/>
+              </a:lnRef>
+              <a:fillRef idx="3">
+                <a:schemeClr val="accent1"/>
+              </a:fillRef>
+              <a:effectRef idx="2">
+                <a:schemeClr val="accent1"/>
+              </a:effectRef>
+              <a:fontRef idx="minor">
+                <a:schemeClr val="lt1"/>
+              </a:fontRef>
+            </p:style>
+            <p:txBody>
+              <a:bodyPr rtlCol="0" anchor="ctr"/>
+              <a:lstStyle/>
+              <a:p>
+                <a:pPr algn="ctr"/>
+                <a:r>
+                  <a:rPr lang="ja-JP" altLang="en-US" sz="1200" dirty="0" smtClean="0">
+                    <a:solidFill>
+                      <a:schemeClr val="tx1"/>
+                    </a:solidFill>
+                    <a:latin typeface="メイリオ"/>
+                    <a:ea typeface="メイリオ"/>
+                    <a:cs typeface="メイリオ"/>
+                  </a:rPr>
+                  <a:t>はい</a:t>
+                </a:r>
+                <a:endParaRPr kumimoji="1" lang="ja-JP" altLang="en-US" sz="1200" dirty="0">
+                  <a:solidFill>
+                    <a:schemeClr val="tx1"/>
+                  </a:solidFill>
+                  <a:latin typeface="メイリオ"/>
+                  <a:ea typeface="メイリオ"/>
+                  <a:cs typeface="メイリオ"/>
+                </a:endParaRPr>
+              </a:p>
+            </p:txBody>
+          </p:sp>
+          <p:sp>
+            <p:nvSpPr>
+              <p:cNvPr id="44" name="テキスト ボックス 43"/>
+              <p:cNvSpPr txBox="1"/>
+              <p:nvPr/>
+            </p:nvSpPr>
+            <p:spPr>
+              <a:xfrm>
+                <a:off x="2058312" y="2119080"/>
+                <a:ext cx="1980029" cy="696730"/>
+              </a:xfrm>
+              <a:prstGeom prst="rect">
+                <a:avLst/>
+              </a:prstGeom>
+              <a:noFill/>
+            </p:spPr>
+            <p:txBody>
+              <a:bodyPr wrap="none" rtlCol="0">
+                <a:spAutoFit/>
+              </a:bodyPr>
+              <a:lstStyle/>
+              <a:p>
+                <a:r>
+                  <a:rPr lang="en-US" altLang="en-US" sz="1400" dirty="0" smtClean="0">
+                    <a:latin typeface="メイリオ"/>
+                    <a:ea typeface="メイリオ"/>
+                    <a:cs typeface="メイリオ"/>
+                  </a:rPr>
+                  <a:t>本当に削除しますか？</a:t>
+                </a:r>
+                <a:endParaRPr kumimoji="1" lang="ja-JP" altLang="en-US" sz="1400" dirty="0">
+                  <a:latin typeface="メイリオ"/>
+                  <a:ea typeface="メイリオ"/>
+                  <a:cs typeface="メイリオ"/>
+                </a:endParaRPr>
+              </a:p>
+            </p:txBody>
+          </p:sp>
+        </p:grpSp>
+        <p:sp>
+          <p:nvSpPr>
+            <p:cNvPr id="52" name="角丸四角形 51"/>
+            <p:cNvSpPr/>
+            <p:nvPr/>
+          </p:nvSpPr>
+          <p:spPr>
+            <a:xfrm>
+              <a:off x="4680034" y="2916960"/>
+              <a:ext cx="823650" cy="244277"/>
+            </a:xfrm>
+            <a:prstGeom prst="roundRect">
+              <a:avLst/>
+            </a:prstGeom>
+            <a:solidFill>
+              <a:schemeClr val="accent1">
+                <a:lumMod val="40000"/>
+                <a:lumOff val="60000"/>
+              </a:schemeClr>
+            </a:solidFill>
+            <a:ln w="25400">
+              <a:solidFill>
+                <a:schemeClr val="accent1"/>
+              </a:solidFill>
+            </a:ln>
+            <a:effectLst/>
+          </p:spPr>
+          <p:style>
+            <a:lnRef idx="1">
+              <a:schemeClr val="accent1"/>
+            </a:lnRef>
+            <a:fillRef idx="3">
+              <a:schemeClr val="accent1"/>
+            </a:fillRef>
+            <a:effectRef idx="2">
+              <a:schemeClr val="accent1"/>
+            </a:effectRef>
+            <a:fontRef idx="minor">
+              <a:schemeClr val="lt1"/>
+            </a:fontRef>
+          </p:style>
+          <p:txBody>
+            <a:bodyPr rtlCol="0" anchor="ctr"/>
+            <a:lstStyle/>
+            <a:p>
+              <a:pPr algn="ctr"/>
+              <a:r>
+                <a:rPr lang="ja-JP" altLang="en-US" sz="1200" dirty="0" smtClean="0">
+                  <a:solidFill>
+                    <a:schemeClr val="tx1"/>
+                  </a:solidFill>
+                  <a:latin typeface="メイリオ"/>
+                  <a:ea typeface="メイリオ"/>
+                  <a:cs typeface="メイリオ"/>
+                </a:rPr>
+                <a:t>いいえ</a:t>
+              </a:r>
+              <a:endParaRPr kumimoji="1" lang="ja-JP" altLang="en-US" sz="1200" dirty="0">
+                <a:solidFill>
+                  <a:schemeClr val="tx1"/>
+                </a:solidFill>
+                <a:latin typeface="メイリオ"/>
+                <a:ea typeface="メイリオ"/>
+                <a:cs typeface="メイリオ"/>
+              </a:endParaRPr>
+            </a:p>
+          </p:txBody>
+        </p:sp>
+      </p:grpSp>
+    </p:spTree>
+    <p:extLst>
+      <p:ext uri="{BB962C8B-B14F-4D97-AF65-F5344CB8AC3E}">
+        <p14:creationId xmlns:p14="http://schemas.microsoft.com/office/powerpoint/2010/main" val="2696243459"/>
       </p:ext>
     </p:extLst>
   </p:cSld>

--- a/bin/algieba.pptx
+++ b/bin/algieba.pptx
@@ -197,7 +197,7 @@
           <a:p>
             <a:fld id="{EE82FEE5-269B-9B49-A8C4-823C45BE6055}" type="datetimeFigureOut">
               <a:rPr kumimoji="1" lang="ja-JP" altLang="en-US" smtClean="0"/>
-              <a:t>17/07/02</a:t>
+              <a:t>17/07/29</a:t>
             </a:fld>
             <a:endParaRPr kumimoji="1" lang="ja-JP" altLang="en-US"/>
           </a:p>
@@ -1098,7 +1098,7 @@
           <a:p>
             <a:fld id="{3ABA01A1-4899-9944-833D-6A66CDE659CB}" type="datetimeFigureOut">
               <a:rPr kumimoji="1" lang="ja-JP" altLang="en-US" smtClean="0"/>
-              <a:t>17/07/02</a:t>
+              <a:t>17/07/29</a:t>
             </a:fld>
             <a:endParaRPr kumimoji="1" lang="ja-JP" altLang="en-US"/>
           </a:p>
@@ -1300,7 +1300,7 @@
           <a:p>
             <a:fld id="{3ABA01A1-4899-9944-833D-6A66CDE659CB}" type="datetimeFigureOut">
               <a:rPr kumimoji="1" lang="ja-JP" altLang="en-US" smtClean="0"/>
-              <a:t>17/07/02</a:t>
+              <a:t>17/07/29</a:t>
             </a:fld>
             <a:endParaRPr kumimoji="1" lang="ja-JP" altLang="en-US"/>
           </a:p>
@@ -1512,7 +1512,7 @@
           <a:p>
             <a:fld id="{3ABA01A1-4899-9944-833D-6A66CDE659CB}" type="datetimeFigureOut">
               <a:rPr kumimoji="1" lang="ja-JP" altLang="en-US" smtClean="0"/>
-              <a:t>17/07/02</a:t>
+              <a:t>17/07/29</a:t>
             </a:fld>
             <a:endParaRPr kumimoji="1" lang="ja-JP" altLang="en-US"/>
           </a:p>
@@ -1714,7 +1714,7 @@
           <a:p>
             <a:fld id="{3ABA01A1-4899-9944-833D-6A66CDE659CB}" type="datetimeFigureOut">
               <a:rPr kumimoji="1" lang="ja-JP" altLang="en-US" smtClean="0"/>
-              <a:t>17/07/02</a:t>
+              <a:t>17/07/29</a:t>
             </a:fld>
             <a:endParaRPr kumimoji="1" lang="ja-JP" altLang="en-US"/>
           </a:p>
@@ -1960,7 +1960,7 @@
           <a:p>
             <a:fld id="{3ABA01A1-4899-9944-833D-6A66CDE659CB}" type="datetimeFigureOut">
               <a:rPr kumimoji="1" lang="ja-JP" altLang="en-US" smtClean="0"/>
-              <a:t>17/07/02</a:t>
+              <a:t>17/07/29</a:t>
             </a:fld>
             <a:endParaRPr kumimoji="1" lang="ja-JP" altLang="en-US"/>
           </a:p>
@@ -2312,7 +2312,7 @@
           <a:p>
             <a:fld id="{3ABA01A1-4899-9944-833D-6A66CDE659CB}" type="datetimeFigureOut">
               <a:rPr kumimoji="1" lang="ja-JP" altLang="en-US" smtClean="0"/>
-              <a:t>17/07/02</a:t>
+              <a:t>17/07/29</a:t>
             </a:fld>
             <a:endParaRPr kumimoji="1" lang="ja-JP" altLang="en-US"/>
           </a:p>
@@ -2798,7 +2798,7 @@
           <a:p>
             <a:fld id="{3ABA01A1-4899-9944-833D-6A66CDE659CB}" type="datetimeFigureOut">
               <a:rPr kumimoji="1" lang="ja-JP" altLang="en-US" smtClean="0"/>
-              <a:t>17/07/02</a:t>
+              <a:t>17/07/29</a:t>
             </a:fld>
             <a:endParaRPr kumimoji="1" lang="ja-JP" altLang="en-US"/>
           </a:p>
@@ -2916,7 +2916,7 @@
           <a:p>
             <a:fld id="{3ABA01A1-4899-9944-833D-6A66CDE659CB}" type="datetimeFigureOut">
               <a:rPr kumimoji="1" lang="ja-JP" altLang="en-US" smtClean="0"/>
-              <a:t>17/07/02</a:t>
+              <a:t>17/07/29</a:t>
             </a:fld>
             <a:endParaRPr kumimoji="1" lang="ja-JP" altLang="en-US"/>
           </a:p>
@@ -3011,7 +3011,7 @@
           <a:p>
             <a:fld id="{3ABA01A1-4899-9944-833D-6A66CDE659CB}" type="datetimeFigureOut">
               <a:rPr kumimoji="1" lang="ja-JP" altLang="en-US" smtClean="0"/>
-              <a:t>17/07/02</a:t>
+              <a:t>17/07/29</a:t>
             </a:fld>
             <a:endParaRPr kumimoji="1" lang="ja-JP" altLang="en-US"/>
           </a:p>
@@ -3320,7 +3320,7 @@
           <a:p>
             <a:fld id="{3ABA01A1-4899-9944-833D-6A66CDE659CB}" type="datetimeFigureOut">
               <a:rPr kumimoji="1" lang="ja-JP" altLang="en-US" smtClean="0"/>
-              <a:t>17/07/02</a:t>
+              <a:t>17/07/29</a:t>
             </a:fld>
             <a:endParaRPr kumimoji="1" lang="ja-JP" altLang="en-US"/>
           </a:p>
@@ -3573,7 +3573,7 @@
           <a:p>
             <a:fld id="{3ABA01A1-4899-9944-833D-6A66CDE659CB}" type="datetimeFigureOut">
               <a:rPr kumimoji="1" lang="ja-JP" altLang="en-US" smtClean="0"/>
-              <a:t>17/07/02</a:t>
+              <a:t>17/07/29</a:t>
             </a:fld>
             <a:endParaRPr kumimoji="1" lang="ja-JP" altLang="en-US"/>
           </a:p>
@@ -3818,7 +3818,7 @@
           <a:p>
             <a:fld id="{3ABA01A1-4899-9944-833D-6A66CDE659CB}" type="datetimeFigureOut">
               <a:rPr kumimoji="1" lang="ja-JP" altLang="en-US" smtClean="0"/>
-              <a:t>17/07/02</a:t>
+              <a:t>17/07/29</a:t>
             </a:fld>
             <a:endParaRPr kumimoji="1" lang="ja-JP" altLang="en-US"/>
           </a:p>
@@ -4262,19 +4262,15 @@
             </a:r>
             <a:r>
               <a:rPr lang="en-US" altLang="ja-JP" sz="2800" dirty="0" smtClean="0"/>
-              <a:t>2017/</a:t>
+              <a:t>2017/07</a:t>
             </a:r>
             <a:r>
               <a:rPr lang="en-US" altLang="ja-JP" sz="2800" dirty="0" smtClean="0"/>
-              <a:t>07/</a:t>
-            </a:r>
-            <a:r>
-              <a:rPr lang="en-US" altLang="ja-JP" sz="2800" dirty="0"/>
-              <a:t>0</a:t>
+              <a:t>/</a:t>
             </a:r>
             <a:r>
               <a:rPr lang="en-US" altLang="ja-JP" sz="2800" dirty="0" smtClean="0"/>
-              <a:t>2</a:t>
+              <a:t>29</a:t>
             </a:r>
             <a:r>
               <a:rPr lang="en-US" altLang="ja-JP" sz="2800" dirty="0" smtClean="0"/>
@@ -4293,7 +4289,7 @@
             </a:r>
             <a:r>
               <a:rPr lang="en-US" altLang="ja-JP" sz="2800" dirty="0" smtClean="0"/>
-              <a:t>2.5.0</a:t>
+              <a:t>2.6.0</a:t>
             </a:r>
             <a:endParaRPr kumimoji="1" lang="ja-JP" altLang="en-US" dirty="0"/>
           </a:p>
@@ -4516,74 +4512,26 @@
                 <a:ea typeface="メイリオ"/>
                 <a:cs typeface="メイリオ"/>
               </a:rPr>
-              <a:t>画面上部の入力フォーム</a:t>
-            </a:r>
+              <a:t>画面上部の入力フォームから収支情報を入力する</a:t>
+            </a:r>
+            <a:endParaRPr lang="en-US" altLang="ja-JP" dirty="0">
+              <a:latin typeface="メイリオ"/>
+              <a:ea typeface="メイリオ"/>
+              <a:cs typeface="メイリオ"/>
+            </a:endParaRPr>
+          </a:p>
+          <a:p>
+            <a:pPr marL="742950" lvl="1" indent="-285750">
+              <a:buFont typeface="Arial"/>
+              <a:buChar char="•"/>
+            </a:pPr>
             <a:r>
               <a:rPr lang="ja-JP" altLang="en-US" dirty="0" smtClean="0">
                 <a:latin typeface="メイリオ"/>
                 <a:ea typeface="メイリオ"/>
                 <a:cs typeface="メイリオ"/>
               </a:rPr>
-              <a:t>から</a:t>
-            </a:r>
-            <a:r>
-              <a:rPr lang="ja-JP" altLang="en-US" dirty="0" smtClean="0">
-                <a:latin typeface="メイリオ"/>
-                <a:ea typeface="メイリオ"/>
-                <a:cs typeface="メイリオ"/>
-              </a:rPr>
-              <a:t>収支情報</a:t>
-            </a:r>
-            <a:r>
-              <a:rPr lang="ja-JP" altLang="en-US" dirty="0" smtClean="0">
-                <a:latin typeface="メイリオ"/>
-                <a:ea typeface="メイリオ"/>
-                <a:cs typeface="メイリオ"/>
-              </a:rPr>
-              <a:t>を</a:t>
-            </a:r>
-            <a:r>
-              <a:rPr lang="ja-JP" altLang="en-US" dirty="0" smtClean="0">
-                <a:latin typeface="メイリオ"/>
-                <a:ea typeface="メイリオ"/>
-                <a:cs typeface="メイリオ"/>
-              </a:rPr>
-              <a:t>入力する</a:t>
-            </a:r>
-            <a:endParaRPr lang="en-US" altLang="ja-JP" dirty="0">
-              <a:latin typeface="メイリオ"/>
-              <a:ea typeface="メイリオ"/>
-              <a:cs typeface="メイリオ"/>
-            </a:endParaRPr>
-          </a:p>
-          <a:p>
-            <a:pPr marL="742950" lvl="1" indent="-285750">
-              <a:buFont typeface="Arial"/>
-              <a:buChar char="•"/>
-            </a:pPr>
-            <a:r>
-              <a:rPr lang="ja-JP" altLang="en-US" dirty="0" smtClean="0">
-                <a:latin typeface="メイリオ"/>
-                <a:ea typeface="メイリオ"/>
-                <a:cs typeface="メイリオ"/>
-              </a:rPr>
-              <a:t>収支</a:t>
-            </a:r>
-            <a:r>
-              <a:rPr lang="ja-JP" altLang="en-US" dirty="0" smtClean="0">
-                <a:latin typeface="メイリオ"/>
-                <a:ea typeface="メイリオ"/>
-                <a:cs typeface="メイリオ"/>
-              </a:rPr>
-              <a:t>情報</a:t>
-            </a:r>
-            <a:r>
-              <a:rPr lang="ja-JP" altLang="en-US" dirty="0" smtClean="0">
-                <a:latin typeface="メイリオ"/>
-                <a:ea typeface="メイリオ"/>
-                <a:cs typeface="メイリオ"/>
-              </a:rPr>
-              <a:t>を入力後、登録ボタンを押す</a:t>
+              <a:t>収支情報を入力後、登録ボタンを押す</a:t>
             </a:r>
             <a:r>
               <a:rPr lang="ja-JP" altLang="en-US" dirty="0">
@@ -4599,47 +4547,7 @@
                 <a:ea typeface="メイリオ"/>
                 <a:cs typeface="メイリオ"/>
               </a:rPr>
-              <a:t>収支</a:t>
-            </a:r>
-            <a:r>
-              <a:rPr lang="ja-JP" altLang="en-US" dirty="0" smtClean="0">
-                <a:latin typeface="メイリオ"/>
-                <a:ea typeface="メイリオ"/>
-                <a:cs typeface="メイリオ"/>
-              </a:rPr>
-              <a:t>情報</a:t>
-            </a:r>
-            <a:r>
-              <a:rPr lang="ja-JP" altLang="en-US" dirty="0" smtClean="0">
-                <a:latin typeface="メイリオ"/>
-                <a:ea typeface="メイリオ"/>
-                <a:cs typeface="メイリオ"/>
-              </a:rPr>
-              <a:t>が</a:t>
-            </a:r>
-            <a:r>
-              <a:rPr lang="ja-JP" altLang="en-US" dirty="0" smtClean="0">
-                <a:latin typeface="メイリオ"/>
-                <a:ea typeface="メイリオ"/>
-                <a:cs typeface="メイリオ"/>
-              </a:rPr>
-              <a:t>登録</a:t>
-            </a:r>
-            <a:r>
-              <a:rPr lang="ja-JP" altLang="en-US" dirty="0" smtClean="0">
-                <a:latin typeface="メイリオ"/>
-                <a:ea typeface="メイリオ"/>
-                <a:cs typeface="メイリオ"/>
-              </a:rPr>
-              <a:t>され</a:t>
-            </a:r>
-            <a:r>
-              <a:rPr lang="ja-JP" altLang="en-US" dirty="0" smtClean="0">
-                <a:latin typeface="メイリオ"/>
-                <a:ea typeface="メイリオ"/>
-                <a:cs typeface="メイリオ"/>
-              </a:rPr>
-              <a:t>、表が</a:t>
+              <a:t>収支情報が登録され、表が</a:t>
             </a:r>
             <a:r>
               <a:rPr lang="en-US" altLang="ja-JP" dirty="0">
@@ -4708,15 +4616,7 @@
                 <a:ea typeface="メイリオ"/>
                 <a:cs typeface="メイリオ"/>
               </a:rPr>
-              <a:t>１ページ</a:t>
-            </a:r>
-            <a:r>
-              <a:rPr lang="ja-JP" altLang="en-US" dirty="0" smtClean="0">
-                <a:latin typeface="メイリオ"/>
-                <a:ea typeface="メイリオ"/>
-                <a:cs typeface="メイリオ"/>
-              </a:rPr>
-              <a:t>あたり</a:t>
+              <a:t>１ページあたり</a:t>
             </a:r>
             <a:r>
               <a:rPr lang="en-US" altLang="ja-JP" dirty="0" smtClean="0">
@@ -4732,23 +4632,7 @@
                 <a:ea typeface="メイリオ"/>
                 <a:cs typeface="メイリオ"/>
               </a:rPr>
-              <a:t>件の</a:t>
-            </a:r>
-            <a:r>
-              <a:rPr lang="ja-JP" altLang="en-US" dirty="0" smtClean="0">
-                <a:latin typeface="メイリオ"/>
-                <a:ea typeface="メイリオ"/>
-                <a:cs typeface="メイリオ"/>
-              </a:rPr>
-              <a:t>収支情報</a:t>
-            </a:r>
-            <a:r>
-              <a:rPr lang="ja-JP" altLang="en-US" dirty="0" smtClean="0">
-                <a:latin typeface="メイリオ"/>
-                <a:ea typeface="メイリオ"/>
-                <a:cs typeface="メイリオ"/>
-              </a:rPr>
-              <a:t>が</a:t>
+              <a:t>件の収支情報が</a:t>
             </a:r>
             <a:r>
               <a:rPr lang="ja-JP" altLang="en-US" dirty="0">
@@ -4818,82 +4702,26 @@
                 <a:ea typeface="メイリオ"/>
                 <a:cs typeface="メイリオ"/>
               </a:rPr>
-              <a:t>削除ボタンを押すと</a:t>
-            </a:r>
+              <a:t>削除ボタンを押すと、削除確認画面が表示される</a:t>
+            </a:r>
+            <a:endParaRPr lang="en-US" altLang="ja-JP" dirty="0" smtClean="0">
+              <a:latin typeface="メイリオ"/>
+              <a:ea typeface="メイリオ"/>
+              <a:cs typeface="メイリオ"/>
+            </a:endParaRPr>
+          </a:p>
+          <a:p>
+            <a:pPr marL="1200150" lvl="2" indent="-285750">
+              <a:buFont typeface="Arial"/>
+              <a:buChar char="•"/>
+            </a:pPr>
             <a:r>
               <a:rPr lang="ja-JP" altLang="en-US" dirty="0" smtClean="0">
                 <a:latin typeface="メイリオ"/>
                 <a:ea typeface="メイリオ"/>
                 <a:cs typeface="メイリオ"/>
               </a:rPr>
-              <a:t>、</a:t>
-            </a:r>
-            <a:r>
-              <a:rPr lang="ja-JP" altLang="en-US" dirty="0" smtClean="0">
-                <a:latin typeface="メイリオ"/>
-                <a:ea typeface="メイリオ"/>
-                <a:cs typeface="メイリオ"/>
-              </a:rPr>
-              <a:t>削除確認画面が表示される</a:t>
-            </a:r>
-            <a:endParaRPr lang="en-US" altLang="ja-JP" dirty="0" smtClean="0">
-              <a:latin typeface="メイリオ"/>
-              <a:ea typeface="メイリオ"/>
-              <a:cs typeface="メイリオ"/>
-            </a:endParaRPr>
-          </a:p>
-          <a:p>
-            <a:pPr marL="1200150" lvl="2" indent="-285750">
-              <a:buFont typeface="Arial"/>
-              <a:buChar char="•"/>
-            </a:pPr>
-            <a:r>
-              <a:rPr lang="ja-JP" altLang="en-US" dirty="0" smtClean="0">
-                <a:latin typeface="メイリオ"/>
-                <a:ea typeface="メイリオ"/>
-                <a:cs typeface="メイリオ"/>
-              </a:rPr>
-              <a:t>「はい」を選択すると</a:t>
-            </a:r>
-            <a:r>
-              <a:rPr lang="ja-JP" altLang="en-US" dirty="0" smtClean="0">
-                <a:latin typeface="メイリオ"/>
-                <a:ea typeface="メイリオ"/>
-                <a:cs typeface="メイリオ"/>
-              </a:rPr>
-              <a:t>対応する</a:t>
-            </a:r>
-            <a:r>
-              <a:rPr lang="ja-JP" altLang="en-US" dirty="0" smtClean="0">
-                <a:latin typeface="メイリオ"/>
-                <a:ea typeface="メイリオ"/>
-                <a:cs typeface="メイリオ"/>
-              </a:rPr>
-              <a:t>収支情報</a:t>
-            </a:r>
-            <a:r>
-              <a:rPr lang="ja-JP" altLang="en-US" dirty="0" smtClean="0">
-                <a:latin typeface="メイリオ"/>
-                <a:ea typeface="メイリオ"/>
-                <a:cs typeface="メイリオ"/>
-              </a:rPr>
-              <a:t>が</a:t>
-            </a:r>
-            <a:r>
-              <a:rPr lang="ja-JP" altLang="en-US" dirty="0" smtClean="0">
-                <a:latin typeface="メイリオ"/>
-                <a:ea typeface="メイリオ"/>
-                <a:cs typeface="メイリオ"/>
-              </a:rPr>
-              <a:t>削除</a:t>
-            </a:r>
-            <a:r>
-              <a:rPr lang="ja-JP" altLang="en-US" dirty="0" smtClean="0">
-                <a:latin typeface="メイリオ"/>
-                <a:ea typeface="メイリオ"/>
-                <a:cs typeface="メイリオ"/>
-              </a:rPr>
-              <a:t>される</a:t>
+              <a:t>「はい」を選択すると対応する収支情報が削除される</a:t>
             </a:r>
             <a:endParaRPr lang="en-US" altLang="ja-JP" dirty="0" smtClean="0">
               <a:latin typeface="メイリオ"/>
@@ -10160,15 +9988,7 @@
                 <a:ea typeface="メイリオ"/>
                 <a:cs typeface="メイリオ"/>
               </a:rPr>
-              <a:t>管理画面</a:t>
-            </a:r>
-            <a:r>
-              <a:rPr lang="ja-JP" altLang="en-US" sz="2800" dirty="0" smtClean="0">
-                <a:latin typeface="メイリオ"/>
-                <a:ea typeface="メイリオ"/>
-                <a:cs typeface="メイリオ"/>
-              </a:rPr>
-              <a:t>（</a:t>
+              <a:t>管理画面（</a:t>
             </a:r>
             <a:r>
               <a:rPr lang="en-US" altLang="en-US" sz="2800" dirty="0" smtClean="0">
@@ -10184,15 +10004,7 @@
                 <a:ea typeface="メイリオ"/>
                 <a:cs typeface="メイリオ"/>
               </a:rPr>
-              <a:t>時</a:t>
-            </a:r>
-            <a:r>
-              <a:rPr lang="ja-JP" altLang="en-US" sz="2800" dirty="0" smtClean="0">
-                <a:latin typeface="メイリオ"/>
-                <a:ea typeface="メイリオ"/>
-                <a:cs typeface="メイリオ"/>
-              </a:rPr>
-              <a:t>）</a:t>
+              <a:t>時）</a:t>
             </a:r>
             <a:endParaRPr kumimoji="1" lang="ja-JP" altLang="en-US" sz="2000" dirty="0">
               <a:latin typeface="メイリオ"/>
@@ -11247,7 +11059,7 @@
           <p:nvPr>
             <p:extLst>
               <p:ext uri="{D42A27DB-BD31-4B8C-83A1-F6EECF244321}">
-                <p14:modId xmlns:p14="http://schemas.microsoft.com/office/powerpoint/2010/main" val="1452285320"/>
+                <p14:modId xmlns:p14="http://schemas.microsoft.com/office/powerpoint/2010/main" val="1012184571"/>
               </p:ext>
             </p:extLst>
           </p:nvPr>
@@ -12371,22 +12183,17 @@
             </p:nvSpPr>
             <p:spPr>
               <a:xfrm>
-                <a:off x="2935935" y="3094434"/>
+                <a:off x="5667601" y="3225109"/>
                 <a:ext cx="1522149" cy="552982"/>
               </a:xfrm>
               <a:prstGeom prst="roundRect">
                 <a:avLst/>
               </a:prstGeom>
               <a:solidFill>
-                <a:schemeClr val="accent1">
-                  <a:lumMod val="40000"/>
-                  <a:lumOff val="60000"/>
-                </a:schemeClr>
+                <a:srgbClr val="008000"/>
               </a:solidFill>
               <a:ln w="25400">
-                <a:solidFill>
-                  <a:schemeClr val="accent1"/>
-                </a:solidFill>
+                <a:noFill/>
               </a:ln>
               <a:effectLst/>
             </p:spPr>
@@ -12412,7 +12219,7 @@
                 <a:r>
                   <a:rPr lang="ja-JP" altLang="en-US" sz="1200" dirty="0" smtClean="0">
                     <a:solidFill>
-                      <a:schemeClr val="tx1"/>
+                      <a:srgbClr val="FFFFFF"/>
                     </a:solidFill>
                     <a:latin typeface="メイリオ"/>
                     <a:ea typeface="メイリオ"/>
@@ -12422,7 +12229,7 @@
                 </a:r>
                 <a:endParaRPr kumimoji="1" lang="ja-JP" altLang="en-US" sz="1200" dirty="0">
                   <a:solidFill>
-                    <a:schemeClr val="tx1"/>
+                    <a:srgbClr val="FFFFFF"/>
                   </a:solidFill>
                   <a:latin typeface="メイリオ"/>
                   <a:ea typeface="メイリオ"/>
@@ -12478,22 +12285,17 @@
           </p:nvSpPr>
           <p:spPr>
             <a:xfrm>
-              <a:off x="4680034" y="2916960"/>
+              <a:off x="4172054" y="2974685"/>
               <a:ext cx="823650" cy="244277"/>
             </a:xfrm>
             <a:prstGeom prst="roundRect">
               <a:avLst/>
             </a:prstGeom>
             <a:solidFill>
-              <a:schemeClr val="accent1">
-                <a:lumMod val="40000"/>
-                <a:lumOff val="60000"/>
-              </a:schemeClr>
+              <a:srgbClr val="FF0000"/>
             </a:solidFill>
             <a:ln w="25400">
-              <a:solidFill>
-                <a:schemeClr val="accent1"/>
-              </a:solidFill>
+              <a:noFill/>
             </a:ln>
             <a:effectLst/>
           </p:spPr>
@@ -12519,7 +12321,7 @@
               <a:r>
                 <a:rPr lang="ja-JP" altLang="en-US" sz="1200" dirty="0" smtClean="0">
                   <a:solidFill>
-                    <a:schemeClr val="tx1"/>
+                    <a:schemeClr val="bg1"/>
                   </a:solidFill>
                   <a:latin typeface="メイリオ"/>
                   <a:ea typeface="メイリオ"/>
@@ -12529,7 +12331,7 @@
               </a:r>
               <a:endParaRPr kumimoji="1" lang="ja-JP" altLang="en-US" sz="1200" dirty="0">
                 <a:solidFill>
-                  <a:schemeClr val="tx1"/>
+                  <a:schemeClr val="bg1"/>
                 </a:solidFill>
                 <a:latin typeface="メイリオ"/>
                 <a:ea typeface="メイリオ"/>
@@ -12539,6 +12341,47 @@
           </p:txBody>
         </p:sp>
       </p:grpSp>
+      <p:cxnSp>
+        <p:nvCxnSpPr>
+          <p:cNvPr id="43" name="直線コネクタ 42"/>
+          <p:cNvCxnSpPr>
+            <a:stCxn id="2" idx="1"/>
+            <a:endCxn id="2" idx="3"/>
+          </p:cNvCxnSpPr>
+          <p:nvPr/>
+        </p:nvCxnSpPr>
+        <p:spPr>
+          <a:xfrm>
+            <a:off x="3017146" y="2885255"/>
+            <a:ext cx="2989891" cy="0"/>
+          </a:xfrm>
+          <a:prstGeom prst="line">
+            <a:avLst/>
+          </a:prstGeom>
+          <a:ln>
+            <a:solidFill>
+              <a:schemeClr val="bg1">
+                <a:lumMod val="65000"/>
+              </a:schemeClr>
+            </a:solidFill>
+          </a:ln>
+          <a:effectLst/>
+        </p:spPr>
+        <p:style>
+          <a:lnRef idx="2">
+            <a:schemeClr val="accent1"/>
+          </a:lnRef>
+          <a:fillRef idx="0">
+            <a:schemeClr val="accent1"/>
+          </a:fillRef>
+          <a:effectRef idx="1">
+            <a:schemeClr val="accent1"/>
+          </a:effectRef>
+          <a:fontRef idx="minor">
+            <a:schemeClr val="tx1"/>
+          </a:fontRef>
+        </p:style>
+      </p:cxnSp>
     </p:spTree>
     <p:extLst>
       <p:ext uri="{BB962C8B-B14F-4D97-AF65-F5344CB8AC3E}">

--- a/bin/algieba.pptx
+++ b/bin/algieba.pptx
@@ -5,7 +5,7 @@
     <p:sldMasterId id="2147483648" r:id="rId1"/>
   </p:sldMasterIdLst>
   <p:notesMasterIdLst>
-    <p:notesMasterId r:id="rId7"/>
+    <p:notesMasterId r:id="rId8"/>
   </p:notesMasterIdLst>
   <p:sldIdLst>
     <p:sldId id="256" r:id="rId2"/>
@@ -13,6 +13,7 @@
     <p:sldId id="266" r:id="rId4"/>
     <p:sldId id="265" r:id="rId5"/>
     <p:sldId id="267" r:id="rId6"/>
+    <p:sldId id="268" r:id="rId7"/>
   </p:sldIdLst>
   <p:sldSz cx="9144000" cy="6858000" type="screen4x3"/>
   <p:notesSz cx="6858000" cy="9144000"/>
@@ -196,7 +197,7 @@
           <a:p>
             <a:fld id="{EE82FEE5-269B-9B49-A8C4-823C45BE6055}" type="datetimeFigureOut">
               <a:rPr kumimoji="1" lang="ja-JP" altLang="en-US" smtClean="0"/>
-              <a:t>17/02/12</a:t>
+              <a:t>17/07/29</a:t>
             </a:fld>
             <a:endParaRPr kumimoji="1" lang="ja-JP" altLang="en-US"/>
           </a:p>
@@ -832,6 +833,90 @@
 </p:notes>
 </file>
 
+<file path=ppt/notesSlides/notesSlide5.xml><?xml version="1.0" encoding="utf-8"?>
+<p:notes xmlns:a="http://schemas.openxmlformats.org/drawingml/2006/main" xmlns:r="http://schemas.openxmlformats.org/officeDocument/2006/relationships" xmlns:p="http://schemas.openxmlformats.org/presentationml/2006/main">
+  <p:cSld>
+    <p:spTree>
+      <p:nvGrpSpPr>
+        <p:cNvPr id="1" name=""/>
+        <p:cNvGrpSpPr/>
+        <p:nvPr/>
+      </p:nvGrpSpPr>
+      <p:grpSpPr>
+        <a:xfrm>
+          <a:off x="0" y="0"/>
+          <a:ext cx="0" cy="0"/>
+          <a:chOff x="0" y="0"/>
+          <a:chExt cx="0" cy="0"/>
+        </a:xfrm>
+      </p:grpSpPr>
+      <p:sp>
+        <p:nvSpPr>
+          <p:cNvPr id="2" name="スライド イメージ プレースホルダー 1"/>
+          <p:cNvSpPr>
+            <a:spLocks noGrp="1" noRot="1" noChangeAspect="1"/>
+          </p:cNvSpPr>
+          <p:nvPr>
+            <p:ph type="sldImg"/>
+          </p:nvPr>
+        </p:nvSpPr>
+        <p:spPr/>
+      </p:sp>
+      <p:sp>
+        <p:nvSpPr>
+          <p:cNvPr id="3" name="ノート プレースホルダー 2"/>
+          <p:cNvSpPr>
+            <a:spLocks noGrp="1"/>
+          </p:cNvSpPr>
+          <p:nvPr>
+            <p:ph type="body" idx="1"/>
+          </p:nvPr>
+        </p:nvSpPr>
+        <p:spPr/>
+        <p:txBody>
+          <a:bodyPr/>
+          <a:lstStyle/>
+          <a:p>
+            <a:endParaRPr kumimoji="1" lang="ja-JP" altLang="en-US" dirty="0"/>
+          </a:p>
+        </p:txBody>
+      </p:sp>
+      <p:sp>
+        <p:nvSpPr>
+          <p:cNvPr id="4" name="スライド番号プレースホルダー 3"/>
+          <p:cNvSpPr>
+            <a:spLocks noGrp="1"/>
+          </p:cNvSpPr>
+          <p:nvPr>
+            <p:ph type="sldNum" sz="quarter" idx="10"/>
+          </p:nvPr>
+        </p:nvSpPr>
+        <p:spPr/>
+        <p:txBody>
+          <a:bodyPr/>
+          <a:lstStyle/>
+          <a:p>
+            <a:fld id="{A9E1B25B-30E5-7A42-A56A-DF1A6F86BC06}" type="slidenum">
+              <a:rPr kumimoji="1" lang="ja-JP" altLang="en-US" smtClean="0"/>
+              <a:t>6</a:t>
+            </a:fld>
+            <a:endParaRPr kumimoji="1" lang="ja-JP" altLang="en-US"/>
+          </a:p>
+        </p:txBody>
+      </p:sp>
+    </p:spTree>
+    <p:extLst>
+      <p:ext uri="{BB962C8B-B14F-4D97-AF65-F5344CB8AC3E}">
+        <p14:creationId xmlns:p14="http://schemas.microsoft.com/office/powerpoint/2010/main" val="3631066132"/>
+      </p:ext>
+    </p:extLst>
+  </p:cSld>
+  <p:clrMapOvr>
+    <a:masterClrMapping/>
+  </p:clrMapOvr>
+</p:notes>
+</file>
+
 <file path=ppt/slideLayouts/slideLayout1.xml><?xml version="1.0" encoding="utf-8"?>
 <p:sldLayout xmlns:a="http://schemas.openxmlformats.org/drawingml/2006/main" xmlns:r="http://schemas.openxmlformats.org/officeDocument/2006/relationships" xmlns:p="http://schemas.openxmlformats.org/presentationml/2006/main" type="title" preserve="1">
   <p:cSld name="タイトル スライド">
@@ -1013,7 +1098,7 @@
           <a:p>
             <a:fld id="{3ABA01A1-4899-9944-833D-6A66CDE659CB}" type="datetimeFigureOut">
               <a:rPr kumimoji="1" lang="ja-JP" altLang="en-US" smtClean="0"/>
-              <a:t>17/02/12</a:t>
+              <a:t>17/07/29</a:t>
             </a:fld>
             <a:endParaRPr kumimoji="1" lang="ja-JP" altLang="en-US"/>
           </a:p>
@@ -1215,7 +1300,7 @@
           <a:p>
             <a:fld id="{3ABA01A1-4899-9944-833D-6A66CDE659CB}" type="datetimeFigureOut">
               <a:rPr kumimoji="1" lang="ja-JP" altLang="en-US" smtClean="0"/>
-              <a:t>17/02/12</a:t>
+              <a:t>17/07/29</a:t>
             </a:fld>
             <a:endParaRPr kumimoji="1" lang="ja-JP" altLang="en-US"/>
           </a:p>
@@ -1427,7 +1512,7 @@
           <a:p>
             <a:fld id="{3ABA01A1-4899-9944-833D-6A66CDE659CB}" type="datetimeFigureOut">
               <a:rPr kumimoji="1" lang="ja-JP" altLang="en-US" smtClean="0"/>
-              <a:t>17/02/12</a:t>
+              <a:t>17/07/29</a:t>
             </a:fld>
             <a:endParaRPr kumimoji="1" lang="ja-JP" altLang="en-US"/>
           </a:p>
@@ -1629,7 +1714,7 @@
           <a:p>
             <a:fld id="{3ABA01A1-4899-9944-833D-6A66CDE659CB}" type="datetimeFigureOut">
               <a:rPr kumimoji="1" lang="ja-JP" altLang="en-US" smtClean="0"/>
-              <a:t>17/02/12</a:t>
+              <a:t>17/07/29</a:t>
             </a:fld>
             <a:endParaRPr kumimoji="1" lang="ja-JP" altLang="en-US"/>
           </a:p>
@@ -1875,7 +1960,7 @@
           <a:p>
             <a:fld id="{3ABA01A1-4899-9944-833D-6A66CDE659CB}" type="datetimeFigureOut">
               <a:rPr kumimoji="1" lang="ja-JP" altLang="en-US" smtClean="0"/>
-              <a:t>17/02/12</a:t>
+              <a:t>17/07/29</a:t>
             </a:fld>
             <a:endParaRPr kumimoji="1" lang="ja-JP" altLang="en-US"/>
           </a:p>
@@ -2227,7 +2312,7 @@
           <a:p>
             <a:fld id="{3ABA01A1-4899-9944-833D-6A66CDE659CB}" type="datetimeFigureOut">
               <a:rPr kumimoji="1" lang="ja-JP" altLang="en-US" smtClean="0"/>
-              <a:t>17/02/12</a:t>
+              <a:t>17/07/29</a:t>
             </a:fld>
             <a:endParaRPr kumimoji="1" lang="ja-JP" altLang="en-US"/>
           </a:p>
@@ -2713,7 +2798,7 @@
           <a:p>
             <a:fld id="{3ABA01A1-4899-9944-833D-6A66CDE659CB}" type="datetimeFigureOut">
               <a:rPr kumimoji="1" lang="ja-JP" altLang="en-US" smtClean="0"/>
-              <a:t>17/02/12</a:t>
+              <a:t>17/07/29</a:t>
             </a:fld>
             <a:endParaRPr kumimoji="1" lang="ja-JP" altLang="en-US"/>
           </a:p>
@@ -2831,7 +2916,7 @@
           <a:p>
             <a:fld id="{3ABA01A1-4899-9944-833D-6A66CDE659CB}" type="datetimeFigureOut">
               <a:rPr kumimoji="1" lang="ja-JP" altLang="en-US" smtClean="0"/>
-              <a:t>17/02/12</a:t>
+              <a:t>17/07/29</a:t>
             </a:fld>
             <a:endParaRPr kumimoji="1" lang="ja-JP" altLang="en-US"/>
           </a:p>
@@ -2926,7 +3011,7 @@
           <a:p>
             <a:fld id="{3ABA01A1-4899-9944-833D-6A66CDE659CB}" type="datetimeFigureOut">
               <a:rPr kumimoji="1" lang="ja-JP" altLang="en-US" smtClean="0"/>
-              <a:t>17/02/12</a:t>
+              <a:t>17/07/29</a:t>
             </a:fld>
             <a:endParaRPr kumimoji="1" lang="ja-JP" altLang="en-US"/>
           </a:p>
@@ -3235,7 +3320,7 @@
           <a:p>
             <a:fld id="{3ABA01A1-4899-9944-833D-6A66CDE659CB}" type="datetimeFigureOut">
               <a:rPr kumimoji="1" lang="ja-JP" altLang="en-US" smtClean="0"/>
-              <a:t>17/02/12</a:t>
+              <a:t>17/07/29</a:t>
             </a:fld>
             <a:endParaRPr kumimoji="1" lang="ja-JP" altLang="en-US"/>
           </a:p>
@@ -3488,7 +3573,7 @@
           <a:p>
             <a:fld id="{3ABA01A1-4899-9944-833D-6A66CDE659CB}" type="datetimeFigureOut">
               <a:rPr kumimoji="1" lang="ja-JP" altLang="en-US" smtClean="0"/>
-              <a:t>17/02/12</a:t>
+              <a:t>17/07/29</a:t>
             </a:fld>
             <a:endParaRPr kumimoji="1" lang="ja-JP" altLang="en-US"/>
           </a:p>
@@ -3733,7 +3818,7 @@
           <a:p>
             <a:fld id="{3ABA01A1-4899-9944-833D-6A66CDE659CB}" type="datetimeFigureOut">
               <a:rPr kumimoji="1" lang="ja-JP" altLang="en-US" smtClean="0"/>
-              <a:t>17/02/12</a:t>
+              <a:t>17/07/29</a:t>
             </a:fld>
             <a:endParaRPr kumimoji="1" lang="ja-JP" altLang="en-US"/>
           </a:p>
@@ -4177,7 +4262,15 @@
             </a:r>
             <a:r>
               <a:rPr lang="en-US" altLang="ja-JP" sz="2800" dirty="0" smtClean="0"/>
-              <a:t>2017/02/12</a:t>
+              <a:t>2017/07</a:t>
+            </a:r>
+            <a:r>
+              <a:rPr lang="en-US" altLang="ja-JP" sz="2800" dirty="0" smtClean="0"/>
+              <a:t>/</a:t>
+            </a:r>
+            <a:r>
+              <a:rPr lang="en-US" altLang="ja-JP" sz="2800" dirty="0" smtClean="0"/>
+              <a:t>29</a:t>
             </a:r>
             <a:r>
               <a:rPr lang="en-US" altLang="ja-JP" sz="2800" dirty="0" smtClean="0"/>
@@ -4196,7 +4289,7 @@
             </a:r>
             <a:r>
               <a:rPr lang="en-US" altLang="ja-JP" sz="2800" dirty="0" smtClean="0"/>
-              <a:t>2.4.0</a:t>
+              <a:t>2.6.0</a:t>
             </a:r>
             <a:endParaRPr kumimoji="1" lang="ja-JP" altLang="en-US" dirty="0"/>
           </a:p>
@@ -4279,7 +4372,7 @@
         <p:spPr>
           <a:xfrm>
             <a:off x="646545" y="969818"/>
-            <a:ext cx="7378943" cy="3970318"/>
+            <a:ext cx="8071440" cy="4524316"/>
           </a:xfrm>
           <a:prstGeom prst="rect">
             <a:avLst/>
@@ -4419,7 +4512,7 @@
                 <a:ea typeface="メイリオ"/>
                 <a:cs typeface="メイリオ"/>
               </a:rPr>
-              <a:t>画面上部の入力フォームから家計簿を入力する</a:t>
+              <a:t>画面上部の入力フォームから収支情報を入力する</a:t>
             </a:r>
             <a:endParaRPr lang="en-US" altLang="ja-JP" dirty="0">
               <a:latin typeface="メイリオ"/>
@@ -4438,7 +4531,46 @@
                 <a:ea typeface="メイリオ"/>
                 <a:cs typeface="メイリオ"/>
               </a:rPr>
-              <a:t>家計簿情報を入力後、登録ボタンを押すと家計簿が登録される</a:t>
+              <a:t>収支情報を入力後、登録ボタンを押す</a:t>
+            </a:r>
+            <a:r>
+              <a:rPr lang="ja-JP" altLang="en-US" dirty="0">
+                <a:latin typeface="メイリオ"/>
+                <a:ea typeface="メイリオ"/>
+                <a:cs typeface="メイリオ"/>
+              </a:rPr>
+              <a:t>と</a:t>
+            </a:r>
+            <a:r>
+              <a:rPr lang="ja-JP" altLang="en-US" dirty="0" smtClean="0">
+                <a:latin typeface="メイリオ"/>
+                <a:ea typeface="メイリオ"/>
+                <a:cs typeface="メイリオ"/>
+              </a:rPr>
+              <a:t>収支情報が登録され、表が</a:t>
+            </a:r>
+            <a:r>
+              <a:rPr lang="en-US" altLang="ja-JP" dirty="0">
+                <a:latin typeface="メイリオ"/>
+                <a:ea typeface="メイリオ"/>
+                <a:cs typeface="メイリオ"/>
+              </a:rPr>
+              <a:t/>
+            </a:r>
+            <a:br>
+              <a:rPr lang="en-US" altLang="ja-JP" dirty="0">
+                <a:latin typeface="メイリオ"/>
+                <a:ea typeface="メイリオ"/>
+                <a:cs typeface="メイリオ"/>
+              </a:rPr>
+            </a:br>
+            <a:r>
+              <a:rPr lang="ja-JP" altLang="en-US" dirty="0" smtClean="0">
+                <a:latin typeface="メイリオ"/>
+                <a:ea typeface="メイリオ"/>
+                <a:cs typeface="メイリオ"/>
+              </a:rPr>
+              <a:t>更新される</a:t>
             </a:r>
             <a:endParaRPr lang="en-US" altLang="ja-JP" dirty="0" smtClean="0">
               <a:latin typeface="メイリオ"/>
@@ -4452,12 +4584,20 @@
               <a:buChar char="•"/>
             </a:pPr>
             <a:r>
+              <a:rPr lang="ja-JP" altLang="en-US" dirty="0">
+                <a:latin typeface="メイリオ"/>
+                <a:ea typeface="メイリオ"/>
+                <a:cs typeface="メイリオ"/>
+              </a:rPr>
+              <a:t>収支情報</a:t>
+            </a:r>
+            <a:r>
               <a:rPr lang="ja-JP" altLang="en-US" dirty="0" smtClean="0">
                 <a:latin typeface="メイリオ"/>
                 <a:ea typeface="メイリオ"/>
                 <a:cs typeface="メイリオ"/>
               </a:rPr>
-              <a:t>家計簿情報が不正な場合、エラーを通知する</a:t>
+              <a:t>が不正な場合、エラーを通知する</a:t>
             </a:r>
             <a:endParaRPr lang="en-US" altLang="ja-JP" dirty="0" smtClean="0">
               <a:latin typeface="メイリオ"/>
@@ -4476,26 +4616,23 @@
                 <a:ea typeface="メイリオ"/>
                 <a:cs typeface="メイリオ"/>
               </a:rPr>
-              <a:t>登録成功時、画面遷移なしで家計簿表の上部に表示される</a:t>
-            </a:r>
-            <a:endParaRPr lang="en-US" altLang="ja-JP" dirty="0">
-              <a:latin typeface="メイリオ"/>
-              <a:ea typeface="メイリオ"/>
-              <a:cs typeface="メイリオ"/>
-            </a:endParaRPr>
-          </a:p>
-          <a:p>
-            <a:pPr marL="742950" lvl="1" indent="-285750">
-              <a:buFont typeface="Arial"/>
-              <a:buChar char="•"/>
-            </a:pPr>
+              <a:t>１ページあたり</a:t>
+            </a:r>
+            <a:r>
+              <a:rPr lang="en-US" altLang="ja-JP" dirty="0" smtClean="0">
+                <a:latin typeface="メイリオ"/>
+                <a:ea typeface="メイリオ"/>
+                <a:cs typeface="メイリオ"/>
+              </a:rPr>
+              <a:t>50</a:t>
+            </a:r>
             <a:r>
               <a:rPr lang="ja-JP" altLang="en-US" dirty="0" smtClean="0">
                 <a:latin typeface="メイリオ"/>
                 <a:ea typeface="メイリオ"/>
                 <a:cs typeface="メイリオ"/>
               </a:rPr>
-              <a:t>１ページ</a:t>
+              <a:t>件の収支情報が</a:t>
             </a:r>
             <a:r>
               <a:rPr lang="ja-JP" altLang="en-US" dirty="0">
@@ -4503,23 +4640,7 @@
                 <a:ea typeface="メイリオ"/>
                 <a:cs typeface="メイリオ"/>
               </a:rPr>
-              <a:t>に</a:t>
-            </a:r>
-            <a:r>
-              <a:rPr lang="en-US" altLang="ja-JP" dirty="0">
-                <a:latin typeface="メイリオ"/>
-                <a:ea typeface="メイリオ"/>
-                <a:cs typeface="メイリオ"/>
-              </a:rPr>
-              <a:t>50</a:t>
-            </a:r>
-            <a:r>
-              <a:rPr lang="ja-JP" altLang="en-US" dirty="0">
-                <a:latin typeface="メイリオ"/>
-                <a:ea typeface="メイリオ"/>
-                <a:cs typeface="メイリオ"/>
-              </a:rPr>
-              <a:t>件の家計簿が表示</a:t>
+              <a:t>表示</a:t>
             </a:r>
             <a:r>
               <a:rPr lang="ja-JP" altLang="en-US" dirty="0" smtClean="0">
@@ -4581,7 +4702,45 @@
                 <a:ea typeface="メイリオ"/>
                 <a:cs typeface="メイリオ"/>
               </a:rPr>
-              <a:t>削除ボタンを押すと、対応する家計簿が削除される</a:t>
+              <a:t>削除ボタンを押すと、削除確認画面が表示される</a:t>
+            </a:r>
+            <a:endParaRPr lang="en-US" altLang="ja-JP" dirty="0" smtClean="0">
+              <a:latin typeface="メイリオ"/>
+              <a:ea typeface="メイリオ"/>
+              <a:cs typeface="メイリオ"/>
+            </a:endParaRPr>
+          </a:p>
+          <a:p>
+            <a:pPr marL="1200150" lvl="2" indent="-285750">
+              <a:buFont typeface="Arial"/>
+              <a:buChar char="•"/>
+            </a:pPr>
+            <a:r>
+              <a:rPr lang="ja-JP" altLang="en-US" dirty="0" smtClean="0">
+                <a:latin typeface="メイリオ"/>
+                <a:ea typeface="メイリオ"/>
+                <a:cs typeface="メイリオ"/>
+              </a:rPr>
+              <a:t>「はい」を選択すると対応する収支情報が削除される</a:t>
+            </a:r>
+            <a:endParaRPr lang="en-US" altLang="ja-JP" dirty="0" smtClean="0">
+              <a:latin typeface="メイリオ"/>
+              <a:ea typeface="メイリオ"/>
+              <a:cs typeface="メイリオ"/>
+            </a:endParaRPr>
+          </a:p>
+          <a:p>
+            <a:pPr marL="1200150" lvl="2" indent="-285750">
+              <a:buFont typeface="Arial"/>
+              <a:buChar char="•"/>
+            </a:pPr>
+            <a:r>
+              <a:rPr lang="ja-JP" altLang="en-US" dirty="0" smtClean="0">
+                <a:latin typeface="メイリオ"/>
+                <a:ea typeface="メイリオ"/>
+                <a:cs typeface="メイリオ"/>
+              </a:rPr>
+              <a:t>「いいえ」を選択すると管理画面に戻る</a:t>
             </a:r>
             <a:endParaRPr lang="ja-JP" altLang="en-US" dirty="0">
               <a:latin typeface="メイリオ"/>
@@ -9775,6 +9934,2458 @@
     <p:extLst>
       <p:ext uri="{BB962C8B-B14F-4D97-AF65-F5344CB8AC3E}">
         <p14:creationId xmlns:p14="http://schemas.microsoft.com/office/powerpoint/2010/main" val="4276026136"/>
+      </p:ext>
+    </p:extLst>
+  </p:cSld>
+  <p:clrMapOvr>
+    <a:masterClrMapping/>
+  </p:clrMapOvr>
+</p:sld>
+</file>
+
+<file path=ppt/slides/slide6.xml><?xml version="1.0" encoding="utf-8"?>
+<p:sld xmlns:a="http://schemas.openxmlformats.org/drawingml/2006/main" xmlns:r="http://schemas.openxmlformats.org/officeDocument/2006/relationships" xmlns:p="http://schemas.openxmlformats.org/presentationml/2006/main">
+  <p:cSld>
+    <p:spTree>
+      <p:nvGrpSpPr>
+        <p:cNvPr id="1" name=""/>
+        <p:cNvGrpSpPr/>
+        <p:nvPr/>
+      </p:nvGrpSpPr>
+      <p:grpSpPr>
+        <a:xfrm>
+          <a:off x="0" y="0"/>
+          <a:ext cx="0" cy="0"/>
+          <a:chOff x="0" y="0"/>
+          <a:chExt cx="0" cy="0"/>
+        </a:xfrm>
+      </p:grpSpPr>
+      <p:sp>
+        <p:nvSpPr>
+          <p:cNvPr id="4" name="テキスト ボックス 3"/>
+          <p:cNvSpPr txBox="1"/>
+          <p:nvPr/>
+        </p:nvSpPr>
+        <p:spPr>
+          <a:xfrm>
+            <a:off x="200532" y="187161"/>
+            <a:ext cx="4134465" cy="523220"/>
+          </a:xfrm>
+          <a:prstGeom prst="rect">
+            <a:avLst/>
+          </a:prstGeom>
+          <a:noFill/>
+        </p:spPr>
+        <p:txBody>
+          <a:bodyPr wrap="none" rtlCol="0">
+            <a:spAutoFit/>
+          </a:bodyPr>
+          <a:lstStyle/>
+          <a:p>
+            <a:r>
+              <a:rPr lang="ja-JP" altLang="en-US" sz="2800" dirty="0" smtClean="0">
+                <a:latin typeface="メイリオ"/>
+                <a:ea typeface="メイリオ"/>
+                <a:cs typeface="メイリオ"/>
+              </a:rPr>
+              <a:t>管理画面（</a:t>
+            </a:r>
+            <a:r>
+              <a:rPr lang="en-US" altLang="en-US" sz="2800" dirty="0" smtClean="0">
+                <a:latin typeface="メイリオ"/>
+                <a:ea typeface="メイリオ"/>
+                <a:cs typeface="メイリオ"/>
+              </a:rPr>
+              <a:t>削除確認</a:t>
+            </a:r>
+            <a:r>
+              <a:rPr lang="ja-JP" altLang="en-US" sz="2800" dirty="0" smtClean="0">
+                <a:latin typeface="メイリオ"/>
+                <a:ea typeface="メイリオ"/>
+                <a:cs typeface="メイリオ"/>
+              </a:rPr>
+              <a:t>時）</a:t>
+            </a:r>
+            <a:endParaRPr kumimoji="1" lang="ja-JP" altLang="en-US" sz="2000" dirty="0">
+              <a:latin typeface="メイリオ"/>
+              <a:ea typeface="メイリオ"/>
+              <a:cs typeface="メイリオ"/>
+            </a:endParaRPr>
+          </a:p>
+        </p:txBody>
+      </p:sp>
+      <p:sp>
+        <p:nvSpPr>
+          <p:cNvPr id="64" name="テキスト ボックス 63"/>
+          <p:cNvSpPr txBox="1"/>
+          <p:nvPr/>
+        </p:nvSpPr>
+        <p:spPr>
+          <a:xfrm>
+            <a:off x="4124211" y="1630084"/>
+            <a:ext cx="296175" cy="307777"/>
+          </a:xfrm>
+          <a:prstGeom prst="rect">
+            <a:avLst/>
+          </a:prstGeom>
+          <a:noFill/>
+        </p:spPr>
+        <p:txBody>
+          <a:bodyPr wrap="none" rtlCol="0">
+            <a:spAutoFit/>
+          </a:bodyPr>
+          <a:lstStyle/>
+          <a:p>
+            <a:r>
+              <a:rPr lang="en-US" altLang="ja-JP" sz="1400" dirty="0">
+                <a:latin typeface="メイリオ"/>
+                <a:ea typeface="メイリオ"/>
+                <a:cs typeface="メイリオ"/>
+              </a:rPr>
+              <a:t>1</a:t>
+            </a:r>
+            <a:endParaRPr kumimoji="1" lang="ja-JP" altLang="en-US" sz="1400" dirty="0">
+              <a:latin typeface="メイリオ"/>
+              <a:ea typeface="メイリオ"/>
+              <a:cs typeface="メイリオ"/>
+            </a:endParaRPr>
+          </a:p>
+        </p:txBody>
+      </p:sp>
+      <p:sp>
+        <p:nvSpPr>
+          <p:cNvPr id="65" name="テキスト ボックス 64"/>
+          <p:cNvSpPr txBox="1"/>
+          <p:nvPr/>
+        </p:nvSpPr>
+        <p:spPr>
+          <a:xfrm>
+            <a:off x="4356158" y="1632399"/>
+            <a:ext cx="296175" cy="307777"/>
+          </a:xfrm>
+          <a:prstGeom prst="rect">
+            <a:avLst/>
+          </a:prstGeom>
+          <a:noFill/>
+        </p:spPr>
+        <p:txBody>
+          <a:bodyPr wrap="none" rtlCol="0">
+            <a:spAutoFit/>
+          </a:bodyPr>
+          <a:lstStyle/>
+          <a:p>
+            <a:r>
+              <a:rPr lang="en-US" altLang="ja-JP" sz="1400" dirty="0" smtClean="0">
+                <a:latin typeface="メイリオ"/>
+                <a:ea typeface="メイリオ"/>
+                <a:cs typeface="メイリオ"/>
+              </a:rPr>
+              <a:t>2</a:t>
+            </a:r>
+            <a:endParaRPr kumimoji="1" lang="ja-JP" altLang="en-US" sz="1400" dirty="0">
+              <a:latin typeface="メイリオ"/>
+              <a:ea typeface="メイリオ"/>
+              <a:cs typeface="メイリオ"/>
+            </a:endParaRPr>
+          </a:p>
+        </p:txBody>
+      </p:sp>
+      <p:sp>
+        <p:nvSpPr>
+          <p:cNvPr id="66" name="テキスト ボックス 65"/>
+          <p:cNvSpPr txBox="1"/>
+          <p:nvPr/>
+        </p:nvSpPr>
+        <p:spPr>
+          <a:xfrm>
+            <a:off x="4597125" y="1632399"/>
+            <a:ext cx="494734" cy="307777"/>
+          </a:xfrm>
+          <a:prstGeom prst="rect">
+            <a:avLst/>
+          </a:prstGeom>
+          <a:noFill/>
+        </p:spPr>
+        <p:txBody>
+          <a:bodyPr wrap="none" rtlCol="0">
+            <a:spAutoFit/>
+          </a:bodyPr>
+          <a:lstStyle/>
+          <a:p>
+            <a:r>
+              <a:rPr lang="en-US" altLang="ja-JP" sz="1400" dirty="0" smtClean="0">
+                <a:latin typeface="メイリオ"/>
+                <a:ea typeface="メイリオ"/>
+                <a:cs typeface="メイリオ"/>
+              </a:rPr>
+              <a:t>. . .</a:t>
+            </a:r>
+            <a:endParaRPr kumimoji="1" lang="ja-JP" altLang="en-US" sz="1400" dirty="0">
+              <a:latin typeface="メイリオ"/>
+              <a:ea typeface="メイリオ"/>
+              <a:cs typeface="メイリオ"/>
+            </a:endParaRPr>
+          </a:p>
+        </p:txBody>
+      </p:sp>
+      <p:sp>
+        <p:nvSpPr>
+          <p:cNvPr id="67" name="二等辺三角形 66"/>
+          <p:cNvSpPr/>
+          <p:nvPr/>
+        </p:nvSpPr>
+        <p:spPr>
+          <a:xfrm rot="5400000">
+            <a:off x="5439130" y="1683849"/>
+            <a:ext cx="179370" cy="181212"/>
+          </a:xfrm>
+          <a:prstGeom prst="triangle">
+            <a:avLst/>
+          </a:prstGeom>
+          <a:solidFill>
+            <a:srgbClr val="F75D31"/>
+          </a:solidFill>
+          <a:ln>
+            <a:noFill/>
+          </a:ln>
+          <a:effectLst/>
+        </p:spPr>
+        <p:style>
+          <a:lnRef idx="1">
+            <a:schemeClr val="accent1"/>
+          </a:lnRef>
+          <a:fillRef idx="3">
+            <a:schemeClr val="accent1"/>
+          </a:fillRef>
+          <a:effectRef idx="2">
+            <a:schemeClr val="accent1"/>
+          </a:effectRef>
+          <a:fontRef idx="minor">
+            <a:schemeClr val="lt1"/>
+          </a:fontRef>
+        </p:style>
+        <p:txBody>
+          <a:bodyPr rtlCol="0" anchor="ctr"/>
+          <a:lstStyle/>
+          <a:p>
+            <a:pPr algn="ctr"/>
+            <a:endParaRPr kumimoji="1" lang="ja-JP" altLang="en-US"/>
+          </a:p>
+        </p:txBody>
+      </p:sp>
+      <p:sp>
+        <p:nvSpPr>
+          <p:cNvPr id="68" name="二等辺三角形 67"/>
+          <p:cNvSpPr/>
+          <p:nvPr/>
+        </p:nvSpPr>
+        <p:spPr>
+          <a:xfrm rot="16200000">
+            <a:off x="3923520" y="1684770"/>
+            <a:ext cx="180000" cy="180000"/>
+          </a:xfrm>
+          <a:prstGeom prst="triangle">
+            <a:avLst/>
+          </a:prstGeom>
+          <a:solidFill>
+            <a:srgbClr val="F75D31"/>
+          </a:solidFill>
+          <a:ln>
+            <a:noFill/>
+          </a:ln>
+          <a:effectLst/>
+        </p:spPr>
+        <p:style>
+          <a:lnRef idx="1">
+            <a:schemeClr val="accent1"/>
+          </a:lnRef>
+          <a:fillRef idx="3">
+            <a:schemeClr val="accent1"/>
+          </a:fillRef>
+          <a:effectRef idx="2">
+            <a:schemeClr val="accent1"/>
+          </a:effectRef>
+          <a:fontRef idx="minor">
+            <a:schemeClr val="lt1"/>
+          </a:fontRef>
+        </p:style>
+        <p:txBody>
+          <a:bodyPr rtlCol="0" anchor="ctr"/>
+          <a:lstStyle/>
+          <a:p>
+            <a:pPr algn="ctr"/>
+            <a:endParaRPr kumimoji="1" lang="ja-JP" altLang="en-US"/>
+          </a:p>
+        </p:txBody>
+      </p:sp>
+      <p:sp>
+        <p:nvSpPr>
+          <p:cNvPr id="69" name="テキスト ボックス 68"/>
+          <p:cNvSpPr txBox="1"/>
+          <p:nvPr/>
+        </p:nvSpPr>
+        <p:spPr>
+          <a:xfrm>
+            <a:off x="5013885" y="1632399"/>
+            <a:ext cx="407684" cy="307777"/>
+          </a:xfrm>
+          <a:prstGeom prst="rect">
+            <a:avLst/>
+          </a:prstGeom>
+          <a:noFill/>
+        </p:spPr>
+        <p:txBody>
+          <a:bodyPr wrap="none" rtlCol="0">
+            <a:spAutoFit/>
+          </a:bodyPr>
+          <a:lstStyle/>
+          <a:p>
+            <a:r>
+              <a:rPr lang="en-US" altLang="ja-JP" sz="1400" dirty="0" smtClean="0">
+                <a:latin typeface="メイリオ"/>
+                <a:ea typeface="メイリオ"/>
+                <a:cs typeface="メイリオ"/>
+              </a:rPr>
+              <a:t>20</a:t>
+            </a:r>
+            <a:endParaRPr kumimoji="1" lang="ja-JP" altLang="en-US" sz="1400" dirty="0">
+              <a:latin typeface="メイリオ"/>
+              <a:ea typeface="メイリオ"/>
+              <a:cs typeface="メイリオ"/>
+            </a:endParaRPr>
+          </a:p>
+        </p:txBody>
+      </p:sp>
+      <p:sp>
+        <p:nvSpPr>
+          <p:cNvPr id="21" name="テキスト ボックス 20"/>
+          <p:cNvSpPr txBox="1"/>
+          <p:nvPr/>
+        </p:nvSpPr>
+        <p:spPr>
+          <a:xfrm>
+            <a:off x="993905" y="1630084"/>
+            <a:ext cx="2623046" cy="307777"/>
+          </a:xfrm>
+          <a:prstGeom prst="rect">
+            <a:avLst/>
+          </a:prstGeom>
+          <a:noFill/>
+        </p:spPr>
+        <p:txBody>
+          <a:bodyPr wrap="none" rtlCol="0">
+            <a:spAutoFit/>
+          </a:bodyPr>
+          <a:lstStyle/>
+          <a:p>
+            <a:r>
+              <a:rPr lang="en-US" altLang="ja-JP" sz="1400" dirty="0" smtClean="0">
+                <a:latin typeface="メイリオ"/>
+                <a:ea typeface="メイリオ"/>
+                <a:cs typeface="メイリオ"/>
+              </a:rPr>
+              <a:t>xxx </a:t>
+            </a:r>
+            <a:r>
+              <a:rPr lang="ja-JP" altLang="en-US" sz="1400" dirty="0" smtClean="0">
+                <a:latin typeface="メイリオ"/>
+                <a:ea typeface="メイリオ"/>
+                <a:cs typeface="メイリオ"/>
+              </a:rPr>
+              <a:t>件中</a:t>
+            </a:r>
+            <a:r>
+              <a:rPr lang="en-US" altLang="ja-JP" sz="1400" dirty="0" smtClean="0">
+                <a:latin typeface="メイリオ"/>
+                <a:ea typeface="メイリオ"/>
+                <a:cs typeface="メイリオ"/>
+              </a:rPr>
+              <a:t> </a:t>
+            </a:r>
+            <a:r>
+              <a:rPr lang="en-US" altLang="ja-JP" sz="1400" dirty="0" err="1" smtClean="0">
+                <a:latin typeface="メイリオ"/>
+                <a:ea typeface="メイリオ"/>
+                <a:cs typeface="メイリオ"/>
+              </a:rPr>
+              <a:t>yyy</a:t>
+            </a:r>
+            <a:r>
+              <a:rPr lang="en-US" altLang="ja-JP" sz="1400" dirty="0" smtClean="0">
+                <a:latin typeface="メイリオ"/>
+                <a:ea typeface="メイリオ"/>
+                <a:cs typeface="メイリオ"/>
+              </a:rPr>
+              <a:t> 〜 </a:t>
+            </a:r>
+            <a:r>
+              <a:rPr lang="en-US" altLang="ja-JP" sz="1400" dirty="0" err="1" smtClean="0">
+                <a:latin typeface="メイリオ"/>
+                <a:ea typeface="メイリオ"/>
+                <a:cs typeface="メイリオ"/>
+              </a:rPr>
+              <a:t>zzz</a:t>
+            </a:r>
+            <a:r>
+              <a:rPr lang="en-US" altLang="ja-JP" sz="1400" dirty="0" smtClean="0">
+                <a:latin typeface="メイリオ"/>
+                <a:ea typeface="メイリオ"/>
+                <a:cs typeface="メイリオ"/>
+              </a:rPr>
+              <a:t> </a:t>
+            </a:r>
+            <a:r>
+              <a:rPr lang="ja-JP" altLang="en-US" sz="1400" dirty="0" smtClean="0">
+                <a:latin typeface="メイリオ"/>
+                <a:ea typeface="メイリオ"/>
+                <a:cs typeface="メイリオ"/>
+              </a:rPr>
+              <a:t>件を表示</a:t>
+            </a:r>
+            <a:endParaRPr kumimoji="1" lang="ja-JP" altLang="en-US" sz="1400" dirty="0">
+              <a:latin typeface="メイリオ"/>
+              <a:ea typeface="メイリオ"/>
+              <a:cs typeface="メイリオ"/>
+            </a:endParaRPr>
+          </a:p>
+        </p:txBody>
+      </p:sp>
+      <p:sp>
+        <p:nvSpPr>
+          <p:cNvPr id="22" name="二等辺三角形 21"/>
+          <p:cNvSpPr/>
+          <p:nvPr/>
+        </p:nvSpPr>
+        <p:spPr>
+          <a:xfrm rot="16200000">
+            <a:off x="3596344" y="1684770"/>
+            <a:ext cx="180000" cy="180000"/>
+          </a:xfrm>
+          <a:prstGeom prst="triangle">
+            <a:avLst/>
+          </a:prstGeom>
+          <a:solidFill>
+            <a:srgbClr val="F75D31"/>
+          </a:solidFill>
+          <a:ln>
+            <a:noFill/>
+          </a:ln>
+          <a:effectLst/>
+        </p:spPr>
+        <p:style>
+          <a:lnRef idx="1">
+            <a:schemeClr val="accent1"/>
+          </a:lnRef>
+          <a:fillRef idx="3">
+            <a:schemeClr val="accent1"/>
+          </a:fillRef>
+          <a:effectRef idx="2">
+            <a:schemeClr val="accent1"/>
+          </a:effectRef>
+          <a:fontRef idx="minor">
+            <a:schemeClr val="lt1"/>
+          </a:fontRef>
+        </p:style>
+        <p:txBody>
+          <a:bodyPr rtlCol="0" anchor="ctr"/>
+          <a:lstStyle/>
+          <a:p>
+            <a:pPr algn="ctr"/>
+            <a:endParaRPr kumimoji="1" lang="ja-JP" altLang="en-US"/>
+          </a:p>
+        </p:txBody>
+      </p:sp>
+      <p:sp>
+        <p:nvSpPr>
+          <p:cNvPr id="23" name="二等辺三角形 22"/>
+          <p:cNvSpPr/>
+          <p:nvPr/>
+        </p:nvSpPr>
+        <p:spPr>
+          <a:xfrm rot="16200000">
+            <a:off x="3693379" y="1684140"/>
+            <a:ext cx="180000" cy="180000"/>
+          </a:xfrm>
+          <a:prstGeom prst="triangle">
+            <a:avLst/>
+          </a:prstGeom>
+          <a:solidFill>
+            <a:srgbClr val="F75D31"/>
+          </a:solidFill>
+          <a:ln>
+            <a:noFill/>
+          </a:ln>
+          <a:effectLst/>
+        </p:spPr>
+        <p:style>
+          <a:lnRef idx="1">
+            <a:schemeClr val="accent1"/>
+          </a:lnRef>
+          <a:fillRef idx="3">
+            <a:schemeClr val="accent1"/>
+          </a:fillRef>
+          <a:effectRef idx="2">
+            <a:schemeClr val="accent1"/>
+          </a:effectRef>
+          <a:fontRef idx="minor">
+            <a:schemeClr val="lt1"/>
+          </a:fontRef>
+        </p:style>
+        <p:txBody>
+          <a:bodyPr rtlCol="0" anchor="ctr"/>
+          <a:lstStyle/>
+          <a:p>
+            <a:pPr algn="ctr"/>
+            <a:endParaRPr kumimoji="1" lang="ja-JP" altLang="en-US"/>
+          </a:p>
+        </p:txBody>
+      </p:sp>
+      <p:sp>
+        <p:nvSpPr>
+          <p:cNvPr id="24" name="二等辺三角形 23"/>
+          <p:cNvSpPr/>
+          <p:nvPr/>
+        </p:nvSpPr>
+        <p:spPr>
+          <a:xfrm rot="5400000">
+            <a:off x="5764549" y="1684479"/>
+            <a:ext cx="179370" cy="181212"/>
+          </a:xfrm>
+          <a:prstGeom prst="triangle">
+            <a:avLst/>
+          </a:prstGeom>
+          <a:solidFill>
+            <a:srgbClr val="F75D31"/>
+          </a:solidFill>
+          <a:ln>
+            <a:noFill/>
+          </a:ln>
+          <a:effectLst/>
+        </p:spPr>
+        <p:style>
+          <a:lnRef idx="1">
+            <a:schemeClr val="accent1"/>
+          </a:lnRef>
+          <a:fillRef idx="3">
+            <a:schemeClr val="accent1"/>
+          </a:fillRef>
+          <a:effectRef idx="2">
+            <a:schemeClr val="accent1"/>
+          </a:effectRef>
+          <a:fontRef idx="minor">
+            <a:schemeClr val="lt1"/>
+          </a:fontRef>
+        </p:style>
+        <p:txBody>
+          <a:bodyPr rtlCol="0" anchor="ctr"/>
+          <a:lstStyle/>
+          <a:p>
+            <a:pPr algn="ctr"/>
+            <a:endParaRPr kumimoji="1" lang="ja-JP" altLang="en-US"/>
+          </a:p>
+        </p:txBody>
+      </p:sp>
+      <p:sp>
+        <p:nvSpPr>
+          <p:cNvPr id="25" name="二等辺三角形 24"/>
+          <p:cNvSpPr/>
+          <p:nvPr/>
+        </p:nvSpPr>
+        <p:spPr>
+          <a:xfrm rot="5400000">
+            <a:off x="5673943" y="1684479"/>
+            <a:ext cx="179370" cy="181212"/>
+          </a:xfrm>
+          <a:prstGeom prst="triangle">
+            <a:avLst/>
+          </a:prstGeom>
+          <a:solidFill>
+            <a:srgbClr val="F75D31"/>
+          </a:solidFill>
+          <a:ln>
+            <a:noFill/>
+          </a:ln>
+          <a:effectLst/>
+        </p:spPr>
+        <p:style>
+          <a:lnRef idx="1">
+            <a:schemeClr val="accent1"/>
+          </a:lnRef>
+          <a:fillRef idx="3">
+            <a:schemeClr val="accent1"/>
+          </a:fillRef>
+          <a:effectRef idx="2">
+            <a:schemeClr val="accent1"/>
+          </a:effectRef>
+          <a:fontRef idx="minor">
+            <a:schemeClr val="lt1"/>
+          </a:fontRef>
+        </p:style>
+        <p:txBody>
+          <a:bodyPr rtlCol="0" anchor="ctr"/>
+          <a:lstStyle/>
+          <a:p>
+            <a:pPr algn="ctr"/>
+            <a:endParaRPr kumimoji="1" lang="ja-JP" altLang="en-US"/>
+          </a:p>
+        </p:txBody>
+      </p:sp>
+      <p:sp>
+        <p:nvSpPr>
+          <p:cNvPr id="28" name="角丸四角形 27"/>
+          <p:cNvSpPr/>
+          <p:nvPr/>
+        </p:nvSpPr>
+        <p:spPr>
+          <a:xfrm>
+            <a:off x="1469168" y="1187601"/>
+            <a:ext cx="562830" cy="165946"/>
+          </a:xfrm>
+          <a:prstGeom prst="roundRect">
+            <a:avLst/>
+          </a:prstGeom>
+          <a:noFill/>
+          <a:ln w="25400">
+            <a:solidFill>
+              <a:schemeClr val="tx1"/>
+            </a:solidFill>
+          </a:ln>
+          <a:effectLst/>
+        </p:spPr>
+        <p:style>
+          <a:lnRef idx="1">
+            <a:schemeClr val="accent1"/>
+          </a:lnRef>
+          <a:fillRef idx="3">
+            <a:schemeClr val="accent1"/>
+          </a:fillRef>
+          <a:effectRef idx="2">
+            <a:schemeClr val="accent1"/>
+          </a:effectRef>
+          <a:fontRef idx="minor">
+            <a:schemeClr val="lt1"/>
+          </a:fontRef>
+        </p:style>
+        <p:txBody>
+          <a:bodyPr rtlCol="0" anchor="ctr"/>
+          <a:lstStyle/>
+          <a:p>
+            <a:pPr algn="ctr"/>
+            <a:endParaRPr kumimoji="1" lang="ja-JP" altLang="en-US"/>
+          </a:p>
+        </p:txBody>
+      </p:sp>
+      <p:sp>
+        <p:nvSpPr>
+          <p:cNvPr id="29" name="テキスト ボックス 28"/>
+          <p:cNvSpPr txBox="1"/>
+          <p:nvPr/>
+        </p:nvSpPr>
+        <p:spPr>
+          <a:xfrm>
+            <a:off x="890993" y="1114621"/>
+            <a:ext cx="646331" cy="276999"/>
+          </a:xfrm>
+          <a:prstGeom prst="rect">
+            <a:avLst/>
+          </a:prstGeom>
+          <a:noFill/>
+        </p:spPr>
+        <p:txBody>
+          <a:bodyPr wrap="none" rtlCol="0">
+            <a:spAutoFit/>
+          </a:bodyPr>
+          <a:lstStyle/>
+          <a:p>
+            <a:r>
+              <a:rPr kumimoji="1" lang="ja-JP" altLang="en-US" sz="1200" dirty="0" smtClean="0">
+                <a:latin typeface="メイリオ"/>
+                <a:ea typeface="メイリオ"/>
+                <a:cs typeface="メイリオ"/>
+              </a:rPr>
+              <a:t>日付：</a:t>
+            </a:r>
+            <a:endParaRPr kumimoji="1" lang="ja-JP" altLang="en-US" sz="1200" dirty="0">
+              <a:latin typeface="メイリオ"/>
+              <a:ea typeface="メイリオ"/>
+              <a:cs typeface="メイリオ"/>
+            </a:endParaRPr>
+          </a:p>
+        </p:txBody>
+      </p:sp>
+      <p:sp>
+        <p:nvSpPr>
+          <p:cNvPr id="30" name="角丸四角形 29"/>
+          <p:cNvSpPr/>
+          <p:nvPr/>
+        </p:nvSpPr>
+        <p:spPr>
+          <a:xfrm>
+            <a:off x="2646774" y="1187601"/>
+            <a:ext cx="797002" cy="165946"/>
+          </a:xfrm>
+          <a:prstGeom prst="roundRect">
+            <a:avLst/>
+          </a:prstGeom>
+          <a:noFill/>
+          <a:ln w="25400">
+            <a:solidFill>
+              <a:schemeClr val="tx1"/>
+            </a:solidFill>
+          </a:ln>
+          <a:effectLst/>
+        </p:spPr>
+        <p:style>
+          <a:lnRef idx="1">
+            <a:schemeClr val="accent1"/>
+          </a:lnRef>
+          <a:fillRef idx="3">
+            <a:schemeClr val="accent1"/>
+          </a:fillRef>
+          <a:effectRef idx="2">
+            <a:schemeClr val="accent1"/>
+          </a:effectRef>
+          <a:fontRef idx="minor">
+            <a:schemeClr val="lt1"/>
+          </a:fontRef>
+        </p:style>
+        <p:txBody>
+          <a:bodyPr rtlCol="0" anchor="ctr"/>
+          <a:lstStyle/>
+          <a:p>
+            <a:pPr algn="ctr"/>
+            <a:endParaRPr kumimoji="1" lang="ja-JP" altLang="en-US"/>
+          </a:p>
+        </p:txBody>
+      </p:sp>
+      <p:sp>
+        <p:nvSpPr>
+          <p:cNvPr id="31" name="テキスト ボックス 30"/>
+          <p:cNvSpPr txBox="1"/>
+          <p:nvPr/>
+        </p:nvSpPr>
+        <p:spPr>
+          <a:xfrm>
+            <a:off x="2046815" y="1111063"/>
+            <a:ext cx="646331" cy="276999"/>
+          </a:xfrm>
+          <a:prstGeom prst="rect">
+            <a:avLst/>
+          </a:prstGeom>
+          <a:noFill/>
+        </p:spPr>
+        <p:txBody>
+          <a:bodyPr wrap="none" rtlCol="0">
+            <a:spAutoFit/>
+          </a:bodyPr>
+          <a:lstStyle/>
+          <a:p>
+            <a:r>
+              <a:rPr lang="ja-JP" altLang="en-US" sz="1200" dirty="0" smtClean="0">
+                <a:latin typeface="メイリオ"/>
+                <a:ea typeface="メイリオ"/>
+                <a:cs typeface="メイリオ"/>
+              </a:rPr>
+              <a:t>内容</a:t>
+            </a:r>
+            <a:r>
+              <a:rPr kumimoji="1" lang="ja-JP" altLang="en-US" sz="1200" dirty="0" smtClean="0">
+                <a:latin typeface="メイリオ"/>
+                <a:ea typeface="メイリオ"/>
+                <a:cs typeface="メイリオ"/>
+              </a:rPr>
+              <a:t>：</a:t>
+            </a:r>
+            <a:endParaRPr kumimoji="1" lang="ja-JP" altLang="en-US" sz="1200" dirty="0">
+              <a:latin typeface="メイリオ"/>
+              <a:ea typeface="メイリオ"/>
+              <a:cs typeface="メイリオ"/>
+            </a:endParaRPr>
+          </a:p>
+        </p:txBody>
+      </p:sp>
+      <p:sp>
+        <p:nvSpPr>
+          <p:cNvPr id="32" name="角丸四角形 31"/>
+          <p:cNvSpPr/>
+          <p:nvPr/>
+        </p:nvSpPr>
+        <p:spPr>
+          <a:xfrm>
+            <a:off x="4369749" y="1187601"/>
+            <a:ext cx="560480" cy="165946"/>
+          </a:xfrm>
+          <a:prstGeom prst="roundRect">
+            <a:avLst/>
+          </a:prstGeom>
+          <a:noFill/>
+          <a:ln w="25400">
+            <a:solidFill>
+              <a:schemeClr val="tx1"/>
+            </a:solidFill>
+          </a:ln>
+          <a:effectLst/>
+        </p:spPr>
+        <p:style>
+          <a:lnRef idx="1">
+            <a:schemeClr val="accent1"/>
+          </a:lnRef>
+          <a:fillRef idx="3">
+            <a:schemeClr val="accent1"/>
+          </a:fillRef>
+          <a:effectRef idx="2">
+            <a:schemeClr val="accent1"/>
+          </a:effectRef>
+          <a:fontRef idx="minor">
+            <a:schemeClr val="lt1"/>
+          </a:fontRef>
+        </p:style>
+        <p:txBody>
+          <a:bodyPr rtlCol="0" anchor="ctr"/>
+          <a:lstStyle/>
+          <a:p>
+            <a:pPr algn="ctr"/>
+            <a:endParaRPr kumimoji="1" lang="ja-JP" altLang="en-US"/>
+          </a:p>
+        </p:txBody>
+      </p:sp>
+      <p:sp>
+        <p:nvSpPr>
+          <p:cNvPr id="33" name="テキスト ボックス 32"/>
+          <p:cNvSpPr txBox="1"/>
+          <p:nvPr/>
+        </p:nvSpPr>
+        <p:spPr>
+          <a:xfrm>
+            <a:off x="3461822" y="1118689"/>
+            <a:ext cx="954107" cy="276999"/>
+          </a:xfrm>
+          <a:prstGeom prst="rect">
+            <a:avLst/>
+          </a:prstGeom>
+          <a:noFill/>
+        </p:spPr>
+        <p:txBody>
+          <a:bodyPr wrap="none" rtlCol="0">
+            <a:spAutoFit/>
+          </a:bodyPr>
+          <a:lstStyle/>
+          <a:p>
+            <a:r>
+              <a:rPr lang="ja-JP" altLang="en-US" sz="1200" dirty="0" smtClean="0">
+                <a:latin typeface="メイリオ"/>
+                <a:ea typeface="メイリオ"/>
+                <a:cs typeface="メイリオ"/>
+              </a:rPr>
+              <a:t>カテゴリ</a:t>
+            </a:r>
+            <a:r>
+              <a:rPr kumimoji="1" lang="ja-JP" altLang="en-US" sz="1200" dirty="0" smtClean="0">
+                <a:latin typeface="メイリオ"/>
+                <a:ea typeface="メイリオ"/>
+                <a:cs typeface="メイリオ"/>
+              </a:rPr>
+              <a:t>：</a:t>
+            </a:r>
+            <a:endParaRPr kumimoji="1" lang="ja-JP" altLang="en-US" sz="1200" dirty="0">
+              <a:latin typeface="メイリオ"/>
+              <a:ea typeface="メイリオ"/>
+              <a:cs typeface="メイリオ"/>
+            </a:endParaRPr>
+          </a:p>
+        </p:txBody>
+      </p:sp>
+      <p:sp>
+        <p:nvSpPr>
+          <p:cNvPr id="34" name="角丸四角形 33"/>
+          <p:cNvSpPr/>
+          <p:nvPr/>
+        </p:nvSpPr>
+        <p:spPr>
+          <a:xfrm>
+            <a:off x="5569022" y="1187601"/>
+            <a:ext cx="561630" cy="165946"/>
+          </a:xfrm>
+          <a:prstGeom prst="roundRect">
+            <a:avLst/>
+          </a:prstGeom>
+          <a:noFill/>
+          <a:ln w="25400">
+            <a:solidFill>
+              <a:schemeClr val="tx1"/>
+            </a:solidFill>
+          </a:ln>
+          <a:effectLst/>
+        </p:spPr>
+        <p:style>
+          <a:lnRef idx="1">
+            <a:schemeClr val="accent1"/>
+          </a:lnRef>
+          <a:fillRef idx="3">
+            <a:schemeClr val="accent1"/>
+          </a:fillRef>
+          <a:effectRef idx="2">
+            <a:schemeClr val="accent1"/>
+          </a:effectRef>
+          <a:fontRef idx="minor">
+            <a:schemeClr val="lt1"/>
+          </a:fontRef>
+        </p:style>
+        <p:txBody>
+          <a:bodyPr rtlCol="0" anchor="ctr"/>
+          <a:lstStyle/>
+          <a:p>
+            <a:pPr algn="ctr"/>
+            <a:endParaRPr kumimoji="1" lang="ja-JP" altLang="en-US"/>
+          </a:p>
+        </p:txBody>
+      </p:sp>
+      <p:sp>
+        <p:nvSpPr>
+          <p:cNvPr id="35" name="テキスト ボックス 34"/>
+          <p:cNvSpPr txBox="1"/>
+          <p:nvPr/>
+        </p:nvSpPr>
+        <p:spPr>
+          <a:xfrm>
+            <a:off x="4957326" y="1128924"/>
+            <a:ext cx="646331" cy="276999"/>
+          </a:xfrm>
+          <a:prstGeom prst="rect">
+            <a:avLst/>
+          </a:prstGeom>
+          <a:noFill/>
+        </p:spPr>
+        <p:txBody>
+          <a:bodyPr wrap="none" rtlCol="0">
+            <a:spAutoFit/>
+          </a:bodyPr>
+          <a:lstStyle/>
+          <a:p>
+            <a:r>
+              <a:rPr lang="ja-JP" altLang="en-US" sz="1200" dirty="0" smtClean="0">
+                <a:latin typeface="メイリオ"/>
+                <a:ea typeface="メイリオ"/>
+                <a:cs typeface="メイリオ"/>
+              </a:rPr>
+              <a:t>金額</a:t>
+            </a:r>
+            <a:r>
+              <a:rPr kumimoji="1" lang="ja-JP" altLang="en-US" sz="1200" dirty="0" smtClean="0">
+                <a:latin typeface="メイリオ"/>
+                <a:ea typeface="メイリオ"/>
+                <a:cs typeface="メイリオ"/>
+              </a:rPr>
+              <a:t>：</a:t>
+            </a:r>
+            <a:endParaRPr kumimoji="1" lang="ja-JP" altLang="en-US" sz="1200" dirty="0">
+              <a:latin typeface="メイリオ"/>
+              <a:ea typeface="メイリオ"/>
+              <a:cs typeface="メイリオ"/>
+            </a:endParaRPr>
+          </a:p>
+        </p:txBody>
+      </p:sp>
+      <p:sp>
+        <p:nvSpPr>
+          <p:cNvPr id="36" name="角丸四角形 35"/>
+          <p:cNvSpPr/>
+          <p:nvPr/>
+        </p:nvSpPr>
+        <p:spPr>
+          <a:xfrm>
+            <a:off x="6515245" y="1118689"/>
+            <a:ext cx="550589" cy="299213"/>
+          </a:xfrm>
+          <a:prstGeom prst="roundRect">
+            <a:avLst/>
+          </a:prstGeom>
+          <a:noFill/>
+          <a:ln w="25400">
+            <a:solidFill>
+              <a:schemeClr val="tx1"/>
+            </a:solidFill>
+          </a:ln>
+          <a:effectLst/>
+        </p:spPr>
+        <p:style>
+          <a:lnRef idx="1">
+            <a:schemeClr val="accent1"/>
+          </a:lnRef>
+          <a:fillRef idx="3">
+            <a:schemeClr val="accent1"/>
+          </a:fillRef>
+          <a:effectRef idx="2">
+            <a:schemeClr val="accent1"/>
+          </a:effectRef>
+          <a:fontRef idx="minor">
+            <a:schemeClr val="lt1"/>
+          </a:fontRef>
+        </p:style>
+        <p:txBody>
+          <a:bodyPr rtlCol="0" anchor="ctr"/>
+          <a:lstStyle/>
+          <a:p>
+            <a:pPr algn="ctr"/>
+            <a:r>
+              <a:rPr kumimoji="1" lang="ja-JP" altLang="en-US" sz="1200" dirty="0" smtClean="0">
+                <a:solidFill>
+                  <a:schemeClr val="tx1"/>
+                </a:solidFill>
+                <a:latin typeface="メイリオ"/>
+                <a:ea typeface="メイリオ"/>
+                <a:cs typeface="メイリオ"/>
+              </a:rPr>
+              <a:t>登録</a:t>
+            </a:r>
+            <a:endParaRPr kumimoji="1" lang="ja-JP" altLang="en-US" sz="1200" dirty="0">
+              <a:solidFill>
+                <a:schemeClr val="tx1"/>
+              </a:solidFill>
+              <a:latin typeface="メイリオ"/>
+              <a:ea typeface="メイリオ"/>
+              <a:cs typeface="メイリオ"/>
+            </a:endParaRPr>
+          </a:p>
+        </p:txBody>
+      </p:sp>
+      <p:sp>
+        <p:nvSpPr>
+          <p:cNvPr id="37" name="角丸四角形 36"/>
+          <p:cNvSpPr/>
+          <p:nvPr/>
+        </p:nvSpPr>
+        <p:spPr>
+          <a:xfrm>
+            <a:off x="7239002" y="1121482"/>
+            <a:ext cx="864625" cy="299213"/>
+          </a:xfrm>
+          <a:prstGeom prst="roundRect">
+            <a:avLst/>
+          </a:prstGeom>
+          <a:noFill/>
+          <a:ln w="25400">
+            <a:solidFill>
+              <a:schemeClr val="tx1"/>
+            </a:solidFill>
+          </a:ln>
+          <a:effectLst/>
+        </p:spPr>
+        <p:style>
+          <a:lnRef idx="1">
+            <a:schemeClr val="accent1"/>
+          </a:lnRef>
+          <a:fillRef idx="3">
+            <a:schemeClr val="accent1"/>
+          </a:fillRef>
+          <a:effectRef idx="2">
+            <a:schemeClr val="accent1"/>
+          </a:effectRef>
+          <a:fontRef idx="minor">
+            <a:schemeClr val="lt1"/>
+          </a:fontRef>
+        </p:style>
+        <p:txBody>
+          <a:bodyPr rtlCol="0" anchor="ctr"/>
+          <a:lstStyle/>
+          <a:p>
+            <a:pPr algn="ctr"/>
+            <a:r>
+              <a:rPr lang="en-US" altLang="en-US" sz="1200" dirty="0" smtClean="0">
+                <a:solidFill>
+                  <a:schemeClr val="tx1"/>
+                </a:solidFill>
+                <a:latin typeface="メイリオ"/>
+                <a:ea typeface="メイリオ"/>
+                <a:cs typeface="メイリオ"/>
+              </a:rPr>
+              <a:t>リセット</a:t>
+            </a:r>
+            <a:endParaRPr kumimoji="1" lang="ja-JP" altLang="en-US" sz="1200" dirty="0">
+              <a:solidFill>
+                <a:schemeClr val="tx1"/>
+              </a:solidFill>
+              <a:latin typeface="メイリオ"/>
+              <a:ea typeface="メイリオ"/>
+              <a:cs typeface="メイリオ"/>
+            </a:endParaRPr>
+          </a:p>
+        </p:txBody>
+      </p:sp>
+      <p:cxnSp>
+        <p:nvCxnSpPr>
+          <p:cNvPr id="38" name="直線コネクタ 37"/>
+          <p:cNvCxnSpPr/>
+          <p:nvPr/>
+        </p:nvCxnSpPr>
+        <p:spPr>
+          <a:xfrm>
+            <a:off x="923931" y="1547091"/>
+            <a:ext cx="7250251" cy="0"/>
+          </a:xfrm>
+          <a:prstGeom prst="line">
+            <a:avLst/>
+          </a:prstGeom>
+          <a:ln>
+            <a:solidFill>
+              <a:schemeClr val="bg1">
+                <a:lumMod val="65000"/>
+              </a:schemeClr>
+            </a:solidFill>
+          </a:ln>
+          <a:effectLst/>
+        </p:spPr>
+        <p:style>
+          <a:lnRef idx="2">
+            <a:schemeClr val="accent1"/>
+          </a:lnRef>
+          <a:fillRef idx="0">
+            <a:schemeClr val="accent1"/>
+          </a:fillRef>
+          <a:effectRef idx="1">
+            <a:schemeClr val="accent1"/>
+          </a:effectRef>
+          <a:fontRef idx="minor">
+            <a:schemeClr val="tx1"/>
+          </a:fontRef>
+        </p:style>
+      </p:cxnSp>
+      <p:graphicFrame>
+        <p:nvGraphicFramePr>
+          <p:cNvPr id="39" name="表 38"/>
+          <p:cNvGraphicFramePr>
+            <a:graphicFrameLocks noGrp="1"/>
+          </p:cNvGraphicFramePr>
+          <p:nvPr>
+            <p:extLst>
+              <p:ext uri="{D42A27DB-BD31-4B8C-83A1-F6EECF244321}">
+                <p14:modId xmlns:p14="http://schemas.microsoft.com/office/powerpoint/2010/main" val="1012184571"/>
+              </p:ext>
+            </p:extLst>
+          </p:nvPr>
+        </p:nvGraphicFramePr>
+        <p:xfrm>
+          <a:off x="993905" y="2031998"/>
+          <a:ext cx="6891640" cy="4248728"/>
+        </p:xfrm>
+        <a:graphic>
+          <a:graphicData uri="http://schemas.openxmlformats.org/drawingml/2006/table">
+            <a:tbl>
+              <a:tblPr firstRow="1" bandRow="1">
+                <a:tableStyleId>{5C22544A-7EE6-4342-B048-85BDC9FD1C3A}</a:tableStyleId>
+              </a:tblPr>
+              <a:tblGrid>
+                <a:gridCol w="1722910"/>
+                <a:gridCol w="1722910"/>
+                <a:gridCol w="1722910"/>
+                <a:gridCol w="1722910"/>
+              </a:tblGrid>
+              <a:tr h="386248">
+                <a:tc>
+                  <a:txBody>
+                    <a:bodyPr/>
+                    <a:lstStyle/>
+                    <a:p>
+                      <a:r>
+                        <a:rPr kumimoji="1" lang="ja-JP" altLang="en-US" dirty="0" smtClean="0">
+                          <a:latin typeface="メイリオ"/>
+                          <a:ea typeface="メイリオ"/>
+                          <a:cs typeface="メイリオ"/>
+                        </a:rPr>
+                        <a:t>日付</a:t>
+                      </a:r>
+                      <a:endParaRPr kumimoji="1" lang="ja-JP" altLang="en-US" dirty="0">
+                        <a:latin typeface="メイリオ"/>
+                        <a:ea typeface="メイリオ"/>
+                        <a:cs typeface="メイリオ"/>
+                      </a:endParaRPr>
+                    </a:p>
+                  </a:txBody>
+                  <a:tcPr/>
+                </a:tc>
+                <a:tc>
+                  <a:txBody>
+                    <a:bodyPr/>
+                    <a:lstStyle/>
+                    <a:p>
+                      <a:r>
+                        <a:rPr kumimoji="1" lang="ja-JP" altLang="en-US" dirty="0" smtClean="0">
+                          <a:latin typeface="メイリオ"/>
+                          <a:ea typeface="メイリオ"/>
+                          <a:cs typeface="メイリオ"/>
+                        </a:rPr>
+                        <a:t>内容</a:t>
+                      </a:r>
+                      <a:endParaRPr kumimoji="1" lang="ja-JP" altLang="en-US" dirty="0">
+                        <a:latin typeface="メイリオ"/>
+                        <a:ea typeface="メイリオ"/>
+                        <a:cs typeface="メイリオ"/>
+                      </a:endParaRPr>
+                    </a:p>
+                  </a:txBody>
+                  <a:tcPr/>
+                </a:tc>
+                <a:tc>
+                  <a:txBody>
+                    <a:bodyPr/>
+                    <a:lstStyle/>
+                    <a:p>
+                      <a:r>
+                        <a:rPr kumimoji="1" lang="ja-JP" altLang="en-US" dirty="0" smtClean="0">
+                          <a:latin typeface="メイリオ"/>
+                          <a:ea typeface="メイリオ"/>
+                          <a:cs typeface="メイリオ"/>
+                        </a:rPr>
+                        <a:t>カテゴリ</a:t>
+                      </a:r>
+                      <a:endParaRPr kumimoji="1" lang="ja-JP" altLang="en-US" dirty="0">
+                        <a:latin typeface="メイリオ"/>
+                        <a:ea typeface="メイリオ"/>
+                        <a:cs typeface="メイリオ"/>
+                      </a:endParaRPr>
+                    </a:p>
+                  </a:txBody>
+                  <a:tcPr/>
+                </a:tc>
+                <a:tc>
+                  <a:txBody>
+                    <a:bodyPr/>
+                    <a:lstStyle/>
+                    <a:p>
+                      <a:r>
+                        <a:rPr kumimoji="1" lang="ja-JP" altLang="en-US" dirty="0" smtClean="0">
+                          <a:latin typeface="メイリオ"/>
+                          <a:ea typeface="メイリオ"/>
+                          <a:cs typeface="メイリオ"/>
+                        </a:rPr>
+                        <a:t>金額</a:t>
+                      </a:r>
+                      <a:endParaRPr kumimoji="1" lang="ja-JP" altLang="en-US" dirty="0">
+                        <a:latin typeface="メイリオ"/>
+                        <a:ea typeface="メイリオ"/>
+                        <a:cs typeface="メイリオ"/>
+                      </a:endParaRPr>
+                    </a:p>
+                  </a:txBody>
+                  <a:tcPr/>
+                </a:tc>
+              </a:tr>
+              <a:tr h="386248">
+                <a:tc>
+                  <a:txBody>
+                    <a:bodyPr/>
+                    <a:lstStyle/>
+                    <a:p>
+                      <a:endParaRPr kumimoji="1" lang="ja-JP" altLang="en-US"/>
+                    </a:p>
+                  </a:txBody>
+                  <a:tcPr/>
+                </a:tc>
+                <a:tc>
+                  <a:txBody>
+                    <a:bodyPr/>
+                    <a:lstStyle/>
+                    <a:p>
+                      <a:endParaRPr kumimoji="1" lang="ja-JP" altLang="en-US"/>
+                    </a:p>
+                  </a:txBody>
+                  <a:tcPr/>
+                </a:tc>
+                <a:tc>
+                  <a:txBody>
+                    <a:bodyPr/>
+                    <a:lstStyle/>
+                    <a:p>
+                      <a:endParaRPr kumimoji="1" lang="ja-JP" altLang="en-US"/>
+                    </a:p>
+                  </a:txBody>
+                  <a:tcPr/>
+                </a:tc>
+                <a:tc>
+                  <a:txBody>
+                    <a:bodyPr/>
+                    <a:lstStyle/>
+                    <a:p>
+                      <a:endParaRPr kumimoji="1" lang="ja-JP" altLang="en-US" dirty="0"/>
+                    </a:p>
+                  </a:txBody>
+                  <a:tcPr/>
+                </a:tc>
+              </a:tr>
+              <a:tr h="386248">
+                <a:tc>
+                  <a:txBody>
+                    <a:bodyPr/>
+                    <a:lstStyle/>
+                    <a:p>
+                      <a:endParaRPr kumimoji="1" lang="ja-JP" altLang="en-US" dirty="0"/>
+                    </a:p>
+                  </a:txBody>
+                  <a:tcPr/>
+                </a:tc>
+                <a:tc>
+                  <a:txBody>
+                    <a:bodyPr/>
+                    <a:lstStyle/>
+                    <a:p>
+                      <a:endParaRPr kumimoji="1" lang="ja-JP" altLang="en-US"/>
+                    </a:p>
+                  </a:txBody>
+                  <a:tcPr/>
+                </a:tc>
+                <a:tc>
+                  <a:txBody>
+                    <a:bodyPr/>
+                    <a:lstStyle/>
+                    <a:p>
+                      <a:endParaRPr kumimoji="1" lang="ja-JP" altLang="en-US"/>
+                    </a:p>
+                  </a:txBody>
+                  <a:tcPr/>
+                </a:tc>
+                <a:tc>
+                  <a:txBody>
+                    <a:bodyPr/>
+                    <a:lstStyle/>
+                    <a:p>
+                      <a:endParaRPr kumimoji="1" lang="ja-JP" altLang="en-US" dirty="0"/>
+                    </a:p>
+                  </a:txBody>
+                  <a:tcPr/>
+                </a:tc>
+              </a:tr>
+              <a:tr h="386248">
+                <a:tc>
+                  <a:txBody>
+                    <a:bodyPr/>
+                    <a:lstStyle/>
+                    <a:p>
+                      <a:endParaRPr kumimoji="1" lang="ja-JP" altLang="en-US" dirty="0"/>
+                    </a:p>
+                  </a:txBody>
+                  <a:tcPr/>
+                </a:tc>
+                <a:tc>
+                  <a:txBody>
+                    <a:bodyPr/>
+                    <a:lstStyle/>
+                    <a:p>
+                      <a:endParaRPr kumimoji="1" lang="ja-JP" altLang="en-US"/>
+                    </a:p>
+                  </a:txBody>
+                  <a:tcPr/>
+                </a:tc>
+                <a:tc>
+                  <a:txBody>
+                    <a:bodyPr/>
+                    <a:lstStyle/>
+                    <a:p>
+                      <a:endParaRPr kumimoji="1" lang="ja-JP" altLang="en-US"/>
+                    </a:p>
+                  </a:txBody>
+                  <a:tcPr/>
+                </a:tc>
+                <a:tc>
+                  <a:txBody>
+                    <a:bodyPr/>
+                    <a:lstStyle/>
+                    <a:p>
+                      <a:endParaRPr kumimoji="1" lang="ja-JP" altLang="en-US" dirty="0"/>
+                    </a:p>
+                  </a:txBody>
+                  <a:tcPr/>
+                </a:tc>
+              </a:tr>
+              <a:tr h="386248">
+                <a:tc>
+                  <a:txBody>
+                    <a:bodyPr/>
+                    <a:lstStyle/>
+                    <a:p>
+                      <a:endParaRPr kumimoji="1" lang="ja-JP" altLang="en-US" dirty="0"/>
+                    </a:p>
+                  </a:txBody>
+                  <a:tcPr/>
+                </a:tc>
+                <a:tc>
+                  <a:txBody>
+                    <a:bodyPr/>
+                    <a:lstStyle/>
+                    <a:p>
+                      <a:endParaRPr kumimoji="1" lang="ja-JP" altLang="en-US" dirty="0"/>
+                    </a:p>
+                  </a:txBody>
+                  <a:tcPr/>
+                </a:tc>
+                <a:tc>
+                  <a:txBody>
+                    <a:bodyPr/>
+                    <a:lstStyle/>
+                    <a:p>
+                      <a:endParaRPr kumimoji="1" lang="ja-JP" altLang="en-US"/>
+                    </a:p>
+                  </a:txBody>
+                  <a:tcPr/>
+                </a:tc>
+                <a:tc>
+                  <a:txBody>
+                    <a:bodyPr/>
+                    <a:lstStyle/>
+                    <a:p>
+                      <a:endParaRPr kumimoji="1" lang="ja-JP" altLang="en-US" dirty="0"/>
+                    </a:p>
+                  </a:txBody>
+                  <a:tcPr/>
+                </a:tc>
+              </a:tr>
+              <a:tr h="386248">
+                <a:tc>
+                  <a:txBody>
+                    <a:bodyPr/>
+                    <a:lstStyle/>
+                    <a:p>
+                      <a:endParaRPr kumimoji="1" lang="ja-JP" altLang="en-US" dirty="0"/>
+                    </a:p>
+                  </a:txBody>
+                  <a:tcPr/>
+                </a:tc>
+                <a:tc>
+                  <a:txBody>
+                    <a:bodyPr/>
+                    <a:lstStyle/>
+                    <a:p>
+                      <a:endParaRPr kumimoji="1" lang="ja-JP" altLang="en-US" dirty="0"/>
+                    </a:p>
+                  </a:txBody>
+                  <a:tcPr/>
+                </a:tc>
+                <a:tc>
+                  <a:txBody>
+                    <a:bodyPr/>
+                    <a:lstStyle/>
+                    <a:p>
+                      <a:endParaRPr kumimoji="1" lang="ja-JP" altLang="en-US"/>
+                    </a:p>
+                  </a:txBody>
+                  <a:tcPr/>
+                </a:tc>
+                <a:tc>
+                  <a:txBody>
+                    <a:bodyPr/>
+                    <a:lstStyle/>
+                    <a:p>
+                      <a:endParaRPr kumimoji="1" lang="ja-JP" altLang="en-US" dirty="0"/>
+                    </a:p>
+                  </a:txBody>
+                  <a:tcPr/>
+                </a:tc>
+              </a:tr>
+              <a:tr h="386248">
+                <a:tc>
+                  <a:txBody>
+                    <a:bodyPr/>
+                    <a:lstStyle/>
+                    <a:p>
+                      <a:endParaRPr kumimoji="1" lang="ja-JP" altLang="en-US" dirty="0"/>
+                    </a:p>
+                  </a:txBody>
+                  <a:tcPr/>
+                </a:tc>
+                <a:tc>
+                  <a:txBody>
+                    <a:bodyPr/>
+                    <a:lstStyle/>
+                    <a:p>
+                      <a:endParaRPr kumimoji="1" lang="ja-JP" altLang="en-US" dirty="0"/>
+                    </a:p>
+                  </a:txBody>
+                  <a:tcPr/>
+                </a:tc>
+                <a:tc>
+                  <a:txBody>
+                    <a:bodyPr/>
+                    <a:lstStyle/>
+                    <a:p>
+                      <a:endParaRPr kumimoji="1" lang="ja-JP" altLang="en-US"/>
+                    </a:p>
+                  </a:txBody>
+                  <a:tcPr/>
+                </a:tc>
+                <a:tc>
+                  <a:txBody>
+                    <a:bodyPr/>
+                    <a:lstStyle/>
+                    <a:p>
+                      <a:endParaRPr kumimoji="1" lang="ja-JP" altLang="en-US" dirty="0"/>
+                    </a:p>
+                  </a:txBody>
+                  <a:tcPr/>
+                </a:tc>
+              </a:tr>
+              <a:tr h="386248">
+                <a:tc>
+                  <a:txBody>
+                    <a:bodyPr/>
+                    <a:lstStyle/>
+                    <a:p>
+                      <a:endParaRPr kumimoji="1" lang="ja-JP" altLang="en-US" dirty="0"/>
+                    </a:p>
+                  </a:txBody>
+                  <a:tcPr/>
+                </a:tc>
+                <a:tc>
+                  <a:txBody>
+                    <a:bodyPr/>
+                    <a:lstStyle/>
+                    <a:p>
+                      <a:endParaRPr kumimoji="1" lang="ja-JP" altLang="en-US"/>
+                    </a:p>
+                  </a:txBody>
+                  <a:tcPr/>
+                </a:tc>
+                <a:tc>
+                  <a:txBody>
+                    <a:bodyPr/>
+                    <a:lstStyle/>
+                    <a:p>
+                      <a:endParaRPr kumimoji="1" lang="ja-JP" altLang="en-US"/>
+                    </a:p>
+                  </a:txBody>
+                  <a:tcPr/>
+                </a:tc>
+                <a:tc>
+                  <a:txBody>
+                    <a:bodyPr/>
+                    <a:lstStyle/>
+                    <a:p>
+                      <a:endParaRPr kumimoji="1" lang="ja-JP" altLang="en-US"/>
+                    </a:p>
+                  </a:txBody>
+                  <a:tcPr/>
+                </a:tc>
+              </a:tr>
+              <a:tr h="386248">
+                <a:tc>
+                  <a:txBody>
+                    <a:bodyPr/>
+                    <a:lstStyle/>
+                    <a:p>
+                      <a:endParaRPr kumimoji="1" lang="ja-JP" altLang="en-US"/>
+                    </a:p>
+                  </a:txBody>
+                  <a:tcPr/>
+                </a:tc>
+                <a:tc>
+                  <a:txBody>
+                    <a:bodyPr/>
+                    <a:lstStyle/>
+                    <a:p>
+                      <a:endParaRPr kumimoji="1" lang="ja-JP" altLang="en-US"/>
+                    </a:p>
+                  </a:txBody>
+                  <a:tcPr/>
+                </a:tc>
+                <a:tc>
+                  <a:txBody>
+                    <a:bodyPr/>
+                    <a:lstStyle/>
+                    <a:p>
+                      <a:endParaRPr kumimoji="1" lang="ja-JP" altLang="en-US"/>
+                    </a:p>
+                  </a:txBody>
+                  <a:tcPr/>
+                </a:tc>
+                <a:tc>
+                  <a:txBody>
+                    <a:bodyPr/>
+                    <a:lstStyle/>
+                    <a:p>
+                      <a:endParaRPr kumimoji="1" lang="ja-JP" altLang="en-US"/>
+                    </a:p>
+                  </a:txBody>
+                  <a:tcPr/>
+                </a:tc>
+              </a:tr>
+              <a:tr h="386248">
+                <a:tc>
+                  <a:txBody>
+                    <a:bodyPr/>
+                    <a:lstStyle/>
+                    <a:p>
+                      <a:endParaRPr kumimoji="1" lang="ja-JP" altLang="en-US"/>
+                    </a:p>
+                  </a:txBody>
+                  <a:tcPr/>
+                </a:tc>
+                <a:tc>
+                  <a:txBody>
+                    <a:bodyPr/>
+                    <a:lstStyle/>
+                    <a:p>
+                      <a:endParaRPr kumimoji="1" lang="ja-JP" altLang="en-US"/>
+                    </a:p>
+                  </a:txBody>
+                  <a:tcPr/>
+                </a:tc>
+                <a:tc>
+                  <a:txBody>
+                    <a:bodyPr/>
+                    <a:lstStyle/>
+                    <a:p>
+                      <a:endParaRPr kumimoji="1" lang="ja-JP" altLang="en-US"/>
+                    </a:p>
+                  </a:txBody>
+                  <a:tcPr/>
+                </a:tc>
+                <a:tc>
+                  <a:txBody>
+                    <a:bodyPr/>
+                    <a:lstStyle/>
+                    <a:p>
+                      <a:endParaRPr kumimoji="1" lang="ja-JP" altLang="en-US"/>
+                    </a:p>
+                  </a:txBody>
+                  <a:tcPr/>
+                </a:tc>
+              </a:tr>
+              <a:tr h="386248">
+                <a:tc>
+                  <a:txBody>
+                    <a:bodyPr/>
+                    <a:lstStyle/>
+                    <a:p>
+                      <a:endParaRPr kumimoji="1" lang="ja-JP" altLang="en-US"/>
+                    </a:p>
+                  </a:txBody>
+                  <a:tcPr/>
+                </a:tc>
+                <a:tc>
+                  <a:txBody>
+                    <a:bodyPr/>
+                    <a:lstStyle/>
+                    <a:p>
+                      <a:endParaRPr kumimoji="1" lang="ja-JP" altLang="en-US" dirty="0"/>
+                    </a:p>
+                  </a:txBody>
+                  <a:tcPr/>
+                </a:tc>
+                <a:tc>
+                  <a:txBody>
+                    <a:bodyPr/>
+                    <a:lstStyle/>
+                    <a:p>
+                      <a:endParaRPr kumimoji="1" lang="ja-JP" altLang="en-US" dirty="0"/>
+                    </a:p>
+                  </a:txBody>
+                  <a:tcPr/>
+                </a:tc>
+                <a:tc>
+                  <a:txBody>
+                    <a:bodyPr/>
+                    <a:lstStyle/>
+                    <a:p>
+                      <a:endParaRPr kumimoji="1" lang="ja-JP" altLang="en-US" dirty="0"/>
+                    </a:p>
+                  </a:txBody>
+                  <a:tcPr/>
+                </a:tc>
+              </a:tr>
+            </a:tbl>
+          </a:graphicData>
+        </a:graphic>
+      </p:graphicFrame>
+      <p:sp>
+        <p:nvSpPr>
+          <p:cNvPr id="41" name="円柱 40"/>
+          <p:cNvSpPr/>
+          <p:nvPr/>
+        </p:nvSpPr>
+        <p:spPr>
+          <a:xfrm>
+            <a:off x="8017036" y="2447634"/>
+            <a:ext cx="173182" cy="288636"/>
+          </a:xfrm>
+          <a:prstGeom prst="can">
+            <a:avLst/>
+          </a:prstGeom>
+          <a:noFill/>
+          <a:ln w="25400">
+            <a:solidFill>
+              <a:schemeClr val="tx1"/>
+            </a:solidFill>
+          </a:ln>
+          <a:effectLst/>
+        </p:spPr>
+        <p:style>
+          <a:lnRef idx="1">
+            <a:schemeClr val="accent1"/>
+          </a:lnRef>
+          <a:fillRef idx="3">
+            <a:schemeClr val="accent1"/>
+          </a:fillRef>
+          <a:effectRef idx="2">
+            <a:schemeClr val="accent1"/>
+          </a:effectRef>
+          <a:fontRef idx="minor">
+            <a:schemeClr val="lt1"/>
+          </a:fontRef>
+        </p:style>
+        <p:txBody>
+          <a:bodyPr rtlCol="0" anchor="ctr"/>
+          <a:lstStyle/>
+          <a:p>
+            <a:pPr algn="ctr"/>
+            <a:endParaRPr kumimoji="1" lang="ja-JP" altLang="en-US"/>
+          </a:p>
+        </p:txBody>
+      </p:sp>
+      <p:sp>
+        <p:nvSpPr>
+          <p:cNvPr id="42" name="円柱 41"/>
+          <p:cNvSpPr/>
+          <p:nvPr/>
+        </p:nvSpPr>
+        <p:spPr>
+          <a:xfrm>
+            <a:off x="8017036" y="2856340"/>
+            <a:ext cx="173182" cy="288636"/>
+          </a:xfrm>
+          <a:prstGeom prst="can">
+            <a:avLst/>
+          </a:prstGeom>
+          <a:noFill/>
+          <a:ln w="25400">
+            <a:solidFill>
+              <a:schemeClr val="tx1"/>
+            </a:solidFill>
+          </a:ln>
+          <a:effectLst/>
+        </p:spPr>
+        <p:style>
+          <a:lnRef idx="1">
+            <a:schemeClr val="accent1"/>
+          </a:lnRef>
+          <a:fillRef idx="3">
+            <a:schemeClr val="accent1"/>
+          </a:fillRef>
+          <a:effectRef idx="2">
+            <a:schemeClr val="accent1"/>
+          </a:effectRef>
+          <a:fontRef idx="minor">
+            <a:schemeClr val="lt1"/>
+          </a:fontRef>
+        </p:style>
+        <p:txBody>
+          <a:bodyPr rtlCol="0" anchor="ctr"/>
+          <a:lstStyle/>
+          <a:p>
+            <a:pPr algn="ctr"/>
+            <a:endParaRPr kumimoji="1" lang="ja-JP" altLang="en-US"/>
+          </a:p>
+        </p:txBody>
+      </p:sp>
+      <p:sp>
+        <p:nvSpPr>
+          <p:cNvPr id="45" name="円柱 44"/>
+          <p:cNvSpPr/>
+          <p:nvPr/>
+        </p:nvSpPr>
+        <p:spPr>
+          <a:xfrm>
+            <a:off x="8017036" y="3235027"/>
+            <a:ext cx="173182" cy="288636"/>
+          </a:xfrm>
+          <a:prstGeom prst="can">
+            <a:avLst/>
+          </a:prstGeom>
+          <a:noFill/>
+          <a:ln w="25400">
+            <a:solidFill>
+              <a:schemeClr val="tx1"/>
+            </a:solidFill>
+          </a:ln>
+          <a:effectLst/>
+        </p:spPr>
+        <p:style>
+          <a:lnRef idx="1">
+            <a:schemeClr val="accent1"/>
+          </a:lnRef>
+          <a:fillRef idx="3">
+            <a:schemeClr val="accent1"/>
+          </a:fillRef>
+          <a:effectRef idx="2">
+            <a:schemeClr val="accent1"/>
+          </a:effectRef>
+          <a:fontRef idx="minor">
+            <a:schemeClr val="lt1"/>
+          </a:fontRef>
+        </p:style>
+        <p:txBody>
+          <a:bodyPr rtlCol="0" anchor="ctr"/>
+          <a:lstStyle/>
+          <a:p>
+            <a:pPr algn="ctr"/>
+            <a:endParaRPr kumimoji="1" lang="ja-JP" altLang="en-US"/>
+          </a:p>
+        </p:txBody>
+      </p:sp>
+      <p:sp>
+        <p:nvSpPr>
+          <p:cNvPr id="46" name="円柱 45"/>
+          <p:cNvSpPr/>
+          <p:nvPr/>
+        </p:nvSpPr>
+        <p:spPr>
+          <a:xfrm>
+            <a:off x="8017036" y="3624105"/>
+            <a:ext cx="173182" cy="288636"/>
+          </a:xfrm>
+          <a:prstGeom prst="can">
+            <a:avLst/>
+          </a:prstGeom>
+          <a:noFill/>
+          <a:ln w="25400">
+            <a:solidFill>
+              <a:schemeClr val="tx1"/>
+            </a:solidFill>
+          </a:ln>
+          <a:effectLst/>
+        </p:spPr>
+        <p:style>
+          <a:lnRef idx="1">
+            <a:schemeClr val="accent1"/>
+          </a:lnRef>
+          <a:fillRef idx="3">
+            <a:schemeClr val="accent1"/>
+          </a:fillRef>
+          <a:effectRef idx="2">
+            <a:schemeClr val="accent1"/>
+          </a:effectRef>
+          <a:fontRef idx="minor">
+            <a:schemeClr val="lt1"/>
+          </a:fontRef>
+        </p:style>
+        <p:txBody>
+          <a:bodyPr rtlCol="0" anchor="ctr"/>
+          <a:lstStyle/>
+          <a:p>
+            <a:pPr algn="ctr"/>
+            <a:endParaRPr kumimoji="1" lang="ja-JP" altLang="en-US"/>
+          </a:p>
+        </p:txBody>
+      </p:sp>
+      <p:sp>
+        <p:nvSpPr>
+          <p:cNvPr id="47" name="円柱 46"/>
+          <p:cNvSpPr/>
+          <p:nvPr/>
+        </p:nvSpPr>
+        <p:spPr>
+          <a:xfrm>
+            <a:off x="8017036" y="4008555"/>
+            <a:ext cx="173182" cy="288636"/>
+          </a:xfrm>
+          <a:prstGeom prst="can">
+            <a:avLst/>
+          </a:prstGeom>
+          <a:noFill/>
+          <a:ln w="25400">
+            <a:solidFill>
+              <a:schemeClr val="tx1"/>
+            </a:solidFill>
+          </a:ln>
+          <a:effectLst/>
+        </p:spPr>
+        <p:style>
+          <a:lnRef idx="1">
+            <a:schemeClr val="accent1"/>
+          </a:lnRef>
+          <a:fillRef idx="3">
+            <a:schemeClr val="accent1"/>
+          </a:fillRef>
+          <a:effectRef idx="2">
+            <a:schemeClr val="accent1"/>
+          </a:effectRef>
+          <a:fontRef idx="minor">
+            <a:schemeClr val="lt1"/>
+          </a:fontRef>
+        </p:style>
+        <p:txBody>
+          <a:bodyPr rtlCol="0" anchor="ctr"/>
+          <a:lstStyle/>
+          <a:p>
+            <a:pPr algn="ctr"/>
+            <a:endParaRPr kumimoji="1" lang="ja-JP" altLang="en-US"/>
+          </a:p>
+        </p:txBody>
+      </p:sp>
+      <p:sp>
+        <p:nvSpPr>
+          <p:cNvPr id="48" name="円柱 47"/>
+          <p:cNvSpPr/>
+          <p:nvPr/>
+        </p:nvSpPr>
+        <p:spPr>
+          <a:xfrm>
+            <a:off x="8017036" y="4397633"/>
+            <a:ext cx="173182" cy="288636"/>
+          </a:xfrm>
+          <a:prstGeom prst="can">
+            <a:avLst/>
+          </a:prstGeom>
+          <a:noFill/>
+          <a:ln w="25400">
+            <a:solidFill>
+              <a:schemeClr val="tx1"/>
+            </a:solidFill>
+          </a:ln>
+          <a:effectLst/>
+        </p:spPr>
+        <p:style>
+          <a:lnRef idx="1">
+            <a:schemeClr val="accent1"/>
+          </a:lnRef>
+          <a:fillRef idx="3">
+            <a:schemeClr val="accent1"/>
+          </a:fillRef>
+          <a:effectRef idx="2">
+            <a:schemeClr val="accent1"/>
+          </a:effectRef>
+          <a:fontRef idx="minor">
+            <a:schemeClr val="lt1"/>
+          </a:fontRef>
+        </p:style>
+        <p:txBody>
+          <a:bodyPr rtlCol="0" anchor="ctr"/>
+          <a:lstStyle/>
+          <a:p>
+            <a:pPr algn="ctr"/>
+            <a:endParaRPr kumimoji="1" lang="ja-JP" altLang="en-US"/>
+          </a:p>
+        </p:txBody>
+      </p:sp>
+      <p:sp>
+        <p:nvSpPr>
+          <p:cNvPr id="49" name="円柱 48"/>
+          <p:cNvSpPr/>
+          <p:nvPr/>
+        </p:nvSpPr>
+        <p:spPr>
+          <a:xfrm>
+            <a:off x="8017036" y="4782067"/>
+            <a:ext cx="173182" cy="288636"/>
+          </a:xfrm>
+          <a:prstGeom prst="can">
+            <a:avLst/>
+          </a:prstGeom>
+          <a:noFill/>
+          <a:ln w="25400">
+            <a:solidFill>
+              <a:schemeClr val="tx1"/>
+            </a:solidFill>
+          </a:ln>
+          <a:effectLst/>
+        </p:spPr>
+        <p:style>
+          <a:lnRef idx="1">
+            <a:schemeClr val="accent1"/>
+          </a:lnRef>
+          <a:fillRef idx="3">
+            <a:schemeClr val="accent1"/>
+          </a:fillRef>
+          <a:effectRef idx="2">
+            <a:schemeClr val="accent1"/>
+          </a:effectRef>
+          <a:fontRef idx="minor">
+            <a:schemeClr val="lt1"/>
+          </a:fontRef>
+        </p:style>
+        <p:txBody>
+          <a:bodyPr rtlCol="0" anchor="ctr"/>
+          <a:lstStyle/>
+          <a:p>
+            <a:pPr algn="ctr"/>
+            <a:endParaRPr kumimoji="1" lang="ja-JP" altLang="en-US"/>
+          </a:p>
+        </p:txBody>
+      </p:sp>
+      <p:sp>
+        <p:nvSpPr>
+          <p:cNvPr id="50" name="円柱 49"/>
+          <p:cNvSpPr/>
+          <p:nvPr/>
+        </p:nvSpPr>
+        <p:spPr>
+          <a:xfrm>
+            <a:off x="8017036" y="5169935"/>
+            <a:ext cx="173182" cy="288636"/>
+          </a:xfrm>
+          <a:prstGeom prst="can">
+            <a:avLst/>
+          </a:prstGeom>
+          <a:noFill/>
+          <a:ln w="25400">
+            <a:solidFill>
+              <a:schemeClr val="tx1"/>
+            </a:solidFill>
+          </a:ln>
+          <a:effectLst/>
+        </p:spPr>
+        <p:style>
+          <a:lnRef idx="1">
+            <a:schemeClr val="accent1"/>
+          </a:lnRef>
+          <a:fillRef idx="3">
+            <a:schemeClr val="accent1"/>
+          </a:fillRef>
+          <a:effectRef idx="2">
+            <a:schemeClr val="accent1"/>
+          </a:effectRef>
+          <a:fontRef idx="minor">
+            <a:schemeClr val="lt1"/>
+          </a:fontRef>
+        </p:style>
+        <p:txBody>
+          <a:bodyPr rtlCol="0" anchor="ctr"/>
+          <a:lstStyle/>
+          <a:p>
+            <a:pPr algn="ctr"/>
+            <a:endParaRPr kumimoji="1" lang="ja-JP" altLang="en-US"/>
+          </a:p>
+        </p:txBody>
+      </p:sp>
+      <p:sp>
+        <p:nvSpPr>
+          <p:cNvPr id="51" name="円柱 50"/>
+          <p:cNvSpPr/>
+          <p:nvPr/>
+        </p:nvSpPr>
+        <p:spPr>
+          <a:xfrm>
+            <a:off x="8017036" y="5559013"/>
+            <a:ext cx="173182" cy="288636"/>
+          </a:xfrm>
+          <a:prstGeom prst="can">
+            <a:avLst/>
+          </a:prstGeom>
+          <a:noFill/>
+          <a:ln w="25400">
+            <a:solidFill>
+              <a:schemeClr val="tx1"/>
+            </a:solidFill>
+          </a:ln>
+          <a:effectLst/>
+        </p:spPr>
+        <p:style>
+          <a:lnRef idx="1">
+            <a:schemeClr val="accent1"/>
+          </a:lnRef>
+          <a:fillRef idx="3">
+            <a:schemeClr val="accent1"/>
+          </a:fillRef>
+          <a:effectRef idx="2">
+            <a:schemeClr val="accent1"/>
+          </a:effectRef>
+          <a:fontRef idx="minor">
+            <a:schemeClr val="lt1"/>
+          </a:fontRef>
+        </p:style>
+        <p:txBody>
+          <a:bodyPr rtlCol="0" anchor="ctr"/>
+          <a:lstStyle/>
+          <a:p>
+            <a:pPr algn="ctr"/>
+            <a:endParaRPr kumimoji="1" lang="ja-JP" altLang="en-US"/>
+          </a:p>
+        </p:txBody>
+      </p:sp>
+      <p:sp>
+        <p:nvSpPr>
+          <p:cNvPr id="54" name="円柱 53"/>
+          <p:cNvSpPr/>
+          <p:nvPr/>
+        </p:nvSpPr>
+        <p:spPr>
+          <a:xfrm>
+            <a:off x="8017036" y="5930778"/>
+            <a:ext cx="173182" cy="288636"/>
+          </a:xfrm>
+          <a:prstGeom prst="can">
+            <a:avLst/>
+          </a:prstGeom>
+          <a:noFill/>
+          <a:ln w="25400">
+            <a:solidFill>
+              <a:schemeClr val="tx1"/>
+            </a:solidFill>
+          </a:ln>
+          <a:effectLst/>
+        </p:spPr>
+        <p:style>
+          <a:lnRef idx="1">
+            <a:schemeClr val="accent1"/>
+          </a:lnRef>
+          <a:fillRef idx="3">
+            <a:schemeClr val="accent1"/>
+          </a:fillRef>
+          <a:effectRef idx="2">
+            <a:schemeClr val="accent1"/>
+          </a:effectRef>
+          <a:fontRef idx="minor">
+            <a:schemeClr val="lt1"/>
+          </a:fontRef>
+        </p:style>
+        <p:txBody>
+          <a:bodyPr rtlCol="0" anchor="ctr"/>
+          <a:lstStyle/>
+          <a:p>
+            <a:pPr algn="ctr"/>
+            <a:endParaRPr kumimoji="1" lang="ja-JP" altLang="en-US"/>
+          </a:p>
+        </p:txBody>
+      </p:sp>
+      <p:sp>
+        <p:nvSpPr>
+          <p:cNvPr id="55" name="正方形/長方形 54"/>
+          <p:cNvSpPr/>
+          <p:nvPr/>
+        </p:nvSpPr>
+        <p:spPr>
+          <a:xfrm>
+            <a:off x="783269" y="935182"/>
+            <a:ext cx="7575640" cy="5541817"/>
+          </a:xfrm>
+          <a:prstGeom prst="rect">
+            <a:avLst/>
+          </a:prstGeom>
+          <a:solidFill>
+            <a:schemeClr val="bg1">
+              <a:lumMod val="75000"/>
+              <a:alpha val="50000"/>
+            </a:schemeClr>
+          </a:solidFill>
+          <a:ln w="25400">
+            <a:solidFill>
+              <a:schemeClr val="tx1"/>
+            </a:solidFill>
+          </a:ln>
+          <a:effectLst/>
+        </p:spPr>
+        <p:style>
+          <a:lnRef idx="1">
+            <a:schemeClr val="accent1"/>
+          </a:lnRef>
+          <a:fillRef idx="3">
+            <a:schemeClr val="accent1"/>
+          </a:fillRef>
+          <a:effectRef idx="2">
+            <a:schemeClr val="accent1"/>
+          </a:effectRef>
+          <a:fontRef idx="minor">
+            <a:schemeClr val="lt1"/>
+          </a:fontRef>
+        </p:style>
+        <p:txBody>
+          <a:bodyPr rtlCol="0" anchor="ctr"/>
+          <a:lstStyle/>
+          <a:p>
+            <a:pPr algn="ctr"/>
+            <a:endParaRPr kumimoji="1" lang="ja-JP" altLang="en-US" sz="2800" dirty="0">
+              <a:solidFill>
+                <a:schemeClr val="tx1"/>
+              </a:solidFill>
+              <a:latin typeface="メイリオ"/>
+              <a:ea typeface="メイリオ"/>
+              <a:cs typeface="メイリオ"/>
+            </a:endParaRPr>
+          </a:p>
+        </p:txBody>
+      </p:sp>
+      <p:grpSp>
+        <p:nvGrpSpPr>
+          <p:cNvPr id="5" name="図形グループ 4"/>
+          <p:cNvGrpSpPr/>
+          <p:nvPr/>
+        </p:nvGrpSpPr>
+        <p:grpSpPr>
+          <a:xfrm>
+            <a:off x="3017146" y="2447634"/>
+            <a:ext cx="2989891" cy="875242"/>
+            <a:chOff x="3017146" y="2447634"/>
+            <a:chExt cx="2989891" cy="875242"/>
+          </a:xfrm>
+        </p:grpSpPr>
+        <p:grpSp>
+          <p:nvGrpSpPr>
+            <p:cNvPr id="6" name="図形グループ 5"/>
+            <p:cNvGrpSpPr/>
+            <p:nvPr/>
+          </p:nvGrpSpPr>
+          <p:grpSpPr>
+            <a:xfrm>
+              <a:off x="3017146" y="2447634"/>
+              <a:ext cx="2989891" cy="875242"/>
+              <a:chOff x="1834387" y="2031998"/>
+              <a:chExt cx="5525476" cy="1981328"/>
+            </a:xfrm>
+          </p:grpSpPr>
+          <p:sp>
+            <p:nvSpPr>
+              <p:cNvPr id="2" name="角丸四角形 1"/>
+              <p:cNvSpPr/>
+              <p:nvPr/>
+            </p:nvSpPr>
+            <p:spPr>
+              <a:xfrm>
+                <a:off x="1834387" y="2031998"/>
+                <a:ext cx="5525476" cy="1981328"/>
+              </a:xfrm>
+              <a:prstGeom prst="roundRect">
+                <a:avLst/>
+              </a:prstGeom>
+              <a:solidFill>
+                <a:schemeClr val="bg1"/>
+              </a:solidFill>
+              <a:ln>
+                <a:solidFill>
+                  <a:schemeClr val="tx1"/>
+                </a:solidFill>
+              </a:ln>
+            </p:spPr>
+            <p:style>
+              <a:lnRef idx="1">
+                <a:schemeClr val="accent1"/>
+              </a:lnRef>
+              <a:fillRef idx="3">
+                <a:schemeClr val="accent1"/>
+              </a:fillRef>
+              <a:effectRef idx="2">
+                <a:schemeClr val="accent1"/>
+              </a:effectRef>
+              <a:fontRef idx="minor">
+                <a:schemeClr val="lt1"/>
+              </a:fontRef>
+            </p:style>
+            <p:txBody>
+              <a:bodyPr rtlCol="0" anchor="ctr"/>
+              <a:lstStyle/>
+              <a:p>
+                <a:pPr algn="ctr"/>
+                <a:endParaRPr kumimoji="1" lang="ja-JP" altLang="en-US"/>
+              </a:p>
+            </p:txBody>
+          </p:sp>
+          <p:sp>
+            <p:nvSpPr>
+              <p:cNvPr id="27" name="角丸四角形 26"/>
+              <p:cNvSpPr/>
+              <p:nvPr/>
+            </p:nvSpPr>
+            <p:spPr>
+              <a:xfrm>
+                <a:off x="5667601" y="3225109"/>
+                <a:ext cx="1522149" cy="552982"/>
+              </a:xfrm>
+              <a:prstGeom prst="roundRect">
+                <a:avLst/>
+              </a:prstGeom>
+              <a:solidFill>
+                <a:srgbClr val="008000"/>
+              </a:solidFill>
+              <a:ln w="25400">
+                <a:noFill/>
+              </a:ln>
+              <a:effectLst/>
+            </p:spPr>
+            <p:style>
+              <a:lnRef idx="1">
+                <a:schemeClr val="accent1"/>
+              </a:lnRef>
+              <a:fillRef idx="3">
+                <a:schemeClr val="accent1"/>
+              </a:fillRef>
+              <a:effectRef idx="2">
+                <a:schemeClr val="accent1"/>
+              </a:effectRef>
+              <a:fontRef idx="minor">
+                <a:schemeClr val="lt1"/>
+              </a:fontRef>
+            </p:style>
+            <p:txBody>
+              <a:bodyPr rtlCol="0" anchor="ctr"/>
+              <a:lstStyle/>
+              <a:p>
+                <a:pPr algn="ctr"/>
+                <a:r>
+                  <a:rPr lang="ja-JP" altLang="en-US" sz="1200" dirty="0" smtClean="0">
+                    <a:solidFill>
+                      <a:srgbClr val="FFFFFF"/>
+                    </a:solidFill>
+                    <a:latin typeface="メイリオ"/>
+                    <a:ea typeface="メイリオ"/>
+                    <a:cs typeface="メイリオ"/>
+                  </a:rPr>
+                  <a:t>はい</a:t>
+                </a:r>
+                <a:endParaRPr kumimoji="1" lang="ja-JP" altLang="en-US" sz="1200" dirty="0">
+                  <a:solidFill>
+                    <a:srgbClr val="FFFFFF"/>
+                  </a:solidFill>
+                  <a:latin typeface="メイリオ"/>
+                  <a:ea typeface="メイリオ"/>
+                  <a:cs typeface="メイリオ"/>
+                </a:endParaRPr>
+              </a:p>
+            </p:txBody>
+          </p:sp>
+          <p:sp>
+            <p:nvSpPr>
+              <p:cNvPr id="44" name="テキスト ボックス 43"/>
+              <p:cNvSpPr txBox="1"/>
+              <p:nvPr/>
+            </p:nvSpPr>
+            <p:spPr>
+              <a:xfrm>
+                <a:off x="2058312" y="2119080"/>
+                <a:ext cx="1980029" cy="696730"/>
+              </a:xfrm>
+              <a:prstGeom prst="rect">
+                <a:avLst/>
+              </a:prstGeom>
+              <a:noFill/>
+            </p:spPr>
+            <p:txBody>
+              <a:bodyPr wrap="none" rtlCol="0">
+                <a:spAutoFit/>
+              </a:bodyPr>
+              <a:lstStyle/>
+              <a:p>
+                <a:r>
+                  <a:rPr lang="en-US" altLang="en-US" sz="1400" dirty="0" smtClean="0">
+                    <a:latin typeface="メイリオ"/>
+                    <a:ea typeface="メイリオ"/>
+                    <a:cs typeface="メイリオ"/>
+                  </a:rPr>
+                  <a:t>本当に削除しますか？</a:t>
+                </a:r>
+                <a:endParaRPr kumimoji="1" lang="ja-JP" altLang="en-US" sz="1400" dirty="0">
+                  <a:latin typeface="メイリオ"/>
+                  <a:ea typeface="メイリオ"/>
+                  <a:cs typeface="メイリオ"/>
+                </a:endParaRPr>
+              </a:p>
+            </p:txBody>
+          </p:sp>
+        </p:grpSp>
+        <p:sp>
+          <p:nvSpPr>
+            <p:cNvPr id="52" name="角丸四角形 51"/>
+            <p:cNvSpPr/>
+            <p:nvPr/>
+          </p:nvSpPr>
+          <p:spPr>
+            <a:xfrm>
+              <a:off x="4172054" y="2974685"/>
+              <a:ext cx="823650" cy="244277"/>
+            </a:xfrm>
+            <a:prstGeom prst="roundRect">
+              <a:avLst/>
+            </a:prstGeom>
+            <a:solidFill>
+              <a:srgbClr val="FF0000"/>
+            </a:solidFill>
+            <a:ln w="25400">
+              <a:noFill/>
+            </a:ln>
+            <a:effectLst/>
+          </p:spPr>
+          <p:style>
+            <a:lnRef idx="1">
+              <a:schemeClr val="accent1"/>
+            </a:lnRef>
+            <a:fillRef idx="3">
+              <a:schemeClr val="accent1"/>
+            </a:fillRef>
+            <a:effectRef idx="2">
+              <a:schemeClr val="accent1"/>
+            </a:effectRef>
+            <a:fontRef idx="minor">
+              <a:schemeClr val="lt1"/>
+            </a:fontRef>
+          </p:style>
+          <p:txBody>
+            <a:bodyPr rtlCol="0" anchor="ctr"/>
+            <a:lstStyle/>
+            <a:p>
+              <a:pPr algn="ctr"/>
+              <a:r>
+                <a:rPr lang="ja-JP" altLang="en-US" sz="1200" dirty="0" smtClean="0">
+                  <a:solidFill>
+                    <a:schemeClr val="bg1"/>
+                  </a:solidFill>
+                  <a:latin typeface="メイリオ"/>
+                  <a:ea typeface="メイリオ"/>
+                  <a:cs typeface="メイリオ"/>
+                </a:rPr>
+                <a:t>いいえ</a:t>
+              </a:r>
+              <a:endParaRPr kumimoji="1" lang="ja-JP" altLang="en-US" sz="1200" dirty="0">
+                <a:solidFill>
+                  <a:schemeClr val="bg1"/>
+                </a:solidFill>
+                <a:latin typeface="メイリオ"/>
+                <a:ea typeface="メイリオ"/>
+                <a:cs typeface="メイリオ"/>
+              </a:endParaRPr>
+            </a:p>
+          </p:txBody>
+        </p:sp>
+      </p:grpSp>
+      <p:cxnSp>
+        <p:nvCxnSpPr>
+          <p:cNvPr id="43" name="直線コネクタ 42"/>
+          <p:cNvCxnSpPr>
+            <a:stCxn id="2" idx="1"/>
+            <a:endCxn id="2" idx="3"/>
+          </p:cNvCxnSpPr>
+          <p:nvPr/>
+        </p:nvCxnSpPr>
+        <p:spPr>
+          <a:xfrm>
+            <a:off x="3017146" y="2885255"/>
+            <a:ext cx="2989891" cy="0"/>
+          </a:xfrm>
+          <a:prstGeom prst="line">
+            <a:avLst/>
+          </a:prstGeom>
+          <a:ln>
+            <a:solidFill>
+              <a:schemeClr val="bg1">
+                <a:lumMod val="65000"/>
+              </a:schemeClr>
+            </a:solidFill>
+          </a:ln>
+          <a:effectLst/>
+        </p:spPr>
+        <p:style>
+          <a:lnRef idx="2">
+            <a:schemeClr val="accent1"/>
+          </a:lnRef>
+          <a:fillRef idx="0">
+            <a:schemeClr val="accent1"/>
+          </a:fillRef>
+          <a:effectRef idx="1">
+            <a:schemeClr val="accent1"/>
+          </a:effectRef>
+          <a:fontRef idx="minor">
+            <a:schemeClr val="tx1"/>
+          </a:fontRef>
+        </p:style>
+      </p:cxnSp>
+    </p:spTree>
+    <p:extLst>
+      <p:ext uri="{BB962C8B-B14F-4D97-AF65-F5344CB8AC3E}">
+        <p14:creationId xmlns:p14="http://schemas.microsoft.com/office/powerpoint/2010/main" val="2696243459"/>
       </p:ext>
     </p:extLst>
   </p:cSld>

--- a/bin/algieba.pptx
+++ b/bin/algieba.pptx
@@ -5,15 +5,16 @@
     <p:sldMasterId id="2147483648" r:id="rId1"/>
   </p:sldMasterIdLst>
   <p:notesMasterIdLst>
-    <p:notesMasterId r:id="rId8"/>
+    <p:notesMasterId r:id="rId9"/>
   </p:notesMasterIdLst>
   <p:sldIdLst>
     <p:sldId id="256" r:id="rId2"/>
     <p:sldId id="263" r:id="rId3"/>
     <p:sldId id="266" r:id="rId4"/>
     <p:sldId id="265" r:id="rId5"/>
-    <p:sldId id="267" r:id="rId6"/>
-    <p:sldId id="268" r:id="rId7"/>
+    <p:sldId id="269" r:id="rId6"/>
+    <p:sldId id="267" r:id="rId7"/>
+    <p:sldId id="268" r:id="rId8"/>
   </p:sldIdLst>
   <p:sldSz cx="9144000" cy="6858000" type="screen4x3"/>
   <p:notesSz cx="6858000" cy="9144000"/>
@@ -197,7 +198,7 @@
           <a:p>
             <a:fld id="{EE82FEE5-269B-9B49-A8C4-823C45BE6055}" type="datetimeFigureOut">
               <a:rPr kumimoji="1" lang="ja-JP" altLang="en-US" smtClean="0"/>
-              <a:t>17/07/29</a:t>
+              <a:t>17/08/05</a:t>
             </a:fld>
             <a:endParaRPr kumimoji="1" lang="ja-JP" altLang="en-US"/>
           </a:p>
@@ -917,6 +918,90 @@
 </p:notes>
 </file>
 
+<file path=ppt/notesSlides/notesSlide6.xml><?xml version="1.0" encoding="utf-8"?>
+<p:notes xmlns:a="http://schemas.openxmlformats.org/drawingml/2006/main" xmlns:r="http://schemas.openxmlformats.org/officeDocument/2006/relationships" xmlns:p="http://schemas.openxmlformats.org/presentationml/2006/main">
+  <p:cSld>
+    <p:spTree>
+      <p:nvGrpSpPr>
+        <p:cNvPr id="1" name=""/>
+        <p:cNvGrpSpPr/>
+        <p:nvPr/>
+      </p:nvGrpSpPr>
+      <p:grpSpPr>
+        <a:xfrm>
+          <a:off x="0" y="0"/>
+          <a:ext cx="0" cy="0"/>
+          <a:chOff x="0" y="0"/>
+          <a:chExt cx="0" cy="0"/>
+        </a:xfrm>
+      </p:grpSpPr>
+      <p:sp>
+        <p:nvSpPr>
+          <p:cNvPr id="2" name="スライド イメージ プレースホルダー 1"/>
+          <p:cNvSpPr>
+            <a:spLocks noGrp="1" noRot="1" noChangeAspect="1"/>
+          </p:cNvSpPr>
+          <p:nvPr>
+            <p:ph type="sldImg"/>
+          </p:nvPr>
+        </p:nvSpPr>
+        <p:spPr/>
+      </p:sp>
+      <p:sp>
+        <p:nvSpPr>
+          <p:cNvPr id="3" name="ノート プレースホルダー 2"/>
+          <p:cNvSpPr>
+            <a:spLocks noGrp="1"/>
+          </p:cNvSpPr>
+          <p:nvPr>
+            <p:ph type="body" idx="1"/>
+          </p:nvPr>
+        </p:nvSpPr>
+        <p:spPr/>
+        <p:txBody>
+          <a:bodyPr/>
+          <a:lstStyle/>
+          <a:p>
+            <a:endParaRPr kumimoji="1" lang="ja-JP" altLang="en-US" dirty="0"/>
+          </a:p>
+        </p:txBody>
+      </p:sp>
+      <p:sp>
+        <p:nvSpPr>
+          <p:cNvPr id="4" name="スライド番号プレースホルダー 3"/>
+          <p:cNvSpPr>
+            <a:spLocks noGrp="1"/>
+          </p:cNvSpPr>
+          <p:nvPr>
+            <p:ph type="sldNum" sz="quarter" idx="10"/>
+          </p:nvPr>
+        </p:nvSpPr>
+        <p:spPr/>
+        <p:txBody>
+          <a:bodyPr/>
+          <a:lstStyle/>
+          <a:p>
+            <a:fld id="{A9E1B25B-30E5-7A42-A56A-DF1A6F86BC06}" type="slidenum">
+              <a:rPr kumimoji="1" lang="ja-JP" altLang="en-US" smtClean="0"/>
+              <a:t>7</a:t>
+            </a:fld>
+            <a:endParaRPr kumimoji="1" lang="ja-JP" altLang="en-US"/>
+          </a:p>
+        </p:txBody>
+      </p:sp>
+    </p:spTree>
+    <p:extLst>
+      <p:ext uri="{BB962C8B-B14F-4D97-AF65-F5344CB8AC3E}">
+        <p14:creationId xmlns:p14="http://schemas.microsoft.com/office/powerpoint/2010/main" val="3631066132"/>
+      </p:ext>
+    </p:extLst>
+  </p:cSld>
+  <p:clrMapOvr>
+    <a:masterClrMapping/>
+  </p:clrMapOvr>
+</p:notes>
+</file>
+
 <file path=ppt/slideLayouts/slideLayout1.xml><?xml version="1.0" encoding="utf-8"?>
 <p:sldLayout xmlns:a="http://schemas.openxmlformats.org/drawingml/2006/main" xmlns:r="http://schemas.openxmlformats.org/officeDocument/2006/relationships" xmlns:p="http://schemas.openxmlformats.org/presentationml/2006/main" type="title" preserve="1">
   <p:cSld name="タイトル スライド">
@@ -1098,7 +1183,7 @@
           <a:p>
             <a:fld id="{3ABA01A1-4899-9944-833D-6A66CDE659CB}" type="datetimeFigureOut">
               <a:rPr kumimoji="1" lang="ja-JP" altLang="en-US" smtClean="0"/>
-              <a:t>17/07/29</a:t>
+              <a:t>17/08/05</a:t>
             </a:fld>
             <a:endParaRPr kumimoji="1" lang="ja-JP" altLang="en-US"/>
           </a:p>
@@ -1300,7 +1385,7 @@
           <a:p>
             <a:fld id="{3ABA01A1-4899-9944-833D-6A66CDE659CB}" type="datetimeFigureOut">
               <a:rPr kumimoji="1" lang="ja-JP" altLang="en-US" smtClean="0"/>
-              <a:t>17/07/29</a:t>
+              <a:t>17/08/05</a:t>
             </a:fld>
             <a:endParaRPr kumimoji="1" lang="ja-JP" altLang="en-US"/>
           </a:p>
@@ -1512,7 +1597,7 @@
           <a:p>
             <a:fld id="{3ABA01A1-4899-9944-833D-6A66CDE659CB}" type="datetimeFigureOut">
               <a:rPr kumimoji="1" lang="ja-JP" altLang="en-US" smtClean="0"/>
-              <a:t>17/07/29</a:t>
+              <a:t>17/08/05</a:t>
             </a:fld>
             <a:endParaRPr kumimoji="1" lang="ja-JP" altLang="en-US"/>
           </a:p>
@@ -1714,7 +1799,7 @@
           <a:p>
             <a:fld id="{3ABA01A1-4899-9944-833D-6A66CDE659CB}" type="datetimeFigureOut">
               <a:rPr kumimoji="1" lang="ja-JP" altLang="en-US" smtClean="0"/>
-              <a:t>17/07/29</a:t>
+              <a:t>17/08/05</a:t>
             </a:fld>
             <a:endParaRPr kumimoji="1" lang="ja-JP" altLang="en-US"/>
           </a:p>
@@ -1960,7 +2045,7 @@
           <a:p>
             <a:fld id="{3ABA01A1-4899-9944-833D-6A66CDE659CB}" type="datetimeFigureOut">
               <a:rPr kumimoji="1" lang="ja-JP" altLang="en-US" smtClean="0"/>
-              <a:t>17/07/29</a:t>
+              <a:t>17/08/05</a:t>
             </a:fld>
             <a:endParaRPr kumimoji="1" lang="ja-JP" altLang="en-US"/>
           </a:p>
@@ -2312,7 +2397,7 @@
           <a:p>
             <a:fld id="{3ABA01A1-4899-9944-833D-6A66CDE659CB}" type="datetimeFigureOut">
               <a:rPr kumimoji="1" lang="ja-JP" altLang="en-US" smtClean="0"/>
-              <a:t>17/07/29</a:t>
+              <a:t>17/08/05</a:t>
             </a:fld>
             <a:endParaRPr kumimoji="1" lang="ja-JP" altLang="en-US"/>
           </a:p>
@@ -2798,7 +2883,7 @@
           <a:p>
             <a:fld id="{3ABA01A1-4899-9944-833D-6A66CDE659CB}" type="datetimeFigureOut">
               <a:rPr kumimoji="1" lang="ja-JP" altLang="en-US" smtClean="0"/>
-              <a:t>17/07/29</a:t>
+              <a:t>17/08/05</a:t>
             </a:fld>
             <a:endParaRPr kumimoji="1" lang="ja-JP" altLang="en-US"/>
           </a:p>
@@ -2916,7 +3001,7 @@
           <a:p>
             <a:fld id="{3ABA01A1-4899-9944-833D-6A66CDE659CB}" type="datetimeFigureOut">
               <a:rPr kumimoji="1" lang="ja-JP" altLang="en-US" smtClean="0"/>
-              <a:t>17/07/29</a:t>
+              <a:t>17/08/05</a:t>
             </a:fld>
             <a:endParaRPr kumimoji="1" lang="ja-JP" altLang="en-US"/>
           </a:p>
@@ -3011,7 +3096,7 @@
           <a:p>
             <a:fld id="{3ABA01A1-4899-9944-833D-6A66CDE659CB}" type="datetimeFigureOut">
               <a:rPr kumimoji="1" lang="ja-JP" altLang="en-US" smtClean="0"/>
-              <a:t>17/07/29</a:t>
+              <a:t>17/08/05</a:t>
             </a:fld>
             <a:endParaRPr kumimoji="1" lang="ja-JP" altLang="en-US"/>
           </a:p>
@@ -3320,7 +3405,7 @@
           <a:p>
             <a:fld id="{3ABA01A1-4899-9944-833D-6A66CDE659CB}" type="datetimeFigureOut">
               <a:rPr kumimoji="1" lang="ja-JP" altLang="en-US" smtClean="0"/>
-              <a:t>17/07/29</a:t>
+              <a:t>17/08/05</a:t>
             </a:fld>
             <a:endParaRPr kumimoji="1" lang="ja-JP" altLang="en-US"/>
           </a:p>
@@ -3573,7 +3658,7 @@
           <a:p>
             <a:fld id="{3ABA01A1-4899-9944-833D-6A66CDE659CB}" type="datetimeFigureOut">
               <a:rPr kumimoji="1" lang="ja-JP" altLang="en-US" smtClean="0"/>
-              <a:t>17/07/29</a:t>
+              <a:t>17/08/05</a:t>
             </a:fld>
             <a:endParaRPr kumimoji="1" lang="ja-JP" altLang="en-US"/>
           </a:p>
@@ -3818,7 +3903,7 @@
           <a:p>
             <a:fld id="{3ABA01A1-4899-9944-833D-6A66CDE659CB}" type="datetimeFigureOut">
               <a:rPr kumimoji="1" lang="ja-JP" altLang="en-US" smtClean="0"/>
-              <a:t>17/07/29</a:t>
+              <a:t>17/08/05</a:t>
             </a:fld>
             <a:endParaRPr kumimoji="1" lang="ja-JP" altLang="en-US"/>
           </a:p>
@@ -4262,15 +4347,11 @@
             </a:r>
             <a:r>
               <a:rPr lang="en-US" altLang="ja-JP" sz="2800" dirty="0" smtClean="0"/>
-              <a:t>2017/07</a:t>
+              <a:t>2017/</a:t>
             </a:r>
             <a:r>
               <a:rPr lang="en-US" altLang="ja-JP" sz="2800" dirty="0" smtClean="0"/>
-              <a:t>/</a:t>
-            </a:r>
-            <a:r>
-              <a:rPr lang="en-US" altLang="ja-JP" sz="2800" dirty="0" smtClean="0"/>
-              <a:t>29</a:t>
+              <a:t>08/05</a:t>
             </a:r>
             <a:r>
               <a:rPr lang="en-US" altLang="ja-JP" sz="2800" dirty="0" smtClean="0"/>
@@ -4289,7 +4370,7 @@
             </a:r>
             <a:r>
               <a:rPr lang="en-US" altLang="ja-JP" sz="2800" dirty="0" smtClean="0"/>
-              <a:t>2.6.0</a:t>
+              <a:t>2.7.0</a:t>
             </a:r>
             <a:endParaRPr kumimoji="1" lang="ja-JP" altLang="en-US" dirty="0"/>
           </a:p>
@@ -4372,7 +4453,7 @@
         <p:spPr>
           <a:xfrm>
             <a:off x="646545" y="969818"/>
-            <a:ext cx="8071440" cy="4524316"/>
+            <a:ext cx="8071440" cy="4801315"/>
           </a:xfrm>
           <a:prstGeom prst="rect">
             <a:avLst/>
@@ -4512,7 +4593,34 @@
                 <a:ea typeface="メイリオ"/>
                 <a:cs typeface="メイリオ"/>
               </a:rPr>
-              <a:t>画面上部の入力フォームから収支情報を入力する</a:t>
+              <a:t>画面上部の入力フォームから収支情報を入力</a:t>
+            </a:r>
+            <a:r>
+              <a:rPr lang="ja-JP" altLang="en-US" dirty="0" smtClean="0">
+                <a:latin typeface="メイリオ"/>
+                <a:ea typeface="メイリオ"/>
+                <a:cs typeface="メイリオ"/>
+              </a:rPr>
+              <a:t>する</a:t>
+            </a:r>
+            <a:endParaRPr lang="en-US" altLang="ja-JP" dirty="0" smtClean="0">
+              <a:latin typeface="メイリオ"/>
+              <a:ea typeface="メイリオ"/>
+              <a:cs typeface="メイリオ"/>
+            </a:endParaRPr>
+          </a:p>
+          <a:p>
+            <a:pPr marL="1200150" lvl="2" indent="-285750">
+              <a:buFont typeface="Arial"/>
+              <a:buChar char="•"/>
+            </a:pPr>
+            <a:r>
+              <a:rPr lang="ja-JP" altLang="en-US" dirty="0" smtClean="0">
+                <a:latin typeface="メイリオ"/>
+                <a:ea typeface="メイリオ"/>
+                <a:cs typeface="メイリオ"/>
+              </a:rPr>
+              <a:t>日付は直接入力不可で、表示されるカレンダーから選択する</a:t>
             </a:r>
             <a:endParaRPr lang="en-US" altLang="ja-JP" dirty="0">
               <a:latin typeface="メイリオ"/>
@@ -5359,7 +5467,7 @@
           <p:nvPr>
             <p:extLst>
               <p:ext uri="{D42A27DB-BD31-4B8C-83A1-F6EECF244321}">
-                <p14:modId xmlns:p14="http://schemas.microsoft.com/office/powerpoint/2010/main" val="636032545"/>
+                <p14:modId xmlns:p14="http://schemas.microsoft.com/office/powerpoint/2010/main" val="588428799"/>
               </p:ext>
             </p:extLst>
           </p:nvPr>
@@ -6982,456 +7090,306 @@
           </a:p>
         </p:txBody>
       </p:sp>
-      <p:sp>
-        <p:nvSpPr>
-          <p:cNvPr id="2" name="円柱 1"/>
-          <p:cNvSpPr/>
+      <p:pic>
+        <p:nvPicPr>
+          <p:cNvPr id="5" name="図 4" descr="trash.png"/>
+          <p:cNvPicPr>
+            <a:picLocks noChangeAspect="1"/>
+          </p:cNvPicPr>
           <p:nvPr/>
-        </p:nvSpPr>
+        </p:nvPicPr>
+        <p:blipFill>
+          <a:blip r:embed="rId3">
+            <a:extLst>
+              <a:ext uri="{28A0092B-C50C-407E-A947-70E740481C1C}">
+                <a14:useLocalDpi xmlns:a14="http://schemas.microsoft.com/office/drawing/2010/main" val="0"/>
+              </a:ext>
+            </a:extLst>
+          </a:blip>
+          <a:stretch>
+            <a:fillRect/>
+          </a:stretch>
+        </p:blipFill>
         <p:spPr>
           <a:xfrm>
-            <a:off x="8017036" y="2447634"/>
-            <a:ext cx="173182" cy="288636"/>
-          </a:xfrm>
-          <a:prstGeom prst="can">
+            <a:off x="7967360" y="2463737"/>
+            <a:ext cx="272533" cy="272533"/>
+          </a:xfrm>
+          <a:prstGeom prst="rect">
             <a:avLst/>
           </a:prstGeom>
-          <a:noFill/>
-          <a:ln w="25400">
-            <a:solidFill>
-              <a:schemeClr val="tx1"/>
-            </a:solidFill>
-          </a:ln>
-          <a:effectLst/>
-        </p:spPr>
-        <p:style>
-          <a:lnRef idx="1">
-            <a:schemeClr val="accent1"/>
-          </a:lnRef>
-          <a:fillRef idx="3">
-            <a:schemeClr val="accent1"/>
-          </a:fillRef>
-          <a:effectRef idx="2">
-            <a:schemeClr val="accent1"/>
-          </a:effectRef>
-          <a:fontRef idx="minor">
-            <a:schemeClr val="lt1"/>
-          </a:fontRef>
-        </p:style>
-        <p:txBody>
-          <a:bodyPr rtlCol="0" anchor="ctr"/>
-          <a:lstStyle/>
-          <a:p>
-            <a:pPr algn="ctr"/>
-            <a:endParaRPr kumimoji="1" lang="ja-JP" altLang="en-US"/>
-          </a:p>
-        </p:txBody>
-      </p:sp>
-      <p:sp>
-        <p:nvSpPr>
-          <p:cNvPr id="29" name="円柱 28"/>
-          <p:cNvSpPr/>
+        </p:spPr>
+      </p:pic>
+      <p:pic>
+        <p:nvPicPr>
+          <p:cNvPr id="39" name="図 38" descr="trash.png"/>
+          <p:cNvPicPr>
+            <a:picLocks noChangeAspect="1"/>
+          </p:cNvPicPr>
           <p:nvPr/>
-        </p:nvSpPr>
+        </p:nvPicPr>
+        <p:blipFill>
+          <a:blip r:embed="rId3">
+            <a:extLst>
+              <a:ext uri="{28A0092B-C50C-407E-A947-70E740481C1C}">
+                <a14:useLocalDpi xmlns:a14="http://schemas.microsoft.com/office/drawing/2010/main" val="0"/>
+              </a:ext>
+            </a:extLst>
+          </a:blip>
+          <a:stretch>
+            <a:fillRect/>
+          </a:stretch>
+        </p:blipFill>
         <p:spPr>
           <a:xfrm>
-            <a:off x="8017036" y="2856340"/>
-            <a:ext cx="173182" cy="288636"/>
-          </a:xfrm>
-          <a:prstGeom prst="can">
+            <a:off x="7967360" y="2865577"/>
+            <a:ext cx="272533" cy="272533"/>
+          </a:xfrm>
+          <a:prstGeom prst="rect">
             <a:avLst/>
           </a:prstGeom>
-          <a:noFill/>
-          <a:ln w="25400">
-            <a:solidFill>
-              <a:schemeClr val="tx1"/>
-            </a:solidFill>
-          </a:ln>
-          <a:effectLst/>
-        </p:spPr>
-        <p:style>
-          <a:lnRef idx="1">
-            <a:schemeClr val="accent1"/>
-          </a:lnRef>
-          <a:fillRef idx="3">
-            <a:schemeClr val="accent1"/>
-          </a:fillRef>
-          <a:effectRef idx="2">
-            <a:schemeClr val="accent1"/>
-          </a:effectRef>
-          <a:fontRef idx="minor">
-            <a:schemeClr val="lt1"/>
-          </a:fontRef>
-        </p:style>
-        <p:txBody>
-          <a:bodyPr rtlCol="0" anchor="ctr"/>
-          <a:lstStyle/>
-          <a:p>
-            <a:pPr algn="ctr"/>
-            <a:endParaRPr kumimoji="1" lang="ja-JP" altLang="en-US"/>
-          </a:p>
-        </p:txBody>
-      </p:sp>
-      <p:sp>
-        <p:nvSpPr>
-          <p:cNvPr id="30" name="円柱 29"/>
-          <p:cNvSpPr/>
+        </p:spPr>
+      </p:pic>
+      <p:pic>
+        <p:nvPicPr>
+          <p:cNvPr id="40" name="図 39" descr="trash.png"/>
+          <p:cNvPicPr>
+            <a:picLocks noChangeAspect="1"/>
+          </p:cNvPicPr>
           <p:nvPr/>
-        </p:nvSpPr>
+        </p:nvPicPr>
+        <p:blipFill>
+          <a:blip r:embed="rId3">
+            <a:extLst>
+              <a:ext uri="{28A0092B-C50C-407E-A947-70E740481C1C}">
+                <a14:useLocalDpi xmlns:a14="http://schemas.microsoft.com/office/drawing/2010/main" val="0"/>
+              </a:ext>
+            </a:extLst>
+          </a:blip>
+          <a:stretch>
+            <a:fillRect/>
+          </a:stretch>
+        </p:blipFill>
         <p:spPr>
           <a:xfrm>
-            <a:off x="8017036" y="3235027"/>
-            <a:ext cx="173182" cy="288636"/>
-          </a:xfrm>
-          <a:prstGeom prst="can">
+            <a:off x="7967360" y="3244330"/>
+            <a:ext cx="272533" cy="272533"/>
+          </a:xfrm>
+          <a:prstGeom prst="rect">
             <a:avLst/>
           </a:prstGeom>
-          <a:noFill/>
-          <a:ln w="25400">
-            <a:solidFill>
-              <a:schemeClr val="tx1"/>
-            </a:solidFill>
-          </a:ln>
-          <a:effectLst/>
-        </p:spPr>
-        <p:style>
-          <a:lnRef idx="1">
-            <a:schemeClr val="accent1"/>
-          </a:lnRef>
-          <a:fillRef idx="3">
-            <a:schemeClr val="accent1"/>
-          </a:fillRef>
-          <a:effectRef idx="2">
-            <a:schemeClr val="accent1"/>
-          </a:effectRef>
-          <a:fontRef idx="minor">
-            <a:schemeClr val="lt1"/>
-          </a:fontRef>
-        </p:style>
-        <p:txBody>
-          <a:bodyPr rtlCol="0" anchor="ctr"/>
-          <a:lstStyle/>
-          <a:p>
-            <a:pPr algn="ctr"/>
-            <a:endParaRPr kumimoji="1" lang="ja-JP" altLang="en-US"/>
-          </a:p>
-        </p:txBody>
-      </p:sp>
-      <p:sp>
-        <p:nvSpPr>
-          <p:cNvPr id="31" name="円柱 30"/>
-          <p:cNvSpPr/>
+        </p:spPr>
+      </p:pic>
+      <p:pic>
+        <p:nvPicPr>
+          <p:cNvPr id="41" name="図 40" descr="trash.png"/>
+          <p:cNvPicPr>
+            <a:picLocks noChangeAspect="1"/>
+          </p:cNvPicPr>
           <p:nvPr/>
-        </p:nvSpPr>
+        </p:nvPicPr>
+        <p:blipFill>
+          <a:blip r:embed="rId3">
+            <a:extLst>
+              <a:ext uri="{28A0092B-C50C-407E-A947-70E740481C1C}">
+                <a14:useLocalDpi xmlns:a14="http://schemas.microsoft.com/office/drawing/2010/main" val="0"/>
+              </a:ext>
+            </a:extLst>
+          </a:blip>
+          <a:stretch>
+            <a:fillRect/>
+          </a:stretch>
+        </p:blipFill>
         <p:spPr>
           <a:xfrm>
-            <a:off x="8017036" y="3624105"/>
-            <a:ext cx="173182" cy="288636"/>
-          </a:xfrm>
-          <a:prstGeom prst="can">
+            <a:off x="7967360" y="3646170"/>
+            <a:ext cx="272533" cy="272533"/>
+          </a:xfrm>
+          <a:prstGeom prst="rect">
             <a:avLst/>
           </a:prstGeom>
-          <a:noFill/>
-          <a:ln w="25400">
-            <a:solidFill>
-              <a:schemeClr val="tx1"/>
-            </a:solidFill>
-          </a:ln>
-          <a:effectLst/>
-        </p:spPr>
-        <p:style>
-          <a:lnRef idx="1">
-            <a:schemeClr val="accent1"/>
-          </a:lnRef>
-          <a:fillRef idx="3">
-            <a:schemeClr val="accent1"/>
-          </a:fillRef>
-          <a:effectRef idx="2">
-            <a:schemeClr val="accent1"/>
-          </a:effectRef>
-          <a:fontRef idx="minor">
-            <a:schemeClr val="lt1"/>
-          </a:fontRef>
-        </p:style>
-        <p:txBody>
-          <a:bodyPr rtlCol="0" anchor="ctr"/>
-          <a:lstStyle/>
-          <a:p>
-            <a:pPr algn="ctr"/>
-            <a:endParaRPr kumimoji="1" lang="ja-JP" altLang="en-US"/>
-          </a:p>
-        </p:txBody>
-      </p:sp>
-      <p:sp>
-        <p:nvSpPr>
-          <p:cNvPr id="32" name="円柱 31"/>
-          <p:cNvSpPr/>
+        </p:spPr>
+      </p:pic>
+      <p:pic>
+        <p:nvPicPr>
+          <p:cNvPr id="42" name="図 41" descr="trash.png"/>
+          <p:cNvPicPr>
+            <a:picLocks noChangeAspect="1"/>
+          </p:cNvPicPr>
           <p:nvPr/>
-        </p:nvSpPr>
+        </p:nvPicPr>
+        <p:blipFill>
+          <a:blip r:embed="rId3">
+            <a:extLst>
+              <a:ext uri="{28A0092B-C50C-407E-A947-70E740481C1C}">
+                <a14:useLocalDpi xmlns:a14="http://schemas.microsoft.com/office/drawing/2010/main" val="0"/>
+              </a:ext>
+            </a:extLst>
+          </a:blip>
+          <a:stretch>
+            <a:fillRect/>
+          </a:stretch>
+        </p:blipFill>
         <p:spPr>
           <a:xfrm>
-            <a:off x="8017036" y="4008555"/>
-            <a:ext cx="173182" cy="288636"/>
-          </a:xfrm>
-          <a:prstGeom prst="can">
+            <a:off x="7966108" y="4020421"/>
+            <a:ext cx="272533" cy="272533"/>
+          </a:xfrm>
+          <a:prstGeom prst="rect">
             <a:avLst/>
           </a:prstGeom>
-          <a:noFill/>
-          <a:ln w="25400">
-            <a:solidFill>
-              <a:schemeClr val="tx1"/>
-            </a:solidFill>
-          </a:ln>
-          <a:effectLst/>
-        </p:spPr>
-        <p:style>
-          <a:lnRef idx="1">
-            <a:schemeClr val="accent1"/>
-          </a:lnRef>
-          <a:fillRef idx="3">
-            <a:schemeClr val="accent1"/>
-          </a:fillRef>
-          <a:effectRef idx="2">
-            <a:schemeClr val="accent1"/>
-          </a:effectRef>
-          <a:fontRef idx="minor">
-            <a:schemeClr val="lt1"/>
-          </a:fontRef>
-        </p:style>
-        <p:txBody>
-          <a:bodyPr rtlCol="0" anchor="ctr"/>
-          <a:lstStyle/>
-          <a:p>
-            <a:pPr algn="ctr"/>
-            <a:endParaRPr kumimoji="1" lang="ja-JP" altLang="en-US"/>
-          </a:p>
-        </p:txBody>
-      </p:sp>
-      <p:sp>
-        <p:nvSpPr>
-          <p:cNvPr id="33" name="円柱 32"/>
-          <p:cNvSpPr/>
+        </p:spPr>
+      </p:pic>
+      <p:pic>
+        <p:nvPicPr>
+          <p:cNvPr id="43" name="図 42" descr="trash.png"/>
+          <p:cNvPicPr>
+            <a:picLocks noChangeAspect="1"/>
+          </p:cNvPicPr>
           <p:nvPr/>
-        </p:nvSpPr>
+        </p:nvPicPr>
+        <p:blipFill>
+          <a:blip r:embed="rId3">
+            <a:extLst>
+              <a:ext uri="{28A0092B-C50C-407E-A947-70E740481C1C}">
+                <a14:useLocalDpi xmlns:a14="http://schemas.microsoft.com/office/drawing/2010/main" val="0"/>
+              </a:ext>
+            </a:extLst>
+          </a:blip>
+          <a:stretch>
+            <a:fillRect/>
+          </a:stretch>
+        </p:blipFill>
         <p:spPr>
           <a:xfrm>
-            <a:off x="8017036" y="4397633"/>
-            <a:ext cx="173182" cy="288636"/>
-          </a:xfrm>
-          <a:prstGeom prst="can">
+            <a:off x="7966108" y="4422261"/>
+            <a:ext cx="272533" cy="272533"/>
+          </a:xfrm>
+          <a:prstGeom prst="rect">
             <a:avLst/>
           </a:prstGeom>
-          <a:noFill/>
-          <a:ln w="25400">
-            <a:solidFill>
-              <a:schemeClr val="tx1"/>
-            </a:solidFill>
-          </a:ln>
-          <a:effectLst/>
-        </p:spPr>
-        <p:style>
-          <a:lnRef idx="1">
-            <a:schemeClr val="accent1"/>
-          </a:lnRef>
-          <a:fillRef idx="3">
-            <a:schemeClr val="accent1"/>
-          </a:fillRef>
-          <a:effectRef idx="2">
-            <a:schemeClr val="accent1"/>
-          </a:effectRef>
-          <a:fontRef idx="minor">
-            <a:schemeClr val="lt1"/>
-          </a:fontRef>
-        </p:style>
-        <p:txBody>
-          <a:bodyPr rtlCol="0" anchor="ctr"/>
-          <a:lstStyle/>
-          <a:p>
-            <a:pPr algn="ctr"/>
-            <a:endParaRPr kumimoji="1" lang="ja-JP" altLang="en-US"/>
-          </a:p>
-        </p:txBody>
-      </p:sp>
-      <p:sp>
-        <p:nvSpPr>
-          <p:cNvPr id="34" name="円柱 33"/>
-          <p:cNvSpPr/>
+        </p:spPr>
+      </p:pic>
+      <p:pic>
+        <p:nvPicPr>
+          <p:cNvPr id="44" name="図 43" descr="trash.png"/>
+          <p:cNvPicPr>
+            <a:picLocks noChangeAspect="1"/>
+          </p:cNvPicPr>
           <p:nvPr/>
-        </p:nvSpPr>
+        </p:nvPicPr>
+        <p:blipFill>
+          <a:blip r:embed="rId3">
+            <a:extLst>
+              <a:ext uri="{28A0092B-C50C-407E-A947-70E740481C1C}">
+                <a14:useLocalDpi xmlns:a14="http://schemas.microsoft.com/office/drawing/2010/main" val="0"/>
+              </a:ext>
+            </a:extLst>
+          </a:blip>
+          <a:stretch>
+            <a:fillRect/>
+          </a:stretch>
+        </p:blipFill>
         <p:spPr>
           <a:xfrm>
-            <a:off x="8017036" y="4782067"/>
-            <a:ext cx="173182" cy="288636"/>
-          </a:xfrm>
-          <a:prstGeom prst="can">
+            <a:off x="7967360" y="4799059"/>
+            <a:ext cx="272533" cy="272533"/>
+          </a:xfrm>
+          <a:prstGeom prst="rect">
             <a:avLst/>
           </a:prstGeom>
-          <a:noFill/>
-          <a:ln w="25400">
-            <a:solidFill>
-              <a:schemeClr val="tx1"/>
-            </a:solidFill>
-          </a:ln>
-          <a:effectLst/>
-        </p:spPr>
-        <p:style>
-          <a:lnRef idx="1">
-            <a:schemeClr val="accent1"/>
-          </a:lnRef>
-          <a:fillRef idx="3">
-            <a:schemeClr val="accent1"/>
-          </a:fillRef>
-          <a:effectRef idx="2">
-            <a:schemeClr val="accent1"/>
-          </a:effectRef>
-          <a:fontRef idx="minor">
-            <a:schemeClr val="lt1"/>
-          </a:fontRef>
-        </p:style>
-        <p:txBody>
-          <a:bodyPr rtlCol="0" anchor="ctr"/>
-          <a:lstStyle/>
-          <a:p>
-            <a:pPr algn="ctr"/>
-            <a:endParaRPr kumimoji="1" lang="ja-JP" altLang="en-US"/>
-          </a:p>
-        </p:txBody>
-      </p:sp>
-      <p:sp>
-        <p:nvSpPr>
-          <p:cNvPr id="35" name="円柱 34"/>
-          <p:cNvSpPr/>
+        </p:spPr>
+      </p:pic>
+      <p:pic>
+        <p:nvPicPr>
+          <p:cNvPr id="45" name="図 44" descr="trash.png"/>
+          <p:cNvPicPr>
+            <a:picLocks noChangeAspect="1"/>
+          </p:cNvPicPr>
           <p:nvPr/>
-        </p:nvSpPr>
+        </p:nvPicPr>
+        <p:blipFill>
+          <a:blip r:embed="rId3">
+            <a:extLst>
+              <a:ext uri="{28A0092B-C50C-407E-A947-70E740481C1C}">
+                <a14:useLocalDpi xmlns:a14="http://schemas.microsoft.com/office/drawing/2010/main" val="0"/>
+              </a:ext>
+            </a:extLst>
+          </a:blip>
+          <a:stretch>
+            <a:fillRect/>
+          </a:stretch>
+        </p:blipFill>
         <p:spPr>
           <a:xfrm>
-            <a:off x="8017036" y="5169935"/>
-            <a:ext cx="173182" cy="288636"/>
-          </a:xfrm>
-          <a:prstGeom prst="can">
+            <a:off x="7967360" y="5200899"/>
+            <a:ext cx="272533" cy="272533"/>
+          </a:xfrm>
+          <a:prstGeom prst="rect">
             <a:avLst/>
           </a:prstGeom>
-          <a:noFill/>
-          <a:ln w="25400">
-            <a:solidFill>
-              <a:schemeClr val="tx1"/>
-            </a:solidFill>
-          </a:ln>
-          <a:effectLst/>
-        </p:spPr>
-        <p:style>
-          <a:lnRef idx="1">
-            <a:schemeClr val="accent1"/>
-          </a:lnRef>
-          <a:fillRef idx="3">
-            <a:schemeClr val="accent1"/>
-          </a:fillRef>
-          <a:effectRef idx="2">
-            <a:schemeClr val="accent1"/>
-          </a:effectRef>
-          <a:fontRef idx="minor">
-            <a:schemeClr val="lt1"/>
-          </a:fontRef>
-        </p:style>
-        <p:txBody>
-          <a:bodyPr rtlCol="0" anchor="ctr"/>
-          <a:lstStyle/>
-          <a:p>
-            <a:pPr algn="ctr"/>
-            <a:endParaRPr kumimoji="1" lang="ja-JP" altLang="en-US"/>
-          </a:p>
-        </p:txBody>
-      </p:sp>
-      <p:sp>
-        <p:nvSpPr>
-          <p:cNvPr id="36" name="円柱 35"/>
-          <p:cNvSpPr/>
+        </p:spPr>
+      </p:pic>
+      <p:pic>
+        <p:nvPicPr>
+          <p:cNvPr id="46" name="図 45" descr="trash.png"/>
+          <p:cNvPicPr>
+            <a:picLocks noChangeAspect="1"/>
+          </p:cNvPicPr>
           <p:nvPr/>
-        </p:nvSpPr>
+        </p:nvPicPr>
+        <p:blipFill>
+          <a:blip r:embed="rId3">
+            <a:extLst>
+              <a:ext uri="{28A0092B-C50C-407E-A947-70E740481C1C}">
+                <a14:useLocalDpi xmlns:a14="http://schemas.microsoft.com/office/drawing/2010/main" val="0"/>
+              </a:ext>
+            </a:extLst>
+          </a:blip>
+          <a:stretch>
+            <a:fillRect/>
+          </a:stretch>
+        </p:blipFill>
         <p:spPr>
           <a:xfrm>
-            <a:off x="8017036" y="5559013"/>
-            <a:ext cx="173182" cy="288636"/>
-          </a:xfrm>
-          <a:prstGeom prst="can">
+            <a:off x="7966108" y="5558835"/>
+            <a:ext cx="272533" cy="272533"/>
+          </a:xfrm>
+          <a:prstGeom prst="rect">
             <a:avLst/>
           </a:prstGeom>
-          <a:noFill/>
-          <a:ln w="25400">
-            <a:solidFill>
-              <a:schemeClr val="tx1"/>
-            </a:solidFill>
-          </a:ln>
-          <a:effectLst/>
-        </p:spPr>
-        <p:style>
-          <a:lnRef idx="1">
-            <a:schemeClr val="accent1"/>
-          </a:lnRef>
-          <a:fillRef idx="3">
-            <a:schemeClr val="accent1"/>
-          </a:fillRef>
-          <a:effectRef idx="2">
-            <a:schemeClr val="accent1"/>
-          </a:effectRef>
-          <a:fontRef idx="minor">
-            <a:schemeClr val="lt1"/>
-          </a:fontRef>
-        </p:style>
-        <p:txBody>
-          <a:bodyPr rtlCol="0" anchor="ctr"/>
-          <a:lstStyle/>
-          <a:p>
-            <a:pPr algn="ctr"/>
-            <a:endParaRPr kumimoji="1" lang="ja-JP" altLang="en-US"/>
-          </a:p>
-        </p:txBody>
-      </p:sp>
-      <p:sp>
-        <p:nvSpPr>
-          <p:cNvPr id="37" name="円柱 36"/>
-          <p:cNvSpPr/>
+        </p:spPr>
+      </p:pic>
+      <p:pic>
+        <p:nvPicPr>
+          <p:cNvPr id="47" name="図 46" descr="trash.png"/>
+          <p:cNvPicPr>
+            <a:picLocks noChangeAspect="1"/>
+          </p:cNvPicPr>
           <p:nvPr/>
-        </p:nvSpPr>
+        </p:nvPicPr>
+        <p:blipFill>
+          <a:blip r:embed="rId3">
+            <a:extLst>
+              <a:ext uri="{28A0092B-C50C-407E-A947-70E740481C1C}">
+                <a14:useLocalDpi xmlns:a14="http://schemas.microsoft.com/office/drawing/2010/main" val="0"/>
+              </a:ext>
+            </a:extLst>
+          </a:blip>
+          <a:stretch>
+            <a:fillRect/>
+          </a:stretch>
+        </p:blipFill>
         <p:spPr>
           <a:xfrm>
-            <a:off x="8017036" y="5930778"/>
-            <a:ext cx="173182" cy="288636"/>
-          </a:xfrm>
-          <a:prstGeom prst="can">
+            <a:off x="7966108" y="5960675"/>
+            <a:ext cx="272533" cy="272533"/>
+          </a:xfrm>
+          <a:prstGeom prst="rect">
             <a:avLst/>
           </a:prstGeom>
-          <a:noFill/>
-          <a:ln w="25400">
-            <a:solidFill>
-              <a:schemeClr val="tx1"/>
-            </a:solidFill>
-          </a:ln>
-          <a:effectLst/>
-        </p:spPr>
-        <p:style>
-          <a:lnRef idx="1">
-            <a:schemeClr val="accent1"/>
-          </a:lnRef>
-          <a:fillRef idx="3">
-            <a:schemeClr val="accent1"/>
-          </a:fillRef>
-          <a:effectRef idx="2">
-            <a:schemeClr val="accent1"/>
-          </a:effectRef>
-          <a:fontRef idx="minor">
-            <a:schemeClr val="lt1"/>
-          </a:fontRef>
-        </p:style>
-        <p:txBody>
-          <a:bodyPr rtlCol="0" anchor="ctr"/>
-          <a:lstStyle/>
-          <a:p>
-            <a:pPr algn="ctr"/>
-            <a:endParaRPr kumimoji="1" lang="ja-JP" altLang="en-US"/>
-          </a:p>
-        </p:txBody>
-      </p:sp>
+        </p:spPr>
+      </p:pic>
     </p:spTree>
     <p:extLst>
       <p:ext uri="{BB962C8B-B14F-4D97-AF65-F5344CB8AC3E}">
@@ -7471,6 +7429,234 @@
         <p:spPr>
           <a:xfrm>
             <a:off x="200532" y="187161"/>
+            <a:ext cx="4852610" cy="523220"/>
+          </a:xfrm>
+          <a:prstGeom prst="rect">
+            <a:avLst/>
+          </a:prstGeom>
+          <a:noFill/>
+        </p:spPr>
+        <p:txBody>
+          <a:bodyPr wrap="none" rtlCol="0">
+            <a:spAutoFit/>
+          </a:bodyPr>
+          <a:lstStyle/>
+          <a:p>
+            <a:r>
+              <a:rPr lang="ja-JP" altLang="en-US" sz="2800" dirty="0" smtClean="0">
+                <a:latin typeface="メイリオ"/>
+                <a:ea typeface="メイリオ"/>
+                <a:cs typeface="メイリオ"/>
+              </a:rPr>
+              <a:t>管理</a:t>
+            </a:r>
+            <a:r>
+              <a:rPr lang="ja-JP" altLang="en-US" sz="2800" dirty="0" smtClean="0">
+                <a:latin typeface="メイリオ"/>
+                <a:ea typeface="メイリオ"/>
+                <a:cs typeface="メイリオ"/>
+              </a:rPr>
+              <a:t>画面</a:t>
+            </a:r>
+            <a:r>
+              <a:rPr lang="ja-JP" altLang="en-US" sz="2800" dirty="0" smtClean="0">
+                <a:latin typeface="メイリオ"/>
+                <a:ea typeface="メイリオ"/>
+                <a:cs typeface="メイリオ"/>
+              </a:rPr>
+              <a:t>（カレンダー表示）</a:t>
+            </a:r>
+            <a:endParaRPr kumimoji="1" lang="ja-JP" altLang="en-US" sz="2000" dirty="0">
+              <a:latin typeface="メイリオ"/>
+              <a:ea typeface="メイリオ"/>
+              <a:cs typeface="メイリオ"/>
+            </a:endParaRPr>
+          </a:p>
+        </p:txBody>
+      </p:sp>
+      <p:grpSp>
+        <p:nvGrpSpPr>
+          <p:cNvPr id="8" name="図形グループ 7"/>
+          <p:cNvGrpSpPr/>
+          <p:nvPr/>
+        </p:nvGrpSpPr>
+        <p:grpSpPr>
+          <a:xfrm>
+            <a:off x="450272" y="803189"/>
+            <a:ext cx="7666183" cy="5128055"/>
+            <a:chOff x="450272" y="803189"/>
+            <a:chExt cx="7666183" cy="5128055"/>
+          </a:xfrm>
+        </p:grpSpPr>
+        <p:pic>
+          <p:nvPicPr>
+            <p:cNvPr id="5" name="図 4" descr="スクリーンショット（0029-08-05 8.47.25）.png"/>
+            <p:cNvPicPr>
+              <a:picLocks noChangeAspect="1"/>
+            </p:cNvPicPr>
+            <p:nvPr/>
+          </p:nvPicPr>
+          <p:blipFill>
+            <a:blip r:embed="rId3">
+              <a:extLst>
+                <a:ext uri="{28A0092B-C50C-407E-A947-70E740481C1C}">
+                  <a14:useLocalDpi xmlns:a14="http://schemas.microsoft.com/office/drawing/2010/main" val="0"/>
+                </a:ext>
+              </a:extLst>
+            </a:blip>
+            <a:stretch>
+              <a:fillRect/>
+            </a:stretch>
+          </p:blipFill>
+          <p:spPr>
+            <a:xfrm>
+              <a:off x="450272" y="803189"/>
+              <a:ext cx="7666183" cy="5128055"/>
+            </a:xfrm>
+            <a:prstGeom prst="rect">
+              <a:avLst/>
+            </a:prstGeom>
+          </p:spPr>
+        </p:pic>
+        <p:grpSp>
+          <p:nvGrpSpPr>
+            <p:cNvPr id="7" name="図形グループ 6"/>
+            <p:cNvGrpSpPr/>
+            <p:nvPr/>
+          </p:nvGrpSpPr>
+          <p:grpSpPr>
+            <a:xfrm>
+              <a:off x="2708050" y="2078179"/>
+              <a:ext cx="2637496" cy="3127449"/>
+              <a:chOff x="2904322" y="2297543"/>
+              <a:chExt cx="2637496" cy="3127449"/>
+            </a:xfrm>
+          </p:grpSpPr>
+          <p:pic>
+            <p:nvPicPr>
+              <p:cNvPr id="3" name="図 2" descr="スクリーンショット（0029-08-05 8.37.51）.png"/>
+              <p:cNvPicPr>
+                <a:picLocks noChangeAspect="1"/>
+              </p:cNvPicPr>
+              <p:nvPr/>
+            </p:nvPicPr>
+            <p:blipFill>
+              <a:blip r:embed="rId4">
+                <a:extLst>
+                  <a:ext uri="{28A0092B-C50C-407E-A947-70E740481C1C}">
+                    <a14:useLocalDpi xmlns:a14="http://schemas.microsoft.com/office/drawing/2010/main" val="0"/>
+                  </a:ext>
+                </a:extLst>
+              </a:blip>
+              <a:stretch>
+                <a:fillRect/>
+              </a:stretch>
+            </p:blipFill>
+            <p:spPr>
+              <a:xfrm>
+                <a:off x="2904322" y="2424539"/>
+                <a:ext cx="2637496" cy="3000453"/>
+              </a:xfrm>
+              <a:prstGeom prst="rect">
+                <a:avLst/>
+              </a:prstGeom>
+              <a:effectLst>
+                <a:outerShdw blurRad="50800" dist="38100" dir="2700000" algn="tl" rotWithShape="0">
+                  <a:srgbClr val="000000">
+                    <a:alpha val="43000"/>
+                  </a:srgbClr>
+                </a:outerShdw>
+              </a:effectLst>
+            </p:spPr>
+          </p:pic>
+          <p:sp>
+            <p:nvSpPr>
+              <p:cNvPr id="6" name="二等辺三角形 5"/>
+              <p:cNvSpPr/>
+              <p:nvPr/>
+            </p:nvSpPr>
+            <p:spPr>
+              <a:xfrm>
+                <a:off x="3048000" y="2297543"/>
+                <a:ext cx="311727" cy="138541"/>
+              </a:xfrm>
+              <a:prstGeom prst="triangle">
+                <a:avLst/>
+              </a:prstGeom>
+              <a:solidFill>
+                <a:schemeClr val="bg1"/>
+              </a:solidFill>
+              <a:ln>
+                <a:solidFill>
+                  <a:schemeClr val="bg1"/>
+                </a:solidFill>
+              </a:ln>
+              <a:effectLst/>
+            </p:spPr>
+            <p:style>
+              <a:lnRef idx="1">
+                <a:schemeClr val="accent1"/>
+              </a:lnRef>
+              <a:fillRef idx="3">
+                <a:schemeClr val="accent1"/>
+              </a:fillRef>
+              <a:effectRef idx="2">
+                <a:schemeClr val="accent1"/>
+              </a:effectRef>
+              <a:fontRef idx="minor">
+                <a:schemeClr val="lt1"/>
+              </a:fontRef>
+            </p:style>
+            <p:txBody>
+              <a:bodyPr rtlCol="0" anchor="ctr"/>
+              <a:lstStyle/>
+              <a:p>
+                <a:pPr algn="ctr"/>
+                <a:endParaRPr kumimoji="1" lang="ja-JP" altLang="en-US"/>
+              </a:p>
+            </p:txBody>
+          </p:sp>
+        </p:grpSp>
+      </p:grpSp>
+    </p:spTree>
+    <p:extLst>
+      <p:ext uri="{BB962C8B-B14F-4D97-AF65-F5344CB8AC3E}">
+        <p14:creationId xmlns:p14="http://schemas.microsoft.com/office/powerpoint/2010/main" val="3659710789"/>
+      </p:ext>
+    </p:extLst>
+  </p:cSld>
+  <p:clrMapOvr>
+    <a:masterClrMapping/>
+  </p:clrMapOvr>
+</p:sld>
+</file>
+
+<file path=ppt/slides/slide6.xml><?xml version="1.0" encoding="utf-8"?>
+<p:sld xmlns:a="http://schemas.openxmlformats.org/drawingml/2006/main" xmlns:r="http://schemas.openxmlformats.org/officeDocument/2006/relationships" xmlns:p="http://schemas.openxmlformats.org/presentationml/2006/main">
+  <p:cSld>
+    <p:spTree>
+      <p:nvGrpSpPr>
+        <p:cNvPr id="1" name=""/>
+        <p:cNvGrpSpPr/>
+        <p:nvPr/>
+      </p:nvGrpSpPr>
+      <p:grpSpPr>
+        <a:xfrm>
+          <a:off x="0" y="0"/>
+          <a:ext cx="0" cy="0"/>
+          <a:chOff x="0" y="0"/>
+          <a:chExt cx="0" cy="0"/>
+        </a:xfrm>
+      </p:grpSpPr>
+      <p:sp>
+        <p:nvSpPr>
+          <p:cNvPr id="4" name="テキスト ボックス 3"/>
+          <p:cNvSpPr txBox="1"/>
+          <p:nvPr/>
+        </p:nvSpPr>
+        <p:spPr>
+          <a:xfrm>
+            <a:off x="200532" y="187161"/>
             <a:ext cx="4134465" cy="523220"/>
           </a:xfrm>
           <a:prstGeom prst="rect">
@@ -8545,7 +8731,7 @@
           <p:nvPr>
             <p:extLst>
               <p:ext uri="{D42A27DB-BD31-4B8C-83A1-F6EECF244321}">
-                <p14:modId xmlns:p14="http://schemas.microsoft.com/office/powerpoint/2010/main" val="3126585566"/>
+                <p14:modId xmlns:p14="http://schemas.microsoft.com/office/powerpoint/2010/main" val="2774768286"/>
               </p:ext>
             </p:extLst>
           </p:nvPr>
@@ -9080,456 +9266,6 @@
           </a:graphicData>
         </a:graphic>
       </p:graphicFrame>
-      <p:sp>
-        <p:nvSpPr>
-          <p:cNvPr id="41" name="円柱 40"/>
-          <p:cNvSpPr/>
-          <p:nvPr/>
-        </p:nvSpPr>
-        <p:spPr>
-          <a:xfrm>
-            <a:off x="8017036" y="2447634"/>
-            <a:ext cx="173182" cy="288636"/>
-          </a:xfrm>
-          <a:prstGeom prst="can">
-            <a:avLst/>
-          </a:prstGeom>
-          <a:noFill/>
-          <a:ln w="25400">
-            <a:solidFill>
-              <a:schemeClr val="tx1"/>
-            </a:solidFill>
-          </a:ln>
-          <a:effectLst/>
-        </p:spPr>
-        <p:style>
-          <a:lnRef idx="1">
-            <a:schemeClr val="accent1"/>
-          </a:lnRef>
-          <a:fillRef idx="3">
-            <a:schemeClr val="accent1"/>
-          </a:fillRef>
-          <a:effectRef idx="2">
-            <a:schemeClr val="accent1"/>
-          </a:effectRef>
-          <a:fontRef idx="minor">
-            <a:schemeClr val="lt1"/>
-          </a:fontRef>
-        </p:style>
-        <p:txBody>
-          <a:bodyPr rtlCol="0" anchor="ctr"/>
-          <a:lstStyle/>
-          <a:p>
-            <a:pPr algn="ctr"/>
-            <a:endParaRPr kumimoji="1" lang="ja-JP" altLang="en-US"/>
-          </a:p>
-        </p:txBody>
-      </p:sp>
-      <p:sp>
-        <p:nvSpPr>
-          <p:cNvPr id="42" name="円柱 41"/>
-          <p:cNvSpPr/>
-          <p:nvPr/>
-        </p:nvSpPr>
-        <p:spPr>
-          <a:xfrm>
-            <a:off x="8017036" y="2856340"/>
-            <a:ext cx="173182" cy="288636"/>
-          </a:xfrm>
-          <a:prstGeom prst="can">
-            <a:avLst/>
-          </a:prstGeom>
-          <a:noFill/>
-          <a:ln w="25400">
-            <a:solidFill>
-              <a:schemeClr val="tx1"/>
-            </a:solidFill>
-          </a:ln>
-          <a:effectLst/>
-        </p:spPr>
-        <p:style>
-          <a:lnRef idx="1">
-            <a:schemeClr val="accent1"/>
-          </a:lnRef>
-          <a:fillRef idx="3">
-            <a:schemeClr val="accent1"/>
-          </a:fillRef>
-          <a:effectRef idx="2">
-            <a:schemeClr val="accent1"/>
-          </a:effectRef>
-          <a:fontRef idx="minor">
-            <a:schemeClr val="lt1"/>
-          </a:fontRef>
-        </p:style>
-        <p:txBody>
-          <a:bodyPr rtlCol="0" anchor="ctr"/>
-          <a:lstStyle/>
-          <a:p>
-            <a:pPr algn="ctr"/>
-            <a:endParaRPr kumimoji="1" lang="ja-JP" altLang="en-US"/>
-          </a:p>
-        </p:txBody>
-      </p:sp>
-      <p:sp>
-        <p:nvSpPr>
-          <p:cNvPr id="45" name="円柱 44"/>
-          <p:cNvSpPr/>
-          <p:nvPr/>
-        </p:nvSpPr>
-        <p:spPr>
-          <a:xfrm>
-            <a:off x="8017036" y="3235027"/>
-            <a:ext cx="173182" cy="288636"/>
-          </a:xfrm>
-          <a:prstGeom prst="can">
-            <a:avLst/>
-          </a:prstGeom>
-          <a:noFill/>
-          <a:ln w="25400">
-            <a:solidFill>
-              <a:schemeClr val="tx1"/>
-            </a:solidFill>
-          </a:ln>
-          <a:effectLst/>
-        </p:spPr>
-        <p:style>
-          <a:lnRef idx="1">
-            <a:schemeClr val="accent1"/>
-          </a:lnRef>
-          <a:fillRef idx="3">
-            <a:schemeClr val="accent1"/>
-          </a:fillRef>
-          <a:effectRef idx="2">
-            <a:schemeClr val="accent1"/>
-          </a:effectRef>
-          <a:fontRef idx="minor">
-            <a:schemeClr val="lt1"/>
-          </a:fontRef>
-        </p:style>
-        <p:txBody>
-          <a:bodyPr rtlCol="0" anchor="ctr"/>
-          <a:lstStyle/>
-          <a:p>
-            <a:pPr algn="ctr"/>
-            <a:endParaRPr kumimoji="1" lang="ja-JP" altLang="en-US"/>
-          </a:p>
-        </p:txBody>
-      </p:sp>
-      <p:sp>
-        <p:nvSpPr>
-          <p:cNvPr id="46" name="円柱 45"/>
-          <p:cNvSpPr/>
-          <p:nvPr/>
-        </p:nvSpPr>
-        <p:spPr>
-          <a:xfrm>
-            <a:off x="8017036" y="3624105"/>
-            <a:ext cx="173182" cy="288636"/>
-          </a:xfrm>
-          <a:prstGeom prst="can">
-            <a:avLst/>
-          </a:prstGeom>
-          <a:noFill/>
-          <a:ln w="25400">
-            <a:solidFill>
-              <a:schemeClr val="tx1"/>
-            </a:solidFill>
-          </a:ln>
-          <a:effectLst/>
-        </p:spPr>
-        <p:style>
-          <a:lnRef idx="1">
-            <a:schemeClr val="accent1"/>
-          </a:lnRef>
-          <a:fillRef idx="3">
-            <a:schemeClr val="accent1"/>
-          </a:fillRef>
-          <a:effectRef idx="2">
-            <a:schemeClr val="accent1"/>
-          </a:effectRef>
-          <a:fontRef idx="minor">
-            <a:schemeClr val="lt1"/>
-          </a:fontRef>
-        </p:style>
-        <p:txBody>
-          <a:bodyPr rtlCol="0" anchor="ctr"/>
-          <a:lstStyle/>
-          <a:p>
-            <a:pPr algn="ctr"/>
-            <a:endParaRPr kumimoji="1" lang="ja-JP" altLang="en-US"/>
-          </a:p>
-        </p:txBody>
-      </p:sp>
-      <p:sp>
-        <p:nvSpPr>
-          <p:cNvPr id="47" name="円柱 46"/>
-          <p:cNvSpPr/>
-          <p:nvPr/>
-        </p:nvSpPr>
-        <p:spPr>
-          <a:xfrm>
-            <a:off x="8017036" y="4008555"/>
-            <a:ext cx="173182" cy="288636"/>
-          </a:xfrm>
-          <a:prstGeom prst="can">
-            <a:avLst/>
-          </a:prstGeom>
-          <a:noFill/>
-          <a:ln w="25400">
-            <a:solidFill>
-              <a:schemeClr val="tx1"/>
-            </a:solidFill>
-          </a:ln>
-          <a:effectLst/>
-        </p:spPr>
-        <p:style>
-          <a:lnRef idx="1">
-            <a:schemeClr val="accent1"/>
-          </a:lnRef>
-          <a:fillRef idx="3">
-            <a:schemeClr val="accent1"/>
-          </a:fillRef>
-          <a:effectRef idx="2">
-            <a:schemeClr val="accent1"/>
-          </a:effectRef>
-          <a:fontRef idx="minor">
-            <a:schemeClr val="lt1"/>
-          </a:fontRef>
-        </p:style>
-        <p:txBody>
-          <a:bodyPr rtlCol="0" anchor="ctr"/>
-          <a:lstStyle/>
-          <a:p>
-            <a:pPr algn="ctr"/>
-            <a:endParaRPr kumimoji="1" lang="ja-JP" altLang="en-US"/>
-          </a:p>
-        </p:txBody>
-      </p:sp>
-      <p:sp>
-        <p:nvSpPr>
-          <p:cNvPr id="48" name="円柱 47"/>
-          <p:cNvSpPr/>
-          <p:nvPr/>
-        </p:nvSpPr>
-        <p:spPr>
-          <a:xfrm>
-            <a:off x="8017036" y="4397633"/>
-            <a:ext cx="173182" cy="288636"/>
-          </a:xfrm>
-          <a:prstGeom prst="can">
-            <a:avLst/>
-          </a:prstGeom>
-          <a:noFill/>
-          <a:ln w="25400">
-            <a:solidFill>
-              <a:schemeClr val="tx1"/>
-            </a:solidFill>
-          </a:ln>
-          <a:effectLst/>
-        </p:spPr>
-        <p:style>
-          <a:lnRef idx="1">
-            <a:schemeClr val="accent1"/>
-          </a:lnRef>
-          <a:fillRef idx="3">
-            <a:schemeClr val="accent1"/>
-          </a:fillRef>
-          <a:effectRef idx="2">
-            <a:schemeClr val="accent1"/>
-          </a:effectRef>
-          <a:fontRef idx="minor">
-            <a:schemeClr val="lt1"/>
-          </a:fontRef>
-        </p:style>
-        <p:txBody>
-          <a:bodyPr rtlCol="0" anchor="ctr"/>
-          <a:lstStyle/>
-          <a:p>
-            <a:pPr algn="ctr"/>
-            <a:endParaRPr kumimoji="1" lang="ja-JP" altLang="en-US"/>
-          </a:p>
-        </p:txBody>
-      </p:sp>
-      <p:sp>
-        <p:nvSpPr>
-          <p:cNvPr id="49" name="円柱 48"/>
-          <p:cNvSpPr/>
-          <p:nvPr/>
-        </p:nvSpPr>
-        <p:spPr>
-          <a:xfrm>
-            <a:off x="8017036" y="4782067"/>
-            <a:ext cx="173182" cy="288636"/>
-          </a:xfrm>
-          <a:prstGeom prst="can">
-            <a:avLst/>
-          </a:prstGeom>
-          <a:noFill/>
-          <a:ln w="25400">
-            <a:solidFill>
-              <a:schemeClr val="tx1"/>
-            </a:solidFill>
-          </a:ln>
-          <a:effectLst/>
-        </p:spPr>
-        <p:style>
-          <a:lnRef idx="1">
-            <a:schemeClr val="accent1"/>
-          </a:lnRef>
-          <a:fillRef idx="3">
-            <a:schemeClr val="accent1"/>
-          </a:fillRef>
-          <a:effectRef idx="2">
-            <a:schemeClr val="accent1"/>
-          </a:effectRef>
-          <a:fontRef idx="minor">
-            <a:schemeClr val="lt1"/>
-          </a:fontRef>
-        </p:style>
-        <p:txBody>
-          <a:bodyPr rtlCol="0" anchor="ctr"/>
-          <a:lstStyle/>
-          <a:p>
-            <a:pPr algn="ctr"/>
-            <a:endParaRPr kumimoji="1" lang="ja-JP" altLang="en-US"/>
-          </a:p>
-        </p:txBody>
-      </p:sp>
-      <p:sp>
-        <p:nvSpPr>
-          <p:cNvPr id="50" name="円柱 49"/>
-          <p:cNvSpPr/>
-          <p:nvPr/>
-        </p:nvSpPr>
-        <p:spPr>
-          <a:xfrm>
-            <a:off x="8017036" y="5169935"/>
-            <a:ext cx="173182" cy="288636"/>
-          </a:xfrm>
-          <a:prstGeom prst="can">
-            <a:avLst/>
-          </a:prstGeom>
-          <a:noFill/>
-          <a:ln w="25400">
-            <a:solidFill>
-              <a:schemeClr val="tx1"/>
-            </a:solidFill>
-          </a:ln>
-          <a:effectLst/>
-        </p:spPr>
-        <p:style>
-          <a:lnRef idx="1">
-            <a:schemeClr val="accent1"/>
-          </a:lnRef>
-          <a:fillRef idx="3">
-            <a:schemeClr val="accent1"/>
-          </a:fillRef>
-          <a:effectRef idx="2">
-            <a:schemeClr val="accent1"/>
-          </a:effectRef>
-          <a:fontRef idx="minor">
-            <a:schemeClr val="lt1"/>
-          </a:fontRef>
-        </p:style>
-        <p:txBody>
-          <a:bodyPr rtlCol="0" anchor="ctr"/>
-          <a:lstStyle/>
-          <a:p>
-            <a:pPr algn="ctr"/>
-            <a:endParaRPr kumimoji="1" lang="ja-JP" altLang="en-US"/>
-          </a:p>
-        </p:txBody>
-      </p:sp>
-      <p:sp>
-        <p:nvSpPr>
-          <p:cNvPr id="51" name="円柱 50"/>
-          <p:cNvSpPr/>
-          <p:nvPr/>
-        </p:nvSpPr>
-        <p:spPr>
-          <a:xfrm>
-            <a:off x="8017036" y="5559013"/>
-            <a:ext cx="173182" cy="288636"/>
-          </a:xfrm>
-          <a:prstGeom prst="can">
-            <a:avLst/>
-          </a:prstGeom>
-          <a:noFill/>
-          <a:ln w="25400">
-            <a:solidFill>
-              <a:schemeClr val="tx1"/>
-            </a:solidFill>
-          </a:ln>
-          <a:effectLst/>
-        </p:spPr>
-        <p:style>
-          <a:lnRef idx="1">
-            <a:schemeClr val="accent1"/>
-          </a:lnRef>
-          <a:fillRef idx="3">
-            <a:schemeClr val="accent1"/>
-          </a:fillRef>
-          <a:effectRef idx="2">
-            <a:schemeClr val="accent1"/>
-          </a:effectRef>
-          <a:fontRef idx="minor">
-            <a:schemeClr val="lt1"/>
-          </a:fontRef>
-        </p:style>
-        <p:txBody>
-          <a:bodyPr rtlCol="0" anchor="ctr"/>
-          <a:lstStyle/>
-          <a:p>
-            <a:pPr algn="ctr"/>
-            <a:endParaRPr kumimoji="1" lang="ja-JP" altLang="en-US"/>
-          </a:p>
-        </p:txBody>
-      </p:sp>
-      <p:sp>
-        <p:nvSpPr>
-          <p:cNvPr id="54" name="円柱 53"/>
-          <p:cNvSpPr/>
-          <p:nvPr/>
-        </p:nvSpPr>
-        <p:spPr>
-          <a:xfrm>
-            <a:off x="8017036" y="5930778"/>
-            <a:ext cx="173182" cy="288636"/>
-          </a:xfrm>
-          <a:prstGeom prst="can">
-            <a:avLst/>
-          </a:prstGeom>
-          <a:noFill/>
-          <a:ln w="25400">
-            <a:solidFill>
-              <a:schemeClr val="tx1"/>
-            </a:solidFill>
-          </a:ln>
-          <a:effectLst/>
-        </p:spPr>
-        <p:style>
-          <a:lnRef idx="1">
-            <a:schemeClr val="accent1"/>
-          </a:lnRef>
-          <a:fillRef idx="3">
-            <a:schemeClr val="accent1"/>
-          </a:fillRef>
-          <a:effectRef idx="2">
-            <a:schemeClr val="accent1"/>
-          </a:effectRef>
-          <a:fontRef idx="minor">
-            <a:schemeClr val="lt1"/>
-          </a:fontRef>
-        </p:style>
-        <p:txBody>
-          <a:bodyPr rtlCol="0" anchor="ctr"/>
-          <a:lstStyle/>
-          <a:p>
-            <a:pPr algn="ctr"/>
-            <a:endParaRPr kumimoji="1" lang="ja-JP" altLang="en-US"/>
-          </a:p>
-        </p:txBody>
-      </p:sp>
       <p:sp>
         <p:nvSpPr>
           <p:cNvPr id="55" name="正方形/長方形 54"/>
@@ -9930,6 +9666,306 @@
           </p:txBody>
         </p:sp>
       </p:grpSp>
+      <p:pic>
+        <p:nvPicPr>
+          <p:cNvPr id="70" name="図 69" descr="trash.png"/>
+          <p:cNvPicPr>
+            <a:picLocks noChangeAspect="1"/>
+          </p:cNvPicPr>
+          <p:nvPr/>
+        </p:nvPicPr>
+        <p:blipFill>
+          <a:blip r:embed="rId3">
+            <a:extLst>
+              <a:ext uri="{28A0092B-C50C-407E-A947-70E740481C1C}">
+                <a14:useLocalDpi xmlns:a14="http://schemas.microsoft.com/office/drawing/2010/main" val="0"/>
+              </a:ext>
+            </a:extLst>
+          </a:blip>
+          <a:stretch>
+            <a:fillRect/>
+          </a:stretch>
+        </p:blipFill>
+        <p:spPr>
+          <a:xfrm>
+            <a:off x="7967360" y="2463737"/>
+            <a:ext cx="272533" cy="272533"/>
+          </a:xfrm>
+          <a:prstGeom prst="rect">
+            <a:avLst/>
+          </a:prstGeom>
+        </p:spPr>
+      </p:pic>
+      <p:pic>
+        <p:nvPicPr>
+          <p:cNvPr id="71" name="図 70" descr="trash.png"/>
+          <p:cNvPicPr>
+            <a:picLocks noChangeAspect="1"/>
+          </p:cNvPicPr>
+          <p:nvPr/>
+        </p:nvPicPr>
+        <p:blipFill>
+          <a:blip r:embed="rId3">
+            <a:extLst>
+              <a:ext uri="{28A0092B-C50C-407E-A947-70E740481C1C}">
+                <a14:useLocalDpi xmlns:a14="http://schemas.microsoft.com/office/drawing/2010/main" val="0"/>
+              </a:ext>
+            </a:extLst>
+          </a:blip>
+          <a:stretch>
+            <a:fillRect/>
+          </a:stretch>
+        </p:blipFill>
+        <p:spPr>
+          <a:xfrm>
+            <a:off x="7967360" y="2865577"/>
+            <a:ext cx="272533" cy="272533"/>
+          </a:xfrm>
+          <a:prstGeom prst="rect">
+            <a:avLst/>
+          </a:prstGeom>
+        </p:spPr>
+      </p:pic>
+      <p:pic>
+        <p:nvPicPr>
+          <p:cNvPr id="72" name="図 71" descr="trash.png"/>
+          <p:cNvPicPr>
+            <a:picLocks noChangeAspect="1"/>
+          </p:cNvPicPr>
+          <p:nvPr/>
+        </p:nvPicPr>
+        <p:blipFill>
+          <a:blip r:embed="rId3">
+            <a:extLst>
+              <a:ext uri="{28A0092B-C50C-407E-A947-70E740481C1C}">
+                <a14:useLocalDpi xmlns:a14="http://schemas.microsoft.com/office/drawing/2010/main" val="0"/>
+              </a:ext>
+            </a:extLst>
+          </a:blip>
+          <a:stretch>
+            <a:fillRect/>
+          </a:stretch>
+        </p:blipFill>
+        <p:spPr>
+          <a:xfrm>
+            <a:off x="7967360" y="3244330"/>
+            <a:ext cx="272533" cy="272533"/>
+          </a:xfrm>
+          <a:prstGeom prst="rect">
+            <a:avLst/>
+          </a:prstGeom>
+        </p:spPr>
+      </p:pic>
+      <p:pic>
+        <p:nvPicPr>
+          <p:cNvPr id="73" name="図 72" descr="trash.png"/>
+          <p:cNvPicPr>
+            <a:picLocks noChangeAspect="1"/>
+          </p:cNvPicPr>
+          <p:nvPr/>
+        </p:nvPicPr>
+        <p:blipFill>
+          <a:blip r:embed="rId3">
+            <a:extLst>
+              <a:ext uri="{28A0092B-C50C-407E-A947-70E740481C1C}">
+                <a14:useLocalDpi xmlns:a14="http://schemas.microsoft.com/office/drawing/2010/main" val="0"/>
+              </a:ext>
+            </a:extLst>
+          </a:blip>
+          <a:stretch>
+            <a:fillRect/>
+          </a:stretch>
+        </p:blipFill>
+        <p:spPr>
+          <a:xfrm>
+            <a:off x="7967360" y="3646170"/>
+            <a:ext cx="272533" cy="272533"/>
+          </a:xfrm>
+          <a:prstGeom prst="rect">
+            <a:avLst/>
+          </a:prstGeom>
+        </p:spPr>
+      </p:pic>
+      <p:pic>
+        <p:nvPicPr>
+          <p:cNvPr id="74" name="図 73" descr="trash.png"/>
+          <p:cNvPicPr>
+            <a:picLocks noChangeAspect="1"/>
+          </p:cNvPicPr>
+          <p:nvPr/>
+        </p:nvPicPr>
+        <p:blipFill>
+          <a:blip r:embed="rId3">
+            <a:extLst>
+              <a:ext uri="{28A0092B-C50C-407E-A947-70E740481C1C}">
+                <a14:useLocalDpi xmlns:a14="http://schemas.microsoft.com/office/drawing/2010/main" val="0"/>
+              </a:ext>
+            </a:extLst>
+          </a:blip>
+          <a:stretch>
+            <a:fillRect/>
+          </a:stretch>
+        </p:blipFill>
+        <p:spPr>
+          <a:xfrm>
+            <a:off x="7966108" y="4020421"/>
+            <a:ext cx="272533" cy="272533"/>
+          </a:xfrm>
+          <a:prstGeom prst="rect">
+            <a:avLst/>
+          </a:prstGeom>
+        </p:spPr>
+      </p:pic>
+      <p:pic>
+        <p:nvPicPr>
+          <p:cNvPr id="75" name="図 74" descr="trash.png"/>
+          <p:cNvPicPr>
+            <a:picLocks noChangeAspect="1"/>
+          </p:cNvPicPr>
+          <p:nvPr/>
+        </p:nvPicPr>
+        <p:blipFill>
+          <a:blip r:embed="rId3">
+            <a:extLst>
+              <a:ext uri="{28A0092B-C50C-407E-A947-70E740481C1C}">
+                <a14:useLocalDpi xmlns:a14="http://schemas.microsoft.com/office/drawing/2010/main" val="0"/>
+              </a:ext>
+            </a:extLst>
+          </a:blip>
+          <a:stretch>
+            <a:fillRect/>
+          </a:stretch>
+        </p:blipFill>
+        <p:spPr>
+          <a:xfrm>
+            <a:off x="7966108" y="4422261"/>
+            <a:ext cx="272533" cy="272533"/>
+          </a:xfrm>
+          <a:prstGeom prst="rect">
+            <a:avLst/>
+          </a:prstGeom>
+        </p:spPr>
+      </p:pic>
+      <p:pic>
+        <p:nvPicPr>
+          <p:cNvPr id="76" name="図 75" descr="trash.png"/>
+          <p:cNvPicPr>
+            <a:picLocks noChangeAspect="1"/>
+          </p:cNvPicPr>
+          <p:nvPr/>
+        </p:nvPicPr>
+        <p:blipFill>
+          <a:blip r:embed="rId3">
+            <a:extLst>
+              <a:ext uri="{28A0092B-C50C-407E-A947-70E740481C1C}">
+                <a14:useLocalDpi xmlns:a14="http://schemas.microsoft.com/office/drawing/2010/main" val="0"/>
+              </a:ext>
+            </a:extLst>
+          </a:blip>
+          <a:stretch>
+            <a:fillRect/>
+          </a:stretch>
+        </p:blipFill>
+        <p:spPr>
+          <a:xfrm>
+            <a:off x="7967360" y="4799059"/>
+            <a:ext cx="272533" cy="272533"/>
+          </a:xfrm>
+          <a:prstGeom prst="rect">
+            <a:avLst/>
+          </a:prstGeom>
+        </p:spPr>
+      </p:pic>
+      <p:pic>
+        <p:nvPicPr>
+          <p:cNvPr id="77" name="図 76" descr="trash.png"/>
+          <p:cNvPicPr>
+            <a:picLocks noChangeAspect="1"/>
+          </p:cNvPicPr>
+          <p:nvPr/>
+        </p:nvPicPr>
+        <p:blipFill>
+          <a:blip r:embed="rId3">
+            <a:extLst>
+              <a:ext uri="{28A0092B-C50C-407E-A947-70E740481C1C}">
+                <a14:useLocalDpi xmlns:a14="http://schemas.microsoft.com/office/drawing/2010/main" val="0"/>
+              </a:ext>
+            </a:extLst>
+          </a:blip>
+          <a:stretch>
+            <a:fillRect/>
+          </a:stretch>
+        </p:blipFill>
+        <p:spPr>
+          <a:xfrm>
+            <a:off x="7967360" y="5200899"/>
+            <a:ext cx="272533" cy="272533"/>
+          </a:xfrm>
+          <a:prstGeom prst="rect">
+            <a:avLst/>
+          </a:prstGeom>
+        </p:spPr>
+      </p:pic>
+      <p:pic>
+        <p:nvPicPr>
+          <p:cNvPr id="78" name="図 77" descr="trash.png"/>
+          <p:cNvPicPr>
+            <a:picLocks noChangeAspect="1"/>
+          </p:cNvPicPr>
+          <p:nvPr/>
+        </p:nvPicPr>
+        <p:blipFill>
+          <a:blip r:embed="rId3">
+            <a:extLst>
+              <a:ext uri="{28A0092B-C50C-407E-A947-70E740481C1C}">
+                <a14:useLocalDpi xmlns:a14="http://schemas.microsoft.com/office/drawing/2010/main" val="0"/>
+              </a:ext>
+            </a:extLst>
+          </a:blip>
+          <a:stretch>
+            <a:fillRect/>
+          </a:stretch>
+        </p:blipFill>
+        <p:spPr>
+          <a:xfrm>
+            <a:off x="7966108" y="5558835"/>
+            <a:ext cx="272533" cy="272533"/>
+          </a:xfrm>
+          <a:prstGeom prst="rect">
+            <a:avLst/>
+          </a:prstGeom>
+        </p:spPr>
+      </p:pic>
+      <p:pic>
+        <p:nvPicPr>
+          <p:cNvPr id="79" name="図 78" descr="trash.png"/>
+          <p:cNvPicPr>
+            <a:picLocks noChangeAspect="1"/>
+          </p:cNvPicPr>
+          <p:nvPr/>
+        </p:nvPicPr>
+        <p:blipFill>
+          <a:blip r:embed="rId3">
+            <a:extLst>
+              <a:ext uri="{28A0092B-C50C-407E-A947-70E740481C1C}">
+                <a14:useLocalDpi xmlns:a14="http://schemas.microsoft.com/office/drawing/2010/main" val="0"/>
+              </a:ext>
+            </a:extLst>
+          </a:blip>
+          <a:stretch>
+            <a:fillRect/>
+          </a:stretch>
+        </p:blipFill>
+        <p:spPr>
+          <a:xfrm>
+            <a:off x="7966108" y="5960675"/>
+            <a:ext cx="272533" cy="272533"/>
+          </a:xfrm>
+          <a:prstGeom prst="rect">
+            <a:avLst/>
+          </a:prstGeom>
+        </p:spPr>
+      </p:pic>
     </p:spTree>
     <p:extLst>
       <p:ext uri="{BB962C8B-B14F-4D97-AF65-F5344CB8AC3E}">
@@ -9943,7 +9979,7 @@
 </p:sld>
 </file>
 
-<file path=ppt/slides/slide6.xml><?xml version="1.0" encoding="utf-8"?>
+<file path=ppt/slides/slide7.xml><?xml version="1.0" encoding="utf-8"?>
 <p:sld xmlns:a="http://schemas.openxmlformats.org/drawingml/2006/main" xmlns:r="http://schemas.openxmlformats.org/officeDocument/2006/relationships" xmlns:p="http://schemas.openxmlformats.org/presentationml/2006/main">
   <p:cSld>
     <p:spTree>
@@ -11059,7 +11095,7 @@
           <p:nvPr>
             <p:extLst>
               <p:ext uri="{D42A27DB-BD31-4B8C-83A1-F6EECF244321}">
-                <p14:modId xmlns:p14="http://schemas.microsoft.com/office/powerpoint/2010/main" val="1012184571"/>
+                <p14:modId xmlns:p14="http://schemas.microsoft.com/office/powerpoint/2010/main" val="2838429161"/>
               </p:ext>
             </p:extLst>
           </p:nvPr>
@@ -11594,456 +11630,6 @@
           </a:graphicData>
         </a:graphic>
       </p:graphicFrame>
-      <p:sp>
-        <p:nvSpPr>
-          <p:cNvPr id="41" name="円柱 40"/>
-          <p:cNvSpPr/>
-          <p:nvPr/>
-        </p:nvSpPr>
-        <p:spPr>
-          <a:xfrm>
-            <a:off x="8017036" y="2447634"/>
-            <a:ext cx="173182" cy="288636"/>
-          </a:xfrm>
-          <a:prstGeom prst="can">
-            <a:avLst/>
-          </a:prstGeom>
-          <a:noFill/>
-          <a:ln w="25400">
-            <a:solidFill>
-              <a:schemeClr val="tx1"/>
-            </a:solidFill>
-          </a:ln>
-          <a:effectLst/>
-        </p:spPr>
-        <p:style>
-          <a:lnRef idx="1">
-            <a:schemeClr val="accent1"/>
-          </a:lnRef>
-          <a:fillRef idx="3">
-            <a:schemeClr val="accent1"/>
-          </a:fillRef>
-          <a:effectRef idx="2">
-            <a:schemeClr val="accent1"/>
-          </a:effectRef>
-          <a:fontRef idx="minor">
-            <a:schemeClr val="lt1"/>
-          </a:fontRef>
-        </p:style>
-        <p:txBody>
-          <a:bodyPr rtlCol="0" anchor="ctr"/>
-          <a:lstStyle/>
-          <a:p>
-            <a:pPr algn="ctr"/>
-            <a:endParaRPr kumimoji="1" lang="ja-JP" altLang="en-US"/>
-          </a:p>
-        </p:txBody>
-      </p:sp>
-      <p:sp>
-        <p:nvSpPr>
-          <p:cNvPr id="42" name="円柱 41"/>
-          <p:cNvSpPr/>
-          <p:nvPr/>
-        </p:nvSpPr>
-        <p:spPr>
-          <a:xfrm>
-            <a:off x="8017036" y="2856340"/>
-            <a:ext cx="173182" cy="288636"/>
-          </a:xfrm>
-          <a:prstGeom prst="can">
-            <a:avLst/>
-          </a:prstGeom>
-          <a:noFill/>
-          <a:ln w="25400">
-            <a:solidFill>
-              <a:schemeClr val="tx1"/>
-            </a:solidFill>
-          </a:ln>
-          <a:effectLst/>
-        </p:spPr>
-        <p:style>
-          <a:lnRef idx="1">
-            <a:schemeClr val="accent1"/>
-          </a:lnRef>
-          <a:fillRef idx="3">
-            <a:schemeClr val="accent1"/>
-          </a:fillRef>
-          <a:effectRef idx="2">
-            <a:schemeClr val="accent1"/>
-          </a:effectRef>
-          <a:fontRef idx="minor">
-            <a:schemeClr val="lt1"/>
-          </a:fontRef>
-        </p:style>
-        <p:txBody>
-          <a:bodyPr rtlCol="0" anchor="ctr"/>
-          <a:lstStyle/>
-          <a:p>
-            <a:pPr algn="ctr"/>
-            <a:endParaRPr kumimoji="1" lang="ja-JP" altLang="en-US"/>
-          </a:p>
-        </p:txBody>
-      </p:sp>
-      <p:sp>
-        <p:nvSpPr>
-          <p:cNvPr id="45" name="円柱 44"/>
-          <p:cNvSpPr/>
-          <p:nvPr/>
-        </p:nvSpPr>
-        <p:spPr>
-          <a:xfrm>
-            <a:off x="8017036" y="3235027"/>
-            <a:ext cx="173182" cy="288636"/>
-          </a:xfrm>
-          <a:prstGeom prst="can">
-            <a:avLst/>
-          </a:prstGeom>
-          <a:noFill/>
-          <a:ln w="25400">
-            <a:solidFill>
-              <a:schemeClr val="tx1"/>
-            </a:solidFill>
-          </a:ln>
-          <a:effectLst/>
-        </p:spPr>
-        <p:style>
-          <a:lnRef idx="1">
-            <a:schemeClr val="accent1"/>
-          </a:lnRef>
-          <a:fillRef idx="3">
-            <a:schemeClr val="accent1"/>
-          </a:fillRef>
-          <a:effectRef idx="2">
-            <a:schemeClr val="accent1"/>
-          </a:effectRef>
-          <a:fontRef idx="minor">
-            <a:schemeClr val="lt1"/>
-          </a:fontRef>
-        </p:style>
-        <p:txBody>
-          <a:bodyPr rtlCol="0" anchor="ctr"/>
-          <a:lstStyle/>
-          <a:p>
-            <a:pPr algn="ctr"/>
-            <a:endParaRPr kumimoji="1" lang="ja-JP" altLang="en-US"/>
-          </a:p>
-        </p:txBody>
-      </p:sp>
-      <p:sp>
-        <p:nvSpPr>
-          <p:cNvPr id="46" name="円柱 45"/>
-          <p:cNvSpPr/>
-          <p:nvPr/>
-        </p:nvSpPr>
-        <p:spPr>
-          <a:xfrm>
-            <a:off x="8017036" y="3624105"/>
-            <a:ext cx="173182" cy="288636"/>
-          </a:xfrm>
-          <a:prstGeom prst="can">
-            <a:avLst/>
-          </a:prstGeom>
-          <a:noFill/>
-          <a:ln w="25400">
-            <a:solidFill>
-              <a:schemeClr val="tx1"/>
-            </a:solidFill>
-          </a:ln>
-          <a:effectLst/>
-        </p:spPr>
-        <p:style>
-          <a:lnRef idx="1">
-            <a:schemeClr val="accent1"/>
-          </a:lnRef>
-          <a:fillRef idx="3">
-            <a:schemeClr val="accent1"/>
-          </a:fillRef>
-          <a:effectRef idx="2">
-            <a:schemeClr val="accent1"/>
-          </a:effectRef>
-          <a:fontRef idx="minor">
-            <a:schemeClr val="lt1"/>
-          </a:fontRef>
-        </p:style>
-        <p:txBody>
-          <a:bodyPr rtlCol="0" anchor="ctr"/>
-          <a:lstStyle/>
-          <a:p>
-            <a:pPr algn="ctr"/>
-            <a:endParaRPr kumimoji="1" lang="ja-JP" altLang="en-US"/>
-          </a:p>
-        </p:txBody>
-      </p:sp>
-      <p:sp>
-        <p:nvSpPr>
-          <p:cNvPr id="47" name="円柱 46"/>
-          <p:cNvSpPr/>
-          <p:nvPr/>
-        </p:nvSpPr>
-        <p:spPr>
-          <a:xfrm>
-            <a:off x="8017036" y="4008555"/>
-            <a:ext cx="173182" cy="288636"/>
-          </a:xfrm>
-          <a:prstGeom prst="can">
-            <a:avLst/>
-          </a:prstGeom>
-          <a:noFill/>
-          <a:ln w="25400">
-            <a:solidFill>
-              <a:schemeClr val="tx1"/>
-            </a:solidFill>
-          </a:ln>
-          <a:effectLst/>
-        </p:spPr>
-        <p:style>
-          <a:lnRef idx="1">
-            <a:schemeClr val="accent1"/>
-          </a:lnRef>
-          <a:fillRef idx="3">
-            <a:schemeClr val="accent1"/>
-          </a:fillRef>
-          <a:effectRef idx="2">
-            <a:schemeClr val="accent1"/>
-          </a:effectRef>
-          <a:fontRef idx="minor">
-            <a:schemeClr val="lt1"/>
-          </a:fontRef>
-        </p:style>
-        <p:txBody>
-          <a:bodyPr rtlCol="0" anchor="ctr"/>
-          <a:lstStyle/>
-          <a:p>
-            <a:pPr algn="ctr"/>
-            <a:endParaRPr kumimoji="1" lang="ja-JP" altLang="en-US"/>
-          </a:p>
-        </p:txBody>
-      </p:sp>
-      <p:sp>
-        <p:nvSpPr>
-          <p:cNvPr id="48" name="円柱 47"/>
-          <p:cNvSpPr/>
-          <p:nvPr/>
-        </p:nvSpPr>
-        <p:spPr>
-          <a:xfrm>
-            <a:off x="8017036" y="4397633"/>
-            <a:ext cx="173182" cy="288636"/>
-          </a:xfrm>
-          <a:prstGeom prst="can">
-            <a:avLst/>
-          </a:prstGeom>
-          <a:noFill/>
-          <a:ln w="25400">
-            <a:solidFill>
-              <a:schemeClr val="tx1"/>
-            </a:solidFill>
-          </a:ln>
-          <a:effectLst/>
-        </p:spPr>
-        <p:style>
-          <a:lnRef idx="1">
-            <a:schemeClr val="accent1"/>
-          </a:lnRef>
-          <a:fillRef idx="3">
-            <a:schemeClr val="accent1"/>
-          </a:fillRef>
-          <a:effectRef idx="2">
-            <a:schemeClr val="accent1"/>
-          </a:effectRef>
-          <a:fontRef idx="minor">
-            <a:schemeClr val="lt1"/>
-          </a:fontRef>
-        </p:style>
-        <p:txBody>
-          <a:bodyPr rtlCol="0" anchor="ctr"/>
-          <a:lstStyle/>
-          <a:p>
-            <a:pPr algn="ctr"/>
-            <a:endParaRPr kumimoji="1" lang="ja-JP" altLang="en-US"/>
-          </a:p>
-        </p:txBody>
-      </p:sp>
-      <p:sp>
-        <p:nvSpPr>
-          <p:cNvPr id="49" name="円柱 48"/>
-          <p:cNvSpPr/>
-          <p:nvPr/>
-        </p:nvSpPr>
-        <p:spPr>
-          <a:xfrm>
-            <a:off x="8017036" y="4782067"/>
-            <a:ext cx="173182" cy="288636"/>
-          </a:xfrm>
-          <a:prstGeom prst="can">
-            <a:avLst/>
-          </a:prstGeom>
-          <a:noFill/>
-          <a:ln w="25400">
-            <a:solidFill>
-              <a:schemeClr val="tx1"/>
-            </a:solidFill>
-          </a:ln>
-          <a:effectLst/>
-        </p:spPr>
-        <p:style>
-          <a:lnRef idx="1">
-            <a:schemeClr val="accent1"/>
-          </a:lnRef>
-          <a:fillRef idx="3">
-            <a:schemeClr val="accent1"/>
-          </a:fillRef>
-          <a:effectRef idx="2">
-            <a:schemeClr val="accent1"/>
-          </a:effectRef>
-          <a:fontRef idx="minor">
-            <a:schemeClr val="lt1"/>
-          </a:fontRef>
-        </p:style>
-        <p:txBody>
-          <a:bodyPr rtlCol="0" anchor="ctr"/>
-          <a:lstStyle/>
-          <a:p>
-            <a:pPr algn="ctr"/>
-            <a:endParaRPr kumimoji="1" lang="ja-JP" altLang="en-US"/>
-          </a:p>
-        </p:txBody>
-      </p:sp>
-      <p:sp>
-        <p:nvSpPr>
-          <p:cNvPr id="50" name="円柱 49"/>
-          <p:cNvSpPr/>
-          <p:nvPr/>
-        </p:nvSpPr>
-        <p:spPr>
-          <a:xfrm>
-            <a:off x="8017036" y="5169935"/>
-            <a:ext cx="173182" cy="288636"/>
-          </a:xfrm>
-          <a:prstGeom prst="can">
-            <a:avLst/>
-          </a:prstGeom>
-          <a:noFill/>
-          <a:ln w="25400">
-            <a:solidFill>
-              <a:schemeClr val="tx1"/>
-            </a:solidFill>
-          </a:ln>
-          <a:effectLst/>
-        </p:spPr>
-        <p:style>
-          <a:lnRef idx="1">
-            <a:schemeClr val="accent1"/>
-          </a:lnRef>
-          <a:fillRef idx="3">
-            <a:schemeClr val="accent1"/>
-          </a:fillRef>
-          <a:effectRef idx="2">
-            <a:schemeClr val="accent1"/>
-          </a:effectRef>
-          <a:fontRef idx="minor">
-            <a:schemeClr val="lt1"/>
-          </a:fontRef>
-        </p:style>
-        <p:txBody>
-          <a:bodyPr rtlCol="0" anchor="ctr"/>
-          <a:lstStyle/>
-          <a:p>
-            <a:pPr algn="ctr"/>
-            <a:endParaRPr kumimoji="1" lang="ja-JP" altLang="en-US"/>
-          </a:p>
-        </p:txBody>
-      </p:sp>
-      <p:sp>
-        <p:nvSpPr>
-          <p:cNvPr id="51" name="円柱 50"/>
-          <p:cNvSpPr/>
-          <p:nvPr/>
-        </p:nvSpPr>
-        <p:spPr>
-          <a:xfrm>
-            <a:off x="8017036" y="5559013"/>
-            <a:ext cx="173182" cy="288636"/>
-          </a:xfrm>
-          <a:prstGeom prst="can">
-            <a:avLst/>
-          </a:prstGeom>
-          <a:noFill/>
-          <a:ln w="25400">
-            <a:solidFill>
-              <a:schemeClr val="tx1"/>
-            </a:solidFill>
-          </a:ln>
-          <a:effectLst/>
-        </p:spPr>
-        <p:style>
-          <a:lnRef idx="1">
-            <a:schemeClr val="accent1"/>
-          </a:lnRef>
-          <a:fillRef idx="3">
-            <a:schemeClr val="accent1"/>
-          </a:fillRef>
-          <a:effectRef idx="2">
-            <a:schemeClr val="accent1"/>
-          </a:effectRef>
-          <a:fontRef idx="minor">
-            <a:schemeClr val="lt1"/>
-          </a:fontRef>
-        </p:style>
-        <p:txBody>
-          <a:bodyPr rtlCol="0" anchor="ctr"/>
-          <a:lstStyle/>
-          <a:p>
-            <a:pPr algn="ctr"/>
-            <a:endParaRPr kumimoji="1" lang="ja-JP" altLang="en-US"/>
-          </a:p>
-        </p:txBody>
-      </p:sp>
-      <p:sp>
-        <p:nvSpPr>
-          <p:cNvPr id="54" name="円柱 53"/>
-          <p:cNvSpPr/>
-          <p:nvPr/>
-        </p:nvSpPr>
-        <p:spPr>
-          <a:xfrm>
-            <a:off x="8017036" y="5930778"/>
-            <a:ext cx="173182" cy="288636"/>
-          </a:xfrm>
-          <a:prstGeom prst="can">
-            <a:avLst/>
-          </a:prstGeom>
-          <a:noFill/>
-          <a:ln w="25400">
-            <a:solidFill>
-              <a:schemeClr val="tx1"/>
-            </a:solidFill>
-          </a:ln>
-          <a:effectLst/>
-        </p:spPr>
-        <p:style>
-          <a:lnRef idx="1">
-            <a:schemeClr val="accent1"/>
-          </a:lnRef>
-          <a:fillRef idx="3">
-            <a:schemeClr val="accent1"/>
-          </a:fillRef>
-          <a:effectRef idx="2">
-            <a:schemeClr val="accent1"/>
-          </a:effectRef>
-          <a:fontRef idx="minor">
-            <a:schemeClr val="lt1"/>
-          </a:fontRef>
-        </p:style>
-        <p:txBody>
-          <a:bodyPr rtlCol="0" anchor="ctr"/>
-          <a:lstStyle/>
-          <a:p>
-            <a:pPr algn="ctr"/>
-            <a:endParaRPr kumimoji="1" lang="ja-JP" altLang="en-US"/>
-          </a:p>
-        </p:txBody>
-      </p:sp>
       <p:sp>
         <p:nvSpPr>
           <p:cNvPr id="55" name="正方形/長方形 54"/>
@@ -12382,6 +11968,306 @@
           </a:fontRef>
         </p:style>
       </p:cxnSp>
+      <p:pic>
+        <p:nvPicPr>
+          <p:cNvPr id="53" name="図 52" descr="trash.png"/>
+          <p:cNvPicPr>
+            <a:picLocks noChangeAspect="1"/>
+          </p:cNvPicPr>
+          <p:nvPr/>
+        </p:nvPicPr>
+        <p:blipFill>
+          <a:blip r:embed="rId3">
+            <a:extLst>
+              <a:ext uri="{28A0092B-C50C-407E-A947-70E740481C1C}">
+                <a14:useLocalDpi xmlns:a14="http://schemas.microsoft.com/office/drawing/2010/main" val="0"/>
+              </a:ext>
+            </a:extLst>
+          </a:blip>
+          <a:stretch>
+            <a:fillRect/>
+          </a:stretch>
+        </p:blipFill>
+        <p:spPr>
+          <a:xfrm>
+            <a:off x="7967360" y="2463737"/>
+            <a:ext cx="272533" cy="272533"/>
+          </a:xfrm>
+          <a:prstGeom prst="rect">
+            <a:avLst/>
+          </a:prstGeom>
+        </p:spPr>
+      </p:pic>
+      <p:pic>
+        <p:nvPicPr>
+          <p:cNvPr id="56" name="図 55" descr="trash.png"/>
+          <p:cNvPicPr>
+            <a:picLocks noChangeAspect="1"/>
+          </p:cNvPicPr>
+          <p:nvPr/>
+        </p:nvPicPr>
+        <p:blipFill>
+          <a:blip r:embed="rId3">
+            <a:extLst>
+              <a:ext uri="{28A0092B-C50C-407E-A947-70E740481C1C}">
+                <a14:useLocalDpi xmlns:a14="http://schemas.microsoft.com/office/drawing/2010/main" val="0"/>
+              </a:ext>
+            </a:extLst>
+          </a:blip>
+          <a:stretch>
+            <a:fillRect/>
+          </a:stretch>
+        </p:blipFill>
+        <p:spPr>
+          <a:xfrm>
+            <a:off x="7967360" y="2865577"/>
+            <a:ext cx="272533" cy="272533"/>
+          </a:xfrm>
+          <a:prstGeom prst="rect">
+            <a:avLst/>
+          </a:prstGeom>
+        </p:spPr>
+      </p:pic>
+      <p:pic>
+        <p:nvPicPr>
+          <p:cNvPr id="57" name="図 56" descr="trash.png"/>
+          <p:cNvPicPr>
+            <a:picLocks noChangeAspect="1"/>
+          </p:cNvPicPr>
+          <p:nvPr/>
+        </p:nvPicPr>
+        <p:blipFill>
+          <a:blip r:embed="rId3">
+            <a:extLst>
+              <a:ext uri="{28A0092B-C50C-407E-A947-70E740481C1C}">
+                <a14:useLocalDpi xmlns:a14="http://schemas.microsoft.com/office/drawing/2010/main" val="0"/>
+              </a:ext>
+            </a:extLst>
+          </a:blip>
+          <a:stretch>
+            <a:fillRect/>
+          </a:stretch>
+        </p:blipFill>
+        <p:spPr>
+          <a:xfrm>
+            <a:off x="7967360" y="3244330"/>
+            <a:ext cx="272533" cy="272533"/>
+          </a:xfrm>
+          <a:prstGeom prst="rect">
+            <a:avLst/>
+          </a:prstGeom>
+        </p:spPr>
+      </p:pic>
+      <p:pic>
+        <p:nvPicPr>
+          <p:cNvPr id="58" name="図 57" descr="trash.png"/>
+          <p:cNvPicPr>
+            <a:picLocks noChangeAspect="1"/>
+          </p:cNvPicPr>
+          <p:nvPr/>
+        </p:nvPicPr>
+        <p:blipFill>
+          <a:blip r:embed="rId3">
+            <a:extLst>
+              <a:ext uri="{28A0092B-C50C-407E-A947-70E740481C1C}">
+                <a14:useLocalDpi xmlns:a14="http://schemas.microsoft.com/office/drawing/2010/main" val="0"/>
+              </a:ext>
+            </a:extLst>
+          </a:blip>
+          <a:stretch>
+            <a:fillRect/>
+          </a:stretch>
+        </p:blipFill>
+        <p:spPr>
+          <a:xfrm>
+            <a:off x="7967360" y="3646170"/>
+            <a:ext cx="272533" cy="272533"/>
+          </a:xfrm>
+          <a:prstGeom prst="rect">
+            <a:avLst/>
+          </a:prstGeom>
+        </p:spPr>
+      </p:pic>
+      <p:pic>
+        <p:nvPicPr>
+          <p:cNvPr id="59" name="図 58" descr="trash.png"/>
+          <p:cNvPicPr>
+            <a:picLocks noChangeAspect="1"/>
+          </p:cNvPicPr>
+          <p:nvPr/>
+        </p:nvPicPr>
+        <p:blipFill>
+          <a:blip r:embed="rId3">
+            <a:extLst>
+              <a:ext uri="{28A0092B-C50C-407E-A947-70E740481C1C}">
+                <a14:useLocalDpi xmlns:a14="http://schemas.microsoft.com/office/drawing/2010/main" val="0"/>
+              </a:ext>
+            </a:extLst>
+          </a:blip>
+          <a:stretch>
+            <a:fillRect/>
+          </a:stretch>
+        </p:blipFill>
+        <p:spPr>
+          <a:xfrm>
+            <a:off x="7966108" y="4020421"/>
+            <a:ext cx="272533" cy="272533"/>
+          </a:xfrm>
+          <a:prstGeom prst="rect">
+            <a:avLst/>
+          </a:prstGeom>
+        </p:spPr>
+      </p:pic>
+      <p:pic>
+        <p:nvPicPr>
+          <p:cNvPr id="60" name="図 59" descr="trash.png"/>
+          <p:cNvPicPr>
+            <a:picLocks noChangeAspect="1"/>
+          </p:cNvPicPr>
+          <p:nvPr/>
+        </p:nvPicPr>
+        <p:blipFill>
+          <a:blip r:embed="rId3">
+            <a:extLst>
+              <a:ext uri="{28A0092B-C50C-407E-A947-70E740481C1C}">
+                <a14:useLocalDpi xmlns:a14="http://schemas.microsoft.com/office/drawing/2010/main" val="0"/>
+              </a:ext>
+            </a:extLst>
+          </a:blip>
+          <a:stretch>
+            <a:fillRect/>
+          </a:stretch>
+        </p:blipFill>
+        <p:spPr>
+          <a:xfrm>
+            <a:off x="7966108" y="4422261"/>
+            <a:ext cx="272533" cy="272533"/>
+          </a:xfrm>
+          <a:prstGeom prst="rect">
+            <a:avLst/>
+          </a:prstGeom>
+        </p:spPr>
+      </p:pic>
+      <p:pic>
+        <p:nvPicPr>
+          <p:cNvPr id="61" name="図 60" descr="trash.png"/>
+          <p:cNvPicPr>
+            <a:picLocks noChangeAspect="1"/>
+          </p:cNvPicPr>
+          <p:nvPr/>
+        </p:nvPicPr>
+        <p:blipFill>
+          <a:blip r:embed="rId3">
+            <a:extLst>
+              <a:ext uri="{28A0092B-C50C-407E-A947-70E740481C1C}">
+                <a14:useLocalDpi xmlns:a14="http://schemas.microsoft.com/office/drawing/2010/main" val="0"/>
+              </a:ext>
+            </a:extLst>
+          </a:blip>
+          <a:stretch>
+            <a:fillRect/>
+          </a:stretch>
+        </p:blipFill>
+        <p:spPr>
+          <a:xfrm>
+            <a:off x="7967360" y="4799059"/>
+            <a:ext cx="272533" cy="272533"/>
+          </a:xfrm>
+          <a:prstGeom prst="rect">
+            <a:avLst/>
+          </a:prstGeom>
+        </p:spPr>
+      </p:pic>
+      <p:pic>
+        <p:nvPicPr>
+          <p:cNvPr id="62" name="図 61" descr="trash.png"/>
+          <p:cNvPicPr>
+            <a:picLocks noChangeAspect="1"/>
+          </p:cNvPicPr>
+          <p:nvPr/>
+        </p:nvPicPr>
+        <p:blipFill>
+          <a:blip r:embed="rId3">
+            <a:extLst>
+              <a:ext uri="{28A0092B-C50C-407E-A947-70E740481C1C}">
+                <a14:useLocalDpi xmlns:a14="http://schemas.microsoft.com/office/drawing/2010/main" val="0"/>
+              </a:ext>
+            </a:extLst>
+          </a:blip>
+          <a:stretch>
+            <a:fillRect/>
+          </a:stretch>
+        </p:blipFill>
+        <p:spPr>
+          <a:xfrm>
+            <a:off x="7967360" y="5200899"/>
+            <a:ext cx="272533" cy="272533"/>
+          </a:xfrm>
+          <a:prstGeom prst="rect">
+            <a:avLst/>
+          </a:prstGeom>
+        </p:spPr>
+      </p:pic>
+      <p:pic>
+        <p:nvPicPr>
+          <p:cNvPr id="63" name="図 62" descr="trash.png"/>
+          <p:cNvPicPr>
+            <a:picLocks noChangeAspect="1"/>
+          </p:cNvPicPr>
+          <p:nvPr/>
+        </p:nvPicPr>
+        <p:blipFill>
+          <a:blip r:embed="rId3">
+            <a:extLst>
+              <a:ext uri="{28A0092B-C50C-407E-A947-70E740481C1C}">
+                <a14:useLocalDpi xmlns:a14="http://schemas.microsoft.com/office/drawing/2010/main" val="0"/>
+              </a:ext>
+            </a:extLst>
+          </a:blip>
+          <a:stretch>
+            <a:fillRect/>
+          </a:stretch>
+        </p:blipFill>
+        <p:spPr>
+          <a:xfrm>
+            <a:off x="7966108" y="5558835"/>
+            <a:ext cx="272533" cy="272533"/>
+          </a:xfrm>
+          <a:prstGeom prst="rect">
+            <a:avLst/>
+          </a:prstGeom>
+        </p:spPr>
+      </p:pic>
+      <p:pic>
+        <p:nvPicPr>
+          <p:cNvPr id="70" name="図 69" descr="trash.png"/>
+          <p:cNvPicPr>
+            <a:picLocks noChangeAspect="1"/>
+          </p:cNvPicPr>
+          <p:nvPr/>
+        </p:nvPicPr>
+        <p:blipFill>
+          <a:blip r:embed="rId3">
+            <a:extLst>
+              <a:ext uri="{28A0092B-C50C-407E-A947-70E740481C1C}">
+                <a14:useLocalDpi xmlns:a14="http://schemas.microsoft.com/office/drawing/2010/main" val="0"/>
+              </a:ext>
+            </a:extLst>
+          </a:blip>
+          <a:stretch>
+            <a:fillRect/>
+          </a:stretch>
+        </p:blipFill>
+        <p:spPr>
+          <a:xfrm>
+            <a:off x="7966108" y="5960675"/>
+            <a:ext cx="272533" cy="272533"/>
+          </a:xfrm>
+          <a:prstGeom prst="rect">
+            <a:avLst/>
+          </a:prstGeom>
+        </p:spPr>
+      </p:pic>
     </p:spTree>
     <p:extLst>
       <p:ext uri="{BB962C8B-B14F-4D97-AF65-F5344CB8AC3E}">

--- a/bin/algieba.pptx
+++ b/bin/algieba.pptx
@@ -5,7 +5,7 @@
     <p:sldMasterId id="2147483648" r:id="rId1"/>
   </p:sldMasterIdLst>
   <p:notesMasterIdLst>
-    <p:notesMasterId r:id="rId9"/>
+    <p:notesMasterId r:id="rId10"/>
   </p:notesMasterIdLst>
   <p:sldIdLst>
     <p:sldId id="256" r:id="rId2"/>
@@ -13,8 +13,9 @@
     <p:sldId id="266" r:id="rId4"/>
     <p:sldId id="265" r:id="rId5"/>
     <p:sldId id="269" r:id="rId6"/>
-    <p:sldId id="267" r:id="rId7"/>
-    <p:sldId id="268" r:id="rId8"/>
+    <p:sldId id="270" r:id="rId7"/>
+    <p:sldId id="267" r:id="rId8"/>
+    <p:sldId id="268" r:id="rId9"/>
   </p:sldIdLst>
   <p:sldSz cx="9144000" cy="6858000" type="screen4x3"/>
   <p:notesSz cx="6858000" cy="9144000"/>
@@ -198,7 +199,7 @@
           <a:p>
             <a:fld id="{EE82FEE5-269B-9B49-A8C4-823C45BE6055}" type="datetimeFigureOut">
               <a:rPr kumimoji="1" lang="ja-JP" altLang="en-US" smtClean="0"/>
-              <a:t>17/08/05</a:t>
+              <a:t>17/08/12</a:t>
             </a:fld>
             <a:endParaRPr kumimoji="1" lang="ja-JP" altLang="en-US"/>
           </a:p>
@@ -1002,6 +1003,90 @@
 </p:notes>
 </file>
 
+<file path=ppt/notesSlides/notesSlide7.xml><?xml version="1.0" encoding="utf-8"?>
+<p:notes xmlns:a="http://schemas.openxmlformats.org/drawingml/2006/main" xmlns:r="http://schemas.openxmlformats.org/officeDocument/2006/relationships" xmlns:p="http://schemas.openxmlformats.org/presentationml/2006/main">
+  <p:cSld>
+    <p:spTree>
+      <p:nvGrpSpPr>
+        <p:cNvPr id="1" name=""/>
+        <p:cNvGrpSpPr/>
+        <p:nvPr/>
+      </p:nvGrpSpPr>
+      <p:grpSpPr>
+        <a:xfrm>
+          <a:off x="0" y="0"/>
+          <a:ext cx="0" cy="0"/>
+          <a:chOff x="0" y="0"/>
+          <a:chExt cx="0" cy="0"/>
+        </a:xfrm>
+      </p:grpSpPr>
+      <p:sp>
+        <p:nvSpPr>
+          <p:cNvPr id="2" name="スライド イメージ プレースホルダー 1"/>
+          <p:cNvSpPr>
+            <a:spLocks noGrp="1" noRot="1" noChangeAspect="1"/>
+          </p:cNvSpPr>
+          <p:nvPr>
+            <p:ph type="sldImg"/>
+          </p:nvPr>
+        </p:nvSpPr>
+        <p:spPr/>
+      </p:sp>
+      <p:sp>
+        <p:nvSpPr>
+          <p:cNvPr id="3" name="ノート プレースホルダー 2"/>
+          <p:cNvSpPr>
+            <a:spLocks noGrp="1"/>
+          </p:cNvSpPr>
+          <p:nvPr>
+            <p:ph type="body" idx="1"/>
+          </p:nvPr>
+        </p:nvSpPr>
+        <p:spPr/>
+        <p:txBody>
+          <a:bodyPr/>
+          <a:lstStyle/>
+          <a:p>
+            <a:endParaRPr kumimoji="1" lang="ja-JP" altLang="en-US" dirty="0"/>
+          </a:p>
+        </p:txBody>
+      </p:sp>
+      <p:sp>
+        <p:nvSpPr>
+          <p:cNvPr id="4" name="スライド番号プレースホルダー 3"/>
+          <p:cNvSpPr>
+            <a:spLocks noGrp="1"/>
+          </p:cNvSpPr>
+          <p:nvPr>
+            <p:ph type="sldNum" sz="quarter" idx="10"/>
+          </p:nvPr>
+        </p:nvSpPr>
+        <p:spPr/>
+        <p:txBody>
+          <a:bodyPr/>
+          <a:lstStyle/>
+          <a:p>
+            <a:fld id="{A9E1B25B-30E5-7A42-A56A-DF1A6F86BC06}" type="slidenum">
+              <a:rPr kumimoji="1" lang="ja-JP" altLang="en-US" smtClean="0"/>
+              <a:t>8</a:t>
+            </a:fld>
+            <a:endParaRPr kumimoji="1" lang="ja-JP" altLang="en-US"/>
+          </a:p>
+        </p:txBody>
+      </p:sp>
+    </p:spTree>
+    <p:extLst>
+      <p:ext uri="{BB962C8B-B14F-4D97-AF65-F5344CB8AC3E}">
+        <p14:creationId xmlns:p14="http://schemas.microsoft.com/office/powerpoint/2010/main" val="3631066132"/>
+      </p:ext>
+    </p:extLst>
+  </p:cSld>
+  <p:clrMapOvr>
+    <a:masterClrMapping/>
+  </p:clrMapOvr>
+</p:notes>
+</file>
+
 <file path=ppt/slideLayouts/slideLayout1.xml><?xml version="1.0" encoding="utf-8"?>
 <p:sldLayout xmlns:a="http://schemas.openxmlformats.org/drawingml/2006/main" xmlns:r="http://schemas.openxmlformats.org/officeDocument/2006/relationships" xmlns:p="http://schemas.openxmlformats.org/presentationml/2006/main" type="title" preserve="1">
   <p:cSld name="タイトル スライド">
@@ -1183,7 +1268,7 @@
           <a:p>
             <a:fld id="{3ABA01A1-4899-9944-833D-6A66CDE659CB}" type="datetimeFigureOut">
               <a:rPr kumimoji="1" lang="ja-JP" altLang="en-US" smtClean="0"/>
-              <a:t>17/08/05</a:t>
+              <a:t>17/08/12</a:t>
             </a:fld>
             <a:endParaRPr kumimoji="1" lang="ja-JP" altLang="en-US"/>
           </a:p>
@@ -1385,7 +1470,7 @@
           <a:p>
             <a:fld id="{3ABA01A1-4899-9944-833D-6A66CDE659CB}" type="datetimeFigureOut">
               <a:rPr kumimoji="1" lang="ja-JP" altLang="en-US" smtClean="0"/>
-              <a:t>17/08/05</a:t>
+              <a:t>17/08/12</a:t>
             </a:fld>
             <a:endParaRPr kumimoji="1" lang="ja-JP" altLang="en-US"/>
           </a:p>
@@ -1597,7 +1682,7 @@
           <a:p>
             <a:fld id="{3ABA01A1-4899-9944-833D-6A66CDE659CB}" type="datetimeFigureOut">
               <a:rPr kumimoji="1" lang="ja-JP" altLang="en-US" smtClean="0"/>
-              <a:t>17/08/05</a:t>
+              <a:t>17/08/12</a:t>
             </a:fld>
             <a:endParaRPr kumimoji="1" lang="ja-JP" altLang="en-US"/>
           </a:p>
@@ -1799,7 +1884,7 @@
           <a:p>
             <a:fld id="{3ABA01A1-4899-9944-833D-6A66CDE659CB}" type="datetimeFigureOut">
               <a:rPr kumimoji="1" lang="ja-JP" altLang="en-US" smtClean="0"/>
-              <a:t>17/08/05</a:t>
+              <a:t>17/08/12</a:t>
             </a:fld>
             <a:endParaRPr kumimoji="1" lang="ja-JP" altLang="en-US"/>
           </a:p>
@@ -2045,7 +2130,7 @@
           <a:p>
             <a:fld id="{3ABA01A1-4899-9944-833D-6A66CDE659CB}" type="datetimeFigureOut">
               <a:rPr kumimoji="1" lang="ja-JP" altLang="en-US" smtClean="0"/>
-              <a:t>17/08/05</a:t>
+              <a:t>17/08/12</a:t>
             </a:fld>
             <a:endParaRPr kumimoji="1" lang="ja-JP" altLang="en-US"/>
           </a:p>
@@ -2397,7 +2482,7 @@
           <a:p>
             <a:fld id="{3ABA01A1-4899-9944-833D-6A66CDE659CB}" type="datetimeFigureOut">
               <a:rPr kumimoji="1" lang="ja-JP" altLang="en-US" smtClean="0"/>
-              <a:t>17/08/05</a:t>
+              <a:t>17/08/12</a:t>
             </a:fld>
             <a:endParaRPr kumimoji="1" lang="ja-JP" altLang="en-US"/>
           </a:p>
@@ -2883,7 +2968,7 @@
           <a:p>
             <a:fld id="{3ABA01A1-4899-9944-833D-6A66CDE659CB}" type="datetimeFigureOut">
               <a:rPr kumimoji="1" lang="ja-JP" altLang="en-US" smtClean="0"/>
-              <a:t>17/08/05</a:t>
+              <a:t>17/08/12</a:t>
             </a:fld>
             <a:endParaRPr kumimoji="1" lang="ja-JP" altLang="en-US"/>
           </a:p>
@@ -3001,7 +3086,7 @@
           <a:p>
             <a:fld id="{3ABA01A1-4899-9944-833D-6A66CDE659CB}" type="datetimeFigureOut">
               <a:rPr kumimoji="1" lang="ja-JP" altLang="en-US" smtClean="0"/>
-              <a:t>17/08/05</a:t>
+              <a:t>17/08/12</a:t>
             </a:fld>
             <a:endParaRPr kumimoji="1" lang="ja-JP" altLang="en-US"/>
           </a:p>
@@ -3096,7 +3181,7 @@
           <a:p>
             <a:fld id="{3ABA01A1-4899-9944-833D-6A66CDE659CB}" type="datetimeFigureOut">
               <a:rPr kumimoji="1" lang="ja-JP" altLang="en-US" smtClean="0"/>
-              <a:t>17/08/05</a:t>
+              <a:t>17/08/12</a:t>
             </a:fld>
             <a:endParaRPr kumimoji="1" lang="ja-JP" altLang="en-US"/>
           </a:p>
@@ -3405,7 +3490,7 @@
           <a:p>
             <a:fld id="{3ABA01A1-4899-9944-833D-6A66CDE659CB}" type="datetimeFigureOut">
               <a:rPr kumimoji="1" lang="ja-JP" altLang="en-US" smtClean="0"/>
-              <a:t>17/08/05</a:t>
+              <a:t>17/08/12</a:t>
             </a:fld>
             <a:endParaRPr kumimoji="1" lang="ja-JP" altLang="en-US"/>
           </a:p>
@@ -3658,7 +3743,7 @@
           <a:p>
             <a:fld id="{3ABA01A1-4899-9944-833D-6A66CDE659CB}" type="datetimeFigureOut">
               <a:rPr kumimoji="1" lang="ja-JP" altLang="en-US" smtClean="0"/>
-              <a:t>17/08/05</a:t>
+              <a:t>17/08/12</a:t>
             </a:fld>
             <a:endParaRPr kumimoji="1" lang="ja-JP" altLang="en-US"/>
           </a:p>
@@ -3903,7 +3988,7 @@
           <a:p>
             <a:fld id="{3ABA01A1-4899-9944-833D-6A66CDE659CB}" type="datetimeFigureOut">
               <a:rPr kumimoji="1" lang="ja-JP" altLang="en-US" smtClean="0"/>
-              <a:t>17/08/05</a:t>
+              <a:t>17/08/12</a:t>
             </a:fld>
             <a:endParaRPr kumimoji="1" lang="ja-JP" altLang="en-US"/>
           </a:p>
@@ -4347,11 +4432,15 @@
             </a:r>
             <a:r>
               <a:rPr lang="en-US" altLang="ja-JP" sz="2800" dirty="0" smtClean="0"/>
-              <a:t>2017/</a:t>
+              <a:t>2017/08</a:t>
             </a:r>
             <a:r>
               <a:rPr lang="en-US" altLang="ja-JP" sz="2800" dirty="0" smtClean="0"/>
-              <a:t>08/05</a:t>
+              <a:t>/</a:t>
+            </a:r>
+            <a:r>
+              <a:rPr lang="en-US" altLang="ja-JP" sz="2800" dirty="0" smtClean="0"/>
+              <a:t>13</a:t>
             </a:r>
             <a:r>
               <a:rPr lang="en-US" altLang="ja-JP" sz="2800" dirty="0" smtClean="0"/>
@@ -4370,7 +4459,7 @@
             </a:r>
             <a:r>
               <a:rPr lang="en-US" altLang="ja-JP" sz="2800" dirty="0" smtClean="0"/>
-              <a:t>2.7.0</a:t>
+              <a:t>2.8.0</a:t>
             </a:r>
             <a:endParaRPr kumimoji="1" lang="ja-JP" altLang="en-US" dirty="0"/>
           </a:p>
@@ -4453,7 +4542,7 @@
         <p:spPr>
           <a:xfrm>
             <a:off x="646545" y="969818"/>
-            <a:ext cx="8071440" cy="4801315"/>
+            <a:ext cx="7866256" cy="5355313"/>
           </a:xfrm>
           <a:prstGeom prst="rect">
             <a:avLst/>
@@ -4593,7 +4682,42 @@
                 <a:ea typeface="メイリオ"/>
                 <a:cs typeface="メイリオ"/>
               </a:rPr>
-              <a:t>画面上部の入力フォームから収支情報を入力</a:t>
+              <a:t>画面上部の入力フォームから収支情報を入力する</a:t>
+            </a:r>
+            <a:endParaRPr lang="en-US" altLang="ja-JP" dirty="0" smtClean="0">
+              <a:latin typeface="メイリオ"/>
+              <a:ea typeface="メイリオ"/>
+              <a:cs typeface="メイリオ"/>
+            </a:endParaRPr>
+          </a:p>
+          <a:p>
+            <a:pPr marL="1200150" lvl="2" indent="-285750">
+              <a:buFont typeface="Arial"/>
+              <a:buChar char="•"/>
+            </a:pPr>
+            <a:r>
+              <a:rPr lang="ja-JP" altLang="en-US" dirty="0" smtClean="0">
+                <a:latin typeface="メイリオ"/>
+                <a:ea typeface="メイリオ"/>
+                <a:cs typeface="メイリオ"/>
+              </a:rPr>
+              <a:t>日付</a:t>
+            </a:r>
+            <a:r>
+              <a:rPr lang="ja-JP" altLang="en-US" dirty="0" smtClean="0">
+                <a:latin typeface="メイリオ"/>
+                <a:ea typeface="メイリオ"/>
+                <a:cs typeface="メイリオ"/>
+              </a:rPr>
+              <a:t>は表示</a:t>
+            </a:r>
+            <a:r>
+              <a:rPr lang="ja-JP" altLang="en-US" dirty="0" smtClean="0">
+                <a:latin typeface="メイリオ"/>
+                <a:ea typeface="メイリオ"/>
+                <a:cs typeface="メイリオ"/>
+              </a:rPr>
+              <a:t>されるカレンダーから選択</a:t>
             </a:r>
             <a:r>
               <a:rPr lang="ja-JP" altLang="en-US" dirty="0" smtClean="0">
@@ -4620,7 +4744,38 @@
                 <a:ea typeface="メイリオ"/>
                 <a:cs typeface="メイリオ"/>
               </a:rPr>
-              <a:t>日付は直接入力不可で、表示されるカレンダーから選択する</a:t>
+              <a:t>カテゴリは既に登録されているものが一覧表示されるので、</a:t>
+            </a:r>
+            <a:r>
+              <a:rPr lang="en-US" altLang="ja-JP" dirty="0">
+                <a:latin typeface="メイリオ"/>
+                <a:ea typeface="メイリオ"/>
+                <a:cs typeface="メイリオ"/>
+              </a:rPr>
+              <a:t/>
+            </a:r>
+            <a:br>
+              <a:rPr lang="en-US" altLang="ja-JP" dirty="0">
+                <a:latin typeface="メイリオ"/>
+                <a:ea typeface="メイリオ"/>
+                <a:cs typeface="メイリオ"/>
+              </a:rPr>
+            </a:br>
+            <a:r>
+              <a:rPr lang="ja-JP" altLang="en-US" dirty="0" smtClean="0">
+                <a:latin typeface="メイリオ"/>
+                <a:ea typeface="メイリオ"/>
+                <a:cs typeface="メイリオ"/>
+              </a:rPr>
+              <a:t>その中から選択する（</a:t>
+            </a:r>
+            <a:r>
+              <a:rPr lang="ja-JP" altLang="en-US" dirty="0" smtClean="0">
+                <a:latin typeface="メイリオ"/>
+                <a:ea typeface="メイリオ"/>
+                <a:cs typeface="メイリオ"/>
+              </a:rPr>
+              <a:t>新規カテゴリを入力するのも可）</a:t>
             </a:r>
             <a:endParaRPr lang="en-US" altLang="ja-JP" dirty="0">
               <a:latin typeface="メイリオ"/>
@@ -5467,7 +5622,7 @@
           <p:nvPr>
             <p:extLst>
               <p:ext uri="{D42A27DB-BD31-4B8C-83A1-F6EECF244321}">
-                <p14:modId xmlns:p14="http://schemas.microsoft.com/office/powerpoint/2010/main" val="588428799"/>
+                <p14:modId xmlns:p14="http://schemas.microsoft.com/office/powerpoint/2010/main" val="2794378192"/>
               </p:ext>
             </p:extLst>
           </p:nvPr>
@@ -6236,7 +6391,7 @@
         </p:nvSpPr>
         <p:spPr>
           <a:xfrm>
-            <a:off x="4369749" y="1187601"/>
+            <a:off x="4346659" y="1187601"/>
             <a:ext cx="560480" cy="165946"/>
           </a:xfrm>
           <a:prstGeom prst="roundRect">
@@ -6327,7 +6482,7 @@
         </p:nvSpPr>
         <p:spPr>
           <a:xfrm>
-            <a:off x="5569022" y="1187601"/>
+            <a:off x="5799922" y="1187601"/>
             <a:ext cx="561630" cy="165946"/>
           </a:xfrm>
           <a:prstGeom prst="roundRect">
@@ -6372,7 +6527,7 @@
         </p:nvSpPr>
         <p:spPr>
           <a:xfrm>
-            <a:off x="4957326" y="1128924"/>
+            <a:off x="5234406" y="1128924"/>
             <a:ext cx="646331" cy="276999"/>
           </a:xfrm>
           <a:prstGeom prst="rect">
@@ -7390,6 +7545,160 @@
           </a:prstGeom>
         </p:spPr>
       </p:pic>
+      <p:sp>
+        <p:nvSpPr>
+          <p:cNvPr id="37" name="角丸四角形 36"/>
+          <p:cNvSpPr/>
+          <p:nvPr/>
+        </p:nvSpPr>
+        <p:spPr>
+          <a:xfrm>
+            <a:off x="4954166" y="1192639"/>
+            <a:ext cx="280240" cy="165946"/>
+          </a:xfrm>
+          <a:prstGeom prst="roundRect">
+            <a:avLst/>
+          </a:prstGeom>
+          <a:noFill/>
+          <a:ln w="25400">
+            <a:solidFill>
+              <a:schemeClr val="tx1"/>
+            </a:solidFill>
+          </a:ln>
+          <a:effectLst/>
+        </p:spPr>
+        <p:style>
+          <a:lnRef idx="1">
+            <a:schemeClr val="accent1"/>
+          </a:lnRef>
+          <a:fillRef idx="3">
+            <a:schemeClr val="accent1"/>
+          </a:fillRef>
+          <a:effectRef idx="2">
+            <a:schemeClr val="accent1"/>
+          </a:effectRef>
+          <a:fontRef idx="minor">
+            <a:schemeClr val="lt1"/>
+          </a:fontRef>
+        </p:style>
+        <p:txBody>
+          <a:bodyPr rtlCol="0" anchor="ctr"/>
+          <a:lstStyle/>
+          <a:p>
+            <a:pPr algn="ctr"/>
+            <a:endParaRPr kumimoji="1" lang="ja-JP" altLang="en-US" sz="800" dirty="0">
+              <a:solidFill>
+                <a:schemeClr val="tx1"/>
+              </a:solidFill>
+            </a:endParaRPr>
+          </a:p>
+        </p:txBody>
+      </p:sp>
+      <p:cxnSp>
+        <p:nvCxnSpPr>
+          <p:cNvPr id="3" name="直線コネクタ 2"/>
+          <p:cNvCxnSpPr/>
+          <p:nvPr/>
+        </p:nvCxnSpPr>
+        <p:spPr>
+          <a:xfrm>
+            <a:off x="5001261" y="1238058"/>
+            <a:ext cx="181196" cy="0"/>
+          </a:xfrm>
+          <a:prstGeom prst="line">
+            <a:avLst/>
+          </a:prstGeom>
+          <a:ln w="3175">
+            <a:solidFill>
+              <a:schemeClr val="tx1"/>
+            </a:solidFill>
+          </a:ln>
+        </p:spPr>
+        <p:style>
+          <a:lnRef idx="2">
+            <a:schemeClr val="accent1"/>
+          </a:lnRef>
+          <a:fillRef idx="0">
+            <a:schemeClr val="accent1"/>
+          </a:fillRef>
+          <a:effectRef idx="1">
+            <a:schemeClr val="accent1"/>
+          </a:effectRef>
+          <a:fontRef idx="minor">
+            <a:schemeClr val="tx1"/>
+          </a:fontRef>
+        </p:style>
+      </p:cxnSp>
+      <p:cxnSp>
+        <p:nvCxnSpPr>
+          <p:cNvPr id="48" name="直線コネクタ 47"/>
+          <p:cNvCxnSpPr/>
+          <p:nvPr/>
+        </p:nvCxnSpPr>
+        <p:spPr>
+          <a:xfrm>
+            <a:off x="5001261" y="1277697"/>
+            <a:ext cx="181196" cy="0"/>
+          </a:xfrm>
+          <a:prstGeom prst="line">
+            <a:avLst/>
+          </a:prstGeom>
+          <a:ln w="3175">
+            <a:solidFill>
+              <a:schemeClr val="tx1"/>
+            </a:solidFill>
+          </a:ln>
+        </p:spPr>
+        <p:style>
+          <a:lnRef idx="2">
+            <a:schemeClr val="accent1"/>
+          </a:lnRef>
+          <a:fillRef idx="0">
+            <a:schemeClr val="accent1"/>
+          </a:fillRef>
+          <a:effectRef idx="1">
+            <a:schemeClr val="accent1"/>
+          </a:effectRef>
+          <a:fontRef idx="minor">
+            <a:schemeClr val="tx1"/>
+          </a:fontRef>
+        </p:style>
+      </p:cxnSp>
+      <p:cxnSp>
+        <p:nvCxnSpPr>
+          <p:cNvPr id="49" name="直線コネクタ 48"/>
+          <p:cNvCxnSpPr/>
+          <p:nvPr/>
+        </p:nvCxnSpPr>
+        <p:spPr>
+          <a:xfrm>
+            <a:off x="5003884" y="1310793"/>
+            <a:ext cx="181196" cy="0"/>
+          </a:xfrm>
+          <a:prstGeom prst="line">
+            <a:avLst/>
+          </a:prstGeom>
+          <a:ln w="3175">
+            <a:solidFill>
+              <a:schemeClr val="tx1"/>
+            </a:solidFill>
+          </a:ln>
+        </p:spPr>
+        <p:style>
+          <a:lnRef idx="2">
+            <a:schemeClr val="accent1"/>
+          </a:lnRef>
+          <a:fillRef idx="0">
+            <a:schemeClr val="accent1"/>
+          </a:fillRef>
+          <a:effectRef idx="1">
+            <a:schemeClr val="accent1"/>
+          </a:effectRef>
+          <a:fontRef idx="minor">
+            <a:schemeClr val="tx1"/>
+          </a:fontRef>
+        </p:style>
+      </p:cxnSp>
     </p:spTree>
     <p:extLst>
       <p:ext uri="{BB962C8B-B14F-4D97-AF65-F5344CB8AC3E}">
@@ -7448,23 +7757,7 @@
                 <a:ea typeface="メイリオ"/>
                 <a:cs typeface="メイリオ"/>
               </a:rPr>
-              <a:t>管理</a:t>
-            </a:r>
-            <a:r>
-              <a:rPr lang="ja-JP" altLang="en-US" sz="2800" dirty="0" smtClean="0">
-                <a:latin typeface="メイリオ"/>
-                <a:ea typeface="メイリオ"/>
-                <a:cs typeface="メイリオ"/>
-              </a:rPr>
-              <a:t>画面</a:t>
-            </a:r>
-            <a:r>
-              <a:rPr lang="ja-JP" altLang="en-US" sz="2800" dirty="0" smtClean="0">
-                <a:latin typeface="メイリオ"/>
-                <a:ea typeface="メイリオ"/>
-                <a:cs typeface="メイリオ"/>
-              </a:rPr>
-              <a:t>（カレンダー表示）</a:t>
+              <a:t>管理画面（カレンダー表示）</a:t>
             </a:r>
             <a:endParaRPr kumimoji="1" lang="ja-JP" altLang="en-US" sz="2000" dirty="0">
               <a:latin typeface="メイリオ"/>
@@ -7657,7 +7950,7 @@
         <p:spPr>
           <a:xfrm>
             <a:off x="200532" y="187161"/>
-            <a:ext cx="4134465" cy="523220"/>
+            <a:ext cx="4493538" cy="523220"/>
           </a:xfrm>
           <a:prstGeom prst="rect">
             <a:avLst/>
@@ -7676,7 +7969,31 @@
                 <a:ea typeface="メイリオ"/>
                 <a:cs typeface="メイリオ"/>
               </a:rPr>
-              <a:t>管理画面（登録失敗時）</a:t>
+              <a:t>管理画面</a:t>
+            </a:r>
+            <a:r>
+              <a:rPr lang="ja-JP" altLang="en-US" sz="2800" dirty="0" smtClean="0">
+                <a:latin typeface="メイリオ"/>
+                <a:ea typeface="メイリオ"/>
+                <a:cs typeface="メイリオ"/>
+              </a:rPr>
+              <a:t>（</a:t>
+            </a:r>
+            <a:r>
+              <a:rPr lang="ja-JP" altLang="en-US" sz="2800" dirty="0" smtClean="0">
+                <a:latin typeface="メイリオ"/>
+                <a:ea typeface="メイリオ"/>
+                <a:cs typeface="メイリオ"/>
+              </a:rPr>
+              <a:t>カテゴリ選択</a:t>
+            </a:r>
+            <a:r>
+              <a:rPr lang="ja-JP" altLang="en-US" sz="2800" dirty="0" smtClean="0">
+                <a:latin typeface="メイリオ"/>
+                <a:ea typeface="メイリオ"/>
+                <a:cs typeface="メイリオ"/>
+              </a:rPr>
+              <a:t>）</a:t>
             </a:r>
             <a:endParaRPr kumimoji="1" lang="ja-JP" altLang="en-US" sz="2000" dirty="0">
               <a:latin typeface="メイリオ"/>
@@ -7686,1052 +8003,16 @@
           </a:p>
         </p:txBody>
       </p:sp>
-      <p:sp>
-        <p:nvSpPr>
-          <p:cNvPr id="64" name="テキスト ボックス 63"/>
-          <p:cNvSpPr txBox="1"/>
-          <p:nvPr/>
-        </p:nvSpPr>
-        <p:spPr>
-          <a:xfrm>
-            <a:off x="4124211" y="1630084"/>
-            <a:ext cx="296175" cy="307777"/>
-          </a:xfrm>
-          <a:prstGeom prst="rect">
-            <a:avLst/>
-          </a:prstGeom>
-          <a:noFill/>
-        </p:spPr>
-        <p:txBody>
-          <a:bodyPr wrap="none" rtlCol="0">
-            <a:spAutoFit/>
-          </a:bodyPr>
-          <a:lstStyle/>
-          <a:p>
-            <a:r>
-              <a:rPr lang="en-US" altLang="ja-JP" sz="1400" dirty="0">
-                <a:latin typeface="メイリオ"/>
-                <a:ea typeface="メイリオ"/>
-                <a:cs typeface="メイリオ"/>
-              </a:rPr>
-              <a:t>1</a:t>
-            </a:r>
-            <a:endParaRPr kumimoji="1" lang="ja-JP" altLang="en-US" sz="1400" dirty="0">
-              <a:latin typeface="メイリオ"/>
-              <a:ea typeface="メイリオ"/>
-              <a:cs typeface="メイリオ"/>
-            </a:endParaRPr>
-          </a:p>
-        </p:txBody>
-      </p:sp>
-      <p:sp>
-        <p:nvSpPr>
-          <p:cNvPr id="65" name="テキスト ボックス 64"/>
-          <p:cNvSpPr txBox="1"/>
-          <p:nvPr/>
-        </p:nvSpPr>
-        <p:spPr>
-          <a:xfrm>
-            <a:off x="4356158" y="1632399"/>
-            <a:ext cx="296175" cy="307777"/>
-          </a:xfrm>
-          <a:prstGeom prst="rect">
-            <a:avLst/>
-          </a:prstGeom>
-          <a:noFill/>
-        </p:spPr>
-        <p:txBody>
-          <a:bodyPr wrap="none" rtlCol="0">
-            <a:spAutoFit/>
-          </a:bodyPr>
-          <a:lstStyle/>
-          <a:p>
-            <a:r>
-              <a:rPr lang="en-US" altLang="ja-JP" sz="1400" dirty="0" smtClean="0">
-                <a:latin typeface="メイリオ"/>
-                <a:ea typeface="メイリオ"/>
-                <a:cs typeface="メイリオ"/>
-              </a:rPr>
-              <a:t>2</a:t>
-            </a:r>
-            <a:endParaRPr kumimoji="1" lang="ja-JP" altLang="en-US" sz="1400" dirty="0">
-              <a:latin typeface="メイリオ"/>
-              <a:ea typeface="メイリオ"/>
-              <a:cs typeface="メイリオ"/>
-            </a:endParaRPr>
-          </a:p>
-        </p:txBody>
-      </p:sp>
-      <p:sp>
-        <p:nvSpPr>
-          <p:cNvPr id="66" name="テキスト ボックス 65"/>
-          <p:cNvSpPr txBox="1"/>
-          <p:nvPr/>
-        </p:nvSpPr>
-        <p:spPr>
-          <a:xfrm>
-            <a:off x="4597125" y="1632399"/>
-            <a:ext cx="494734" cy="307777"/>
-          </a:xfrm>
-          <a:prstGeom prst="rect">
-            <a:avLst/>
-          </a:prstGeom>
-          <a:noFill/>
-        </p:spPr>
-        <p:txBody>
-          <a:bodyPr wrap="none" rtlCol="0">
-            <a:spAutoFit/>
-          </a:bodyPr>
-          <a:lstStyle/>
-          <a:p>
-            <a:r>
-              <a:rPr lang="en-US" altLang="ja-JP" sz="1400" dirty="0" smtClean="0">
-                <a:latin typeface="メイリオ"/>
-                <a:ea typeface="メイリオ"/>
-                <a:cs typeface="メイリオ"/>
-              </a:rPr>
-              <a:t>. . .</a:t>
-            </a:r>
-            <a:endParaRPr kumimoji="1" lang="ja-JP" altLang="en-US" sz="1400" dirty="0">
-              <a:latin typeface="メイリオ"/>
-              <a:ea typeface="メイリオ"/>
-              <a:cs typeface="メイリオ"/>
-            </a:endParaRPr>
-          </a:p>
-        </p:txBody>
-      </p:sp>
-      <p:sp>
-        <p:nvSpPr>
-          <p:cNvPr id="67" name="二等辺三角形 66"/>
-          <p:cNvSpPr/>
-          <p:nvPr/>
-        </p:nvSpPr>
-        <p:spPr>
-          <a:xfrm rot="5400000">
-            <a:off x="5439130" y="1683849"/>
-            <a:ext cx="179370" cy="181212"/>
-          </a:xfrm>
-          <a:prstGeom prst="triangle">
-            <a:avLst/>
-          </a:prstGeom>
-          <a:solidFill>
-            <a:srgbClr val="F75D31"/>
-          </a:solidFill>
-          <a:ln>
-            <a:noFill/>
-          </a:ln>
-          <a:effectLst/>
-        </p:spPr>
-        <p:style>
-          <a:lnRef idx="1">
-            <a:schemeClr val="accent1"/>
-          </a:lnRef>
-          <a:fillRef idx="3">
-            <a:schemeClr val="accent1"/>
-          </a:fillRef>
-          <a:effectRef idx="2">
-            <a:schemeClr val="accent1"/>
-          </a:effectRef>
-          <a:fontRef idx="minor">
-            <a:schemeClr val="lt1"/>
-          </a:fontRef>
-        </p:style>
-        <p:txBody>
-          <a:bodyPr rtlCol="0" anchor="ctr"/>
-          <a:lstStyle/>
-          <a:p>
-            <a:pPr algn="ctr"/>
-            <a:endParaRPr kumimoji="1" lang="ja-JP" altLang="en-US"/>
-          </a:p>
-        </p:txBody>
-      </p:sp>
-      <p:sp>
-        <p:nvSpPr>
-          <p:cNvPr id="68" name="二等辺三角形 67"/>
-          <p:cNvSpPr/>
-          <p:nvPr/>
-        </p:nvSpPr>
-        <p:spPr>
-          <a:xfrm rot="16200000">
-            <a:off x="3923520" y="1684770"/>
-            <a:ext cx="180000" cy="180000"/>
-          </a:xfrm>
-          <a:prstGeom prst="triangle">
-            <a:avLst/>
-          </a:prstGeom>
-          <a:solidFill>
-            <a:srgbClr val="F75D31"/>
-          </a:solidFill>
-          <a:ln>
-            <a:noFill/>
-          </a:ln>
-          <a:effectLst/>
-        </p:spPr>
-        <p:style>
-          <a:lnRef idx="1">
-            <a:schemeClr val="accent1"/>
-          </a:lnRef>
-          <a:fillRef idx="3">
-            <a:schemeClr val="accent1"/>
-          </a:fillRef>
-          <a:effectRef idx="2">
-            <a:schemeClr val="accent1"/>
-          </a:effectRef>
-          <a:fontRef idx="minor">
-            <a:schemeClr val="lt1"/>
-          </a:fontRef>
-        </p:style>
-        <p:txBody>
-          <a:bodyPr rtlCol="0" anchor="ctr"/>
-          <a:lstStyle/>
-          <a:p>
-            <a:pPr algn="ctr"/>
-            <a:endParaRPr kumimoji="1" lang="ja-JP" altLang="en-US"/>
-          </a:p>
-        </p:txBody>
-      </p:sp>
-      <p:sp>
-        <p:nvSpPr>
-          <p:cNvPr id="69" name="テキスト ボックス 68"/>
-          <p:cNvSpPr txBox="1"/>
-          <p:nvPr/>
-        </p:nvSpPr>
-        <p:spPr>
-          <a:xfrm>
-            <a:off x="5013885" y="1632399"/>
-            <a:ext cx="407684" cy="307777"/>
-          </a:xfrm>
-          <a:prstGeom prst="rect">
-            <a:avLst/>
-          </a:prstGeom>
-          <a:noFill/>
-        </p:spPr>
-        <p:txBody>
-          <a:bodyPr wrap="none" rtlCol="0">
-            <a:spAutoFit/>
-          </a:bodyPr>
-          <a:lstStyle/>
-          <a:p>
-            <a:r>
-              <a:rPr lang="en-US" altLang="ja-JP" sz="1400" dirty="0" smtClean="0">
-                <a:latin typeface="メイリオ"/>
-                <a:ea typeface="メイリオ"/>
-                <a:cs typeface="メイリオ"/>
-              </a:rPr>
-              <a:t>20</a:t>
-            </a:r>
-            <a:endParaRPr kumimoji="1" lang="ja-JP" altLang="en-US" sz="1400" dirty="0">
-              <a:latin typeface="メイリオ"/>
-              <a:ea typeface="メイリオ"/>
-              <a:cs typeface="メイリオ"/>
-            </a:endParaRPr>
-          </a:p>
-        </p:txBody>
-      </p:sp>
-      <p:sp>
-        <p:nvSpPr>
-          <p:cNvPr id="21" name="テキスト ボックス 20"/>
-          <p:cNvSpPr txBox="1"/>
-          <p:nvPr/>
-        </p:nvSpPr>
-        <p:spPr>
-          <a:xfrm>
-            <a:off x="993905" y="1630084"/>
-            <a:ext cx="2623046" cy="307777"/>
-          </a:xfrm>
-          <a:prstGeom prst="rect">
-            <a:avLst/>
-          </a:prstGeom>
-          <a:noFill/>
-        </p:spPr>
-        <p:txBody>
-          <a:bodyPr wrap="none" rtlCol="0">
-            <a:spAutoFit/>
-          </a:bodyPr>
-          <a:lstStyle/>
-          <a:p>
-            <a:r>
-              <a:rPr lang="en-US" altLang="ja-JP" sz="1400" dirty="0" smtClean="0">
-                <a:latin typeface="メイリオ"/>
-                <a:ea typeface="メイリオ"/>
-                <a:cs typeface="メイリオ"/>
-              </a:rPr>
-              <a:t>xxx </a:t>
-            </a:r>
-            <a:r>
-              <a:rPr lang="ja-JP" altLang="en-US" sz="1400" dirty="0" smtClean="0">
-                <a:latin typeface="メイリオ"/>
-                <a:ea typeface="メイリオ"/>
-                <a:cs typeface="メイリオ"/>
-              </a:rPr>
-              <a:t>件中</a:t>
-            </a:r>
-            <a:r>
-              <a:rPr lang="en-US" altLang="ja-JP" sz="1400" dirty="0" smtClean="0">
-                <a:latin typeface="メイリオ"/>
-                <a:ea typeface="メイリオ"/>
-                <a:cs typeface="メイリオ"/>
-              </a:rPr>
-              <a:t> </a:t>
-            </a:r>
-            <a:r>
-              <a:rPr lang="en-US" altLang="ja-JP" sz="1400" dirty="0" err="1" smtClean="0">
-                <a:latin typeface="メイリオ"/>
-                <a:ea typeface="メイリオ"/>
-                <a:cs typeface="メイリオ"/>
-              </a:rPr>
-              <a:t>yyy</a:t>
-            </a:r>
-            <a:r>
-              <a:rPr lang="en-US" altLang="ja-JP" sz="1400" dirty="0" smtClean="0">
-                <a:latin typeface="メイリオ"/>
-                <a:ea typeface="メイリオ"/>
-                <a:cs typeface="メイリオ"/>
-              </a:rPr>
-              <a:t> 〜 </a:t>
-            </a:r>
-            <a:r>
-              <a:rPr lang="en-US" altLang="ja-JP" sz="1400" dirty="0" err="1" smtClean="0">
-                <a:latin typeface="メイリオ"/>
-                <a:ea typeface="メイリオ"/>
-                <a:cs typeface="メイリオ"/>
-              </a:rPr>
-              <a:t>zzz</a:t>
-            </a:r>
-            <a:r>
-              <a:rPr lang="en-US" altLang="ja-JP" sz="1400" dirty="0" smtClean="0">
-                <a:latin typeface="メイリオ"/>
-                <a:ea typeface="メイリオ"/>
-                <a:cs typeface="メイリオ"/>
-              </a:rPr>
-              <a:t> </a:t>
-            </a:r>
-            <a:r>
-              <a:rPr lang="ja-JP" altLang="en-US" sz="1400" dirty="0" smtClean="0">
-                <a:latin typeface="メイリオ"/>
-                <a:ea typeface="メイリオ"/>
-                <a:cs typeface="メイリオ"/>
-              </a:rPr>
-              <a:t>件を表示</a:t>
-            </a:r>
-            <a:endParaRPr kumimoji="1" lang="ja-JP" altLang="en-US" sz="1400" dirty="0">
-              <a:latin typeface="メイリオ"/>
-              <a:ea typeface="メイリオ"/>
-              <a:cs typeface="メイリオ"/>
-            </a:endParaRPr>
-          </a:p>
-        </p:txBody>
-      </p:sp>
-      <p:sp>
-        <p:nvSpPr>
-          <p:cNvPr id="22" name="二等辺三角形 21"/>
-          <p:cNvSpPr/>
-          <p:nvPr/>
-        </p:nvSpPr>
-        <p:spPr>
-          <a:xfrm rot="16200000">
-            <a:off x="3596344" y="1684770"/>
-            <a:ext cx="180000" cy="180000"/>
-          </a:xfrm>
-          <a:prstGeom prst="triangle">
-            <a:avLst/>
-          </a:prstGeom>
-          <a:solidFill>
-            <a:srgbClr val="F75D31"/>
-          </a:solidFill>
-          <a:ln>
-            <a:noFill/>
-          </a:ln>
-          <a:effectLst/>
-        </p:spPr>
-        <p:style>
-          <a:lnRef idx="1">
-            <a:schemeClr val="accent1"/>
-          </a:lnRef>
-          <a:fillRef idx="3">
-            <a:schemeClr val="accent1"/>
-          </a:fillRef>
-          <a:effectRef idx="2">
-            <a:schemeClr val="accent1"/>
-          </a:effectRef>
-          <a:fontRef idx="minor">
-            <a:schemeClr val="lt1"/>
-          </a:fontRef>
-        </p:style>
-        <p:txBody>
-          <a:bodyPr rtlCol="0" anchor="ctr"/>
-          <a:lstStyle/>
-          <a:p>
-            <a:pPr algn="ctr"/>
-            <a:endParaRPr kumimoji="1" lang="ja-JP" altLang="en-US"/>
-          </a:p>
-        </p:txBody>
-      </p:sp>
-      <p:sp>
-        <p:nvSpPr>
-          <p:cNvPr id="23" name="二等辺三角形 22"/>
-          <p:cNvSpPr/>
-          <p:nvPr/>
-        </p:nvSpPr>
-        <p:spPr>
-          <a:xfrm rot="16200000">
-            <a:off x="3693379" y="1684140"/>
-            <a:ext cx="180000" cy="180000"/>
-          </a:xfrm>
-          <a:prstGeom prst="triangle">
-            <a:avLst/>
-          </a:prstGeom>
-          <a:solidFill>
-            <a:srgbClr val="F75D31"/>
-          </a:solidFill>
-          <a:ln>
-            <a:noFill/>
-          </a:ln>
-          <a:effectLst/>
-        </p:spPr>
-        <p:style>
-          <a:lnRef idx="1">
-            <a:schemeClr val="accent1"/>
-          </a:lnRef>
-          <a:fillRef idx="3">
-            <a:schemeClr val="accent1"/>
-          </a:fillRef>
-          <a:effectRef idx="2">
-            <a:schemeClr val="accent1"/>
-          </a:effectRef>
-          <a:fontRef idx="minor">
-            <a:schemeClr val="lt1"/>
-          </a:fontRef>
-        </p:style>
-        <p:txBody>
-          <a:bodyPr rtlCol="0" anchor="ctr"/>
-          <a:lstStyle/>
-          <a:p>
-            <a:pPr algn="ctr"/>
-            <a:endParaRPr kumimoji="1" lang="ja-JP" altLang="en-US"/>
-          </a:p>
-        </p:txBody>
-      </p:sp>
-      <p:sp>
-        <p:nvSpPr>
-          <p:cNvPr id="24" name="二等辺三角形 23"/>
-          <p:cNvSpPr/>
-          <p:nvPr/>
-        </p:nvSpPr>
-        <p:spPr>
-          <a:xfrm rot="5400000">
-            <a:off x="5764549" y="1684479"/>
-            <a:ext cx="179370" cy="181212"/>
-          </a:xfrm>
-          <a:prstGeom prst="triangle">
-            <a:avLst/>
-          </a:prstGeom>
-          <a:solidFill>
-            <a:srgbClr val="F75D31"/>
-          </a:solidFill>
-          <a:ln>
-            <a:noFill/>
-          </a:ln>
-          <a:effectLst/>
-        </p:spPr>
-        <p:style>
-          <a:lnRef idx="1">
-            <a:schemeClr val="accent1"/>
-          </a:lnRef>
-          <a:fillRef idx="3">
-            <a:schemeClr val="accent1"/>
-          </a:fillRef>
-          <a:effectRef idx="2">
-            <a:schemeClr val="accent1"/>
-          </a:effectRef>
-          <a:fontRef idx="minor">
-            <a:schemeClr val="lt1"/>
-          </a:fontRef>
-        </p:style>
-        <p:txBody>
-          <a:bodyPr rtlCol="0" anchor="ctr"/>
-          <a:lstStyle/>
-          <a:p>
-            <a:pPr algn="ctr"/>
-            <a:endParaRPr kumimoji="1" lang="ja-JP" altLang="en-US"/>
-          </a:p>
-        </p:txBody>
-      </p:sp>
-      <p:sp>
-        <p:nvSpPr>
-          <p:cNvPr id="25" name="二等辺三角形 24"/>
-          <p:cNvSpPr/>
-          <p:nvPr/>
-        </p:nvSpPr>
-        <p:spPr>
-          <a:xfrm rot="5400000">
-            <a:off x="5673943" y="1684479"/>
-            <a:ext cx="179370" cy="181212"/>
-          </a:xfrm>
-          <a:prstGeom prst="triangle">
-            <a:avLst/>
-          </a:prstGeom>
-          <a:solidFill>
-            <a:srgbClr val="F75D31"/>
-          </a:solidFill>
-          <a:ln>
-            <a:noFill/>
-          </a:ln>
-          <a:effectLst/>
-        </p:spPr>
-        <p:style>
-          <a:lnRef idx="1">
-            <a:schemeClr val="accent1"/>
-          </a:lnRef>
-          <a:fillRef idx="3">
-            <a:schemeClr val="accent1"/>
-          </a:fillRef>
-          <a:effectRef idx="2">
-            <a:schemeClr val="accent1"/>
-          </a:effectRef>
-          <a:fontRef idx="minor">
-            <a:schemeClr val="lt1"/>
-          </a:fontRef>
-        </p:style>
-        <p:txBody>
-          <a:bodyPr rtlCol="0" anchor="ctr"/>
-          <a:lstStyle/>
-          <a:p>
-            <a:pPr algn="ctr"/>
-            <a:endParaRPr kumimoji="1" lang="ja-JP" altLang="en-US"/>
-          </a:p>
-        </p:txBody>
-      </p:sp>
-      <p:sp>
-        <p:nvSpPr>
-          <p:cNvPr id="28" name="角丸四角形 27"/>
-          <p:cNvSpPr/>
-          <p:nvPr/>
-        </p:nvSpPr>
-        <p:spPr>
-          <a:xfrm>
-            <a:off x="1469168" y="1187601"/>
-            <a:ext cx="562830" cy="165946"/>
-          </a:xfrm>
-          <a:prstGeom prst="roundRect">
-            <a:avLst/>
-          </a:prstGeom>
-          <a:noFill/>
-          <a:ln w="25400">
-            <a:solidFill>
-              <a:schemeClr val="tx1"/>
-            </a:solidFill>
-          </a:ln>
-          <a:effectLst/>
-        </p:spPr>
-        <p:style>
-          <a:lnRef idx="1">
-            <a:schemeClr val="accent1"/>
-          </a:lnRef>
-          <a:fillRef idx="3">
-            <a:schemeClr val="accent1"/>
-          </a:fillRef>
-          <a:effectRef idx="2">
-            <a:schemeClr val="accent1"/>
-          </a:effectRef>
-          <a:fontRef idx="minor">
-            <a:schemeClr val="lt1"/>
-          </a:fontRef>
-        </p:style>
-        <p:txBody>
-          <a:bodyPr rtlCol="0" anchor="ctr"/>
-          <a:lstStyle/>
-          <a:p>
-            <a:pPr algn="ctr"/>
-            <a:endParaRPr kumimoji="1" lang="ja-JP" altLang="en-US"/>
-          </a:p>
-        </p:txBody>
-      </p:sp>
-      <p:sp>
-        <p:nvSpPr>
-          <p:cNvPr id="29" name="テキスト ボックス 28"/>
-          <p:cNvSpPr txBox="1"/>
-          <p:nvPr/>
-        </p:nvSpPr>
-        <p:spPr>
-          <a:xfrm>
-            <a:off x="890993" y="1114621"/>
-            <a:ext cx="646331" cy="276999"/>
-          </a:xfrm>
-          <a:prstGeom prst="rect">
-            <a:avLst/>
-          </a:prstGeom>
-          <a:noFill/>
-        </p:spPr>
-        <p:txBody>
-          <a:bodyPr wrap="none" rtlCol="0">
-            <a:spAutoFit/>
-          </a:bodyPr>
-          <a:lstStyle/>
-          <a:p>
-            <a:r>
-              <a:rPr kumimoji="1" lang="ja-JP" altLang="en-US" sz="1200" dirty="0" smtClean="0">
-                <a:latin typeface="メイリオ"/>
-                <a:ea typeface="メイリオ"/>
-                <a:cs typeface="メイリオ"/>
-              </a:rPr>
-              <a:t>日付：</a:t>
-            </a:r>
-            <a:endParaRPr kumimoji="1" lang="ja-JP" altLang="en-US" sz="1200" dirty="0">
-              <a:latin typeface="メイリオ"/>
-              <a:ea typeface="メイリオ"/>
-              <a:cs typeface="メイリオ"/>
-            </a:endParaRPr>
-          </a:p>
-        </p:txBody>
-      </p:sp>
-      <p:sp>
-        <p:nvSpPr>
-          <p:cNvPr id="30" name="角丸四角形 29"/>
-          <p:cNvSpPr/>
-          <p:nvPr/>
-        </p:nvSpPr>
-        <p:spPr>
-          <a:xfrm>
-            <a:off x="2646774" y="1187601"/>
-            <a:ext cx="797002" cy="165946"/>
-          </a:xfrm>
-          <a:prstGeom prst="roundRect">
-            <a:avLst/>
-          </a:prstGeom>
-          <a:noFill/>
-          <a:ln w="25400">
-            <a:solidFill>
-              <a:schemeClr val="tx1"/>
-            </a:solidFill>
-          </a:ln>
-          <a:effectLst/>
-        </p:spPr>
-        <p:style>
-          <a:lnRef idx="1">
-            <a:schemeClr val="accent1"/>
-          </a:lnRef>
-          <a:fillRef idx="3">
-            <a:schemeClr val="accent1"/>
-          </a:fillRef>
-          <a:effectRef idx="2">
-            <a:schemeClr val="accent1"/>
-          </a:effectRef>
-          <a:fontRef idx="minor">
-            <a:schemeClr val="lt1"/>
-          </a:fontRef>
-        </p:style>
-        <p:txBody>
-          <a:bodyPr rtlCol="0" anchor="ctr"/>
-          <a:lstStyle/>
-          <a:p>
-            <a:pPr algn="ctr"/>
-            <a:endParaRPr kumimoji="1" lang="ja-JP" altLang="en-US"/>
-          </a:p>
-        </p:txBody>
-      </p:sp>
-      <p:sp>
-        <p:nvSpPr>
-          <p:cNvPr id="31" name="テキスト ボックス 30"/>
-          <p:cNvSpPr txBox="1"/>
-          <p:nvPr/>
-        </p:nvSpPr>
-        <p:spPr>
-          <a:xfrm>
-            <a:off x="2046815" y="1111063"/>
-            <a:ext cx="646331" cy="276999"/>
-          </a:xfrm>
-          <a:prstGeom prst="rect">
-            <a:avLst/>
-          </a:prstGeom>
-          <a:noFill/>
-        </p:spPr>
-        <p:txBody>
-          <a:bodyPr wrap="none" rtlCol="0">
-            <a:spAutoFit/>
-          </a:bodyPr>
-          <a:lstStyle/>
-          <a:p>
-            <a:r>
-              <a:rPr lang="ja-JP" altLang="en-US" sz="1200" dirty="0" smtClean="0">
-                <a:latin typeface="メイリオ"/>
-                <a:ea typeface="メイリオ"/>
-                <a:cs typeface="メイリオ"/>
-              </a:rPr>
-              <a:t>内容</a:t>
-            </a:r>
-            <a:r>
-              <a:rPr kumimoji="1" lang="ja-JP" altLang="en-US" sz="1200" dirty="0" smtClean="0">
-                <a:latin typeface="メイリオ"/>
-                <a:ea typeface="メイリオ"/>
-                <a:cs typeface="メイリオ"/>
-              </a:rPr>
-              <a:t>：</a:t>
-            </a:r>
-            <a:endParaRPr kumimoji="1" lang="ja-JP" altLang="en-US" sz="1200" dirty="0">
-              <a:latin typeface="メイリオ"/>
-              <a:ea typeface="メイリオ"/>
-              <a:cs typeface="メイリオ"/>
-            </a:endParaRPr>
-          </a:p>
-        </p:txBody>
-      </p:sp>
-      <p:sp>
-        <p:nvSpPr>
-          <p:cNvPr id="32" name="角丸四角形 31"/>
-          <p:cNvSpPr/>
-          <p:nvPr/>
-        </p:nvSpPr>
-        <p:spPr>
-          <a:xfrm>
-            <a:off x="4369749" y="1187601"/>
-            <a:ext cx="560480" cy="165946"/>
-          </a:xfrm>
-          <a:prstGeom prst="roundRect">
-            <a:avLst/>
-          </a:prstGeom>
-          <a:noFill/>
-          <a:ln w="25400">
-            <a:solidFill>
-              <a:schemeClr val="tx1"/>
-            </a:solidFill>
-          </a:ln>
-          <a:effectLst/>
-        </p:spPr>
-        <p:style>
-          <a:lnRef idx="1">
-            <a:schemeClr val="accent1"/>
-          </a:lnRef>
-          <a:fillRef idx="3">
-            <a:schemeClr val="accent1"/>
-          </a:fillRef>
-          <a:effectRef idx="2">
-            <a:schemeClr val="accent1"/>
-          </a:effectRef>
-          <a:fontRef idx="minor">
-            <a:schemeClr val="lt1"/>
-          </a:fontRef>
-        </p:style>
-        <p:txBody>
-          <a:bodyPr rtlCol="0" anchor="ctr"/>
-          <a:lstStyle/>
-          <a:p>
-            <a:pPr algn="ctr"/>
-            <a:endParaRPr kumimoji="1" lang="ja-JP" altLang="en-US"/>
-          </a:p>
-        </p:txBody>
-      </p:sp>
-      <p:sp>
-        <p:nvSpPr>
-          <p:cNvPr id="33" name="テキスト ボックス 32"/>
-          <p:cNvSpPr txBox="1"/>
-          <p:nvPr/>
-        </p:nvSpPr>
-        <p:spPr>
-          <a:xfrm>
-            <a:off x="3461822" y="1118689"/>
-            <a:ext cx="954107" cy="276999"/>
-          </a:xfrm>
-          <a:prstGeom prst="rect">
-            <a:avLst/>
-          </a:prstGeom>
-          <a:noFill/>
-        </p:spPr>
-        <p:txBody>
-          <a:bodyPr wrap="none" rtlCol="0">
-            <a:spAutoFit/>
-          </a:bodyPr>
-          <a:lstStyle/>
-          <a:p>
-            <a:r>
-              <a:rPr lang="ja-JP" altLang="en-US" sz="1200" dirty="0" smtClean="0">
-                <a:latin typeface="メイリオ"/>
-                <a:ea typeface="メイリオ"/>
-                <a:cs typeface="メイリオ"/>
-              </a:rPr>
-              <a:t>カテゴリ</a:t>
-            </a:r>
-            <a:r>
-              <a:rPr kumimoji="1" lang="ja-JP" altLang="en-US" sz="1200" dirty="0" smtClean="0">
-                <a:latin typeface="メイリオ"/>
-                <a:ea typeface="メイリオ"/>
-                <a:cs typeface="メイリオ"/>
-              </a:rPr>
-              <a:t>：</a:t>
-            </a:r>
-            <a:endParaRPr kumimoji="1" lang="ja-JP" altLang="en-US" sz="1200" dirty="0">
-              <a:latin typeface="メイリオ"/>
-              <a:ea typeface="メイリオ"/>
-              <a:cs typeface="メイリオ"/>
-            </a:endParaRPr>
-          </a:p>
-        </p:txBody>
-      </p:sp>
-      <p:sp>
-        <p:nvSpPr>
-          <p:cNvPr id="34" name="角丸四角形 33"/>
-          <p:cNvSpPr/>
-          <p:nvPr/>
-        </p:nvSpPr>
-        <p:spPr>
-          <a:xfrm>
-            <a:off x="5569022" y="1187601"/>
-            <a:ext cx="561630" cy="165946"/>
-          </a:xfrm>
-          <a:prstGeom prst="roundRect">
-            <a:avLst/>
-          </a:prstGeom>
-          <a:noFill/>
-          <a:ln w="25400">
-            <a:solidFill>
-              <a:schemeClr val="tx1"/>
-            </a:solidFill>
-          </a:ln>
-          <a:effectLst/>
-        </p:spPr>
-        <p:style>
-          <a:lnRef idx="1">
-            <a:schemeClr val="accent1"/>
-          </a:lnRef>
-          <a:fillRef idx="3">
-            <a:schemeClr val="accent1"/>
-          </a:fillRef>
-          <a:effectRef idx="2">
-            <a:schemeClr val="accent1"/>
-          </a:effectRef>
-          <a:fontRef idx="minor">
-            <a:schemeClr val="lt1"/>
-          </a:fontRef>
-        </p:style>
-        <p:txBody>
-          <a:bodyPr rtlCol="0" anchor="ctr"/>
-          <a:lstStyle/>
-          <a:p>
-            <a:pPr algn="ctr"/>
-            <a:endParaRPr kumimoji="1" lang="ja-JP" altLang="en-US"/>
-          </a:p>
-        </p:txBody>
-      </p:sp>
-      <p:sp>
-        <p:nvSpPr>
-          <p:cNvPr id="35" name="テキスト ボックス 34"/>
-          <p:cNvSpPr txBox="1"/>
-          <p:nvPr/>
-        </p:nvSpPr>
-        <p:spPr>
-          <a:xfrm>
-            <a:off x="4957326" y="1128924"/>
-            <a:ext cx="646331" cy="276999"/>
-          </a:xfrm>
-          <a:prstGeom prst="rect">
-            <a:avLst/>
-          </a:prstGeom>
-          <a:noFill/>
-        </p:spPr>
-        <p:txBody>
-          <a:bodyPr wrap="none" rtlCol="0">
-            <a:spAutoFit/>
-          </a:bodyPr>
-          <a:lstStyle/>
-          <a:p>
-            <a:r>
-              <a:rPr lang="ja-JP" altLang="en-US" sz="1200" dirty="0" smtClean="0">
-                <a:latin typeface="メイリオ"/>
-                <a:ea typeface="メイリオ"/>
-                <a:cs typeface="メイリオ"/>
-              </a:rPr>
-              <a:t>金額</a:t>
-            </a:r>
-            <a:r>
-              <a:rPr kumimoji="1" lang="ja-JP" altLang="en-US" sz="1200" dirty="0" smtClean="0">
-                <a:latin typeface="メイリオ"/>
-                <a:ea typeface="メイリオ"/>
-                <a:cs typeface="メイリオ"/>
-              </a:rPr>
-              <a:t>：</a:t>
-            </a:r>
-            <a:endParaRPr kumimoji="1" lang="ja-JP" altLang="en-US" sz="1200" dirty="0">
-              <a:latin typeface="メイリオ"/>
-              <a:ea typeface="メイリオ"/>
-              <a:cs typeface="メイリオ"/>
-            </a:endParaRPr>
-          </a:p>
-        </p:txBody>
-      </p:sp>
-      <p:sp>
-        <p:nvSpPr>
-          <p:cNvPr id="36" name="角丸四角形 35"/>
-          <p:cNvSpPr/>
-          <p:nvPr/>
-        </p:nvSpPr>
-        <p:spPr>
-          <a:xfrm>
-            <a:off x="6515245" y="1118689"/>
-            <a:ext cx="550589" cy="299213"/>
-          </a:xfrm>
-          <a:prstGeom prst="roundRect">
-            <a:avLst/>
-          </a:prstGeom>
-          <a:noFill/>
-          <a:ln w="25400">
-            <a:solidFill>
-              <a:schemeClr val="tx1"/>
-            </a:solidFill>
-          </a:ln>
-          <a:effectLst/>
-        </p:spPr>
-        <p:style>
-          <a:lnRef idx="1">
-            <a:schemeClr val="accent1"/>
-          </a:lnRef>
-          <a:fillRef idx="3">
-            <a:schemeClr val="accent1"/>
-          </a:fillRef>
-          <a:effectRef idx="2">
-            <a:schemeClr val="accent1"/>
-          </a:effectRef>
-          <a:fontRef idx="minor">
-            <a:schemeClr val="lt1"/>
-          </a:fontRef>
-        </p:style>
-        <p:txBody>
-          <a:bodyPr rtlCol="0" anchor="ctr"/>
-          <a:lstStyle/>
-          <a:p>
-            <a:pPr algn="ctr"/>
-            <a:r>
-              <a:rPr kumimoji="1" lang="ja-JP" altLang="en-US" sz="1200" dirty="0" smtClean="0">
-                <a:solidFill>
-                  <a:schemeClr val="tx1"/>
-                </a:solidFill>
-                <a:latin typeface="メイリオ"/>
-                <a:ea typeface="メイリオ"/>
-                <a:cs typeface="メイリオ"/>
-              </a:rPr>
-              <a:t>登録</a:t>
-            </a:r>
-            <a:endParaRPr kumimoji="1" lang="ja-JP" altLang="en-US" sz="1200" dirty="0">
-              <a:solidFill>
-                <a:schemeClr val="tx1"/>
-              </a:solidFill>
-              <a:latin typeface="メイリオ"/>
-              <a:ea typeface="メイリオ"/>
-              <a:cs typeface="メイリオ"/>
-            </a:endParaRPr>
-          </a:p>
-        </p:txBody>
-      </p:sp>
-      <p:sp>
-        <p:nvSpPr>
-          <p:cNvPr id="37" name="角丸四角形 36"/>
-          <p:cNvSpPr/>
-          <p:nvPr/>
-        </p:nvSpPr>
-        <p:spPr>
-          <a:xfrm>
-            <a:off x="7239002" y="1121482"/>
-            <a:ext cx="864625" cy="299213"/>
-          </a:xfrm>
-          <a:prstGeom prst="roundRect">
-            <a:avLst/>
-          </a:prstGeom>
-          <a:noFill/>
-          <a:ln w="25400">
-            <a:solidFill>
-              <a:schemeClr val="tx1"/>
-            </a:solidFill>
-          </a:ln>
-          <a:effectLst/>
-        </p:spPr>
-        <p:style>
-          <a:lnRef idx="1">
-            <a:schemeClr val="accent1"/>
-          </a:lnRef>
-          <a:fillRef idx="3">
-            <a:schemeClr val="accent1"/>
-          </a:fillRef>
-          <a:effectRef idx="2">
-            <a:schemeClr val="accent1"/>
-          </a:effectRef>
-          <a:fontRef idx="minor">
-            <a:schemeClr val="lt1"/>
-          </a:fontRef>
-        </p:style>
-        <p:txBody>
-          <a:bodyPr rtlCol="0" anchor="ctr"/>
-          <a:lstStyle/>
-          <a:p>
-            <a:pPr algn="ctr"/>
-            <a:r>
-              <a:rPr lang="en-US" altLang="en-US" sz="1200" dirty="0" smtClean="0">
-                <a:solidFill>
-                  <a:schemeClr val="tx1"/>
-                </a:solidFill>
-                <a:latin typeface="メイリオ"/>
-                <a:ea typeface="メイリオ"/>
-                <a:cs typeface="メイリオ"/>
-              </a:rPr>
-              <a:t>リセット</a:t>
-            </a:r>
-            <a:endParaRPr kumimoji="1" lang="ja-JP" altLang="en-US" sz="1200" dirty="0">
-              <a:solidFill>
-                <a:schemeClr val="tx1"/>
-              </a:solidFill>
-              <a:latin typeface="メイリオ"/>
-              <a:ea typeface="メイリオ"/>
-              <a:cs typeface="メイリオ"/>
-            </a:endParaRPr>
-          </a:p>
-        </p:txBody>
-      </p:sp>
-      <p:cxnSp>
-        <p:nvCxnSpPr>
-          <p:cNvPr id="38" name="直線コネクタ 37"/>
-          <p:cNvCxnSpPr/>
-          <p:nvPr/>
-        </p:nvCxnSpPr>
-        <p:spPr>
-          <a:xfrm>
-            <a:off x="923931" y="1547091"/>
-            <a:ext cx="7250251" cy="0"/>
-          </a:xfrm>
-          <a:prstGeom prst="line">
-            <a:avLst/>
-          </a:prstGeom>
-          <a:ln>
-            <a:solidFill>
-              <a:schemeClr val="bg1">
-                <a:lumMod val="65000"/>
-              </a:schemeClr>
-            </a:solidFill>
-          </a:ln>
-          <a:effectLst/>
-        </p:spPr>
-        <p:style>
-          <a:lnRef idx="2">
-            <a:schemeClr val="accent1"/>
-          </a:lnRef>
-          <a:fillRef idx="0">
-            <a:schemeClr val="accent1"/>
-          </a:fillRef>
-          <a:effectRef idx="1">
-            <a:schemeClr val="accent1"/>
-          </a:effectRef>
-          <a:fontRef idx="minor">
-            <a:schemeClr val="tx1"/>
-          </a:fontRef>
-        </p:style>
-      </p:cxnSp>
       <p:graphicFrame>
         <p:nvGraphicFramePr>
-          <p:cNvPr id="39" name="表 38"/>
+          <p:cNvPr id="43" name="表 42"/>
           <p:cNvGraphicFramePr>
             <a:graphicFrameLocks noGrp="1"/>
           </p:cNvGraphicFramePr>
           <p:nvPr>
             <p:extLst>
               <p:ext uri="{D42A27DB-BD31-4B8C-83A1-F6EECF244321}">
-                <p14:modId xmlns:p14="http://schemas.microsoft.com/office/powerpoint/2010/main" val="2774768286"/>
+                <p14:modId xmlns:p14="http://schemas.microsoft.com/office/powerpoint/2010/main" val="1986830259"/>
               </p:ext>
             </p:extLst>
           </p:nvPr>
@@ -9130,7 +8411,7 @@
                     <a:bodyPr/>
                     <a:lstStyle/>
                     <a:p>
-                      <a:endParaRPr kumimoji="1" lang="ja-JP" altLang="en-US"/>
+                      <a:endParaRPr kumimoji="1" lang="ja-JP" altLang="en-US" dirty="0"/>
                     </a:p>
                   </a:txBody>
                   <a:tcPr/>
@@ -9172,7 +8453,7 @@
                     <a:bodyPr/>
                     <a:lstStyle/>
                     <a:p>
-                      <a:endParaRPr kumimoji="1" lang="ja-JP" altLang="en-US"/>
+                      <a:endParaRPr kumimoji="1" lang="ja-JP" altLang="en-US" dirty="0"/>
                     </a:p>
                   </a:txBody>
                   <a:tcPr/>
@@ -9268,13 +8549,1555 @@
       </p:graphicFrame>
       <p:sp>
         <p:nvSpPr>
-          <p:cNvPr id="55" name="正方形/長方形 54"/>
+          <p:cNvPr id="44" name="正方形/長方形 43"/>
           <p:cNvSpPr/>
           <p:nvPr/>
         </p:nvSpPr>
         <p:spPr>
           <a:xfrm>
             <a:off x="783269" y="935182"/>
+            <a:ext cx="7575640" cy="5541817"/>
+          </a:xfrm>
+          <a:prstGeom prst="rect">
+            <a:avLst/>
+          </a:prstGeom>
+          <a:noFill/>
+          <a:ln w="25400">
+            <a:solidFill>
+              <a:schemeClr val="tx1"/>
+            </a:solidFill>
+          </a:ln>
+          <a:effectLst/>
+        </p:spPr>
+        <p:style>
+          <a:lnRef idx="1">
+            <a:schemeClr val="accent1"/>
+          </a:lnRef>
+          <a:fillRef idx="3">
+            <a:schemeClr val="accent1"/>
+          </a:fillRef>
+          <a:effectRef idx="2">
+            <a:schemeClr val="accent1"/>
+          </a:effectRef>
+          <a:fontRef idx="minor">
+            <a:schemeClr val="lt1"/>
+          </a:fontRef>
+        </p:style>
+        <p:txBody>
+          <a:bodyPr rtlCol="0" anchor="ctr"/>
+          <a:lstStyle/>
+          <a:p>
+            <a:pPr algn="ctr"/>
+            <a:endParaRPr kumimoji="1" lang="ja-JP" altLang="en-US" sz="2800" dirty="0">
+              <a:solidFill>
+                <a:schemeClr val="tx1"/>
+              </a:solidFill>
+              <a:latin typeface="メイリオ"/>
+              <a:ea typeface="メイリオ"/>
+              <a:cs typeface="メイリオ"/>
+            </a:endParaRPr>
+          </a:p>
+        </p:txBody>
+      </p:sp>
+      <p:sp>
+        <p:nvSpPr>
+          <p:cNvPr id="45" name="角丸四角形 44"/>
+          <p:cNvSpPr/>
+          <p:nvPr/>
+        </p:nvSpPr>
+        <p:spPr>
+          <a:xfrm>
+            <a:off x="1469168" y="1187601"/>
+            <a:ext cx="562830" cy="165946"/>
+          </a:xfrm>
+          <a:prstGeom prst="roundRect">
+            <a:avLst/>
+          </a:prstGeom>
+          <a:noFill/>
+          <a:ln w="25400">
+            <a:solidFill>
+              <a:schemeClr val="tx1"/>
+            </a:solidFill>
+          </a:ln>
+          <a:effectLst/>
+        </p:spPr>
+        <p:style>
+          <a:lnRef idx="1">
+            <a:schemeClr val="accent1"/>
+          </a:lnRef>
+          <a:fillRef idx="3">
+            <a:schemeClr val="accent1"/>
+          </a:fillRef>
+          <a:effectRef idx="2">
+            <a:schemeClr val="accent1"/>
+          </a:effectRef>
+          <a:fontRef idx="minor">
+            <a:schemeClr val="lt1"/>
+          </a:fontRef>
+        </p:style>
+        <p:txBody>
+          <a:bodyPr rtlCol="0" anchor="ctr"/>
+          <a:lstStyle/>
+          <a:p>
+            <a:pPr algn="ctr"/>
+            <a:endParaRPr kumimoji="1" lang="ja-JP" altLang="en-US"/>
+          </a:p>
+        </p:txBody>
+      </p:sp>
+      <p:sp>
+        <p:nvSpPr>
+          <p:cNvPr id="46" name="テキスト ボックス 45"/>
+          <p:cNvSpPr txBox="1"/>
+          <p:nvPr/>
+        </p:nvSpPr>
+        <p:spPr>
+          <a:xfrm>
+            <a:off x="890993" y="1114621"/>
+            <a:ext cx="646331" cy="276999"/>
+          </a:xfrm>
+          <a:prstGeom prst="rect">
+            <a:avLst/>
+          </a:prstGeom>
+          <a:noFill/>
+        </p:spPr>
+        <p:txBody>
+          <a:bodyPr wrap="none" rtlCol="0">
+            <a:spAutoFit/>
+          </a:bodyPr>
+          <a:lstStyle/>
+          <a:p>
+            <a:r>
+              <a:rPr kumimoji="1" lang="ja-JP" altLang="en-US" sz="1200" dirty="0" smtClean="0">
+                <a:latin typeface="メイリオ"/>
+                <a:ea typeface="メイリオ"/>
+                <a:cs typeface="メイリオ"/>
+              </a:rPr>
+              <a:t>日付：</a:t>
+            </a:r>
+            <a:endParaRPr kumimoji="1" lang="ja-JP" altLang="en-US" sz="1200" dirty="0">
+              <a:latin typeface="メイリオ"/>
+              <a:ea typeface="メイリオ"/>
+              <a:cs typeface="メイリオ"/>
+            </a:endParaRPr>
+          </a:p>
+        </p:txBody>
+      </p:sp>
+      <p:sp>
+        <p:nvSpPr>
+          <p:cNvPr id="47" name="角丸四角形 46"/>
+          <p:cNvSpPr/>
+          <p:nvPr/>
+        </p:nvSpPr>
+        <p:spPr>
+          <a:xfrm>
+            <a:off x="2646774" y="1187601"/>
+            <a:ext cx="797002" cy="165946"/>
+          </a:xfrm>
+          <a:prstGeom prst="roundRect">
+            <a:avLst/>
+          </a:prstGeom>
+          <a:noFill/>
+          <a:ln w="25400">
+            <a:solidFill>
+              <a:schemeClr val="tx1"/>
+            </a:solidFill>
+          </a:ln>
+          <a:effectLst/>
+        </p:spPr>
+        <p:style>
+          <a:lnRef idx="1">
+            <a:schemeClr val="accent1"/>
+          </a:lnRef>
+          <a:fillRef idx="3">
+            <a:schemeClr val="accent1"/>
+          </a:fillRef>
+          <a:effectRef idx="2">
+            <a:schemeClr val="accent1"/>
+          </a:effectRef>
+          <a:fontRef idx="minor">
+            <a:schemeClr val="lt1"/>
+          </a:fontRef>
+        </p:style>
+        <p:txBody>
+          <a:bodyPr rtlCol="0" anchor="ctr"/>
+          <a:lstStyle/>
+          <a:p>
+            <a:pPr algn="ctr"/>
+            <a:endParaRPr kumimoji="1" lang="ja-JP" altLang="en-US"/>
+          </a:p>
+        </p:txBody>
+      </p:sp>
+      <p:sp>
+        <p:nvSpPr>
+          <p:cNvPr id="48" name="テキスト ボックス 47"/>
+          <p:cNvSpPr txBox="1"/>
+          <p:nvPr/>
+        </p:nvSpPr>
+        <p:spPr>
+          <a:xfrm>
+            <a:off x="2046815" y="1111063"/>
+            <a:ext cx="646331" cy="276999"/>
+          </a:xfrm>
+          <a:prstGeom prst="rect">
+            <a:avLst/>
+          </a:prstGeom>
+          <a:noFill/>
+        </p:spPr>
+        <p:txBody>
+          <a:bodyPr wrap="none" rtlCol="0">
+            <a:spAutoFit/>
+          </a:bodyPr>
+          <a:lstStyle/>
+          <a:p>
+            <a:r>
+              <a:rPr lang="ja-JP" altLang="en-US" sz="1200" dirty="0" smtClean="0">
+                <a:latin typeface="メイリオ"/>
+                <a:ea typeface="メイリオ"/>
+                <a:cs typeface="メイリオ"/>
+              </a:rPr>
+              <a:t>内容</a:t>
+            </a:r>
+            <a:r>
+              <a:rPr kumimoji="1" lang="ja-JP" altLang="en-US" sz="1200" dirty="0" smtClean="0">
+                <a:latin typeface="メイリオ"/>
+                <a:ea typeface="メイリオ"/>
+                <a:cs typeface="メイリオ"/>
+              </a:rPr>
+              <a:t>：</a:t>
+            </a:r>
+            <a:endParaRPr kumimoji="1" lang="ja-JP" altLang="en-US" sz="1200" dirty="0">
+              <a:latin typeface="メイリオ"/>
+              <a:ea typeface="メイリオ"/>
+              <a:cs typeface="メイリオ"/>
+            </a:endParaRPr>
+          </a:p>
+        </p:txBody>
+      </p:sp>
+      <p:sp>
+        <p:nvSpPr>
+          <p:cNvPr id="49" name="角丸四角形 48"/>
+          <p:cNvSpPr/>
+          <p:nvPr/>
+        </p:nvSpPr>
+        <p:spPr>
+          <a:xfrm>
+            <a:off x="4346659" y="1187601"/>
+            <a:ext cx="560480" cy="165946"/>
+          </a:xfrm>
+          <a:prstGeom prst="roundRect">
+            <a:avLst/>
+          </a:prstGeom>
+          <a:noFill/>
+          <a:ln w="25400">
+            <a:solidFill>
+              <a:schemeClr val="tx1"/>
+            </a:solidFill>
+          </a:ln>
+          <a:effectLst/>
+        </p:spPr>
+        <p:style>
+          <a:lnRef idx="1">
+            <a:schemeClr val="accent1"/>
+          </a:lnRef>
+          <a:fillRef idx="3">
+            <a:schemeClr val="accent1"/>
+          </a:fillRef>
+          <a:effectRef idx="2">
+            <a:schemeClr val="accent1"/>
+          </a:effectRef>
+          <a:fontRef idx="minor">
+            <a:schemeClr val="lt1"/>
+          </a:fontRef>
+        </p:style>
+        <p:txBody>
+          <a:bodyPr rtlCol="0" anchor="ctr"/>
+          <a:lstStyle/>
+          <a:p>
+            <a:pPr algn="ctr"/>
+            <a:endParaRPr kumimoji="1" lang="ja-JP" altLang="en-US"/>
+          </a:p>
+        </p:txBody>
+      </p:sp>
+      <p:sp>
+        <p:nvSpPr>
+          <p:cNvPr id="50" name="テキスト ボックス 49"/>
+          <p:cNvSpPr txBox="1"/>
+          <p:nvPr/>
+        </p:nvSpPr>
+        <p:spPr>
+          <a:xfrm>
+            <a:off x="3461822" y="1118689"/>
+            <a:ext cx="954107" cy="276999"/>
+          </a:xfrm>
+          <a:prstGeom prst="rect">
+            <a:avLst/>
+          </a:prstGeom>
+          <a:noFill/>
+        </p:spPr>
+        <p:txBody>
+          <a:bodyPr wrap="none" rtlCol="0">
+            <a:spAutoFit/>
+          </a:bodyPr>
+          <a:lstStyle/>
+          <a:p>
+            <a:r>
+              <a:rPr lang="ja-JP" altLang="en-US" sz="1200" dirty="0" smtClean="0">
+                <a:latin typeface="メイリオ"/>
+                <a:ea typeface="メイリオ"/>
+                <a:cs typeface="メイリオ"/>
+              </a:rPr>
+              <a:t>カテゴリ</a:t>
+            </a:r>
+            <a:r>
+              <a:rPr kumimoji="1" lang="ja-JP" altLang="en-US" sz="1200" dirty="0" smtClean="0">
+                <a:latin typeface="メイリオ"/>
+                <a:ea typeface="メイリオ"/>
+                <a:cs typeface="メイリオ"/>
+              </a:rPr>
+              <a:t>：</a:t>
+            </a:r>
+            <a:endParaRPr kumimoji="1" lang="ja-JP" altLang="en-US" sz="1200" dirty="0">
+              <a:latin typeface="メイリオ"/>
+              <a:ea typeface="メイリオ"/>
+              <a:cs typeface="メイリオ"/>
+            </a:endParaRPr>
+          </a:p>
+        </p:txBody>
+      </p:sp>
+      <p:sp>
+        <p:nvSpPr>
+          <p:cNvPr id="51" name="角丸四角形 50"/>
+          <p:cNvSpPr/>
+          <p:nvPr/>
+        </p:nvSpPr>
+        <p:spPr>
+          <a:xfrm>
+            <a:off x="5799922" y="1187601"/>
+            <a:ext cx="561630" cy="165946"/>
+          </a:xfrm>
+          <a:prstGeom prst="roundRect">
+            <a:avLst/>
+          </a:prstGeom>
+          <a:noFill/>
+          <a:ln w="25400">
+            <a:solidFill>
+              <a:schemeClr val="tx1"/>
+            </a:solidFill>
+          </a:ln>
+          <a:effectLst/>
+        </p:spPr>
+        <p:style>
+          <a:lnRef idx="1">
+            <a:schemeClr val="accent1"/>
+          </a:lnRef>
+          <a:fillRef idx="3">
+            <a:schemeClr val="accent1"/>
+          </a:fillRef>
+          <a:effectRef idx="2">
+            <a:schemeClr val="accent1"/>
+          </a:effectRef>
+          <a:fontRef idx="minor">
+            <a:schemeClr val="lt1"/>
+          </a:fontRef>
+        </p:style>
+        <p:txBody>
+          <a:bodyPr rtlCol="0" anchor="ctr"/>
+          <a:lstStyle/>
+          <a:p>
+            <a:pPr algn="ctr"/>
+            <a:endParaRPr kumimoji="1" lang="ja-JP" altLang="en-US"/>
+          </a:p>
+        </p:txBody>
+      </p:sp>
+      <p:sp>
+        <p:nvSpPr>
+          <p:cNvPr id="52" name="テキスト ボックス 51"/>
+          <p:cNvSpPr txBox="1"/>
+          <p:nvPr/>
+        </p:nvSpPr>
+        <p:spPr>
+          <a:xfrm>
+            <a:off x="5234406" y="1128924"/>
+            <a:ext cx="646331" cy="276999"/>
+          </a:xfrm>
+          <a:prstGeom prst="rect">
+            <a:avLst/>
+          </a:prstGeom>
+          <a:noFill/>
+        </p:spPr>
+        <p:txBody>
+          <a:bodyPr wrap="none" rtlCol="0">
+            <a:spAutoFit/>
+          </a:bodyPr>
+          <a:lstStyle/>
+          <a:p>
+            <a:r>
+              <a:rPr lang="ja-JP" altLang="en-US" sz="1200" dirty="0" smtClean="0">
+                <a:latin typeface="メイリオ"/>
+                <a:ea typeface="メイリオ"/>
+                <a:cs typeface="メイリオ"/>
+              </a:rPr>
+              <a:t>金額</a:t>
+            </a:r>
+            <a:r>
+              <a:rPr kumimoji="1" lang="ja-JP" altLang="en-US" sz="1200" dirty="0" smtClean="0">
+                <a:latin typeface="メイリオ"/>
+                <a:ea typeface="メイリオ"/>
+                <a:cs typeface="メイリオ"/>
+              </a:rPr>
+              <a:t>：</a:t>
+            </a:r>
+            <a:endParaRPr kumimoji="1" lang="ja-JP" altLang="en-US" sz="1200" dirty="0">
+              <a:latin typeface="メイリオ"/>
+              <a:ea typeface="メイリオ"/>
+              <a:cs typeface="メイリオ"/>
+            </a:endParaRPr>
+          </a:p>
+        </p:txBody>
+      </p:sp>
+      <p:sp>
+        <p:nvSpPr>
+          <p:cNvPr id="53" name="角丸四角形 52"/>
+          <p:cNvSpPr/>
+          <p:nvPr/>
+        </p:nvSpPr>
+        <p:spPr>
+          <a:xfrm>
+            <a:off x="6515245" y="1118689"/>
+            <a:ext cx="550589" cy="299213"/>
+          </a:xfrm>
+          <a:prstGeom prst="roundRect">
+            <a:avLst/>
+          </a:prstGeom>
+          <a:noFill/>
+          <a:ln w="25400">
+            <a:solidFill>
+              <a:schemeClr val="tx1"/>
+            </a:solidFill>
+          </a:ln>
+          <a:effectLst/>
+        </p:spPr>
+        <p:style>
+          <a:lnRef idx="1">
+            <a:schemeClr val="accent1"/>
+          </a:lnRef>
+          <a:fillRef idx="3">
+            <a:schemeClr val="accent1"/>
+          </a:fillRef>
+          <a:effectRef idx="2">
+            <a:schemeClr val="accent1"/>
+          </a:effectRef>
+          <a:fontRef idx="minor">
+            <a:schemeClr val="lt1"/>
+          </a:fontRef>
+        </p:style>
+        <p:txBody>
+          <a:bodyPr rtlCol="0" anchor="ctr"/>
+          <a:lstStyle/>
+          <a:p>
+            <a:pPr algn="ctr"/>
+            <a:r>
+              <a:rPr kumimoji="1" lang="ja-JP" altLang="en-US" sz="1200" dirty="0" smtClean="0">
+                <a:solidFill>
+                  <a:schemeClr val="tx1"/>
+                </a:solidFill>
+                <a:latin typeface="メイリオ"/>
+                <a:ea typeface="メイリオ"/>
+                <a:cs typeface="メイリオ"/>
+              </a:rPr>
+              <a:t>登録</a:t>
+            </a:r>
+            <a:endParaRPr kumimoji="1" lang="ja-JP" altLang="en-US" sz="1200" dirty="0">
+              <a:solidFill>
+                <a:schemeClr val="tx1"/>
+              </a:solidFill>
+              <a:latin typeface="メイリオ"/>
+              <a:ea typeface="メイリオ"/>
+              <a:cs typeface="メイリオ"/>
+            </a:endParaRPr>
+          </a:p>
+        </p:txBody>
+      </p:sp>
+      <p:cxnSp>
+        <p:nvCxnSpPr>
+          <p:cNvPr id="54" name="直線コネクタ 53"/>
+          <p:cNvCxnSpPr/>
+          <p:nvPr/>
+        </p:nvCxnSpPr>
+        <p:spPr>
+          <a:xfrm>
+            <a:off x="923931" y="1547091"/>
+            <a:ext cx="7250251" cy="0"/>
+          </a:xfrm>
+          <a:prstGeom prst="line">
+            <a:avLst/>
+          </a:prstGeom>
+          <a:ln>
+            <a:solidFill>
+              <a:schemeClr val="bg1">
+                <a:lumMod val="65000"/>
+              </a:schemeClr>
+            </a:solidFill>
+          </a:ln>
+          <a:effectLst/>
+        </p:spPr>
+        <p:style>
+          <a:lnRef idx="2">
+            <a:schemeClr val="accent1"/>
+          </a:lnRef>
+          <a:fillRef idx="0">
+            <a:schemeClr val="accent1"/>
+          </a:fillRef>
+          <a:effectRef idx="1">
+            <a:schemeClr val="accent1"/>
+          </a:effectRef>
+          <a:fontRef idx="minor">
+            <a:schemeClr val="tx1"/>
+          </a:fontRef>
+        </p:style>
+      </p:cxnSp>
+      <p:sp>
+        <p:nvSpPr>
+          <p:cNvPr id="55" name="テキスト ボックス 54"/>
+          <p:cNvSpPr txBox="1"/>
+          <p:nvPr/>
+        </p:nvSpPr>
+        <p:spPr>
+          <a:xfrm>
+            <a:off x="4124211" y="1630084"/>
+            <a:ext cx="296175" cy="307777"/>
+          </a:xfrm>
+          <a:prstGeom prst="rect">
+            <a:avLst/>
+          </a:prstGeom>
+          <a:noFill/>
+        </p:spPr>
+        <p:txBody>
+          <a:bodyPr wrap="none" rtlCol="0">
+            <a:spAutoFit/>
+          </a:bodyPr>
+          <a:lstStyle/>
+          <a:p>
+            <a:r>
+              <a:rPr lang="en-US" altLang="ja-JP" sz="1400" dirty="0">
+                <a:latin typeface="メイリオ"/>
+                <a:ea typeface="メイリオ"/>
+                <a:cs typeface="メイリオ"/>
+              </a:rPr>
+              <a:t>1</a:t>
+            </a:r>
+            <a:endParaRPr kumimoji="1" lang="ja-JP" altLang="en-US" sz="1400" dirty="0">
+              <a:latin typeface="メイリオ"/>
+              <a:ea typeface="メイリオ"/>
+              <a:cs typeface="メイリオ"/>
+            </a:endParaRPr>
+          </a:p>
+        </p:txBody>
+      </p:sp>
+      <p:sp>
+        <p:nvSpPr>
+          <p:cNvPr id="56" name="テキスト ボックス 55"/>
+          <p:cNvSpPr txBox="1"/>
+          <p:nvPr/>
+        </p:nvSpPr>
+        <p:spPr>
+          <a:xfrm>
+            <a:off x="4356158" y="1632399"/>
+            <a:ext cx="296175" cy="307777"/>
+          </a:xfrm>
+          <a:prstGeom prst="rect">
+            <a:avLst/>
+          </a:prstGeom>
+          <a:noFill/>
+        </p:spPr>
+        <p:txBody>
+          <a:bodyPr wrap="none" rtlCol="0">
+            <a:spAutoFit/>
+          </a:bodyPr>
+          <a:lstStyle/>
+          <a:p>
+            <a:r>
+              <a:rPr lang="en-US" altLang="ja-JP" sz="1400" dirty="0" smtClean="0">
+                <a:latin typeface="メイリオ"/>
+                <a:ea typeface="メイリオ"/>
+                <a:cs typeface="メイリオ"/>
+              </a:rPr>
+              <a:t>2</a:t>
+            </a:r>
+            <a:endParaRPr kumimoji="1" lang="ja-JP" altLang="en-US" sz="1400" dirty="0">
+              <a:latin typeface="メイリオ"/>
+              <a:ea typeface="メイリオ"/>
+              <a:cs typeface="メイリオ"/>
+            </a:endParaRPr>
+          </a:p>
+        </p:txBody>
+      </p:sp>
+      <p:sp>
+        <p:nvSpPr>
+          <p:cNvPr id="57" name="テキスト ボックス 56"/>
+          <p:cNvSpPr txBox="1"/>
+          <p:nvPr/>
+        </p:nvSpPr>
+        <p:spPr>
+          <a:xfrm>
+            <a:off x="4597125" y="1632399"/>
+            <a:ext cx="494734" cy="307777"/>
+          </a:xfrm>
+          <a:prstGeom prst="rect">
+            <a:avLst/>
+          </a:prstGeom>
+          <a:noFill/>
+        </p:spPr>
+        <p:txBody>
+          <a:bodyPr wrap="none" rtlCol="0">
+            <a:spAutoFit/>
+          </a:bodyPr>
+          <a:lstStyle/>
+          <a:p>
+            <a:r>
+              <a:rPr lang="en-US" altLang="ja-JP" sz="1400" dirty="0" smtClean="0">
+                <a:latin typeface="メイリオ"/>
+                <a:ea typeface="メイリオ"/>
+                <a:cs typeface="メイリオ"/>
+              </a:rPr>
+              <a:t>. . .</a:t>
+            </a:r>
+            <a:endParaRPr kumimoji="1" lang="ja-JP" altLang="en-US" sz="1400" dirty="0">
+              <a:latin typeface="メイリオ"/>
+              <a:ea typeface="メイリオ"/>
+              <a:cs typeface="メイリオ"/>
+            </a:endParaRPr>
+          </a:p>
+        </p:txBody>
+      </p:sp>
+      <p:sp>
+        <p:nvSpPr>
+          <p:cNvPr id="58" name="二等辺三角形 57"/>
+          <p:cNvSpPr/>
+          <p:nvPr/>
+        </p:nvSpPr>
+        <p:spPr>
+          <a:xfrm rot="5400000">
+            <a:off x="5439130" y="1683849"/>
+            <a:ext cx="179370" cy="181212"/>
+          </a:xfrm>
+          <a:prstGeom prst="triangle">
+            <a:avLst/>
+          </a:prstGeom>
+          <a:solidFill>
+            <a:srgbClr val="F75D31"/>
+          </a:solidFill>
+          <a:ln>
+            <a:noFill/>
+          </a:ln>
+          <a:effectLst/>
+        </p:spPr>
+        <p:style>
+          <a:lnRef idx="1">
+            <a:schemeClr val="accent1"/>
+          </a:lnRef>
+          <a:fillRef idx="3">
+            <a:schemeClr val="accent1"/>
+          </a:fillRef>
+          <a:effectRef idx="2">
+            <a:schemeClr val="accent1"/>
+          </a:effectRef>
+          <a:fontRef idx="minor">
+            <a:schemeClr val="lt1"/>
+          </a:fontRef>
+        </p:style>
+        <p:txBody>
+          <a:bodyPr rtlCol="0" anchor="ctr"/>
+          <a:lstStyle/>
+          <a:p>
+            <a:pPr algn="ctr"/>
+            <a:endParaRPr kumimoji="1" lang="ja-JP" altLang="en-US"/>
+          </a:p>
+        </p:txBody>
+      </p:sp>
+      <p:sp>
+        <p:nvSpPr>
+          <p:cNvPr id="59" name="二等辺三角形 58"/>
+          <p:cNvSpPr/>
+          <p:nvPr/>
+        </p:nvSpPr>
+        <p:spPr>
+          <a:xfrm rot="16200000">
+            <a:off x="3923520" y="1684770"/>
+            <a:ext cx="180000" cy="180000"/>
+          </a:xfrm>
+          <a:prstGeom prst="triangle">
+            <a:avLst/>
+          </a:prstGeom>
+          <a:solidFill>
+            <a:srgbClr val="F75D31"/>
+          </a:solidFill>
+          <a:ln>
+            <a:noFill/>
+          </a:ln>
+          <a:effectLst/>
+        </p:spPr>
+        <p:style>
+          <a:lnRef idx="1">
+            <a:schemeClr val="accent1"/>
+          </a:lnRef>
+          <a:fillRef idx="3">
+            <a:schemeClr val="accent1"/>
+          </a:fillRef>
+          <a:effectRef idx="2">
+            <a:schemeClr val="accent1"/>
+          </a:effectRef>
+          <a:fontRef idx="minor">
+            <a:schemeClr val="lt1"/>
+          </a:fontRef>
+        </p:style>
+        <p:txBody>
+          <a:bodyPr rtlCol="0" anchor="ctr"/>
+          <a:lstStyle/>
+          <a:p>
+            <a:pPr algn="ctr"/>
+            <a:endParaRPr kumimoji="1" lang="ja-JP" altLang="en-US"/>
+          </a:p>
+        </p:txBody>
+      </p:sp>
+      <p:sp>
+        <p:nvSpPr>
+          <p:cNvPr id="60" name="テキスト ボックス 59"/>
+          <p:cNvSpPr txBox="1"/>
+          <p:nvPr/>
+        </p:nvSpPr>
+        <p:spPr>
+          <a:xfrm>
+            <a:off x="5013885" y="1632399"/>
+            <a:ext cx="407684" cy="307777"/>
+          </a:xfrm>
+          <a:prstGeom prst="rect">
+            <a:avLst/>
+          </a:prstGeom>
+          <a:noFill/>
+        </p:spPr>
+        <p:txBody>
+          <a:bodyPr wrap="none" rtlCol="0">
+            <a:spAutoFit/>
+          </a:bodyPr>
+          <a:lstStyle/>
+          <a:p>
+            <a:r>
+              <a:rPr lang="en-US" altLang="ja-JP" sz="1400" dirty="0" smtClean="0">
+                <a:latin typeface="メイリオ"/>
+                <a:ea typeface="メイリオ"/>
+                <a:cs typeface="メイリオ"/>
+              </a:rPr>
+              <a:t>20</a:t>
+            </a:r>
+            <a:endParaRPr kumimoji="1" lang="ja-JP" altLang="en-US" sz="1400" dirty="0">
+              <a:latin typeface="メイリオ"/>
+              <a:ea typeface="メイリオ"/>
+              <a:cs typeface="メイリオ"/>
+            </a:endParaRPr>
+          </a:p>
+        </p:txBody>
+      </p:sp>
+      <p:sp>
+        <p:nvSpPr>
+          <p:cNvPr id="61" name="テキスト ボックス 60"/>
+          <p:cNvSpPr txBox="1"/>
+          <p:nvPr/>
+        </p:nvSpPr>
+        <p:spPr>
+          <a:xfrm>
+            <a:off x="993905" y="1630084"/>
+            <a:ext cx="2623046" cy="307777"/>
+          </a:xfrm>
+          <a:prstGeom prst="rect">
+            <a:avLst/>
+          </a:prstGeom>
+          <a:noFill/>
+        </p:spPr>
+        <p:txBody>
+          <a:bodyPr wrap="none" rtlCol="0">
+            <a:spAutoFit/>
+          </a:bodyPr>
+          <a:lstStyle/>
+          <a:p>
+            <a:r>
+              <a:rPr lang="en-US" altLang="ja-JP" sz="1400" dirty="0" smtClean="0">
+                <a:latin typeface="メイリオ"/>
+                <a:ea typeface="メイリオ"/>
+                <a:cs typeface="メイリオ"/>
+              </a:rPr>
+              <a:t>xxx </a:t>
+            </a:r>
+            <a:r>
+              <a:rPr lang="ja-JP" altLang="en-US" sz="1400" dirty="0" smtClean="0">
+                <a:latin typeface="メイリオ"/>
+                <a:ea typeface="メイリオ"/>
+                <a:cs typeface="メイリオ"/>
+              </a:rPr>
+              <a:t>件中</a:t>
+            </a:r>
+            <a:r>
+              <a:rPr lang="en-US" altLang="ja-JP" sz="1400" dirty="0" smtClean="0">
+                <a:latin typeface="メイリオ"/>
+                <a:ea typeface="メイリオ"/>
+                <a:cs typeface="メイリオ"/>
+              </a:rPr>
+              <a:t> </a:t>
+            </a:r>
+            <a:r>
+              <a:rPr lang="en-US" altLang="ja-JP" sz="1400" dirty="0" err="1" smtClean="0">
+                <a:latin typeface="メイリオ"/>
+                <a:ea typeface="メイリオ"/>
+                <a:cs typeface="メイリオ"/>
+              </a:rPr>
+              <a:t>yyy</a:t>
+            </a:r>
+            <a:r>
+              <a:rPr lang="en-US" altLang="ja-JP" sz="1400" dirty="0" smtClean="0">
+                <a:latin typeface="メイリオ"/>
+                <a:ea typeface="メイリオ"/>
+                <a:cs typeface="メイリオ"/>
+              </a:rPr>
+              <a:t> 〜 </a:t>
+            </a:r>
+            <a:r>
+              <a:rPr lang="en-US" altLang="ja-JP" sz="1400" dirty="0" err="1" smtClean="0">
+                <a:latin typeface="メイリオ"/>
+                <a:ea typeface="メイリオ"/>
+                <a:cs typeface="メイリオ"/>
+              </a:rPr>
+              <a:t>zzz</a:t>
+            </a:r>
+            <a:r>
+              <a:rPr lang="en-US" altLang="ja-JP" sz="1400" dirty="0" smtClean="0">
+                <a:latin typeface="メイリオ"/>
+                <a:ea typeface="メイリオ"/>
+                <a:cs typeface="メイリオ"/>
+              </a:rPr>
+              <a:t> </a:t>
+            </a:r>
+            <a:r>
+              <a:rPr lang="ja-JP" altLang="en-US" sz="1400" dirty="0" smtClean="0">
+                <a:latin typeface="メイリオ"/>
+                <a:ea typeface="メイリオ"/>
+                <a:cs typeface="メイリオ"/>
+              </a:rPr>
+              <a:t>件を表示</a:t>
+            </a:r>
+            <a:endParaRPr kumimoji="1" lang="ja-JP" altLang="en-US" sz="1400" dirty="0">
+              <a:latin typeface="メイリオ"/>
+              <a:ea typeface="メイリオ"/>
+              <a:cs typeface="メイリオ"/>
+            </a:endParaRPr>
+          </a:p>
+        </p:txBody>
+      </p:sp>
+      <p:sp>
+        <p:nvSpPr>
+          <p:cNvPr id="62" name="二等辺三角形 61"/>
+          <p:cNvSpPr/>
+          <p:nvPr/>
+        </p:nvSpPr>
+        <p:spPr>
+          <a:xfrm rot="16200000">
+            <a:off x="3596344" y="1684770"/>
+            <a:ext cx="180000" cy="180000"/>
+          </a:xfrm>
+          <a:prstGeom prst="triangle">
+            <a:avLst/>
+          </a:prstGeom>
+          <a:solidFill>
+            <a:srgbClr val="F75D31"/>
+          </a:solidFill>
+          <a:ln>
+            <a:noFill/>
+          </a:ln>
+          <a:effectLst/>
+        </p:spPr>
+        <p:style>
+          <a:lnRef idx="1">
+            <a:schemeClr val="accent1"/>
+          </a:lnRef>
+          <a:fillRef idx="3">
+            <a:schemeClr val="accent1"/>
+          </a:fillRef>
+          <a:effectRef idx="2">
+            <a:schemeClr val="accent1"/>
+          </a:effectRef>
+          <a:fontRef idx="minor">
+            <a:schemeClr val="lt1"/>
+          </a:fontRef>
+        </p:style>
+        <p:txBody>
+          <a:bodyPr rtlCol="0" anchor="ctr"/>
+          <a:lstStyle/>
+          <a:p>
+            <a:pPr algn="ctr"/>
+            <a:endParaRPr kumimoji="1" lang="ja-JP" altLang="en-US"/>
+          </a:p>
+        </p:txBody>
+      </p:sp>
+      <p:sp>
+        <p:nvSpPr>
+          <p:cNvPr id="63" name="二等辺三角形 62"/>
+          <p:cNvSpPr/>
+          <p:nvPr/>
+        </p:nvSpPr>
+        <p:spPr>
+          <a:xfrm rot="16200000">
+            <a:off x="3693379" y="1684140"/>
+            <a:ext cx="180000" cy="180000"/>
+          </a:xfrm>
+          <a:prstGeom prst="triangle">
+            <a:avLst/>
+          </a:prstGeom>
+          <a:solidFill>
+            <a:srgbClr val="F75D31"/>
+          </a:solidFill>
+          <a:ln>
+            <a:noFill/>
+          </a:ln>
+          <a:effectLst/>
+        </p:spPr>
+        <p:style>
+          <a:lnRef idx="1">
+            <a:schemeClr val="accent1"/>
+          </a:lnRef>
+          <a:fillRef idx="3">
+            <a:schemeClr val="accent1"/>
+          </a:fillRef>
+          <a:effectRef idx="2">
+            <a:schemeClr val="accent1"/>
+          </a:effectRef>
+          <a:fontRef idx="minor">
+            <a:schemeClr val="lt1"/>
+          </a:fontRef>
+        </p:style>
+        <p:txBody>
+          <a:bodyPr rtlCol="0" anchor="ctr"/>
+          <a:lstStyle/>
+          <a:p>
+            <a:pPr algn="ctr"/>
+            <a:endParaRPr kumimoji="1" lang="ja-JP" altLang="en-US"/>
+          </a:p>
+        </p:txBody>
+      </p:sp>
+      <p:sp>
+        <p:nvSpPr>
+          <p:cNvPr id="64" name="二等辺三角形 63"/>
+          <p:cNvSpPr/>
+          <p:nvPr/>
+        </p:nvSpPr>
+        <p:spPr>
+          <a:xfrm rot="5400000">
+            <a:off x="5764549" y="1684479"/>
+            <a:ext cx="179370" cy="181212"/>
+          </a:xfrm>
+          <a:prstGeom prst="triangle">
+            <a:avLst/>
+          </a:prstGeom>
+          <a:solidFill>
+            <a:srgbClr val="F75D31"/>
+          </a:solidFill>
+          <a:ln>
+            <a:noFill/>
+          </a:ln>
+          <a:effectLst/>
+        </p:spPr>
+        <p:style>
+          <a:lnRef idx="1">
+            <a:schemeClr val="accent1"/>
+          </a:lnRef>
+          <a:fillRef idx="3">
+            <a:schemeClr val="accent1"/>
+          </a:fillRef>
+          <a:effectRef idx="2">
+            <a:schemeClr val="accent1"/>
+          </a:effectRef>
+          <a:fontRef idx="minor">
+            <a:schemeClr val="lt1"/>
+          </a:fontRef>
+        </p:style>
+        <p:txBody>
+          <a:bodyPr rtlCol="0" anchor="ctr"/>
+          <a:lstStyle/>
+          <a:p>
+            <a:pPr algn="ctr"/>
+            <a:endParaRPr kumimoji="1" lang="ja-JP" altLang="en-US"/>
+          </a:p>
+        </p:txBody>
+      </p:sp>
+      <p:sp>
+        <p:nvSpPr>
+          <p:cNvPr id="65" name="二等辺三角形 64"/>
+          <p:cNvSpPr/>
+          <p:nvPr/>
+        </p:nvSpPr>
+        <p:spPr>
+          <a:xfrm rot="5400000">
+            <a:off x="5673943" y="1684479"/>
+            <a:ext cx="179370" cy="181212"/>
+          </a:xfrm>
+          <a:prstGeom prst="triangle">
+            <a:avLst/>
+          </a:prstGeom>
+          <a:solidFill>
+            <a:srgbClr val="F75D31"/>
+          </a:solidFill>
+          <a:ln>
+            <a:noFill/>
+          </a:ln>
+          <a:effectLst/>
+        </p:spPr>
+        <p:style>
+          <a:lnRef idx="1">
+            <a:schemeClr val="accent1"/>
+          </a:lnRef>
+          <a:fillRef idx="3">
+            <a:schemeClr val="accent1"/>
+          </a:fillRef>
+          <a:effectRef idx="2">
+            <a:schemeClr val="accent1"/>
+          </a:effectRef>
+          <a:fontRef idx="minor">
+            <a:schemeClr val="lt1"/>
+          </a:fontRef>
+        </p:style>
+        <p:txBody>
+          <a:bodyPr rtlCol="0" anchor="ctr"/>
+          <a:lstStyle/>
+          <a:p>
+            <a:pPr algn="ctr"/>
+            <a:endParaRPr kumimoji="1" lang="ja-JP" altLang="en-US"/>
+          </a:p>
+        </p:txBody>
+      </p:sp>
+      <p:sp>
+        <p:nvSpPr>
+          <p:cNvPr id="66" name="角丸四角形 65"/>
+          <p:cNvSpPr/>
+          <p:nvPr/>
+        </p:nvSpPr>
+        <p:spPr>
+          <a:xfrm>
+            <a:off x="7239002" y="1121482"/>
+            <a:ext cx="864625" cy="299213"/>
+          </a:xfrm>
+          <a:prstGeom prst="roundRect">
+            <a:avLst/>
+          </a:prstGeom>
+          <a:noFill/>
+          <a:ln w="25400">
+            <a:solidFill>
+              <a:schemeClr val="tx1"/>
+            </a:solidFill>
+          </a:ln>
+          <a:effectLst/>
+        </p:spPr>
+        <p:style>
+          <a:lnRef idx="1">
+            <a:schemeClr val="accent1"/>
+          </a:lnRef>
+          <a:fillRef idx="3">
+            <a:schemeClr val="accent1"/>
+          </a:fillRef>
+          <a:effectRef idx="2">
+            <a:schemeClr val="accent1"/>
+          </a:effectRef>
+          <a:fontRef idx="minor">
+            <a:schemeClr val="lt1"/>
+          </a:fontRef>
+        </p:style>
+        <p:txBody>
+          <a:bodyPr rtlCol="0" anchor="ctr"/>
+          <a:lstStyle/>
+          <a:p>
+            <a:pPr algn="ctr"/>
+            <a:r>
+              <a:rPr lang="en-US" altLang="en-US" sz="1200" dirty="0" smtClean="0">
+                <a:solidFill>
+                  <a:schemeClr val="tx1"/>
+                </a:solidFill>
+                <a:latin typeface="メイリオ"/>
+                <a:ea typeface="メイリオ"/>
+                <a:cs typeface="メイリオ"/>
+              </a:rPr>
+              <a:t>リセット</a:t>
+            </a:r>
+            <a:endParaRPr kumimoji="1" lang="ja-JP" altLang="en-US" sz="1200" dirty="0">
+              <a:solidFill>
+                <a:schemeClr val="tx1"/>
+              </a:solidFill>
+              <a:latin typeface="メイリオ"/>
+              <a:ea typeface="メイリオ"/>
+              <a:cs typeface="メイリオ"/>
+            </a:endParaRPr>
+          </a:p>
+        </p:txBody>
+      </p:sp>
+      <p:pic>
+        <p:nvPicPr>
+          <p:cNvPr id="67" name="図 66" descr="trash.png"/>
+          <p:cNvPicPr>
+            <a:picLocks noChangeAspect="1"/>
+          </p:cNvPicPr>
+          <p:nvPr/>
+        </p:nvPicPr>
+        <p:blipFill>
+          <a:blip r:embed="rId3">
+            <a:extLst>
+              <a:ext uri="{28A0092B-C50C-407E-A947-70E740481C1C}">
+                <a14:useLocalDpi xmlns:a14="http://schemas.microsoft.com/office/drawing/2010/main" val="0"/>
+              </a:ext>
+            </a:extLst>
+          </a:blip>
+          <a:stretch>
+            <a:fillRect/>
+          </a:stretch>
+        </p:blipFill>
+        <p:spPr>
+          <a:xfrm>
+            <a:off x="7967360" y="2463737"/>
+            <a:ext cx="272533" cy="272533"/>
+          </a:xfrm>
+          <a:prstGeom prst="rect">
+            <a:avLst/>
+          </a:prstGeom>
+        </p:spPr>
+      </p:pic>
+      <p:pic>
+        <p:nvPicPr>
+          <p:cNvPr id="68" name="図 67" descr="trash.png"/>
+          <p:cNvPicPr>
+            <a:picLocks noChangeAspect="1"/>
+          </p:cNvPicPr>
+          <p:nvPr/>
+        </p:nvPicPr>
+        <p:blipFill>
+          <a:blip r:embed="rId3">
+            <a:extLst>
+              <a:ext uri="{28A0092B-C50C-407E-A947-70E740481C1C}">
+                <a14:useLocalDpi xmlns:a14="http://schemas.microsoft.com/office/drawing/2010/main" val="0"/>
+              </a:ext>
+            </a:extLst>
+          </a:blip>
+          <a:stretch>
+            <a:fillRect/>
+          </a:stretch>
+        </p:blipFill>
+        <p:spPr>
+          <a:xfrm>
+            <a:off x="7967360" y="2865577"/>
+            <a:ext cx="272533" cy="272533"/>
+          </a:xfrm>
+          <a:prstGeom prst="rect">
+            <a:avLst/>
+          </a:prstGeom>
+        </p:spPr>
+      </p:pic>
+      <p:pic>
+        <p:nvPicPr>
+          <p:cNvPr id="69" name="図 68" descr="trash.png"/>
+          <p:cNvPicPr>
+            <a:picLocks noChangeAspect="1"/>
+          </p:cNvPicPr>
+          <p:nvPr/>
+        </p:nvPicPr>
+        <p:blipFill>
+          <a:blip r:embed="rId3">
+            <a:extLst>
+              <a:ext uri="{28A0092B-C50C-407E-A947-70E740481C1C}">
+                <a14:useLocalDpi xmlns:a14="http://schemas.microsoft.com/office/drawing/2010/main" val="0"/>
+              </a:ext>
+            </a:extLst>
+          </a:blip>
+          <a:stretch>
+            <a:fillRect/>
+          </a:stretch>
+        </p:blipFill>
+        <p:spPr>
+          <a:xfrm>
+            <a:off x="7967360" y="3244330"/>
+            <a:ext cx="272533" cy="272533"/>
+          </a:xfrm>
+          <a:prstGeom prst="rect">
+            <a:avLst/>
+          </a:prstGeom>
+        </p:spPr>
+      </p:pic>
+      <p:pic>
+        <p:nvPicPr>
+          <p:cNvPr id="70" name="図 69" descr="trash.png"/>
+          <p:cNvPicPr>
+            <a:picLocks noChangeAspect="1"/>
+          </p:cNvPicPr>
+          <p:nvPr/>
+        </p:nvPicPr>
+        <p:blipFill>
+          <a:blip r:embed="rId3">
+            <a:extLst>
+              <a:ext uri="{28A0092B-C50C-407E-A947-70E740481C1C}">
+                <a14:useLocalDpi xmlns:a14="http://schemas.microsoft.com/office/drawing/2010/main" val="0"/>
+              </a:ext>
+            </a:extLst>
+          </a:blip>
+          <a:stretch>
+            <a:fillRect/>
+          </a:stretch>
+        </p:blipFill>
+        <p:spPr>
+          <a:xfrm>
+            <a:off x="7967360" y="3646170"/>
+            <a:ext cx="272533" cy="272533"/>
+          </a:xfrm>
+          <a:prstGeom prst="rect">
+            <a:avLst/>
+          </a:prstGeom>
+        </p:spPr>
+      </p:pic>
+      <p:pic>
+        <p:nvPicPr>
+          <p:cNvPr id="71" name="図 70" descr="trash.png"/>
+          <p:cNvPicPr>
+            <a:picLocks noChangeAspect="1"/>
+          </p:cNvPicPr>
+          <p:nvPr/>
+        </p:nvPicPr>
+        <p:blipFill>
+          <a:blip r:embed="rId3">
+            <a:extLst>
+              <a:ext uri="{28A0092B-C50C-407E-A947-70E740481C1C}">
+                <a14:useLocalDpi xmlns:a14="http://schemas.microsoft.com/office/drawing/2010/main" val="0"/>
+              </a:ext>
+            </a:extLst>
+          </a:blip>
+          <a:stretch>
+            <a:fillRect/>
+          </a:stretch>
+        </p:blipFill>
+        <p:spPr>
+          <a:xfrm>
+            <a:off x="7966108" y="4020421"/>
+            <a:ext cx="272533" cy="272533"/>
+          </a:xfrm>
+          <a:prstGeom prst="rect">
+            <a:avLst/>
+          </a:prstGeom>
+        </p:spPr>
+      </p:pic>
+      <p:pic>
+        <p:nvPicPr>
+          <p:cNvPr id="72" name="図 71" descr="trash.png"/>
+          <p:cNvPicPr>
+            <a:picLocks noChangeAspect="1"/>
+          </p:cNvPicPr>
+          <p:nvPr/>
+        </p:nvPicPr>
+        <p:blipFill>
+          <a:blip r:embed="rId3">
+            <a:extLst>
+              <a:ext uri="{28A0092B-C50C-407E-A947-70E740481C1C}">
+                <a14:useLocalDpi xmlns:a14="http://schemas.microsoft.com/office/drawing/2010/main" val="0"/>
+              </a:ext>
+            </a:extLst>
+          </a:blip>
+          <a:stretch>
+            <a:fillRect/>
+          </a:stretch>
+        </p:blipFill>
+        <p:spPr>
+          <a:xfrm>
+            <a:off x="7966108" y="4422261"/>
+            <a:ext cx="272533" cy="272533"/>
+          </a:xfrm>
+          <a:prstGeom prst="rect">
+            <a:avLst/>
+          </a:prstGeom>
+        </p:spPr>
+      </p:pic>
+      <p:pic>
+        <p:nvPicPr>
+          <p:cNvPr id="73" name="図 72" descr="trash.png"/>
+          <p:cNvPicPr>
+            <a:picLocks noChangeAspect="1"/>
+          </p:cNvPicPr>
+          <p:nvPr/>
+        </p:nvPicPr>
+        <p:blipFill>
+          <a:blip r:embed="rId3">
+            <a:extLst>
+              <a:ext uri="{28A0092B-C50C-407E-A947-70E740481C1C}">
+                <a14:useLocalDpi xmlns:a14="http://schemas.microsoft.com/office/drawing/2010/main" val="0"/>
+              </a:ext>
+            </a:extLst>
+          </a:blip>
+          <a:stretch>
+            <a:fillRect/>
+          </a:stretch>
+        </p:blipFill>
+        <p:spPr>
+          <a:xfrm>
+            <a:off x="7967360" y="4799059"/>
+            <a:ext cx="272533" cy="272533"/>
+          </a:xfrm>
+          <a:prstGeom prst="rect">
+            <a:avLst/>
+          </a:prstGeom>
+        </p:spPr>
+      </p:pic>
+      <p:pic>
+        <p:nvPicPr>
+          <p:cNvPr id="74" name="図 73" descr="trash.png"/>
+          <p:cNvPicPr>
+            <a:picLocks noChangeAspect="1"/>
+          </p:cNvPicPr>
+          <p:nvPr/>
+        </p:nvPicPr>
+        <p:blipFill>
+          <a:blip r:embed="rId3">
+            <a:extLst>
+              <a:ext uri="{28A0092B-C50C-407E-A947-70E740481C1C}">
+                <a14:useLocalDpi xmlns:a14="http://schemas.microsoft.com/office/drawing/2010/main" val="0"/>
+              </a:ext>
+            </a:extLst>
+          </a:blip>
+          <a:stretch>
+            <a:fillRect/>
+          </a:stretch>
+        </p:blipFill>
+        <p:spPr>
+          <a:xfrm>
+            <a:off x="7967360" y="5200899"/>
+            <a:ext cx="272533" cy="272533"/>
+          </a:xfrm>
+          <a:prstGeom prst="rect">
+            <a:avLst/>
+          </a:prstGeom>
+        </p:spPr>
+      </p:pic>
+      <p:pic>
+        <p:nvPicPr>
+          <p:cNvPr id="75" name="図 74" descr="trash.png"/>
+          <p:cNvPicPr>
+            <a:picLocks noChangeAspect="1"/>
+          </p:cNvPicPr>
+          <p:nvPr/>
+        </p:nvPicPr>
+        <p:blipFill>
+          <a:blip r:embed="rId3">
+            <a:extLst>
+              <a:ext uri="{28A0092B-C50C-407E-A947-70E740481C1C}">
+                <a14:useLocalDpi xmlns:a14="http://schemas.microsoft.com/office/drawing/2010/main" val="0"/>
+              </a:ext>
+            </a:extLst>
+          </a:blip>
+          <a:stretch>
+            <a:fillRect/>
+          </a:stretch>
+        </p:blipFill>
+        <p:spPr>
+          <a:xfrm>
+            <a:off x="7966108" y="5558835"/>
+            <a:ext cx="272533" cy="272533"/>
+          </a:xfrm>
+          <a:prstGeom prst="rect">
+            <a:avLst/>
+          </a:prstGeom>
+        </p:spPr>
+      </p:pic>
+      <p:pic>
+        <p:nvPicPr>
+          <p:cNvPr id="76" name="図 75" descr="trash.png"/>
+          <p:cNvPicPr>
+            <a:picLocks noChangeAspect="1"/>
+          </p:cNvPicPr>
+          <p:nvPr/>
+        </p:nvPicPr>
+        <p:blipFill>
+          <a:blip r:embed="rId3">
+            <a:extLst>
+              <a:ext uri="{28A0092B-C50C-407E-A947-70E740481C1C}">
+                <a14:useLocalDpi xmlns:a14="http://schemas.microsoft.com/office/drawing/2010/main" val="0"/>
+              </a:ext>
+            </a:extLst>
+          </a:blip>
+          <a:stretch>
+            <a:fillRect/>
+          </a:stretch>
+        </p:blipFill>
+        <p:spPr>
+          <a:xfrm>
+            <a:off x="7966108" y="5960675"/>
+            <a:ext cx="272533" cy="272533"/>
+          </a:xfrm>
+          <a:prstGeom prst="rect">
+            <a:avLst/>
+          </a:prstGeom>
+        </p:spPr>
+      </p:pic>
+      <p:sp>
+        <p:nvSpPr>
+          <p:cNvPr id="77" name="角丸四角形 76"/>
+          <p:cNvSpPr/>
+          <p:nvPr/>
+        </p:nvSpPr>
+        <p:spPr>
+          <a:xfrm>
+            <a:off x="4954166" y="1192639"/>
+            <a:ext cx="280240" cy="165946"/>
+          </a:xfrm>
+          <a:prstGeom prst="roundRect">
+            <a:avLst/>
+          </a:prstGeom>
+          <a:noFill/>
+          <a:ln w="25400">
+            <a:solidFill>
+              <a:schemeClr val="tx1"/>
+            </a:solidFill>
+          </a:ln>
+          <a:effectLst/>
+        </p:spPr>
+        <p:style>
+          <a:lnRef idx="1">
+            <a:schemeClr val="accent1"/>
+          </a:lnRef>
+          <a:fillRef idx="3">
+            <a:schemeClr val="accent1"/>
+          </a:fillRef>
+          <a:effectRef idx="2">
+            <a:schemeClr val="accent1"/>
+          </a:effectRef>
+          <a:fontRef idx="minor">
+            <a:schemeClr val="lt1"/>
+          </a:fontRef>
+        </p:style>
+        <p:txBody>
+          <a:bodyPr rtlCol="0" anchor="ctr"/>
+          <a:lstStyle/>
+          <a:p>
+            <a:pPr algn="ctr"/>
+            <a:endParaRPr kumimoji="1" lang="ja-JP" altLang="en-US" sz="800" dirty="0">
+              <a:solidFill>
+                <a:schemeClr val="tx1"/>
+              </a:solidFill>
+            </a:endParaRPr>
+          </a:p>
+        </p:txBody>
+      </p:sp>
+      <p:cxnSp>
+        <p:nvCxnSpPr>
+          <p:cNvPr id="78" name="直線コネクタ 77"/>
+          <p:cNvCxnSpPr/>
+          <p:nvPr/>
+        </p:nvCxnSpPr>
+        <p:spPr>
+          <a:xfrm>
+            <a:off x="5001261" y="1238058"/>
+            <a:ext cx="181196" cy="0"/>
+          </a:xfrm>
+          <a:prstGeom prst="line">
+            <a:avLst/>
+          </a:prstGeom>
+          <a:ln w="3175">
+            <a:solidFill>
+              <a:schemeClr val="tx1"/>
+            </a:solidFill>
+          </a:ln>
+        </p:spPr>
+        <p:style>
+          <a:lnRef idx="2">
+            <a:schemeClr val="accent1"/>
+          </a:lnRef>
+          <a:fillRef idx="0">
+            <a:schemeClr val="accent1"/>
+          </a:fillRef>
+          <a:effectRef idx="1">
+            <a:schemeClr val="accent1"/>
+          </a:effectRef>
+          <a:fontRef idx="minor">
+            <a:schemeClr val="tx1"/>
+          </a:fontRef>
+        </p:style>
+      </p:cxnSp>
+      <p:cxnSp>
+        <p:nvCxnSpPr>
+          <p:cNvPr id="79" name="直線コネクタ 78"/>
+          <p:cNvCxnSpPr/>
+          <p:nvPr/>
+        </p:nvCxnSpPr>
+        <p:spPr>
+          <a:xfrm>
+            <a:off x="5001261" y="1277697"/>
+            <a:ext cx="181196" cy="0"/>
+          </a:xfrm>
+          <a:prstGeom prst="line">
+            <a:avLst/>
+          </a:prstGeom>
+          <a:ln w="3175">
+            <a:solidFill>
+              <a:schemeClr val="tx1"/>
+            </a:solidFill>
+          </a:ln>
+        </p:spPr>
+        <p:style>
+          <a:lnRef idx="2">
+            <a:schemeClr val="accent1"/>
+          </a:lnRef>
+          <a:fillRef idx="0">
+            <a:schemeClr val="accent1"/>
+          </a:fillRef>
+          <a:effectRef idx="1">
+            <a:schemeClr val="accent1"/>
+          </a:effectRef>
+          <a:fontRef idx="minor">
+            <a:schemeClr val="tx1"/>
+          </a:fontRef>
+        </p:style>
+      </p:cxnSp>
+      <p:cxnSp>
+        <p:nvCxnSpPr>
+          <p:cNvPr id="80" name="直線コネクタ 79"/>
+          <p:cNvCxnSpPr/>
+          <p:nvPr/>
+        </p:nvCxnSpPr>
+        <p:spPr>
+          <a:xfrm>
+            <a:off x="5003884" y="1310793"/>
+            <a:ext cx="181196" cy="0"/>
+          </a:xfrm>
+          <a:prstGeom prst="line">
+            <a:avLst/>
+          </a:prstGeom>
+          <a:ln w="3175">
+            <a:solidFill>
+              <a:schemeClr val="tx1"/>
+            </a:solidFill>
+          </a:ln>
+        </p:spPr>
+        <p:style>
+          <a:lnRef idx="2">
+            <a:schemeClr val="accent1"/>
+          </a:lnRef>
+          <a:fillRef idx="0">
+            <a:schemeClr val="accent1"/>
+          </a:fillRef>
+          <a:effectRef idx="1">
+            <a:schemeClr val="accent1"/>
+          </a:effectRef>
+          <a:fontRef idx="minor">
+            <a:schemeClr val="tx1"/>
+          </a:fontRef>
+        </p:style>
+      </p:cxnSp>
+      <p:sp>
+        <p:nvSpPr>
+          <p:cNvPr id="81" name="正方形/長方形 80"/>
+          <p:cNvSpPr/>
+          <p:nvPr/>
+        </p:nvSpPr>
+        <p:spPr>
+          <a:xfrm>
+            <a:off x="785584" y="937497"/>
             <a:ext cx="7575640" cy="5541817"/>
           </a:xfrm>
           <a:prstGeom prst="rect">
@@ -9323,6 +10146,2247 @@
           </a:p>
         </p:txBody>
       </p:sp>
+      <p:pic>
+        <p:nvPicPr>
+          <p:cNvPr id="2" name="図 1" descr="スクリーンショット（0029-08-13 15.04.02）.png"/>
+          <p:cNvPicPr>
+            <a:picLocks noChangeAspect="1"/>
+          </p:cNvPicPr>
+          <p:nvPr/>
+        </p:nvPicPr>
+        <p:blipFill>
+          <a:blip r:embed="rId4">
+            <a:extLst>
+              <a:ext uri="{28A0092B-C50C-407E-A947-70E740481C1C}">
+                <a14:useLocalDpi xmlns:a14="http://schemas.microsoft.com/office/drawing/2010/main" val="0"/>
+              </a:ext>
+            </a:extLst>
+          </a:blip>
+          <a:stretch>
+            <a:fillRect/>
+          </a:stretch>
+        </p:blipFill>
+        <p:spPr>
+          <a:xfrm>
+            <a:off x="2526390" y="1627906"/>
+            <a:ext cx="4251885" cy="1856656"/>
+          </a:xfrm>
+          <a:prstGeom prst="rect">
+            <a:avLst/>
+          </a:prstGeom>
+        </p:spPr>
+      </p:pic>
+    </p:spTree>
+    <p:extLst>
+      <p:ext uri="{BB962C8B-B14F-4D97-AF65-F5344CB8AC3E}">
+        <p14:creationId xmlns:p14="http://schemas.microsoft.com/office/powerpoint/2010/main" val="3124408554"/>
+      </p:ext>
+    </p:extLst>
+  </p:cSld>
+  <p:clrMapOvr>
+    <a:masterClrMapping/>
+  </p:clrMapOvr>
+</p:sld>
+</file>
+
+<file path=ppt/slides/slide7.xml><?xml version="1.0" encoding="utf-8"?>
+<p:sld xmlns:a="http://schemas.openxmlformats.org/drawingml/2006/main" xmlns:r="http://schemas.openxmlformats.org/officeDocument/2006/relationships" xmlns:p="http://schemas.openxmlformats.org/presentationml/2006/main">
+  <p:cSld>
+    <p:spTree>
+      <p:nvGrpSpPr>
+        <p:cNvPr id="1" name=""/>
+        <p:cNvGrpSpPr/>
+        <p:nvPr/>
+      </p:nvGrpSpPr>
+      <p:grpSpPr>
+        <a:xfrm>
+          <a:off x="0" y="0"/>
+          <a:ext cx="0" cy="0"/>
+          <a:chOff x="0" y="0"/>
+          <a:chExt cx="0" cy="0"/>
+        </a:xfrm>
+      </p:grpSpPr>
+      <p:sp>
+        <p:nvSpPr>
+          <p:cNvPr id="4" name="テキスト ボックス 3"/>
+          <p:cNvSpPr txBox="1"/>
+          <p:nvPr/>
+        </p:nvSpPr>
+        <p:spPr>
+          <a:xfrm>
+            <a:off x="200532" y="187161"/>
+            <a:ext cx="4134465" cy="523220"/>
+          </a:xfrm>
+          <a:prstGeom prst="rect">
+            <a:avLst/>
+          </a:prstGeom>
+          <a:noFill/>
+        </p:spPr>
+        <p:txBody>
+          <a:bodyPr wrap="none" rtlCol="0">
+            <a:spAutoFit/>
+          </a:bodyPr>
+          <a:lstStyle/>
+          <a:p>
+            <a:r>
+              <a:rPr lang="ja-JP" altLang="en-US" sz="2800" dirty="0" smtClean="0">
+                <a:latin typeface="メイリオ"/>
+                <a:ea typeface="メイリオ"/>
+                <a:cs typeface="メイリオ"/>
+              </a:rPr>
+              <a:t>管理画面（登録失敗時）</a:t>
+            </a:r>
+            <a:endParaRPr kumimoji="1" lang="ja-JP" altLang="en-US" sz="2000" dirty="0">
+              <a:latin typeface="メイリオ"/>
+              <a:ea typeface="メイリオ"/>
+              <a:cs typeface="メイリオ"/>
+            </a:endParaRPr>
+          </a:p>
+        </p:txBody>
+      </p:sp>
+      <p:graphicFrame>
+        <p:nvGraphicFramePr>
+          <p:cNvPr id="46" name="表 45"/>
+          <p:cNvGraphicFramePr>
+            <a:graphicFrameLocks noGrp="1"/>
+          </p:cNvGraphicFramePr>
+          <p:nvPr>
+            <p:extLst>
+              <p:ext uri="{D42A27DB-BD31-4B8C-83A1-F6EECF244321}">
+                <p14:modId xmlns:p14="http://schemas.microsoft.com/office/powerpoint/2010/main" val="2536801937"/>
+              </p:ext>
+            </p:extLst>
+          </p:nvPr>
+        </p:nvGraphicFramePr>
+        <p:xfrm>
+          <a:off x="993905" y="2031998"/>
+          <a:ext cx="6891640" cy="4248728"/>
+        </p:xfrm>
+        <a:graphic>
+          <a:graphicData uri="http://schemas.openxmlformats.org/drawingml/2006/table">
+            <a:tbl>
+              <a:tblPr firstRow="1" bandRow="1">
+                <a:tableStyleId>{5C22544A-7EE6-4342-B048-85BDC9FD1C3A}</a:tableStyleId>
+              </a:tblPr>
+              <a:tblGrid>
+                <a:gridCol w="1722910"/>
+                <a:gridCol w="1722910"/>
+                <a:gridCol w="1722910"/>
+                <a:gridCol w="1722910"/>
+              </a:tblGrid>
+              <a:tr h="386248">
+                <a:tc>
+                  <a:txBody>
+                    <a:bodyPr/>
+                    <a:lstStyle/>
+                    <a:p>
+                      <a:r>
+                        <a:rPr kumimoji="1" lang="ja-JP" altLang="en-US" dirty="0" smtClean="0">
+                          <a:latin typeface="メイリオ"/>
+                          <a:ea typeface="メイリオ"/>
+                          <a:cs typeface="メイリオ"/>
+                        </a:rPr>
+                        <a:t>日付</a:t>
+                      </a:r>
+                      <a:endParaRPr kumimoji="1" lang="ja-JP" altLang="en-US" dirty="0">
+                        <a:latin typeface="メイリオ"/>
+                        <a:ea typeface="メイリオ"/>
+                        <a:cs typeface="メイリオ"/>
+                      </a:endParaRPr>
+                    </a:p>
+                  </a:txBody>
+                  <a:tcPr/>
+                </a:tc>
+                <a:tc>
+                  <a:txBody>
+                    <a:bodyPr/>
+                    <a:lstStyle/>
+                    <a:p>
+                      <a:r>
+                        <a:rPr kumimoji="1" lang="ja-JP" altLang="en-US" dirty="0" smtClean="0">
+                          <a:latin typeface="メイリオ"/>
+                          <a:ea typeface="メイリオ"/>
+                          <a:cs typeface="メイリオ"/>
+                        </a:rPr>
+                        <a:t>内容</a:t>
+                      </a:r>
+                      <a:endParaRPr kumimoji="1" lang="ja-JP" altLang="en-US" dirty="0">
+                        <a:latin typeface="メイリオ"/>
+                        <a:ea typeface="メイリオ"/>
+                        <a:cs typeface="メイリオ"/>
+                      </a:endParaRPr>
+                    </a:p>
+                  </a:txBody>
+                  <a:tcPr/>
+                </a:tc>
+                <a:tc>
+                  <a:txBody>
+                    <a:bodyPr/>
+                    <a:lstStyle/>
+                    <a:p>
+                      <a:r>
+                        <a:rPr kumimoji="1" lang="ja-JP" altLang="en-US" dirty="0" smtClean="0">
+                          <a:latin typeface="メイリオ"/>
+                          <a:ea typeface="メイリオ"/>
+                          <a:cs typeface="メイリオ"/>
+                        </a:rPr>
+                        <a:t>カテゴリ</a:t>
+                      </a:r>
+                      <a:endParaRPr kumimoji="1" lang="ja-JP" altLang="en-US" dirty="0">
+                        <a:latin typeface="メイリオ"/>
+                        <a:ea typeface="メイリオ"/>
+                        <a:cs typeface="メイリオ"/>
+                      </a:endParaRPr>
+                    </a:p>
+                  </a:txBody>
+                  <a:tcPr/>
+                </a:tc>
+                <a:tc>
+                  <a:txBody>
+                    <a:bodyPr/>
+                    <a:lstStyle/>
+                    <a:p>
+                      <a:r>
+                        <a:rPr kumimoji="1" lang="ja-JP" altLang="en-US" dirty="0" smtClean="0">
+                          <a:latin typeface="メイリオ"/>
+                          <a:ea typeface="メイリオ"/>
+                          <a:cs typeface="メイリオ"/>
+                        </a:rPr>
+                        <a:t>金額</a:t>
+                      </a:r>
+                      <a:endParaRPr kumimoji="1" lang="ja-JP" altLang="en-US" dirty="0">
+                        <a:latin typeface="メイリオ"/>
+                        <a:ea typeface="メイリオ"/>
+                        <a:cs typeface="メイリオ"/>
+                      </a:endParaRPr>
+                    </a:p>
+                  </a:txBody>
+                  <a:tcPr/>
+                </a:tc>
+              </a:tr>
+              <a:tr h="386248">
+                <a:tc>
+                  <a:txBody>
+                    <a:bodyPr/>
+                    <a:lstStyle/>
+                    <a:p>
+                      <a:endParaRPr kumimoji="1" lang="ja-JP" altLang="en-US"/>
+                    </a:p>
+                  </a:txBody>
+                  <a:tcPr/>
+                </a:tc>
+                <a:tc>
+                  <a:txBody>
+                    <a:bodyPr/>
+                    <a:lstStyle/>
+                    <a:p>
+                      <a:endParaRPr kumimoji="1" lang="ja-JP" altLang="en-US"/>
+                    </a:p>
+                  </a:txBody>
+                  <a:tcPr/>
+                </a:tc>
+                <a:tc>
+                  <a:txBody>
+                    <a:bodyPr/>
+                    <a:lstStyle/>
+                    <a:p>
+                      <a:endParaRPr kumimoji="1" lang="ja-JP" altLang="en-US"/>
+                    </a:p>
+                  </a:txBody>
+                  <a:tcPr/>
+                </a:tc>
+                <a:tc>
+                  <a:txBody>
+                    <a:bodyPr/>
+                    <a:lstStyle/>
+                    <a:p>
+                      <a:endParaRPr kumimoji="1" lang="ja-JP" altLang="en-US" dirty="0"/>
+                    </a:p>
+                  </a:txBody>
+                  <a:tcPr/>
+                </a:tc>
+              </a:tr>
+              <a:tr h="386248">
+                <a:tc>
+                  <a:txBody>
+                    <a:bodyPr/>
+                    <a:lstStyle/>
+                    <a:p>
+                      <a:endParaRPr kumimoji="1" lang="ja-JP" altLang="en-US" dirty="0"/>
+                    </a:p>
+                  </a:txBody>
+                  <a:tcPr/>
+                </a:tc>
+                <a:tc>
+                  <a:txBody>
+                    <a:bodyPr/>
+                    <a:lstStyle/>
+                    <a:p>
+                      <a:endParaRPr kumimoji="1" lang="ja-JP" altLang="en-US"/>
+                    </a:p>
+                  </a:txBody>
+                  <a:tcPr/>
+                </a:tc>
+                <a:tc>
+                  <a:txBody>
+                    <a:bodyPr/>
+                    <a:lstStyle/>
+                    <a:p>
+                      <a:endParaRPr kumimoji="1" lang="ja-JP" altLang="en-US"/>
+                    </a:p>
+                  </a:txBody>
+                  <a:tcPr/>
+                </a:tc>
+                <a:tc>
+                  <a:txBody>
+                    <a:bodyPr/>
+                    <a:lstStyle/>
+                    <a:p>
+                      <a:endParaRPr kumimoji="1" lang="ja-JP" altLang="en-US" dirty="0"/>
+                    </a:p>
+                  </a:txBody>
+                  <a:tcPr/>
+                </a:tc>
+              </a:tr>
+              <a:tr h="386248">
+                <a:tc>
+                  <a:txBody>
+                    <a:bodyPr/>
+                    <a:lstStyle/>
+                    <a:p>
+                      <a:endParaRPr kumimoji="1" lang="ja-JP" altLang="en-US" dirty="0"/>
+                    </a:p>
+                  </a:txBody>
+                  <a:tcPr/>
+                </a:tc>
+                <a:tc>
+                  <a:txBody>
+                    <a:bodyPr/>
+                    <a:lstStyle/>
+                    <a:p>
+                      <a:endParaRPr kumimoji="1" lang="ja-JP" altLang="en-US"/>
+                    </a:p>
+                  </a:txBody>
+                  <a:tcPr/>
+                </a:tc>
+                <a:tc>
+                  <a:txBody>
+                    <a:bodyPr/>
+                    <a:lstStyle/>
+                    <a:p>
+                      <a:endParaRPr kumimoji="1" lang="ja-JP" altLang="en-US"/>
+                    </a:p>
+                  </a:txBody>
+                  <a:tcPr/>
+                </a:tc>
+                <a:tc>
+                  <a:txBody>
+                    <a:bodyPr/>
+                    <a:lstStyle/>
+                    <a:p>
+                      <a:endParaRPr kumimoji="1" lang="ja-JP" altLang="en-US" dirty="0"/>
+                    </a:p>
+                  </a:txBody>
+                  <a:tcPr/>
+                </a:tc>
+              </a:tr>
+              <a:tr h="386248">
+                <a:tc>
+                  <a:txBody>
+                    <a:bodyPr/>
+                    <a:lstStyle/>
+                    <a:p>
+                      <a:endParaRPr kumimoji="1" lang="ja-JP" altLang="en-US" dirty="0"/>
+                    </a:p>
+                  </a:txBody>
+                  <a:tcPr/>
+                </a:tc>
+                <a:tc>
+                  <a:txBody>
+                    <a:bodyPr/>
+                    <a:lstStyle/>
+                    <a:p>
+                      <a:endParaRPr kumimoji="1" lang="ja-JP" altLang="en-US" dirty="0"/>
+                    </a:p>
+                  </a:txBody>
+                  <a:tcPr/>
+                </a:tc>
+                <a:tc>
+                  <a:txBody>
+                    <a:bodyPr/>
+                    <a:lstStyle/>
+                    <a:p>
+                      <a:endParaRPr kumimoji="1" lang="ja-JP" altLang="en-US"/>
+                    </a:p>
+                  </a:txBody>
+                  <a:tcPr/>
+                </a:tc>
+                <a:tc>
+                  <a:txBody>
+                    <a:bodyPr/>
+                    <a:lstStyle/>
+                    <a:p>
+                      <a:endParaRPr kumimoji="1" lang="ja-JP" altLang="en-US" dirty="0"/>
+                    </a:p>
+                  </a:txBody>
+                  <a:tcPr/>
+                </a:tc>
+              </a:tr>
+              <a:tr h="386248">
+                <a:tc>
+                  <a:txBody>
+                    <a:bodyPr/>
+                    <a:lstStyle/>
+                    <a:p>
+                      <a:endParaRPr kumimoji="1" lang="ja-JP" altLang="en-US" dirty="0"/>
+                    </a:p>
+                  </a:txBody>
+                  <a:tcPr/>
+                </a:tc>
+                <a:tc>
+                  <a:txBody>
+                    <a:bodyPr/>
+                    <a:lstStyle/>
+                    <a:p>
+                      <a:endParaRPr kumimoji="1" lang="ja-JP" altLang="en-US" dirty="0"/>
+                    </a:p>
+                  </a:txBody>
+                  <a:tcPr/>
+                </a:tc>
+                <a:tc>
+                  <a:txBody>
+                    <a:bodyPr/>
+                    <a:lstStyle/>
+                    <a:p>
+                      <a:endParaRPr kumimoji="1" lang="ja-JP" altLang="en-US"/>
+                    </a:p>
+                  </a:txBody>
+                  <a:tcPr/>
+                </a:tc>
+                <a:tc>
+                  <a:txBody>
+                    <a:bodyPr/>
+                    <a:lstStyle/>
+                    <a:p>
+                      <a:endParaRPr kumimoji="1" lang="ja-JP" altLang="en-US" dirty="0"/>
+                    </a:p>
+                  </a:txBody>
+                  <a:tcPr/>
+                </a:tc>
+              </a:tr>
+              <a:tr h="386248">
+                <a:tc>
+                  <a:txBody>
+                    <a:bodyPr/>
+                    <a:lstStyle/>
+                    <a:p>
+                      <a:endParaRPr kumimoji="1" lang="ja-JP" altLang="en-US" dirty="0"/>
+                    </a:p>
+                  </a:txBody>
+                  <a:tcPr/>
+                </a:tc>
+                <a:tc>
+                  <a:txBody>
+                    <a:bodyPr/>
+                    <a:lstStyle/>
+                    <a:p>
+                      <a:endParaRPr kumimoji="1" lang="ja-JP" altLang="en-US" dirty="0"/>
+                    </a:p>
+                  </a:txBody>
+                  <a:tcPr/>
+                </a:tc>
+                <a:tc>
+                  <a:txBody>
+                    <a:bodyPr/>
+                    <a:lstStyle/>
+                    <a:p>
+                      <a:endParaRPr kumimoji="1" lang="ja-JP" altLang="en-US"/>
+                    </a:p>
+                  </a:txBody>
+                  <a:tcPr/>
+                </a:tc>
+                <a:tc>
+                  <a:txBody>
+                    <a:bodyPr/>
+                    <a:lstStyle/>
+                    <a:p>
+                      <a:endParaRPr kumimoji="1" lang="ja-JP" altLang="en-US" dirty="0"/>
+                    </a:p>
+                  </a:txBody>
+                  <a:tcPr/>
+                </a:tc>
+              </a:tr>
+              <a:tr h="386248">
+                <a:tc>
+                  <a:txBody>
+                    <a:bodyPr/>
+                    <a:lstStyle/>
+                    <a:p>
+                      <a:endParaRPr kumimoji="1" lang="ja-JP" altLang="en-US" dirty="0"/>
+                    </a:p>
+                  </a:txBody>
+                  <a:tcPr/>
+                </a:tc>
+                <a:tc>
+                  <a:txBody>
+                    <a:bodyPr/>
+                    <a:lstStyle/>
+                    <a:p>
+                      <a:endParaRPr kumimoji="1" lang="ja-JP" altLang="en-US"/>
+                    </a:p>
+                  </a:txBody>
+                  <a:tcPr/>
+                </a:tc>
+                <a:tc>
+                  <a:txBody>
+                    <a:bodyPr/>
+                    <a:lstStyle/>
+                    <a:p>
+                      <a:endParaRPr kumimoji="1" lang="ja-JP" altLang="en-US"/>
+                    </a:p>
+                  </a:txBody>
+                  <a:tcPr/>
+                </a:tc>
+                <a:tc>
+                  <a:txBody>
+                    <a:bodyPr/>
+                    <a:lstStyle/>
+                    <a:p>
+                      <a:endParaRPr kumimoji="1" lang="ja-JP" altLang="en-US" dirty="0"/>
+                    </a:p>
+                  </a:txBody>
+                  <a:tcPr/>
+                </a:tc>
+              </a:tr>
+              <a:tr h="386248">
+                <a:tc>
+                  <a:txBody>
+                    <a:bodyPr/>
+                    <a:lstStyle/>
+                    <a:p>
+                      <a:endParaRPr kumimoji="1" lang="ja-JP" altLang="en-US"/>
+                    </a:p>
+                  </a:txBody>
+                  <a:tcPr/>
+                </a:tc>
+                <a:tc>
+                  <a:txBody>
+                    <a:bodyPr/>
+                    <a:lstStyle/>
+                    <a:p>
+                      <a:endParaRPr kumimoji="1" lang="ja-JP" altLang="en-US"/>
+                    </a:p>
+                  </a:txBody>
+                  <a:tcPr/>
+                </a:tc>
+                <a:tc>
+                  <a:txBody>
+                    <a:bodyPr/>
+                    <a:lstStyle/>
+                    <a:p>
+                      <a:endParaRPr kumimoji="1" lang="ja-JP" altLang="en-US"/>
+                    </a:p>
+                  </a:txBody>
+                  <a:tcPr/>
+                </a:tc>
+                <a:tc>
+                  <a:txBody>
+                    <a:bodyPr/>
+                    <a:lstStyle/>
+                    <a:p>
+                      <a:endParaRPr kumimoji="1" lang="ja-JP" altLang="en-US" dirty="0"/>
+                    </a:p>
+                  </a:txBody>
+                  <a:tcPr/>
+                </a:tc>
+              </a:tr>
+              <a:tr h="386248">
+                <a:tc>
+                  <a:txBody>
+                    <a:bodyPr/>
+                    <a:lstStyle/>
+                    <a:p>
+                      <a:endParaRPr kumimoji="1" lang="ja-JP" altLang="en-US"/>
+                    </a:p>
+                  </a:txBody>
+                  <a:tcPr/>
+                </a:tc>
+                <a:tc>
+                  <a:txBody>
+                    <a:bodyPr/>
+                    <a:lstStyle/>
+                    <a:p>
+                      <a:endParaRPr kumimoji="1" lang="ja-JP" altLang="en-US"/>
+                    </a:p>
+                  </a:txBody>
+                  <a:tcPr/>
+                </a:tc>
+                <a:tc>
+                  <a:txBody>
+                    <a:bodyPr/>
+                    <a:lstStyle/>
+                    <a:p>
+                      <a:endParaRPr kumimoji="1" lang="ja-JP" altLang="en-US"/>
+                    </a:p>
+                  </a:txBody>
+                  <a:tcPr/>
+                </a:tc>
+                <a:tc>
+                  <a:txBody>
+                    <a:bodyPr/>
+                    <a:lstStyle/>
+                    <a:p>
+                      <a:endParaRPr kumimoji="1" lang="ja-JP" altLang="en-US"/>
+                    </a:p>
+                  </a:txBody>
+                  <a:tcPr/>
+                </a:tc>
+              </a:tr>
+              <a:tr h="386248">
+                <a:tc>
+                  <a:txBody>
+                    <a:bodyPr/>
+                    <a:lstStyle/>
+                    <a:p>
+                      <a:endParaRPr kumimoji="1" lang="ja-JP" altLang="en-US"/>
+                    </a:p>
+                  </a:txBody>
+                  <a:tcPr/>
+                </a:tc>
+                <a:tc>
+                  <a:txBody>
+                    <a:bodyPr/>
+                    <a:lstStyle/>
+                    <a:p>
+                      <a:endParaRPr kumimoji="1" lang="ja-JP" altLang="en-US" dirty="0"/>
+                    </a:p>
+                  </a:txBody>
+                  <a:tcPr/>
+                </a:tc>
+                <a:tc>
+                  <a:txBody>
+                    <a:bodyPr/>
+                    <a:lstStyle/>
+                    <a:p>
+                      <a:endParaRPr kumimoji="1" lang="ja-JP" altLang="en-US" dirty="0"/>
+                    </a:p>
+                  </a:txBody>
+                  <a:tcPr/>
+                </a:tc>
+                <a:tc>
+                  <a:txBody>
+                    <a:bodyPr/>
+                    <a:lstStyle/>
+                    <a:p>
+                      <a:endParaRPr kumimoji="1" lang="ja-JP" altLang="en-US" dirty="0"/>
+                    </a:p>
+                  </a:txBody>
+                  <a:tcPr/>
+                </a:tc>
+              </a:tr>
+            </a:tbl>
+          </a:graphicData>
+        </a:graphic>
+      </p:graphicFrame>
+      <p:sp>
+        <p:nvSpPr>
+          <p:cNvPr id="47" name="正方形/長方形 46"/>
+          <p:cNvSpPr/>
+          <p:nvPr/>
+        </p:nvSpPr>
+        <p:spPr>
+          <a:xfrm>
+            <a:off x="783269" y="935182"/>
+            <a:ext cx="7575640" cy="5541817"/>
+          </a:xfrm>
+          <a:prstGeom prst="rect">
+            <a:avLst/>
+          </a:prstGeom>
+          <a:noFill/>
+          <a:ln w="25400">
+            <a:solidFill>
+              <a:schemeClr val="tx1"/>
+            </a:solidFill>
+          </a:ln>
+          <a:effectLst/>
+        </p:spPr>
+        <p:style>
+          <a:lnRef idx="1">
+            <a:schemeClr val="accent1"/>
+          </a:lnRef>
+          <a:fillRef idx="3">
+            <a:schemeClr val="accent1"/>
+          </a:fillRef>
+          <a:effectRef idx="2">
+            <a:schemeClr val="accent1"/>
+          </a:effectRef>
+          <a:fontRef idx="minor">
+            <a:schemeClr val="lt1"/>
+          </a:fontRef>
+        </p:style>
+        <p:txBody>
+          <a:bodyPr rtlCol="0" anchor="ctr"/>
+          <a:lstStyle/>
+          <a:p>
+            <a:pPr algn="ctr"/>
+            <a:endParaRPr kumimoji="1" lang="ja-JP" altLang="en-US" sz="2800" dirty="0">
+              <a:solidFill>
+                <a:schemeClr val="tx1"/>
+              </a:solidFill>
+              <a:latin typeface="メイリオ"/>
+              <a:ea typeface="メイリオ"/>
+              <a:cs typeface="メイリオ"/>
+            </a:endParaRPr>
+          </a:p>
+        </p:txBody>
+      </p:sp>
+      <p:sp>
+        <p:nvSpPr>
+          <p:cNvPr id="48" name="角丸四角形 47"/>
+          <p:cNvSpPr/>
+          <p:nvPr/>
+        </p:nvSpPr>
+        <p:spPr>
+          <a:xfrm>
+            <a:off x="1469168" y="1187601"/>
+            <a:ext cx="562830" cy="165946"/>
+          </a:xfrm>
+          <a:prstGeom prst="roundRect">
+            <a:avLst/>
+          </a:prstGeom>
+          <a:noFill/>
+          <a:ln w="25400">
+            <a:solidFill>
+              <a:schemeClr val="tx1"/>
+            </a:solidFill>
+          </a:ln>
+          <a:effectLst/>
+        </p:spPr>
+        <p:style>
+          <a:lnRef idx="1">
+            <a:schemeClr val="accent1"/>
+          </a:lnRef>
+          <a:fillRef idx="3">
+            <a:schemeClr val="accent1"/>
+          </a:fillRef>
+          <a:effectRef idx="2">
+            <a:schemeClr val="accent1"/>
+          </a:effectRef>
+          <a:fontRef idx="minor">
+            <a:schemeClr val="lt1"/>
+          </a:fontRef>
+        </p:style>
+        <p:txBody>
+          <a:bodyPr rtlCol="0" anchor="ctr"/>
+          <a:lstStyle/>
+          <a:p>
+            <a:pPr algn="ctr"/>
+            <a:endParaRPr kumimoji="1" lang="ja-JP" altLang="en-US"/>
+          </a:p>
+        </p:txBody>
+      </p:sp>
+      <p:sp>
+        <p:nvSpPr>
+          <p:cNvPr id="49" name="テキスト ボックス 48"/>
+          <p:cNvSpPr txBox="1"/>
+          <p:nvPr/>
+        </p:nvSpPr>
+        <p:spPr>
+          <a:xfrm>
+            <a:off x="890993" y="1114621"/>
+            <a:ext cx="646331" cy="276999"/>
+          </a:xfrm>
+          <a:prstGeom prst="rect">
+            <a:avLst/>
+          </a:prstGeom>
+          <a:noFill/>
+        </p:spPr>
+        <p:txBody>
+          <a:bodyPr wrap="none" rtlCol="0">
+            <a:spAutoFit/>
+          </a:bodyPr>
+          <a:lstStyle/>
+          <a:p>
+            <a:r>
+              <a:rPr kumimoji="1" lang="ja-JP" altLang="en-US" sz="1200" dirty="0" smtClean="0">
+                <a:latin typeface="メイリオ"/>
+                <a:ea typeface="メイリオ"/>
+                <a:cs typeface="メイリオ"/>
+              </a:rPr>
+              <a:t>日付：</a:t>
+            </a:r>
+            <a:endParaRPr kumimoji="1" lang="ja-JP" altLang="en-US" sz="1200" dirty="0">
+              <a:latin typeface="メイリオ"/>
+              <a:ea typeface="メイリオ"/>
+              <a:cs typeface="メイリオ"/>
+            </a:endParaRPr>
+          </a:p>
+        </p:txBody>
+      </p:sp>
+      <p:sp>
+        <p:nvSpPr>
+          <p:cNvPr id="50" name="角丸四角形 49"/>
+          <p:cNvSpPr/>
+          <p:nvPr/>
+        </p:nvSpPr>
+        <p:spPr>
+          <a:xfrm>
+            <a:off x="2646774" y="1187601"/>
+            <a:ext cx="797002" cy="165946"/>
+          </a:xfrm>
+          <a:prstGeom prst="roundRect">
+            <a:avLst/>
+          </a:prstGeom>
+          <a:noFill/>
+          <a:ln w="25400">
+            <a:solidFill>
+              <a:schemeClr val="tx1"/>
+            </a:solidFill>
+          </a:ln>
+          <a:effectLst/>
+        </p:spPr>
+        <p:style>
+          <a:lnRef idx="1">
+            <a:schemeClr val="accent1"/>
+          </a:lnRef>
+          <a:fillRef idx="3">
+            <a:schemeClr val="accent1"/>
+          </a:fillRef>
+          <a:effectRef idx="2">
+            <a:schemeClr val="accent1"/>
+          </a:effectRef>
+          <a:fontRef idx="minor">
+            <a:schemeClr val="lt1"/>
+          </a:fontRef>
+        </p:style>
+        <p:txBody>
+          <a:bodyPr rtlCol="0" anchor="ctr"/>
+          <a:lstStyle/>
+          <a:p>
+            <a:pPr algn="ctr"/>
+            <a:endParaRPr kumimoji="1" lang="ja-JP" altLang="en-US"/>
+          </a:p>
+        </p:txBody>
+      </p:sp>
+      <p:sp>
+        <p:nvSpPr>
+          <p:cNvPr id="51" name="テキスト ボックス 50"/>
+          <p:cNvSpPr txBox="1"/>
+          <p:nvPr/>
+        </p:nvSpPr>
+        <p:spPr>
+          <a:xfrm>
+            <a:off x="2046815" y="1111063"/>
+            <a:ext cx="646331" cy="276999"/>
+          </a:xfrm>
+          <a:prstGeom prst="rect">
+            <a:avLst/>
+          </a:prstGeom>
+          <a:noFill/>
+        </p:spPr>
+        <p:txBody>
+          <a:bodyPr wrap="none" rtlCol="0">
+            <a:spAutoFit/>
+          </a:bodyPr>
+          <a:lstStyle/>
+          <a:p>
+            <a:r>
+              <a:rPr lang="ja-JP" altLang="en-US" sz="1200" dirty="0" smtClean="0">
+                <a:latin typeface="メイリオ"/>
+                <a:ea typeface="メイリオ"/>
+                <a:cs typeface="メイリオ"/>
+              </a:rPr>
+              <a:t>内容</a:t>
+            </a:r>
+            <a:r>
+              <a:rPr kumimoji="1" lang="ja-JP" altLang="en-US" sz="1200" dirty="0" smtClean="0">
+                <a:latin typeface="メイリオ"/>
+                <a:ea typeface="メイリオ"/>
+                <a:cs typeface="メイリオ"/>
+              </a:rPr>
+              <a:t>：</a:t>
+            </a:r>
+            <a:endParaRPr kumimoji="1" lang="ja-JP" altLang="en-US" sz="1200" dirty="0">
+              <a:latin typeface="メイリオ"/>
+              <a:ea typeface="メイリオ"/>
+              <a:cs typeface="メイリオ"/>
+            </a:endParaRPr>
+          </a:p>
+        </p:txBody>
+      </p:sp>
+      <p:sp>
+        <p:nvSpPr>
+          <p:cNvPr id="52" name="角丸四角形 51"/>
+          <p:cNvSpPr/>
+          <p:nvPr/>
+        </p:nvSpPr>
+        <p:spPr>
+          <a:xfrm>
+            <a:off x="4346659" y="1187601"/>
+            <a:ext cx="560480" cy="165946"/>
+          </a:xfrm>
+          <a:prstGeom prst="roundRect">
+            <a:avLst/>
+          </a:prstGeom>
+          <a:noFill/>
+          <a:ln w="25400">
+            <a:solidFill>
+              <a:schemeClr val="tx1"/>
+            </a:solidFill>
+          </a:ln>
+          <a:effectLst/>
+        </p:spPr>
+        <p:style>
+          <a:lnRef idx="1">
+            <a:schemeClr val="accent1"/>
+          </a:lnRef>
+          <a:fillRef idx="3">
+            <a:schemeClr val="accent1"/>
+          </a:fillRef>
+          <a:effectRef idx="2">
+            <a:schemeClr val="accent1"/>
+          </a:effectRef>
+          <a:fontRef idx="minor">
+            <a:schemeClr val="lt1"/>
+          </a:fontRef>
+        </p:style>
+        <p:txBody>
+          <a:bodyPr rtlCol="0" anchor="ctr"/>
+          <a:lstStyle/>
+          <a:p>
+            <a:pPr algn="ctr"/>
+            <a:endParaRPr kumimoji="1" lang="ja-JP" altLang="en-US"/>
+          </a:p>
+        </p:txBody>
+      </p:sp>
+      <p:sp>
+        <p:nvSpPr>
+          <p:cNvPr id="53" name="テキスト ボックス 52"/>
+          <p:cNvSpPr txBox="1"/>
+          <p:nvPr/>
+        </p:nvSpPr>
+        <p:spPr>
+          <a:xfrm>
+            <a:off x="3461822" y="1118689"/>
+            <a:ext cx="954107" cy="276999"/>
+          </a:xfrm>
+          <a:prstGeom prst="rect">
+            <a:avLst/>
+          </a:prstGeom>
+          <a:noFill/>
+        </p:spPr>
+        <p:txBody>
+          <a:bodyPr wrap="none" rtlCol="0">
+            <a:spAutoFit/>
+          </a:bodyPr>
+          <a:lstStyle/>
+          <a:p>
+            <a:r>
+              <a:rPr lang="ja-JP" altLang="en-US" sz="1200" dirty="0" smtClean="0">
+                <a:latin typeface="メイリオ"/>
+                <a:ea typeface="メイリオ"/>
+                <a:cs typeface="メイリオ"/>
+              </a:rPr>
+              <a:t>カテゴリ</a:t>
+            </a:r>
+            <a:r>
+              <a:rPr kumimoji="1" lang="ja-JP" altLang="en-US" sz="1200" dirty="0" smtClean="0">
+                <a:latin typeface="メイリオ"/>
+                <a:ea typeface="メイリオ"/>
+                <a:cs typeface="メイリオ"/>
+              </a:rPr>
+              <a:t>：</a:t>
+            </a:r>
+            <a:endParaRPr kumimoji="1" lang="ja-JP" altLang="en-US" sz="1200" dirty="0">
+              <a:latin typeface="メイリオ"/>
+              <a:ea typeface="メイリオ"/>
+              <a:cs typeface="メイリオ"/>
+            </a:endParaRPr>
+          </a:p>
+        </p:txBody>
+      </p:sp>
+      <p:sp>
+        <p:nvSpPr>
+          <p:cNvPr id="54" name="角丸四角形 53"/>
+          <p:cNvSpPr/>
+          <p:nvPr/>
+        </p:nvSpPr>
+        <p:spPr>
+          <a:xfrm>
+            <a:off x="5799922" y="1187601"/>
+            <a:ext cx="561630" cy="165946"/>
+          </a:xfrm>
+          <a:prstGeom prst="roundRect">
+            <a:avLst/>
+          </a:prstGeom>
+          <a:noFill/>
+          <a:ln w="25400">
+            <a:solidFill>
+              <a:schemeClr val="tx1"/>
+            </a:solidFill>
+          </a:ln>
+          <a:effectLst/>
+        </p:spPr>
+        <p:style>
+          <a:lnRef idx="1">
+            <a:schemeClr val="accent1"/>
+          </a:lnRef>
+          <a:fillRef idx="3">
+            <a:schemeClr val="accent1"/>
+          </a:fillRef>
+          <a:effectRef idx="2">
+            <a:schemeClr val="accent1"/>
+          </a:effectRef>
+          <a:fontRef idx="minor">
+            <a:schemeClr val="lt1"/>
+          </a:fontRef>
+        </p:style>
+        <p:txBody>
+          <a:bodyPr rtlCol="0" anchor="ctr"/>
+          <a:lstStyle/>
+          <a:p>
+            <a:pPr algn="ctr"/>
+            <a:endParaRPr kumimoji="1" lang="ja-JP" altLang="en-US"/>
+          </a:p>
+        </p:txBody>
+      </p:sp>
+      <p:sp>
+        <p:nvSpPr>
+          <p:cNvPr id="56" name="テキスト ボックス 55"/>
+          <p:cNvSpPr txBox="1"/>
+          <p:nvPr/>
+        </p:nvSpPr>
+        <p:spPr>
+          <a:xfrm>
+            <a:off x="5234406" y="1128924"/>
+            <a:ext cx="646331" cy="276999"/>
+          </a:xfrm>
+          <a:prstGeom prst="rect">
+            <a:avLst/>
+          </a:prstGeom>
+          <a:noFill/>
+        </p:spPr>
+        <p:txBody>
+          <a:bodyPr wrap="none" rtlCol="0">
+            <a:spAutoFit/>
+          </a:bodyPr>
+          <a:lstStyle/>
+          <a:p>
+            <a:r>
+              <a:rPr lang="ja-JP" altLang="en-US" sz="1200" dirty="0" smtClean="0">
+                <a:latin typeface="メイリオ"/>
+                <a:ea typeface="メイリオ"/>
+                <a:cs typeface="メイリオ"/>
+              </a:rPr>
+              <a:t>金額</a:t>
+            </a:r>
+            <a:r>
+              <a:rPr kumimoji="1" lang="ja-JP" altLang="en-US" sz="1200" dirty="0" smtClean="0">
+                <a:latin typeface="メイリオ"/>
+                <a:ea typeface="メイリオ"/>
+                <a:cs typeface="メイリオ"/>
+              </a:rPr>
+              <a:t>：</a:t>
+            </a:r>
+            <a:endParaRPr kumimoji="1" lang="ja-JP" altLang="en-US" sz="1200" dirty="0">
+              <a:latin typeface="メイリオ"/>
+              <a:ea typeface="メイリオ"/>
+              <a:cs typeface="メイリオ"/>
+            </a:endParaRPr>
+          </a:p>
+        </p:txBody>
+      </p:sp>
+      <p:sp>
+        <p:nvSpPr>
+          <p:cNvPr id="57" name="角丸四角形 56"/>
+          <p:cNvSpPr/>
+          <p:nvPr/>
+        </p:nvSpPr>
+        <p:spPr>
+          <a:xfrm>
+            <a:off x="6515245" y="1118689"/>
+            <a:ext cx="550589" cy="299213"/>
+          </a:xfrm>
+          <a:prstGeom prst="roundRect">
+            <a:avLst/>
+          </a:prstGeom>
+          <a:noFill/>
+          <a:ln w="25400">
+            <a:solidFill>
+              <a:schemeClr val="tx1"/>
+            </a:solidFill>
+          </a:ln>
+          <a:effectLst/>
+        </p:spPr>
+        <p:style>
+          <a:lnRef idx="1">
+            <a:schemeClr val="accent1"/>
+          </a:lnRef>
+          <a:fillRef idx="3">
+            <a:schemeClr val="accent1"/>
+          </a:fillRef>
+          <a:effectRef idx="2">
+            <a:schemeClr val="accent1"/>
+          </a:effectRef>
+          <a:fontRef idx="minor">
+            <a:schemeClr val="lt1"/>
+          </a:fontRef>
+        </p:style>
+        <p:txBody>
+          <a:bodyPr rtlCol="0" anchor="ctr"/>
+          <a:lstStyle/>
+          <a:p>
+            <a:pPr algn="ctr"/>
+            <a:r>
+              <a:rPr kumimoji="1" lang="ja-JP" altLang="en-US" sz="1200" dirty="0" smtClean="0">
+                <a:solidFill>
+                  <a:schemeClr val="tx1"/>
+                </a:solidFill>
+                <a:latin typeface="メイリオ"/>
+                <a:ea typeface="メイリオ"/>
+                <a:cs typeface="メイリオ"/>
+              </a:rPr>
+              <a:t>登録</a:t>
+            </a:r>
+            <a:endParaRPr kumimoji="1" lang="ja-JP" altLang="en-US" sz="1200" dirty="0">
+              <a:solidFill>
+                <a:schemeClr val="tx1"/>
+              </a:solidFill>
+              <a:latin typeface="メイリオ"/>
+              <a:ea typeface="メイリオ"/>
+              <a:cs typeface="メイリオ"/>
+            </a:endParaRPr>
+          </a:p>
+        </p:txBody>
+      </p:sp>
+      <p:cxnSp>
+        <p:nvCxnSpPr>
+          <p:cNvPr id="58" name="直線コネクタ 57"/>
+          <p:cNvCxnSpPr/>
+          <p:nvPr/>
+        </p:nvCxnSpPr>
+        <p:spPr>
+          <a:xfrm>
+            <a:off x="923931" y="1547091"/>
+            <a:ext cx="7250251" cy="0"/>
+          </a:xfrm>
+          <a:prstGeom prst="line">
+            <a:avLst/>
+          </a:prstGeom>
+          <a:ln>
+            <a:solidFill>
+              <a:schemeClr val="bg1">
+                <a:lumMod val="65000"/>
+              </a:schemeClr>
+            </a:solidFill>
+          </a:ln>
+          <a:effectLst/>
+        </p:spPr>
+        <p:style>
+          <a:lnRef idx="2">
+            <a:schemeClr val="accent1"/>
+          </a:lnRef>
+          <a:fillRef idx="0">
+            <a:schemeClr val="accent1"/>
+          </a:fillRef>
+          <a:effectRef idx="1">
+            <a:schemeClr val="accent1"/>
+          </a:effectRef>
+          <a:fontRef idx="minor">
+            <a:schemeClr val="tx1"/>
+          </a:fontRef>
+        </p:style>
+      </p:cxnSp>
+      <p:sp>
+        <p:nvSpPr>
+          <p:cNvPr id="59" name="テキスト ボックス 58"/>
+          <p:cNvSpPr txBox="1"/>
+          <p:nvPr/>
+        </p:nvSpPr>
+        <p:spPr>
+          <a:xfrm>
+            <a:off x="4124211" y="1630084"/>
+            <a:ext cx="296175" cy="307777"/>
+          </a:xfrm>
+          <a:prstGeom prst="rect">
+            <a:avLst/>
+          </a:prstGeom>
+          <a:noFill/>
+        </p:spPr>
+        <p:txBody>
+          <a:bodyPr wrap="none" rtlCol="0">
+            <a:spAutoFit/>
+          </a:bodyPr>
+          <a:lstStyle/>
+          <a:p>
+            <a:r>
+              <a:rPr lang="en-US" altLang="ja-JP" sz="1400" dirty="0">
+                <a:latin typeface="メイリオ"/>
+                <a:ea typeface="メイリオ"/>
+                <a:cs typeface="メイリオ"/>
+              </a:rPr>
+              <a:t>1</a:t>
+            </a:r>
+            <a:endParaRPr kumimoji="1" lang="ja-JP" altLang="en-US" sz="1400" dirty="0">
+              <a:latin typeface="メイリオ"/>
+              <a:ea typeface="メイリオ"/>
+              <a:cs typeface="メイリオ"/>
+            </a:endParaRPr>
+          </a:p>
+        </p:txBody>
+      </p:sp>
+      <p:sp>
+        <p:nvSpPr>
+          <p:cNvPr id="60" name="テキスト ボックス 59"/>
+          <p:cNvSpPr txBox="1"/>
+          <p:nvPr/>
+        </p:nvSpPr>
+        <p:spPr>
+          <a:xfrm>
+            <a:off x="4356158" y="1632399"/>
+            <a:ext cx="296175" cy="307777"/>
+          </a:xfrm>
+          <a:prstGeom prst="rect">
+            <a:avLst/>
+          </a:prstGeom>
+          <a:noFill/>
+        </p:spPr>
+        <p:txBody>
+          <a:bodyPr wrap="none" rtlCol="0">
+            <a:spAutoFit/>
+          </a:bodyPr>
+          <a:lstStyle/>
+          <a:p>
+            <a:r>
+              <a:rPr lang="en-US" altLang="ja-JP" sz="1400" dirty="0" smtClean="0">
+                <a:latin typeface="メイリオ"/>
+                <a:ea typeface="メイリオ"/>
+                <a:cs typeface="メイリオ"/>
+              </a:rPr>
+              <a:t>2</a:t>
+            </a:r>
+            <a:endParaRPr kumimoji="1" lang="ja-JP" altLang="en-US" sz="1400" dirty="0">
+              <a:latin typeface="メイリオ"/>
+              <a:ea typeface="メイリオ"/>
+              <a:cs typeface="メイリオ"/>
+            </a:endParaRPr>
+          </a:p>
+        </p:txBody>
+      </p:sp>
+      <p:sp>
+        <p:nvSpPr>
+          <p:cNvPr id="61" name="テキスト ボックス 60"/>
+          <p:cNvSpPr txBox="1"/>
+          <p:nvPr/>
+        </p:nvSpPr>
+        <p:spPr>
+          <a:xfrm>
+            <a:off x="4597125" y="1632399"/>
+            <a:ext cx="494734" cy="307777"/>
+          </a:xfrm>
+          <a:prstGeom prst="rect">
+            <a:avLst/>
+          </a:prstGeom>
+          <a:noFill/>
+        </p:spPr>
+        <p:txBody>
+          <a:bodyPr wrap="none" rtlCol="0">
+            <a:spAutoFit/>
+          </a:bodyPr>
+          <a:lstStyle/>
+          <a:p>
+            <a:r>
+              <a:rPr lang="en-US" altLang="ja-JP" sz="1400" dirty="0" smtClean="0">
+                <a:latin typeface="メイリオ"/>
+                <a:ea typeface="メイリオ"/>
+                <a:cs typeface="メイリオ"/>
+              </a:rPr>
+              <a:t>. . .</a:t>
+            </a:r>
+            <a:endParaRPr kumimoji="1" lang="ja-JP" altLang="en-US" sz="1400" dirty="0">
+              <a:latin typeface="メイリオ"/>
+              <a:ea typeface="メイリオ"/>
+              <a:cs typeface="メイリオ"/>
+            </a:endParaRPr>
+          </a:p>
+        </p:txBody>
+      </p:sp>
+      <p:sp>
+        <p:nvSpPr>
+          <p:cNvPr id="62" name="二等辺三角形 61"/>
+          <p:cNvSpPr/>
+          <p:nvPr/>
+        </p:nvSpPr>
+        <p:spPr>
+          <a:xfrm rot="5400000">
+            <a:off x="5439130" y="1683849"/>
+            <a:ext cx="179370" cy="181212"/>
+          </a:xfrm>
+          <a:prstGeom prst="triangle">
+            <a:avLst/>
+          </a:prstGeom>
+          <a:solidFill>
+            <a:srgbClr val="F75D31"/>
+          </a:solidFill>
+          <a:ln>
+            <a:noFill/>
+          </a:ln>
+          <a:effectLst/>
+        </p:spPr>
+        <p:style>
+          <a:lnRef idx="1">
+            <a:schemeClr val="accent1"/>
+          </a:lnRef>
+          <a:fillRef idx="3">
+            <a:schemeClr val="accent1"/>
+          </a:fillRef>
+          <a:effectRef idx="2">
+            <a:schemeClr val="accent1"/>
+          </a:effectRef>
+          <a:fontRef idx="minor">
+            <a:schemeClr val="lt1"/>
+          </a:fontRef>
+        </p:style>
+        <p:txBody>
+          <a:bodyPr rtlCol="0" anchor="ctr"/>
+          <a:lstStyle/>
+          <a:p>
+            <a:pPr algn="ctr"/>
+            <a:endParaRPr kumimoji="1" lang="ja-JP" altLang="en-US"/>
+          </a:p>
+        </p:txBody>
+      </p:sp>
+      <p:sp>
+        <p:nvSpPr>
+          <p:cNvPr id="63" name="二等辺三角形 62"/>
+          <p:cNvSpPr/>
+          <p:nvPr/>
+        </p:nvSpPr>
+        <p:spPr>
+          <a:xfrm rot="16200000">
+            <a:off x="3923520" y="1684770"/>
+            <a:ext cx="180000" cy="180000"/>
+          </a:xfrm>
+          <a:prstGeom prst="triangle">
+            <a:avLst/>
+          </a:prstGeom>
+          <a:solidFill>
+            <a:srgbClr val="F75D31"/>
+          </a:solidFill>
+          <a:ln>
+            <a:noFill/>
+          </a:ln>
+          <a:effectLst/>
+        </p:spPr>
+        <p:style>
+          <a:lnRef idx="1">
+            <a:schemeClr val="accent1"/>
+          </a:lnRef>
+          <a:fillRef idx="3">
+            <a:schemeClr val="accent1"/>
+          </a:fillRef>
+          <a:effectRef idx="2">
+            <a:schemeClr val="accent1"/>
+          </a:effectRef>
+          <a:fontRef idx="minor">
+            <a:schemeClr val="lt1"/>
+          </a:fontRef>
+        </p:style>
+        <p:txBody>
+          <a:bodyPr rtlCol="0" anchor="ctr"/>
+          <a:lstStyle/>
+          <a:p>
+            <a:pPr algn="ctr"/>
+            <a:endParaRPr kumimoji="1" lang="ja-JP" altLang="en-US"/>
+          </a:p>
+        </p:txBody>
+      </p:sp>
+      <p:sp>
+        <p:nvSpPr>
+          <p:cNvPr id="80" name="テキスト ボックス 79"/>
+          <p:cNvSpPr txBox="1"/>
+          <p:nvPr/>
+        </p:nvSpPr>
+        <p:spPr>
+          <a:xfrm>
+            <a:off x="5013885" y="1632399"/>
+            <a:ext cx="407684" cy="307777"/>
+          </a:xfrm>
+          <a:prstGeom prst="rect">
+            <a:avLst/>
+          </a:prstGeom>
+          <a:noFill/>
+        </p:spPr>
+        <p:txBody>
+          <a:bodyPr wrap="none" rtlCol="0">
+            <a:spAutoFit/>
+          </a:bodyPr>
+          <a:lstStyle/>
+          <a:p>
+            <a:r>
+              <a:rPr lang="en-US" altLang="ja-JP" sz="1400" dirty="0" smtClean="0">
+                <a:latin typeface="メイリオ"/>
+                <a:ea typeface="メイリオ"/>
+                <a:cs typeface="メイリオ"/>
+              </a:rPr>
+              <a:t>20</a:t>
+            </a:r>
+            <a:endParaRPr kumimoji="1" lang="ja-JP" altLang="en-US" sz="1400" dirty="0">
+              <a:latin typeface="メイリオ"/>
+              <a:ea typeface="メイリオ"/>
+              <a:cs typeface="メイリオ"/>
+            </a:endParaRPr>
+          </a:p>
+        </p:txBody>
+      </p:sp>
+      <p:sp>
+        <p:nvSpPr>
+          <p:cNvPr id="81" name="テキスト ボックス 80"/>
+          <p:cNvSpPr txBox="1"/>
+          <p:nvPr/>
+        </p:nvSpPr>
+        <p:spPr>
+          <a:xfrm>
+            <a:off x="993905" y="1630084"/>
+            <a:ext cx="2623046" cy="307777"/>
+          </a:xfrm>
+          <a:prstGeom prst="rect">
+            <a:avLst/>
+          </a:prstGeom>
+          <a:noFill/>
+        </p:spPr>
+        <p:txBody>
+          <a:bodyPr wrap="none" rtlCol="0">
+            <a:spAutoFit/>
+          </a:bodyPr>
+          <a:lstStyle/>
+          <a:p>
+            <a:r>
+              <a:rPr lang="en-US" altLang="ja-JP" sz="1400" dirty="0" smtClean="0">
+                <a:latin typeface="メイリオ"/>
+                <a:ea typeface="メイリオ"/>
+                <a:cs typeface="メイリオ"/>
+              </a:rPr>
+              <a:t>xxx </a:t>
+            </a:r>
+            <a:r>
+              <a:rPr lang="ja-JP" altLang="en-US" sz="1400" dirty="0" smtClean="0">
+                <a:latin typeface="メイリオ"/>
+                <a:ea typeface="メイリオ"/>
+                <a:cs typeface="メイリオ"/>
+              </a:rPr>
+              <a:t>件中</a:t>
+            </a:r>
+            <a:r>
+              <a:rPr lang="en-US" altLang="ja-JP" sz="1400" dirty="0" smtClean="0">
+                <a:latin typeface="メイリオ"/>
+                <a:ea typeface="メイリオ"/>
+                <a:cs typeface="メイリオ"/>
+              </a:rPr>
+              <a:t> </a:t>
+            </a:r>
+            <a:r>
+              <a:rPr lang="en-US" altLang="ja-JP" sz="1400" dirty="0" err="1" smtClean="0">
+                <a:latin typeface="メイリオ"/>
+                <a:ea typeface="メイリオ"/>
+                <a:cs typeface="メイリオ"/>
+              </a:rPr>
+              <a:t>yyy</a:t>
+            </a:r>
+            <a:r>
+              <a:rPr lang="en-US" altLang="ja-JP" sz="1400" dirty="0" smtClean="0">
+                <a:latin typeface="メイリオ"/>
+                <a:ea typeface="メイリオ"/>
+                <a:cs typeface="メイリオ"/>
+              </a:rPr>
+              <a:t> 〜 </a:t>
+            </a:r>
+            <a:r>
+              <a:rPr lang="en-US" altLang="ja-JP" sz="1400" dirty="0" err="1" smtClean="0">
+                <a:latin typeface="メイリオ"/>
+                <a:ea typeface="メイリオ"/>
+                <a:cs typeface="メイリオ"/>
+              </a:rPr>
+              <a:t>zzz</a:t>
+            </a:r>
+            <a:r>
+              <a:rPr lang="en-US" altLang="ja-JP" sz="1400" dirty="0" smtClean="0">
+                <a:latin typeface="メイリオ"/>
+                <a:ea typeface="メイリオ"/>
+                <a:cs typeface="メイリオ"/>
+              </a:rPr>
+              <a:t> </a:t>
+            </a:r>
+            <a:r>
+              <a:rPr lang="ja-JP" altLang="en-US" sz="1400" dirty="0" smtClean="0">
+                <a:latin typeface="メイリオ"/>
+                <a:ea typeface="メイリオ"/>
+                <a:cs typeface="メイリオ"/>
+              </a:rPr>
+              <a:t>件を表示</a:t>
+            </a:r>
+            <a:endParaRPr kumimoji="1" lang="ja-JP" altLang="en-US" sz="1400" dirty="0">
+              <a:latin typeface="メイリオ"/>
+              <a:ea typeface="メイリオ"/>
+              <a:cs typeface="メイリオ"/>
+            </a:endParaRPr>
+          </a:p>
+        </p:txBody>
+      </p:sp>
+      <p:sp>
+        <p:nvSpPr>
+          <p:cNvPr id="82" name="二等辺三角形 81"/>
+          <p:cNvSpPr/>
+          <p:nvPr/>
+        </p:nvSpPr>
+        <p:spPr>
+          <a:xfrm rot="16200000">
+            <a:off x="3596344" y="1684770"/>
+            <a:ext cx="180000" cy="180000"/>
+          </a:xfrm>
+          <a:prstGeom prst="triangle">
+            <a:avLst/>
+          </a:prstGeom>
+          <a:solidFill>
+            <a:srgbClr val="F75D31"/>
+          </a:solidFill>
+          <a:ln>
+            <a:noFill/>
+          </a:ln>
+          <a:effectLst/>
+        </p:spPr>
+        <p:style>
+          <a:lnRef idx="1">
+            <a:schemeClr val="accent1"/>
+          </a:lnRef>
+          <a:fillRef idx="3">
+            <a:schemeClr val="accent1"/>
+          </a:fillRef>
+          <a:effectRef idx="2">
+            <a:schemeClr val="accent1"/>
+          </a:effectRef>
+          <a:fontRef idx="minor">
+            <a:schemeClr val="lt1"/>
+          </a:fontRef>
+        </p:style>
+        <p:txBody>
+          <a:bodyPr rtlCol="0" anchor="ctr"/>
+          <a:lstStyle/>
+          <a:p>
+            <a:pPr algn="ctr"/>
+            <a:endParaRPr kumimoji="1" lang="ja-JP" altLang="en-US"/>
+          </a:p>
+        </p:txBody>
+      </p:sp>
+      <p:sp>
+        <p:nvSpPr>
+          <p:cNvPr id="83" name="二等辺三角形 82"/>
+          <p:cNvSpPr/>
+          <p:nvPr/>
+        </p:nvSpPr>
+        <p:spPr>
+          <a:xfrm rot="16200000">
+            <a:off x="3693379" y="1684140"/>
+            <a:ext cx="180000" cy="180000"/>
+          </a:xfrm>
+          <a:prstGeom prst="triangle">
+            <a:avLst/>
+          </a:prstGeom>
+          <a:solidFill>
+            <a:srgbClr val="F75D31"/>
+          </a:solidFill>
+          <a:ln>
+            <a:noFill/>
+          </a:ln>
+          <a:effectLst/>
+        </p:spPr>
+        <p:style>
+          <a:lnRef idx="1">
+            <a:schemeClr val="accent1"/>
+          </a:lnRef>
+          <a:fillRef idx="3">
+            <a:schemeClr val="accent1"/>
+          </a:fillRef>
+          <a:effectRef idx="2">
+            <a:schemeClr val="accent1"/>
+          </a:effectRef>
+          <a:fontRef idx="minor">
+            <a:schemeClr val="lt1"/>
+          </a:fontRef>
+        </p:style>
+        <p:txBody>
+          <a:bodyPr rtlCol="0" anchor="ctr"/>
+          <a:lstStyle/>
+          <a:p>
+            <a:pPr algn="ctr"/>
+            <a:endParaRPr kumimoji="1" lang="ja-JP" altLang="en-US"/>
+          </a:p>
+        </p:txBody>
+      </p:sp>
+      <p:sp>
+        <p:nvSpPr>
+          <p:cNvPr id="84" name="二等辺三角形 83"/>
+          <p:cNvSpPr/>
+          <p:nvPr/>
+        </p:nvSpPr>
+        <p:spPr>
+          <a:xfrm rot="5400000">
+            <a:off x="5764549" y="1684479"/>
+            <a:ext cx="179370" cy="181212"/>
+          </a:xfrm>
+          <a:prstGeom prst="triangle">
+            <a:avLst/>
+          </a:prstGeom>
+          <a:solidFill>
+            <a:srgbClr val="F75D31"/>
+          </a:solidFill>
+          <a:ln>
+            <a:noFill/>
+          </a:ln>
+          <a:effectLst/>
+        </p:spPr>
+        <p:style>
+          <a:lnRef idx="1">
+            <a:schemeClr val="accent1"/>
+          </a:lnRef>
+          <a:fillRef idx="3">
+            <a:schemeClr val="accent1"/>
+          </a:fillRef>
+          <a:effectRef idx="2">
+            <a:schemeClr val="accent1"/>
+          </a:effectRef>
+          <a:fontRef idx="minor">
+            <a:schemeClr val="lt1"/>
+          </a:fontRef>
+        </p:style>
+        <p:txBody>
+          <a:bodyPr rtlCol="0" anchor="ctr"/>
+          <a:lstStyle/>
+          <a:p>
+            <a:pPr algn="ctr"/>
+            <a:endParaRPr kumimoji="1" lang="ja-JP" altLang="en-US"/>
+          </a:p>
+        </p:txBody>
+      </p:sp>
+      <p:sp>
+        <p:nvSpPr>
+          <p:cNvPr id="85" name="二等辺三角形 84"/>
+          <p:cNvSpPr/>
+          <p:nvPr/>
+        </p:nvSpPr>
+        <p:spPr>
+          <a:xfrm rot="5400000">
+            <a:off x="5673943" y="1684479"/>
+            <a:ext cx="179370" cy="181212"/>
+          </a:xfrm>
+          <a:prstGeom prst="triangle">
+            <a:avLst/>
+          </a:prstGeom>
+          <a:solidFill>
+            <a:srgbClr val="F75D31"/>
+          </a:solidFill>
+          <a:ln>
+            <a:noFill/>
+          </a:ln>
+          <a:effectLst/>
+        </p:spPr>
+        <p:style>
+          <a:lnRef idx="1">
+            <a:schemeClr val="accent1"/>
+          </a:lnRef>
+          <a:fillRef idx="3">
+            <a:schemeClr val="accent1"/>
+          </a:fillRef>
+          <a:effectRef idx="2">
+            <a:schemeClr val="accent1"/>
+          </a:effectRef>
+          <a:fontRef idx="minor">
+            <a:schemeClr val="lt1"/>
+          </a:fontRef>
+        </p:style>
+        <p:txBody>
+          <a:bodyPr rtlCol="0" anchor="ctr"/>
+          <a:lstStyle/>
+          <a:p>
+            <a:pPr algn="ctr"/>
+            <a:endParaRPr kumimoji="1" lang="ja-JP" altLang="en-US"/>
+          </a:p>
+        </p:txBody>
+      </p:sp>
+      <p:sp>
+        <p:nvSpPr>
+          <p:cNvPr id="86" name="角丸四角形 85"/>
+          <p:cNvSpPr/>
+          <p:nvPr/>
+        </p:nvSpPr>
+        <p:spPr>
+          <a:xfrm>
+            <a:off x="7239002" y="1121482"/>
+            <a:ext cx="864625" cy="299213"/>
+          </a:xfrm>
+          <a:prstGeom prst="roundRect">
+            <a:avLst/>
+          </a:prstGeom>
+          <a:noFill/>
+          <a:ln w="25400">
+            <a:solidFill>
+              <a:schemeClr val="tx1"/>
+            </a:solidFill>
+          </a:ln>
+          <a:effectLst/>
+        </p:spPr>
+        <p:style>
+          <a:lnRef idx="1">
+            <a:schemeClr val="accent1"/>
+          </a:lnRef>
+          <a:fillRef idx="3">
+            <a:schemeClr val="accent1"/>
+          </a:fillRef>
+          <a:effectRef idx="2">
+            <a:schemeClr val="accent1"/>
+          </a:effectRef>
+          <a:fontRef idx="minor">
+            <a:schemeClr val="lt1"/>
+          </a:fontRef>
+        </p:style>
+        <p:txBody>
+          <a:bodyPr rtlCol="0" anchor="ctr"/>
+          <a:lstStyle/>
+          <a:p>
+            <a:pPr algn="ctr"/>
+            <a:r>
+              <a:rPr lang="en-US" altLang="en-US" sz="1200" dirty="0" smtClean="0">
+                <a:solidFill>
+                  <a:schemeClr val="tx1"/>
+                </a:solidFill>
+                <a:latin typeface="メイリオ"/>
+                <a:ea typeface="メイリオ"/>
+                <a:cs typeface="メイリオ"/>
+              </a:rPr>
+              <a:t>リセット</a:t>
+            </a:r>
+            <a:endParaRPr kumimoji="1" lang="ja-JP" altLang="en-US" sz="1200" dirty="0">
+              <a:solidFill>
+                <a:schemeClr val="tx1"/>
+              </a:solidFill>
+              <a:latin typeface="メイリオ"/>
+              <a:ea typeface="メイリオ"/>
+              <a:cs typeface="メイリオ"/>
+            </a:endParaRPr>
+          </a:p>
+        </p:txBody>
+      </p:sp>
+      <p:pic>
+        <p:nvPicPr>
+          <p:cNvPr id="87" name="図 86" descr="trash.png"/>
+          <p:cNvPicPr>
+            <a:picLocks noChangeAspect="1"/>
+          </p:cNvPicPr>
+          <p:nvPr/>
+        </p:nvPicPr>
+        <p:blipFill>
+          <a:blip r:embed="rId3">
+            <a:extLst>
+              <a:ext uri="{28A0092B-C50C-407E-A947-70E740481C1C}">
+                <a14:useLocalDpi xmlns:a14="http://schemas.microsoft.com/office/drawing/2010/main" val="0"/>
+              </a:ext>
+            </a:extLst>
+          </a:blip>
+          <a:stretch>
+            <a:fillRect/>
+          </a:stretch>
+        </p:blipFill>
+        <p:spPr>
+          <a:xfrm>
+            <a:off x="7967360" y="2463737"/>
+            <a:ext cx="272533" cy="272533"/>
+          </a:xfrm>
+          <a:prstGeom prst="rect">
+            <a:avLst/>
+          </a:prstGeom>
+        </p:spPr>
+      </p:pic>
+      <p:pic>
+        <p:nvPicPr>
+          <p:cNvPr id="88" name="図 87" descr="trash.png"/>
+          <p:cNvPicPr>
+            <a:picLocks noChangeAspect="1"/>
+          </p:cNvPicPr>
+          <p:nvPr/>
+        </p:nvPicPr>
+        <p:blipFill>
+          <a:blip r:embed="rId3">
+            <a:extLst>
+              <a:ext uri="{28A0092B-C50C-407E-A947-70E740481C1C}">
+                <a14:useLocalDpi xmlns:a14="http://schemas.microsoft.com/office/drawing/2010/main" val="0"/>
+              </a:ext>
+            </a:extLst>
+          </a:blip>
+          <a:stretch>
+            <a:fillRect/>
+          </a:stretch>
+        </p:blipFill>
+        <p:spPr>
+          <a:xfrm>
+            <a:off x="7967360" y="2865577"/>
+            <a:ext cx="272533" cy="272533"/>
+          </a:xfrm>
+          <a:prstGeom prst="rect">
+            <a:avLst/>
+          </a:prstGeom>
+        </p:spPr>
+      </p:pic>
+      <p:pic>
+        <p:nvPicPr>
+          <p:cNvPr id="89" name="図 88" descr="trash.png"/>
+          <p:cNvPicPr>
+            <a:picLocks noChangeAspect="1"/>
+          </p:cNvPicPr>
+          <p:nvPr/>
+        </p:nvPicPr>
+        <p:blipFill>
+          <a:blip r:embed="rId3">
+            <a:extLst>
+              <a:ext uri="{28A0092B-C50C-407E-A947-70E740481C1C}">
+                <a14:useLocalDpi xmlns:a14="http://schemas.microsoft.com/office/drawing/2010/main" val="0"/>
+              </a:ext>
+            </a:extLst>
+          </a:blip>
+          <a:stretch>
+            <a:fillRect/>
+          </a:stretch>
+        </p:blipFill>
+        <p:spPr>
+          <a:xfrm>
+            <a:off x="7967360" y="3244330"/>
+            <a:ext cx="272533" cy="272533"/>
+          </a:xfrm>
+          <a:prstGeom prst="rect">
+            <a:avLst/>
+          </a:prstGeom>
+        </p:spPr>
+      </p:pic>
+      <p:pic>
+        <p:nvPicPr>
+          <p:cNvPr id="90" name="図 89" descr="trash.png"/>
+          <p:cNvPicPr>
+            <a:picLocks noChangeAspect="1"/>
+          </p:cNvPicPr>
+          <p:nvPr/>
+        </p:nvPicPr>
+        <p:blipFill>
+          <a:blip r:embed="rId3">
+            <a:extLst>
+              <a:ext uri="{28A0092B-C50C-407E-A947-70E740481C1C}">
+                <a14:useLocalDpi xmlns:a14="http://schemas.microsoft.com/office/drawing/2010/main" val="0"/>
+              </a:ext>
+            </a:extLst>
+          </a:blip>
+          <a:stretch>
+            <a:fillRect/>
+          </a:stretch>
+        </p:blipFill>
+        <p:spPr>
+          <a:xfrm>
+            <a:off x="7967360" y="3646170"/>
+            <a:ext cx="272533" cy="272533"/>
+          </a:xfrm>
+          <a:prstGeom prst="rect">
+            <a:avLst/>
+          </a:prstGeom>
+        </p:spPr>
+      </p:pic>
+      <p:pic>
+        <p:nvPicPr>
+          <p:cNvPr id="91" name="図 90" descr="trash.png"/>
+          <p:cNvPicPr>
+            <a:picLocks noChangeAspect="1"/>
+          </p:cNvPicPr>
+          <p:nvPr/>
+        </p:nvPicPr>
+        <p:blipFill>
+          <a:blip r:embed="rId3">
+            <a:extLst>
+              <a:ext uri="{28A0092B-C50C-407E-A947-70E740481C1C}">
+                <a14:useLocalDpi xmlns:a14="http://schemas.microsoft.com/office/drawing/2010/main" val="0"/>
+              </a:ext>
+            </a:extLst>
+          </a:blip>
+          <a:stretch>
+            <a:fillRect/>
+          </a:stretch>
+        </p:blipFill>
+        <p:spPr>
+          <a:xfrm>
+            <a:off x="7966108" y="4020421"/>
+            <a:ext cx="272533" cy="272533"/>
+          </a:xfrm>
+          <a:prstGeom prst="rect">
+            <a:avLst/>
+          </a:prstGeom>
+        </p:spPr>
+      </p:pic>
+      <p:pic>
+        <p:nvPicPr>
+          <p:cNvPr id="92" name="図 91" descr="trash.png"/>
+          <p:cNvPicPr>
+            <a:picLocks noChangeAspect="1"/>
+          </p:cNvPicPr>
+          <p:nvPr/>
+        </p:nvPicPr>
+        <p:blipFill>
+          <a:blip r:embed="rId3">
+            <a:extLst>
+              <a:ext uri="{28A0092B-C50C-407E-A947-70E740481C1C}">
+                <a14:useLocalDpi xmlns:a14="http://schemas.microsoft.com/office/drawing/2010/main" val="0"/>
+              </a:ext>
+            </a:extLst>
+          </a:blip>
+          <a:stretch>
+            <a:fillRect/>
+          </a:stretch>
+        </p:blipFill>
+        <p:spPr>
+          <a:xfrm>
+            <a:off x="7966108" y="4422261"/>
+            <a:ext cx="272533" cy="272533"/>
+          </a:xfrm>
+          <a:prstGeom prst="rect">
+            <a:avLst/>
+          </a:prstGeom>
+        </p:spPr>
+      </p:pic>
+      <p:pic>
+        <p:nvPicPr>
+          <p:cNvPr id="93" name="図 92" descr="trash.png"/>
+          <p:cNvPicPr>
+            <a:picLocks noChangeAspect="1"/>
+          </p:cNvPicPr>
+          <p:nvPr/>
+        </p:nvPicPr>
+        <p:blipFill>
+          <a:blip r:embed="rId3">
+            <a:extLst>
+              <a:ext uri="{28A0092B-C50C-407E-A947-70E740481C1C}">
+                <a14:useLocalDpi xmlns:a14="http://schemas.microsoft.com/office/drawing/2010/main" val="0"/>
+              </a:ext>
+            </a:extLst>
+          </a:blip>
+          <a:stretch>
+            <a:fillRect/>
+          </a:stretch>
+        </p:blipFill>
+        <p:spPr>
+          <a:xfrm>
+            <a:off x="7967360" y="4799059"/>
+            <a:ext cx="272533" cy="272533"/>
+          </a:xfrm>
+          <a:prstGeom prst="rect">
+            <a:avLst/>
+          </a:prstGeom>
+        </p:spPr>
+      </p:pic>
+      <p:pic>
+        <p:nvPicPr>
+          <p:cNvPr id="94" name="図 93" descr="trash.png"/>
+          <p:cNvPicPr>
+            <a:picLocks noChangeAspect="1"/>
+          </p:cNvPicPr>
+          <p:nvPr/>
+        </p:nvPicPr>
+        <p:blipFill>
+          <a:blip r:embed="rId3">
+            <a:extLst>
+              <a:ext uri="{28A0092B-C50C-407E-A947-70E740481C1C}">
+                <a14:useLocalDpi xmlns:a14="http://schemas.microsoft.com/office/drawing/2010/main" val="0"/>
+              </a:ext>
+            </a:extLst>
+          </a:blip>
+          <a:stretch>
+            <a:fillRect/>
+          </a:stretch>
+        </p:blipFill>
+        <p:spPr>
+          <a:xfrm>
+            <a:off x="7967360" y="5200899"/>
+            <a:ext cx="272533" cy="272533"/>
+          </a:xfrm>
+          <a:prstGeom prst="rect">
+            <a:avLst/>
+          </a:prstGeom>
+        </p:spPr>
+      </p:pic>
+      <p:pic>
+        <p:nvPicPr>
+          <p:cNvPr id="95" name="図 94" descr="trash.png"/>
+          <p:cNvPicPr>
+            <a:picLocks noChangeAspect="1"/>
+          </p:cNvPicPr>
+          <p:nvPr/>
+        </p:nvPicPr>
+        <p:blipFill>
+          <a:blip r:embed="rId3">
+            <a:extLst>
+              <a:ext uri="{28A0092B-C50C-407E-A947-70E740481C1C}">
+                <a14:useLocalDpi xmlns:a14="http://schemas.microsoft.com/office/drawing/2010/main" val="0"/>
+              </a:ext>
+            </a:extLst>
+          </a:blip>
+          <a:stretch>
+            <a:fillRect/>
+          </a:stretch>
+        </p:blipFill>
+        <p:spPr>
+          <a:xfrm>
+            <a:off x="7966108" y="5558835"/>
+            <a:ext cx="272533" cy="272533"/>
+          </a:xfrm>
+          <a:prstGeom prst="rect">
+            <a:avLst/>
+          </a:prstGeom>
+        </p:spPr>
+      </p:pic>
+      <p:pic>
+        <p:nvPicPr>
+          <p:cNvPr id="96" name="図 95" descr="trash.png"/>
+          <p:cNvPicPr>
+            <a:picLocks noChangeAspect="1"/>
+          </p:cNvPicPr>
+          <p:nvPr/>
+        </p:nvPicPr>
+        <p:blipFill>
+          <a:blip r:embed="rId3">
+            <a:extLst>
+              <a:ext uri="{28A0092B-C50C-407E-A947-70E740481C1C}">
+                <a14:useLocalDpi xmlns:a14="http://schemas.microsoft.com/office/drawing/2010/main" val="0"/>
+              </a:ext>
+            </a:extLst>
+          </a:blip>
+          <a:stretch>
+            <a:fillRect/>
+          </a:stretch>
+        </p:blipFill>
+        <p:spPr>
+          <a:xfrm>
+            <a:off x="7966108" y="5960675"/>
+            <a:ext cx="272533" cy="272533"/>
+          </a:xfrm>
+          <a:prstGeom prst="rect">
+            <a:avLst/>
+          </a:prstGeom>
+        </p:spPr>
+      </p:pic>
+      <p:sp>
+        <p:nvSpPr>
+          <p:cNvPr id="97" name="角丸四角形 96"/>
+          <p:cNvSpPr/>
+          <p:nvPr/>
+        </p:nvSpPr>
+        <p:spPr>
+          <a:xfrm>
+            <a:off x="4954166" y="1192639"/>
+            <a:ext cx="280240" cy="165946"/>
+          </a:xfrm>
+          <a:prstGeom prst="roundRect">
+            <a:avLst/>
+          </a:prstGeom>
+          <a:noFill/>
+          <a:ln w="25400">
+            <a:solidFill>
+              <a:schemeClr val="tx1"/>
+            </a:solidFill>
+          </a:ln>
+          <a:effectLst/>
+        </p:spPr>
+        <p:style>
+          <a:lnRef idx="1">
+            <a:schemeClr val="accent1"/>
+          </a:lnRef>
+          <a:fillRef idx="3">
+            <a:schemeClr val="accent1"/>
+          </a:fillRef>
+          <a:effectRef idx="2">
+            <a:schemeClr val="accent1"/>
+          </a:effectRef>
+          <a:fontRef idx="minor">
+            <a:schemeClr val="lt1"/>
+          </a:fontRef>
+        </p:style>
+        <p:txBody>
+          <a:bodyPr rtlCol="0" anchor="ctr"/>
+          <a:lstStyle/>
+          <a:p>
+            <a:pPr algn="ctr"/>
+            <a:endParaRPr kumimoji="1" lang="ja-JP" altLang="en-US" sz="800" dirty="0">
+              <a:solidFill>
+                <a:schemeClr val="tx1"/>
+              </a:solidFill>
+            </a:endParaRPr>
+          </a:p>
+        </p:txBody>
+      </p:sp>
+      <p:cxnSp>
+        <p:nvCxnSpPr>
+          <p:cNvPr id="98" name="直線コネクタ 97"/>
+          <p:cNvCxnSpPr/>
+          <p:nvPr/>
+        </p:nvCxnSpPr>
+        <p:spPr>
+          <a:xfrm>
+            <a:off x="5001261" y="1238058"/>
+            <a:ext cx="181196" cy="0"/>
+          </a:xfrm>
+          <a:prstGeom prst="line">
+            <a:avLst/>
+          </a:prstGeom>
+          <a:ln w="3175">
+            <a:solidFill>
+              <a:schemeClr val="tx1"/>
+            </a:solidFill>
+          </a:ln>
+        </p:spPr>
+        <p:style>
+          <a:lnRef idx="2">
+            <a:schemeClr val="accent1"/>
+          </a:lnRef>
+          <a:fillRef idx="0">
+            <a:schemeClr val="accent1"/>
+          </a:fillRef>
+          <a:effectRef idx="1">
+            <a:schemeClr val="accent1"/>
+          </a:effectRef>
+          <a:fontRef idx="minor">
+            <a:schemeClr val="tx1"/>
+          </a:fontRef>
+        </p:style>
+      </p:cxnSp>
+      <p:cxnSp>
+        <p:nvCxnSpPr>
+          <p:cNvPr id="99" name="直線コネクタ 98"/>
+          <p:cNvCxnSpPr/>
+          <p:nvPr/>
+        </p:nvCxnSpPr>
+        <p:spPr>
+          <a:xfrm>
+            <a:off x="5001261" y="1277697"/>
+            <a:ext cx="181196" cy="0"/>
+          </a:xfrm>
+          <a:prstGeom prst="line">
+            <a:avLst/>
+          </a:prstGeom>
+          <a:ln w="3175">
+            <a:solidFill>
+              <a:schemeClr val="tx1"/>
+            </a:solidFill>
+          </a:ln>
+        </p:spPr>
+        <p:style>
+          <a:lnRef idx="2">
+            <a:schemeClr val="accent1"/>
+          </a:lnRef>
+          <a:fillRef idx="0">
+            <a:schemeClr val="accent1"/>
+          </a:fillRef>
+          <a:effectRef idx="1">
+            <a:schemeClr val="accent1"/>
+          </a:effectRef>
+          <a:fontRef idx="minor">
+            <a:schemeClr val="tx1"/>
+          </a:fontRef>
+        </p:style>
+      </p:cxnSp>
+      <p:cxnSp>
+        <p:nvCxnSpPr>
+          <p:cNvPr id="100" name="直線コネクタ 99"/>
+          <p:cNvCxnSpPr/>
+          <p:nvPr/>
+        </p:nvCxnSpPr>
+        <p:spPr>
+          <a:xfrm>
+            <a:off x="5003884" y="1310793"/>
+            <a:ext cx="181196" cy="0"/>
+          </a:xfrm>
+          <a:prstGeom prst="line">
+            <a:avLst/>
+          </a:prstGeom>
+          <a:ln w="3175">
+            <a:solidFill>
+              <a:schemeClr val="tx1"/>
+            </a:solidFill>
+          </a:ln>
+        </p:spPr>
+        <p:style>
+          <a:lnRef idx="2">
+            <a:schemeClr val="accent1"/>
+          </a:lnRef>
+          <a:fillRef idx="0">
+            <a:schemeClr val="accent1"/>
+          </a:fillRef>
+          <a:effectRef idx="1">
+            <a:schemeClr val="accent1"/>
+          </a:effectRef>
+          <a:fontRef idx="minor">
+            <a:schemeClr val="tx1"/>
+          </a:fontRef>
+        </p:style>
+      </p:cxnSp>
+      <p:sp>
+        <p:nvSpPr>
+          <p:cNvPr id="101" name="正方形/長方形 100"/>
+          <p:cNvSpPr/>
+          <p:nvPr/>
+        </p:nvSpPr>
+        <p:spPr>
+          <a:xfrm>
+            <a:off x="785584" y="937497"/>
+            <a:ext cx="7575640" cy="5541817"/>
+          </a:xfrm>
+          <a:prstGeom prst="rect">
+            <a:avLst/>
+          </a:prstGeom>
+          <a:solidFill>
+            <a:schemeClr val="bg1">
+              <a:lumMod val="75000"/>
+              <a:alpha val="50000"/>
+            </a:schemeClr>
+          </a:solidFill>
+          <a:ln w="25400">
+            <a:solidFill>
+              <a:schemeClr val="tx1"/>
+            </a:solidFill>
+          </a:ln>
+          <a:effectLst/>
+        </p:spPr>
+        <p:style>
+          <a:lnRef idx="1">
+            <a:schemeClr val="accent1"/>
+          </a:lnRef>
+          <a:fillRef idx="3">
+            <a:schemeClr val="accent1"/>
+          </a:fillRef>
+          <a:effectRef idx="2">
+            <a:schemeClr val="accent1"/>
+          </a:effectRef>
+          <a:fontRef idx="minor">
+            <a:schemeClr val="lt1"/>
+          </a:fontRef>
+        </p:style>
+        <p:txBody>
+          <a:bodyPr rtlCol="0" anchor="ctr"/>
+          <a:lstStyle/>
+          <a:p>
+            <a:pPr algn="ctr"/>
+            <a:endParaRPr kumimoji="1" lang="ja-JP" altLang="en-US" sz="2800" dirty="0">
+              <a:solidFill>
+                <a:schemeClr val="tx1"/>
+              </a:solidFill>
+              <a:latin typeface="メイリオ"/>
+              <a:ea typeface="メイリオ"/>
+              <a:cs typeface="メイリオ"/>
+            </a:endParaRPr>
+          </a:p>
+        </p:txBody>
+      </p:sp>
       <p:grpSp>
         <p:nvGrpSpPr>
           <p:cNvPr id="6" name="図形グループ 5"/>
@@ -9331,7 +12395,7 @@
         </p:nvGrpSpPr>
         <p:grpSpPr>
           <a:xfrm>
-            <a:off x="1824564" y="1861028"/>
+            <a:off x="1834387" y="1845574"/>
             <a:ext cx="5525476" cy="1981328"/>
             <a:chOff x="1834387" y="2031998"/>
             <a:chExt cx="5525476" cy="1981328"/>
@@ -9666,306 +12730,6 @@
           </p:txBody>
         </p:sp>
       </p:grpSp>
-      <p:pic>
-        <p:nvPicPr>
-          <p:cNvPr id="70" name="図 69" descr="trash.png"/>
-          <p:cNvPicPr>
-            <a:picLocks noChangeAspect="1"/>
-          </p:cNvPicPr>
-          <p:nvPr/>
-        </p:nvPicPr>
-        <p:blipFill>
-          <a:blip r:embed="rId3">
-            <a:extLst>
-              <a:ext uri="{28A0092B-C50C-407E-A947-70E740481C1C}">
-                <a14:useLocalDpi xmlns:a14="http://schemas.microsoft.com/office/drawing/2010/main" val="0"/>
-              </a:ext>
-            </a:extLst>
-          </a:blip>
-          <a:stretch>
-            <a:fillRect/>
-          </a:stretch>
-        </p:blipFill>
-        <p:spPr>
-          <a:xfrm>
-            <a:off x="7967360" y="2463737"/>
-            <a:ext cx="272533" cy="272533"/>
-          </a:xfrm>
-          <a:prstGeom prst="rect">
-            <a:avLst/>
-          </a:prstGeom>
-        </p:spPr>
-      </p:pic>
-      <p:pic>
-        <p:nvPicPr>
-          <p:cNvPr id="71" name="図 70" descr="trash.png"/>
-          <p:cNvPicPr>
-            <a:picLocks noChangeAspect="1"/>
-          </p:cNvPicPr>
-          <p:nvPr/>
-        </p:nvPicPr>
-        <p:blipFill>
-          <a:blip r:embed="rId3">
-            <a:extLst>
-              <a:ext uri="{28A0092B-C50C-407E-A947-70E740481C1C}">
-                <a14:useLocalDpi xmlns:a14="http://schemas.microsoft.com/office/drawing/2010/main" val="0"/>
-              </a:ext>
-            </a:extLst>
-          </a:blip>
-          <a:stretch>
-            <a:fillRect/>
-          </a:stretch>
-        </p:blipFill>
-        <p:spPr>
-          <a:xfrm>
-            <a:off x="7967360" y="2865577"/>
-            <a:ext cx="272533" cy="272533"/>
-          </a:xfrm>
-          <a:prstGeom prst="rect">
-            <a:avLst/>
-          </a:prstGeom>
-        </p:spPr>
-      </p:pic>
-      <p:pic>
-        <p:nvPicPr>
-          <p:cNvPr id="72" name="図 71" descr="trash.png"/>
-          <p:cNvPicPr>
-            <a:picLocks noChangeAspect="1"/>
-          </p:cNvPicPr>
-          <p:nvPr/>
-        </p:nvPicPr>
-        <p:blipFill>
-          <a:blip r:embed="rId3">
-            <a:extLst>
-              <a:ext uri="{28A0092B-C50C-407E-A947-70E740481C1C}">
-                <a14:useLocalDpi xmlns:a14="http://schemas.microsoft.com/office/drawing/2010/main" val="0"/>
-              </a:ext>
-            </a:extLst>
-          </a:blip>
-          <a:stretch>
-            <a:fillRect/>
-          </a:stretch>
-        </p:blipFill>
-        <p:spPr>
-          <a:xfrm>
-            <a:off x="7967360" y="3244330"/>
-            <a:ext cx="272533" cy="272533"/>
-          </a:xfrm>
-          <a:prstGeom prst="rect">
-            <a:avLst/>
-          </a:prstGeom>
-        </p:spPr>
-      </p:pic>
-      <p:pic>
-        <p:nvPicPr>
-          <p:cNvPr id="73" name="図 72" descr="trash.png"/>
-          <p:cNvPicPr>
-            <a:picLocks noChangeAspect="1"/>
-          </p:cNvPicPr>
-          <p:nvPr/>
-        </p:nvPicPr>
-        <p:blipFill>
-          <a:blip r:embed="rId3">
-            <a:extLst>
-              <a:ext uri="{28A0092B-C50C-407E-A947-70E740481C1C}">
-                <a14:useLocalDpi xmlns:a14="http://schemas.microsoft.com/office/drawing/2010/main" val="0"/>
-              </a:ext>
-            </a:extLst>
-          </a:blip>
-          <a:stretch>
-            <a:fillRect/>
-          </a:stretch>
-        </p:blipFill>
-        <p:spPr>
-          <a:xfrm>
-            <a:off x="7967360" y="3646170"/>
-            <a:ext cx="272533" cy="272533"/>
-          </a:xfrm>
-          <a:prstGeom prst="rect">
-            <a:avLst/>
-          </a:prstGeom>
-        </p:spPr>
-      </p:pic>
-      <p:pic>
-        <p:nvPicPr>
-          <p:cNvPr id="74" name="図 73" descr="trash.png"/>
-          <p:cNvPicPr>
-            <a:picLocks noChangeAspect="1"/>
-          </p:cNvPicPr>
-          <p:nvPr/>
-        </p:nvPicPr>
-        <p:blipFill>
-          <a:blip r:embed="rId3">
-            <a:extLst>
-              <a:ext uri="{28A0092B-C50C-407E-A947-70E740481C1C}">
-                <a14:useLocalDpi xmlns:a14="http://schemas.microsoft.com/office/drawing/2010/main" val="0"/>
-              </a:ext>
-            </a:extLst>
-          </a:blip>
-          <a:stretch>
-            <a:fillRect/>
-          </a:stretch>
-        </p:blipFill>
-        <p:spPr>
-          <a:xfrm>
-            <a:off x="7966108" y="4020421"/>
-            <a:ext cx="272533" cy="272533"/>
-          </a:xfrm>
-          <a:prstGeom prst="rect">
-            <a:avLst/>
-          </a:prstGeom>
-        </p:spPr>
-      </p:pic>
-      <p:pic>
-        <p:nvPicPr>
-          <p:cNvPr id="75" name="図 74" descr="trash.png"/>
-          <p:cNvPicPr>
-            <a:picLocks noChangeAspect="1"/>
-          </p:cNvPicPr>
-          <p:nvPr/>
-        </p:nvPicPr>
-        <p:blipFill>
-          <a:blip r:embed="rId3">
-            <a:extLst>
-              <a:ext uri="{28A0092B-C50C-407E-A947-70E740481C1C}">
-                <a14:useLocalDpi xmlns:a14="http://schemas.microsoft.com/office/drawing/2010/main" val="0"/>
-              </a:ext>
-            </a:extLst>
-          </a:blip>
-          <a:stretch>
-            <a:fillRect/>
-          </a:stretch>
-        </p:blipFill>
-        <p:spPr>
-          <a:xfrm>
-            <a:off x="7966108" y="4422261"/>
-            <a:ext cx="272533" cy="272533"/>
-          </a:xfrm>
-          <a:prstGeom prst="rect">
-            <a:avLst/>
-          </a:prstGeom>
-        </p:spPr>
-      </p:pic>
-      <p:pic>
-        <p:nvPicPr>
-          <p:cNvPr id="76" name="図 75" descr="trash.png"/>
-          <p:cNvPicPr>
-            <a:picLocks noChangeAspect="1"/>
-          </p:cNvPicPr>
-          <p:nvPr/>
-        </p:nvPicPr>
-        <p:blipFill>
-          <a:blip r:embed="rId3">
-            <a:extLst>
-              <a:ext uri="{28A0092B-C50C-407E-A947-70E740481C1C}">
-                <a14:useLocalDpi xmlns:a14="http://schemas.microsoft.com/office/drawing/2010/main" val="0"/>
-              </a:ext>
-            </a:extLst>
-          </a:blip>
-          <a:stretch>
-            <a:fillRect/>
-          </a:stretch>
-        </p:blipFill>
-        <p:spPr>
-          <a:xfrm>
-            <a:off x="7967360" y="4799059"/>
-            <a:ext cx="272533" cy="272533"/>
-          </a:xfrm>
-          <a:prstGeom prst="rect">
-            <a:avLst/>
-          </a:prstGeom>
-        </p:spPr>
-      </p:pic>
-      <p:pic>
-        <p:nvPicPr>
-          <p:cNvPr id="77" name="図 76" descr="trash.png"/>
-          <p:cNvPicPr>
-            <a:picLocks noChangeAspect="1"/>
-          </p:cNvPicPr>
-          <p:nvPr/>
-        </p:nvPicPr>
-        <p:blipFill>
-          <a:blip r:embed="rId3">
-            <a:extLst>
-              <a:ext uri="{28A0092B-C50C-407E-A947-70E740481C1C}">
-                <a14:useLocalDpi xmlns:a14="http://schemas.microsoft.com/office/drawing/2010/main" val="0"/>
-              </a:ext>
-            </a:extLst>
-          </a:blip>
-          <a:stretch>
-            <a:fillRect/>
-          </a:stretch>
-        </p:blipFill>
-        <p:spPr>
-          <a:xfrm>
-            <a:off x="7967360" y="5200899"/>
-            <a:ext cx="272533" cy="272533"/>
-          </a:xfrm>
-          <a:prstGeom prst="rect">
-            <a:avLst/>
-          </a:prstGeom>
-        </p:spPr>
-      </p:pic>
-      <p:pic>
-        <p:nvPicPr>
-          <p:cNvPr id="78" name="図 77" descr="trash.png"/>
-          <p:cNvPicPr>
-            <a:picLocks noChangeAspect="1"/>
-          </p:cNvPicPr>
-          <p:nvPr/>
-        </p:nvPicPr>
-        <p:blipFill>
-          <a:blip r:embed="rId3">
-            <a:extLst>
-              <a:ext uri="{28A0092B-C50C-407E-A947-70E740481C1C}">
-                <a14:useLocalDpi xmlns:a14="http://schemas.microsoft.com/office/drawing/2010/main" val="0"/>
-              </a:ext>
-            </a:extLst>
-          </a:blip>
-          <a:stretch>
-            <a:fillRect/>
-          </a:stretch>
-        </p:blipFill>
-        <p:spPr>
-          <a:xfrm>
-            <a:off x="7966108" y="5558835"/>
-            <a:ext cx="272533" cy="272533"/>
-          </a:xfrm>
-          <a:prstGeom prst="rect">
-            <a:avLst/>
-          </a:prstGeom>
-        </p:spPr>
-      </p:pic>
-      <p:pic>
-        <p:nvPicPr>
-          <p:cNvPr id="79" name="図 78" descr="trash.png"/>
-          <p:cNvPicPr>
-            <a:picLocks noChangeAspect="1"/>
-          </p:cNvPicPr>
-          <p:nvPr/>
-        </p:nvPicPr>
-        <p:blipFill>
-          <a:blip r:embed="rId3">
-            <a:extLst>
-              <a:ext uri="{28A0092B-C50C-407E-A947-70E740481C1C}">
-                <a14:useLocalDpi xmlns:a14="http://schemas.microsoft.com/office/drawing/2010/main" val="0"/>
-              </a:ext>
-            </a:extLst>
-          </a:blip>
-          <a:stretch>
-            <a:fillRect/>
-          </a:stretch>
-        </p:blipFill>
-        <p:spPr>
-          <a:xfrm>
-            <a:off x="7966108" y="5960675"/>
-            <a:ext cx="272533" cy="272533"/>
-          </a:xfrm>
-          <a:prstGeom prst="rect">
-            <a:avLst/>
-          </a:prstGeom>
-        </p:spPr>
-      </p:pic>
     </p:spTree>
     <p:extLst>
       <p:ext uri="{BB962C8B-B14F-4D97-AF65-F5344CB8AC3E}">
@@ -9979,7 +12743,7 @@
 </p:sld>
 </file>
 
-<file path=ppt/slides/slide7.xml><?xml version="1.0" encoding="utf-8"?>
+<file path=ppt/slides/slide8.xml><?xml version="1.0" encoding="utf-8"?>
 <p:sld xmlns:a="http://schemas.openxmlformats.org/drawingml/2006/main" xmlns:r="http://schemas.openxmlformats.org/officeDocument/2006/relationships" xmlns:p="http://schemas.openxmlformats.org/presentationml/2006/main">
   <p:cSld>
     <p:spTree>
@@ -10050,1014 +12814,19 @@
           </a:p>
         </p:txBody>
       </p:sp>
-      <p:sp>
-        <p:nvSpPr>
-          <p:cNvPr id="64" name="テキスト ボックス 63"/>
-          <p:cNvSpPr txBox="1"/>
-          <p:nvPr/>
-        </p:nvSpPr>
-        <p:spPr>
-          <a:xfrm>
-            <a:off x="4124211" y="1630084"/>
-            <a:ext cx="296175" cy="307777"/>
-          </a:xfrm>
-          <a:prstGeom prst="rect">
-            <a:avLst/>
-          </a:prstGeom>
-          <a:noFill/>
-        </p:spPr>
-        <p:txBody>
-          <a:bodyPr wrap="none" rtlCol="0">
-            <a:spAutoFit/>
-          </a:bodyPr>
-          <a:lstStyle/>
-          <a:p>
-            <a:r>
-              <a:rPr lang="en-US" altLang="ja-JP" sz="1400" dirty="0">
-                <a:latin typeface="メイリオ"/>
-                <a:ea typeface="メイリオ"/>
-                <a:cs typeface="メイリオ"/>
-              </a:rPr>
-              <a:t>1</a:t>
-            </a:r>
-            <a:endParaRPr kumimoji="1" lang="ja-JP" altLang="en-US" sz="1400" dirty="0">
-              <a:latin typeface="メイリオ"/>
-              <a:ea typeface="メイリオ"/>
-              <a:cs typeface="メイリオ"/>
-            </a:endParaRPr>
-          </a:p>
-        </p:txBody>
-      </p:sp>
-      <p:sp>
-        <p:nvSpPr>
-          <p:cNvPr id="65" name="テキスト ボックス 64"/>
-          <p:cNvSpPr txBox="1"/>
-          <p:nvPr/>
-        </p:nvSpPr>
-        <p:spPr>
-          <a:xfrm>
-            <a:off x="4356158" y="1632399"/>
-            <a:ext cx="296175" cy="307777"/>
-          </a:xfrm>
-          <a:prstGeom prst="rect">
-            <a:avLst/>
-          </a:prstGeom>
-          <a:noFill/>
-        </p:spPr>
-        <p:txBody>
-          <a:bodyPr wrap="none" rtlCol="0">
-            <a:spAutoFit/>
-          </a:bodyPr>
-          <a:lstStyle/>
-          <a:p>
-            <a:r>
-              <a:rPr lang="en-US" altLang="ja-JP" sz="1400" dirty="0" smtClean="0">
-                <a:latin typeface="メイリオ"/>
-                <a:ea typeface="メイリオ"/>
-                <a:cs typeface="メイリオ"/>
-              </a:rPr>
-              <a:t>2</a:t>
-            </a:r>
-            <a:endParaRPr kumimoji="1" lang="ja-JP" altLang="en-US" sz="1400" dirty="0">
-              <a:latin typeface="メイリオ"/>
-              <a:ea typeface="メイリオ"/>
-              <a:cs typeface="メイリオ"/>
-            </a:endParaRPr>
-          </a:p>
-        </p:txBody>
-      </p:sp>
-      <p:sp>
-        <p:nvSpPr>
-          <p:cNvPr id="66" name="テキスト ボックス 65"/>
-          <p:cNvSpPr txBox="1"/>
-          <p:nvPr/>
-        </p:nvSpPr>
-        <p:spPr>
-          <a:xfrm>
-            <a:off x="4597125" y="1632399"/>
-            <a:ext cx="494734" cy="307777"/>
-          </a:xfrm>
-          <a:prstGeom prst="rect">
-            <a:avLst/>
-          </a:prstGeom>
-          <a:noFill/>
-        </p:spPr>
-        <p:txBody>
-          <a:bodyPr wrap="none" rtlCol="0">
-            <a:spAutoFit/>
-          </a:bodyPr>
-          <a:lstStyle/>
-          <a:p>
-            <a:r>
-              <a:rPr lang="en-US" altLang="ja-JP" sz="1400" dirty="0" smtClean="0">
-                <a:latin typeface="メイリオ"/>
-                <a:ea typeface="メイリオ"/>
-                <a:cs typeface="メイリオ"/>
-              </a:rPr>
-              <a:t>. . .</a:t>
-            </a:r>
-            <a:endParaRPr kumimoji="1" lang="ja-JP" altLang="en-US" sz="1400" dirty="0">
-              <a:latin typeface="メイリオ"/>
-              <a:ea typeface="メイリオ"/>
-              <a:cs typeface="メイリオ"/>
-            </a:endParaRPr>
-          </a:p>
-        </p:txBody>
-      </p:sp>
-      <p:sp>
-        <p:nvSpPr>
-          <p:cNvPr id="67" name="二等辺三角形 66"/>
-          <p:cNvSpPr/>
-          <p:nvPr/>
-        </p:nvSpPr>
-        <p:spPr>
-          <a:xfrm rot="5400000">
-            <a:off x="5439130" y="1683849"/>
-            <a:ext cx="179370" cy="181212"/>
-          </a:xfrm>
-          <a:prstGeom prst="triangle">
-            <a:avLst/>
-          </a:prstGeom>
-          <a:solidFill>
-            <a:srgbClr val="F75D31"/>
-          </a:solidFill>
-          <a:ln>
-            <a:noFill/>
-          </a:ln>
-          <a:effectLst/>
-        </p:spPr>
-        <p:style>
-          <a:lnRef idx="1">
-            <a:schemeClr val="accent1"/>
-          </a:lnRef>
-          <a:fillRef idx="3">
-            <a:schemeClr val="accent1"/>
-          </a:fillRef>
-          <a:effectRef idx="2">
-            <a:schemeClr val="accent1"/>
-          </a:effectRef>
-          <a:fontRef idx="minor">
-            <a:schemeClr val="lt1"/>
-          </a:fontRef>
-        </p:style>
-        <p:txBody>
-          <a:bodyPr rtlCol="0" anchor="ctr"/>
-          <a:lstStyle/>
-          <a:p>
-            <a:pPr algn="ctr"/>
-            <a:endParaRPr kumimoji="1" lang="ja-JP" altLang="en-US"/>
-          </a:p>
-        </p:txBody>
-      </p:sp>
-      <p:sp>
-        <p:nvSpPr>
-          <p:cNvPr id="68" name="二等辺三角形 67"/>
-          <p:cNvSpPr/>
-          <p:nvPr/>
-        </p:nvSpPr>
-        <p:spPr>
-          <a:xfrm rot="16200000">
-            <a:off x="3923520" y="1684770"/>
-            <a:ext cx="180000" cy="180000"/>
-          </a:xfrm>
-          <a:prstGeom prst="triangle">
-            <a:avLst/>
-          </a:prstGeom>
-          <a:solidFill>
-            <a:srgbClr val="F75D31"/>
-          </a:solidFill>
-          <a:ln>
-            <a:noFill/>
-          </a:ln>
-          <a:effectLst/>
-        </p:spPr>
-        <p:style>
-          <a:lnRef idx="1">
-            <a:schemeClr val="accent1"/>
-          </a:lnRef>
-          <a:fillRef idx="3">
-            <a:schemeClr val="accent1"/>
-          </a:fillRef>
-          <a:effectRef idx="2">
-            <a:schemeClr val="accent1"/>
-          </a:effectRef>
-          <a:fontRef idx="minor">
-            <a:schemeClr val="lt1"/>
-          </a:fontRef>
-        </p:style>
-        <p:txBody>
-          <a:bodyPr rtlCol="0" anchor="ctr"/>
-          <a:lstStyle/>
-          <a:p>
-            <a:pPr algn="ctr"/>
-            <a:endParaRPr kumimoji="1" lang="ja-JP" altLang="en-US"/>
-          </a:p>
-        </p:txBody>
-      </p:sp>
-      <p:sp>
-        <p:nvSpPr>
-          <p:cNvPr id="69" name="テキスト ボックス 68"/>
-          <p:cNvSpPr txBox="1"/>
-          <p:nvPr/>
-        </p:nvSpPr>
-        <p:spPr>
-          <a:xfrm>
-            <a:off x="5013885" y="1632399"/>
-            <a:ext cx="407684" cy="307777"/>
-          </a:xfrm>
-          <a:prstGeom prst="rect">
-            <a:avLst/>
-          </a:prstGeom>
-          <a:noFill/>
-        </p:spPr>
-        <p:txBody>
-          <a:bodyPr wrap="none" rtlCol="0">
-            <a:spAutoFit/>
-          </a:bodyPr>
-          <a:lstStyle/>
-          <a:p>
-            <a:r>
-              <a:rPr lang="en-US" altLang="ja-JP" sz="1400" dirty="0" smtClean="0">
-                <a:latin typeface="メイリオ"/>
-                <a:ea typeface="メイリオ"/>
-                <a:cs typeface="メイリオ"/>
-              </a:rPr>
-              <a:t>20</a:t>
-            </a:r>
-            <a:endParaRPr kumimoji="1" lang="ja-JP" altLang="en-US" sz="1400" dirty="0">
-              <a:latin typeface="メイリオ"/>
-              <a:ea typeface="メイリオ"/>
-              <a:cs typeface="メイリオ"/>
-            </a:endParaRPr>
-          </a:p>
-        </p:txBody>
-      </p:sp>
-      <p:sp>
-        <p:nvSpPr>
-          <p:cNvPr id="21" name="テキスト ボックス 20"/>
-          <p:cNvSpPr txBox="1"/>
-          <p:nvPr/>
-        </p:nvSpPr>
-        <p:spPr>
-          <a:xfrm>
-            <a:off x="993905" y="1630084"/>
-            <a:ext cx="2623046" cy="307777"/>
-          </a:xfrm>
-          <a:prstGeom prst="rect">
-            <a:avLst/>
-          </a:prstGeom>
-          <a:noFill/>
-        </p:spPr>
-        <p:txBody>
-          <a:bodyPr wrap="none" rtlCol="0">
-            <a:spAutoFit/>
-          </a:bodyPr>
-          <a:lstStyle/>
-          <a:p>
-            <a:r>
-              <a:rPr lang="en-US" altLang="ja-JP" sz="1400" dirty="0" smtClean="0">
-                <a:latin typeface="メイリオ"/>
-                <a:ea typeface="メイリオ"/>
-                <a:cs typeface="メイリオ"/>
-              </a:rPr>
-              <a:t>xxx </a:t>
-            </a:r>
-            <a:r>
-              <a:rPr lang="ja-JP" altLang="en-US" sz="1400" dirty="0" smtClean="0">
-                <a:latin typeface="メイリオ"/>
-                <a:ea typeface="メイリオ"/>
-                <a:cs typeface="メイリオ"/>
-              </a:rPr>
-              <a:t>件中</a:t>
-            </a:r>
-            <a:r>
-              <a:rPr lang="en-US" altLang="ja-JP" sz="1400" dirty="0" smtClean="0">
-                <a:latin typeface="メイリオ"/>
-                <a:ea typeface="メイリオ"/>
-                <a:cs typeface="メイリオ"/>
-              </a:rPr>
-              <a:t> </a:t>
-            </a:r>
-            <a:r>
-              <a:rPr lang="en-US" altLang="ja-JP" sz="1400" dirty="0" err="1" smtClean="0">
-                <a:latin typeface="メイリオ"/>
-                <a:ea typeface="メイリオ"/>
-                <a:cs typeface="メイリオ"/>
-              </a:rPr>
-              <a:t>yyy</a:t>
-            </a:r>
-            <a:r>
-              <a:rPr lang="en-US" altLang="ja-JP" sz="1400" dirty="0" smtClean="0">
-                <a:latin typeface="メイリオ"/>
-                <a:ea typeface="メイリオ"/>
-                <a:cs typeface="メイリオ"/>
-              </a:rPr>
-              <a:t> 〜 </a:t>
-            </a:r>
-            <a:r>
-              <a:rPr lang="en-US" altLang="ja-JP" sz="1400" dirty="0" err="1" smtClean="0">
-                <a:latin typeface="メイリオ"/>
-                <a:ea typeface="メイリオ"/>
-                <a:cs typeface="メイリオ"/>
-              </a:rPr>
-              <a:t>zzz</a:t>
-            </a:r>
-            <a:r>
-              <a:rPr lang="en-US" altLang="ja-JP" sz="1400" dirty="0" smtClean="0">
-                <a:latin typeface="メイリオ"/>
-                <a:ea typeface="メイリオ"/>
-                <a:cs typeface="メイリオ"/>
-              </a:rPr>
-              <a:t> </a:t>
-            </a:r>
-            <a:r>
-              <a:rPr lang="ja-JP" altLang="en-US" sz="1400" dirty="0" smtClean="0">
-                <a:latin typeface="メイリオ"/>
-                <a:ea typeface="メイリオ"/>
-                <a:cs typeface="メイリオ"/>
-              </a:rPr>
-              <a:t>件を表示</a:t>
-            </a:r>
-            <a:endParaRPr kumimoji="1" lang="ja-JP" altLang="en-US" sz="1400" dirty="0">
-              <a:latin typeface="メイリオ"/>
-              <a:ea typeface="メイリオ"/>
-              <a:cs typeface="メイリオ"/>
-            </a:endParaRPr>
-          </a:p>
-        </p:txBody>
-      </p:sp>
-      <p:sp>
-        <p:nvSpPr>
-          <p:cNvPr id="22" name="二等辺三角形 21"/>
-          <p:cNvSpPr/>
-          <p:nvPr/>
-        </p:nvSpPr>
-        <p:spPr>
-          <a:xfrm rot="16200000">
-            <a:off x="3596344" y="1684770"/>
-            <a:ext cx="180000" cy="180000"/>
-          </a:xfrm>
-          <a:prstGeom prst="triangle">
-            <a:avLst/>
-          </a:prstGeom>
-          <a:solidFill>
-            <a:srgbClr val="F75D31"/>
-          </a:solidFill>
-          <a:ln>
-            <a:noFill/>
-          </a:ln>
-          <a:effectLst/>
-        </p:spPr>
-        <p:style>
-          <a:lnRef idx="1">
-            <a:schemeClr val="accent1"/>
-          </a:lnRef>
-          <a:fillRef idx="3">
-            <a:schemeClr val="accent1"/>
-          </a:fillRef>
-          <a:effectRef idx="2">
-            <a:schemeClr val="accent1"/>
-          </a:effectRef>
-          <a:fontRef idx="minor">
-            <a:schemeClr val="lt1"/>
-          </a:fontRef>
-        </p:style>
-        <p:txBody>
-          <a:bodyPr rtlCol="0" anchor="ctr"/>
-          <a:lstStyle/>
-          <a:p>
-            <a:pPr algn="ctr"/>
-            <a:endParaRPr kumimoji="1" lang="ja-JP" altLang="en-US"/>
-          </a:p>
-        </p:txBody>
-      </p:sp>
-      <p:sp>
-        <p:nvSpPr>
-          <p:cNvPr id="23" name="二等辺三角形 22"/>
-          <p:cNvSpPr/>
-          <p:nvPr/>
-        </p:nvSpPr>
-        <p:spPr>
-          <a:xfrm rot="16200000">
-            <a:off x="3693379" y="1684140"/>
-            <a:ext cx="180000" cy="180000"/>
-          </a:xfrm>
-          <a:prstGeom prst="triangle">
-            <a:avLst/>
-          </a:prstGeom>
-          <a:solidFill>
-            <a:srgbClr val="F75D31"/>
-          </a:solidFill>
-          <a:ln>
-            <a:noFill/>
-          </a:ln>
-          <a:effectLst/>
-        </p:spPr>
-        <p:style>
-          <a:lnRef idx="1">
-            <a:schemeClr val="accent1"/>
-          </a:lnRef>
-          <a:fillRef idx="3">
-            <a:schemeClr val="accent1"/>
-          </a:fillRef>
-          <a:effectRef idx="2">
-            <a:schemeClr val="accent1"/>
-          </a:effectRef>
-          <a:fontRef idx="minor">
-            <a:schemeClr val="lt1"/>
-          </a:fontRef>
-        </p:style>
-        <p:txBody>
-          <a:bodyPr rtlCol="0" anchor="ctr"/>
-          <a:lstStyle/>
-          <a:p>
-            <a:pPr algn="ctr"/>
-            <a:endParaRPr kumimoji="1" lang="ja-JP" altLang="en-US"/>
-          </a:p>
-        </p:txBody>
-      </p:sp>
-      <p:sp>
-        <p:nvSpPr>
-          <p:cNvPr id="24" name="二等辺三角形 23"/>
-          <p:cNvSpPr/>
-          <p:nvPr/>
-        </p:nvSpPr>
-        <p:spPr>
-          <a:xfrm rot="5400000">
-            <a:off x="5764549" y="1684479"/>
-            <a:ext cx="179370" cy="181212"/>
-          </a:xfrm>
-          <a:prstGeom prst="triangle">
-            <a:avLst/>
-          </a:prstGeom>
-          <a:solidFill>
-            <a:srgbClr val="F75D31"/>
-          </a:solidFill>
-          <a:ln>
-            <a:noFill/>
-          </a:ln>
-          <a:effectLst/>
-        </p:spPr>
-        <p:style>
-          <a:lnRef idx="1">
-            <a:schemeClr val="accent1"/>
-          </a:lnRef>
-          <a:fillRef idx="3">
-            <a:schemeClr val="accent1"/>
-          </a:fillRef>
-          <a:effectRef idx="2">
-            <a:schemeClr val="accent1"/>
-          </a:effectRef>
-          <a:fontRef idx="minor">
-            <a:schemeClr val="lt1"/>
-          </a:fontRef>
-        </p:style>
-        <p:txBody>
-          <a:bodyPr rtlCol="0" anchor="ctr"/>
-          <a:lstStyle/>
-          <a:p>
-            <a:pPr algn="ctr"/>
-            <a:endParaRPr kumimoji="1" lang="ja-JP" altLang="en-US"/>
-          </a:p>
-        </p:txBody>
-      </p:sp>
-      <p:sp>
-        <p:nvSpPr>
-          <p:cNvPr id="25" name="二等辺三角形 24"/>
-          <p:cNvSpPr/>
-          <p:nvPr/>
-        </p:nvSpPr>
-        <p:spPr>
-          <a:xfrm rot="5400000">
-            <a:off x="5673943" y="1684479"/>
-            <a:ext cx="179370" cy="181212"/>
-          </a:xfrm>
-          <a:prstGeom prst="triangle">
-            <a:avLst/>
-          </a:prstGeom>
-          <a:solidFill>
-            <a:srgbClr val="F75D31"/>
-          </a:solidFill>
-          <a:ln>
-            <a:noFill/>
-          </a:ln>
-          <a:effectLst/>
-        </p:spPr>
-        <p:style>
-          <a:lnRef idx="1">
-            <a:schemeClr val="accent1"/>
-          </a:lnRef>
-          <a:fillRef idx="3">
-            <a:schemeClr val="accent1"/>
-          </a:fillRef>
-          <a:effectRef idx="2">
-            <a:schemeClr val="accent1"/>
-          </a:effectRef>
-          <a:fontRef idx="minor">
-            <a:schemeClr val="lt1"/>
-          </a:fontRef>
-        </p:style>
-        <p:txBody>
-          <a:bodyPr rtlCol="0" anchor="ctr"/>
-          <a:lstStyle/>
-          <a:p>
-            <a:pPr algn="ctr"/>
-            <a:endParaRPr kumimoji="1" lang="ja-JP" altLang="en-US"/>
-          </a:p>
-        </p:txBody>
-      </p:sp>
-      <p:sp>
-        <p:nvSpPr>
-          <p:cNvPr id="28" name="角丸四角形 27"/>
-          <p:cNvSpPr/>
-          <p:nvPr/>
-        </p:nvSpPr>
-        <p:spPr>
-          <a:xfrm>
-            <a:off x="1469168" y="1187601"/>
-            <a:ext cx="562830" cy="165946"/>
-          </a:xfrm>
-          <a:prstGeom prst="roundRect">
-            <a:avLst/>
-          </a:prstGeom>
-          <a:noFill/>
-          <a:ln w="25400">
-            <a:solidFill>
-              <a:schemeClr val="tx1"/>
-            </a:solidFill>
-          </a:ln>
-          <a:effectLst/>
-        </p:spPr>
-        <p:style>
-          <a:lnRef idx="1">
-            <a:schemeClr val="accent1"/>
-          </a:lnRef>
-          <a:fillRef idx="3">
-            <a:schemeClr val="accent1"/>
-          </a:fillRef>
-          <a:effectRef idx="2">
-            <a:schemeClr val="accent1"/>
-          </a:effectRef>
-          <a:fontRef idx="minor">
-            <a:schemeClr val="lt1"/>
-          </a:fontRef>
-        </p:style>
-        <p:txBody>
-          <a:bodyPr rtlCol="0" anchor="ctr"/>
-          <a:lstStyle/>
-          <a:p>
-            <a:pPr algn="ctr"/>
-            <a:endParaRPr kumimoji="1" lang="ja-JP" altLang="en-US"/>
-          </a:p>
-        </p:txBody>
-      </p:sp>
-      <p:sp>
-        <p:nvSpPr>
-          <p:cNvPr id="29" name="テキスト ボックス 28"/>
-          <p:cNvSpPr txBox="1"/>
-          <p:nvPr/>
-        </p:nvSpPr>
-        <p:spPr>
-          <a:xfrm>
-            <a:off x="890993" y="1114621"/>
-            <a:ext cx="646331" cy="276999"/>
-          </a:xfrm>
-          <a:prstGeom prst="rect">
-            <a:avLst/>
-          </a:prstGeom>
-          <a:noFill/>
-        </p:spPr>
-        <p:txBody>
-          <a:bodyPr wrap="none" rtlCol="0">
-            <a:spAutoFit/>
-          </a:bodyPr>
-          <a:lstStyle/>
-          <a:p>
-            <a:r>
-              <a:rPr kumimoji="1" lang="ja-JP" altLang="en-US" sz="1200" dirty="0" smtClean="0">
-                <a:latin typeface="メイリオ"/>
-                <a:ea typeface="メイリオ"/>
-                <a:cs typeface="メイリオ"/>
-              </a:rPr>
-              <a:t>日付：</a:t>
-            </a:r>
-            <a:endParaRPr kumimoji="1" lang="ja-JP" altLang="en-US" sz="1200" dirty="0">
-              <a:latin typeface="メイリオ"/>
-              <a:ea typeface="メイリオ"/>
-              <a:cs typeface="メイリオ"/>
-            </a:endParaRPr>
-          </a:p>
-        </p:txBody>
-      </p:sp>
-      <p:sp>
-        <p:nvSpPr>
-          <p:cNvPr id="30" name="角丸四角形 29"/>
-          <p:cNvSpPr/>
-          <p:nvPr/>
-        </p:nvSpPr>
-        <p:spPr>
-          <a:xfrm>
-            <a:off x="2646774" y="1187601"/>
-            <a:ext cx="797002" cy="165946"/>
-          </a:xfrm>
-          <a:prstGeom prst="roundRect">
-            <a:avLst/>
-          </a:prstGeom>
-          <a:noFill/>
-          <a:ln w="25400">
-            <a:solidFill>
-              <a:schemeClr val="tx1"/>
-            </a:solidFill>
-          </a:ln>
-          <a:effectLst/>
-        </p:spPr>
-        <p:style>
-          <a:lnRef idx="1">
-            <a:schemeClr val="accent1"/>
-          </a:lnRef>
-          <a:fillRef idx="3">
-            <a:schemeClr val="accent1"/>
-          </a:fillRef>
-          <a:effectRef idx="2">
-            <a:schemeClr val="accent1"/>
-          </a:effectRef>
-          <a:fontRef idx="minor">
-            <a:schemeClr val="lt1"/>
-          </a:fontRef>
-        </p:style>
-        <p:txBody>
-          <a:bodyPr rtlCol="0" anchor="ctr"/>
-          <a:lstStyle/>
-          <a:p>
-            <a:pPr algn="ctr"/>
-            <a:endParaRPr kumimoji="1" lang="ja-JP" altLang="en-US"/>
-          </a:p>
-        </p:txBody>
-      </p:sp>
-      <p:sp>
-        <p:nvSpPr>
-          <p:cNvPr id="31" name="テキスト ボックス 30"/>
-          <p:cNvSpPr txBox="1"/>
-          <p:nvPr/>
-        </p:nvSpPr>
-        <p:spPr>
-          <a:xfrm>
-            <a:off x="2046815" y="1111063"/>
-            <a:ext cx="646331" cy="276999"/>
-          </a:xfrm>
-          <a:prstGeom prst="rect">
-            <a:avLst/>
-          </a:prstGeom>
-          <a:noFill/>
-        </p:spPr>
-        <p:txBody>
-          <a:bodyPr wrap="none" rtlCol="0">
-            <a:spAutoFit/>
-          </a:bodyPr>
-          <a:lstStyle/>
-          <a:p>
-            <a:r>
-              <a:rPr lang="ja-JP" altLang="en-US" sz="1200" dirty="0" smtClean="0">
-                <a:latin typeface="メイリオ"/>
-                <a:ea typeface="メイリオ"/>
-                <a:cs typeface="メイリオ"/>
-              </a:rPr>
-              <a:t>内容</a:t>
-            </a:r>
-            <a:r>
-              <a:rPr kumimoji="1" lang="ja-JP" altLang="en-US" sz="1200" dirty="0" smtClean="0">
-                <a:latin typeface="メイリオ"/>
-                <a:ea typeface="メイリオ"/>
-                <a:cs typeface="メイリオ"/>
-              </a:rPr>
-              <a:t>：</a:t>
-            </a:r>
-            <a:endParaRPr kumimoji="1" lang="ja-JP" altLang="en-US" sz="1200" dirty="0">
-              <a:latin typeface="メイリオ"/>
-              <a:ea typeface="メイリオ"/>
-              <a:cs typeface="メイリオ"/>
-            </a:endParaRPr>
-          </a:p>
-        </p:txBody>
-      </p:sp>
-      <p:sp>
-        <p:nvSpPr>
-          <p:cNvPr id="32" name="角丸四角形 31"/>
-          <p:cNvSpPr/>
-          <p:nvPr/>
-        </p:nvSpPr>
-        <p:spPr>
-          <a:xfrm>
-            <a:off x="4369749" y="1187601"/>
-            <a:ext cx="560480" cy="165946"/>
-          </a:xfrm>
-          <a:prstGeom prst="roundRect">
-            <a:avLst/>
-          </a:prstGeom>
-          <a:noFill/>
-          <a:ln w="25400">
-            <a:solidFill>
-              <a:schemeClr val="tx1"/>
-            </a:solidFill>
-          </a:ln>
-          <a:effectLst/>
-        </p:spPr>
-        <p:style>
-          <a:lnRef idx="1">
-            <a:schemeClr val="accent1"/>
-          </a:lnRef>
-          <a:fillRef idx="3">
-            <a:schemeClr val="accent1"/>
-          </a:fillRef>
-          <a:effectRef idx="2">
-            <a:schemeClr val="accent1"/>
-          </a:effectRef>
-          <a:fontRef idx="minor">
-            <a:schemeClr val="lt1"/>
-          </a:fontRef>
-        </p:style>
-        <p:txBody>
-          <a:bodyPr rtlCol="0" anchor="ctr"/>
-          <a:lstStyle/>
-          <a:p>
-            <a:pPr algn="ctr"/>
-            <a:endParaRPr kumimoji="1" lang="ja-JP" altLang="en-US"/>
-          </a:p>
-        </p:txBody>
-      </p:sp>
-      <p:sp>
-        <p:nvSpPr>
-          <p:cNvPr id="33" name="テキスト ボックス 32"/>
-          <p:cNvSpPr txBox="1"/>
-          <p:nvPr/>
-        </p:nvSpPr>
-        <p:spPr>
-          <a:xfrm>
-            <a:off x="3461822" y="1118689"/>
-            <a:ext cx="954107" cy="276999"/>
-          </a:xfrm>
-          <a:prstGeom prst="rect">
-            <a:avLst/>
-          </a:prstGeom>
-          <a:noFill/>
-        </p:spPr>
-        <p:txBody>
-          <a:bodyPr wrap="none" rtlCol="0">
-            <a:spAutoFit/>
-          </a:bodyPr>
-          <a:lstStyle/>
-          <a:p>
-            <a:r>
-              <a:rPr lang="ja-JP" altLang="en-US" sz="1200" dirty="0" smtClean="0">
-                <a:latin typeface="メイリオ"/>
-                <a:ea typeface="メイリオ"/>
-                <a:cs typeface="メイリオ"/>
-              </a:rPr>
-              <a:t>カテゴリ</a:t>
-            </a:r>
-            <a:r>
-              <a:rPr kumimoji="1" lang="ja-JP" altLang="en-US" sz="1200" dirty="0" smtClean="0">
-                <a:latin typeface="メイリオ"/>
-                <a:ea typeface="メイリオ"/>
-                <a:cs typeface="メイリオ"/>
-              </a:rPr>
-              <a:t>：</a:t>
-            </a:r>
-            <a:endParaRPr kumimoji="1" lang="ja-JP" altLang="en-US" sz="1200" dirty="0">
-              <a:latin typeface="メイリオ"/>
-              <a:ea typeface="メイリオ"/>
-              <a:cs typeface="メイリオ"/>
-            </a:endParaRPr>
-          </a:p>
-        </p:txBody>
-      </p:sp>
-      <p:sp>
-        <p:nvSpPr>
-          <p:cNvPr id="34" name="角丸四角形 33"/>
-          <p:cNvSpPr/>
-          <p:nvPr/>
-        </p:nvSpPr>
-        <p:spPr>
-          <a:xfrm>
-            <a:off x="5569022" y="1187601"/>
-            <a:ext cx="561630" cy="165946"/>
-          </a:xfrm>
-          <a:prstGeom prst="roundRect">
-            <a:avLst/>
-          </a:prstGeom>
-          <a:noFill/>
-          <a:ln w="25400">
-            <a:solidFill>
-              <a:schemeClr val="tx1"/>
-            </a:solidFill>
-          </a:ln>
-          <a:effectLst/>
-        </p:spPr>
-        <p:style>
-          <a:lnRef idx="1">
-            <a:schemeClr val="accent1"/>
-          </a:lnRef>
-          <a:fillRef idx="3">
-            <a:schemeClr val="accent1"/>
-          </a:fillRef>
-          <a:effectRef idx="2">
-            <a:schemeClr val="accent1"/>
-          </a:effectRef>
-          <a:fontRef idx="minor">
-            <a:schemeClr val="lt1"/>
-          </a:fontRef>
-        </p:style>
-        <p:txBody>
-          <a:bodyPr rtlCol="0" anchor="ctr"/>
-          <a:lstStyle/>
-          <a:p>
-            <a:pPr algn="ctr"/>
-            <a:endParaRPr kumimoji="1" lang="ja-JP" altLang="en-US"/>
-          </a:p>
-        </p:txBody>
-      </p:sp>
-      <p:sp>
-        <p:nvSpPr>
-          <p:cNvPr id="35" name="テキスト ボックス 34"/>
-          <p:cNvSpPr txBox="1"/>
-          <p:nvPr/>
-        </p:nvSpPr>
-        <p:spPr>
-          <a:xfrm>
-            <a:off x="4957326" y="1128924"/>
-            <a:ext cx="646331" cy="276999"/>
-          </a:xfrm>
-          <a:prstGeom prst="rect">
-            <a:avLst/>
-          </a:prstGeom>
-          <a:noFill/>
-        </p:spPr>
-        <p:txBody>
-          <a:bodyPr wrap="none" rtlCol="0">
-            <a:spAutoFit/>
-          </a:bodyPr>
-          <a:lstStyle/>
-          <a:p>
-            <a:r>
-              <a:rPr lang="ja-JP" altLang="en-US" sz="1200" dirty="0" smtClean="0">
-                <a:latin typeface="メイリオ"/>
-                <a:ea typeface="メイリオ"/>
-                <a:cs typeface="メイリオ"/>
-              </a:rPr>
-              <a:t>金額</a:t>
-            </a:r>
-            <a:r>
-              <a:rPr kumimoji="1" lang="ja-JP" altLang="en-US" sz="1200" dirty="0" smtClean="0">
-                <a:latin typeface="メイリオ"/>
-                <a:ea typeface="メイリオ"/>
-                <a:cs typeface="メイリオ"/>
-              </a:rPr>
-              <a:t>：</a:t>
-            </a:r>
-            <a:endParaRPr kumimoji="1" lang="ja-JP" altLang="en-US" sz="1200" dirty="0">
-              <a:latin typeface="メイリオ"/>
-              <a:ea typeface="メイリオ"/>
-              <a:cs typeface="メイリオ"/>
-            </a:endParaRPr>
-          </a:p>
-        </p:txBody>
-      </p:sp>
-      <p:sp>
-        <p:nvSpPr>
-          <p:cNvPr id="36" name="角丸四角形 35"/>
-          <p:cNvSpPr/>
-          <p:nvPr/>
-        </p:nvSpPr>
-        <p:spPr>
-          <a:xfrm>
-            <a:off x="6515245" y="1118689"/>
-            <a:ext cx="550589" cy="299213"/>
-          </a:xfrm>
-          <a:prstGeom prst="roundRect">
-            <a:avLst/>
-          </a:prstGeom>
-          <a:noFill/>
-          <a:ln w="25400">
-            <a:solidFill>
-              <a:schemeClr val="tx1"/>
-            </a:solidFill>
-          </a:ln>
-          <a:effectLst/>
-        </p:spPr>
-        <p:style>
-          <a:lnRef idx="1">
-            <a:schemeClr val="accent1"/>
-          </a:lnRef>
-          <a:fillRef idx="3">
-            <a:schemeClr val="accent1"/>
-          </a:fillRef>
-          <a:effectRef idx="2">
-            <a:schemeClr val="accent1"/>
-          </a:effectRef>
-          <a:fontRef idx="minor">
-            <a:schemeClr val="lt1"/>
-          </a:fontRef>
-        </p:style>
-        <p:txBody>
-          <a:bodyPr rtlCol="0" anchor="ctr"/>
-          <a:lstStyle/>
-          <a:p>
-            <a:pPr algn="ctr"/>
-            <a:r>
-              <a:rPr kumimoji="1" lang="ja-JP" altLang="en-US" sz="1200" dirty="0" smtClean="0">
-                <a:solidFill>
-                  <a:schemeClr val="tx1"/>
-                </a:solidFill>
-                <a:latin typeface="メイリオ"/>
-                <a:ea typeface="メイリオ"/>
-                <a:cs typeface="メイリオ"/>
-              </a:rPr>
-              <a:t>登録</a:t>
-            </a:r>
-            <a:endParaRPr kumimoji="1" lang="ja-JP" altLang="en-US" sz="1200" dirty="0">
-              <a:solidFill>
-                <a:schemeClr val="tx1"/>
-              </a:solidFill>
-              <a:latin typeface="メイリオ"/>
-              <a:ea typeface="メイリオ"/>
-              <a:cs typeface="メイリオ"/>
-            </a:endParaRPr>
-          </a:p>
-        </p:txBody>
-      </p:sp>
-      <p:sp>
-        <p:nvSpPr>
-          <p:cNvPr id="37" name="角丸四角形 36"/>
-          <p:cNvSpPr/>
-          <p:nvPr/>
-        </p:nvSpPr>
-        <p:spPr>
-          <a:xfrm>
-            <a:off x="7239002" y="1121482"/>
-            <a:ext cx="864625" cy="299213"/>
-          </a:xfrm>
-          <a:prstGeom prst="roundRect">
-            <a:avLst/>
-          </a:prstGeom>
-          <a:noFill/>
-          <a:ln w="25400">
-            <a:solidFill>
-              <a:schemeClr val="tx1"/>
-            </a:solidFill>
-          </a:ln>
-          <a:effectLst/>
-        </p:spPr>
-        <p:style>
-          <a:lnRef idx="1">
-            <a:schemeClr val="accent1"/>
-          </a:lnRef>
-          <a:fillRef idx="3">
-            <a:schemeClr val="accent1"/>
-          </a:fillRef>
-          <a:effectRef idx="2">
-            <a:schemeClr val="accent1"/>
-          </a:effectRef>
-          <a:fontRef idx="minor">
-            <a:schemeClr val="lt1"/>
-          </a:fontRef>
-        </p:style>
-        <p:txBody>
-          <a:bodyPr rtlCol="0" anchor="ctr"/>
-          <a:lstStyle/>
-          <a:p>
-            <a:pPr algn="ctr"/>
-            <a:r>
-              <a:rPr lang="en-US" altLang="en-US" sz="1200" dirty="0" smtClean="0">
-                <a:solidFill>
-                  <a:schemeClr val="tx1"/>
-                </a:solidFill>
-                <a:latin typeface="メイリオ"/>
-                <a:ea typeface="メイリオ"/>
-                <a:cs typeface="メイリオ"/>
-              </a:rPr>
-              <a:t>リセット</a:t>
-            </a:r>
-            <a:endParaRPr kumimoji="1" lang="ja-JP" altLang="en-US" sz="1200" dirty="0">
-              <a:solidFill>
-                <a:schemeClr val="tx1"/>
-              </a:solidFill>
-              <a:latin typeface="メイリオ"/>
-              <a:ea typeface="メイリオ"/>
-              <a:cs typeface="メイリオ"/>
-            </a:endParaRPr>
-          </a:p>
-        </p:txBody>
-      </p:sp>
       <p:cxnSp>
         <p:nvCxnSpPr>
-          <p:cNvPr id="38" name="直線コネクタ 37"/>
-          <p:cNvCxnSpPr/>
+          <p:cNvPr id="43" name="直線コネクタ 42"/>
+          <p:cNvCxnSpPr>
+            <a:stCxn id="2" idx="1"/>
+            <a:endCxn id="2" idx="3"/>
+          </p:cNvCxnSpPr>
           <p:nvPr/>
         </p:nvCxnSpPr>
         <p:spPr>
           <a:xfrm>
-            <a:off x="923931" y="1547091"/>
-            <a:ext cx="7250251" cy="0"/>
+            <a:off x="2920983" y="2885255"/>
+            <a:ext cx="2989891" cy="0"/>
           </a:xfrm>
           <a:prstGeom prst="line">
             <a:avLst/>
@@ -11088,14 +12857,14 @@
       </p:cxnSp>
       <p:graphicFrame>
         <p:nvGraphicFramePr>
-          <p:cNvPr id="39" name="表 38"/>
+          <p:cNvPr id="45" name="表 44"/>
           <p:cNvGraphicFramePr>
             <a:graphicFrameLocks noGrp="1"/>
           </p:cNvGraphicFramePr>
           <p:nvPr>
             <p:extLst>
               <p:ext uri="{D42A27DB-BD31-4B8C-83A1-F6EECF244321}">
-                <p14:modId xmlns:p14="http://schemas.microsoft.com/office/powerpoint/2010/main" val="2838429161"/>
+                <p14:modId xmlns:p14="http://schemas.microsoft.com/office/powerpoint/2010/main" val="4240997523"/>
               </p:ext>
             </p:extLst>
           </p:nvPr>
@@ -11494,7 +13263,7 @@
                     <a:bodyPr/>
                     <a:lstStyle/>
                     <a:p>
-                      <a:endParaRPr kumimoji="1" lang="ja-JP" altLang="en-US"/>
+                      <a:endParaRPr kumimoji="1" lang="ja-JP" altLang="en-US" dirty="0"/>
                     </a:p>
                   </a:txBody>
                   <a:tcPr/>
@@ -11536,7 +13305,7 @@
                     <a:bodyPr/>
                     <a:lstStyle/>
                     <a:p>
-                      <a:endParaRPr kumimoji="1" lang="ja-JP" altLang="en-US"/>
+                      <a:endParaRPr kumimoji="1" lang="ja-JP" altLang="en-US" dirty="0"/>
                     </a:p>
                   </a:txBody>
                   <a:tcPr/>
@@ -11632,13 +13401,1555 @@
       </p:graphicFrame>
       <p:sp>
         <p:nvSpPr>
-          <p:cNvPr id="55" name="正方形/長方形 54"/>
+          <p:cNvPr id="46" name="正方形/長方形 45"/>
           <p:cNvSpPr/>
           <p:nvPr/>
         </p:nvSpPr>
         <p:spPr>
           <a:xfrm>
             <a:off x="783269" y="935182"/>
+            <a:ext cx="7575640" cy="5541817"/>
+          </a:xfrm>
+          <a:prstGeom prst="rect">
+            <a:avLst/>
+          </a:prstGeom>
+          <a:noFill/>
+          <a:ln w="25400">
+            <a:solidFill>
+              <a:schemeClr val="tx1"/>
+            </a:solidFill>
+          </a:ln>
+          <a:effectLst/>
+        </p:spPr>
+        <p:style>
+          <a:lnRef idx="1">
+            <a:schemeClr val="accent1"/>
+          </a:lnRef>
+          <a:fillRef idx="3">
+            <a:schemeClr val="accent1"/>
+          </a:fillRef>
+          <a:effectRef idx="2">
+            <a:schemeClr val="accent1"/>
+          </a:effectRef>
+          <a:fontRef idx="minor">
+            <a:schemeClr val="lt1"/>
+          </a:fontRef>
+        </p:style>
+        <p:txBody>
+          <a:bodyPr rtlCol="0" anchor="ctr"/>
+          <a:lstStyle/>
+          <a:p>
+            <a:pPr algn="ctr"/>
+            <a:endParaRPr kumimoji="1" lang="ja-JP" altLang="en-US" sz="2800" dirty="0">
+              <a:solidFill>
+                <a:schemeClr val="tx1"/>
+              </a:solidFill>
+              <a:latin typeface="メイリオ"/>
+              <a:ea typeface="メイリオ"/>
+              <a:cs typeface="メイリオ"/>
+            </a:endParaRPr>
+          </a:p>
+        </p:txBody>
+      </p:sp>
+      <p:sp>
+        <p:nvSpPr>
+          <p:cNvPr id="47" name="角丸四角形 46"/>
+          <p:cNvSpPr/>
+          <p:nvPr/>
+        </p:nvSpPr>
+        <p:spPr>
+          <a:xfrm>
+            <a:off x="1469168" y="1187601"/>
+            <a:ext cx="562830" cy="165946"/>
+          </a:xfrm>
+          <a:prstGeom prst="roundRect">
+            <a:avLst/>
+          </a:prstGeom>
+          <a:noFill/>
+          <a:ln w="25400">
+            <a:solidFill>
+              <a:schemeClr val="tx1"/>
+            </a:solidFill>
+          </a:ln>
+          <a:effectLst/>
+        </p:spPr>
+        <p:style>
+          <a:lnRef idx="1">
+            <a:schemeClr val="accent1"/>
+          </a:lnRef>
+          <a:fillRef idx="3">
+            <a:schemeClr val="accent1"/>
+          </a:fillRef>
+          <a:effectRef idx="2">
+            <a:schemeClr val="accent1"/>
+          </a:effectRef>
+          <a:fontRef idx="minor">
+            <a:schemeClr val="lt1"/>
+          </a:fontRef>
+        </p:style>
+        <p:txBody>
+          <a:bodyPr rtlCol="0" anchor="ctr"/>
+          <a:lstStyle/>
+          <a:p>
+            <a:pPr algn="ctr"/>
+            <a:endParaRPr kumimoji="1" lang="ja-JP" altLang="en-US"/>
+          </a:p>
+        </p:txBody>
+      </p:sp>
+      <p:sp>
+        <p:nvSpPr>
+          <p:cNvPr id="48" name="テキスト ボックス 47"/>
+          <p:cNvSpPr txBox="1"/>
+          <p:nvPr/>
+        </p:nvSpPr>
+        <p:spPr>
+          <a:xfrm>
+            <a:off x="890993" y="1114621"/>
+            <a:ext cx="646331" cy="276999"/>
+          </a:xfrm>
+          <a:prstGeom prst="rect">
+            <a:avLst/>
+          </a:prstGeom>
+          <a:noFill/>
+        </p:spPr>
+        <p:txBody>
+          <a:bodyPr wrap="none" rtlCol="0">
+            <a:spAutoFit/>
+          </a:bodyPr>
+          <a:lstStyle/>
+          <a:p>
+            <a:r>
+              <a:rPr kumimoji="1" lang="ja-JP" altLang="en-US" sz="1200" dirty="0" smtClean="0">
+                <a:latin typeface="メイリオ"/>
+                <a:ea typeface="メイリオ"/>
+                <a:cs typeface="メイリオ"/>
+              </a:rPr>
+              <a:t>日付：</a:t>
+            </a:r>
+            <a:endParaRPr kumimoji="1" lang="ja-JP" altLang="en-US" sz="1200" dirty="0">
+              <a:latin typeface="メイリオ"/>
+              <a:ea typeface="メイリオ"/>
+              <a:cs typeface="メイリオ"/>
+            </a:endParaRPr>
+          </a:p>
+        </p:txBody>
+      </p:sp>
+      <p:sp>
+        <p:nvSpPr>
+          <p:cNvPr id="49" name="角丸四角形 48"/>
+          <p:cNvSpPr/>
+          <p:nvPr/>
+        </p:nvSpPr>
+        <p:spPr>
+          <a:xfrm>
+            <a:off x="2646774" y="1187601"/>
+            <a:ext cx="797002" cy="165946"/>
+          </a:xfrm>
+          <a:prstGeom prst="roundRect">
+            <a:avLst/>
+          </a:prstGeom>
+          <a:noFill/>
+          <a:ln w="25400">
+            <a:solidFill>
+              <a:schemeClr val="tx1"/>
+            </a:solidFill>
+          </a:ln>
+          <a:effectLst/>
+        </p:spPr>
+        <p:style>
+          <a:lnRef idx="1">
+            <a:schemeClr val="accent1"/>
+          </a:lnRef>
+          <a:fillRef idx="3">
+            <a:schemeClr val="accent1"/>
+          </a:fillRef>
+          <a:effectRef idx="2">
+            <a:schemeClr val="accent1"/>
+          </a:effectRef>
+          <a:fontRef idx="minor">
+            <a:schemeClr val="lt1"/>
+          </a:fontRef>
+        </p:style>
+        <p:txBody>
+          <a:bodyPr rtlCol="0" anchor="ctr"/>
+          <a:lstStyle/>
+          <a:p>
+            <a:pPr algn="ctr"/>
+            <a:endParaRPr kumimoji="1" lang="ja-JP" altLang="en-US"/>
+          </a:p>
+        </p:txBody>
+      </p:sp>
+      <p:sp>
+        <p:nvSpPr>
+          <p:cNvPr id="50" name="テキスト ボックス 49"/>
+          <p:cNvSpPr txBox="1"/>
+          <p:nvPr/>
+        </p:nvSpPr>
+        <p:spPr>
+          <a:xfrm>
+            <a:off x="2046815" y="1111063"/>
+            <a:ext cx="646331" cy="276999"/>
+          </a:xfrm>
+          <a:prstGeom prst="rect">
+            <a:avLst/>
+          </a:prstGeom>
+          <a:noFill/>
+        </p:spPr>
+        <p:txBody>
+          <a:bodyPr wrap="none" rtlCol="0">
+            <a:spAutoFit/>
+          </a:bodyPr>
+          <a:lstStyle/>
+          <a:p>
+            <a:r>
+              <a:rPr lang="ja-JP" altLang="en-US" sz="1200" dirty="0" smtClean="0">
+                <a:latin typeface="メイリオ"/>
+                <a:ea typeface="メイリオ"/>
+                <a:cs typeface="メイリオ"/>
+              </a:rPr>
+              <a:t>内容</a:t>
+            </a:r>
+            <a:r>
+              <a:rPr kumimoji="1" lang="ja-JP" altLang="en-US" sz="1200" dirty="0" smtClean="0">
+                <a:latin typeface="メイリオ"/>
+                <a:ea typeface="メイリオ"/>
+                <a:cs typeface="メイリオ"/>
+              </a:rPr>
+              <a:t>：</a:t>
+            </a:r>
+            <a:endParaRPr kumimoji="1" lang="ja-JP" altLang="en-US" sz="1200" dirty="0">
+              <a:latin typeface="メイリオ"/>
+              <a:ea typeface="メイリオ"/>
+              <a:cs typeface="メイリオ"/>
+            </a:endParaRPr>
+          </a:p>
+        </p:txBody>
+      </p:sp>
+      <p:sp>
+        <p:nvSpPr>
+          <p:cNvPr id="51" name="角丸四角形 50"/>
+          <p:cNvSpPr/>
+          <p:nvPr/>
+        </p:nvSpPr>
+        <p:spPr>
+          <a:xfrm>
+            <a:off x="4346659" y="1187601"/>
+            <a:ext cx="560480" cy="165946"/>
+          </a:xfrm>
+          <a:prstGeom prst="roundRect">
+            <a:avLst/>
+          </a:prstGeom>
+          <a:noFill/>
+          <a:ln w="25400">
+            <a:solidFill>
+              <a:schemeClr val="tx1"/>
+            </a:solidFill>
+          </a:ln>
+          <a:effectLst/>
+        </p:spPr>
+        <p:style>
+          <a:lnRef idx="1">
+            <a:schemeClr val="accent1"/>
+          </a:lnRef>
+          <a:fillRef idx="3">
+            <a:schemeClr val="accent1"/>
+          </a:fillRef>
+          <a:effectRef idx="2">
+            <a:schemeClr val="accent1"/>
+          </a:effectRef>
+          <a:fontRef idx="minor">
+            <a:schemeClr val="lt1"/>
+          </a:fontRef>
+        </p:style>
+        <p:txBody>
+          <a:bodyPr rtlCol="0" anchor="ctr"/>
+          <a:lstStyle/>
+          <a:p>
+            <a:pPr algn="ctr"/>
+            <a:endParaRPr kumimoji="1" lang="ja-JP" altLang="en-US"/>
+          </a:p>
+        </p:txBody>
+      </p:sp>
+      <p:sp>
+        <p:nvSpPr>
+          <p:cNvPr id="54" name="テキスト ボックス 53"/>
+          <p:cNvSpPr txBox="1"/>
+          <p:nvPr/>
+        </p:nvSpPr>
+        <p:spPr>
+          <a:xfrm>
+            <a:off x="3461822" y="1118689"/>
+            <a:ext cx="954107" cy="276999"/>
+          </a:xfrm>
+          <a:prstGeom prst="rect">
+            <a:avLst/>
+          </a:prstGeom>
+          <a:noFill/>
+        </p:spPr>
+        <p:txBody>
+          <a:bodyPr wrap="none" rtlCol="0">
+            <a:spAutoFit/>
+          </a:bodyPr>
+          <a:lstStyle/>
+          <a:p>
+            <a:r>
+              <a:rPr lang="ja-JP" altLang="en-US" sz="1200" dirty="0" smtClean="0">
+                <a:latin typeface="メイリオ"/>
+                <a:ea typeface="メイリオ"/>
+                <a:cs typeface="メイリオ"/>
+              </a:rPr>
+              <a:t>カテゴリ</a:t>
+            </a:r>
+            <a:r>
+              <a:rPr kumimoji="1" lang="ja-JP" altLang="en-US" sz="1200" dirty="0" smtClean="0">
+                <a:latin typeface="メイリオ"/>
+                <a:ea typeface="メイリオ"/>
+                <a:cs typeface="メイリオ"/>
+              </a:rPr>
+              <a:t>：</a:t>
+            </a:r>
+            <a:endParaRPr kumimoji="1" lang="ja-JP" altLang="en-US" sz="1200" dirty="0">
+              <a:latin typeface="メイリオ"/>
+              <a:ea typeface="メイリオ"/>
+              <a:cs typeface="メイリオ"/>
+            </a:endParaRPr>
+          </a:p>
+        </p:txBody>
+      </p:sp>
+      <p:sp>
+        <p:nvSpPr>
+          <p:cNvPr id="71" name="角丸四角形 70"/>
+          <p:cNvSpPr/>
+          <p:nvPr/>
+        </p:nvSpPr>
+        <p:spPr>
+          <a:xfrm>
+            <a:off x="5799922" y="1187601"/>
+            <a:ext cx="561630" cy="165946"/>
+          </a:xfrm>
+          <a:prstGeom prst="roundRect">
+            <a:avLst/>
+          </a:prstGeom>
+          <a:noFill/>
+          <a:ln w="25400">
+            <a:solidFill>
+              <a:schemeClr val="tx1"/>
+            </a:solidFill>
+          </a:ln>
+          <a:effectLst/>
+        </p:spPr>
+        <p:style>
+          <a:lnRef idx="1">
+            <a:schemeClr val="accent1"/>
+          </a:lnRef>
+          <a:fillRef idx="3">
+            <a:schemeClr val="accent1"/>
+          </a:fillRef>
+          <a:effectRef idx="2">
+            <a:schemeClr val="accent1"/>
+          </a:effectRef>
+          <a:fontRef idx="minor">
+            <a:schemeClr val="lt1"/>
+          </a:fontRef>
+        </p:style>
+        <p:txBody>
+          <a:bodyPr rtlCol="0" anchor="ctr"/>
+          <a:lstStyle/>
+          <a:p>
+            <a:pPr algn="ctr"/>
+            <a:endParaRPr kumimoji="1" lang="ja-JP" altLang="en-US"/>
+          </a:p>
+        </p:txBody>
+      </p:sp>
+      <p:sp>
+        <p:nvSpPr>
+          <p:cNvPr id="72" name="テキスト ボックス 71"/>
+          <p:cNvSpPr txBox="1"/>
+          <p:nvPr/>
+        </p:nvSpPr>
+        <p:spPr>
+          <a:xfrm>
+            <a:off x="5234406" y="1128924"/>
+            <a:ext cx="646331" cy="276999"/>
+          </a:xfrm>
+          <a:prstGeom prst="rect">
+            <a:avLst/>
+          </a:prstGeom>
+          <a:noFill/>
+        </p:spPr>
+        <p:txBody>
+          <a:bodyPr wrap="none" rtlCol="0">
+            <a:spAutoFit/>
+          </a:bodyPr>
+          <a:lstStyle/>
+          <a:p>
+            <a:r>
+              <a:rPr lang="ja-JP" altLang="en-US" sz="1200" dirty="0" smtClean="0">
+                <a:latin typeface="メイリオ"/>
+                <a:ea typeface="メイリオ"/>
+                <a:cs typeface="メイリオ"/>
+              </a:rPr>
+              <a:t>金額</a:t>
+            </a:r>
+            <a:r>
+              <a:rPr kumimoji="1" lang="ja-JP" altLang="en-US" sz="1200" dirty="0" smtClean="0">
+                <a:latin typeface="メイリオ"/>
+                <a:ea typeface="メイリオ"/>
+                <a:cs typeface="メイリオ"/>
+              </a:rPr>
+              <a:t>：</a:t>
+            </a:r>
+            <a:endParaRPr kumimoji="1" lang="ja-JP" altLang="en-US" sz="1200" dirty="0">
+              <a:latin typeface="メイリオ"/>
+              <a:ea typeface="メイリオ"/>
+              <a:cs typeface="メイリオ"/>
+            </a:endParaRPr>
+          </a:p>
+        </p:txBody>
+      </p:sp>
+      <p:sp>
+        <p:nvSpPr>
+          <p:cNvPr id="73" name="角丸四角形 72"/>
+          <p:cNvSpPr/>
+          <p:nvPr/>
+        </p:nvSpPr>
+        <p:spPr>
+          <a:xfrm>
+            <a:off x="6515245" y="1118689"/>
+            <a:ext cx="550589" cy="299213"/>
+          </a:xfrm>
+          <a:prstGeom prst="roundRect">
+            <a:avLst/>
+          </a:prstGeom>
+          <a:noFill/>
+          <a:ln w="25400">
+            <a:solidFill>
+              <a:schemeClr val="tx1"/>
+            </a:solidFill>
+          </a:ln>
+          <a:effectLst/>
+        </p:spPr>
+        <p:style>
+          <a:lnRef idx="1">
+            <a:schemeClr val="accent1"/>
+          </a:lnRef>
+          <a:fillRef idx="3">
+            <a:schemeClr val="accent1"/>
+          </a:fillRef>
+          <a:effectRef idx="2">
+            <a:schemeClr val="accent1"/>
+          </a:effectRef>
+          <a:fontRef idx="minor">
+            <a:schemeClr val="lt1"/>
+          </a:fontRef>
+        </p:style>
+        <p:txBody>
+          <a:bodyPr rtlCol="0" anchor="ctr"/>
+          <a:lstStyle/>
+          <a:p>
+            <a:pPr algn="ctr"/>
+            <a:r>
+              <a:rPr kumimoji="1" lang="ja-JP" altLang="en-US" sz="1200" dirty="0" smtClean="0">
+                <a:solidFill>
+                  <a:schemeClr val="tx1"/>
+                </a:solidFill>
+                <a:latin typeface="メイリオ"/>
+                <a:ea typeface="メイリオ"/>
+                <a:cs typeface="メイリオ"/>
+              </a:rPr>
+              <a:t>登録</a:t>
+            </a:r>
+            <a:endParaRPr kumimoji="1" lang="ja-JP" altLang="en-US" sz="1200" dirty="0">
+              <a:solidFill>
+                <a:schemeClr val="tx1"/>
+              </a:solidFill>
+              <a:latin typeface="メイリオ"/>
+              <a:ea typeface="メイリオ"/>
+              <a:cs typeface="メイリオ"/>
+            </a:endParaRPr>
+          </a:p>
+        </p:txBody>
+      </p:sp>
+      <p:cxnSp>
+        <p:nvCxnSpPr>
+          <p:cNvPr id="74" name="直線コネクタ 73"/>
+          <p:cNvCxnSpPr/>
+          <p:nvPr/>
+        </p:nvCxnSpPr>
+        <p:spPr>
+          <a:xfrm>
+            <a:off x="923931" y="1547091"/>
+            <a:ext cx="7250251" cy="0"/>
+          </a:xfrm>
+          <a:prstGeom prst="line">
+            <a:avLst/>
+          </a:prstGeom>
+          <a:ln>
+            <a:solidFill>
+              <a:schemeClr val="bg1">
+                <a:lumMod val="65000"/>
+              </a:schemeClr>
+            </a:solidFill>
+          </a:ln>
+          <a:effectLst/>
+        </p:spPr>
+        <p:style>
+          <a:lnRef idx="2">
+            <a:schemeClr val="accent1"/>
+          </a:lnRef>
+          <a:fillRef idx="0">
+            <a:schemeClr val="accent1"/>
+          </a:fillRef>
+          <a:effectRef idx="1">
+            <a:schemeClr val="accent1"/>
+          </a:effectRef>
+          <a:fontRef idx="minor">
+            <a:schemeClr val="tx1"/>
+          </a:fontRef>
+        </p:style>
+      </p:cxnSp>
+      <p:sp>
+        <p:nvSpPr>
+          <p:cNvPr id="75" name="テキスト ボックス 74"/>
+          <p:cNvSpPr txBox="1"/>
+          <p:nvPr/>
+        </p:nvSpPr>
+        <p:spPr>
+          <a:xfrm>
+            <a:off x="4124211" y="1630084"/>
+            <a:ext cx="296175" cy="307777"/>
+          </a:xfrm>
+          <a:prstGeom prst="rect">
+            <a:avLst/>
+          </a:prstGeom>
+          <a:noFill/>
+        </p:spPr>
+        <p:txBody>
+          <a:bodyPr wrap="none" rtlCol="0">
+            <a:spAutoFit/>
+          </a:bodyPr>
+          <a:lstStyle/>
+          <a:p>
+            <a:r>
+              <a:rPr lang="en-US" altLang="ja-JP" sz="1400" dirty="0">
+                <a:latin typeface="メイリオ"/>
+                <a:ea typeface="メイリオ"/>
+                <a:cs typeface="メイリオ"/>
+              </a:rPr>
+              <a:t>1</a:t>
+            </a:r>
+            <a:endParaRPr kumimoji="1" lang="ja-JP" altLang="en-US" sz="1400" dirty="0">
+              <a:latin typeface="メイリオ"/>
+              <a:ea typeface="メイリオ"/>
+              <a:cs typeface="メイリオ"/>
+            </a:endParaRPr>
+          </a:p>
+        </p:txBody>
+      </p:sp>
+      <p:sp>
+        <p:nvSpPr>
+          <p:cNvPr id="76" name="テキスト ボックス 75"/>
+          <p:cNvSpPr txBox="1"/>
+          <p:nvPr/>
+        </p:nvSpPr>
+        <p:spPr>
+          <a:xfrm>
+            <a:off x="4356158" y="1632399"/>
+            <a:ext cx="296175" cy="307777"/>
+          </a:xfrm>
+          <a:prstGeom prst="rect">
+            <a:avLst/>
+          </a:prstGeom>
+          <a:noFill/>
+        </p:spPr>
+        <p:txBody>
+          <a:bodyPr wrap="none" rtlCol="0">
+            <a:spAutoFit/>
+          </a:bodyPr>
+          <a:lstStyle/>
+          <a:p>
+            <a:r>
+              <a:rPr lang="en-US" altLang="ja-JP" sz="1400" dirty="0" smtClean="0">
+                <a:latin typeface="メイリオ"/>
+                <a:ea typeface="メイリオ"/>
+                <a:cs typeface="メイリオ"/>
+              </a:rPr>
+              <a:t>2</a:t>
+            </a:r>
+            <a:endParaRPr kumimoji="1" lang="ja-JP" altLang="en-US" sz="1400" dirty="0">
+              <a:latin typeface="メイリオ"/>
+              <a:ea typeface="メイリオ"/>
+              <a:cs typeface="メイリオ"/>
+            </a:endParaRPr>
+          </a:p>
+        </p:txBody>
+      </p:sp>
+      <p:sp>
+        <p:nvSpPr>
+          <p:cNvPr id="77" name="テキスト ボックス 76"/>
+          <p:cNvSpPr txBox="1"/>
+          <p:nvPr/>
+        </p:nvSpPr>
+        <p:spPr>
+          <a:xfrm>
+            <a:off x="4597125" y="1632399"/>
+            <a:ext cx="494734" cy="307777"/>
+          </a:xfrm>
+          <a:prstGeom prst="rect">
+            <a:avLst/>
+          </a:prstGeom>
+          <a:noFill/>
+        </p:spPr>
+        <p:txBody>
+          <a:bodyPr wrap="none" rtlCol="0">
+            <a:spAutoFit/>
+          </a:bodyPr>
+          <a:lstStyle/>
+          <a:p>
+            <a:r>
+              <a:rPr lang="en-US" altLang="ja-JP" sz="1400" dirty="0" smtClean="0">
+                <a:latin typeface="メイリオ"/>
+                <a:ea typeface="メイリオ"/>
+                <a:cs typeface="メイリオ"/>
+              </a:rPr>
+              <a:t>. . .</a:t>
+            </a:r>
+            <a:endParaRPr kumimoji="1" lang="ja-JP" altLang="en-US" sz="1400" dirty="0">
+              <a:latin typeface="メイリオ"/>
+              <a:ea typeface="メイリオ"/>
+              <a:cs typeface="メイリオ"/>
+            </a:endParaRPr>
+          </a:p>
+        </p:txBody>
+      </p:sp>
+      <p:sp>
+        <p:nvSpPr>
+          <p:cNvPr id="78" name="二等辺三角形 77"/>
+          <p:cNvSpPr/>
+          <p:nvPr/>
+        </p:nvSpPr>
+        <p:spPr>
+          <a:xfrm rot="5400000">
+            <a:off x="5439130" y="1683849"/>
+            <a:ext cx="179370" cy="181212"/>
+          </a:xfrm>
+          <a:prstGeom prst="triangle">
+            <a:avLst/>
+          </a:prstGeom>
+          <a:solidFill>
+            <a:srgbClr val="F75D31"/>
+          </a:solidFill>
+          <a:ln>
+            <a:noFill/>
+          </a:ln>
+          <a:effectLst/>
+        </p:spPr>
+        <p:style>
+          <a:lnRef idx="1">
+            <a:schemeClr val="accent1"/>
+          </a:lnRef>
+          <a:fillRef idx="3">
+            <a:schemeClr val="accent1"/>
+          </a:fillRef>
+          <a:effectRef idx="2">
+            <a:schemeClr val="accent1"/>
+          </a:effectRef>
+          <a:fontRef idx="minor">
+            <a:schemeClr val="lt1"/>
+          </a:fontRef>
+        </p:style>
+        <p:txBody>
+          <a:bodyPr rtlCol="0" anchor="ctr"/>
+          <a:lstStyle/>
+          <a:p>
+            <a:pPr algn="ctr"/>
+            <a:endParaRPr kumimoji="1" lang="ja-JP" altLang="en-US"/>
+          </a:p>
+        </p:txBody>
+      </p:sp>
+      <p:sp>
+        <p:nvSpPr>
+          <p:cNvPr id="79" name="二等辺三角形 78"/>
+          <p:cNvSpPr/>
+          <p:nvPr/>
+        </p:nvSpPr>
+        <p:spPr>
+          <a:xfrm rot="16200000">
+            <a:off x="3923520" y="1684770"/>
+            <a:ext cx="180000" cy="180000"/>
+          </a:xfrm>
+          <a:prstGeom prst="triangle">
+            <a:avLst/>
+          </a:prstGeom>
+          <a:solidFill>
+            <a:srgbClr val="F75D31"/>
+          </a:solidFill>
+          <a:ln>
+            <a:noFill/>
+          </a:ln>
+          <a:effectLst/>
+        </p:spPr>
+        <p:style>
+          <a:lnRef idx="1">
+            <a:schemeClr val="accent1"/>
+          </a:lnRef>
+          <a:fillRef idx="3">
+            <a:schemeClr val="accent1"/>
+          </a:fillRef>
+          <a:effectRef idx="2">
+            <a:schemeClr val="accent1"/>
+          </a:effectRef>
+          <a:fontRef idx="minor">
+            <a:schemeClr val="lt1"/>
+          </a:fontRef>
+        </p:style>
+        <p:txBody>
+          <a:bodyPr rtlCol="0" anchor="ctr"/>
+          <a:lstStyle/>
+          <a:p>
+            <a:pPr algn="ctr"/>
+            <a:endParaRPr kumimoji="1" lang="ja-JP" altLang="en-US"/>
+          </a:p>
+        </p:txBody>
+      </p:sp>
+      <p:sp>
+        <p:nvSpPr>
+          <p:cNvPr id="80" name="テキスト ボックス 79"/>
+          <p:cNvSpPr txBox="1"/>
+          <p:nvPr/>
+        </p:nvSpPr>
+        <p:spPr>
+          <a:xfrm>
+            <a:off x="5013885" y="1632399"/>
+            <a:ext cx="407684" cy="307777"/>
+          </a:xfrm>
+          <a:prstGeom prst="rect">
+            <a:avLst/>
+          </a:prstGeom>
+          <a:noFill/>
+        </p:spPr>
+        <p:txBody>
+          <a:bodyPr wrap="none" rtlCol="0">
+            <a:spAutoFit/>
+          </a:bodyPr>
+          <a:lstStyle/>
+          <a:p>
+            <a:r>
+              <a:rPr lang="en-US" altLang="ja-JP" sz="1400" dirty="0" smtClean="0">
+                <a:latin typeface="メイリオ"/>
+                <a:ea typeface="メイリオ"/>
+                <a:cs typeface="メイリオ"/>
+              </a:rPr>
+              <a:t>20</a:t>
+            </a:r>
+            <a:endParaRPr kumimoji="1" lang="ja-JP" altLang="en-US" sz="1400" dirty="0">
+              <a:latin typeface="メイリオ"/>
+              <a:ea typeface="メイリオ"/>
+              <a:cs typeface="メイリオ"/>
+            </a:endParaRPr>
+          </a:p>
+        </p:txBody>
+      </p:sp>
+      <p:sp>
+        <p:nvSpPr>
+          <p:cNvPr id="81" name="テキスト ボックス 80"/>
+          <p:cNvSpPr txBox="1"/>
+          <p:nvPr/>
+        </p:nvSpPr>
+        <p:spPr>
+          <a:xfrm>
+            <a:off x="993905" y="1630084"/>
+            <a:ext cx="2623046" cy="307777"/>
+          </a:xfrm>
+          <a:prstGeom prst="rect">
+            <a:avLst/>
+          </a:prstGeom>
+          <a:noFill/>
+        </p:spPr>
+        <p:txBody>
+          <a:bodyPr wrap="none" rtlCol="0">
+            <a:spAutoFit/>
+          </a:bodyPr>
+          <a:lstStyle/>
+          <a:p>
+            <a:r>
+              <a:rPr lang="en-US" altLang="ja-JP" sz="1400" dirty="0" smtClean="0">
+                <a:latin typeface="メイリオ"/>
+                <a:ea typeface="メイリオ"/>
+                <a:cs typeface="メイリオ"/>
+              </a:rPr>
+              <a:t>xxx </a:t>
+            </a:r>
+            <a:r>
+              <a:rPr lang="ja-JP" altLang="en-US" sz="1400" dirty="0" smtClean="0">
+                <a:latin typeface="メイリオ"/>
+                <a:ea typeface="メイリオ"/>
+                <a:cs typeface="メイリオ"/>
+              </a:rPr>
+              <a:t>件中</a:t>
+            </a:r>
+            <a:r>
+              <a:rPr lang="en-US" altLang="ja-JP" sz="1400" dirty="0" smtClean="0">
+                <a:latin typeface="メイリオ"/>
+                <a:ea typeface="メイリオ"/>
+                <a:cs typeface="メイリオ"/>
+              </a:rPr>
+              <a:t> </a:t>
+            </a:r>
+            <a:r>
+              <a:rPr lang="en-US" altLang="ja-JP" sz="1400" dirty="0" err="1" smtClean="0">
+                <a:latin typeface="メイリオ"/>
+                <a:ea typeface="メイリオ"/>
+                <a:cs typeface="メイリオ"/>
+              </a:rPr>
+              <a:t>yyy</a:t>
+            </a:r>
+            <a:r>
+              <a:rPr lang="en-US" altLang="ja-JP" sz="1400" dirty="0" smtClean="0">
+                <a:latin typeface="メイリオ"/>
+                <a:ea typeface="メイリオ"/>
+                <a:cs typeface="メイリオ"/>
+              </a:rPr>
+              <a:t> 〜 </a:t>
+            </a:r>
+            <a:r>
+              <a:rPr lang="en-US" altLang="ja-JP" sz="1400" dirty="0" err="1" smtClean="0">
+                <a:latin typeface="メイリオ"/>
+                <a:ea typeface="メイリオ"/>
+                <a:cs typeface="メイリオ"/>
+              </a:rPr>
+              <a:t>zzz</a:t>
+            </a:r>
+            <a:r>
+              <a:rPr lang="en-US" altLang="ja-JP" sz="1400" dirty="0" smtClean="0">
+                <a:latin typeface="メイリオ"/>
+                <a:ea typeface="メイリオ"/>
+                <a:cs typeface="メイリオ"/>
+              </a:rPr>
+              <a:t> </a:t>
+            </a:r>
+            <a:r>
+              <a:rPr lang="ja-JP" altLang="en-US" sz="1400" dirty="0" smtClean="0">
+                <a:latin typeface="メイリオ"/>
+                <a:ea typeface="メイリオ"/>
+                <a:cs typeface="メイリオ"/>
+              </a:rPr>
+              <a:t>件を表示</a:t>
+            </a:r>
+            <a:endParaRPr kumimoji="1" lang="ja-JP" altLang="en-US" sz="1400" dirty="0">
+              <a:latin typeface="メイリオ"/>
+              <a:ea typeface="メイリオ"/>
+              <a:cs typeface="メイリオ"/>
+            </a:endParaRPr>
+          </a:p>
+        </p:txBody>
+      </p:sp>
+      <p:sp>
+        <p:nvSpPr>
+          <p:cNvPr id="82" name="二等辺三角形 81"/>
+          <p:cNvSpPr/>
+          <p:nvPr/>
+        </p:nvSpPr>
+        <p:spPr>
+          <a:xfrm rot="16200000">
+            <a:off x="3596344" y="1684770"/>
+            <a:ext cx="180000" cy="180000"/>
+          </a:xfrm>
+          <a:prstGeom prst="triangle">
+            <a:avLst/>
+          </a:prstGeom>
+          <a:solidFill>
+            <a:srgbClr val="F75D31"/>
+          </a:solidFill>
+          <a:ln>
+            <a:noFill/>
+          </a:ln>
+          <a:effectLst/>
+        </p:spPr>
+        <p:style>
+          <a:lnRef idx="1">
+            <a:schemeClr val="accent1"/>
+          </a:lnRef>
+          <a:fillRef idx="3">
+            <a:schemeClr val="accent1"/>
+          </a:fillRef>
+          <a:effectRef idx="2">
+            <a:schemeClr val="accent1"/>
+          </a:effectRef>
+          <a:fontRef idx="minor">
+            <a:schemeClr val="lt1"/>
+          </a:fontRef>
+        </p:style>
+        <p:txBody>
+          <a:bodyPr rtlCol="0" anchor="ctr"/>
+          <a:lstStyle/>
+          <a:p>
+            <a:pPr algn="ctr"/>
+            <a:endParaRPr kumimoji="1" lang="ja-JP" altLang="en-US"/>
+          </a:p>
+        </p:txBody>
+      </p:sp>
+      <p:sp>
+        <p:nvSpPr>
+          <p:cNvPr id="83" name="二等辺三角形 82"/>
+          <p:cNvSpPr/>
+          <p:nvPr/>
+        </p:nvSpPr>
+        <p:spPr>
+          <a:xfrm rot="16200000">
+            <a:off x="3693379" y="1684140"/>
+            <a:ext cx="180000" cy="180000"/>
+          </a:xfrm>
+          <a:prstGeom prst="triangle">
+            <a:avLst/>
+          </a:prstGeom>
+          <a:solidFill>
+            <a:srgbClr val="F75D31"/>
+          </a:solidFill>
+          <a:ln>
+            <a:noFill/>
+          </a:ln>
+          <a:effectLst/>
+        </p:spPr>
+        <p:style>
+          <a:lnRef idx="1">
+            <a:schemeClr val="accent1"/>
+          </a:lnRef>
+          <a:fillRef idx="3">
+            <a:schemeClr val="accent1"/>
+          </a:fillRef>
+          <a:effectRef idx="2">
+            <a:schemeClr val="accent1"/>
+          </a:effectRef>
+          <a:fontRef idx="minor">
+            <a:schemeClr val="lt1"/>
+          </a:fontRef>
+        </p:style>
+        <p:txBody>
+          <a:bodyPr rtlCol="0" anchor="ctr"/>
+          <a:lstStyle/>
+          <a:p>
+            <a:pPr algn="ctr"/>
+            <a:endParaRPr kumimoji="1" lang="ja-JP" altLang="en-US"/>
+          </a:p>
+        </p:txBody>
+      </p:sp>
+      <p:sp>
+        <p:nvSpPr>
+          <p:cNvPr id="84" name="二等辺三角形 83"/>
+          <p:cNvSpPr/>
+          <p:nvPr/>
+        </p:nvSpPr>
+        <p:spPr>
+          <a:xfrm rot="5400000">
+            <a:off x="5764549" y="1684479"/>
+            <a:ext cx="179370" cy="181212"/>
+          </a:xfrm>
+          <a:prstGeom prst="triangle">
+            <a:avLst/>
+          </a:prstGeom>
+          <a:solidFill>
+            <a:srgbClr val="F75D31"/>
+          </a:solidFill>
+          <a:ln>
+            <a:noFill/>
+          </a:ln>
+          <a:effectLst/>
+        </p:spPr>
+        <p:style>
+          <a:lnRef idx="1">
+            <a:schemeClr val="accent1"/>
+          </a:lnRef>
+          <a:fillRef idx="3">
+            <a:schemeClr val="accent1"/>
+          </a:fillRef>
+          <a:effectRef idx="2">
+            <a:schemeClr val="accent1"/>
+          </a:effectRef>
+          <a:fontRef idx="minor">
+            <a:schemeClr val="lt1"/>
+          </a:fontRef>
+        </p:style>
+        <p:txBody>
+          <a:bodyPr rtlCol="0" anchor="ctr"/>
+          <a:lstStyle/>
+          <a:p>
+            <a:pPr algn="ctr"/>
+            <a:endParaRPr kumimoji="1" lang="ja-JP" altLang="en-US"/>
+          </a:p>
+        </p:txBody>
+      </p:sp>
+      <p:sp>
+        <p:nvSpPr>
+          <p:cNvPr id="85" name="二等辺三角形 84"/>
+          <p:cNvSpPr/>
+          <p:nvPr/>
+        </p:nvSpPr>
+        <p:spPr>
+          <a:xfrm rot="5400000">
+            <a:off x="5673943" y="1684479"/>
+            <a:ext cx="179370" cy="181212"/>
+          </a:xfrm>
+          <a:prstGeom prst="triangle">
+            <a:avLst/>
+          </a:prstGeom>
+          <a:solidFill>
+            <a:srgbClr val="F75D31"/>
+          </a:solidFill>
+          <a:ln>
+            <a:noFill/>
+          </a:ln>
+          <a:effectLst/>
+        </p:spPr>
+        <p:style>
+          <a:lnRef idx="1">
+            <a:schemeClr val="accent1"/>
+          </a:lnRef>
+          <a:fillRef idx="3">
+            <a:schemeClr val="accent1"/>
+          </a:fillRef>
+          <a:effectRef idx="2">
+            <a:schemeClr val="accent1"/>
+          </a:effectRef>
+          <a:fontRef idx="minor">
+            <a:schemeClr val="lt1"/>
+          </a:fontRef>
+        </p:style>
+        <p:txBody>
+          <a:bodyPr rtlCol="0" anchor="ctr"/>
+          <a:lstStyle/>
+          <a:p>
+            <a:pPr algn="ctr"/>
+            <a:endParaRPr kumimoji="1" lang="ja-JP" altLang="en-US"/>
+          </a:p>
+        </p:txBody>
+      </p:sp>
+      <p:sp>
+        <p:nvSpPr>
+          <p:cNvPr id="86" name="角丸四角形 85"/>
+          <p:cNvSpPr/>
+          <p:nvPr/>
+        </p:nvSpPr>
+        <p:spPr>
+          <a:xfrm>
+            <a:off x="7239002" y="1121482"/>
+            <a:ext cx="864625" cy="299213"/>
+          </a:xfrm>
+          <a:prstGeom prst="roundRect">
+            <a:avLst/>
+          </a:prstGeom>
+          <a:noFill/>
+          <a:ln w="25400">
+            <a:solidFill>
+              <a:schemeClr val="tx1"/>
+            </a:solidFill>
+          </a:ln>
+          <a:effectLst/>
+        </p:spPr>
+        <p:style>
+          <a:lnRef idx="1">
+            <a:schemeClr val="accent1"/>
+          </a:lnRef>
+          <a:fillRef idx="3">
+            <a:schemeClr val="accent1"/>
+          </a:fillRef>
+          <a:effectRef idx="2">
+            <a:schemeClr val="accent1"/>
+          </a:effectRef>
+          <a:fontRef idx="minor">
+            <a:schemeClr val="lt1"/>
+          </a:fontRef>
+        </p:style>
+        <p:txBody>
+          <a:bodyPr rtlCol="0" anchor="ctr"/>
+          <a:lstStyle/>
+          <a:p>
+            <a:pPr algn="ctr"/>
+            <a:r>
+              <a:rPr lang="en-US" altLang="en-US" sz="1200" dirty="0" smtClean="0">
+                <a:solidFill>
+                  <a:schemeClr val="tx1"/>
+                </a:solidFill>
+                <a:latin typeface="メイリオ"/>
+                <a:ea typeface="メイリオ"/>
+                <a:cs typeface="メイリオ"/>
+              </a:rPr>
+              <a:t>リセット</a:t>
+            </a:r>
+            <a:endParaRPr kumimoji="1" lang="ja-JP" altLang="en-US" sz="1200" dirty="0">
+              <a:solidFill>
+                <a:schemeClr val="tx1"/>
+              </a:solidFill>
+              <a:latin typeface="メイリオ"/>
+              <a:ea typeface="メイリオ"/>
+              <a:cs typeface="メイリオ"/>
+            </a:endParaRPr>
+          </a:p>
+        </p:txBody>
+      </p:sp>
+      <p:pic>
+        <p:nvPicPr>
+          <p:cNvPr id="87" name="図 86" descr="trash.png"/>
+          <p:cNvPicPr>
+            <a:picLocks noChangeAspect="1"/>
+          </p:cNvPicPr>
+          <p:nvPr/>
+        </p:nvPicPr>
+        <p:blipFill>
+          <a:blip r:embed="rId3">
+            <a:extLst>
+              <a:ext uri="{28A0092B-C50C-407E-A947-70E740481C1C}">
+                <a14:useLocalDpi xmlns:a14="http://schemas.microsoft.com/office/drawing/2010/main" val="0"/>
+              </a:ext>
+            </a:extLst>
+          </a:blip>
+          <a:stretch>
+            <a:fillRect/>
+          </a:stretch>
+        </p:blipFill>
+        <p:spPr>
+          <a:xfrm>
+            <a:off x="7967360" y="2463737"/>
+            <a:ext cx="272533" cy="272533"/>
+          </a:xfrm>
+          <a:prstGeom prst="rect">
+            <a:avLst/>
+          </a:prstGeom>
+        </p:spPr>
+      </p:pic>
+      <p:pic>
+        <p:nvPicPr>
+          <p:cNvPr id="88" name="図 87" descr="trash.png"/>
+          <p:cNvPicPr>
+            <a:picLocks noChangeAspect="1"/>
+          </p:cNvPicPr>
+          <p:nvPr/>
+        </p:nvPicPr>
+        <p:blipFill>
+          <a:blip r:embed="rId3">
+            <a:extLst>
+              <a:ext uri="{28A0092B-C50C-407E-A947-70E740481C1C}">
+                <a14:useLocalDpi xmlns:a14="http://schemas.microsoft.com/office/drawing/2010/main" val="0"/>
+              </a:ext>
+            </a:extLst>
+          </a:blip>
+          <a:stretch>
+            <a:fillRect/>
+          </a:stretch>
+        </p:blipFill>
+        <p:spPr>
+          <a:xfrm>
+            <a:off x="7967360" y="2865577"/>
+            <a:ext cx="272533" cy="272533"/>
+          </a:xfrm>
+          <a:prstGeom prst="rect">
+            <a:avLst/>
+          </a:prstGeom>
+        </p:spPr>
+      </p:pic>
+      <p:pic>
+        <p:nvPicPr>
+          <p:cNvPr id="89" name="図 88" descr="trash.png"/>
+          <p:cNvPicPr>
+            <a:picLocks noChangeAspect="1"/>
+          </p:cNvPicPr>
+          <p:nvPr/>
+        </p:nvPicPr>
+        <p:blipFill>
+          <a:blip r:embed="rId3">
+            <a:extLst>
+              <a:ext uri="{28A0092B-C50C-407E-A947-70E740481C1C}">
+                <a14:useLocalDpi xmlns:a14="http://schemas.microsoft.com/office/drawing/2010/main" val="0"/>
+              </a:ext>
+            </a:extLst>
+          </a:blip>
+          <a:stretch>
+            <a:fillRect/>
+          </a:stretch>
+        </p:blipFill>
+        <p:spPr>
+          <a:xfrm>
+            <a:off x="7967360" y="3244330"/>
+            <a:ext cx="272533" cy="272533"/>
+          </a:xfrm>
+          <a:prstGeom prst="rect">
+            <a:avLst/>
+          </a:prstGeom>
+        </p:spPr>
+      </p:pic>
+      <p:pic>
+        <p:nvPicPr>
+          <p:cNvPr id="90" name="図 89" descr="trash.png"/>
+          <p:cNvPicPr>
+            <a:picLocks noChangeAspect="1"/>
+          </p:cNvPicPr>
+          <p:nvPr/>
+        </p:nvPicPr>
+        <p:blipFill>
+          <a:blip r:embed="rId3">
+            <a:extLst>
+              <a:ext uri="{28A0092B-C50C-407E-A947-70E740481C1C}">
+                <a14:useLocalDpi xmlns:a14="http://schemas.microsoft.com/office/drawing/2010/main" val="0"/>
+              </a:ext>
+            </a:extLst>
+          </a:blip>
+          <a:stretch>
+            <a:fillRect/>
+          </a:stretch>
+        </p:blipFill>
+        <p:spPr>
+          <a:xfrm>
+            <a:off x="7967360" y="3646170"/>
+            <a:ext cx="272533" cy="272533"/>
+          </a:xfrm>
+          <a:prstGeom prst="rect">
+            <a:avLst/>
+          </a:prstGeom>
+        </p:spPr>
+      </p:pic>
+      <p:pic>
+        <p:nvPicPr>
+          <p:cNvPr id="91" name="図 90" descr="trash.png"/>
+          <p:cNvPicPr>
+            <a:picLocks noChangeAspect="1"/>
+          </p:cNvPicPr>
+          <p:nvPr/>
+        </p:nvPicPr>
+        <p:blipFill>
+          <a:blip r:embed="rId3">
+            <a:extLst>
+              <a:ext uri="{28A0092B-C50C-407E-A947-70E740481C1C}">
+                <a14:useLocalDpi xmlns:a14="http://schemas.microsoft.com/office/drawing/2010/main" val="0"/>
+              </a:ext>
+            </a:extLst>
+          </a:blip>
+          <a:stretch>
+            <a:fillRect/>
+          </a:stretch>
+        </p:blipFill>
+        <p:spPr>
+          <a:xfrm>
+            <a:off x="7966108" y="4020421"/>
+            <a:ext cx="272533" cy="272533"/>
+          </a:xfrm>
+          <a:prstGeom prst="rect">
+            <a:avLst/>
+          </a:prstGeom>
+        </p:spPr>
+      </p:pic>
+      <p:pic>
+        <p:nvPicPr>
+          <p:cNvPr id="92" name="図 91" descr="trash.png"/>
+          <p:cNvPicPr>
+            <a:picLocks noChangeAspect="1"/>
+          </p:cNvPicPr>
+          <p:nvPr/>
+        </p:nvPicPr>
+        <p:blipFill>
+          <a:blip r:embed="rId3">
+            <a:extLst>
+              <a:ext uri="{28A0092B-C50C-407E-A947-70E740481C1C}">
+                <a14:useLocalDpi xmlns:a14="http://schemas.microsoft.com/office/drawing/2010/main" val="0"/>
+              </a:ext>
+            </a:extLst>
+          </a:blip>
+          <a:stretch>
+            <a:fillRect/>
+          </a:stretch>
+        </p:blipFill>
+        <p:spPr>
+          <a:xfrm>
+            <a:off x="7966108" y="4422261"/>
+            <a:ext cx="272533" cy="272533"/>
+          </a:xfrm>
+          <a:prstGeom prst="rect">
+            <a:avLst/>
+          </a:prstGeom>
+        </p:spPr>
+      </p:pic>
+      <p:pic>
+        <p:nvPicPr>
+          <p:cNvPr id="93" name="図 92" descr="trash.png"/>
+          <p:cNvPicPr>
+            <a:picLocks noChangeAspect="1"/>
+          </p:cNvPicPr>
+          <p:nvPr/>
+        </p:nvPicPr>
+        <p:blipFill>
+          <a:blip r:embed="rId3">
+            <a:extLst>
+              <a:ext uri="{28A0092B-C50C-407E-A947-70E740481C1C}">
+                <a14:useLocalDpi xmlns:a14="http://schemas.microsoft.com/office/drawing/2010/main" val="0"/>
+              </a:ext>
+            </a:extLst>
+          </a:blip>
+          <a:stretch>
+            <a:fillRect/>
+          </a:stretch>
+        </p:blipFill>
+        <p:spPr>
+          <a:xfrm>
+            <a:off x="7967360" y="4799059"/>
+            <a:ext cx="272533" cy="272533"/>
+          </a:xfrm>
+          <a:prstGeom prst="rect">
+            <a:avLst/>
+          </a:prstGeom>
+        </p:spPr>
+      </p:pic>
+      <p:pic>
+        <p:nvPicPr>
+          <p:cNvPr id="94" name="図 93" descr="trash.png"/>
+          <p:cNvPicPr>
+            <a:picLocks noChangeAspect="1"/>
+          </p:cNvPicPr>
+          <p:nvPr/>
+        </p:nvPicPr>
+        <p:blipFill>
+          <a:blip r:embed="rId3">
+            <a:extLst>
+              <a:ext uri="{28A0092B-C50C-407E-A947-70E740481C1C}">
+                <a14:useLocalDpi xmlns:a14="http://schemas.microsoft.com/office/drawing/2010/main" val="0"/>
+              </a:ext>
+            </a:extLst>
+          </a:blip>
+          <a:stretch>
+            <a:fillRect/>
+          </a:stretch>
+        </p:blipFill>
+        <p:spPr>
+          <a:xfrm>
+            <a:off x="7967360" y="5200899"/>
+            <a:ext cx="272533" cy="272533"/>
+          </a:xfrm>
+          <a:prstGeom prst="rect">
+            <a:avLst/>
+          </a:prstGeom>
+        </p:spPr>
+      </p:pic>
+      <p:pic>
+        <p:nvPicPr>
+          <p:cNvPr id="95" name="図 94" descr="trash.png"/>
+          <p:cNvPicPr>
+            <a:picLocks noChangeAspect="1"/>
+          </p:cNvPicPr>
+          <p:nvPr/>
+        </p:nvPicPr>
+        <p:blipFill>
+          <a:blip r:embed="rId3">
+            <a:extLst>
+              <a:ext uri="{28A0092B-C50C-407E-A947-70E740481C1C}">
+                <a14:useLocalDpi xmlns:a14="http://schemas.microsoft.com/office/drawing/2010/main" val="0"/>
+              </a:ext>
+            </a:extLst>
+          </a:blip>
+          <a:stretch>
+            <a:fillRect/>
+          </a:stretch>
+        </p:blipFill>
+        <p:spPr>
+          <a:xfrm>
+            <a:off x="7966108" y="5558835"/>
+            <a:ext cx="272533" cy="272533"/>
+          </a:xfrm>
+          <a:prstGeom prst="rect">
+            <a:avLst/>
+          </a:prstGeom>
+        </p:spPr>
+      </p:pic>
+      <p:pic>
+        <p:nvPicPr>
+          <p:cNvPr id="96" name="図 95" descr="trash.png"/>
+          <p:cNvPicPr>
+            <a:picLocks noChangeAspect="1"/>
+          </p:cNvPicPr>
+          <p:nvPr/>
+        </p:nvPicPr>
+        <p:blipFill>
+          <a:blip r:embed="rId3">
+            <a:extLst>
+              <a:ext uri="{28A0092B-C50C-407E-A947-70E740481C1C}">
+                <a14:useLocalDpi xmlns:a14="http://schemas.microsoft.com/office/drawing/2010/main" val="0"/>
+              </a:ext>
+            </a:extLst>
+          </a:blip>
+          <a:stretch>
+            <a:fillRect/>
+          </a:stretch>
+        </p:blipFill>
+        <p:spPr>
+          <a:xfrm>
+            <a:off x="7966108" y="5960675"/>
+            <a:ext cx="272533" cy="272533"/>
+          </a:xfrm>
+          <a:prstGeom prst="rect">
+            <a:avLst/>
+          </a:prstGeom>
+        </p:spPr>
+      </p:pic>
+      <p:sp>
+        <p:nvSpPr>
+          <p:cNvPr id="97" name="角丸四角形 96"/>
+          <p:cNvSpPr/>
+          <p:nvPr/>
+        </p:nvSpPr>
+        <p:spPr>
+          <a:xfrm>
+            <a:off x="4954166" y="1192639"/>
+            <a:ext cx="280240" cy="165946"/>
+          </a:xfrm>
+          <a:prstGeom prst="roundRect">
+            <a:avLst/>
+          </a:prstGeom>
+          <a:noFill/>
+          <a:ln w="25400">
+            <a:solidFill>
+              <a:schemeClr val="tx1"/>
+            </a:solidFill>
+          </a:ln>
+          <a:effectLst/>
+        </p:spPr>
+        <p:style>
+          <a:lnRef idx="1">
+            <a:schemeClr val="accent1"/>
+          </a:lnRef>
+          <a:fillRef idx="3">
+            <a:schemeClr val="accent1"/>
+          </a:fillRef>
+          <a:effectRef idx="2">
+            <a:schemeClr val="accent1"/>
+          </a:effectRef>
+          <a:fontRef idx="minor">
+            <a:schemeClr val="lt1"/>
+          </a:fontRef>
+        </p:style>
+        <p:txBody>
+          <a:bodyPr rtlCol="0" anchor="ctr"/>
+          <a:lstStyle/>
+          <a:p>
+            <a:pPr algn="ctr"/>
+            <a:endParaRPr kumimoji="1" lang="ja-JP" altLang="en-US" sz="800" dirty="0">
+              <a:solidFill>
+                <a:schemeClr val="tx1"/>
+              </a:solidFill>
+            </a:endParaRPr>
+          </a:p>
+        </p:txBody>
+      </p:sp>
+      <p:cxnSp>
+        <p:nvCxnSpPr>
+          <p:cNvPr id="98" name="直線コネクタ 97"/>
+          <p:cNvCxnSpPr/>
+          <p:nvPr/>
+        </p:nvCxnSpPr>
+        <p:spPr>
+          <a:xfrm>
+            <a:off x="5001261" y="1238058"/>
+            <a:ext cx="181196" cy="0"/>
+          </a:xfrm>
+          <a:prstGeom prst="line">
+            <a:avLst/>
+          </a:prstGeom>
+          <a:ln w="3175">
+            <a:solidFill>
+              <a:schemeClr val="tx1"/>
+            </a:solidFill>
+          </a:ln>
+        </p:spPr>
+        <p:style>
+          <a:lnRef idx="2">
+            <a:schemeClr val="accent1"/>
+          </a:lnRef>
+          <a:fillRef idx="0">
+            <a:schemeClr val="accent1"/>
+          </a:fillRef>
+          <a:effectRef idx="1">
+            <a:schemeClr val="accent1"/>
+          </a:effectRef>
+          <a:fontRef idx="minor">
+            <a:schemeClr val="tx1"/>
+          </a:fontRef>
+        </p:style>
+      </p:cxnSp>
+      <p:cxnSp>
+        <p:nvCxnSpPr>
+          <p:cNvPr id="99" name="直線コネクタ 98"/>
+          <p:cNvCxnSpPr/>
+          <p:nvPr/>
+        </p:nvCxnSpPr>
+        <p:spPr>
+          <a:xfrm>
+            <a:off x="5001261" y="1277697"/>
+            <a:ext cx="181196" cy="0"/>
+          </a:xfrm>
+          <a:prstGeom prst="line">
+            <a:avLst/>
+          </a:prstGeom>
+          <a:ln w="3175">
+            <a:solidFill>
+              <a:schemeClr val="tx1"/>
+            </a:solidFill>
+          </a:ln>
+        </p:spPr>
+        <p:style>
+          <a:lnRef idx="2">
+            <a:schemeClr val="accent1"/>
+          </a:lnRef>
+          <a:fillRef idx="0">
+            <a:schemeClr val="accent1"/>
+          </a:fillRef>
+          <a:effectRef idx="1">
+            <a:schemeClr val="accent1"/>
+          </a:effectRef>
+          <a:fontRef idx="minor">
+            <a:schemeClr val="tx1"/>
+          </a:fontRef>
+        </p:style>
+      </p:cxnSp>
+      <p:cxnSp>
+        <p:nvCxnSpPr>
+          <p:cNvPr id="100" name="直線コネクタ 99"/>
+          <p:cNvCxnSpPr/>
+          <p:nvPr/>
+        </p:nvCxnSpPr>
+        <p:spPr>
+          <a:xfrm>
+            <a:off x="5003884" y="1310793"/>
+            <a:ext cx="181196" cy="0"/>
+          </a:xfrm>
+          <a:prstGeom prst="line">
+            <a:avLst/>
+          </a:prstGeom>
+          <a:ln w="3175">
+            <a:solidFill>
+              <a:schemeClr val="tx1"/>
+            </a:solidFill>
+          </a:ln>
+        </p:spPr>
+        <p:style>
+          <a:lnRef idx="2">
+            <a:schemeClr val="accent1"/>
+          </a:lnRef>
+          <a:fillRef idx="0">
+            <a:schemeClr val="accent1"/>
+          </a:fillRef>
+          <a:effectRef idx="1">
+            <a:schemeClr val="accent1"/>
+          </a:effectRef>
+          <a:fontRef idx="minor">
+            <a:schemeClr val="tx1"/>
+          </a:fontRef>
+        </p:style>
+      </p:cxnSp>
+      <p:sp>
+        <p:nvSpPr>
+          <p:cNvPr id="101" name="正方形/長方形 100"/>
+          <p:cNvSpPr/>
+          <p:nvPr/>
+        </p:nvSpPr>
+        <p:spPr>
+          <a:xfrm>
+            <a:off x="785584" y="937497"/>
             <a:ext cx="7575640" cy="5541817"/>
           </a:xfrm>
           <a:prstGeom prst="rect">
@@ -11695,7 +15006,7 @@
         </p:nvGrpSpPr>
         <p:grpSpPr>
           <a:xfrm>
-            <a:off x="3017146" y="2447634"/>
+            <a:off x="2920983" y="2447634"/>
             <a:ext cx="2989891" cy="875242"/>
             <a:chOff x="3017146" y="2447634"/>
             <a:chExt cx="2989891" cy="875242"/>
@@ -11927,347 +15238,6 @@
           </p:txBody>
         </p:sp>
       </p:grpSp>
-      <p:cxnSp>
-        <p:nvCxnSpPr>
-          <p:cNvPr id="43" name="直線コネクタ 42"/>
-          <p:cNvCxnSpPr>
-            <a:stCxn id="2" idx="1"/>
-            <a:endCxn id="2" idx="3"/>
-          </p:cNvCxnSpPr>
-          <p:nvPr/>
-        </p:nvCxnSpPr>
-        <p:spPr>
-          <a:xfrm>
-            <a:off x="3017146" y="2885255"/>
-            <a:ext cx="2989891" cy="0"/>
-          </a:xfrm>
-          <a:prstGeom prst="line">
-            <a:avLst/>
-          </a:prstGeom>
-          <a:ln>
-            <a:solidFill>
-              <a:schemeClr val="bg1">
-                <a:lumMod val="65000"/>
-              </a:schemeClr>
-            </a:solidFill>
-          </a:ln>
-          <a:effectLst/>
-        </p:spPr>
-        <p:style>
-          <a:lnRef idx="2">
-            <a:schemeClr val="accent1"/>
-          </a:lnRef>
-          <a:fillRef idx="0">
-            <a:schemeClr val="accent1"/>
-          </a:fillRef>
-          <a:effectRef idx="1">
-            <a:schemeClr val="accent1"/>
-          </a:effectRef>
-          <a:fontRef idx="minor">
-            <a:schemeClr val="tx1"/>
-          </a:fontRef>
-        </p:style>
-      </p:cxnSp>
-      <p:pic>
-        <p:nvPicPr>
-          <p:cNvPr id="53" name="図 52" descr="trash.png"/>
-          <p:cNvPicPr>
-            <a:picLocks noChangeAspect="1"/>
-          </p:cNvPicPr>
-          <p:nvPr/>
-        </p:nvPicPr>
-        <p:blipFill>
-          <a:blip r:embed="rId3">
-            <a:extLst>
-              <a:ext uri="{28A0092B-C50C-407E-A947-70E740481C1C}">
-                <a14:useLocalDpi xmlns:a14="http://schemas.microsoft.com/office/drawing/2010/main" val="0"/>
-              </a:ext>
-            </a:extLst>
-          </a:blip>
-          <a:stretch>
-            <a:fillRect/>
-          </a:stretch>
-        </p:blipFill>
-        <p:spPr>
-          <a:xfrm>
-            <a:off x="7967360" y="2463737"/>
-            <a:ext cx="272533" cy="272533"/>
-          </a:xfrm>
-          <a:prstGeom prst="rect">
-            <a:avLst/>
-          </a:prstGeom>
-        </p:spPr>
-      </p:pic>
-      <p:pic>
-        <p:nvPicPr>
-          <p:cNvPr id="56" name="図 55" descr="trash.png"/>
-          <p:cNvPicPr>
-            <a:picLocks noChangeAspect="1"/>
-          </p:cNvPicPr>
-          <p:nvPr/>
-        </p:nvPicPr>
-        <p:blipFill>
-          <a:blip r:embed="rId3">
-            <a:extLst>
-              <a:ext uri="{28A0092B-C50C-407E-A947-70E740481C1C}">
-                <a14:useLocalDpi xmlns:a14="http://schemas.microsoft.com/office/drawing/2010/main" val="0"/>
-              </a:ext>
-            </a:extLst>
-          </a:blip>
-          <a:stretch>
-            <a:fillRect/>
-          </a:stretch>
-        </p:blipFill>
-        <p:spPr>
-          <a:xfrm>
-            <a:off x="7967360" y="2865577"/>
-            <a:ext cx="272533" cy="272533"/>
-          </a:xfrm>
-          <a:prstGeom prst="rect">
-            <a:avLst/>
-          </a:prstGeom>
-        </p:spPr>
-      </p:pic>
-      <p:pic>
-        <p:nvPicPr>
-          <p:cNvPr id="57" name="図 56" descr="trash.png"/>
-          <p:cNvPicPr>
-            <a:picLocks noChangeAspect="1"/>
-          </p:cNvPicPr>
-          <p:nvPr/>
-        </p:nvPicPr>
-        <p:blipFill>
-          <a:blip r:embed="rId3">
-            <a:extLst>
-              <a:ext uri="{28A0092B-C50C-407E-A947-70E740481C1C}">
-                <a14:useLocalDpi xmlns:a14="http://schemas.microsoft.com/office/drawing/2010/main" val="0"/>
-              </a:ext>
-            </a:extLst>
-          </a:blip>
-          <a:stretch>
-            <a:fillRect/>
-          </a:stretch>
-        </p:blipFill>
-        <p:spPr>
-          <a:xfrm>
-            <a:off x="7967360" y="3244330"/>
-            <a:ext cx="272533" cy="272533"/>
-          </a:xfrm>
-          <a:prstGeom prst="rect">
-            <a:avLst/>
-          </a:prstGeom>
-        </p:spPr>
-      </p:pic>
-      <p:pic>
-        <p:nvPicPr>
-          <p:cNvPr id="58" name="図 57" descr="trash.png"/>
-          <p:cNvPicPr>
-            <a:picLocks noChangeAspect="1"/>
-          </p:cNvPicPr>
-          <p:nvPr/>
-        </p:nvPicPr>
-        <p:blipFill>
-          <a:blip r:embed="rId3">
-            <a:extLst>
-              <a:ext uri="{28A0092B-C50C-407E-A947-70E740481C1C}">
-                <a14:useLocalDpi xmlns:a14="http://schemas.microsoft.com/office/drawing/2010/main" val="0"/>
-              </a:ext>
-            </a:extLst>
-          </a:blip>
-          <a:stretch>
-            <a:fillRect/>
-          </a:stretch>
-        </p:blipFill>
-        <p:spPr>
-          <a:xfrm>
-            <a:off x="7967360" y="3646170"/>
-            <a:ext cx="272533" cy="272533"/>
-          </a:xfrm>
-          <a:prstGeom prst="rect">
-            <a:avLst/>
-          </a:prstGeom>
-        </p:spPr>
-      </p:pic>
-      <p:pic>
-        <p:nvPicPr>
-          <p:cNvPr id="59" name="図 58" descr="trash.png"/>
-          <p:cNvPicPr>
-            <a:picLocks noChangeAspect="1"/>
-          </p:cNvPicPr>
-          <p:nvPr/>
-        </p:nvPicPr>
-        <p:blipFill>
-          <a:blip r:embed="rId3">
-            <a:extLst>
-              <a:ext uri="{28A0092B-C50C-407E-A947-70E740481C1C}">
-                <a14:useLocalDpi xmlns:a14="http://schemas.microsoft.com/office/drawing/2010/main" val="0"/>
-              </a:ext>
-            </a:extLst>
-          </a:blip>
-          <a:stretch>
-            <a:fillRect/>
-          </a:stretch>
-        </p:blipFill>
-        <p:spPr>
-          <a:xfrm>
-            <a:off x="7966108" y="4020421"/>
-            <a:ext cx="272533" cy="272533"/>
-          </a:xfrm>
-          <a:prstGeom prst="rect">
-            <a:avLst/>
-          </a:prstGeom>
-        </p:spPr>
-      </p:pic>
-      <p:pic>
-        <p:nvPicPr>
-          <p:cNvPr id="60" name="図 59" descr="trash.png"/>
-          <p:cNvPicPr>
-            <a:picLocks noChangeAspect="1"/>
-          </p:cNvPicPr>
-          <p:nvPr/>
-        </p:nvPicPr>
-        <p:blipFill>
-          <a:blip r:embed="rId3">
-            <a:extLst>
-              <a:ext uri="{28A0092B-C50C-407E-A947-70E740481C1C}">
-                <a14:useLocalDpi xmlns:a14="http://schemas.microsoft.com/office/drawing/2010/main" val="0"/>
-              </a:ext>
-            </a:extLst>
-          </a:blip>
-          <a:stretch>
-            <a:fillRect/>
-          </a:stretch>
-        </p:blipFill>
-        <p:spPr>
-          <a:xfrm>
-            <a:off x="7966108" y="4422261"/>
-            <a:ext cx="272533" cy="272533"/>
-          </a:xfrm>
-          <a:prstGeom prst="rect">
-            <a:avLst/>
-          </a:prstGeom>
-        </p:spPr>
-      </p:pic>
-      <p:pic>
-        <p:nvPicPr>
-          <p:cNvPr id="61" name="図 60" descr="trash.png"/>
-          <p:cNvPicPr>
-            <a:picLocks noChangeAspect="1"/>
-          </p:cNvPicPr>
-          <p:nvPr/>
-        </p:nvPicPr>
-        <p:blipFill>
-          <a:blip r:embed="rId3">
-            <a:extLst>
-              <a:ext uri="{28A0092B-C50C-407E-A947-70E740481C1C}">
-                <a14:useLocalDpi xmlns:a14="http://schemas.microsoft.com/office/drawing/2010/main" val="0"/>
-              </a:ext>
-            </a:extLst>
-          </a:blip>
-          <a:stretch>
-            <a:fillRect/>
-          </a:stretch>
-        </p:blipFill>
-        <p:spPr>
-          <a:xfrm>
-            <a:off x="7967360" y="4799059"/>
-            <a:ext cx="272533" cy="272533"/>
-          </a:xfrm>
-          <a:prstGeom prst="rect">
-            <a:avLst/>
-          </a:prstGeom>
-        </p:spPr>
-      </p:pic>
-      <p:pic>
-        <p:nvPicPr>
-          <p:cNvPr id="62" name="図 61" descr="trash.png"/>
-          <p:cNvPicPr>
-            <a:picLocks noChangeAspect="1"/>
-          </p:cNvPicPr>
-          <p:nvPr/>
-        </p:nvPicPr>
-        <p:blipFill>
-          <a:blip r:embed="rId3">
-            <a:extLst>
-              <a:ext uri="{28A0092B-C50C-407E-A947-70E740481C1C}">
-                <a14:useLocalDpi xmlns:a14="http://schemas.microsoft.com/office/drawing/2010/main" val="0"/>
-              </a:ext>
-            </a:extLst>
-          </a:blip>
-          <a:stretch>
-            <a:fillRect/>
-          </a:stretch>
-        </p:blipFill>
-        <p:spPr>
-          <a:xfrm>
-            <a:off x="7967360" y="5200899"/>
-            <a:ext cx="272533" cy="272533"/>
-          </a:xfrm>
-          <a:prstGeom prst="rect">
-            <a:avLst/>
-          </a:prstGeom>
-        </p:spPr>
-      </p:pic>
-      <p:pic>
-        <p:nvPicPr>
-          <p:cNvPr id="63" name="図 62" descr="trash.png"/>
-          <p:cNvPicPr>
-            <a:picLocks noChangeAspect="1"/>
-          </p:cNvPicPr>
-          <p:nvPr/>
-        </p:nvPicPr>
-        <p:blipFill>
-          <a:blip r:embed="rId3">
-            <a:extLst>
-              <a:ext uri="{28A0092B-C50C-407E-A947-70E740481C1C}">
-                <a14:useLocalDpi xmlns:a14="http://schemas.microsoft.com/office/drawing/2010/main" val="0"/>
-              </a:ext>
-            </a:extLst>
-          </a:blip>
-          <a:stretch>
-            <a:fillRect/>
-          </a:stretch>
-        </p:blipFill>
-        <p:spPr>
-          <a:xfrm>
-            <a:off x="7966108" y="5558835"/>
-            <a:ext cx="272533" cy="272533"/>
-          </a:xfrm>
-          <a:prstGeom prst="rect">
-            <a:avLst/>
-          </a:prstGeom>
-        </p:spPr>
-      </p:pic>
-      <p:pic>
-        <p:nvPicPr>
-          <p:cNvPr id="70" name="図 69" descr="trash.png"/>
-          <p:cNvPicPr>
-            <a:picLocks noChangeAspect="1"/>
-          </p:cNvPicPr>
-          <p:nvPr/>
-        </p:nvPicPr>
-        <p:blipFill>
-          <a:blip r:embed="rId3">
-            <a:extLst>
-              <a:ext uri="{28A0092B-C50C-407E-A947-70E740481C1C}">
-                <a14:useLocalDpi xmlns:a14="http://schemas.microsoft.com/office/drawing/2010/main" val="0"/>
-              </a:ext>
-            </a:extLst>
-          </a:blip>
-          <a:stretch>
-            <a:fillRect/>
-          </a:stretch>
-        </p:blipFill>
-        <p:spPr>
-          <a:xfrm>
-            <a:off x="7966108" y="5960675"/>
-            <a:ext cx="272533" cy="272533"/>
-          </a:xfrm>
-          <a:prstGeom prst="rect">
-            <a:avLst/>
-          </a:prstGeom>
-        </p:spPr>
-      </p:pic>
     </p:spTree>
     <p:extLst>
       <p:ext uri="{BB962C8B-B14F-4D97-AF65-F5344CB8AC3E}">
